--- a/Lecture slides/AMOS B02 - Scrum and AMOS.pptx
+++ b/Lecture slides/AMOS B02 - Scrum and AMOS.pptx
@@ -4702,7 +4702,7 @@
             <a:avLst/>
           </a:prstGeom>
           <a:solidFill>
-            <a:schemeClr val="accent1"/>
+            <a:schemeClr val="accent3"/>
           </a:solidFill>
           <a:ln>
             <a:noFill/>
@@ -4726,7 +4726,11 @@
             <a:r>
               <a:t/>
             </a:r>
-            <a:endParaRPr/>
+            <a:endParaRPr>
+              <a:solidFill>
+                <a:schemeClr val="dk1"/>
+              </a:solidFill>
+            </a:endParaRPr>
           </a:p>
         </p:txBody>
       </p:sp>
@@ -4895,7 +4899,7 @@
             <a:avLst/>
           </a:prstGeom>
           <a:solidFill>
-            <a:schemeClr val="accent1"/>
+            <a:schemeClr val="accent3"/>
           </a:solidFill>
           <a:ln>
             <a:noFill/>
@@ -4919,7 +4923,11 @@
             <a:r>
               <a:t/>
             </a:r>
-            <a:endParaRPr/>
+            <a:endParaRPr>
+              <a:solidFill>
+                <a:schemeClr val="dk1"/>
+              </a:solidFill>
+            </a:endParaRPr>
           </a:p>
         </p:txBody>
       </p:sp>
@@ -5355,7 +5363,7 @@
             <a:avLst/>
           </a:prstGeom>
           <a:solidFill>
-            <a:schemeClr val="accent1"/>
+            <a:schemeClr val="accent3"/>
           </a:solidFill>
           <a:ln>
             <a:noFill/>
@@ -5379,7 +5387,11 @@
             <a:r>
               <a:t/>
             </a:r>
-            <a:endParaRPr/>
+            <a:endParaRPr>
+              <a:solidFill>
+                <a:schemeClr val="dk1"/>
+              </a:solidFill>
+            </a:endParaRPr>
           </a:p>
         </p:txBody>
       </p:sp>
@@ -5943,7 +5955,7 @@
             <a:avLst/>
           </a:prstGeom>
           <a:solidFill>
-            <a:schemeClr val="accent1"/>
+            <a:schemeClr val="accent3"/>
           </a:solidFill>
           <a:ln>
             <a:noFill/>
@@ -5967,7 +5979,11 @@
             <a:r>
               <a:t/>
             </a:r>
-            <a:endParaRPr/>
+            <a:endParaRPr>
+              <a:solidFill>
+                <a:schemeClr val="dk1"/>
+              </a:solidFill>
+            </a:endParaRPr>
           </a:p>
         </p:txBody>
       </p:sp>
@@ -6278,7 +6294,7 @@
             <a:avLst/>
           </a:prstGeom>
           <a:solidFill>
-            <a:schemeClr val="accent1"/>
+            <a:schemeClr val="accent3"/>
           </a:solidFill>
           <a:ln>
             <a:noFill/>
@@ -10200,7 +10216,7 @@
             </a:pPr>
             <a:r>
               <a:rPr lang="en"/>
-              <a:t>Reviews this sprint’s impediments</a:t>
+              <a:t>Reviews this sprint’s impediments and improvements</a:t>
             </a:r>
             <a:endParaRPr/>
           </a:p>
@@ -10319,7 +10335,7 @@
             </a:pPr>
             <a:r>
               <a:rPr lang="en"/>
-              <a:t>Puts new impediments into impediments backlog</a:t>
+              <a:t>Puts new impediments and improvements into imp-squared backlog</a:t>
             </a:r>
             <a:endParaRPr/>
           </a:p>
@@ -11718,7 +11734,7 @@
             <a:tbl>
               <a:tblPr>
                 <a:noFill/>
-                <a:tableStyleId>{4F1DE56B-962F-4CBA-9C44-9720862FC62C}</a:tableStyleId>
+                <a:tableStyleId>{97A787E6-1222-4D68-BDF6-0A001257CE74}</a:tableStyleId>
               </a:tblPr>
               <a:tblGrid>
                 <a:gridCol w="2057400"/>
@@ -11792,7 +11808,7 @@
                       <a:tailEnd len="sm" w="sm" type="none"/>
                     </a:lnB>
                     <a:solidFill>
-                      <a:schemeClr val="accent4"/>
+                      <a:schemeClr val="dk2"/>
                     </a:solidFill>
                   </a:tcPr>
                 </a:tc>
@@ -11863,7 +11879,7 @@
                       <a:tailEnd len="sm" w="sm" type="none"/>
                     </a:lnB>
                     <a:solidFill>
-                      <a:schemeClr val="accent4"/>
+                      <a:schemeClr val="dk2"/>
                     </a:solidFill>
                   </a:tcPr>
                 </a:tc>
@@ -12050,7 +12066,7 @@
                       <a:tailEnd len="sm" w="sm" type="none"/>
                     </a:lnB>
                     <a:solidFill>
-                      <a:schemeClr val="lt2"/>
+                      <a:schemeClr val="accent1"/>
                     </a:solidFill>
                   </a:tcPr>
                 </a:tc>
@@ -12113,7 +12129,7 @@
                       <a:tailEnd len="sm" w="sm" type="none"/>
                     </a:lnB>
                     <a:solidFill>
-                      <a:schemeClr val="lt2"/>
+                      <a:schemeClr val="accent1"/>
                     </a:solidFill>
                   </a:tcPr>
                 </a:tc>
@@ -12306,7 +12322,7 @@
                       <a:tailEnd len="sm" w="sm" type="none"/>
                     </a:lnB>
                     <a:solidFill>
-                      <a:schemeClr val="lt2"/>
+                      <a:schemeClr val="accent1"/>
                     </a:solidFill>
                   </a:tcPr>
                 </a:tc>
@@ -12369,7 +12385,7 @@
                       <a:tailEnd len="sm" w="sm" type="none"/>
                     </a:lnB>
                     <a:solidFill>
-                      <a:schemeClr val="lt2"/>
+                      <a:schemeClr val="accent1"/>
                     </a:solidFill>
                   </a:tcPr>
                 </a:tc>
@@ -12562,7 +12578,7 @@
                       <a:tailEnd len="sm" w="sm" type="none"/>
                     </a:lnB>
                     <a:solidFill>
-                      <a:schemeClr val="lt2"/>
+                      <a:schemeClr val="accent1"/>
                     </a:solidFill>
                   </a:tcPr>
                 </a:tc>
@@ -12625,7 +12641,7 @@
                       <a:tailEnd len="sm" w="sm" type="none"/>
                     </a:lnB>
                     <a:solidFill>
-                      <a:schemeClr val="lt2"/>
+                      <a:schemeClr val="accent1"/>
                     </a:solidFill>
                   </a:tcPr>
                 </a:tc>
@@ -13541,7 +13557,7 @@
             </a:pPr>
             <a:r>
               <a:rPr lang="en"/>
-              <a:t>Works on resolving impediments during sprint</a:t>
+              <a:t>Works on impediments and improvements during sprint</a:t>
             </a:r>
             <a:endParaRPr/>
           </a:p>
@@ -13558,7 +13574,7 @@
             </a:pPr>
             <a:r>
               <a:rPr lang="en"/>
-              <a:t>Documents resolutions in impediments backlog</a:t>
+              <a:t>Documents resolutions in imp-squared backlog</a:t>
             </a:r>
             <a:endParaRPr/>
           </a:p>
@@ -13782,7 +13798,7 @@
             <a:tbl>
               <a:tblPr>
                 <a:noFill/>
-                <a:tableStyleId>{4F1DE56B-962F-4CBA-9C44-9720862FC62C}</a:tableStyleId>
+                <a:tableStyleId>{97A787E6-1222-4D68-BDF6-0A001257CE74}</a:tableStyleId>
               </a:tblPr>
               <a:tblGrid>
                 <a:gridCol w="638675"/>
@@ -13857,7 +13873,7 @@
                       <a:tailEnd len="sm" w="sm" type="none"/>
                     </a:lnB>
                     <a:solidFill>
-                      <a:schemeClr val="accent4"/>
+                      <a:schemeClr val="dk2"/>
                     </a:solidFill>
                   </a:tcPr>
                 </a:tc>
@@ -13928,7 +13944,7 @@
                       <a:tailEnd len="sm" w="sm" type="none"/>
                     </a:lnB>
                     <a:solidFill>
-                      <a:schemeClr val="accent4"/>
+                      <a:schemeClr val="dk2"/>
                     </a:solidFill>
                   </a:tcPr>
                 </a:tc>
@@ -13999,7 +14015,7 @@
                       <a:tailEnd len="sm" w="sm" type="none"/>
                     </a:lnB>
                     <a:solidFill>
-                      <a:schemeClr val="accent4"/>
+                      <a:schemeClr val="dk2"/>
                     </a:solidFill>
                   </a:tcPr>
                 </a:tc>
@@ -14246,7 +14262,7 @@
                       <a:tailEnd len="sm" w="sm" type="none"/>
                     </a:lnB>
                     <a:solidFill>
-                      <a:schemeClr val="lt2"/>
+                      <a:schemeClr val="accent1"/>
                     </a:solidFill>
                   </a:tcPr>
                 </a:tc>
@@ -14309,7 +14325,7 @@
                       <a:tailEnd len="sm" w="sm" type="none"/>
                     </a:lnB>
                     <a:solidFill>
-                      <a:schemeClr val="lt2"/>
+                      <a:schemeClr val="accent1"/>
                     </a:solidFill>
                   </a:tcPr>
                 </a:tc>
@@ -14372,7 +14388,7 @@
                       <a:tailEnd len="sm" w="sm" type="none"/>
                     </a:lnB>
                     <a:solidFill>
-                      <a:schemeClr val="lt2"/>
+                      <a:schemeClr val="accent1"/>
                     </a:solidFill>
                   </a:tcPr>
                 </a:tc>
@@ -14437,7 +14453,7 @@
                       <a:tailEnd len="sm" w="sm" type="none"/>
                     </a:lnB>
                     <a:solidFill>
-                      <a:srgbClr val="FFFFFF"/>
+                      <a:schemeClr val="lt1"/>
                     </a:solidFill>
                   </a:tcPr>
                 </a:tc>
@@ -14500,7 +14516,7 @@
                       <a:tailEnd len="sm" w="sm" type="none"/>
                     </a:lnB>
                     <a:solidFill>
-                      <a:srgbClr val="FFFFFF"/>
+                      <a:schemeClr val="lt1"/>
                     </a:solidFill>
                   </a:tcPr>
                 </a:tc>
@@ -14563,7 +14579,7 @@
                       <a:tailEnd len="sm" w="sm" type="none"/>
                     </a:lnB>
                     <a:solidFill>
-                      <a:srgbClr val="FFFFFF"/>
+                      <a:schemeClr val="lt1"/>
                     </a:solidFill>
                   </a:tcPr>
                 </a:tc>
@@ -14628,7 +14644,7 @@
                       <a:tailEnd len="sm" w="sm" type="none"/>
                     </a:lnB>
                     <a:solidFill>
-                      <a:schemeClr val="lt2"/>
+                      <a:schemeClr val="accent1"/>
                     </a:solidFill>
                   </a:tcPr>
                 </a:tc>
@@ -14691,7 +14707,7 @@
                       <a:tailEnd len="sm" w="sm" type="none"/>
                     </a:lnB>
                     <a:solidFill>
-                      <a:schemeClr val="lt2"/>
+                      <a:schemeClr val="accent1"/>
                     </a:solidFill>
                   </a:tcPr>
                 </a:tc>
@@ -14754,7 +14770,7 @@
                       <a:tailEnd len="sm" w="sm" type="none"/>
                     </a:lnB>
                     <a:solidFill>
-                      <a:schemeClr val="lt2"/>
+                      <a:schemeClr val="accent1"/>
                     </a:solidFill>
                   </a:tcPr>
                 </a:tc>
@@ -14818,6 +14834,9 @@
                       <a:headEnd len="sm" w="sm" type="none"/>
                       <a:tailEnd len="sm" w="sm" type="none"/>
                     </a:lnB>
+                    <a:solidFill>
+                      <a:schemeClr val="lt1"/>
+                    </a:solidFill>
                   </a:tcPr>
                 </a:tc>
                 <a:tc>
@@ -14878,6 +14897,9 @@
                       <a:headEnd len="sm" w="sm" type="none"/>
                       <a:tailEnd len="sm" w="sm" type="none"/>
                     </a:lnB>
+                    <a:solidFill>
+                      <a:schemeClr val="lt1"/>
+                    </a:solidFill>
                   </a:tcPr>
                 </a:tc>
                 <a:tc>
@@ -14938,6 +14960,9 @@
                       <a:headEnd len="sm" w="sm" type="none"/>
                       <a:tailEnd len="sm" w="sm" type="none"/>
                     </a:lnB>
+                    <a:solidFill>
+                      <a:schemeClr val="lt1"/>
+                    </a:solidFill>
                   </a:tcPr>
                 </a:tc>
               </a:tr>
@@ -15001,7 +15026,7 @@
                       <a:tailEnd len="sm" w="sm" type="none"/>
                     </a:lnB>
                     <a:solidFill>
-                      <a:schemeClr val="lt2"/>
+                      <a:schemeClr val="accent1"/>
                     </a:solidFill>
                   </a:tcPr>
                 </a:tc>
@@ -15064,7 +15089,7 @@
                       <a:tailEnd len="sm" w="sm" type="none"/>
                     </a:lnB>
                     <a:solidFill>
-                      <a:schemeClr val="lt2"/>
+                      <a:schemeClr val="accent1"/>
                     </a:solidFill>
                   </a:tcPr>
                 </a:tc>
@@ -15127,7 +15152,7 @@
                       <a:tailEnd len="sm" w="sm" type="none"/>
                     </a:lnB>
                     <a:solidFill>
-                      <a:schemeClr val="lt2"/>
+                      <a:schemeClr val="accent1"/>
                     </a:solidFill>
                   </a:tcPr>
                 </a:tc>
@@ -15773,7 +15798,7 @@
             <a:tbl>
               <a:tblPr>
                 <a:noFill/>
-                <a:tableStyleId>{4F1DE56B-962F-4CBA-9C44-9720862FC62C}</a:tableStyleId>
+                <a:tableStyleId>{97A787E6-1222-4D68-BDF6-0A001257CE74}</a:tableStyleId>
               </a:tblPr>
               <a:tblGrid>
                 <a:gridCol w="1280725"/>
@@ -15848,7 +15873,7 @@
                       <a:tailEnd len="sm" w="sm" type="none"/>
                     </a:lnB>
                     <a:solidFill>
-                      <a:schemeClr val="accent4"/>
+                      <a:schemeClr val="dk2"/>
                     </a:solidFill>
                   </a:tcPr>
                 </a:tc>
@@ -15919,7 +15944,7 @@
                       <a:tailEnd len="sm" w="sm" type="none"/>
                     </a:lnB>
                     <a:solidFill>
-                      <a:schemeClr val="accent4"/>
+                      <a:schemeClr val="dk2"/>
                     </a:solidFill>
                   </a:tcPr>
                 </a:tc>
@@ -15990,7 +16015,7 @@
                       <a:tailEnd len="sm" w="sm" type="none"/>
                     </a:lnB>
                     <a:solidFill>
-                      <a:schemeClr val="accent4"/>
+                      <a:schemeClr val="dk2"/>
                     </a:solidFill>
                   </a:tcPr>
                 </a:tc>
@@ -16246,7 +16271,7 @@
                       <a:tailEnd len="sm" w="sm" type="none"/>
                     </a:lnB>
                     <a:solidFill>
-                      <a:schemeClr val="lt2"/>
+                      <a:schemeClr val="accent1"/>
                     </a:solidFill>
                   </a:tcPr>
                 </a:tc>
@@ -16309,7 +16334,7 @@
                       <a:tailEnd len="sm" w="sm" type="none"/>
                     </a:lnB>
                     <a:solidFill>
-                      <a:schemeClr val="lt2"/>
+                      <a:schemeClr val="accent1"/>
                     </a:solidFill>
                   </a:tcPr>
                 </a:tc>
@@ -16372,7 +16397,7 @@
                       <a:tailEnd len="sm" w="sm" type="none"/>
                     </a:lnB>
                     <a:solidFill>
-                      <a:schemeClr val="lt2"/>
+                      <a:schemeClr val="accent1"/>
                     </a:solidFill>
                   </a:tcPr>
                 </a:tc>
@@ -16628,7 +16653,7 @@
                       <a:tailEnd len="sm" w="sm" type="none"/>
                     </a:lnB>
                     <a:solidFill>
-                      <a:schemeClr val="lt2"/>
+                      <a:schemeClr val="accent1"/>
                     </a:solidFill>
                   </a:tcPr>
                 </a:tc>
@@ -16691,7 +16716,7 @@
                       <a:tailEnd len="sm" w="sm" type="none"/>
                     </a:lnB>
                     <a:solidFill>
-                      <a:schemeClr val="lt2"/>
+                      <a:schemeClr val="accent1"/>
                     </a:solidFill>
                   </a:tcPr>
                 </a:tc>
@@ -16754,7 +16779,7 @@
                       <a:tailEnd len="sm" w="sm" type="none"/>
                     </a:lnB>
                     <a:solidFill>
-                      <a:schemeClr val="lt2"/>
+                      <a:schemeClr val="accent1"/>
                     </a:solidFill>
                   </a:tcPr>
                 </a:tc>
@@ -17012,7 +17037,7 @@
             </a:pPr>
             <a:r>
               <a:rPr lang="en"/>
-              <a:t>Regular AMOS Deliverable: Software Bill of Materials</a:t>
+              <a:t>Regular Deliverable: Software Bill of Materials</a:t>
             </a:r>
             <a:endParaRPr/>
           </a:p>
@@ -17591,7 +17616,7 @@
             </a:pPr>
             <a:r>
               <a:rPr lang="en"/>
-              <a:t>One-time AMOS Deliverable: Architecture Description</a:t>
+              <a:t>One-time Deliverable: Architecture Description</a:t>
             </a:r>
             <a:endParaRPr/>
           </a:p>
@@ -19739,28 +19764,28 @@
         <a:srgbClr val="FFFFFF"/>
       </a:lt1>
       <a:dk2>
-        <a:srgbClr val="808080"/>
+        <a:srgbClr val="404040"/>
       </a:dk2>
       <a:lt2>
-        <a:srgbClr val="DCDCDC"/>
+        <a:srgbClr val="808080"/>
       </a:lt2>
       <a:accent1>
-        <a:srgbClr val="D50D01"/>
+        <a:srgbClr val="D0D0D0"/>
       </a:accent1>
       <a:accent2>
-        <a:srgbClr val="448AFF"/>
+        <a:srgbClr val="4169E1"/>
       </a:accent2>
       <a:accent3>
         <a:srgbClr val="D50D01"/>
       </a:accent3>
       <a:accent4>
-        <a:srgbClr val="424242"/>
+        <a:srgbClr val="FEB612"/>
       </a:accent4>
       <a:accent5>
-        <a:srgbClr val="3F51B5"/>
+        <a:srgbClr val="4CAF50"/>
       </a:accent5>
       <a:accent6>
-        <a:srgbClr val="4CAF50"/>
+        <a:srgbClr val="8E44AD"/>
       </a:accent6>
       <a:hlink>
         <a:srgbClr val="34A3C5"/>

--- a/Lecture slides/AMOS B02 - Scrum and AMOS.pptx
+++ b/Lecture slides/AMOS B02 - Scrum and AMOS.pptx
@@ -11734,7 +11734,7 @@
             <a:tbl>
               <a:tblPr>
                 <a:noFill/>
-                <a:tableStyleId>{97A787E6-1222-4D68-BDF6-0A001257CE74}</a:tableStyleId>
+                <a:tableStyleId>{FFA78833-6A4E-4A70-ABBC-114171A7B7BA}</a:tableStyleId>
               </a:tblPr>
               <a:tblGrid>
                 <a:gridCol w="2057400"/>
@@ -13798,7 +13798,7 @@
             <a:tbl>
               <a:tblPr>
                 <a:noFill/>
-                <a:tableStyleId>{97A787E6-1222-4D68-BDF6-0A001257CE74}</a:tableStyleId>
+                <a:tableStyleId>{FFA78833-6A4E-4A70-ABBC-114171A7B7BA}</a:tableStyleId>
               </a:tblPr>
               <a:tblGrid>
                 <a:gridCol w="638675"/>
@@ -15798,7 +15798,7 @@
             <a:tbl>
               <a:tblPr>
                 <a:noFill/>
-                <a:tableStyleId>{97A787E6-1222-4D68-BDF6-0A001257CE74}</a:tableStyleId>
+                <a:tableStyleId>{FFA78833-6A4E-4A70-ABBC-114171A7B7BA}</a:tableStyleId>
               </a:tblPr>
               <a:tblGrid>
                 <a:gridCol w="1280725"/>
@@ -19754,6 +19754,285 @@
 </file>
 
 <file path=ppt/theme/theme1.xml><?xml version="1.0" encoding="utf-8"?>
+<a:theme xmlns:a="http://schemas.openxmlformats.org/drawingml/2006/main" xmlns:r="http://schemas.openxmlformats.org/officeDocument/2006/relationships">
+  <a:themeElements>
+    <a:clrScheme name="Default">
+      <a:dk1>
+        <a:srgbClr val="000000"/>
+      </a:dk1>
+      <a:lt1>
+        <a:srgbClr val="FFFFFF"/>
+      </a:lt1>
+      <a:dk2>
+        <a:srgbClr val="158158"/>
+      </a:dk2>
+      <a:lt2>
+        <a:srgbClr val="F3F3F3"/>
+      </a:lt2>
+      <a:accent1>
+        <a:srgbClr val="058DC7"/>
+      </a:accent1>
+      <a:accent2>
+        <a:srgbClr val="50B432"/>
+      </a:accent2>
+      <a:accent3>
+        <a:srgbClr val="ED561B"/>
+      </a:accent3>
+      <a:accent4>
+        <a:srgbClr val="EDEF00"/>
+      </a:accent4>
+      <a:accent5>
+        <a:srgbClr val="24CBE5"/>
+      </a:accent5>
+      <a:accent6>
+        <a:srgbClr val="64E572"/>
+      </a:accent6>
+      <a:hlink>
+        <a:srgbClr val="2200CC"/>
+      </a:hlink>
+      <a:folHlink>
+        <a:srgbClr val="551A8B"/>
+      </a:folHlink>
+    </a:clrScheme>
+    <a:fontScheme name="Office">
+      <a:majorFont>
+        <a:latin typeface="Arial"/>
+        <a:ea typeface=""/>
+        <a:cs typeface=""/>
+        <a:font script="Jpan" typeface="ＭＳ Ｐゴシック"/>
+        <a:font script="Hang" typeface="맑은 고딕"/>
+        <a:font script="Hans" typeface="宋体"/>
+        <a:font script="Hant" typeface="新細明體"/>
+        <a:font script="Arab" typeface="Times New Roman"/>
+        <a:font script="Hebr" typeface="Times New Roman"/>
+        <a:font script="Thai" typeface="Angsana New"/>
+        <a:font script="Ethi" typeface="Nyala"/>
+        <a:font script="Beng" typeface="Vrinda"/>
+        <a:font script="Gujr" typeface="Shruti"/>
+        <a:font script="Khmr" typeface="MoolBoran"/>
+        <a:font script="Knda" typeface="Tunga"/>
+        <a:font script="Guru" typeface="Raavi"/>
+        <a:font script="Cans" typeface="Euphemia"/>
+        <a:font script="Cher" typeface="Plantagenet Cherokee"/>
+        <a:font script="Yiii" typeface="Microsoft Yi Baiti"/>
+        <a:font script="Tibt" typeface="Microsoft Himalaya"/>
+        <a:font script="Thaa" typeface="MV Boli"/>
+        <a:font script="Deva" typeface="Mangal"/>
+        <a:font script="Telu" typeface="Gautami"/>
+        <a:font script="Taml" typeface="Latha"/>
+        <a:font script="Syrc" typeface="Estrangelo Edessa"/>
+        <a:font script="Orya" typeface="Kalinga"/>
+        <a:font script="Mlym" typeface="Kartika"/>
+        <a:font script="Laoo" typeface="DokChampa"/>
+        <a:font script="Sinh" typeface="Iskoola Pota"/>
+        <a:font script="Mong" typeface="Mongolian Baiti"/>
+        <a:font script="Viet" typeface="Times New Roman"/>
+        <a:font script="Uigh" typeface="Microsoft Uighur"/>
+        <a:font script="Geor" typeface="Sylfaen"/>
+      </a:majorFont>
+      <a:minorFont>
+        <a:latin typeface="Arial"/>
+        <a:ea typeface=""/>
+        <a:cs typeface=""/>
+        <a:font script="Jpan" typeface="ＭＳ Ｐゴシック"/>
+        <a:font script="Hang" typeface="맑은 고딕"/>
+        <a:font script="Hans" typeface="宋体"/>
+        <a:font script="Hant" typeface="新細明體"/>
+        <a:font script="Arab" typeface="Arial"/>
+        <a:font script="Hebr" typeface="Arial"/>
+        <a:font script="Thai" typeface="Cordia New"/>
+        <a:font script="Ethi" typeface="Nyala"/>
+        <a:font script="Beng" typeface="Vrinda"/>
+        <a:font script="Gujr" typeface="Shruti"/>
+        <a:font script="Khmr" typeface="DaunPenh"/>
+        <a:font script="Knda" typeface="Tunga"/>
+        <a:font script="Guru" typeface="Raavi"/>
+        <a:font script="Cans" typeface="Euphemia"/>
+        <a:font script="Cher" typeface="Plantagenet Cherokee"/>
+        <a:font script="Yiii" typeface="Microsoft Yi Baiti"/>
+        <a:font script="Tibt" typeface="Microsoft Himalaya"/>
+        <a:font script="Thaa" typeface="MV Boli"/>
+        <a:font script="Deva" typeface="Mangal"/>
+        <a:font script="Telu" typeface="Gautami"/>
+        <a:font script="Taml" typeface="Latha"/>
+        <a:font script="Syrc" typeface="Estrangelo Edessa"/>
+        <a:font script="Orya" typeface="Kalinga"/>
+        <a:font script="Mlym" typeface="Kartika"/>
+        <a:font script="Laoo" typeface="DokChampa"/>
+        <a:font script="Sinh" typeface="Iskoola Pota"/>
+        <a:font script="Mong" typeface="Mongolian Baiti"/>
+        <a:font script="Viet" typeface="Arial"/>
+        <a:font script="Uigh" typeface="Microsoft Uighur"/>
+        <a:font script="Geor" typeface="Sylfaen"/>
+      </a:minorFont>
+    </a:fontScheme>
+    <a:fmtScheme name="Office">
+      <a:fillStyleLst>
+        <a:solidFill>
+          <a:schemeClr val="phClr"/>
+        </a:solidFill>
+        <a:gradFill rotWithShape="1">
+          <a:gsLst>
+            <a:gs pos="0">
+              <a:schemeClr val="phClr">
+                <a:tint val="50000"/>
+                <a:satMod val="300000"/>
+              </a:schemeClr>
+            </a:gs>
+            <a:gs pos="35000">
+              <a:schemeClr val="phClr">
+                <a:tint val="37000"/>
+                <a:satMod val="300000"/>
+              </a:schemeClr>
+            </a:gs>
+            <a:gs pos="100000">
+              <a:schemeClr val="phClr">
+                <a:tint val="15000"/>
+                <a:satMod val="350000"/>
+              </a:schemeClr>
+            </a:gs>
+          </a:gsLst>
+          <a:lin ang="16200000" scaled="1"/>
+        </a:gradFill>
+        <a:gradFill rotWithShape="1">
+          <a:gsLst>
+            <a:gs pos="0">
+              <a:schemeClr val="phClr">
+                <a:tint val="100000"/>
+                <a:shade val="100000"/>
+                <a:satMod val="130000"/>
+              </a:schemeClr>
+            </a:gs>
+            <a:gs pos="100000">
+              <a:schemeClr val="phClr">
+                <a:tint val="50000"/>
+                <a:shade val="100000"/>
+                <a:satMod val="350000"/>
+              </a:schemeClr>
+            </a:gs>
+          </a:gsLst>
+          <a:lin ang="16200000" scaled="0"/>
+        </a:gradFill>
+      </a:fillStyleLst>
+      <a:lnStyleLst>
+        <a:ln w="9525" cap="flat" cmpd="sng" algn="ctr">
+          <a:solidFill>
+            <a:schemeClr val="phClr">
+              <a:shade val="95000"/>
+              <a:satMod val="105000"/>
+            </a:schemeClr>
+          </a:solidFill>
+          <a:prstDash val="solid"/>
+        </a:ln>
+        <a:ln w="25400" cap="flat" cmpd="sng" algn="ctr">
+          <a:solidFill>
+            <a:schemeClr val="phClr"/>
+          </a:solidFill>
+          <a:prstDash val="solid"/>
+        </a:ln>
+        <a:ln w="38100" cap="flat" cmpd="sng" algn="ctr">
+          <a:solidFill>
+            <a:schemeClr val="phClr"/>
+          </a:solidFill>
+          <a:prstDash val="solid"/>
+        </a:ln>
+      </a:lnStyleLst>
+      <a:effectStyleLst>
+        <a:effectStyle>
+          <a:effectLst>
+            <a:outerShdw blurRad="40000" dist="20000" dir="5400000" rotWithShape="0">
+              <a:srgbClr val="000000">
+                <a:alpha val="38000"/>
+              </a:srgbClr>
+            </a:outerShdw>
+          </a:effectLst>
+        </a:effectStyle>
+        <a:effectStyle>
+          <a:effectLst>
+            <a:outerShdw blurRad="40000" dist="23000" dir="5400000" rotWithShape="0">
+              <a:srgbClr val="000000">
+                <a:alpha val="35000"/>
+              </a:srgbClr>
+            </a:outerShdw>
+          </a:effectLst>
+        </a:effectStyle>
+        <a:effectStyle>
+          <a:effectLst>
+            <a:outerShdw blurRad="40000" dist="23000" dir="5400000" rotWithShape="0">
+              <a:srgbClr val="000000">
+                <a:alpha val="35000"/>
+              </a:srgbClr>
+            </a:outerShdw>
+          </a:effectLst>
+          <a:scene3d>
+            <a:camera prst="orthographicFront">
+              <a:rot lat="0" lon="0" rev="0"/>
+            </a:camera>
+            <a:lightRig rig="threePt" dir="t">
+              <a:rot lat="0" lon="0" rev="1200000"/>
+            </a:lightRig>
+          </a:scene3d>
+          <a:sp3d>
+            <a:bevelT w="63500" h="25400"/>
+          </a:sp3d>
+        </a:effectStyle>
+      </a:effectStyleLst>
+      <a:bgFillStyleLst>
+        <a:solidFill>
+          <a:schemeClr val="phClr"/>
+        </a:solidFill>
+        <a:gradFill rotWithShape="1">
+          <a:gsLst>
+            <a:gs pos="0">
+              <a:schemeClr val="phClr">
+                <a:tint val="40000"/>
+                <a:satMod val="350000"/>
+              </a:schemeClr>
+            </a:gs>
+            <a:gs pos="40000">
+              <a:schemeClr val="phClr">
+                <a:tint val="45000"/>
+                <a:shade val="99000"/>
+                <a:satMod val="350000"/>
+              </a:schemeClr>
+            </a:gs>
+            <a:gs pos="100000">
+              <a:schemeClr val="phClr">
+                <a:shade val="20000"/>
+                <a:satMod val="255000"/>
+              </a:schemeClr>
+            </a:gs>
+          </a:gsLst>
+          <a:path path="circle">
+            <a:fillToRect l="50000" t="-80000" r="50000" b="180000"/>
+          </a:path>
+        </a:gradFill>
+        <a:gradFill rotWithShape="1">
+          <a:gsLst>
+            <a:gs pos="0">
+              <a:schemeClr val="phClr">
+                <a:tint val="80000"/>
+                <a:satMod val="300000"/>
+              </a:schemeClr>
+            </a:gs>
+            <a:gs pos="100000">
+              <a:schemeClr val="phClr">
+                <a:shade val="30000"/>
+                <a:satMod val="200000"/>
+              </a:schemeClr>
+            </a:gs>
+          </a:gsLst>
+          <a:path path="circle">
+            <a:fillToRect l="50000" t="50000" r="50000" b="50000"/>
+          </a:path>
+        </a:gradFill>
+      </a:bgFillStyleLst>
+    </a:fmtScheme>
+  </a:themeElements>
+</a:theme>
+</file>
+
+<file path=ppt/theme/theme2.xml><?xml version="1.0" encoding="utf-8"?>
 <a:theme xmlns:a="http://schemas.openxmlformats.org/drawingml/2006/main" xmlns:r="http://schemas.openxmlformats.org/officeDocument/2006/relationships" name="AMOS Slides Template">
   <a:themeElements>
     <a:clrScheme name="Simple Light">
@@ -20030,283 +20309,4 @@
     </a:fmtScheme>
   </a:themeElements>
 </a:theme>
-</file>
-
-<file path=ppt/theme/theme2.xml><?xml version="1.0" encoding="utf-8"?>
-<a:theme xmlns:a="http://schemas.openxmlformats.org/drawingml/2006/main" xmlns:r="http://schemas.openxmlformats.org/officeDocument/2006/relationships">
-  <a:themeElements>
-    <a:clrScheme name="Default">
-      <a:dk1>
-        <a:srgbClr val="000000"/>
-      </a:dk1>
-      <a:lt1>
-        <a:srgbClr val="FFFFFF"/>
-      </a:lt1>
-      <a:dk2>
-        <a:srgbClr val="158158"/>
-      </a:dk2>
-      <a:lt2>
-        <a:srgbClr val="F3F3F3"/>
-      </a:lt2>
-      <a:accent1>
-        <a:srgbClr val="058DC7"/>
-      </a:accent1>
-      <a:accent2>
-        <a:srgbClr val="50B432"/>
-      </a:accent2>
-      <a:accent3>
-        <a:srgbClr val="ED561B"/>
-      </a:accent3>
-      <a:accent4>
-        <a:srgbClr val="EDEF00"/>
-      </a:accent4>
-      <a:accent5>
-        <a:srgbClr val="24CBE5"/>
-      </a:accent5>
-      <a:accent6>
-        <a:srgbClr val="64E572"/>
-      </a:accent6>
-      <a:hlink>
-        <a:srgbClr val="2200CC"/>
-      </a:hlink>
-      <a:folHlink>
-        <a:srgbClr val="551A8B"/>
-      </a:folHlink>
-    </a:clrScheme>
-    <a:fontScheme name="Office">
-      <a:majorFont>
-        <a:latin typeface="Arial"/>
-        <a:ea typeface=""/>
-        <a:cs typeface=""/>
-        <a:font script="Jpan" typeface="ＭＳ Ｐゴシック"/>
-        <a:font script="Hang" typeface="맑은 고딕"/>
-        <a:font script="Hans" typeface="宋体"/>
-        <a:font script="Hant" typeface="新細明體"/>
-        <a:font script="Arab" typeface="Times New Roman"/>
-        <a:font script="Hebr" typeface="Times New Roman"/>
-        <a:font script="Thai" typeface="Angsana New"/>
-        <a:font script="Ethi" typeface="Nyala"/>
-        <a:font script="Beng" typeface="Vrinda"/>
-        <a:font script="Gujr" typeface="Shruti"/>
-        <a:font script="Khmr" typeface="MoolBoran"/>
-        <a:font script="Knda" typeface="Tunga"/>
-        <a:font script="Guru" typeface="Raavi"/>
-        <a:font script="Cans" typeface="Euphemia"/>
-        <a:font script="Cher" typeface="Plantagenet Cherokee"/>
-        <a:font script="Yiii" typeface="Microsoft Yi Baiti"/>
-        <a:font script="Tibt" typeface="Microsoft Himalaya"/>
-        <a:font script="Thaa" typeface="MV Boli"/>
-        <a:font script="Deva" typeface="Mangal"/>
-        <a:font script="Telu" typeface="Gautami"/>
-        <a:font script="Taml" typeface="Latha"/>
-        <a:font script="Syrc" typeface="Estrangelo Edessa"/>
-        <a:font script="Orya" typeface="Kalinga"/>
-        <a:font script="Mlym" typeface="Kartika"/>
-        <a:font script="Laoo" typeface="DokChampa"/>
-        <a:font script="Sinh" typeface="Iskoola Pota"/>
-        <a:font script="Mong" typeface="Mongolian Baiti"/>
-        <a:font script="Viet" typeface="Times New Roman"/>
-        <a:font script="Uigh" typeface="Microsoft Uighur"/>
-        <a:font script="Geor" typeface="Sylfaen"/>
-      </a:majorFont>
-      <a:minorFont>
-        <a:latin typeface="Arial"/>
-        <a:ea typeface=""/>
-        <a:cs typeface=""/>
-        <a:font script="Jpan" typeface="ＭＳ Ｐゴシック"/>
-        <a:font script="Hang" typeface="맑은 고딕"/>
-        <a:font script="Hans" typeface="宋体"/>
-        <a:font script="Hant" typeface="新細明體"/>
-        <a:font script="Arab" typeface="Arial"/>
-        <a:font script="Hebr" typeface="Arial"/>
-        <a:font script="Thai" typeface="Cordia New"/>
-        <a:font script="Ethi" typeface="Nyala"/>
-        <a:font script="Beng" typeface="Vrinda"/>
-        <a:font script="Gujr" typeface="Shruti"/>
-        <a:font script="Khmr" typeface="DaunPenh"/>
-        <a:font script="Knda" typeface="Tunga"/>
-        <a:font script="Guru" typeface="Raavi"/>
-        <a:font script="Cans" typeface="Euphemia"/>
-        <a:font script="Cher" typeface="Plantagenet Cherokee"/>
-        <a:font script="Yiii" typeface="Microsoft Yi Baiti"/>
-        <a:font script="Tibt" typeface="Microsoft Himalaya"/>
-        <a:font script="Thaa" typeface="MV Boli"/>
-        <a:font script="Deva" typeface="Mangal"/>
-        <a:font script="Telu" typeface="Gautami"/>
-        <a:font script="Taml" typeface="Latha"/>
-        <a:font script="Syrc" typeface="Estrangelo Edessa"/>
-        <a:font script="Orya" typeface="Kalinga"/>
-        <a:font script="Mlym" typeface="Kartika"/>
-        <a:font script="Laoo" typeface="DokChampa"/>
-        <a:font script="Sinh" typeface="Iskoola Pota"/>
-        <a:font script="Mong" typeface="Mongolian Baiti"/>
-        <a:font script="Viet" typeface="Arial"/>
-        <a:font script="Uigh" typeface="Microsoft Uighur"/>
-        <a:font script="Geor" typeface="Sylfaen"/>
-      </a:minorFont>
-    </a:fontScheme>
-    <a:fmtScheme name="Office">
-      <a:fillStyleLst>
-        <a:solidFill>
-          <a:schemeClr val="phClr"/>
-        </a:solidFill>
-        <a:gradFill rotWithShape="1">
-          <a:gsLst>
-            <a:gs pos="0">
-              <a:schemeClr val="phClr">
-                <a:tint val="50000"/>
-                <a:satMod val="300000"/>
-              </a:schemeClr>
-            </a:gs>
-            <a:gs pos="35000">
-              <a:schemeClr val="phClr">
-                <a:tint val="37000"/>
-                <a:satMod val="300000"/>
-              </a:schemeClr>
-            </a:gs>
-            <a:gs pos="100000">
-              <a:schemeClr val="phClr">
-                <a:tint val="15000"/>
-                <a:satMod val="350000"/>
-              </a:schemeClr>
-            </a:gs>
-          </a:gsLst>
-          <a:lin ang="16200000" scaled="1"/>
-        </a:gradFill>
-        <a:gradFill rotWithShape="1">
-          <a:gsLst>
-            <a:gs pos="0">
-              <a:schemeClr val="phClr">
-                <a:tint val="100000"/>
-                <a:shade val="100000"/>
-                <a:satMod val="130000"/>
-              </a:schemeClr>
-            </a:gs>
-            <a:gs pos="100000">
-              <a:schemeClr val="phClr">
-                <a:tint val="50000"/>
-                <a:shade val="100000"/>
-                <a:satMod val="350000"/>
-              </a:schemeClr>
-            </a:gs>
-          </a:gsLst>
-          <a:lin ang="16200000" scaled="0"/>
-        </a:gradFill>
-      </a:fillStyleLst>
-      <a:lnStyleLst>
-        <a:ln w="9525" cap="flat" cmpd="sng" algn="ctr">
-          <a:solidFill>
-            <a:schemeClr val="phClr">
-              <a:shade val="95000"/>
-              <a:satMod val="105000"/>
-            </a:schemeClr>
-          </a:solidFill>
-          <a:prstDash val="solid"/>
-        </a:ln>
-        <a:ln w="25400" cap="flat" cmpd="sng" algn="ctr">
-          <a:solidFill>
-            <a:schemeClr val="phClr"/>
-          </a:solidFill>
-          <a:prstDash val="solid"/>
-        </a:ln>
-        <a:ln w="38100" cap="flat" cmpd="sng" algn="ctr">
-          <a:solidFill>
-            <a:schemeClr val="phClr"/>
-          </a:solidFill>
-          <a:prstDash val="solid"/>
-        </a:ln>
-      </a:lnStyleLst>
-      <a:effectStyleLst>
-        <a:effectStyle>
-          <a:effectLst>
-            <a:outerShdw blurRad="40000" dist="20000" dir="5400000" rotWithShape="0">
-              <a:srgbClr val="000000">
-                <a:alpha val="38000"/>
-              </a:srgbClr>
-            </a:outerShdw>
-          </a:effectLst>
-        </a:effectStyle>
-        <a:effectStyle>
-          <a:effectLst>
-            <a:outerShdw blurRad="40000" dist="23000" dir="5400000" rotWithShape="0">
-              <a:srgbClr val="000000">
-                <a:alpha val="35000"/>
-              </a:srgbClr>
-            </a:outerShdw>
-          </a:effectLst>
-        </a:effectStyle>
-        <a:effectStyle>
-          <a:effectLst>
-            <a:outerShdw blurRad="40000" dist="23000" dir="5400000" rotWithShape="0">
-              <a:srgbClr val="000000">
-                <a:alpha val="35000"/>
-              </a:srgbClr>
-            </a:outerShdw>
-          </a:effectLst>
-          <a:scene3d>
-            <a:camera prst="orthographicFront">
-              <a:rot lat="0" lon="0" rev="0"/>
-            </a:camera>
-            <a:lightRig rig="threePt" dir="t">
-              <a:rot lat="0" lon="0" rev="1200000"/>
-            </a:lightRig>
-          </a:scene3d>
-          <a:sp3d>
-            <a:bevelT w="63500" h="25400"/>
-          </a:sp3d>
-        </a:effectStyle>
-      </a:effectStyleLst>
-      <a:bgFillStyleLst>
-        <a:solidFill>
-          <a:schemeClr val="phClr"/>
-        </a:solidFill>
-        <a:gradFill rotWithShape="1">
-          <a:gsLst>
-            <a:gs pos="0">
-              <a:schemeClr val="phClr">
-                <a:tint val="40000"/>
-                <a:satMod val="350000"/>
-              </a:schemeClr>
-            </a:gs>
-            <a:gs pos="40000">
-              <a:schemeClr val="phClr">
-                <a:tint val="45000"/>
-                <a:shade val="99000"/>
-                <a:satMod val="350000"/>
-              </a:schemeClr>
-            </a:gs>
-            <a:gs pos="100000">
-              <a:schemeClr val="phClr">
-                <a:shade val="20000"/>
-                <a:satMod val="255000"/>
-              </a:schemeClr>
-            </a:gs>
-          </a:gsLst>
-          <a:path path="circle">
-            <a:fillToRect l="50000" t="-80000" r="50000" b="180000"/>
-          </a:path>
-        </a:gradFill>
-        <a:gradFill rotWithShape="1">
-          <a:gsLst>
-            <a:gs pos="0">
-              <a:schemeClr val="phClr">
-                <a:tint val="80000"/>
-                <a:satMod val="300000"/>
-              </a:schemeClr>
-            </a:gs>
-            <a:gs pos="100000">
-              <a:schemeClr val="phClr">
-                <a:shade val="30000"/>
-                <a:satMod val="200000"/>
-              </a:schemeClr>
-            </a:gs>
-          </a:gsLst>
-          <a:path path="circle">
-            <a:fillToRect l="50000" t="50000" r="50000" b="50000"/>
-          </a:path>
-        </a:gradFill>
-      </a:bgFillStyleLst>
-    </a:fmtScheme>
-  </a:themeElements>
-</a:theme>
 </file>
--- a/Lecture slides/AMOS B02 - Scrum and AMOS.pptx
+++ b/Lecture slides/AMOS B02 - Scrum and AMOS.pptx
@@ -3612,7 +3612,7 @@
       </p:grpSpPr>
       <p:sp>
         <p:nvSpPr>
-          <p:cNvPr id="279" name="Google Shape;279;g1a19fae1b80_0_65:notes"/>
+          <p:cNvPr id="279" name="Google Shape;279;g2397cb0cd5f_0_38:notes"/>
           <p:cNvSpPr/>
           <p:nvPr>
             <p:ph idx="2" type="sldImg"/>
@@ -3647,7 +3647,7 @@
       </p:sp>
       <p:sp>
         <p:nvSpPr>
-          <p:cNvPr id="280" name="Google Shape;280;g1a19fae1b80_0_65:notes"/>
+          <p:cNvPr id="280" name="Google Shape;280;g2397cb0cd5f_0_38:notes"/>
           <p:cNvSpPr txBox="1"/>
           <p:nvPr>
             <p:ph idx="1" type="body"/>
@@ -3711,7 +3711,7 @@
       </p:grpSpPr>
       <p:sp>
         <p:nvSpPr>
-          <p:cNvPr id="285" name="Google Shape;285;g1a19fae1b80_0_70:notes"/>
+          <p:cNvPr id="285" name="Google Shape;285;g2397cb0cd5f_0_43:notes"/>
           <p:cNvSpPr/>
           <p:nvPr>
             <p:ph idx="2" type="sldImg"/>
@@ -3746,7 +3746,7 @@
       </p:sp>
       <p:sp>
         <p:nvSpPr>
-          <p:cNvPr id="286" name="Google Shape;286;g1a19fae1b80_0_70:notes"/>
+          <p:cNvPr id="286" name="Google Shape;286;g2397cb0cd5f_0_43:notes"/>
           <p:cNvSpPr txBox="1"/>
           <p:nvPr>
             <p:ph idx="1" type="body"/>
@@ -10267,7 +10267,7 @@
             </a:pPr>
             <a:r>
               <a:rPr lang="en"/>
-              <a:t>Performs roll call, asks</a:t>
+              <a:t>Performs roll call, asks:</a:t>
             </a:r>
             <a:endParaRPr/>
           </a:p>
@@ -11734,7 +11734,7 @@
             <a:tbl>
               <a:tblPr>
                 <a:noFill/>
-                <a:tableStyleId>{FFA78833-6A4E-4A70-ABBC-114171A7B7BA}</a:tableStyleId>
+                <a:tableStyleId>{4E9FCB0E-4115-4CEB-BDB1-0C4D0FEDEEEC}</a:tableStyleId>
               </a:tblPr>
               <a:tblGrid>
                 <a:gridCol w="2057400"/>
@@ -12942,7 +12942,20 @@
             </a:pPr>
             <a:r>
               <a:rPr lang="en"/>
-              <a:t>[1] A simple planning poker cards replacement can be found in the planning documents</a:t>
+              <a:t>[1] A </a:t>
+            </a:r>
+            <a:r>
+              <a:rPr lang="en" u="sng">
+                <a:solidFill>
+                  <a:schemeClr val="hlink"/>
+                </a:solidFill>
+                <a:hlinkClick r:id="rId4"/>
+              </a:rPr>
+              <a:t>simple planning poker cards replacement</a:t>
+            </a:r>
+            <a:r>
+              <a:rPr lang="en"/>
+              <a:t> can be found in the planning documents</a:t>
             </a:r>
             <a:endParaRPr/>
           </a:p>
@@ -12955,7 +12968,7 @@
           <p:nvPr/>
         </p:nvPicPr>
         <p:blipFill>
-          <a:blip r:embed="rId4">
+          <a:blip r:embed="rId5">
             <a:alphaModFix/>
           </a:blip>
           <a:stretch>
@@ -13708,7 +13721,7 @@
             </a:pPr>
             <a:r>
               <a:rPr lang="en"/>
-              <a:t>An Efficient Team Meeting Takes 90 Min.</a:t>
+              <a:t>An Efficient Team Meeting Takes 90 Min. (or Less)</a:t>
             </a:r>
             <a:endParaRPr/>
           </a:p>
@@ -13798,7 +13811,7 @@
             <a:tbl>
               <a:tblPr>
                 <a:noFill/>
-                <a:tableStyleId>{FFA78833-6A4E-4A70-ABBC-114171A7B7BA}</a:tableStyleId>
+                <a:tableStyleId>{4E9FCB0E-4115-4CEB-BDB1-0C4D0FEDEEEC}</a:tableStyleId>
               </a:tblPr>
               <a:tblGrid>
                 <a:gridCol w="638675"/>
@@ -15329,7 +15342,15 @@
             </a:pPr>
             <a:r>
               <a:rPr lang="en"/>
-              <a:t>A bill of materials (of some artifact) is</a:t>
+              <a:t>A </a:t>
+            </a:r>
+            <a:r>
+              <a:rPr b="1" lang="en"/>
+              <a:t>bill of materials</a:t>
+            </a:r>
+            <a:r>
+              <a:rPr lang="en"/>
+              <a:t> (of some artifact) is</a:t>
             </a:r>
             <a:endParaRPr/>
           </a:p>
@@ -15798,7 +15819,7 @@
             <a:tbl>
               <a:tblPr>
                 <a:noFill/>
-                <a:tableStyleId>{FFA78833-6A4E-4A70-ABBC-114171A7B7BA}</a:tableStyleId>
+                <a:tableStyleId>{4E9FCB0E-4115-4CEB-BDB1-0C4D0FEDEEEC}</a:tableStyleId>
               </a:tblPr>
               <a:tblGrid>
                 <a:gridCol w="1280725"/>
@@ -18431,14 +18452,10 @@
               <a:t>https://profriehle.com</a:t>
             </a:r>
             <a:r>
-              <a:rPr b="0" lang="en" sz="900">
-                <a:solidFill>
-                  <a:schemeClr val="dk2"/>
-                </a:solidFill>
-              </a:rPr>
+              <a:rPr b="0" lang="en" sz="900"/>
               <a:t> </a:t>
             </a:r>
-            <a:endParaRPr/>
+            <a:endParaRPr b="0" sz="900"/>
           </a:p>
         </p:txBody>
       </p:sp>
@@ -19642,7 +19659,7 @@
             </a:pPr>
             <a:r>
               <a:rPr lang="en"/>
-              <a:t>Structure of a Scrum Sprint</a:t>
+              <a:t>Logical Structure of a Scrum Sprint</a:t>
             </a:r>
             <a:endParaRPr/>
           </a:p>
@@ -19754,6 +19771,285 @@
 </file>
 
 <file path=ppt/theme/theme1.xml><?xml version="1.0" encoding="utf-8"?>
+<a:theme xmlns:a="http://schemas.openxmlformats.org/drawingml/2006/main" xmlns:r="http://schemas.openxmlformats.org/officeDocument/2006/relationships" name="AMOS Slides Template">
+  <a:themeElements>
+    <a:clrScheme name="Simple Light">
+      <a:dk1>
+        <a:srgbClr val="000000"/>
+      </a:dk1>
+      <a:lt1>
+        <a:srgbClr val="FFFFFF"/>
+      </a:lt1>
+      <a:dk2>
+        <a:srgbClr val="404040"/>
+      </a:dk2>
+      <a:lt2>
+        <a:srgbClr val="808080"/>
+      </a:lt2>
+      <a:accent1>
+        <a:srgbClr val="D0D0D0"/>
+      </a:accent1>
+      <a:accent2>
+        <a:srgbClr val="4169E1"/>
+      </a:accent2>
+      <a:accent3>
+        <a:srgbClr val="D50D01"/>
+      </a:accent3>
+      <a:accent4>
+        <a:srgbClr val="FEB612"/>
+      </a:accent4>
+      <a:accent5>
+        <a:srgbClr val="4CAF50"/>
+      </a:accent5>
+      <a:accent6>
+        <a:srgbClr val="8E44AD"/>
+      </a:accent6>
+      <a:hlink>
+        <a:srgbClr val="34A3C5"/>
+      </a:hlink>
+      <a:folHlink>
+        <a:srgbClr val="0097A7"/>
+      </a:folHlink>
+    </a:clrScheme>
+    <a:fontScheme name="Office">
+      <a:majorFont>
+        <a:latin typeface="Arial"/>
+        <a:ea typeface=""/>
+        <a:cs typeface=""/>
+        <a:font script="Jpan" typeface="ＭＳ Ｐゴシック"/>
+        <a:font script="Hang" typeface="맑은 고딕"/>
+        <a:font script="Hans" typeface="宋体"/>
+        <a:font script="Hant" typeface="新細明體"/>
+        <a:font script="Arab" typeface="Times New Roman"/>
+        <a:font script="Hebr" typeface="Times New Roman"/>
+        <a:font script="Thai" typeface="Angsana New"/>
+        <a:font script="Ethi" typeface="Nyala"/>
+        <a:font script="Beng" typeface="Vrinda"/>
+        <a:font script="Gujr" typeface="Shruti"/>
+        <a:font script="Khmr" typeface="MoolBoran"/>
+        <a:font script="Knda" typeface="Tunga"/>
+        <a:font script="Guru" typeface="Raavi"/>
+        <a:font script="Cans" typeface="Euphemia"/>
+        <a:font script="Cher" typeface="Plantagenet Cherokee"/>
+        <a:font script="Yiii" typeface="Microsoft Yi Baiti"/>
+        <a:font script="Tibt" typeface="Microsoft Himalaya"/>
+        <a:font script="Thaa" typeface="MV Boli"/>
+        <a:font script="Deva" typeface="Mangal"/>
+        <a:font script="Telu" typeface="Gautami"/>
+        <a:font script="Taml" typeface="Latha"/>
+        <a:font script="Syrc" typeface="Estrangelo Edessa"/>
+        <a:font script="Orya" typeface="Kalinga"/>
+        <a:font script="Mlym" typeface="Kartika"/>
+        <a:font script="Laoo" typeface="DokChampa"/>
+        <a:font script="Sinh" typeface="Iskoola Pota"/>
+        <a:font script="Mong" typeface="Mongolian Baiti"/>
+        <a:font script="Viet" typeface="Times New Roman"/>
+        <a:font script="Uigh" typeface="Microsoft Uighur"/>
+        <a:font script="Geor" typeface="Sylfaen"/>
+      </a:majorFont>
+      <a:minorFont>
+        <a:latin typeface="Arial"/>
+        <a:ea typeface=""/>
+        <a:cs typeface=""/>
+        <a:font script="Jpan" typeface="ＭＳ Ｐゴシック"/>
+        <a:font script="Hang" typeface="맑은 고딕"/>
+        <a:font script="Hans" typeface="宋体"/>
+        <a:font script="Hant" typeface="新細明體"/>
+        <a:font script="Arab" typeface="Arial"/>
+        <a:font script="Hebr" typeface="Arial"/>
+        <a:font script="Thai" typeface="Cordia New"/>
+        <a:font script="Ethi" typeface="Nyala"/>
+        <a:font script="Beng" typeface="Vrinda"/>
+        <a:font script="Gujr" typeface="Shruti"/>
+        <a:font script="Khmr" typeface="DaunPenh"/>
+        <a:font script="Knda" typeface="Tunga"/>
+        <a:font script="Guru" typeface="Raavi"/>
+        <a:font script="Cans" typeface="Euphemia"/>
+        <a:font script="Cher" typeface="Plantagenet Cherokee"/>
+        <a:font script="Yiii" typeface="Microsoft Yi Baiti"/>
+        <a:font script="Tibt" typeface="Microsoft Himalaya"/>
+        <a:font script="Thaa" typeface="MV Boli"/>
+        <a:font script="Deva" typeface="Mangal"/>
+        <a:font script="Telu" typeface="Gautami"/>
+        <a:font script="Taml" typeface="Latha"/>
+        <a:font script="Syrc" typeface="Estrangelo Edessa"/>
+        <a:font script="Orya" typeface="Kalinga"/>
+        <a:font script="Mlym" typeface="Kartika"/>
+        <a:font script="Laoo" typeface="DokChampa"/>
+        <a:font script="Sinh" typeface="Iskoola Pota"/>
+        <a:font script="Mong" typeface="Mongolian Baiti"/>
+        <a:font script="Viet" typeface="Arial"/>
+        <a:font script="Uigh" typeface="Microsoft Uighur"/>
+        <a:font script="Geor" typeface="Sylfaen"/>
+      </a:minorFont>
+    </a:fontScheme>
+    <a:fmtScheme name="Office">
+      <a:fillStyleLst>
+        <a:solidFill>
+          <a:schemeClr val="phClr"/>
+        </a:solidFill>
+        <a:gradFill rotWithShape="1">
+          <a:gsLst>
+            <a:gs pos="0">
+              <a:schemeClr val="phClr">
+                <a:tint val="50000"/>
+                <a:satMod val="300000"/>
+              </a:schemeClr>
+            </a:gs>
+            <a:gs pos="35000">
+              <a:schemeClr val="phClr">
+                <a:tint val="37000"/>
+                <a:satMod val="300000"/>
+              </a:schemeClr>
+            </a:gs>
+            <a:gs pos="100000">
+              <a:schemeClr val="phClr">
+                <a:tint val="15000"/>
+                <a:satMod val="350000"/>
+              </a:schemeClr>
+            </a:gs>
+          </a:gsLst>
+          <a:lin ang="16200000" scaled="1"/>
+        </a:gradFill>
+        <a:gradFill rotWithShape="1">
+          <a:gsLst>
+            <a:gs pos="0">
+              <a:schemeClr val="phClr">
+                <a:tint val="100000"/>
+                <a:shade val="100000"/>
+                <a:satMod val="130000"/>
+              </a:schemeClr>
+            </a:gs>
+            <a:gs pos="100000">
+              <a:schemeClr val="phClr">
+                <a:tint val="50000"/>
+                <a:shade val="100000"/>
+                <a:satMod val="350000"/>
+              </a:schemeClr>
+            </a:gs>
+          </a:gsLst>
+          <a:lin ang="16200000" scaled="0"/>
+        </a:gradFill>
+      </a:fillStyleLst>
+      <a:lnStyleLst>
+        <a:ln w="9525" cap="flat" cmpd="sng" algn="ctr">
+          <a:solidFill>
+            <a:schemeClr val="phClr">
+              <a:shade val="95000"/>
+              <a:satMod val="105000"/>
+            </a:schemeClr>
+          </a:solidFill>
+          <a:prstDash val="solid"/>
+        </a:ln>
+        <a:ln w="25400" cap="flat" cmpd="sng" algn="ctr">
+          <a:solidFill>
+            <a:schemeClr val="phClr"/>
+          </a:solidFill>
+          <a:prstDash val="solid"/>
+        </a:ln>
+        <a:ln w="38100" cap="flat" cmpd="sng" algn="ctr">
+          <a:solidFill>
+            <a:schemeClr val="phClr"/>
+          </a:solidFill>
+          <a:prstDash val="solid"/>
+        </a:ln>
+      </a:lnStyleLst>
+      <a:effectStyleLst>
+        <a:effectStyle>
+          <a:effectLst>
+            <a:outerShdw blurRad="40000" dist="20000" dir="5400000" rotWithShape="0">
+              <a:srgbClr val="000000">
+                <a:alpha val="38000"/>
+              </a:srgbClr>
+            </a:outerShdw>
+          </a:effectLst>
+        </a:effectStyle>
+        <a:effectStyle>
+          <a:effectLst>
+            <a:outerShdw blurRad="40000" dist="23000" dir="5400000" rotWithShape="0">
+              <a:srgbClr val="000000">
+                <a:alpha val="35000"/>
+              </a:srgbClr>
+            </a:outerShdw>
+          </a:effectLst>
+        </a:effectStyle>
+        <a:effectStyle>
+          <a:effectLst>
+            <a:outerShdw blurRad="40000" dist="23000" dir="5400000" rotWithShape="0">
+              <a:srgbClr val="000000">
+                <a:alpha val="35000"/>
+              </a:srgbClr>
+            </a:outerShdw>
+          </a:effectLst>
+          <a:scene3d>
+            <a:camera prst="orthographicFront">
+              <a:rot lat="0" lon="0" rev="0"/>
+            </a:camera>
+            <a:lightRig rig="threePt" dir="t">
+              <a:rot lat="0" lon="0" rev="1200000"/>
+            </a:lightRig>
+          </a:scene3d>
+          <a:sp3d>
+            <a:bevelT w="63500" h="25400"/>
+          </a:sp3d>
+        </a:effectStyle>
+      </a:effectStyleLst>
+      <a:bgFillStyleLst>
+        <a:solidFill>
+          <a:schemeClr val="phClr"/>
+        </a:solidFill>
+        <a:gradFill rotWithShape="1">
+          <a:gsLst>
+            <a:gs pos="0">
+              <a:schemeClr val="phClr">
+                <a:tint val="40000"/>
+                <a:satMod val="350000"/>
+              </a:schemeClr>
+            </a:gs>
+            <a:gs pos="40000">
+              <a:schemeClr val="phClr">
+                <a:tint val="45000"/>
+                <a:shade val="99000"/>
+                <a:satMod val="350000"/>
+              </a:schemeClr>
+            </a:gs>
+            <a:gs pos="100000">
+              <a:schemeClr val="phClr">
+                <a:shade val="20000"/>
+                <a:satMod val="255000"/>
+              </a:schemeClr>
+            </a:gs>
+          </a:gsLst>
+          <a:path path="circle">
+            <a:fillToRect l="50000" t="-80000" r="50000" b="180000"/>
+          </a:path>
+        </a:gradFill>
+        <a:gradFill rotWithShape="1">
+          <a:gsLst>
+            <a:gs pos="0">
+              <a:schemeClr val="phClr">
+                <a:tint val="80000"/>
+                <a:satMod val="300000"/>
+              </a:schemeClr>
+            </a:gs>
+            <a:gs pos="100000">
+              <a:schemeClr val="phClr">
+                <a:shade val="30000"/>
+                <a:satMod val="200000"/>
+              </a:schemeClr>
+            </a:gs>
+          </a:gsLst>
+          <a:path path="circle">
+            <a:fillToRect l="50000" t="50000" r="50000" b="50000"/>
+          </a:path>
+        </a:gradFill>
+      </a:bgFillStyleLst>
+    </a:fmtScheme>
+  </a:themeElements>
+</a:theme>
+</file>
+
+<file path=ppt/theme/theme2.xml><?xml version="1.0" encoding="utf-8"?>
 <a:theme xmlns:a="http://schemas.openxmlformats.org/drawingml/2006/main" xmlns:r="http://schemas.openxmlformats.org/officeDocument/2006/relationships">
   <a:themeElements>
     <a:clrScheme name="Default">
@@ -20030,283 +20326,4 @@
     </a:fmtScheme>
   </a:themeElements>
 </a:theme>
-</file>
-
-<file path=ppt/theme/theme2.xml><?xml version="1.0" encoding="utf-8"?>
-<a:theme xmlns:a="http://schemas.openxmlformats.org/drawingml/2006/main" xmlns:r="http://schemas.openxmlformats.org/officeDocument/2006/relationships" name="AMOS Slides Template">
-  <a:themeElements>
-    <a:clrScheme name="Simple Light">
-      <a:dk1>
-        <a:srgbClr val="000000"/>
-      </a:dk1>
-      <a:lt1>
-        <a:srgbClr val="FFFFFF"/>
-      </a:lt1>
-      <a:dk2>
-        <a:srgbClr val="404040"/>
-      </a:dk2>
-      <a:lt2>
-        <a:srgbClr val="808080"/>
-      </a:lt2>
-      <a:accent1>
-        <a:srgbClr val="D0D0D0"/>
-      </a:accent1>
-      <a:accent2>
-        <a:srgbClr val="4169E1"/>
-      </a:accent2>
-      <a:accent3>
-        <a:srgbClr val="D50D01"/>
-      </a:accent3>
-      <a:accent4>
-        <a:srgbClr val="FEB612"/>
-      </a:accent4>
-      <a:accent5>
-        <a:srgbClr val="4CAF50"/>
-      </a:accent5>
-      <a:accent6>
-        <a:srgbClr val="8E44AD"/>
-      </a:accent6>
-      <a:hlink>
-        <a:srgbClr val="34A3C5"/>
-      </a:hlink>
-      <a:folHlink>
-        <a:srgbClr val="0097A7"/>
-      </a:folHlink>
-    </a:clrScheme>
-    <a:fontScheme name="Office">
-      <a:majorFont>
-        <a:latin typeface="Arial"/>
-        <a:ea typeface=""/>
-        <a:cs typeface=""/>
-        <a:font script="Jpan" typeface="ＭＳ Ｐゴシック"/>
-        <a:font script="Hang" typeface="맑은 고딕"/>
-        <a:font script="Hans" typeface="宋体"/>
-        <a:font script="Hant" typeface="新細明體"/>
-        <a:font script="Arab" typeface="Times New Roman"/>
-        <a:font script="Hebr" typeface="Times New Roman"/>
-        <a:font script="Thai" typeface="Angsana New"/>
-        <a:font script="Ethi" typeface="Nyala"/>
-        <a:font script="Beng" typeface="Vrinda"/>
-        <a:font script="Gujr" typeface="Shruti"/>
-        <a:font script="Khmr" typeface="MoolBoran"/>
-        <a:font script="Knda" typeface="Tunga"/>
-        <a:font script="Guru" typeface="Raavi"/>
-        <a:font script="Cans" typeface="Euphemia"/>
-        <a:font script="Cher" typeface="Plantagenet Cherokee"/>
-        <a:font script="Yiii" typeface="Microsoft Yi Baiti"/>
-        <a:font script="Tibt" typeface="Microsoft Himalaya"/>
-        <a:font script="Thaa" typeface="MV Boli"/>
-        <a:font script="Deva" typeface="Mangal"/>
-        <a:font script="Telu" typeface="Gautami"/>
-        <a:font script="Taml" typeface="Latha"/>
-        <a:font script="Syrc" typeface="Estrangelo Edessa"/>
-        <a:font script="Orya" typeface="Kalinga"/>
-        <a:font script="Mlym" typeface="Kartika"/>
-        <a:font script="Laoo" typeface="DokChampa"/>
-        <a:font script="Sinh" typeface="Iskoola Pota"/>
-        <a:font script="Mong" typeface="Mongolian Baiti"/>
-        <a:font script="Viet" typeface="Times New Roman"/>
-        <a:font script="Uigh" typeface="Microsoft Uighur"/>
-        <a:font script="Geor" typeface="Sylfaen"/>
-      </a:majorFont>
-      <a:minorFont>
-        <a:latin typeface="Arial"/>
-        <a:ea typeface=""/>
-        <a:cs typeface=""/>
-        <a:font script="Jpan" typeface="ＭＳ Ｐゴシック"/>
-        <a:font script="Hang" typeface="맑은 고딕"/>
-        <a:font script="Hans" typeface="宋体"/>
-        <a:font script="Hant" typeface="新細明體"/>
-        <a:font script="Arab" typeface="Arial"/>
-        <a:font script="Hebr" typeface="Arial"/>
-        <a:font script="Thai" typeface="Cordia New"/>
-        <a:font script="Ethi" typeface="Nyala"/>
-        <a:font script="Beng" typeface="Vrinda"/>
-        <a:font script="Gujr" typeface="Shruti"/>
-        <a:font script="Khmr" typeface="DaunPenh"/>
-        <a:font script="Knda" typeface="Tunga"/>
-        <a:font script="Guru" typeface="Raavi"/>
-        <a:font script="Cans" typeface="Euphemia"/>
-        <a:font script="Cher" typeface="Plantagenet Cherokee"/>
-        <a:font script="Yiii" typeface="Microsoft Yi Baiti"/>
-        <a:font script="Tibt" typeface="Microsoft Himalaya"/>
-        <a:font script="Thaa" typeface="MV Boli"/>
-        <a:font script="Deva" typeface="Mangal"/>
-        <a:font script="Telu" typeface="Gautami"/>
-        <a:font script="Taml" typeface="Latha"/>
-        <a:font script="Syrc" typeface="Estrangelo Edessa"/>
-        <a:font script="Orya" typeface="Kalinga"/>
-        <a:font script="Mlym" typeface="Kartika"/>
-        <a:font script="Laoo" typeface="DokChampa"/>
-        <a:font script="Sinh" typeface="Iskoola Pota"/>
-        <a:font script="Mong" typeface="Mongolian Baiti"/>
-        <a:font script="Viet" typeface="Arial"/>
-        <a:font script="Uigh" typeface="Microsoft Uighur"/>
-        <a:font script="Geor" typeface="Sylfaen"/>
-      </a:minorFont>
-    </a:fontScheme>
-    <a:fmtScheme name="Office">
-      <a:fillStyleLst>
-        <a:solidFill>
-          <a:schemeClr val="phClr"/>
-        </a:solidFill>
-        <a:gradFill rotWithShape="1">
-          <a:gsLst>
-            <a:gs pos="0">
-              <a:schemeClr val="phClr">
-                <a:tint val="50000"/>
-                <a:satMod val="300000"/>
-              </a:schemeClr>
-            </a:gs>
-            <a:gs pos="35000">
-              <a:schemeClr val="phClr">
-                <a:tint val="37000"/>
-                <a:satMod val="300000"/>
-              </a:schemeClr>
-            </a:gs>
-            <a:gs pos="100000">
-              <a:schemeClr val="phClr">
-                <a:tint val="15000"/>
-                <a:satMod val="350000"/>
-              </a:schemeClr>
-            </a:gs>
-          </a:gsLst>
-          <a:lin ang="16200000" scaled="1"/>
-        </a:gradFill>
-        <a:gradFill rotWithShape="1">
-          <a:gsLst>
-            <a:gs pos="0">
-              <a:schemeClr val="phClr">
-                <a:tint val="100000"/>
-                <a:shade val="100000"/>
-                <a:satMod val="130000"/>
-              </a:schemeClr>
-            </a:gs>
-            <a:gs pos="100000">
-              <a:schemeClr val="phClr">
-                <a:tint val="50000"/>
-                <a:shade val="100000"/>
-                <a:satMod val="350000"/>
-              </a:schemeClr>
-            </a:gs>
-          </a:gsLst>
-          <a:lin ang="16200000" scaled="0"/>
-        </a:gradFill>
-      </a:fillStyleLst>
-      <a:lnStyleLst>
-        <a:ln w="9525" cap="flat" cmpd="sng" algn="ctr">
-          <a:solidFill>
-            <a:schemeClr val="phClr">
-              <a:shade val="95000"/>
-              <a:satMod val="105000"/>
-            </a:schemeClr>
-          </a:solidFill>
-          <a:prstDash val="solid"/>
-        </a:ln>
-        <a:ln w="25400" cap="flat" cmpd="sng" algn="ctr">
-          <a:solidFill>
-            <a:schemeClr val="phClr"/>
-          </a:solidFill>
-          <a:prstDash val="solid"/>
-        </a:ln>
-        <a:ln w="38100" cap="flat" cmpd="sng" algn="ctr">
-          <a:solidFill>
-            <a:schemeClr val="phClr"/>
-          </a:solidFill>
-          <a:prstDash val="solid"/>
-        </a:ln>
-      </a:lnStyleLst>
-      <a:effectStyleLst>
-        <a:effectStyle>
-          <a:effectLst>
-            <a:outerShdw blurRad="40000" dist="20000" dir="5400000" rotWithShape="0">
-              <a:srgbClr val="000000">
-                <a:alpha val="38000"/>
-              </a:srgbClr>
-            </a:outerShdw>
-          </a:effectLst>
-        </a:effectStyle>
-        <a:effectStyle>
-          <a:effectLst>
-            <a:outerShdw blurRad="40000" dist="23000" dir="5400000" rotWithShape="0">
-              <a:srgbClr val="000000">
-                <a:alpha val="35000"/>
-              </a:srgbClr>
-            </a:outerShdw>
-          </a:effectLst>
-        </a:effectStyle>
-        <a:effectStyle>
-          <a:effectLst>
-            <a:outerShdw blurRad="40000" dist="23000" dir="5400000" rotWithShape="0">
-              <a:srgbClr val="000000">
-                <a:alpha val="35000"/>
-              </a:srgbClr>
-            </a:outerShdw>
-          </a:effectLst>
-          <a:scene3d>
-            <a:camera prst="orthographicFront">
-              <a:rot lat="0" lon="0" rev="0"/>
-            </a:camera>
-            <a:lightRig rig="threePt" dir="t">
-              <a:rot lat="0" lon="0" rev="1200000"/>
-            </a:lightRig>
-          </a:scene3d>
-          <a:sp3d>
-            <a:bevelT w="63500" h="25400"/>
-          </a:sp3d>
-        </a:effectStyle>
-      </a:effectStyleLst>
-      <a:bgFillStyleLst>
-        <a:solidFill>
-          <a:schemeClr val="phClr"/>
-        </a:solidFill>
-        <a:gradFill rotWithShape="1">
-          <a:gsLst>
-            <a:gs pos="0">
-              <a:schemeClr val="phClr">
-                <a:tint val="40000"/>
-                <a:satMod val="350000"/>
-              </a:schemeClr>
-            </a:gs>
-            <a:gs pos="40000">
-              <a:schemeClr val="phClr">
-                <a:tint val="45000"/>
-                <a:shade val="99000"/>
-                <a:satMod val="350000"/>
-              </a:schemeClr>
-            </a:gs>
-            <a:gs pos="100000">
-              <a:schemeClr val="phClr">
-                <a:shade val="20000"/>
-                <a:satMod val="255000"/>
-              </a:schemeClr>
-            </a:gs>
-          </a:gsLst>
-          <a:path path="circle">
-            <a:fillToRect l="50000" t="-80000" r="50000" b="180000"/>
-          </a:path>
-        </a:gradFill>
-        <a:gradFill rotWithShape="1">
-          <a:gsLst>
-            <a:gs pos="0">
-              <a:schemeClr val="phClr">
-                <a:tint val="80000"/>
-                <a:satMod val="300000"/>
-              </a:schemeClr>
-            </a:gs>
-            <a:gs pos="100000">
-              <a:schemeClr val="phClr">
-                <a:shade val="30000"/>
-                <a:satMod val="200000"/>
-              </a:schemeClr>
-            </a:gs>
-          </a:gsLst>
-          <a:path path="circle">
-            <a:fillToRect l="50000" t="50000" r="50000" b="50000"/>
-          </a:path>
-        </a:gradFill>
-      </a:bgFillStyleLst>
-    </a:fmtScheme>
-  </a:themeElements>
-</a:theme>
 </file>
--- a/Lecture slides/AMOS B02 - Scrum and AMOS.pptx
+++ b/Lecture slides/AMOS B02 - Scrum and AMOS.pptx
@@ -45,6 +45,7 @@
     <p:sldId id="290" r:id="rId41"/>
     <p:sldId id="291" r:id="rId42"/>
     <p:sldId id="292" r:id="rId43"/>
+    <p:sldId id="293" r:id="rId44"/>
   </p:sldIdLst>
   <p:sldSz cy="5143500" cx="9144000"/>
   <p:notesSz cx="6858000" cy="9144000"/>
@@ -3414,7 +3415,7 @@
       </p:grpSpPr>
       <p:sp>
         <p:nvSpPr>
-          <p:cNvPr id="265" name="Google Shape;265;g152a3f74d0d_0_57:notes"/>
+          <p:cNvPr id="265" name="Google Shape;265;g23a7f920194_0_1:notes"/>
           <p:cNvSpPr/>
           <p:nvPr>
             <p:ph idx="2" type="sldImg"/>
@@ -3449,7 +3450,7 @@
       </p:sp>
       <p:sp>
         <p:nvSpPr>
-          <p:cNvPr id="266" name="Google Shape;266;g152a3f74d0d_0_57:notes"/>
+          <p:cNvPr id="266" name="Google Shape;266;g23a7f920194_0_1:notes"/>
           <p:cNvSpPr txBox="1"/>
           <p:nvPr>
             <p:ph idx="1" type="body"/>
@@ -3513,7 +3514,7 @@
       </p:grpSpPr>
       <p:sp>
         <p:nvSpPr>
-          <p:cNvPr id="272" name="Google Shape;272;g22d186861df_0_1:notes"/>
+          <p:cNvPr id="272" name="Google Shape;272;g152a3f74d0d_0_57:notes"/>
           <p:cNvSpPr/>
           <p:nvPr>
             <p:ph idx="2" type="sldImg"/>
@@ -3548,7 +3549,7 @@
       </p:sp>
       <p:sp>
         <p:nvSpPr>
-          <p:cNvPr id="273" name="Google Shape;273;g22d186861df_0_1:notes"/>
+          <p:cNvPr id="273" name="Google Shape;273;g152a3f74d0d_0_57:notes"/>
           <p:cNvSpPr txBox="1"/>
           <p:nvPr>
             <p:ph idx="1" type="body"/>
@@ -3612,7 +3613,7 @@
       </p:grpSpPr>
       <p:sp>
         <p:nvSpPr>
-          <p:cNvPr id="279" name="Google Shape;279;g2397cb0cd5f_0_38:notes"/>
+          <p:cNvPr id="279" name="Google Shape;279;g22d186861df_0_1:notes"/>
           <p:cNvSpPr/>
           <p:nvPr>
             <p:ph idx="2" type="sldImg"/>
@@ -3647,7 +3648,7 @@
       </p:sp>
       <p:sp>
         <p:nvSpPr>
-          <p:cNvPr id="280" name="Google Shape;280;g2397cb0cd5f_0_38:notes"/>
+          <p:cNvPr id="280" name="Google Shape;280;g22d186861df_0_1:notes"/>
           <p:cNvSpPr txBox="1"/>
           <p:nvPr>
             <p:ph idx="1" type="body"/>
@@ -3697,7 +3698,7 @@
   <p:cSld>
     <p:spTree>
       <p:nvGrpSpPr>
-        <p:cNvPr id="284" name="Shape 284"/>
+        <p:cNvPr id="285" name="Shape 285"/>
         <p:cNvGrpSpPr/>
         <p:nvPr/>
       </p:nvGrpSpPr>
@@ -3711,7 +3712,7 @@
       </p:grpSpPr>
       <p:sp>
         <p:nvSpPr>
-          <p:cNvPr id="285" name="Google Shape;285;g2397cb0cd5f_0_43:notes"/>
+          <p:cNvPr id="286" name="Google Shape;286;g2397cb0cd5f_0_38:notes"/>
           <p:cNvSpPr/>
           <p:nvPr>
             <p:ph idx="2" type="sldImg"/>
@@ -3746,7 +3747,106 @@
       </p:sp>
       <p:sp>
         <p:nvSpPr>
-          <p:cNvPr id="286" name="Google Shape;286;g2397cb0cd5f_0_43:notes"/>
+          <p:cNvPr id="287" name="Google Shape;287;g2397cb0cd5f_0_38:notes"/>
+          <p:cNvSpPr txBox="1"/>
+          <p:nvPr>
+            <p:ph idx="1" type="body"/>
+          </p:nvPr>
+        </p:nvSpPr>
+        <p:spPr>
+          <a:xfrm>
+            <a:off x="685800" y="4343400"/>
+            <a:ext cx="5486400" cy="4114800"/>
+          </a:xfrm>
+          <a:prstGeom prst="rect">
+            <a:avLst/>
+          </a:prstGeom>
+        </p:spPr>
+        <p:txBody>
+          <a:bodyPr anchorCtr="0" anchor="t" bIns="91425" lIns="91425" spcFirstLastPara="1" rIns="91425" wrap="square" tIns="91425">
+            <a:noAutofit/>
+          </a:bodyPr>
+          <a:lstStyle/>
+          <a:p>
+            <a:pPr indent="0" lvl="0" marL="0" rtl="0" algn="l">
+              <a:spcBef>
+                <a:spcPts val="0"/>
+              </a:spcBef>
+              <a:spcAft>
+                <a:spcPts val="0"/>
+              </a:spcAft>
+              <a:buNone/>
+            </a:pPr>
+            <a:r>
+              <a:t/>
+            </a:r>
+            <a:endParaRPr/>
+          </a:p>
+        </p:txBody>
+      </p:sp>
+    </p:spTree>
+  </p:cSld>
+  <p:clrMapOvr>
+    <a:masterClrMapping/>
+  </p:clrMapOvr>
+</p:notes>
+</file>
+
+<file path=ppt/notesSlides/notesSlide38.xml><?xml version="1.0" encoding="utf-8"?>
+<p:notes xmlns:a="http://schemas.openxmlformats.org/drawingml/2006/main" xmlns:r="http://schemas.openxmlformats.org/officeDocument/2006/relationships" xmlns:mc="http://schemas.openxmlformats.org/markup-compatibility/2006" xmlns:mv="urn:schemas-microsoft-com:mac:vml" xmlns:p="http://schemas.openxmlformats.org/presentationml/2006/main" xmlns:c="http://schemas.openxmlformats.org/drawingml/2006/chart" xmlns:dgm="http://schemas.openxmlformats.org/drawingml/2006/diagram" xmlns:o="urn:schemas-microsoft-com:office:office" xmlns:v="urn:schemas-microsoft-com:vml" xmlns:pvml="urn:schemas-microsoft-com:office:powerpoint" xmlns:com="http://schemas.openxmlformats.org/drawingml/2006/compatibility" xmlns:p14="http://schemas.microsoft.com/office/powerpoint/2010/main" xmlns:p15="http://schemas.microsoft.com/office/powerpoint/2012/main" xmlns:ahyp="http://schemas.microsoft.com/office/drawing/2018/hyperlinkcolor" showMasterPhAnim="0" showMasterSp="0">
+  <p:cSld>
+    <p:spTree>
+      <p:nvGrpSpPr>
+        <p:cNvPr id="291" name="Shape 291"/>
+        <p:cNvGrpSpPr/>
+        <p:nvPr/>
+      </p:nvGrpSpPr>
+      <p:grpSpPr>
+        <a:xfrm>
+          <a:off x="0" y="0"/>
+          <a:ext cx="0" cy="0"/>
+          <a:chOff x="0" y="0"/>
+          <a:chExt cx="0" cy="0"/>
+        </a:xfrm>
+      </p:grpSpPr>
+      <p:sp>
+        <p:nvSpPr>
+          <p:cNvPr id="292" name="Google Shape;292;g2397cb0cd5f_0_43:notes"/>
+          <p:cNvSpPr/>
+          <p:nvPr>
+            <p:ph idx="2" type="sldImg"/>
+          </p:nvPr>
+        </p:nvSpPr>
+        <p:spPr>
+          <a:xfrm>
+            <a:off x="381300" y="685800"/>
+            <a:ext cx="6096000" cy="3429000"/>
+          </a:xfrm>
+          <a:custGeom>
+            <a:rect b="b" l="l" r="r" t="t"/>
+            <a:pathLst>
+              <a:path extrusionOk="0" h="120000" w="120000">
+                <a:moveTo>
+                  <a:pt x="0" y="0"/>
+                </a:moveTo>
+                <a:lnTo>
+                  <a:pt x="120000" y="0"/>
+                </a:lnTo>
+                <a:lnTo>
+                  <a:pt x="120000" y="120000"/>
+                </a:lnTo>
+                <a:lnTo>
+                  <a:pt x="0" y="120000"/>
+                </a:lnTo>
+                <a:close/>
+              </a:path>
+            </a:pathLst>
+          </a:custGeom>
+        </p:spPr>
+      </p:sp>
+      <p:sp>
+        <p:nvSpPr>
+          <p:cNvPr id="293" name="Google Shape;293;g2397cb0cd5f_0_43:notes"/>
           <p:cNvSpPr txBox="1"/>
           <p:nvPr>
             <p:ph idx="1" type="body"/>
@@ -11734,7 +11834,7 @@
             <a:tbl>
               <a:tblPr>
                 <a:noFill/>
-                <a:tableStyleId>{4E9FCB0E-4115-4CEB-BDB1-0C4D0FEDEEEC}</a:tableStyleId>
+                <a:tableStyleId>{C8671AF5-1898-4181-9D50-357DC450F274}</a:tableStyleId>
               </a:tblPr>
               <a:tblGrid>
                 <a:gridCol w="2057400"/>
@@ -12955,7 +13055,7 @@
             </a:r>
             <a:r>
               <a:rPr lang="en"/>
-              <a:t> can be found in the planning documents</a:t>
+              <a:t> can be found in your planning document</a:t>
             </a:r>
             <a:endParaRPr/>
           </a:p>
@@ -13105,7 +13205,7 @@
             </a:pPr>
             <a:r>
               <a:rPr lang="en"/>
-              <a:t>Updates planning documents to consistent state</a:t>
+              <a:t>Updates planning document to consistent state</a:t>
             </a:r>
             <a:endParaRPr/>
           </a:p>
@@ -13811,7 +13911,7 @@
             <a:tbl>
               <a:tblPr>
                 <a:noFill/>
-                <a:tableStyleId>{4E9FCB0E-4115-4CEB-BDB1-0C4D0FEDEEEC}</a:tableStyleId>
+                <a:tableStyleId>{C8671AF5-1898-4181-9D50-357DC450F274}</a:tableStyleId>
               </a:tblPr>
               <a:tblGrid>
                 <a:gridCol w="638675"/>
@@ -15729,7 +15829,7 @@
             </a:pPr>
             <a:r>
               <a:rPr lang="en"/>
-              <a:t>For each dependency, provide the following information (recommend not required)</a:t>
+              <a:t>For each dependency, provide this (recommended, not required) information</a:t>
             </a:r>
             <a:endParaRPr/>
           </a:p>
@@ -15819,7 +15919,7 @@
             <a:tbl>
               <a:tblPr>
                 <a:noFill/>
-                <a:tableStyleId>{4E9FCB0E-4115-4CEB-BDB1-0C4D0FEDEEEC}</a:tableStyleId>
+                <a:tableStyleId>{C8671AF5-1898-4181-9D50-357DC450F274}</a:tableStyleId>
               </a:tblPr>
               <a:tblGrid>
                 <a:gridCol w="1280725"/>
@@ -16947,7 +17047,8 @@
                         <a:buNone/>
                       </a:pPr>
                       <a:r>
-                        <a:t/>
+                        <a:rPr lang="en"/>
+                        <a:t>Pulled from Maven Central</a:t>
                       </a:r>
                       <a:endParaRPr/>
                     </a:p>
@@ -17103,6 +17204,23 @@
             <a:endParaRPr/>
           </a:p>
           <a:p>
+            <a:pPr indent="-342900" lvl="0" marL="457200" rtl="0" algn="l">
+              <a:spcBef>
+                <a:spcPts val="1200"/>
+              </a:spcBef>
+              <a:spcAft>
+                <a:spcPts val="0"/>
+              </a:spcAft>
+              <a:buSzPts val="1800"/>
+              <a:buChar char="●"/>
+            </a:pPr>
+            <a:r>
+              <a:rPr lang="en"/>
+              <a:t>You can limit this to your first-level dependencies</a:t>
+            </a:r>
+            <a:endParaRPr/>
+          </a:p>
+          <a:p>
             <a:pPr indent="0" lvl="0" marL="0" rtl="0" algn="l">
               <a:spcBef>
                 <a:spcPts val="1200"/>
@@ -17637,7 +17755,7 @@
             </a:pPr>
             <a:r>
               <a:rPr lang="en"/>
-              <a:t>One-time Deliverable: Architecture Description</a:t>
+              <a:t>Runtime Objects / Tiers vs. Code / Layered Architecture</a:t>
             </a:r>
             <a:endParaRPr/>
           </a:p>
@@ -17648,128 +17766,6 @@
           <p:cNvPr id="269" name="Google Shape;269;p41"/>
           <p:cNvSpPr txBox="1"/>
           <p:nvPr>
-            <p:ph idx="1" type="body"/>
-          </p:nvPr>
-        </p:nvSpPr>
-        <p:spPr>
-          <a:xfrm>
-            <a:off x="274320" y="914400"/>
-            <a:ext cx="8595300" cy="4114800"/>
-          </a:xfrm>
-          <a:prstGeom prst="rect">
-            <a:avLst/>
-          </a:prstGeom>
-        </p:spPr>
-        <p:txBody>
-          <a:bodyPr anchorCtr="0" anchor="t" bIns="0" lIns="0" spcFirstLastPara="1" rIns="0" wrap="square" tIns="0">
-            <a:noAutofit/>
-          </a:bodyPr>
-          <a:lstStyle/>
-          <a:p>
-            <a:pPr indent="0" lvl="0" marL="0" rtl="0" algn="l">
-              <a:spcBef>
-                <a:spcPts val="0"/>
-              </a:spcBef>
-              <a:spcAft>
-                <a:spcPts val="0"/>
-              </a:spcAft>
-              <a:buNone/>
-            </a:pPr>
-            <a:r>
-              <a:rPr lang="en"/>
-              <a:t>Provide a description of the initial planned architecture including (at a minimum)</a:t>
-            </a:r>
-            <a:endParaRPr/>
-          </a:p>
-          <a:p>
-            <a:pPr indent="-342900" lvl="0" marL="457200" rtl="0" algn="l">
-              <a:spcBef>
-                <a:spcPts val="1200"/>
-              </a:spcBef>
-              <a:spcAft>
-                <a:spcPts val="0"/>
-              </a:spcAft>
-              <a:buSzPts val="1800"/>
-              <a:buAutoNum type="arabicPeriod"/>
-            </a:pPr>
-            <a:r>
-              <a:rPr lang="en"/>
-              <a:t>The runtime architecture</a:t>
-            </a:r>
-            <a:endParaRPr/>
-          </a:p>
-          <a:p>
-            <a:pPr indent="-342900" lvl="0" marL="457200" rtl="0" algn="l">
-              <a:spcBef>
-                <a:spcPts val="0"/>
-              </a:spcBef>
-              <a:spcAft>
-                <a:spcPts val="0"/>
-              </a:spcAft>
-              <a:buSzPts val="1800"/>
-              <a:buAutoNum type="arabicPeriod"/>
-            </a:pPr>
-            <a:r>
-              <a:rPr lang="en"/>
-              <a:t>The code (static) architecture</a:t>
-            </a:r>
-            <a:endParaRPr/>
-          </a:p>
-          <a:p>
-            <a:pPr indent="-342900" lvl="0" marL="457200" rtl="0" algn="l">
-              <a:spcBef>
-                <a:spcPts val="0"/>
-              </a:spcBef>
-              <a:spcAft>
-                <a:spcPts val="0"/>
-              </a:spcAft>
-              <a:buSzPts val="1800"/>
-              <a:buAutoNum type="arabicPeriod"/>
-            </a:pPr>
-            <a:r>
-              <a:rPr lang="en"/>
-              <a:t>The tech stack you are building on</a:t>
-            </a:r>
-            <a:endParaRPr/>
-          </a:p>
-          <a:p>
-            <a:pPr indent="0" lvl="0" marL="0" rtl="0" algn="l">
-              <a:spcBef>
-                <a:spcPts val="1200"/>
-              </a:spcBef>
-              <a:spcAft>
-                <a:spcPts val="0"/>
-              </a:spcAft>
-              <a:buNone/>
-            </a:pPr>
-            <a:r>
-              <a:rPr lang="en"/>
-              <a:t>Feel free at the end of the project to review planning with reality</a:t>
-            </a:r>
-            <a:endParaRPr/>
-          </a:p>
-          <a:p>
-            <a:pPr indent="0" lvl="0" marL="0" rtl="0" algn="l">
-              <a:spcBef>
-                <a:spcPts val="1200"/>
-              </a:spcBef>
-              <a:spcAft>
-                <a:spcPts val="1200"/>
-              </a:spcAft>
-              <a:buNone/>
-            </a:pPr>
-            <a:r>
-              <a:t/>
-            </a:r>
-            <a:endParaRPr/>
-          </a:p>
-        </p:txBody>
-      </p:sp>
-      <p:sp>
-        <p:nvSpPr>
-          <p:cNvPr id="270" name="Google Shape;270;p41"/>
-          <p:cNvSpPr txBox="1"/>
-          <p:nvPr>
             <p:ph idx="12" type="sldNum"/>
           </p:nvPr>
         </p:nvSpPr>
@@ -17834,6 +17830,34 @@
           </a:p>
         </p:txBody>
       </p:sp>
+      <p:pic>
+        <p:nvPicPr>
+          <p:cNvPr id="270" name="Google Shape;270;p41"/>
+          <p:cNvPicPr preferRelativeResize="0"/>
+          <p:nvPr/>
+        </p:nvPicPr>
+        <p:blipFill>
+          <a:blip r:embed="rId4">
+            <a:alphaModFix/>
+          </a:blip>
+          <a:stretch>
+            <a:fillRect/>
+          </a:stretch>
+        </p:blipFill>
+        <p:spPr>
+          <a:xfrm>
+            <a:off x="274320" y="914400"/>
+            <a:ext cx="8595360" cy="3502840"/>
+          </a:xfrm>
+          <a:prstGeom prst="rect">
+            <a:avLst/>
+          </a:prstGeom>
+          <a:noFill/>
+          <a:ln>
+            <a:noFill/>
+          </a:ln>
+        </p:spPr>
+      </p:pic>
     </p:spTree>
   </p:cSld>
   <p:clrMapOvr>
@@ -17893,7 +17917,7 @@
             </a:pPr>
             <a:r>
               <a:rPr lang="en"/>
-              <a:t>Summary</a:t>
+              <a:t>One-time Deliverable: Architecture Description</a:t>
             </a:r>
             <a:endParaRPr/>
           </a:p>
@@ -17922,9 +17946,25 @@
           </a:bodyPr>
           <a:lstStyle/>
           <a:p>
+            <a:pPr indent="0" lvl="0" marL="0" rtl="0" algn="l">
+              <a:spcBef>
+                <a:spcPts val="0"/>
+              </a:spcBef>
+              <a:spcAft>
+                <a:spcPts val="0"/>
+              </a:spcAft>
+              <a:buNone/>
+            </a:pPr>
+            <a:r>
+              <a:rPr lang="en"/>
+              <a:t>Provide a description of the initial planned architecture including (at a minimum)</a:t>
+            </a:r>
+            <a:endParaRPr/>
+          </a:p>
+          <a:p>
             <a:pPr indent="-342900" lvl="0" marL="457200" rtl="0" algn="l">
               <a:spcBef>
-                <a:spcPts val="0"/>
+                <a:spcPts val="1200"/>
               </a:spcBef>
               <a:spcAft>
                 <a:spcPts val="0"/>
@@ -17934,7 +17974,7 @@
             </a:pPr>
             <a:r>
               <a:rPr lang="en"/>
-              <a:t>The AMOS process</a:t>
+              <a:t>The runtime architecture</a:t>
             </a:r>
             <a:endParaRPr/>
           </a:p>
@@ -17951,99 +17991,14 @@
             </a:pPr>
             <a:r>
               <a:rPr lang="en"/>
-              <a:t>The team meeting</a:t>
-            </a:r>
-            <a:endParaRPr/>
-          </a:p>
-          <a:p>
-            <a:pPr indent="-317500" lvl="1" marL="914400" rtl="0" algn="l">
-              <a:spcBef>
-                <a:spcPts val="0"/>
-              </a:spcBef>
-              <a:spcAft>
-                <a:spcPts val="0"/>
-              </a:spcAft>
-              <a:buSzPts val="1400"/>
-              <a:buChar char="○"/>
-            </a:pPr>
-            <a:r>
-              <a:rPr lang="en"/>
-              <a:t>Meeting preparation</a:t>
-            </a:r>
-            <a:endParaRPr/>
-          </a:p>
-          <a:p>
-            <a:pPr indent="-317500" lvl="1" marL="914400" rtl="0" algn="l">
-              <a:spcBef>
-                <a:spcPts val="0"/>
-              </a:spcBef>
-              <a:spcAft>
-                <a:spcPts val="0"/>
-              </a:spcAft>
-              <a:buSzPts val="1400"/>
-              <a:buChar char="○"/>
-            </a:pPr>
-            <a:r>
-              <a:rPr lang="en"/>
-              <a:t>Sprint review</a:t>
-            </a:r>
-            <a:endParaRPr/>
-          </a:p>
-          <a:p>
-            <a:pPr indent="-317500" lvl="1" marL="914400" rtl="0" algn="l">
-              <a:spcBef>
-                <a:spcPts val="0"/>
-              </a:spcBef>
-              <a:spcAft>
-                <a:spcPts val="0"/>
-              </a:spcAft>
-              <a:buSzPts val="1400"/>
-              <a:buChar char="○"/>
-            </a:pPr>
-            <a:r>
-              <a:rPr lang="en"/>
-              <a:t>Sprint release</a:t>
-            </a:r>
-            <a:endParaRPr/>
-          </a:p>
-          <a:p>
-            <a:pPr indent="-317500" lvl="1" marL="914400" rtl="0" algn="l">
-              <a:spcBef>
-                <a:spcPts val="0"/>
-              </a:spcBef>
-              <a:spcAft>
-                <a:spcPts val="0"/>
-              </a:spcAft>
-              <a:buSzPts val="1400"/>
-              <a:buChar char="○"/>
-            </a:pPr>
-            <a:r>
-              <a:rPr lang="en"/>
-              <a:t>Sprint retrospective</a:t>
-            </a:r>
-            <a:endParaRPr/>
-          </a:p>
-          <a:p>
-            <a:pPr indent="-317500" lvl="1" marL="914400" rtl="0" algn="l">
-              <a:spcBef>
-                <a:spcPts val="0"/>
-              </a:spcBef>
-              <a:spcAft>
-                <a:spcPts val="0"/>
-              </a:spcAft>
-              <a:buSzPts val="1400"/>
-              <a:buChar char="○"/>
-            </a:pPr>
-            <a:r>
-              <a:rPr lang="en"/>
-              <a:t>Sprint planning</a:t>
+              <a:t>The code (static) architecture</a:t>
             </a:r>
             <a:endParaRPr/>
           </a:p>
           <a:p>
             <a:pPr indent="-342900" lvl="0" marL="457200" rtl="0" algn="l">
               <a:spcBef>
-                <a:spcPts val="1000"/>
+                <a:spcPts val="0"/>
               </a:spcBef>
               <a:spcAft>
                 <a:spcPts val="0"/>
@@ -18053,24 +18008,38 @@
             </a:pPr>
             <a:r>
               <a:rPr lang="en"/>
-              <a:t>Bill of materials</a:t>
-            </a:r>
-            <a:endParaRPr/>
-          </a:p>
-          <a:p>
-            <a:pPr indent="-342900" lvl="0" marL="457200" rtl="0" algn="l">
-              <a:spcBef>
-                <a:spcPts val="0"/>
-              </a:spcBef>
-              <a:spcAft>
-                <a:spcPts val="0"/>
-              </a:spcAft>
-              <a:buSzPts val="1800"/>
-              <a:buAutoNum type="arabicPeriod"/>
-            </a:pPr>
-            <a:r>
-              <a:rPr lang="en"/>
-              <a:t>Software architecture</a:t>
+              <a:t>The tech stack you are building on</a:t>
+            </a:r>
+            <a:endParaRPr/>
+          </a:p>
+          <a:p>
+            <a:pPr indent="0" lvl="0" marL="0" rtl="0" algn="l">
+              <a:spcBef>
+                <a:spcPts val="1200"/>
+              </a:spcBef>
+              <a:spcAft>
+                <a:spcPts val="0"/>
+              </a:spcAft>
+              <a:buNone/>
+            </a:pPr>
+            <a:r>
+              <a:rPr lang="en"/>
+              <a:t>Feel free at the end of the project to review planning with reality</a:t>
+            </a:r>
+            <a:endParaRPr/>
+          </a:p>
+          <a:p>
+            <a:pPr indent="0" lvl="0" marL="0" rtl="0" algn="l">
+              <a:spcBef>
+                <a:spcPts val="1200"/>
+              </a:spcBef>
+              <a:spcAft>
+                <a:spcPts val="1200"/>
+              </a:spcAft>
+              <a:buNone/>
+            </a:pPr>
+            <a:r>
+              <a:t/>
             </a:r>
             <a:endParaRPr/>
           </a:p>
@@ -18175,36 +18144,36 @@
           <p:cNvPr id="282" name="Google Shape;282;p43"/>
           <p:cNvSpPr txBox="1"/>
           <p:nvPr>
-            <p:ph type="ctrTitle"/>
+            <p:ph type="title"/>
           </p:nvPr>
         </p:nvSpPr>
         <p:spPr>
           <a:xfrm>
             <a:off x="0" y="0"/>
-            <a:ext cx="9144000" cy="2388900"/>
+            <a:ext cx="9144000" cy="685800"/>
           </a:xfrm>
           <a:prstGeom prst="rect">
             <a:avLst/>
           </a:prstGeom>
         </p:spPr>
         <p:txBody>
-          <a:bodyPr anchorCtr="0" anchor="b" bIns="274300" lIns="91425" spcFirstLastPara="1" rIns="91425" wrap="square" tIns="91425">
+          <a:bodyPr anchorCtr="0" anchor="ctr" bIns="91425" lIns="274300" spcFirstLastPara="1" rIns="91425" wrap="square" tIns="91425">
             <a:noAutofit/>
           </a:bodyPr>
           <a:lstStyle/>
           <a:p>
-            <a:pPr indent="0" lvl="0" marL="0" rtl="0" algn="ctr">
-              <a:spcBef>
-                <a:spcPts val="0"/>
-              </a:spcBef>
-              <a:spcAft>
-                <a:spcPts val="0"/>
-              </a:spcAft>
-              <a:buNone/>
-            </a:pPr>
-            <a:r>
-              <a:rPr lang="en"/>
-              <a:t>Thank you! Any questions?</a:t>
+            <a:pPr indent="0" lvl="0" marL="0" rtl="0" algn="l">
+              <a:spcBef>
+                <a:spcPts val="0"/>
+              </a:spcBef>
+              <a:spcAft>
+                <a:spcPts val="0"/>
+              </a:spcAft>
+              <a:buNone/>
+            </a:pPr>
+            <a:r>
+              <a:rPr lang="en"/>
+              <a:t>Summary</a:t>
             </a:r>
             <a:endParaRPr/>
           </a:p>
@@ -18215,117 +18184,244 @@
           <p:cNvPr id="283" name="Google Shape;283;p43"/>
           <p:cNvSpPr txBox="1"/>
           <p:nvPr>
-            <p:ph idx="1" type="subTitle"/>
+            <p:ph idx="1" type="body"/>
           </p:nvPr>
         </p:nvSpPr>
         <p:spPr>
           <a:xfrm>
-            <a:off x="0" y="2569475"/>
-            <a:ext cx="9144000" cy="2574000"/>
+            <a:off x="274320" y="914400"/>
+            <a:ext cx="8595300" cy="4114800"/>
           </a:xfrm>
           <a:prstGeom prst="rect">
             <a:avLst/>
           </a:prstGeom>
         </p:spPr>
         <p:txBody>
-          <a:bodyPr anchorCtr="0" anchor="t" bIns="91425" lIns="91425" spcFirstLastPara="1" rIns="91425" wrap="square" tIns="274300">
+          <a:bodyPr anchorCtr="0" anchor="t" bIns="0" lIns="0" spcFirstLastPara="1" rIns="0" wrap="square" tIns="0">
             <a:noAutofit/>
           </a:bodyPr>
           <a:lstStyle/>
           <a:p>
-            <a:pPr indent="0" lvl="0" marL="0" rtl="0" algn="ctr">
-              <a:lnSpc>
-                <a:spcPct val="150000"/>
-              </a:lnSpc>
-              <a:spcBef>
-                <a:spcPts val="0"/>
-              </a:spcBef>
-              <a:spcAft>
-                <a:spcPts val="0"/>
-              </a:spcAft>
-              <a:buNone/>
-            </a:pPr>
-            <a:r>
-              <a:rPr lang="en" u="sng">
+            <a:pPr indent="-342900" lvl="0" marL="457200" rtl="0" algn="l">
+              <a:spcBef>
+                <a:spcPts val="0"/>
+              </a:spcBef>
+              <a:spcAft>
+                <a:spcPts val="0"/>
+              </a:spcAft>
+              <a:buSzPts val="1800"/>
+              <a:buAutoNum type="arabicPeriod"/>
+            </a:pPr>
+            <a:r>
+              <a:rPr lang="en"/>
+              <a:t>The AMOS process</a:t>
+            </a:r>
+            <a:endParaRPr/>
+          </a:p>
+          <a:p>
+            <a:pPr indent="-342900" lvl="0" marL="457200" rtl="0" algn="l">
+              <a:spcBef>
+                <a:spcPts val="0"/>
+              </a:spcBef>
+              <a:spcAft>
+                <a:spcPts val="0"/>
+              </a:spcAft>
+              <a:buSzPts val="1800"/>
+              <a:buAutoNum type="arabicPeriod"/>
+            </a:pPr>
+            <a:r>
+              <a:rPr lang="en"/>
+              <a:t>The team meeting</a:t>
+            </a:r>
+            <a:endParaRPr/>
+          </a:p>
+          <a:p>
+            <a:pPr indent="-317500" lvl="1" marL="914400" rtl="0" algn="l">
+              <a:spcBef>
+                <a:spcPts val="0"/>
+              </a:spcBef>
+              <a:spcAft>
+                <a:spcPts val="0"/>
+              </a:spcAft>
+              <a:buSzPts val="1400"/>
+              <a:buChar char="○"/>
+            </a:pPr>
+            <a:r>
+              <a:rPr lang="en"/>
+              <a:t>Meeting preparation</a:t>
+            </a:r>
+            <a:endParaRPr/>
+          </a:p>
+          <a:p>
+            <a:pPr indent="-317500" lvl="1" marL="914400" rtl="0" algn="l">
+              <a:spcBef>
+                <a:spcPts val="0"/>
+              </a:spcBef>
+              <a:spcAft>
+                <a:spcPts val="0"/>
+              </a:spcAft>
+              <a:buSzPts val="1400"/>
+              <a:buChar char="○"/>
+            </a:pPr>
+            <a:r>
+              <a:rPr lang="en"/>
+              <a:t>Sprint review</a:t>
+            </a:r>
+            <a:endParaRPr/>
+          </a:p>
+          <a:p>
+            <a:pPr indent="-317500" lvl="1" marL="914400" rtl="0" algn="l">
+              <a:spcBef>
+                <a:spcPts val="0"/>
+              </a:spcBef>
+              <a:spcAft>
+                <a:spcPts val="0"/>
+              </a:spcAft>
+              <a:buSzPts val="1400"/>
+              <a:buChar char="○"/>
+            </a:pPr>
+            <a:r>
+              <a:rPr lang="en"/>
+              <a:t>Sprint release</a:t>
+            </a:r>
+            <a:endParaRPr/>
+          </a:p>
+          <a:p>
+            <a:pPr indent="-317500" lvl="1" marL="914400" rtl="0" algn="l">
+              <a:spcBef>
+                <a:spcPts val="0"/>
+              </a:spcBef>
+              <a:spcAft>
+                <a:spcPts val="0"/>
+              </a:spcAft>
+              <a:buSzPts val="1400"/>
+              <a:buChar char="○"/>
+            </a:pPr>
+            <a:r>
+              <a:rPr lang="en"/>
+              <a:t>Sprint retrospective</a:t>
+            </a:r>
+            <a:endParaRPr/>
+          </a:p>
+          <a:p>
+            <a:pPr indent="-317500" lvl="1" marL="914400" rtl="0" algn="l">
+              <a:spcBef>
+                <a:spcPts val="0"/>
+              </a:spcBef>
+              <a:spcAft>
+                <a:spcPts val="0"/>
+              </a:spcAft>
+              <a:buSzPts val="1400"/>
+              <a:buChar char="○"/>
+            </a:pPr>
+            <a:r>
+              <a:rPr lang="en"/>
+              <a:t>Sprint planning</a:t>
+            </a:r>
+            <a:endParaRPr/>
+          </a:p>
+          <a:p>
+            <a:pPr indent="-342900" lvl="0" marL="457200" rtl="0" algn="l">
+              <a:spcBef>
+                <a:spcPts val="1000"/>
+              </a:spcBef>
+              <a:spcAft>
+                <a:spcPts val="0"/>
+              </a:spcAft>
+              <a:buSzPts val="1800"/>
+              <a:buAutoNum type="arabicPeriod"/>
+            </a:pPr>
+            <a:r>
+              <a:rPr lang="en"/>
+              <a:t>Bill of materials</a:t>
+            </a:r>
+            <a:endParaRPr/>
+          </a:p>
+          <a:p>
+            <a:pPr indent="-342900" lvl="0" marL="457200" rtl="0" algn="l">
+              <a:spcBef>
+                <a:spcPts val="0"/>
+              </a:spcBef>
+              <a:spcAft>
+                <a:spcPts val="0"/>
+              </a:spcAft>
+              <a:buSzPts val="1800"/>
+              <a:buAutoNum type="arabicPeriod"/>
+            </a:pPr>
+            <a:r>
+              <a:rPr lang="en"/>
+              <a:t>Software architecture</a:t>
+            </a:r>
+            <a:endParaRPr/>
+          </a:p>
+        </p:txBody>
+      </p:sp>
+      <p:sp>
+        <p:nvSpPr>
+          <p:cNvPr id="284" name="Google Shape;284;p43"/>
+          <p:cNvSpPr txBox="1"/>
+          <p:nvPr>
+            <p:ph idx="12" type="sldNum"/>
+          </p:nvPr>
+        </p:nvSpPr>
+        <p:spPr>
+          <a:xfrm>
+            <a:off x="7315202" y="4416550"/>
+            <a:ext cx="1828800" cy="731400"/>
+          </a:xfrm>
+          <a:prstGeom prst="rect">
+            <a:avLst/>
+          </a:prstGeom>
+        </p:spPr>
+        <p:txBody>
+          <a:bodyPr anchorCtr="0" anchor="b" bIns="91425" lIns="91425" spcFirstLastPara="1" rIns="91425" wrap="square" tIns="91425">
+            <a:noAutofit/>
+          </a:bodyPr>
+          <a:lstStyle/>
+          <a:p>
+            <a:pPr indent="0" lvl="0" marL="0" rtl="0" algn="r">
+              <a:spcBef>
+                <a:spcPts val="0"/>
+              </a:spcBef>
+              <a:spcAft>
+                <a:spcPts val="0"/>
+              </a:spcAft>
+              <a:buNone/>
+            </a:pPr>
+            <a:fld id="{00000000-1234-1234-1234-123412341234}" type="slidenum">
+              <a:rPr lang="en"/>
+              <a:t>‹#›</a:t>
+            </a:fld>
+            <a:endParaRPr/>
+          </a:p>
+          <a:p>
+            <a:pPr indent="0" lvl="0" marL="0" rtl="0" algn="r">
+              <a:spcBef>
+                <a:spcPts val="0"/>
+              </a:spcBef>
+              <a:spcAft>
+                <a:spcPts val="0"/>
+              </a:spcAft>
+              <a:buNone/>
+            </a:pPr>
+            <a:r>
+              <a:rPr b="0" lang="en" sz="900" u="sng">
                 <a:solidFill>
                   <a:schemeClr val="hlink"/>
                 </a:solidFill>
                 <a:hlinkClick r:id="rId3"/>
               </a:rPr>
-              <a:t>dirk.riehle@fau.de</a:t>
-            </a:r>
-            <a:r>
-              <a:rPr lang="en"/>
+              <a:t>https://profriehle.com</a:t>
+            </a:r>
+            <a:r>
+              <a:rPr b="0" lang="en" sz="900">
+                <a:solidFill>
+                  <a:schemeClr val="dk2"/>
+                </a:solidFill>
+              </a:rPr>
               <a:t> </a:t>
             </a:r>
-            <a:r>
-              <a:rPr lang="en" sz="2400"/>
-              <a:t>–</a:t>
-            </a:r>
-            <a:r>
-              <a:rPr lang="en"/>
-              <a:t> </a:t>
-            </a:r>
-            <a:r>
-              <a:rPr lang="en" u="sng">
-                <a:solidFill>
-                  <a:schemeClr val="hlink"/>
-                </a:solidFill>
-                <a:hlinkClick r:id="rId4"/>
-              </a:rPr>
-              <a:t>https://oss.cs.fau.de</a:t>
-            </a:r>
-            <a:endParaRPr/>
-          </a:p>
-          <a:p>
-            <a:pPr indent="0" lvl="0" marL="0" rtl="0" algn="ctr">
-              <a:lnSpc>
-                <a:spcPct val="150000"/>
-              </a:lnSpc>
-              <a:spcBef>
-                <a:spcPts val="0"/>
-              </a:spcBef>
-              <a:spcAft>
-                <a:spcPts val="0"/>
-              </a:spcAft>
-              <a:buNone/>
-            </a:pPr>
-            <a:r>
-              <a:rPr lang="en" sz="2400" u="sng">
-                <a:solidFill>
-                  <a:schemeClr val="hlink"/>
-                </a:solidFill>
-                <a:hlinkClick r:id="rId5"/>
-              </a:rPr>
-              <a:t>dirk@riehle.org</a:t>
-            </a:r>
-            <a:r>
-              <a:rPr lang="en" sz="2400"/>
-              <a:t> – </a:t>
-            </a:r>
-            <a:r>
-              <a:rPr lang="en" sz="2400" u="sng">
-                <a:solidFill>
-                  <a:schemeClr val="hlink"/>
-                </a:solidFill>
-                <a:hlinkClick r:id="rId6"/>
-              </a:rPr>
-              <a:t>https://dirkriehle.com</a:t>
-            </a:r>
-            <a:r>
-              <a:rPr lang="en" sz="2400"/>
-              <a:t> – </a:t>
-            </a:r>
-            <a:r>
-              <a:rPr lang="en" sz="2400" u="sng">
-                <a:solidFill>
-                  <a:schemeClr val="hlink"/>
-                </a:solidFill>
-                <a:hlinkClick r:id="rId7"/>
-              </a:rPr>
-              <a:t>@dirkriehle</a:t>
-            </a:r>
-            <a:endParaRPr sz="2400"/>
+            <a:endParaRPr/>
           </a:p>
         </p:txBody>
       </p:sp>
@@ -18342,7 +18438,7 @@
   <p:cSld>
     <p:spTree>
       <p:nvGrpSpPr>
-        <p:cNvPr id="287" name="Shape 287"/>
+        <p:cNvPr id="288" name="Shape 288"/>
         <p:cNvGrpSpPr/>
         <p:nvPr/>
       </p:nvGrpSpPr>
@@ -18356,7 +18452,191 @@
       </p:grpSpPr>
       <p:sp>
         <p:nvSpPr>
-          <p:cNvPr id="288" name="Google Shape;288;p44"/>
+          <p:cNvPr id="289" name="Google Shape;289;p44"/>
+          <p:cNvSpPr txBox="1"/>
+          <p:nvPr>
+            <p:ph type="ctrTitle"/>
+          </p:nvPr>
+        </p:nvSpPr>
+        <p:spPr>
+          <a:xfrm>
+            <a:off x="0" y="0"/>
+            <a:ext cx="9144000" cy="2388900"/>
+          </a:xfrm>
+          <a:prstGeom prst="rect">
+            <a:avLst/>
+          </a:prstGeom>
+        </p:spPr>
+        <p:txBody>
+          <a:bodyPr anchorCtr="0" anchor="b" bIns="274300" lIns="91425" spcFirstLastPara="1" rIns="91425" wrap="square" tIns="91425">
+            <a:noAutofit/>
+          </a:bodyPr>
+          <a:lstStyle/>
+          <a:p>
+            <a:pPr indent="0" lvl="0" marL="0" rtl="0" algn="ctr">
+              <a:spcBef>
+                <a:spcPts val="0"/>
+              </a:spcBef>
+              <a:spcAft>
+                <a:spcPts val="0"/>
+              </a:spcAft>
+              <a:buNone/>
+            </a:pPr>
+            <a:r>
+              <a:rPr lang="en"/>
+              <a:t>Thank you! Any questions?</a:t>
+            </a:r>
+            <a:endParaRPr/>
+          </a:p>
+        </p:txBody>
+      </p:sp>
+      <p:sp>
+        <p:nvSpPr>
+          <p:cNvPr id="290" name="Google Shape;290;p44"/>
+          <p:cNvSpPr txBox="1"/>
+          <p:nvPr>
+            <p:ph idx="1" type="subTitle"/>
+          </p:nvPr>
+        </p:nvSpPr>
+        <p:spPr>
+          <a:xfrm>
+            <a:off x="0" y="2569475"/>
+            <a:ext cx="9144000" cy="2574000"/>
+          </a:xfrm>
+          <a:prstGeom prst="rect">
+            <a:avLst/>
+          </a:prstGeom>
+        </p:spPr>
+        <p:txBody>
+          <a:bodyPr anchorCtr="0" anchor="t" bIns="91425" lIns="91425" spcFirstLastPara="1" rIns="91425" wrap="square" tIns="274300">
+            <a:noAutofit/>
+          </a:bodyPr>
+          <a:lstStyle/>
+          <a:p>
+            <a:pPr indent="0" lvl="0" marL="0" rtl="0" algn="ctr">
+              <a:lnSpc>
+                <a:spcPct val="150000"/>
+              </a:lnSpc>
+              <a:spcBef>
+                <a:spcPts val="0"/>
+              </a:spcBef>
+              <a:spcAft>
+                <a:spcPts val="0"/>
+              </a:spcAft>
+              <a:buNone/>
+            </a:pPr>
+            <a:r>
+              <a:rPr lang="en" u="sng">
+                <a:solidFill>
+                  <a:schemeClr val="hlink"/>
+                </a:solidFill>
+                <a:hlinkClick r:id="rId3"/>
+              </a:rPr>
+              <a:t>dirk.riehle@fau.de</a:t>
+            </a:r>
+            <a:r>
+              <a:rPr lang="en"/>
+              <a:t> </a:t>
+            </a:r>
+            <a:r>
+              <a:rPr lang="en" sz="2400"/>
+              <a:t>–</a:t>
+            </a:r>
+            <a:r>
+              <a:rPr lang="en"/>
+              <a:t> </a:t>
+            </a:r>
+            <a:r>
+              <a:rPr lang="en" u="sng">
+                <a:solidFill>
+                  <a:schemeClr val="hlink"/>
+                </a:solidFill>
+                <a:hlinkClick r:id="rId4"/>
+              </a:rPr>
+              <a:t>https://oss.cs.fau.de</a:t>
+            </a:r>
+            <a:endParaRPr/>
+          </a:p>
+          <a:p>
+            <a:pPr indent="0" lvl="0" marL="0" rtl="0" algn="ctr">
+              <a:lnSpc>
+                <a:spcPct val="150000"/>
+              </a:lnSpc>
+              <a:spcBef>
+                <a:spcPts val="0"/>
+              </a:spcBef>
+              <a:spcAft>
+                <a:spcPts val="0"/>
+              </a:spcAft>
+              <a:buNone/>
+            </a:pPr>
+            <a:r>
+              <a:rPr lang="en" sz="2400" u="sng">
+                <a:solidFill>
+                  <a:schemeClr val="hlink"/>
+                </a:solidFill>
+                <a:hlinkClick r:id="rId5"/>
+              </a:rPr>
+              <a:t>dirk@riehle.org</a:t>
+            </a:r>
+            <a:r>
+              <a:rPr lang="en" sz="2400"/>
+              <a:t> – </a:t>
+            </a:r>
+            <a:r>
+              <a:rPr lang="en" sz="2400" u="sng">
+                <a:solidFill>
+                  <a:schemeClr val="hlink"/>
+                </a:solidFill>
+                <a:hlinkClick r:id="rId6"/>
+              </a:rPr>
+              <a:t>https://dirkriehle.com</a:t>
+            </a:r>
+            <a:r>
+              <a:rPr lang="en" sz="2400"/>
+              <a:t> – </a:t>
+            </a:r>
+            <a:r>
+              <a:rPr lang="en" sz="2400" u="sng">
+                <a:solidFill>
+                  <a:schemeClr val="hlink"/>
+                </a:solidFill>
+                <a:hlinkClick r:id="rId7"/>
+              </a:rPr>
+              <a:t>@dirkriehle</a:t>
+            </a:r>
+            <a:endParaRPr sz="2400"/>
+          </a:p>
+        </p:txBody>
+      </p:sp>
+    </p:spTree>
+  </p:cSld>
+  <p:clrMapOvr>
+    <a:masterClrMapping/>
+  </p:clrMapOvr>
+</p:sld>
+</file>
+
+<file path=ppt/slides/slide38.xml><?xml version="1.0" encoding="utf-8"?>
+<p:sld xmlns:a="http://schemas.openxmlformats.org/drawingml/2006/main" xmlns:r="http://schemas.openxmlformats.org/officeDocument/2006/relationships" xmlns:mc="http://schemas.openxmlformats.org/markup-compatibility/2006" xmlns:mv="urn:schemas-microsoft-com:mac:vml" xmlns:p="http://schemas.openxmlformats.org/presentationml/2006/main" xmlns:c="http://schemas.openxmlformats.org/drawingml/2006/chart" xmlns:dgm="http://schemas.openxmlformats.org/drawingml/2006/diagram" xmlns:o="urn:schemas-microsoft-com:office:office" xmlns:v="urn:schemas-microsoft-com:vml" xmlns:pvml="urn:schemas-microsoft-com:office:powerpoint" xmlns:com="http://schemas.openxmlformats.org/drawingml/2006/compatibility" xmlns:p14="http://schemas.microsoft.com/office/powerpoint/2010/main" xmlns:p15="http://schemas.microsoft.com/office/powerpoint/2012/main" xmlns:ahyp="http://schemas.microsoft.com/office/drawing/2018/hyperlinkcolor">
+  <p:cSld>
+    <p:spTree>
+      <p:nvGrpSpPr>
+        <p:cNvPr id="294" name="Shape 294"/>
+        <p:cNvGrpSpPr/>
+        <p:nvPr/>
+      </p:nvGrpSpPr>
+      <p:grpSpPr>
+        <a:xfrm>
+          <a:off x="0" y="0"/>
+          <a:ext cx="0" cy="0"/>
+          <a:chOff x="0" y="0"/>
+          <a:chExt cx="0" cy="0"/>
+        </a:xfrm>
+      </p:grpSpPr>
+      <p:sp>
+        <p:nvSpPr>
+          <p:cNvPr id="295" name="Google Shape;295;p45"/>
           <p:cNvSpPr txBox="1"/>
           <p:nvPr>
             <p:ph type="title"/>
@@ -18396,7 +18676,7 @@
       </p:sp>
       <p:sp>
         <p:nvSpPr>
-          <p:cNvPr id="289" name="Google Shape;289;p44"/>
+          <p:cNvPr id="296" name="Google Shape;296;p45"/>
           <p:cNvSpPr txBox="1"/>
           <p:nvPr>
             <p:ph idx="12" type="sldNum"/>
@@ -18461,7 +18741,7 @@
       </p:sp>
       <p:sp>
         <p:nvSpPr>
-          <p:cNvPr id="290" name="Google Shape;290;p44"/>
+          <p:cNvPr id="297" name="Google Shape;297;p45"/>
           <p:cNvSpPr txBox="1"/>
           <p:nvPr>
             <p:ph idx="1" type="body"/>
@@ -19771,6 +20051,285 @@
 </file>
 
 <file path=ppt/theme/theme1.xml><?xml version="1.0" encoding="utf-8"?>
+<a:theme xmlns:a="http://schemas.openxmlformats.org/drawingml/2006/main" xmlns:r="http://schemas.openxmlformats.org/officeDocument/2006/relationships">
+  <a:themeElements>
+    <a:clrScheme name="Default">
+      <a:dk1>
+        <a:srgbClr val="000000"/>
+      </a:dk1>
+      <a:lt1>
+        <a:srgbClr val="FFFFFF"/>
+      </a:lt1>
+      <a:dk2>
+        <a:srgbClr val="158158"/>
+      </a:dk2>
+      <a:lt2>
+        <a:srgbClr val="F3F3F3"/>
+      </a:lt2>
+      <a:accent1>
+        <a:srgbClr val="058DC7"/>
+      </a:accent1>
+      <a:accent2>
+        <a:srgbClr val="50B432"/>
+      </a:accent2>
+      <a:accent3>
+        <a:srgbClr val="ED561B"/>
+      </a:accent3>
+      <a:accent4>
+        <a:srgbClr val="EDEF00"/>
+      </a:accent4>
+      <a:accent5>
+        <a:srgbClr val="24CBE5"/>
+      </a:accent5>
+      <a:accent6>
+        <a:srgbClr val="64E572"/>
+      </a:accent6>
+      <a:hlink>
+        <a:srgbClr val="2200CC"/>
+      </a:hlink>
+      <a:folHlink>
+        <a:srgbClr val="551A8B"/>
+      </a:folHlink>
+    </a:clrScheme>
+    <a:fontScheme name="Office">
+      <a:majorFont>
+        <a:latin typeface="Arial"/>
+        <a:ea typeface=""/>
+        <a:cs typeface=""/>
+        <a:font script="Jpan" typeface="ＭＳ Ｐゴシック"/>
+        <a:font script="Hang" typeface="맑은 고딕"/>
+        <a:font script="Hans" typeface="宋体"/>
+        <a:font script="Hant" typeface="新細明體"/>
+        <a:font script="Arab" typeface="Times New Roman"/>
+        <a:font script="Hebr" typeface="Times New Roman"/>
+        <a:font script="Thai" typeface="Angsana New"/>
+        <a:font script="Ethi" typeface="Nyala"/>
+        <a:font script="Beng" typeface="Vrinda"/>
+        <a:font script="Gujr" typeface="Shruti"/>
+        <a:font script="Khmr" typeface="MoolBoran"/>
+        <a:font script="Knda" typeface="Tunga"/>
+        <a:font script="Guru" typeface="Raavi"/>
+        <a:font script="Cans" typeface="Euphemia"/>
+        <a:font script="Cher" typeface="Plantagenet Cherokee"/>
+        <a:font script="Yiii" typeface="Microsoft Yi Baiti"/>
+        <a:font script="Tibt" typeface="Microsoft Himalaya"/>
+        <a:font script="Thaa" typeface="MV Boli"/>
+        <a:font script="Deva" typeface="Mangal"/>
+        <a:font script="Telu" typeface="Gautami"/>
+        <a:font script="Taml" typeface="Latha"/>
+        <a:font script="Syrc" typeface="Estrangelo Edessa"/>
+        <a:font script="Orya" typeface="Kalinga"/>
+        <a:font script="Mlym" typeface="Kartika"/>
+        <a:font script="Laoo" typeface="DokChampa"/>
+        <a:font script="Sinh" typeface="Iskoola Pota"/>
+        <a:font script="Mong" typeface="Mongolian Baiti"/>
+        <a:font script="Viet" typeface="Times New Roman"/>
+        <a:font script="Uigh" typeface="Microsoft Uighur"/>
+        <a:font script="Geor" typeface="Sylfaen"/>
+      </a:majorFont>
+      <a:minorFont>
+        <a:latin typeface="Arial"/>
+        <a:ea typeface=""/>
+        <a:cs typeface=""/>
+        <a:font script="Jpan" typeface="ＭＳ Ｐゴシック"/>
+        <a:font script="Hang" typeface="맑은 고딕"/>
+        <a:font script="Hans" typeface="宋体"/>
+        <a:font script="Hant" typeface="新細明體"/>
+        <a:font script="Arab" typeface="Arial"/>
+        <a:font script="Hebr" typeface="Arial"/>
+        <a:font script="Thai" typeface="Cordia New"/>
+        <a:font script="Ethi" typeface="Nyala"/>
+        <a:font script="Beng" typeface="Vrinda"/>
+        <a:font script="Gujr" typeface="Shruti"/>
+        <a:font script="Khmr" typeface="DaunPenh"/>
+        <a:font script="Knda" typeface="Tunga"/>
+        <a:font script="Guru" typeface="Raavi"/>
+        <a:font script="Cans" typeface="Euphemia"/>
+        <a:font script="Cher" typeface="Plantagenet Cherokee"/>
+        <a:font script="Yiii" typeface="Microsoft Yi Baiti"/>
+        <a:font script="Tibt" typeface="Microsoft Himalaya"/>
+        <a:font script="Thaa" typeface="MV Boli"/>
+        <a:font script="Deva" typeface="Mangal"/>
+        <a:font script="Telu" typeface="Gautami"/>
+        <a:font script="Taml" typeface="Latha"/>
+        <a:font script="Syrc" typeface="Estrangelo Edessa"/>
+        <a:font script="Orya" typeface="Kalinga"/>
+        <a:font script="Mlym" typeface="Kartika"/>
+        <a:font script="Laoo" typeface="DokChampa"/>
+        <a:font script="Sinh" typeface="Iskoola Pota"/>
+        <a:font script="Mong" typeface="Mongolian Baiti"/>
+        <a:font script="Viet" typeface="Arial"/>
+        <a:font script="Uigh" typeface="Microsoft Uighur"/>
+        <a:font script="Geor" typeface="Sylfaen"/>
+      </a:minorFont>
+    </a:fontScheme>
+    <a:fmtScheme name="Office">
+      <a:fillStyleLst>
+        <a:solidFill>
+          <a:schemeClr val="phClr"/>
+        </a:solidFill>
+        <a:gradFill rotWithShape="1">
+          <a:gsLst>
+            <a:gs pos="0">
+              <a:schemeClr val="phClr">
+                <a:tint val="50000"/>
+                <a:satMod val="300000"/>
+              </a:schemeClr>
+            </a:gs>
+            <a:gs pos="35000">
+              <a:schemeClr val="phClr">
+                <a:tint val="37000"/>
+                <a:satMod val="300000"/>
+              </a:schemeClr>
+            </a:gs>
+            <a:gs pos="100000">
+              <a:schemeClr val="phClr">
+                <a:tint val="15000"/>
+                <a:satMod val="350000"/>
+              </a:schemeClr>
+            </a:gs>
+          </a:gsLst>
+          <a:lin ang="16200000" scaled="1"/>
+        </a:gradFill>
+        <a:gradFill rotWithShape="1">
+          <a:gsLst>
+            <a:gs pos="0">
+              <a:schemeClr val="phClr">
+                <a:tint val="100000"/>
+                <a:shade val="100000"/>
+                <a:satMod val="130000"/>
+              </a:schemeClr>
+            </a:gs>
+            <a:gs pos="100000">
+              <a:schemeClr val="phClr">
+                <a:tint val="50000"/>
+                <a:shade val="100000"/>
+                <a:satMod val="350000"/>
+              </a:schemeClr>
+            </a:gs>
+          </a:gsLst>
+          <a:lin ang="16200000" scaled="0"/>
+        </a:gradFill>
+      </a:fillStyleLst>
+      <a:lnStyleLst>
+        <a:ln w="9525" cap="flat" cmpd="sng" algn="ctr">
+          <a:solidFill>
+            <a:schemeClr val="phClr">
+              <a:shade val="95000"/>
+              <a:satMod val="105000"/>
+            </a:schemeClr>
+          </a:solidFill>
+          <a:prstDash val="solid"/>
+        </a:ln>
+        <a:ln w="25400" cap="flat" cmpd="sng" algn="ctr">
+          <a:solidFill>
+            <a:schemeClr val="phClr"/>
+          </a:solidFill>
+          <a:prstDash val="solid"/>
+        </a:ln>
+        <a:ln w="38100" cap="flat" cmpd="sng" algn="ctr">
+          <a:solidFill>
+            <a:schemeClr val="phClr"/>
+          </a:solidFill>
+          <a:prstDash val="solid"/>
+        </a:ln>
+      </a:lnStyleLst>
+      <a:effectStyleLst>
+        <a:effectStyle>
+          <a:effectLst>
+            <a:outerShdw blurRad="40000" dist="20000" dir="5400000" rotWithShape="0">
+              <a:srgbClr val="000000">
+                <a:alpha val="38000"/>
+              </a:srgbClr>
+            </a:outerShdw>
+          </a:effectLst>
+        </a:effectStyle>
+        <a:effectStyle>
+          <a:effectLst>
+            <a:outerShdw blurRad="40000" dist="23000" dir="5400000" rotWithShape="0">
+              <a:srgbClr val="000000">
+                <a:alpha val="35000"/>
+              </a:srgbClr>
+            </a:outerShdw>
+          </a:effectLst>
+        </a:effectStyle>
+        <a:effectStyle>
+          <a:effectLst>
+            <a:outerShdw blurRad="40000" dist="23000" dir="5400000" rotWithShape="0">
+              <a:srgbClr val="000000">
+                <a:alpha val="35000"/>
+              </a:srgbClr>
+            </a:outerShdw>
+          </a:effectLst>
+          <a:scene3d>
+            <a:camera prst="orthographicFront">
+              <a:rot lat="0" lon="0" rev="0"/>
+            </a:camera>
+            <a:lightRig rig="threePt" dir="t">
+              <a:rot lat="0" lon="0" rev="1200000"/>
+            </a:lightRig>
+          </a:scene3d>
+          <a:sp3d>
+            <a:bevelT w="63500" h="25400"/>
+          </a:sp3d>
+        </a:effectStyle>
+      </a:effectStyleLst>
+      <a:bgFillStyleLst>
+        <a:solidFill>
+          <a:schemeClr val="phClr"/>
+        </a:solidFill>
+        <a:gradFill rotWithShape="1">
+          <a:gsLst>
+            <a:gs pos="0">
+              <a:schemeClr val="phClr">
+                <a:tint val="40000"/>
+                <a:satMod val="350000"/>
+              </a:schemeClr>
+            </a:gs>
+            <a:gs pos="40000">
+              <a:schemeClr val="phClr">
+                <a:tint val="45000"/>
+                <a:shade val="99000"/>
+                <a:satMod val="350000"/>
+              </a:schemeClr>
+            </a:gs>
+            <a:gs pos="100000">
+              <a:schemeClr val="phClr">
+                <a:shade val="20000"/>
+                <a:satMod val="255000"/>
+              </a:schemeClr>
+            </a:gs>
+          </a:gsLst>
+          <a:path path="circle">
+            <a:fillToRect l="50000" t="-80000" r="50000" b="180000"/>
+          </a:path>
+        </a:gradFill>
+        <a:gradFill rotWithShape="1">
+          <a:gsLst>
+            <a:gs pos="0">
+              <a:schemeClr val="phClr">
+                <a:tint val="80000"/>
+                <a:satMod val="300000"/>
+              </a:schemeClr>
+            </a:gs>
+            <a:gs pos="100000">
+              <a:schemeClr val="phClr">
+                <a:shade val="30000"/>
+                <a:satMod val="200000"/>
+              </a:schemeClr>
+            </a:gs>
+          </a:gsLst>
+          <a:path path="circle">
+            <a:fillToRect l="50000" t="50000" r="50000" b="50000"/>
+          </a:path>
+        </a:gradFill>
+      </a:bgFillStyleLst>
+    </a:fmtScheme>
+  </a:themeElements>
+</a:theme>
+</file>
+
+<file path=ppt/theme/theme2.xml><?xml version="1.0" encoding="utf-8"?>
 <a:theme xmlns:a="http://schemas.openxmlformats.org/drawingml/2006/main" xmlns:r="http://schemas.openxmlformats.org/officeDocument/2006/relationships" name="AMOS Slides Template">
   <a:themeElements>
     <a:clrScheme name="Simple Light">
@@ -20047,283 +20606,4 @@
     </a:fmtScheme>
   </a:themeElements>
 </a:theme>
-</file>
-
-<file path=ppt/theme/theme2.xml><?xml version="1.0" encoding="utf-8"?>
-<a:theme xmlns:a="http://schemas.openxmlformats.org/drawingml/2006/main" xmlns:r="http://schemas.openxmlformats.org/officeDocument/2006/relationships">
-  <a:themeElements>
-    <a:clrScheme name="Default">
-      <a:dk1>
-        <a:srgbClr val="000000"/>
-      </a:dk1>
-      <a:lt1>
-        <a:srgbClr val="FFFFFF"/>
-      </a:lt1>
-      <a:dk2>
-        <a:srgbClr val="158158"/>
-      </a:dk2>
-      <a:lt2>
-        <a:srgbClr val="F3F3F3"/>
-      </a:lt2>
-      <a:accent1>
-        <a:srgbClr val="058DC7"/>
-      </a:accent1>
-      <a:accent2>
-        <a:srgbClr val="50B432"/>
-      </a:accent2>
-      <a:accent3>
-        <a:srgbClr val="ED561B"/>
-      </a:accent3>
-      <a:accent4>
-        <a:srgbClr val="EDEF00"/>
-      </a:accent4>
-      <a:accent5>
-        <a:srgbClr val="24CBE5"/>
-      </a:accent5>
-      <a:accent6>
-        <a:srgbClr val="64E572"/>
-      </a:accent6>
-      <a:hlink>
-        <a:srgbClr val="2200CC"/>
-      </a:hlink>
-      <a:folHlink>
-        <a:srgbClr val="551A8B"/>
-      </a:folHlink>
-    </a:clrScheme>
-    <a:fontScheme name="Office">
-      <a:majorFont>
-        <a:latin typeface="Arial"/>
-        <a:ea typeface=""/>
-        <a:cs typeface=""/>
-        <a:font script="Jpan" typeface="ＭＳ Ｐゴシック"/>
-        <a:font script="Hang" typeface="맑은 고딕"/>
-        <a:font script="Hans" typeface="宋体"/>
-        <a:font script="Hant" typeface="新細明體"/>
-        <a:font script="Arab" typeface="Times New Roman"/>
-        <a:font script="Hebr" typeface="Times New Roman"/>
-        <a:font script="Thai" typeface="Angsana New"/>
-        <a:font script="Ethi" typeface="Nyala"/>
-        <a:font script="Beng" typeface="Vrinda"/>
-        <a:font script="Gujr" typeface="Shruti"/>
-        <a:font script="Khmr" typeface="MoolBoran"/>
-        <a:font script="Knda" typeface="Tunga"/>
-        <a:font script="Guru" typeface="Raavi"/>
-        <a:font script="Cans" typeface="Euphemia"/>
-        <a:font script="Cher" typeface="Plantagenet Cherokee"/>
-        <a:font script="Yiii" typeface="Microsoft Yi Baiti"/>
-        <a:font script="Tibt" typeface="Microsoft Himalaya"/>
-        <a:font script="Thaa" typeface="MV Boli"/>
-        <a:font script="Deva" typeface="Mangal"/>
-        <a:font script="Telu" typeface="Gautami"/>
-        <a:font script="Taml" typeface="Latha"/>
-        <a:font script="Syrc" typeface="Estrangelo Edessa"/>
-        <a:font script="Orya" typeface="Kalinga"/>
-        <a:font script="Mlym" typeface="Kartika"/>
-        <a:font script="Laoo" typeface="DokChampa"/>
-        <a:font script="Sinh" typeface="Iskoola Pota"/>
-        <a:font script="Mong" typeface="Mongolian Baiti"/>
-        <a:font script="Viet" typeface="Times New Roman"/>
-        <a:font script="Uigh" typeface="Microsoft Uighur"/>
-        <a:font script="Geor" typeface="Sylfaen"/>
-      </a:majorFont>
-      <a:minorFont>
-        <a:latin typeface="Arial"/>
-        <a:ea typeface=""/>
-        <a:cs typeface=""/>
-        <a:font script="Jpan" typeface="ＭＳ Ｐゴシック"/>
-        <a:font script="Hang" typeface="맑은 고딕"/>
-        <a:font script="Hans" typeface="宋体"/>
-        <a:font script="Hant" typeface="新細明體"/>
-        <a:font script="Arab" typeface="Arial"/>
-        <a:font script="Hebr" typeface="Arial"/>
-        <a:font script="Thai" typeface="Cordia New"/>
-        <a:font script="Ethi" typeface="Nyala"/>
-        <a:font script="Beng" typeface="Vrinda"/>
-        <a:font script="Gujr" typeface="Shruti"/>
-        <a:font script="Khmr" typeface="DaunPenh"/>
-        <a:font script="Knda" typeface="Tunga"/>
-        <a:font script="Guru" typeface="Raavi"/>
-        <a:font script="Cans" typeface="Euphemia"/>
-        <a:font script="Cher" typeface="Plantagenet Cherokee"/>
-        <a:font script="Yiii" typeface="Microsoft Yi Baiti"/>
-        <a:font script="Tibt" typeface="Microsoft Himalaya"/>
-        <a:font script="Thaa" typeface="MV Boli"/>
-        <a:font script="Deva" typeface="Mangal"/>
-        <a:font script="Telu" typeface="Gautami"/>
-        <a:font script="Taml" typeface="Latha"/>
-        <a:font script="Syrc" typeface="Estrangelo Edessa"/>
-        <a:font script="Orya" typeface="Kalinga"/>
-        <a:font script="Mlym" typeface="Kartika"/>
-        <a:font script="Laoo" typeface="DokChampa"/>
-        <a:font script="Sinh" typeface="Iskoola Pota"/>
-        <a:font script="Mong" typeface="Mongolian Baiti"/>
-        <a:font script="Viet" typeface="Arial"/>
-        <a:font script="Uigh" typeface="Microsoft Uighur"/>
-        <a:font script="Geor" typeface="Sylfaen"/>
-      </a:minorFont>
-    </a:fontScheme>
-    <a:fmtScheme name="Office">
-      <a:fillStyleLst>
-        <a:solidFill>
-          <a:schemeClr val="phClr"/>
-        </a:solidFill>
-        <a:gradFill rotWithShape="1">
-          <a:gsLst>
-            <a:gs pos="0">
-              <a:schemeClr val="phClr">
-                <a:tint val="50000"/>
-                <a:satMod val="300000"/>
-              </a:schemeClr>
-            </a:gs>
-            <a:gs pos="35000">
-              <a:schemeClr val="phClr">
-                <a:tint val="37000"/>
-                <a:satMod val="300000"/>
-              </a:schemeClr>
-            </a:gs>
-            <a:gs pos="100000">
-              <a:schemeClr val="phClr">
-                <a:tint val="15000"/>
-                <a:satMod val="350000"/>
-              </a:schemeClr>
-            </a:gs>
-          </a:gsLst>
-          <a:lin ang="16200000" scaled="1"/>
-        </a:gradFill>
-        <a:gradFill rotWithShape="1">
-          <a:gsLst>
-            <a:gs pos="0">
-              <a:schemeClr val="phClr">
-                <a:tint val="100000"/>
-                <a:shade val="100000"/>
-                <a:satMod val="130000"/>
-              </a:schemeClr>
-            </a:gs>
-            <a:gs pos="100000">
-              <a:schemeClr val="phClr">
-                <a:tint val="50000"/>
-                <a:shade val="100000"/>
-                <a:satMod val="350000"/>
-              </a:schemeClr>
-            </a:gs>
-          </a:gsLst>
-          <a:lin ang="16200000" scaled="0"/>
-        </a:gradFill>
-      </a:fillStyleLst>
-      <a:lnStyleLst>
-        <a:ln w="9525" cap="flat" cmpd="sng" algn="ctr">
-          <a:solidFill>
-            <a:schemeClr val="phClr">
-              <a:shade val="95000"/>
-              <a:satMod val="105000"/>
-            </a:schemeClr>
-          </a:solidFill>
-          <a:prstDash val="solid"/>
-        </a:ln>
-        <a:ln w="25400" cap="flat" cmpd="sng" algn="ctr">
-          <a:solidFill>
-            <a:schemeClr val="phClr"/>
-          </a:solidFill>
-          <a:prstDash val="solid"/>
-        </a:ln>
-        <a:ln w="38100" cap="flat" cmpd="sng" algn="ctr">
-          <a:solidFill>
-            <a:schemeClr val="phClr"/>
-          </a:solidFill>
-          <a:prstDash val="solid"/>
-        </a:ln>
-      </a:lnStyleLst>
-      <a:effectStyleLst>
-        <a:effectStyle>
-          <a:effectLst>
-            <a:outerShdw blurRad="40000" dist="20000" dir="5400000" rotWithShape="0">
-              <a:srgbClr val="000000">
-                <a:alpha val="38000"/>
-              </a:srgbClr>
-            </a:outerShdw>
-          </a:effectLst>
-        </a:effectStyle>
-        <a:effectStyle>
-          <a:effectLst>
-            <a:outerShdw blurRad="40000" dist="23000" dir="5400000" rotWithShape="0">
-              <a:srgbClr val="000000">
-                <a:alpha val="35000"/>
-              </a:srgbClr>
-            </a:outerShdw>
-          </a:effectLst>
-        </a:effectStyle>
-        <a:effectStyle>
-          <a:effectLst>
-            <a:outerShdw blurRad="40000" dist="23000" dir="5400000" rotWithShape="0">
-              <a:srgbClr val="000000">
-                <a:alpha val="35000"/>
-              </a:srgbClr>
-            </a:outerShdw>
-          </a:effectLst>
-          <a:scene3d>
-            <a:camera prst="orthographicFront">
-              <a:rot lat="0" lon="0" rev="0"/>
-            </a:camera>
-            <a:lightRig rig="threePt" dir="t">
-              <a:rot lat="0" lon="0" rev="1200000"/>
-            </a:lightRig>
-          </a:scene3d>
-          <a:sp3d>
-            <a:bevelT w="63500" h="25400"/>
-          </a:sp3d>
-        </a:effectStyle>
-      </a:effectStyleLst>
-      <a:bgFillStyleLst>
-        <a:solidFill>
-          <a:schemeClr val="phClr"/>
-        </a:solidFill>
-        <a:gradFill rotWithShape="1">
-          <a:gsLst>
-            <a:gs pos="0">
-              <a:schemeClr val="phClr">
-                <a:tint val="40000"/>
-                <a:satMod val="350000"/>
-              </a:schemeClr>
-            </a:gs>
-            <a:gs pos="40000">
-              <a:schemeClr val="phClr">
-                <a:tint val="45000"/>
-                <a:shade val="99000"/>
-                <a:satMod val="350000"/>
-              </a:schemeClr>
-            </a:gs>
-            <a:gs pos="100000">
-              <a:schemeClr val="phClr">
-                <a:shade val="20000"/>
-                <a:satMod val="255000"/>
-              </a:schemeClr>
-            </a:gs>
-          </a:gsLst>
-          <a:path path="circle">
-            <a:fillToRect l="50000" t="-80000" r="50000" b="180000"/>
-          </a:path>
-        </a:gradFill>
-        <a:gradFill rotWithShape="1">
-          <a:gsLst>
-            <a:gs pos="0">
-              <a:schemeClr val="phClr">
-                <a:tint val="80000"/>
-                <a:satMod val="300000"/>
-              </a:schemeClr>
-            </a:gs>
-            <a:gs pos="100000">
-              <a:schemeClr val="phClr">
-                <a:shade val="30000"/>
-                <a:satMod val="200000"/>
-              </a:schemeClr>
-            </a:gs>
-          </a:gsLst>
-          <a:path path="circle">
-            <a:fillToRect l="50000" t="50000" r="50000" b="50000"/>
-          </a:path>
-        </a:gradFill>
-      </a:bgFillStyleLst>
-    </a:fmtScheme>
-  </a:themeElements>
-</a:theme>
 </file>
--- a/Lecture slides/AMOS B02 - Scrum and AMOS.pptx
+++ b/Lecture slides/AMOS B02 - Scrum and AMOS.pptx
@@ -11834,7 +11834,7 @@
             <a:tbl>
               <a:tblPr>
                 <a:noFill/>
-                <a:tableStyleId>{C8671AF5-1898-4181-9D50-357DC450F274}</a:tableStyleId>
+                <a:tableStyleId>{2E9E8560-8F3E-4D38-A19E-F5F1590397B1}</a:tableStyleId>
               </a:tblPr>
               <a:tblGrid>
                 <a:gridCol w="2057400"/>
@@ -13911,7 +13911,7 @@
             <a:tbl>
               <a:tblPr>
                 <a:noFill/>
-                <a:tableStyleId>{C8671AF5-1898-4181-9D50-357DC450F274}</a:tableStyleId>
+                <a:tableStyleId>{2E9E8560-8F3E-4D38-A19E-F5F1590397B1}</a:tableStyleId>
               </a:tblPr>
               <a:tblGrid>
                 <a:gridCol w="638675"/>
@@ -15919,7 +15919,7 @@
             <a:tbl>
               <a:tblPr>
                 <a:noFill/>
-                <a:tableStyleId>{C8671AF5-1898-4181-9D50-357DC450F274}</a:tableStyleId>
+                <a:tableStyleId>{2E9E8560-8F3E-4D38-A19E-F5F1590397B1}</a:tableStyleId>
               </a:tblPr>
               <a:tblGrid>
                 <a:gridCol w="1280725"/>
@@ -20051,6 +20051,285 @@
 </file>
 
 <file path=ppt/theme/theme1.xml><?xml version="1.0" encoding="utf-8"?>
+<a:theme xmlns:a="http://schemas.openxmlformats.org/drawingml/2006/main" xmlns:r="http://schemas.openxmlformats.org/officeDocument/2006/relationships" name="AMOS Slides Template">
+  <a:themeElements>
+    <a:clrScheme name="Simple Light">
+      <a:dk1>
+        <a:srgbClr val="000000"/>
+      </a:dk1>
+      <a:lt1>
+        <a:srgbClr val="FFFFFF"/>
+      </a:lt1>
+      <a:dk2>
+        <a:srgbClr val="404040"/>
+      </a:dk2>
+      <a:lt2>
+        <a:srgbClr val="808080"/>
+      </a:lt2>
+      <a:accent1>
+        <a:srgbClr val="D0D0D0"/>
+      </a:accent1>
+      <a:accent2>
+        <a:srgbClr val="4169E1"/>
+      </a:accent2>
+      <a:accent3>
+        <a:srgbClr val="D50D01"/>
+      </a:accent3>
+      <a:accent4>
+        <a:srgbClr val="FEB612"/>
+      </a:accent4>
+      <a:accent5>
+        <a:srgbClr val="4CAF50"/>
+      </a:accent5>
+      <a:accent6>
+        <a:srgbClr val="8E44AD"/>
+      </a:accent6>
+      <a:hlink>
+        <a:srgbClr val="34A3C5"/>
+      </a:hlink>
+      <a:folHlink>
+        <a:srgbClr val="0097A7"/>
+      </a:folHlink>
+    </a:clrScheme>
+    <a:fontScheme name="Office">
+      <a:majorFont>
+        <a:latin typeface="Arial"/>
+        <a:ea typeface=""/>
+        <a:cs typeface=""/>
+        <a:font script="Jpan" typeface="ＭＳ Ｐゴシック"/>
+        <a:font script="Hang" typeface="맑은 고딕"/>
+        <a:font script="Hans" typeface="宋体"/>
+        <a:font script="Hant" typeface="新細明體"/>
+        <a:font script="Arab" typeface="Times New Roman"/>
+        <a:font script="Hebr" typeface="Times New Roman"/>
+        <a:font script="Thai" typeface="Angsana New"/>
+        <a:font script="Ethi" typeface="Nyala"/>
+        <a:font script="Beng" typeface="Vrinda"/>
+        <a:font script="Gujr" typeface="Shruti"/>
+        <a:font script="Khmr" typeface="MoolBoran"/>
+        <a:font script="Knda" typeface="Tunga"/>
+        <a:font script="Guru" typeface="Raavi"/>
+        <a:font script="Cans" typeface="Euphemia"/>
+        <a:font script="Cher" typeface="Plantagenet Cherokee"/>
+        <a:font script="Yiii" typeface="Microsoft Yi Baiti"/>
+        <a:font script="Tibt" typeface="Microsoft Himalaya"/>
+        <a:font script="Thaa" typeface="MV Boli"/>
+        <a:font script="Deva" typeface="Mangal"/>
+        <a:font script="Telu" typeface="Gautami"/>
+        <a:font script="Taml" typeface="Latha"/>
+        <a:font script="Syrc" typeface="Estrangelo Edessa"/>
+        <a:font script="Orya" typeface="Kalinga"/>
+        <a:font script="Mlym" typeface="Kartika"/>
+        <a:font script="Laoo" typeface="DokChampa"/>
+        <a:font script="Sinh" typeface="Iskoola Pota"/>
+        <a:font script="Mong" typeface="Mongolian Baiti"/>
+        <a:font script="Viet" typeface="Times New Roman"/>
+        <a:font script="Uigh" typeface="Microsoft Uighur"/>
+        <a:font script="Geor" typeface="Sylfaen"/>
+      </a:majorFont>
+      <a:minorFont>
+        <a:latin typeface="Arial"/>
+        <a:ea typeface=""/>
+        <a:cs typeface=""/>
+        <a:font script="Jpan" typeface="ＭＳ Ｐゴシック"/>
+        <a:font script="Hang" typeface="맑은 고딕"/>
+        <a:font script="Hans" typeface="宋体"/>
+        <a:font script="Hant" typeface="新細明體"/>
+        <a:font script="Arab" typeface="Arial"/>
+        <a:font script="Hebr" typeface="Arial"/>
+        <a:font script="Thai" typeface="Cordia New"/>
+        <a:font script="Ethi" typeface="Nyala"/>
+        <a:font script="Beng" typeface="Vrinda"/>
+        <a:font script="Gujr" typeface="Shruti"/>
+        <a:font script="Khmr" typeface="DaunPenh"/>
+        <a:font script="Knda" typeface="Tunga"/>
+        <a:font script="Guru" typeface="Raavi"/>
+        <a:font script="Cans" typeface="Euphemia"/>
+        <a:font script="Cher" typeface="Plantagenet Cherokee"/>
+        <a:font script="Yiii" typeface="Microsoft Yi Baiti"/>
+        <a:font script="Tibt" typeface="Microsoft Himalaya"/>
+        <a:font script="Thaa" typeface="MV Boli"/>
+        <a:font script="Deva" typeface="Mangal"/>
+        <a:font script="Telu" typeface="Gautami"/>
+        <a:font script="Taml" typeface="Latha"/>
+        <a:font script="Syrc" typeface="Estrangelo Edessa"/>
+        <a:font script="Orya" typeface="Kalinga"/>
+        <a:font script="Mlym" typeface="Kartika"/>
+        <a:font script="Laoo" typeface="DokChampa"/>
+        <a:font script="Sinh" typeface="Iskoola Pota"/>
+        <a:font script="Mong" typeface="Mongolian Baiti"/>
+        <a:font script="Viet" typeface="Arial"/>
+        <a:font script="Uigh" typeface="Microsoft Uighur"/>
+        <a:font script="Geor" typeface="Sylfaen"/>
+      </a:minorFont>
+    </a:fontScheme>
+    <a:fmtScheme name="Office">
+      <a:fillStyleLst>
+        <a:solidFill>
+          <a:schemeClr val="phClr"/>
+        </a:solidFill>
+        <a:gradFill rotWithShape="1">
+          <a:gsLst>
+            <a:gs pos="0">
+              <a:schemeClr val="phClr">
+                <a:tint val="50000"/>
+                <a:satMod val="300000"/>
+              </a:schemeClr>
+            </a:gs>
+            <a:gs pos="35000">
+              <a:schemeClr val="phClr">
+                <a:tint val="37000"/>
+                <a:satMod val="300000"/>
+              </a:schemeClr>
+            </a:gs>
+            <a:gs pos="100000">
+              <a:schemeClr val="phClr">
+                <a:tint val="15000"/>
+                <a:satMod val="350000"/>
+              </a:schemeClr>
+            </a:gs>
+          </a:gsLst>
+          <a:lin ang="16200000" scaled="1"/>
+        </a:gradFill>
+        <a:gradFill rotWithShape="1">
+          <a:gsLst>
+            <a:gs pos="0">
+              <a:schemeClr val="phClr">
+                <a:tint val="100000"/>
+                <a:shade val="100000"/>
+                <a:satMod val="130000"/>
+              </a:schemeClr>
+            </a:gs>
+            <a:gs pos="100000">
+              <a:schemeClr val="phClr">
+                <a:tint val="50000"/>
+                <a:shade val="100000"/>
+                <a:satMod val="350000"/>
+              </a:schemeClr>
+            </a:gs>
+          </a:gsLst>
+          <a:lin ang="16200000" scaled="0"/>
+        </a:gradFill>
+      </a:fillStyleLst>
+      <a:lnStyleLst>
+        <a:ln w="9525" cap="flat" cmpd="sng" algn="ctr">
+          <a:solidFill>
+            <a:schemeClr val="phClr">
+              <a:shade val="95000"/>
+              <a:satMod val="105000"/>
+            </a:schemeClr>
+          </a:solidFill>
+          <a:prstDash val="solid"/>
+        </a:ln>
+        <a:ln w="25400" cap="flat" cmpd="sng" algn="ctr">
+          <a:solidFill>
+            <a:schemeClr val="phClr"/>
+          </a:solidFill>
+          <a:prstDash val="solid"/>
+        </a:ln>
+        <a:ln w="38100" cap="flat" cmpd="sng" algn="ctr">
+          <a:solidFill>
+            <a:schemeClr val="phClr"/>
+          </a:solidFill>
+          <a:prstDash val="solid"/>
+        </a:ln>
+      </a:lnStyleLst>
+      <a:effectStyleLst>
+        <a:effectStyle>
+          <a:effectLst>
+            <a:outerShdw blurRad="40000" dist="20000" dir="5400000" rotWithShape="0">
+              <a:srgbClr val="000000">
+                <a:alpha val="38000"/>
+              </a:srgbClr>
+            </a:outerShdw>
+          </a:effectLst>
+        </a:effectStyle>
+        <a:effectStyle>
+          <a:effectLst>
+            <a:outerShdw blurRad="40000" dist="23000" dir="5400000" rotWithShape="0">
+              <a:srgbClr val="000000">
+                <a:alpha val="35000"/>
+              </a:srgbClr>
+            </a:outerShdw>
+          </a:effectLst>
+        </a:effectStyle>
+        <a:effectStyle>
+          <a:effectLst>
+            <a:outerShdw blurRad="40000" dist="23000" dir="5400000" rotWithShape="0">
+              <a:srgbClr val="000000">
+                <a:alpha val="35000"/>
+              </a:srgbClr>
+            </a:outerShdw>
+          </a:effectLst>
+          <a:scene3d>
+            <a:camera prst="orthographicFront">
+              <a:rot lat="0" lon="0" rev="0"/>
+            </a:camera>
+            <a:lightRig rig="threePt" dir="t">
+              <a:rot lat="0" lon="0" rev="1200000"/>
+            </a:lightRig>
+          </a:scene3d>
+          <a:sp3d>
+            <a:bevelT w="63500" h="25400"/>
+          </a:sp3d>
+        </a:effectStyle>
+      </a:effectStyleLst>
+      <a:bgFillStyleLst>
+        <a:solidFill>
+          <a:schemeClr val="phClr"/>
+        </a:solidFill>
+        <a:gradFill rotWithShape="1">
+          <a:gsLst>
+            <a:gs pos="0">
+              <a:schemeClr val="phClr">
+                <a:tint val="40000"/>
+                <a:satMod val="350000"/>
+              </a:schemeClr>
+            </a:gs>
+            <a:gs pos="40000">
+              <a:schemeClr val="phClr">
+                <a:tint val="45000"/>
+                <a:shade val="99000"/>
+                <a:satMod val="350000"/>
+              </a:schemeClr>
+            </a:gs>
+            <a:gs pos="100000">
+              <a:schemeClr val="phClr">
+                <a:shade val="20000"/>
+                <a:satMod val="255000"/>
+              </a:schemeClr>
+            </a:gs>
+          </a:gsLst>
+          <a:path path="circle">
+            <a:fillToRect l="50000" t="-80000" r="50000" b="180000"/>
+          </a:path>
+        </a:gradFill>
+        <a:gradFill rotWithShape="1">
+          <a:gsLst>
+            <a:gs pos="0">
+              <a:schemeClr val="phClr">
+                <a:tint val="80000"/>
+                <a:satMod val="300000"/>
+              </a:schemeClr>
+            </a:gs>
+            <a:gs pos="100000">
+              <a:schemeClr val="phClr">
+                <a:shade val="30000"/>
+                <a:satMod val="200000"/>
+              </a:schemeClr>
+            </a:gs>
+          </a:gsLst>
+          <a:path path="circle">
+            <a:fillToRect l="50000" t="50000" r="50000" b="50000"/>
+          </a:path>
+        </a:gradFill>
+      </a:bgFillStyleLst>
+    </a:fmtScheme>
+  </a:themeElements>
+</a:theme>
+</file>
+
+<file path=ppt/theme/theme2.xml><?xml version="1.0" encoding="utf-8"?>
 <a:theme xmlns:a="http://schemas.openxmlformats.org/drawingml/2006/main" xmlns:r="http://schemas.openxmlformats.org/officeDocument/2006/relationships">
   <a:themeElements>
     <a:clrScheme name="Default">
@@ -20327,283 +20606,4 @@
     </a:fmtScheme>
   </a:themeElements>
 </a:theme>
-</file>
-
-<file path=ppt/theme/theme2.xml><?xml version="1.0" encoding="utf-8"?>
-<a:theme xmlns:a="http://schemas.openxmlformats.org/drawingml/2006/main" xmlns:r="http://schemas.openxmlformats.org/officeDocument/2006/relationships" name="AMOS Slides Template">
-  <a:themeElements>
-    <a:clrScheme name="Simple Light">
-      <a:dk1>
-        <a:srgbClr val="000000"/>
-      </a:dk1>
-      <a:lt1>
-        <a:srgbClr val="FFFFFF"/>
-      </a:lt1>
-      <a:dk2>
-        <a:srgbClr val="404040"/>
-      </a:dk2>
-      <a:lt2>
-        <a:srgbClr val="808080"/>
-      </a:lt2>
-      <a:accent1>
-        <a:srgbClr val="D0D0D0"/>
-      </a:accent1>
-      <a:accent2>
-        <a:srgbClr val="4169E1"/>
-      </a:accent2>
-      <a:accent3>
-        <a:srgbClr val="D50D01"/>
-      </a:accent3>
-      <a:accent4>
-        <a:srgbClr val="FEB612"/>
-      </a:accent4>
-      <a:accent5>
-        <a:srgbClr val="4CAF50"/>
-      </a:accent5>
-      <a:accent6>
-        <a:srgbClr val="8E44AD"/>
-      </a:accent6>
-      <a:hlink>
-        <a:srgbClr val="34A3C5"/>
-      </a:hlink>
-      <a:folHlink>
-        <a:srgbClr val="0097A7"/>
-      </a:folHlink>
-    </a:clrScheme>
-    <a:fontScheme name="Office">
-      <a:majorFont>
-        <a:latin typeface="Arial"/>
-        <a:ea typeface=""/>
-        <a:cs typeface=""/>
-        <a:font script="Jpan" typeface="ＭＳ Ｐゴシック"/>
-        <a:font script="Hang" typeface="맑은 고딕"/>
-        <a:font script="Hans" typeface="宋体"/>
-        <a:font script="Hant" typeface="新細明體"/>
-        <a:font script="Arab" typeface="Times New Roman"/>
-        <a:font script="Hebr" typeface="Times New Roman"/>
-        <a:font script="Thai" typeface="Angsana New"/>
-        <a:font script="Ethi" typeface="Nyala"/>
-        <a:font script="Beng" typeface="Vrinda"/>
-        <a:font script="Gujr" typeface="Shruti"/>
-        <a:font script="Khmr" typeface="MoolBoran"/>
-        <a:font script="Knda" typeface="Tunga"/>
-        <a:font script="Guru" typeface="Raavi"/>
-        <a:font script="Cans" typeface="Euphemia"/>
-        <a:font script="Cher" typeface="Plantagenet Cherokee"/>
-        <a:font script="Yiii" typeface="Microsoft Yi Baiti"/>
-        <a:font script="Tibt" typeface="Microsoft Himalaya"/>
-        <a:font script="Thaa" typeface="MV Boli"/>
-        <a:font script="Deva" typeface="Mangal"/>
-        <a:font script="Telu" typeface="Gautami"/>
-        <a:font script="Taml" typeface="Latha"/>
-        <a:font script="Syrc" typeface="Estrangelo Edessa"/>
-        <a:font script="Orya" typeface="Kalinga"/>
-        <a:font script="Mlym" typeface="Kartika"/>
-        <a:font script="Laoo" typeface="DokChampa"/>
-        <a:font script="Sinh" typeface="Iskoola Pota"/>
-        <a:font script="Mong" typeface="Mongolian Baiti"/>
-        <a:font script="Viet" typeface="Times New Roman"/>
-        <a:font script="Uigh" typeface="Microsoft Uighur"/>
-        <a:font script="Geor" typeface="Sylfaen"/>
-      </a:majorFont>
-      <a:minorFont>
-        <a:latin typeface="Arial"/>
-        <a:ea typeface=""/>
-        <a:cs typeface=""/>
-        <a:font script="Jpan" typeface="ＭＳ Ｐゴシック"/>
-        <a:font script="Hang" typeface="맑은 고딕"/>
-        <a:font script="Hans" typeface="宋体"/>
-        <a:font script="Hant" typeface="新細明體"/>
-        <a:font script="Arab" typeface="Arial"/>
-        <a:font script="Hebr" typeface="Arial"/>
-        <a:font script="Thai" typeface="Cordia New"/>
-        <a:font script="Ethi" typeface="Nyala"/>
-        <a:font script="Beng" typeface="Vrinda"/>
-        <a:font script="Gujr" typeface="Shruti"/>
-        <a:font script="Khmr" typeface="DaunPenh"/>
-        <a:font script="Knda" typeface="Tunga"/>
-        <a:font script="Guru" typeface="Raavi"/>
-        <a:font script="Cans" typeface="Euphemia"/>
-        <a:font script="Cher" typeface="Plantagenet Cherokee"/>
-        <a:font script="Yiii" typeface="Microsoft Yi Baiti"/>
-        <a:font script="Tibt" typeface="Microsoft Himalaya"/>
-        <a:font script="Thaa" typeface="MV Boli"/>
-        <a:font script="Deva" typeface="Mangal"/>
-        <a:font script="Telu" typeface="Gautami"/>
-        <a:font script="Taml" typeface="Latha"/>
-        <a:font script="Syrc" typeface="Estrangelo Edessa"/>
-        <a:font script="Orya" typeface="Kalinga"/>
-        <a:font script="Mlym" typeface="Kartika"/>
-        <a:font script="Laoo" typeface="DokChampa"/>
-        <a:font script="Sinh" typeface="Iskoola Pota"/>
-        <a:font script="Mong" typeface="Mongolian Baiti"/>
-        <a:font script="Viet" typeface="Arial"/>
-        <a:font script="Uigh" typeface="Microsoft Uighur"/>
-        <a:font script="Geor" typeface="Sylfaen"/>
-      </a:minorFont>
-    </a:fontScheme>
-    <a:fmtScheme name="Office">
-      <a:fillStyleLst>
-        <a:solidFill>
-          <a:schemeClr val="phClr"/>
-        </a:solidFill>
-        <a:gradFill rotWithShape="1">
-          <a:gsLst>
-            <a:gs pos="0">
-              <a:schemeClr val="phClr">
-                <a:tint val="50000"/>
-                <a:satMod val="300000"/>
-              </a:schemeClr>
-            </a:gs>
-            <a:gs pos="35000">
-              <a:schemeClr val="phClr">
-                <a:tint val="37000"/>
-                <a:satMod val="300000"/>
-              </a:schemeClr>
-            </a:gs>
-            <a:gs pos="100000">
-              <a:schemeClr val="phClr">
-                <a:tint val="15000"/>
-                <a:satMod val="350000"/>
-              </a:schemeClr>
-            </a:gs>
-          </a:gsLst>
-          <a:lin ang="16200000" scaled="1"/>
-        </a:gradFill>
-        <a:gradFill rotWithShape="1">
-          <a:gsLst>
-            <a:gs pos="0">
-              <a:schemeClr val="phClr">
-                <a:tint val="100000"/>
-                <a:shade val="100000"/>
-                <a:satMod val="130000"/>
-              </a:schemeClr>
-            </a:gs>
-            <a:gs pos="100000">
-              <a:schemeClr val="phClr">
-                <a:tint val="50000"/>
-                <a:shade val="100000"/>
-                <a:satMod val="350000"/>
-              </a:schemeClr>
-            </a:gs>
-          </a:gsLst>
-          <a:lin ang="16200000" scaled="0"/>
-        </a:gradFill>
-      </a:fillStyleLst>
-      <a:lnStyleLst>
-        <a:ln w="9525" cap="flat" cmpd="sng" algn="ctr">
-          <a:solidFill>
-            <a:schemeClr val="phClr">
-              <a:shade val="95000"/>
-              <a:satMod val="105000"/>
-            </a:schemeClr>
-          </a:solidFill>
-          <a:prstDash val="solid"/>
-        </a:ln>
-        <a:ln w="25400" cap="flat" cmpd="sng" algn="ctr">
-          <a:solidFill>
-            <a:schemeClr val="phClr"/>
-          </a:solidFill>
-          <a:prstDash val="solid"/>
-        </a:ln>
-        <a:ln w="38100" cap="flat" cmpd="sng" algn="ctr">
-          <a:solidFill>
-            <a:schemeClr val="phClr"/>
-          </a:solidFill>
-          <a:prstDash val="solid"/>
-        </a:ln>
-      </a:lnStyleLst>
-      <a:effectStyleLst>
-        <a:effectStyle>
-          <a:effectLst>
-            <a:outerShdw blurRad="40000" dist="20000" dir="5400000" rotWithShape="0">
-              <a:srgbClr val="000000">
-                <a:alpha val="38000"/>
-              </a:srgbClr>
-            </a:outerShdw>
-          </a:effectLst>
-        </a:effectStyle>
-        <a:effectStyle>
-          <a:effectLst>
-            <a:outerShdw blurRad="40000" dist="23000" dir="5400000" rotWithShape="0">
-              <a:srgbClr val="000000">
-                <a:alpha val="35000"/>
-              </a:srgbClr>
-            </a:outerShdw>
-          </a:effectLst>
-        </a:effectStyle>
-        <a:effectStyle>
-          <a:effectLst>
-            <a:outerShdw blurRad="40000" dist="23000" dir="5400000" rotWithShape="0">
-              <a:srgbClr val="000000">
-                <a:alpha val="35000"/>
-              </a:srgbClr>
-            </a:outerShdw>
-          </a:effectLst>
-          <a:scene3d>
-            <a:camera prst="orthographicFront">
-              <a:rot lat="0" lon="0" rev="0"/>
-            </a:camera>
-            <a:lightRig rig="threePt" dir="t">
-              <a:rot lat="0" lon="0" rev="1200000"/>
-            </a:lightRig>
-          </a:scene3d>
-          <a:sp3d>
-            <a:bevelT w="63500" h="25400"/>
-          </a:sp3d>
-        </a:effectStyle>
-      </a:effectStyleLst>
-      <a:bgFillStyleLst>
-        <a:solidFill>
-          <a:schemeClr val="phClr"/>
-        </a:solidFill>
-        <a:gradFill rotWithShape="1">
-          <a:gsLst>
-            <a:gs pos="0">
-              <a:schemeClr val="phClr">
-                <a:tint val="40000"/>
-                <a:satMod val="350000"/>
-              </a:schemeClr>
-            </a:gs>
-            <a:gs pos="40000">
-              <a:schemeClr val="phClr">
-                <a:tint val="45000"/>
-                <a:shade val="99000"/>
-                <a:satMod val="350000"/>
-              </a:schemeClr>
-            </a:gs>
-            <a:gs pos="100000">
-              <a:schemeClr val="phClr">
-                <a:shade val="20000"/>
-                <a:satMod val="255000"/>
-              </a:schemeClr>
-            </a:gs>
-          </a:gsLst>
-          <a:path path="circle">
-            <a:fillToRect l="50000" t="-80000" r="50000" b="180000"/>
-          </a:path>
-        </a:gradFill>
-        <a:gradFill rotWithShape="1">
-          <a:gsLst>
-            <a:gs pos="0">
-              <a:schemeClr val="phClr">
-                <a:tint val="80000"/>
-                <a:satMod val="300000"/>
-              </a:schemeClr>
-            </a:gs>
-            <a:gs pos="100000">
-              <a:schemeClr val="phClr">
-                <a:shade val="30000"/>
-                <a:satMod val="200000"/>
-              </a:schemeClr>
-            </a:gs>
-          </a:gsLst>
-          <a:path path="circle">
-            <a:fillToRect l="50000" t="50000" r="50000" b="50000"/>
-          </a:path>
-        </a:gradFill>
-      </a:bgFillStyleLst>
-    </a:fmtScheme>
-  </a:themeElements>
-</a:theme>
 </file>
--- a/Lecture slides/AMOS B02 - Scrum and AMOS.pptx
+++ b/Lecture slides/AMOS B02 - Scrum and AMOS.pptx
@@ -8887,7 +8887,7 @@
             </a:pPr>
             <a:r>
               <a:rPr lang="en"/>
-              <a:t>Where xx is your sprint number (see project schedule)</a:t>
+              <a:t>Where xx is your sprint number (see deliverables through project schedule)</a:t>
             </a:r>
             <a:endParaRPr/>
           </a:p>
@@ -11436,7 +11436,7 @@
             </a:pPr>
             <a:r>
               <a:rPr lang="en"/>
-              <a:t>Performs roll call, asks:</a:t>
+              <a:t>Performs roll call, asks everyone individually:</a:t>
             </a:r>
             <a:endParaRPr/>
           </a:p>
@@ -12592,7 +12592,7 @@
             <a:tbl>
               <a:tblPr>
                 <a:noFill/>
-                <a:tableStyleId>{B413DF43-B855-4C92-836F-19C8ED62E04E}</a:tableStyleId>
+                <a:tableStyleId>{D6387B4F-3565-4998-8DD9-34E40DD1D1DA}</a:tableStyleId>
               </a:tblPr>
               <a:tblGrid>
                 <a:gridCol w="2057400"/>
@@ -13836,7 +13836,7 @@
         <p:spPr>
           <a:xfrm>
             <a:off x="274320" y="914400"/>
-            <a:ext cx="8595360" cy="3533648"/>
+            <a:ext cx="8595359" cy="3514547"/>
           </a:xfrm>
           <a:prstGeom prst="rect">
             <a:avLst/>
@@ -14669,7 +14669,7 @@
             <a:tbl>
               <a:tblPr>
                 <a:noFill/>
-                <a:tableStyleId>{B413DF43-B855-4C92-836F-19C8ED62E04E}</a:tableStyleId>
+                <a:tableStyleId>{D6387B4F-3565-4998-8DD9-34E40DD1D1DA}</a:tableStyleId>
               </a:tblPr>
               <a:tblGrid>
                 <a:gridCol w="638675"/>
@@ -16923,7 +16923,7 @@
             <a:tbl>
               <a:tblPr>
                 <a:noFill/>
-                <a:tableStyleId>{B413DF43-B855-4C92-836F-19C8ED62E04E}</a:tableStyleId>
+                <a:tableStyleId>{D6387B4F-3565-4998-8DD9-34E40DD1D1DA}</a:tableStyleId>
               </a:tblPr>
               <a:tblGrid>
                 <a:gridCol w="1280725"/>

--- a/Lecture slides/AMOS B02 - Scrum and AMOS.pptx
+++ b/Lecture slides/AMOS B02 - Scrum and AMOS.pptx
@@ -12592,7 +12592,7 @@
             <a:tbl>
               <a:tblPr>
                 <a:noFill/>
-                <a:tableStyleId>{D6387B4F-3565-4998-8DD9-34E40DD1D1DA}</a:tableStyleId>
+                <a:tableStyleId>{0576FB45-EF62-48CC-8DFD-9632D46107FF}</a:tableStyleId>
               </a:tblPr>
               <a:tblGrid>
                 <a:gridCol w="2057400"/>
@@ -14669,7 +14669,7 @@
             <a:tbl>
               <a:tblPr>
                 <a:noFill/>
-                <a:tableStyleId>{D6387B4F-3565-4998-8DD9-34E40DD1D1DA}</a:tableStyleId>
+                <a:tableStyleId>{0576FB45-EF62-48CC-8DFD-9632D46107FF}</a:tableStyleId>
               </a:tblPr>
               <a:tblGrid>
                 <a:gridCol w="638675"/>
@@ -16923,7 +16923,7 @@
             <a:tbl>
               <a:tblPr>
                 <a:noFill/>
-                <a:tableStyleId>{D6387B4F-3565-4998-8DD9-34E40DD1D1DA}</a:tableStyleId>
+                <a:tableStyleId>{0576FB45-EF62-48CC-8DFD-9632D46107FF}</a:tableStyleId>
               </a:tblPr>
               <a:tblGrid>
                 <a:gridCol w="1280725"/>
@@ -20958,6 +20958,285 @@
 </file>
 
 <file path=ppt/theme/theme1.xml><?xml version="1.0" encoding="utf-8"?>
+<a:theme xmlns:a="http://schemas.openxmlformats.org/drawingml/2006/main" xmlns:r="http://schemas.openxmlformats.org/officeDocument/2006/relationships">
+  <a:themeElements>
+    <a:clrScheme name="Default">
+      <a:dk1>
+        <a:srgbClr val="000000"/>
+      </a:dk1>
+      <a:lt1>
+        <a:srgbClr val="FFFFFF"/>
+      </a:lt1>
+      <a:dk2>
+        <a:srgbClr val="158158"/>
+      </a:dk2>
+      <a:lt2>
+        <a:srgbClr val="F3F3F3"/>
+      </a:lt2>
+      <a:accent1>
+        <a:srgbClr val="058DC7"/>
+      </a:accent1>
+      <a:accent2>
+        <a:srgbClr val="50B432"/>
+      </a:accent2>
+      <a:accent3>
+        <a:srgbClr val="ED561B"/>
+      </a:accent3>
+      <a:accent4>
+        <a:srgbClr val="EDEF00"/>
+      </a:accent4>
+      <a:accent5>
+        <a:srgbClr val="24CBE5"/>
+      </a:accent5>
+      <a:accent6>
+        <a:srgbClr val="64E572"/>
+      </a:accent6>
+      <a:hlink>
+        <a:srgbClr val="2200CC"/>
+      </a:hlink>
+      <a:folHlink>
+        <a:srgbClr val="551A8B"/>
+      </a:folHlink>
+    </a:clrScheme>
+    <a:fontScheme name="Office">
+      <a:majorFont>
+        <a:latin typeface="Arial"/>
+        <a:ea typeface=""/>
+        <a:cs typeface=""/>
+        <a:font script="Jpan" typeface="ＭＳ Ｐゴシック"/>
+        <a:font script="Hang" typeface="맑은 고딕"/>
+        <a:font script="Hans" typeface="宋体"/>
+        <a:font script="Hant" typeface="新細明體"/>
+        <a:font script="Arab" typeface="Times New Roman"/>
+        <a:font script="Hebr" typeface="Times New Roman"/>
+        <a:font script="Thai" typeface="Angsana New"/>
+        <a:font script="Ethi" typeface="Nyala"/>
+        <a:font script="Beng" typeface="Vrinda"/>
+        <a:font script="Gujr" typeface="Shruti"/>
+        <a:font script="Khmr" typeface="MoolBoran"/>
+        <a:font script="Knda" typeface="Tunga"/>
+        <a:font script="Guru" typeface="Raavi"/>
+        <a:font script="Cans" typeface="Euphemia"/>
+        <a:font script="Cher" typeface="Plantagenet Cherokee"/>
+        <a:font script="Yiii" typeface="Microsoft Yi Baiti"/>
+        <a:font script="Tibt" typeface="Microsoft Himalaya"/>
+        <a:font script="Thaa" typeface="MV Boli"/>
+        <a:font script="Deva" typeface="Mangal"/>
+        <a:font script="Telu" typeface="Gautami"/>
+        <a:font script="Taml" typeface="Latha"/>
+        <a:font script="Syrc" typeface="Estrangelo Edessa"/>
+        <a:font script="Orya" typeface="Kalinga"/>
+        <a:font script="Mlym" typeface="Kartika"/>
+        <a:font script="Laoo" typeface="DokChampa"/>
+        <a:font script="Sinh" typeface="Iskoola Pota"/>
+        <a:font script="Mong" typeface="Mongolian Baiti"/>
+        <a:font script="Viet" typeface="Times New Roman"/>
+        <a:font script="Uigh" typeface="Microsoft Uighur"/>
+        <a:font script="Geor" typeface="Sylfaen"/>
+      </a:majorFont>
+      <a:minorFont>
+        <a:latin typeface="Arial"/>
+        <a:ea typeface=""/>
+        <a:cs typeface=""/>
+        <a:font script="Jpan" typeface="ＭＳ Ｐゴシック"/>
+        <a:font script="Hang" typeface="맑은 고딕"/>
+        <a:font script="Hans" typeface="宋体"/>
+        <a:font script="Hant" typeface="新細明體"/>
+        <a:font script="Arab" typeface="Arial"/>
+        <a:font script="Hebr" typeface="Arial"/>
+        <a:font script="Thai" typeface="Cordia New"/>
+        <a:font script="Ethi" typeface="Nyala"/>
+        <a:font script="Beng" typeface="Vrinda"/>
+        <a:font script="Gujr" typeface="Shruti"/>
+        <a:font script="Khmr" typeface="DaunPenh"/>
+        <a:font script="Knda" typeface="Tunga"/>
+        <a:font script="Guru" typeface="Raavi"/>
+        <a:font script="Cans" typeface="Euphemia"/>
+        <a:font script="Cher" typeface="Plantagenet Cherokee"/>
+        <a:font script="Yiii" typeface="Microsoft Yi Baiti"/>
+        <a:font script="Tibt" typeface="Microsoft Himalaya"/>
+        <a:font script="Thaa" typeface="MV Boli"/>
+        <a:font script="Deva" typeface="Mangal"/>
+        <a:font script="Telu" typeface="Gautami"/>
+        <a:font script="Taml" typeface="Latha"/>
+        <a:font script="Syrc" typeface="Estrangelo Edessa"/>
+        <a:font script="Orya" typeface="Kalinga"/>
+        <a:font script="Mlym" typeface="Kartika"/>
+        <a:font script="Laoo" typeface="DokChampa"/>
+        <a:font script="Sinh" typeface="Iskoola Pota"/>
+        <a:font script="Mong" typeface="Mongolian Baiti"/>
+        <a:font script="Viet" typeface="Arial"/>
+        <a:font script="Uigh" typeface="Microsoft Uighur"/>
+        <a:font script="Geor" typeface="Sylfaen"/>
+      </a:minorFont>
+    </a:fontScheme>
+    <a:fmtScheme name="Office">
+      <a:fillStyleLst>
+        <a:solidFill>
+          <a:schemeClr val="phClr"/>
+        </a:solidFill>
+        <a:gradFill rotWithShape="1">
+          <a:gsLst>
+            <a:gs pos="0">
+              <a:schemeClr val="phClr">
+                <a:tint val="50000"/>
+                <a:satMod val="300000"/>
+              </a:schemeClr>
+            </a:gs>
+            <a:gs pos="35000">
+              <a:schemeClr val="phClr">
+                <a:tint val="37000"/>
+                <a:satMod val="300000"/>
+              </a:schemeClr>
+            </a:gs>
+            <a:gs pos="100000">
+              <a:schemeClr val="phClr">
+                <a:tint val="15000"/>
+                <a:satMod val="350000"/>
+              </a:schemeClr>
+            </a:gs>
+          </a:gsLst>
+          <a:lin ang="16200000" scaled="1"/>
+        </a:gradFill>
+        <a:gradFill rotWithShape="1">
+          <a:gsLst>
+            <a:gs pos="0">
+              <a:schemeClr val="phClr">
+                <a:tint val="100000"/>
+                <a:shade val="100000"/>
+                <a:satMod val="130000"/>
+              </a:schemeClr>
+            </a:gs>
+            <a:gs pos="100000">
+              <a:schemeClr val="phClr">
+                <a:tint val="50000"/>
+                <a:shade val="100000"/>
+                <a:satMod val="350000"/>
+              </a:schemeClr>
+            </a:gs>
+          </a:gsLst>
+          <a:lin ang="16200000" scaled="0"/>
+        </a:gradFill>
+      </a:fillStyleLst>
+      <a:lnStyleLst>
+        <a:ln w="9525" cap="flat" cmpd="sng" algn="ctr">
+          <a:solidFill>
+            <a:schemeClr val="phClr">
+              <a:shade val="95000"/>
+              <a:satMod val="105000"/>
+            </a:schemeClr>
+          </a:solidFill>
+          <a:prstDash val="solid"/>
+        </a:ln>
+        <a:ln w="25400" cap="flat" cmpd="sng" algn="ctr">
+          <a:solidFill>
+            <a:schemeClr val="phClr"/>
+          </a:solidFill>
+          <a:prstDash val="solid"/>
+        </a:ln>
+        <a:ln w="38100" cap="flat" cmpd="sng" algn="ctr">
+          <a:solidFill>
+            <a:schemeClr val="phClr"/>
+          </a:solidFill>
+          <a:prstDash val="solid"/>
+        </a:ln>
+      </a:lnStyleLst>
+      <a:effectStyleLst>
+        <a:effectStyle>
+          <a:effectLst>
+            <a:outerShdw blurRad="40000" dist="20000" dir="5400000" rotWithShape="0">
+              <a:srgbClr val="000000">
+                <a:alpha val="38000"/>
+              </a:srgbClr>
+            </a:outerShdw>
+          </a:effectLst>
+        </a:effectStyle>
+        <a:effectStyle>
+          <a:effectLst>
+            <a:outerShdw blurRad="40000" dist="23000" dir="5400000" rotWithShape="0">
+              <a:srgbClr val="000000">
+                <a:alpha val="35000"/>
+              </a:srgbClr>
+            </a:outerShdw>
+          </a:effectLst>
+        </a:effectStyle>
+        <a:effectStyle>
+          <a:effectLst>
+            <a:outerShdw blurRad="40000" dist="23000" dir="5400000" rotWithShape="0">
+              <a:srgbClr val="000000">
+                <a:alpha val="35000"/>
+              </a:srgbClr>
+            </a:outerShdw>
+          </a:effectLst>
+          <a:scene3d>
+            <a:camera prst="orthographicFront">
+              <a:rot lat="0" lon="0" rev="0"/>
+            </a:camera>
+            <a:lightRig rig="threePt" dir="t">
+              <a:rot lat="0" lon="0" rev="1200000"/>
+            </a:lightRig>
+          </a:scene3d>
+          <a:sp3d>
+            <a:bevelT w="63500" h="25400"/>
+          </a:sp3d>
+        </a:effectStyle>
+      </a:effectStyleLst>
+      <a:bgFillStyleLst>
+        <a:solidFill>
+          <a:schemeClr val="phClr"/>
+        </a:solidFill>
+        <a:gradFill rotWithShape="1">
+          <a:gsLst>
+            <a:gs pos="0">
+              <a:schemeClr val="phClr">
+                <a:tint val="40000"/>
+                <a:satMod val="350000"/>
+              </a:schemeClr>
+            </a:gs>
+            <a:gs pos="40000">
+              <a:schemeClr val="phClr">
+                <a:tint val="45000"/>
+                <a:shade val="99000"/>
+                <a:satMod val="350000"/>
+              </a:schemeClr>
+            </a:gs>
+            <a:gs pos="100000">
+              <a:schemeClr val="phClr">
+                <a:shade val="20000"/>
+                <a:satMod val="255000"/>
+              </a:schemeClr>
+            </a:gs>
+          </a:gsLst>
+          <a:path path="circle">
+            <a:fillToRect l="50000" t="-80000" r="50000" b="180000"/>
+          </a:path>
+        </a:gradFill>
+        <a:gradFill rotWithShape="1">
+          <a:gsLst>
+            <a:gs pos="0">
+              <a:schemeClr val="phClr">
+                <a:tint val="80000"/>
+                <a:satMod val="300000"/>
+              </a:schemeClr>
+            </a:gs>
+            <a:gs pos="100000">
+              <a:schemeClr val="phClr">
+                <a:shade val="30000"/>
+                <a:satMod val="200000"/>
+              </a:schemeClr>
+            </a:gs>
+          </a:gsLst>
+          <a:path path="circle">
+            <a:fillToRect l="50000" t="50000" r="50000" b="50000"/>
+          </a:path>
+        </a:gradFill>
+      </a:bgFillStyleLst>
+    </a:fmtScheme>
+  </a:themeElements>
+</a:theme>
+</file>
+
+<file path=ppt/theme/theme2.xml><?xml version="1.0" encoding="utf-8"?>
 <a:theme xmlns:a="http://schemas.openxmlformats.org/drawingml/2006/main" xmlns:r="http://schemas.openxmlformats.org/officeDocument/2006/relationships" name="AMOS Slides Template">
   <a:themeElements>
     <a:clrScheme name="Simple Light">
@@ -21234,283 +21513,4 @@
     </a:fmtScheme>
   </a:themeElements>
 </a:theme>
-</file>
-
-<file path=ppt/theme/theme2.xml><?xml version="1.0" encoding="utf-8"?>
-<a:theme xmlns:a="http://schemas.openxmlformats.org/drawingml/2006/main" xmlns:r="http://schemas.openxmlformats.org/officeDocument/2006/relationships">
-  <a:themeElements>
-    <a:clrScheme name="Default">
-      <a:dk1>
-        <a:srgbClr val="000000"/>
-      </a:dk1>
-      <a:lt1>
-        <a:srgbClr val="FFFFFF"/>
-      </a:lt1>
-      <a:dk2>
-        <a:srgbClr val="158158"/>
-      </a:dk2>
-      <a:lt2>
-        <a:srgbClr val="F3F3F3"/>
-      </a:lt2>
-      <a:accent1>
-        <a:srgbClr val="058DC7"/>
-      </a:accent1>
-      <a:accent2>
-        <a:srgbClr val="50B432"/>
-      </a:accent2>
-      <a:accent3>
-        <a:srgbClr val="ED561B"/>
-      </a:accent3>
-      <a:accent4>
-        <a:srgbClr val="EDEF00"/>
-      </a:accent4>
-      <a:accent5>
-        <a:srgbClr val="24CBE5"/>
-      </a:accent5>
-      <a:accent6>
-        <a:srgbClr val="64E572"/>
-      </a:accent6>
-      <a:hlink>
-        <a:srgbClr val="2200CC"/>
-      </a:hlink>
-      <a:folHlink>
-        <a:srgbClr val="551A8B"/>
-      </a:folHlink>
-    </a:clrScheme>
-    <a:fontScheme name="Office">
-      <a:majorFont>
-        <a:latin typeface="Arial"/>
-        <a:ea typeface=""/>
-        <a:cs typeface=""/>
-        <a:font script="Jpan" typeface="ＭＳ Ｐゴシック"/>
-        <a:font script="Hang" typeface="맑은 고딕"/>
-        <a:font script="Hans" typeface="宋体"/>
-        <a:font script="Hant" typeface="新細明體"/>
-        <a:font script="Arab" typeface="Times New Roman"/>
-        <a:font script="Hebr" typeface="Times New Roman"/>
-        <a:font script="Thai" typeface="Angsana New"/>
-        <a:font script="Ethi" typeface="Nyala"/>
-        <a:font script="Beng" typeface="Vrinda"/>
-        <a:font script="Gujr" typeface="Shruti"/>
-        <a:font script="Khmr" typeface="MoolBoran"/>
-        <a:font script="Knda" typeface="Tunga"/>
-        <a:font script="Guru" typeface="Raavi"/>
-        <a:font script="Cans" typeface="Euphemia"/>
-        <a:font script="Cher" typeface="Plantagenet Cherokee"/>
-        <a:font script="Yiii" typeface="Microsoft Yi Baiti"/>
-        <a:font script="Tibt" typeface="Microsoft Himalaya"/>
-        <a:font script="Thaa" typeface="MV Boli"/>
-        <a:font script="Deva" typeface="Mangal"/>
-        <a:font script="Telu" typeface="Gautami"/>
-        <a:font script="Taml" typeface="Latha"/>
-        <a:font script="Syrc" typeface="Estrangelo Edessa"/>
-        <a:font script="Orya" typeface="Kalinga"/>
-        <a:font script="Mlym" typeface="Kartika"/>
-        <a:font script="Laoo" typeface="DokChampa"/>
-        <a:font script="Sinh" typeface="Iskoola Pota"/>
-        <a:font script="Mong" typeface="Mongolian Baiti"/>
-        <a:font script="Viet" typeface="Times New Roman"/>
-        <a:font script="Uigh" typeface="Microsoft Uighur"/>
-        <a:font script="Geor" typeface="Sylfaen"/>
-      </a:majorFont>
-      <a:minorFont>
-        <a:latin typeface="Arial"/>
-        <a:ea typeface=""/>
-        <a:cs typeface=""/>
-        <a:font script="Jpan" typeface="ＭＳ Ｐゴシック"/>
-        <a:font script="Hang" typeface="맑은 고딕"/>
-        <a:font script="Hans" typeface="宋体"/>
-        <a:font script="Hant" typeface="新細明體"/>
-        <a:font script="Arab" typeface="Arial"/>
-        <a:font script="Hebr" typeface="Arial"/>
-        <a:font script="Thai" typeface="Cordia New"/>
-        <a:font script="Ethi" typeface="Nyala"/>
-        <a:font script="Beng" typeface="Vrinda"/>
-        <a:font script="Gujr" typeface="Shruti"/>
-        <a:font script="Khmr" typeface="DaunPenh"/>
-        <a:font script="Knda" typeface="Tunga"/>
-        <a:font script="Guru" typeface="Raavi"/>
-        <a:font script="Cans" typeface="Euphemia"/>
-        <a:font script="Cher" typeface="Plantagenet Cherokee"/>
-        <a:font script="Yiii" typeface="Microsoft Yi Baiti"/>
-        <a:font script="Tibt" typeface="Microsoft Himalaya"/>
-        <a:font script="Thaa" typeface="MV Boli"/>
-        <a:font script="Deva" typeface="Mangal"/>
-        <a:font script="Telu" typeface="Gautami"/>
-        <a:font script="Taml" typeface="Latha"/>
-        <a:font script="Syrc" typeface="Estrangelo Edessa"/>
-        <a:font script="Orya" typeface="Kalinga"/>
-        <a:font script="Mlym" typeface="Kartika"/>
-        <a:font script="Laoo" typeface="DokChampa"/>
-        <a:font script="Sinh" typeface="Iskoola Pota"/>
-        <a:font script="Mong" typeface="Mongolian Baiti"/>
-        <a:font script="Viet" typeface="Arial"/>
-        <a:font script="Uigh" typeface="Microsoft Uighur"/>
-        <a:font script="Geor" typeface="Sylfaen"/>
-      </a:minorFont>
-    </a:fontScheme>
-    <a:fmtScheme name="Office">
-      <a:fillStyleLst>
-        <a:solidFill>
-          <a:schemeClr val="phClr"/>
-        </a:solidFill>
-        <a:gradFill rotWithShape="1">
-          <a:gsLst>
-            <a:gs pos="0">
-              <a:schemeClr val="phClr">
-                <a:tint val="50000"/>
-                <a:satMod val="300000"/>
-              </a:schemeClr>
-            </a:gs>
-            <a:gs pos="35000">
-              <a:schemeClr val="phClr">
-                <a:tint val="37000"/>
-                <a:satMod val="300000"/>
-              </a:schemeClr>
-            </a:gs>
-            <a:gs pos="100000">
-              <a:schemeClr val="phClr">
-                <a:tint val="15000"/>
-                <a:satMod val="350000"/>
-              </a:schemeClr>
-            </a:gs>
-          </a:gsLst>
-          <a:lin ang="16200000" scaled="1"/>
-        </a:gradFill>
-        <a:gradFill rotWithShape="1">
-          <a:gsLst>
-            <a:gs pos="0">
-              <a:schemeClr val="phClr">
-                <a:tint val="100000"/>
-                <a:shade val="100000"/>
-                <a:satMod val="130000"/>
-              </a:schemeClr>
-            </a:gs>
-            <a:gs pos="100000">
-              <a:schemeClr val="phClr">
-                <a:tint val="50000"/>
-                <a:shade val="100000"/>
-                <a:satMod val="350000"/>
-              </a:schemeClr>
-            </a:gs>
-          </a:gsLst>
-          <a:lin ang="16200000" scaled="0"/>
-        </a:gradFill>
-      </a:fillStyleLst>
-      <a:lnStyleLst>
-        <a:ln w="9525" cap="flat" cmpd="sng" algn="ctr">
-          <a:solidFill>
-            <a:schemeClr val="phClr">
-              <a:shade val="95000"/>
-              <a:satMod val="105000"/>
-            </a:schemeClr>
-          </a:solidFill>
-          <a:prstDash val="solid"/>
-        </a:ln>
-        <a:ln w="25400" cap="flat" cmpd="sng" algn="ctr">
-          <a:solidFill>
-            <a:schemeClr val="phClr"/>
-          </a:solidFill>
-          <a:prstDash val="solid"/>
-        </a:ln>
-        <a:ln w="38100" cap="flat" cmpd="sng" algn="ctr">
-          <a:solidFill>
-            <a:schemeClr val="phClr"/>
-          </a:solidFill>
-          <a:prstDash val="solid"/>
-        </a:ln>
-      </a:lnStyleLst>
-      <a:effectStyleLst>
-        <a:effectStyle>
-          <a:effectLst>
-            <a:outerShdw blurRad="40000" dist="20000" dir="5400000" rotWithShape="0">
-              <a:srgbClr val="000000">
-                <a:alpha val="38000"/>
-              </a:srgbClr>
-            </a:outerShdw>
-          </a:effectLst>
-        </a:effectStyle>
-        <a:effectStyle>
-          <a:effectLst>
-            <a:outerShdw blurRad="40000" dist="23000" dir="5400000" rotWithShape="0">
-              <a:srgbClr val="000000">
-                <a:alpha val="35000"/>
-              </a:srgbClr>
-            </a:outerShdw>
-          </a:effectLst>
-        </a:effectStyle>
-        <a:effectStyle>
-          <a:effectLst>
-            <a:outerShdw blurRad="40000" dist="23000" dir="5400000" rotWithShape="0">
-              <a:srgbClr val="000000">
-                <a:alpha val="35000"/>
-              </a:srgbClr>
-            </a:outerShdw>
-          </a:effectLst>
-          <a:scene3d>
-            <a:camera prst="orthographicFront">
-              <a:rot lat="0" lon="0" rev="0"/>
-            </a:camera>
-            <a:lightRig rig="threePt" dir="t">
-              <a:rot lat="0" lon="0" rev="1200000"/>
-            </a:lightRig>
-          </a:scene3d>
-          <a:sp3d>
-            <a:bevelT w="63500" h="25400"/>
-          </a:sp3d>
-        </a:effectStyle>
-      </a:effectStyleLst>
-      <a:bgFillStyleLst>
-        <a:solidFill>
-          <a:schemeClr val="phClr"/>
-        </a:solidFill>
-        <a:gradFill rotWithShape="1">
-          <a:gsLst>
-            <a:gs pos="0">
-              <a:schemeClr val="phClr">
-                <a:tint val="40000"/>
-                <a:satMod val="350000"/>
-              </a:schemeClr>
-            </a:gs>
-            <a:gs pos="40000">
-              <a:schemeClr val="phClr">
-                <a:tint val="45000"/>
-                <a:shade val="99000"/>
-                <a:satMod val="350000"/>
-              </a:schemeClr>
-            </a:gs>
-            <a:gs pos="100000">
-              <a:schemeClr val="phClr">
-                <a:shade val="20000"/>
-                <a:satMod val="255000"/>
-              </a:schemeClr>
-            </a:gs>
-          </a:gsLst>
-          <a:path path="circle">
-            <a:fillToRect l="50000" t="-80000" r="50000" b="180000"/>
-          </a:path>
-        </a:gradFill>
-        <a:gradFill rotWithShape="1">
-          <a:gsLst>
-            <a:gs pos="0">
-              <a:schemeClr val="phClr">
-                <a:tint val="80000"/>
-                <a:satMod val="300000"/>
-              </a:schemeClr>
-            </a:gs>
-            <a:gs pos="100000">
-              <a:schemeClr val="phClr">
-                <a:shade val="30000"/>
-                <a:satMod val="200000"/>
-              </a:schemeClr>
-            </a:gs>
-          </a:gsLst>
-          <a:path path="circle">
-            <a:fillToRect l="50000" t="50000" r="50000" b="50000"/>
-          </a:path>
-        </a:gradFill>
-      </a:bgFillStyleLst>
-    </a:fmtScheme>
-  </a:themeElements>
-</a:theme>
 </file>
--- a/Lecture slides/AMOS B02 - Scrum and AMOS.pptx
+++ b/Lecture slides/AMOS B02 - Scrum and AMOS.pptx
@@ -10703,7 +10703,15 @@
             </a:pPr>
             <a:r>
               <a:rPr lang="en"/>
-              <a:t>Deploys sprint release to operations environment</a:t>
+              <a:t>Tags release with </a:t>
+            </a:r>
+            <a:r>
+              <a:rPr b="1" lang="en"/>
+              <a:t>sprint-xx-release</a:t>
+            </a:r>
+            <a:r>
+              <a:rPr lang="en"/>
+              <a:t> where xx is your sprint number</a:t>
             </a:r>
             <a:endParaRPr/>
           </a:p>
@@ -10720,15 +10728,7 @@
             </a:pPr>
             <a:r>
               <a:rPr lang="en"/>
-              <a:t>Tags release with </a:t>
-            </a:r>
-            <a:r>
-              <a:rPr b="1" lang="en"/>
-              <a:t>sprint-xx-release</a:t>
-            </a:r>
-            <a:r>
-              <a:rPr lang="en"/>
-              <a:t> where xx is your sprint number</a:t>
+              <a:t>Deploys sprint release to operations environment</a:t>
             </a:r>
             <a:endParaRPr/>
           </a:p>
@@ -12592,7 +12592,7 @@
             <a:tbl>
               <a:tblPr>
                 <a:noFill/>
-                <a:tableStyleId>{0576FB45-EF62-48CC-8DFD-9632D46107FF}</a:tableStyleId>
+                <a:tableStyleId>{23BF14DC-C99C-4E24-9781-51C683D49F72}</a:tableStyleId>
               </a:tblPr>
               <a:tblGrid>
                 <a:gridCol w="2057400"/>
@@ -14669,7 +14669,7 @@
             <a:tbl>
               <a:tblPr>
                 <a:noFill/>
-                <a:tableStyleId>{0576FB45-EF62-48CC-8DFD-9632D46107FF}</a:tableStyleId>
+                <a:tableStyleId>{23BF14DC-C99C-4E24-9781-51C683D49F72}</a:tableStyleId>
               </a:tblPr>
               <a:tblGrid>
                 <a:gridCol w="638675"/>
@@ -14692,14 +14692,14 @@
                         <a:buNone/>
                       </a:pPr>
                       <a:r>
-                        <a:rPr b="1" lang="en" sz="1500">
+                        <a:rPr b="1" lang="en">
                           <a:solidFill>
                             <a:srgbClr val="FFFFFF"/>
                           </a:solidFill>
                         </a:rPr>
                         <a:t>#</a:t>
                       </a:r>
-                      <a:endParaRPr b="1" sz="1500">
+                      <a:endParaRPr b="1">
                         <a:solidFill>
                           <a:srgbClr val="FFFFFF"/>
                         </a:solidFill>
@@ -14763,14 +14763,14 @@
                         <a:buNone/>
                       </a:pPr>
                       <a:r>
-                        <a:rPr b="1" lang="en" sz="1500">
+                        <a:rPr b="1" lang="en">
                           <a:solidFill>
                             <a:srgbClr val="FFFFFF"/>
                           </a:solidFill>
                         </a:rPr>
                         <a:t>Section</a:t>
                       </a:r>
-                      <a:endParaRPr b="1" sz="1500">
+                      <a:endParaRPr b="1">
                         <a:solidFill>
                           <a:srgbClr val="FFFFFF"/>
                         </a:solidFill>
@@ -14834,14 +14834,14 @@
                         <a:buNone/>
                       </a:pPr>
                       <a:r>
-                        <a:rPr b="1" lang="en" sz="1500">
+                        <a:rPr b="1" lang="en">
                           <a:solidFill>
                             <a:srgbClr val="FFFFFF"/>
                           </a:solidFill>
                         </a:rPr>
                         <a:t>Duration</a:t>
                       </a:r>
-                      <a:endParaRPr b="1" sz="1500">
+                      <a:endParaRPr b="1">
                         <a:solidFill>
                           <a:srgbClr val="FFFFFF"/>
                         </a:solidFill>
@@ -14907,10 +14907,10 @@
                         <a:buNone/>
                       </a:pPr>
                       <a:r>
-                        <a:rPr lang="en" sz="1500"/>
+                        <a:rPr lang="en"/>
                         <a:t>1</a:t>
                       </a:r>
-                      <a:endParaRPr sz="1500"/>
+                      <a:endParaRPr/>
                     </a:p>
                   </a:txBody>
                   <a:tcPr marT="91425" marB="91425" marR="91425" marL="91425" anchor="ctr">
@@ -14967,10 +14967,10 @@
                         <a:buNone/>
                       </a:pPr>
                       <a:r>
-                        <a:rPr lang="en" sz="1500"/>
+                        <a:rPr lang="en"/>
                         <a:t>Meeting preparation</a:t>
                       </a:r>
-                      <a:endParaRPr sz="1500"/>
+                      <a:endParaRPr/>
                     </a:p>
                   </a:txBody>
                   <a:tcPr marT="91425" marB="91425" marR="91425" marL="91425" anchor="ctr">
@@ -15027,10 +15027,10 @@
                         <a:buNone/>
                       </a:pPr>
                       <a:r>
-                        <a:rPr lang="en" sz="1500"/>
+                        <a:rPr lang="en"/>
                         <a:t>-</a:t>
                       </a:r>
-                      <a:endParaRPr sz="1500"/>
+                      <a:endParaRPr/>
                     </a:p>
                   </a:txBody>
                   <a:tcPr marT="91425" marB="91425" marR="91425" marL="91425" anchor="ctr">
@@ -15089,10 +15089,10 @@
                         <a:buNone/>
                       </a:pPr>
                       <a:r>
-                        <a:rPr lang="en" sz="1500"/>
+                        <a:rPr lang="en"/>
                         <a:t>2</a:t>
                       </a:r>
-                      <a:endParaRPr sz="1500"/>
+                      <a:endParaRPr/>
                     </a:p>
                   </a:txBody>
                   <a:tcPr marT="91425" marB="91425" marR="91425" marL="91425" anchor="ctr">
@@ -15152,10 +15152,10 @@
                         <a:buNone/>
                       </a:pPr>
                       <a:r>
-                        <a:rPr lang="en" sz="1500"/>
+                        <a:rPr lang="en"/>
                         <a:t>Sprint review</a:t>
                       </a:r>
-                      <a:endParaRPr sz="1500"/>
+                      <a:endParaRPr/>
                     </a:p>
                   </a:txBody>
                   <a:tcPr marT="91425" marB="91425" marR="91425" marL="91425" anchor="ctr">
@@ -15215,10 +15215,10 @@
                         <a:buNone/>
                       </a:pPr>
                       <a:r>
-                        <a:rPr lang="en" sz="1500"/>
+                        <a:rPr lang="en"/>
                         <a:t>~35%</a:t>
                       </a:r>
-                      <a:endParaRPr sz="1500"/>
+                      <a:endParaRPr/>
                     </a:p>
                   </a:txBody>
                   <a:tcPr marT="91425" marB="91425" marR="91425" marL="91425" anchor="ctr">
@@ -15280,10 +15280,10 @@
                         <a:buNone/>
                       </a:pPr>
                       <a:r>
-                        <a:rPr lang="en" sz="1500"/>
+                        <a:rPr lang="en"/>
                         <a:t>3</a:t>
                       </a:r>
-                      <a:endParaRPr sz="1500"/>
+                      <a:endParaRPr/>
                     </a:p>
                   </a:txBody>
                   <a:tcPr marT="91425" marB="91425" marR="91425" marL="91425" anchor="ctr">
@@ -15343,10 +15343,10 @@
                         <a:buNone/>
                       </a:pPr>
                       <a:r>
-                        <a:rPr lang="en" sz="1500"/>
+                        <a:rPr lang="en"/>
                         <a:t>Sprint release</a:t>
                       </a:r>
-                      <a:endParaRPr sz="1500"/>
+                      <a:endParaRPr/>
                     </a:p>
                   </a:txBody>
                   <a:tcPr marT="91425" marB="91425" marR="91425" marL="91425" anchor="ctr">
@@ -15406,10 +15406,10 @@
                         <a:buNone/>
                       </a:pPr>
                       <a:r>
-                        <a:rPr lang="en" sz="1500"/>
+                        <a:rPr lang="en"/>
                         <a:t>~5%</a:t>
                       </a:r>
-                      <a:endParaRPr sz="1500"/>
+                      <a:endParaRPr/>
                     </a:p>
                   </a:txBody>
                   <a:tcPr marT="91425" marB="91425" marR="91425" marL="91425" anchor="ctr">
@@ -15471,10 +15471,10 @@
                         <a:buNone/>
                       </a:pPr>
                       <a:r>
-                        <a:rPr lang="en" sz="1500"/>
+                        <a:rPr lang="en"/>
                         <a:t>4</a:t>
                       </a:r>
-                      <a:endParaRPr sz="1500"/>
+                      <a:endParaRPr/>
                     </a:p>
                   </a:txBody>
                   <a:tcPr marT="91425" marB="91425" marR="91425" marL="91425" anchor="ctr">
@@ -15534,10 +15534,10 @@
                         <a:buNone/>
                       </a:pPr>
                       <a:r>
-                        <a:rPr lang="en" sz="1500"/>
+                        <a:rPr lang="en"/>
                         <a:t>Sprint retrospective</a:t>
                       </a:r>
-                      <a:endParaRPr sz="1500"/>
+                      <a:endParaRPr/>
                     </a:p>
                   </a:txBody>
                   <a:tcPr marT="91425" marB="91425" marR="91425" marL="91425" anchor="ctr">
@@ -15597,10 +15597,10 @@
                         <a:buNone/>
                       </a:pPr>
                       <a:r>
-                        <a:rPr lang="en" sz="1500"/>
+                        <a:rPr lang="en"/>
                         <a:t>~20%</a:t>
                       </a:r>
-                      <a:endParaRPr sz="1500"/>
+                      <a:endParaRPr/>
                     </a:p>
                   </a:txBody>
                   <a:tcPr marT="91425" marB="91425" marR="91425" marL="91425" anchor="ctr">
@@ -15662,10 +15662,10 @@
                         <a:buNone/>
                       </a:pPr>
                       <a:r>
-                        <a:rPr lang="en" sz="1500"/>
+                        <a:rPr lang="en"/>
                         <a:t>5</a:t>
                       </a:r>
-                      <a:endParaRPr sz="1500"/>
+                      <a:endParaRPr/>
                     </a:p>
                   </a:txBody>
                   <a:tcPr marT="91425" marB="91425" marR="91425" marL="91425" anchor="ctr">
@@ -15725,10 +15725,10 @@
                         <a:buNone/>
                       </a:pPr>
                       <a:r>
-                        <a:rPr lang="en" sz="1500"/>
+                        <a:rPr lang="en"/>
                         <a:t>Sprint planning</a:t>
                       </a:r>
-                      <a:endParaRPr sz="1500"/>
+                      <a:endParaRPr/>
                     </a:p>
                   </a:txBody>
                   <a:tcPr marT="91425" marB="91425" marR="91425" marL="91425" anchor="ctr">
@@ -15788,10 +15788,10 @@
                         <a:buNone/>
                       </a:pPr>
                       <a:r>
-                        <a:rPr lang="en" sz="1500"/>
+                        <a:rPr lang="en"/>
                         <a:t>~40%</a:t>
                       </a:r>
-                      <a:endParaRPr sz="1500"/>
+                      <a:endParaRPr/>
                     </a:p>
                   </a:txBody>
                   <a:tcPr marT="91425" marB="91425" marR="91425" marL="91425" anchor="ctr">
@@ -15853,10 +15853,10 @@
                         <a:buNone/>
                       </a:pPr>
                       <a:r>
-                        <a:rPr lang="en" sz="1500"/>
+                        <a:rPr lang="en"/>
                         <a:t>6</a:t>
                       </a:r>
-                      <a:endParaRPr sz="1500"/>
+                      <a:endParaRPr/>
                     </a:p>
                   </a:txBody>
                   <a:tcPr marT="91425" marB="91425" marR="91425" marL="91425" anchor="ctr">
@@ -15916,10 +15916,10 @@
                         <a:buNone/>
                       </a:pPr>
                       <a:r>
-                        <a:rPr lang="en" sz="1500"/>
+                        <a:rPr lang="en"/>
                         <a:t>Meeting after-work</a:t>
                       </a:r>
-                      <a:endParaRPr sz="1500"/>
+                      <a:endParaRPr/>
                     </a:p>
                   </a:txBody>
                   <a:tcPr marT="91425" marB="91425" marR="91425" marL="91425" anchor="ctr">
@@ -15979,10 +15979,10 @@
                         <a:buNone/>
                       </a:pPr>
                       <a:r>
-                        <a:rPr lang="en" sz="1500"/>
+                        <a:rPr lang="en"/>
                         <a:t>-</a:t>
                       </a:r>
-                      <a:endParaRPr sz="1500"/>
+                      <a:endParaRPr/>
                     </a:p>
                   </a:txBody>
                   <a:tcPr marT="91425" marB="91425" marR="91425" marL="91425" anchor="ctr">
@@ -16923,7 +16923,7 @@
             <a:tbl>
               <a:tblPr>
                 <a:noFill/>
-                <a:tableStyleId>{0576FB45-EF62-48CC-8DFD-9632D46107FF}</a:tableStyleId>
+                <a:tableStyleId>{23BF14DC-C99C-4E24-9781-51C683D49F72}</a:tableStyleId>
               </a:tblPr>
               <a:tblGrid>
                 <a:gridCol w="1280725"/>
@@ -19905,7 +19905,7 @@
             </a:pPr>
             <a:r>
               <a:rPr lang="en"/>
-              <a:t>© Copyright 2023 Dirk Riehle, some rights reserved</a:t>
+              <a:t>© Copyright 2024 Dirk Riehle, some rights reserved</a:t>
             </a:r>
             <a:endParaRPr/>
           </a:p>
@@ -20958,6 +20958,285 @@
 </file>
 
 <file path=ppt/theme/theme1.xml><?xml version="1.0" encoding="utf-8"?>
+<a:theme xmlns:a="http://schemas.openxmlformats.org/drawingml/2006/main" xmlns:r="http://schemas.openxmlformats.org/officeDocument/2006/relationships" name="AMOS Slides Template">
+  <a:themeElements>
+    <a:clrScheme name="Simple Light">
+      <a:dk1>
+        <a:srgbClr val="000000"/>
+      </a:dk1>
+      <a:lt1>
+        <a:srgbClr val="FFFFFF"/>
+      </a:lt1>
+      <a:dk2>
+        <a:srgbClr val="404040"/>
+      </a:dk2>
+      <a:lt2>
+        <a:srgbClr val="808080"/>
+      </a:lt2>
+      <a:accent1>
+        <a:srgbClr val="D0D0D0"/>
+      </a:accent1>
+      <a:accent2>
+        <a:srgbClr val="4169E1"/>
+      </a:accent2>
+      <a:accent3>
+        <a:srgbClr val="D50D01"/>
+      </a:accent3>
+      <a:accent4>
+        <a:srgbClr val="FEB612"/>
+      </a:accent4>
+      <a:accent5>
+        <a:srgbClr val="4CAF50"/>
+      </a:accent5>
+      <a:accent6>
+        <a:srgbClr val="8E44AD"/>
+      </a:accent6>
+      <a:hlink>
+        <a:srgbClr val="34A3C5"/>
+      </a:hlink>
+      <a:folHlink>
+        <a:srgbClr val="0097A7"/>
+      </a:folHlink>
+    </a:clrScheme>
+    <a:fontScheme name="Office">
+      <a:majorFont>
+        <a:latin typeface="Arial"/>
+        <a:ea typeface=""/>
+        <a:cs typeface=""/>
+        <a:font script="Jpan" typeface="ＭＳ Ｐゴシック"/>
+        <a:font script="Hang" typeface="맑은 고딕"/>
+        <a:font script="Hans" typeface="宋体"/>
+        <a:font script="Hant" typeface="新細明體"/>
+        <a:font script="Arab" typeface="Times New Roman"/>
+        <a:font script="Hebr" typeface="Times New Roman"/>
+        <a:font script="Thai" typeface="Angsana New"/>
+        <a:font script="Ethi" typeface="Nyala"/>
+        <a:font script="Beng" typeface="Vrinda"/>
+        <a:font script="Gujr" typeface="Shruti"/>
+        <a:font script="Khmr" typeface="MoolBoran"/>
+        <a:font script="Knda" typeface="Tunga"/>
+        <a:font script="Guru" typeface="Raavi"/>
+        <a:font script="Cans" typeface="Euphemia"/>
+        <a:font script="Cher" typeface="Plantagenet Cherokee"/>
+        <a:font script="Yiii" typeface="Microsoft Yi Baiti"/>
+        <a:font script="Tibt" typeface="Microsoft Himalaya"/>
+        <a:font script="Thaa" typeface="MV Boli"/>
+        <a:font script="Deva" typeface="Mangal"/>
+        <a:font script="Telu" typeface="Gautami"/>
+        <a:font script="Taml" typeface="Latha"/>
+        <a:font script="Syrc" typeface="Estrangelo Edessa"/>
+        <a:font script="Orya" typeface="Kalinga"/>
+        <a:font script="Mlym" typeface="Kartika"/>
+        <a:font script="Laoo" typeface="DokChampa"/>
+        <a:font script="Sinh" typeface="Iskoola Pota"/>
+        <a:font script="Mong" typeface="Mongolian Baiti"/>
+        <a:font script="Viet" typeface="Times New Roman"/>
+        <a:font script="Uigh" typeface="Microsoft Uighur"/>
+        <a:font script="Geor" typeface="Sylfaen"/>
+      </a:majorFont>
+      <a:minorFont>
+        <a:latin typeface="Arial"/>
+        <a:ea typeface=""/>
+        <a:cs typeface=""/>
+        <a:font script="Jpan" typeface="ＭＳ Ｐゴシック"/>
+        <a:font script="Hang" typeface="맑은 고딕"/>
+        <a:font script="Hans" typeface="宋体"/>
+        <a:font script="Hant" typeface="新細明體"/>
+        <a:font script="Arab" typeface="Arial"/>
+        <a:font script="Hebr" typeface="Arial"/>
+        <a:font script="Thai" typeface="Cordia New"/>
+        <a:font script="Ethi" typeface="Nyala"/>
+        <a:font script="Beng" typeface="Vrinda"/>
+        <a:font script="Gujr" typeface="Shruti"/>
+        <a:font script="Khmr" typeface="DaunPenh"/>
+        <a:font script="Knda" typeface="Tunga"/>
+        <a:font script="Guru" typeface="Raavi"/>
+        <a:font script="Cans" typeface="Euphemia"/>
+        <a:font script="Cher" typeface="Plantagenet Cherokee"/>
+        <a:font script="Yiii" typeface="Microsoft Yi Baiti"/>
+        <a:font script="Tibt" typeface="Microsoft Himalaya"/>
+        <a:font script="Thaa" typeface="MV Boli"/>
+        <a:font script="Deva" typeface="Mangal"/>
+        <a:font script="Telu" typeface="Gautami"/>
+        <a:font script="Taml" typeface="Latha"/>
+        <a:font script="Syrc" typeface="Estrangelo Edessa"/>
+        <a:font script="Orya" typeface="Kalinga"/>
+        <a:font script="Mlym" typeface="Kartika"/>
+        <a:font script="Laoo" typeface="DokChampa"/>
+        <a:font script="Sinh" typeface="Iskoola Pota"/>
+        <a:font script="Mong" typeface="Mongolian Baiti"/>
+        <a:font script="Viet" typeface="Arial"/>
+        <a:font script="Uigh" typeface="Microsoft Uighur"/>
+        <a:font script="Geor" typeface="Sylfaen"/>
+      </a:minorFont>
+    </a:fontScheme>
+    <a:fmtScheme name="Office">
+      <a:fillStyleLst>
+        <a:solidFill>
+          <a:schemeClr val="phClr"/>
+        </a:solidFill>
+        <a:gradFill rotWithShape="1">
+          <a:gsLst>
+            <a:gs pos="0">
+              <a:schemeClr val="phClr">
+                <a:tint val="50000"/>
+                <a:satMod val="300000"/>
+              </a:schemeClr>
+            </a:gs>
+            <a:gs pos="35000">
+              <a:schemeClr val="phClr">
+                <a:tint val="37000"/>
+                <a:satMod val="300000"/>
+              </a:schemeClr>
+            </a:gs>
+            <a:gs pos="100000">
+              <a:schemeClr val="phClr">
+                <a:tint val="15000"/>
+                <a:satMod val="350000"/>
+              </a:schemeClr>
+            </a:gs>
+          </a:gsLst>
+          <a:lin ang="16200000" scaled="1"/>
+        </a:gradFill>
+        <a:gradFill rotWithShape="1">
+          <a:gsLst>
+            <a:gs pos="0">
+              <a:schemeClr val="phClr">
+                <a:tint val="100000"/>
+                <a:shade val="100000"/>
+                <a:satMod val="130000"/>
+              </a:schemeClr>
+            </a:gs>
+            <a:gs pos="100000">
+              <a:schemeClr val="phClr">
+                <a:tint val="50000"/>
+                <a:shade val="100000"/>
+                <a:satMod val="350000"/>
+              </a:schemeClr>
+            </a:gs>
+          </a:gsLst>
+          <a:lin ang="16200000" scaled="0"/>
+        </a:gradFill>
+      </a:fillStyleLst>
+      <a:lnStyleLst>
+        <a:ln w="9525" cap="flat" cmpd="sng" algn="ctr">
+          <a:solidFill>
+            <a:schemeClr val="phClr">
+              <a:shade val="95000"/>
+              <a:satMod val="105000"/>
+            </a:schemeClr>
+          </a:solidFill>
+          <a:prstDash val="solid"/>
+        </a:ln>
+        <a:ln w="25400" cap="flat" cmpd="sng" algn="ctr">
+          <a:solidFill>
+            <a:schemeClr val="phClr"/>
+          </a:solidFill>
+          <a:prstDash val="solid"/>
+        </a:ln>
+        <a:ln w="38100" cap="flat" cmpd="sng" algn="ctr">
+          <a:solidFill>
+            <a:schemeClr val="phClr"/>
+          </a:solidFill>
+          <a:prstDash val="solid"/>
+        </a:ln>
+      </a:lnStyleLst>
+      <a:effectStyleLst>
+        <a:effectStyle>
+          <a:effectLst>
+            <a:outerShdw blurRad="40000" dist="20000" dir="5400000" rotWithShape="0">
+              <a:srgbClr val="000000">
+                <a:alpha val="38000"/>
+              </a:srgbClr>
+            </a:outerShdw>
+          </a:effectLst>
+        </a:effectStyle>
+        <a:effectStyle>
+          <a:effectLst>
+            <a:outerShdw blurRad="40000" dist="23000" dir="5400000" rotWithShape="0">
+              <a:srgbClr val="000000">
+                <a:alpha val="35000"/>
+              </a:srgbClr>
+            </a:outerShdw>
+          </a:effectLst>
+        </a:effectStyle>
+        <a:effectStyle>
+          <a:effectLst>
+            <a:outerShdw blurRad="40000" dist="23000" dir="5400000" rotWithShape="0">
+              <a:srgbClr val="000000">
+                <a:alpha val="35000"/>
+              </a:srgbClr>
+            </a:outerShdw>
+          </a:effectLst>
+          <a:scene3d>
+            <a:camera prst="orthographicFront">
+              <a:rot lat="0" lon="0" rev="0"/>
+            </a:camera>
+            <a:lightRig rig="threePt" dir="t">
+              <a:rot lat="0" lon="0" rev="1200000"/>
+            </a:lightRig>
+          </a:scene3d>
+          <a:sp3d>
+            <a:bevelT w="63500" h="25400"/>
+          </a:sp3d>
+        </a:effectStyle>
+      </a:effectStyleLst>
+      <a:bgFillStyleLst>
+        <a:solidFill>
+          <a:schemeClr val="phClr"/>
+        </a:solidFill>
+        <a:gradFill rotWithShape="1">
+          <a:gsLst>
+            <a:gs pos="0">
+              <a:schemeClr val="phClr">
+                <a:tint val="40000"/>
+                <a:satMod val="350000"/>
+              </a:schemeClr>
+            </a:gs>
+            <a:gs pos="40000">
+              <a:schemeClr val="phClr">
+                <a:tint val="45000"/>
+                <a:shade val="99000"/>
+                <a:satMod val="350000"/>
+              </a:schemeClr>
+            </a:gs>
+            <a:gs pos="100000">
+              <a:schemeClr val="phClr">
+                <a:shade val="20000"/>
+                <a:satMod val="255000"/>
+              </a:schemeClr>
+            </a:gs>
+          </a:gsLst>
+          <a:path path="circle">
+            <a:fillToRect l="50000" t="-80000" r="50000" b="180000"/>
+          </a:path>
+        </a:gradFill>
+        <a:gradFill rotWithShape="1">
+          <a:gsLst>
+            <a:gs pos="0">
+              <a:schemeClr val="phClr">
+                <a:tint val="80000"/>
+                <a:satMod val="300000"/>
+              </a:schemeClr>
+            </a:gs>
+            <a:gs pos="100000">
+              <a:schemeClr val="phClr">
+                <a:shade val="30000"/>
+                <a:satMod val="200000"/>
+              </a:schemeClr>
+            </a:gs>
+          </a:gsLst>
+          <a:path path="circle">
+            <a:fillToRect l="50000" t="50000" r="50000" b="50000"/>
+          </a:path>
+        </a:gradFill>
+      </a:bgFillStyleLst>
+    </a:fmtScheme>
+  </a:themeElements>
+</a:theme>
+</file>
+
+<file path=ppt/theme/theme2.xml><?xml version="1.0" encoding="utf-8"?>
 <a:theme xmlns:a="http://schemas.openxmlformats.org/drawingml/2006/main" xmlns:r="http://schemas.openxmlformats.org/officeDocument/2006/relationships">
   <a:themeElements>
     <a:clrScheme name="Default">
@@ -21234,283 +21513,4 @@
     </a:fmtScheme>
   </a:themeElements>
 </a:theme>
-</file>
-
-<file path=ppt/theme/theme2.xml><?xml version="1.0" encoding="utf-8"?>
-<a:theme xmlns:a="http://schemas.openxmlformats.org/drawingml/2006/main" xmlns:r="http://schemas.openxmlformats.org/officeDocument/2006/relationships" name="AMOS Slides Template">
-  <a:themeElements>
-    <a:clrScheme name="Simple Light">
-      <a:dk1>
-        <a:srgbClr val="000000"/>
-      </a:dk1>
-      <a:lt1>
-        <a:srgbClr val="FFFFFF"/>
-      </a:lt1>
-      <a:dk2>
-        <a:srgbClr val="404040"/>
-      </a:dk2>
-      <a:lt2>
-        <a:srgbClr val="808080"/>
-      </a:lt2>
-      <a:accent1>
-        <a:srgbClr val="D0D0D0"/>
-      </a:accent1>
-      <a:accent2>
-        <a:srgbClr val="4169E1"/>
-      </a:accent2>
-      <a:accent3>
-        <a:srgbClr val="D50D01"/>
-      </a:accent3>
-      <a:accent4>
-        <a:srgbClr val="FEB612"/>
-      </a:accent4>
-      <a:accent5>
-        <a:srgbClr val="4CAF50"/>
-      </a:accent5>
-      <a:accent6>
-        <a:srgbClr val="8E44AD"/>
-      </a:accent6>
-      <a:hlink>
-        <a:srgbClr val="34A3C5"/>
-      </a:hlink>
-      <a:folHlink>
-        <a:srgbClr val="0097A7"/>
-      </a:folHlink>
-    </a:clrScheme>
-    <a:fontScheme name="Office">
-      <a:majorFont>
-        <a:latin typeface="Arial"/>
-        <a:ea typeface=""/>
-        <a:cs typeface=""/>
-        <a:font script="Jpan" typeface="ＭＳ Ｐゴシック"/>
-        <a:font script="Hang" typeface="맑은 고딕"/>
-        <a:font script="Hans" typeface="宋体"/>
-        <a:font script="Hant" typeface="新細明體"/>
-        <a:font script="Arab" typeface="Times New Roman"/>
-        <a:font script="Hebr" typeface="Times New Roman"/>
-        <a:font script="Thai" typeface="Angsana New"/>
-        <a:font script="Ethi" typeface="Nyala"/>
-        <a:font script="Beng" typeface="Vrinda"/>
-        <a:font script="Gujr" typeface="Shruti"/>
-        <a:font script="Khmr" typeface="MoolBoran"/>
-        <a:font script="Knda" typeface="Tunga"/>
-        <a:font script="Guru" typeface="Raavi"/>
-        <a:font script="Cans" typeface="Euphemia"/>
-        <a:font script="Cher" typeface="Plantagenet Cherokee"/>
-        <a:font script="Yiii" typeface="Microsoft Yi Baiti"/>
-        <a:font script="Tibt" typeface="Microsoft Himalaya"/>
-        <a:font script="Thaa" typeface="MV Boli"/>
-        <a:font script="Deva" typeface="Mangal"/>
-        <a:font script="Telu" typeface="Gautami"/>
-        <a:font script="Taml" typeface="Latha"/>
-        <a:font script="Syrc" typeface="Estrangelo Edessa"/>
-        <a:font script="Orya" typeface="Kalinga"/>
-        <a:font script="Mlym" typeface="Kartika"/>
-        <a:font script="Laoo" typeface="DokChampa"/>
-        <a:font script="Sinh" typeface="Iskoola Pota"/>
-        <a:font script="Mong" typeface="Mongolian Baiti"/>
-        <a:font script="Viet" typeface="Times New Roman"/>
-        <a:font script="Uigh" typeface="Microsoft Uighur"/>
-        <a:font script="Geor" typeface="Sylfaen"/>
-      </a:majorFont>
-      <a:minorFont>
-        <a:latin typeface="Arial"/>
-        <a:ea typeface=""/>
-        <a:cs typeface=""/>
-        <a:font script="Jpan" typeface="ＭＳ Ｐゴシック"/>
-        <a:font script="Hang" typeface="맑은 고딕"/>
-        <a:font script="Hans" typeface="宋体"/>
-        <a:font script="Hant" typeface="新細明體"/>
-        <a:font script="Arab" typeface="Arial"/>
-        <a:font script="Hebr" typeface="Arial"/>
-        <a:font script="Thai" typeface="Cordia New"/>
-        <a:font script="Ethi" typeface="Nyala"/>
-        <a:font script="Beng" typeface="Vrinda"/>
-        <a:font script="Gujr" typeface="Shruti"/>
-        <a:font script="Khmr" typeface="DaunPenh"/>
-        <a:font script="Knda" typeface="Tunga"/>
-        <a:font script="Guru" typeface="Raavi"/>
-        <a:font script="Cans" typeface="Euphemia"/>
-        <a:font script="Cher" typeface="Plantagenet Cherokee"/>
-        <a:font script="Yiii" typeface="Microsoft Yi Baiti"/>
-        <a:font script="Tibt" typeface="Microsoft Himalaya"/>
-        <a:font script="Thaa" typeface="MV Boli"/>
-        <a:font script="Deva" typeface="Mangal"/>
-        <a:font script="Telu" typeface="Gautami"/>
-        <a:font script="Taml" typeface="Latha"/>
-        <a:font script="Syrc" typeface="Estrangelo Edessa"/>
-        <a:font script="Orya" typeface="Kalinga"/>
-        <a:font script="Mlym" typeface="Kartika"/>
-        <a:font script="Laoo" typeface="DokChampa"/>
-        <a:font script="Sinh" typeface="Iskoola Pota"/>
-        <a:font script="Mong" typeface="Mongolian Baiti"/>
-        <a:font script="Viet" typeface="Arial"/>
-        <a:font script="Uigh" typeface="Microsoft Uighur"/>
-        <a:font script="Geor" typeface="Sylfaen"/>
-      </a:minorFont>
-    </a:fontScheme>
-    <a:fmtScheme name="Office">
-      <a:fillStyleLst>
-        <a:solidFill>
-          <a:schemeClr val="phClr"/>
-        </a:solidFill>
-        <a:gradFill rotWithShape="1">
-          <a:gsLst>
-            <a:gs pos="0">
-              <a:schemeClr val="phClr">
-                <a:tint val="50000"/>
-                <a:satMod val="300000"/>
-              </a:schemeClr>
-            </a:gs>
-            <a:gs pos="35000">
-              <a:schemeClr val="phClr">
-                <a:tint val="37000"/>
-                <a:satMod val="300000"/>
-              </a:schemeClr>
-            </a:gs>
-            <a:gs pos="100000">
-              <a:schemeClr val="phClr">
-                <a:tint val="15000"/>
-                <a:satMod val="350000"/>
-              </a:schemeClr>
-            </a:gs>
-          </a:gsLst>
-          <a:lin ang="16200000" scaled="1"/>
-        </a:gradFill>
-        <a:gradFill rotWithShape="1">
-          <a:gsLst>
-            <a:gs pos="0">
-              <a:schemeClr val="phClr">
-                <a:tint val="100000"/>
-                <a:shade val="100000"/>
-                <a:satMod val="130000"/>
-              </a:schemeClr>
-            </a:gs>
-            <a:gs pos="100000">
-              <a:schemeClr val="phClr">
-                <a:tint val="50000"/>
-                <a:shade val="100000"/>
-                <a:satMod val="350000"/>
-              </a:schemeClr>
-            </a:gs>
-          </a:gsLst>
-          <a:lin ang="16200000" scaled="0"/>
-        </a:gradFill>
-      </a:fillStyleLst>
-      <a:lnStyleLst>
-        <a:ln w="9525" cap="flat" cmpd="sng" algn="ctr">
-          <a:solidFill>
-            <a:schemeClr val="phClr">
-              <a:shade val="95000"/>
-              <a:satMod val="105000"/>
-            </a:schemeClr>
-          </a:solidFill>
-          <a:prstDash val="solid"/>
-        </a:ln>
-        <a:ln w="25400" cap="flat" cmpd="sng" algn="ctr">
-          <a:solidFill>
-            <a:schemeClr val="phClr"/>
-          </a:solidFill>
-          <a:prstDash val="solid"/>
-        </a:ln>
-        <a:ln w="38100" cap="flat" cmpd="sng" algn="ctr">
-          <a:solidFill>
-            <a:schemeClr val="phClr"/>
-          </a:solidFill>
-          <a:prstDash val="solid"/>
-        </a:ln>
-      </a:lnStyleLst>
-      <a:effectStyleLst>
-        <a:effectStyle>
-          <a:effectLst>
-            <a:outerShdw blurRad="40000" dist="20000" dir="5400000" rotWithShape="0">
-              <a:srgbClr val="000000">
-                <a:alpha val="38000"/>
-              </a:srgbClr>
-            </a:outerShdw>
-          </a:effectLst>
-        </a:effectStyle>
-        <a:effectStyle>
-          <a:effectLst>
-            <a:outerShdw blurRad="40000" dist="23000" dir="5400000" rotWithShape="0">
-              <a:srgbClr val="000000">
-                <a:alpha val="35000"/>
-              </a:srgbClr>
-            </a:outerShdw>
-          </a:effectLst>
-        </a:effectStyle>
-        <a:effectStyle>
-          <a:effectLst>
-            <a:outerShdw blurRad="40000" dist="23000" dir="5400000" rotWithShape="0">
-              <a:srgbClr val="000000">
-                <a:alpha val="35000"/>
-              </a:srgbClr>
-            </a:outerShdw>
-          </a:effectLst>
-          <a:scene3d>
-            <a:camera prst="orthographicFront">
-              <a:rot lat="0" lon="0" rev="0"/>
-            </a:camera>
-            <a:lightRig rig="threePt" dir="t">
-              <a:rot lat="0" lon="0" rev="1200000"/>
-            </a:lightRig>
-          </a:scene3d>
-          <a:sp3d>
-            <a:bevelT w="63500" h="25400"/>
-          </a:sp3d>
-        </a:effectStyle>
-      </a:effectStyleLst>
-      <a:bgFillStyleLst>
-        <a:solidFill>
-          <a:schemeClr val="phClr"/>
-        </a:solidFill>
-        <a:gradFill rotWithShape="1">
-          <a:gsLst>
-            <a:gs pos="0">
-              <a:schemeClr val="phClr">
-                <a:tint val="40000"/>
-                <a:satMod val="350000"/>
-              </a:schemeClr>
-            </a:gs>
-            <a:gs pos="40000">
-              <a:schemeClr val="phClr">
-                <a:tint val="45000"/>
-                <a:shade val="99000"/>
-                <a:satMod val="350000"/>
-              </a:schemeClr>
-            </a:gs>
-            <a:gs pos="100000">
-              <a:schemeClr val="phClr">
-                <a:shade val="20000"/>
-                <a:satMod val="255000"/>
-              </a:schemeClr>
-            </a:gs>
-          </a:gsLst>
-          <a:path path="circle">
-            <a:fillToRect l="50000" t="-80000" r="50000" b="180000"/>
-          </a:path>
-        </a:gradFill>
-        <a:gradFill rotWithShape="1">
-          <a:gsLst>
-            <a:gs pos="0">
-              <a:schemeClr val="phClr">
-                <a:tint val="80000"/>
-                <a:satMod val="300000"/>
-              </a:schemeClr>
-            </a:gs>
-            <a:gs pos="100000">
-              <a:schemeClr val="phClr">
-                <a:shade val="30000"/>
-                <a:satMod val="200000"/>
-              </a:schemeClr>
-            </a:gs>
-          </a:gsLst>
-          <a:path path="circle">
-            <a:fillToRect l="50000" t="50000" r="50000" b="50000"/>
-          </a:path>
-        </a:gradFill>
-      </a:bgFillStyleLst>
-    </a:fmtScheme>
-  </a:themeElements>
-</a:theme>
 </file>
--- a/Lecture slides/AMOS B02 - Scrum and AMOS.pptx
+++ b/Lecture slides/AMOS B02 - Scrum and AMOS.pptx
@@ -5509,148 +5509,6 @@
       <p:sp>
         <p:nvSpPr>
           <p:cNvPr id="19" name="Google Shape;19;p4"/>
-          <p:cNvSpPr txBox="1"/>
-          <p:nvPr>
-            <p:ph idx="12" type="sldNum"/>
-          </p:nvPr>
-        </p:nvSpPr>
-        <p:spPr>
-          <a:xfrm>
-            <a:off x="7315202" y="4416550"/>
-            <a:ext cx="1828800" cy="731400"/>
-          </a:xfrm>
-          <a:prstGeom prst="rect">
-            <a:avLst/>
-          </a:prstGeom>
-        </p:spPr>
-        <p:txBody>
-          <a:bodyPr anchorCtr="0" anchor="b" bIns="91425" lIns="91425" spcFirstLastPara="1" rIns="91425" wrap="square" tIns="91425">
-            <a:noAutofit/>
-          </a:bodyPr>
-          <a:lstStyle>
-            <a:lvl1pPr lvl="0">
-              <a:buNone/>
-              <a:defRPr>
-                <a:solidFill>
-                  <a:schemeClr val="dk1"/>
-                </a:solidFill>
-              </a:defRPr>
-            </a:lvl1pPr>
-            <a:lvl2pPr lvl="1">
-              <a:buNone/>
-              <a:defRPr>
-                <a:solidFill>
-                  <a:schemeClr val="dk1"/>
-                </a:solidFill>
-              </a:defRPr>
-            </a:lvl2pPr>
-            <a:lvl3pPr lvl="2">
-              <a:buNone/>
-              <a:defRPr>
-                <a:solidFill>
-                  <a:schemeClr val="dk1"/>
-                </a:solidFill>
-              </a:defRPr>
-            </a:lvl3pPr>
-            <a:lvl4pPr lvl="3">
-              <a:buNone/>
-              <a:defRPr>
-                <a:solidFill>
-                  <a:schemeClr val="dk1"/>
-                </a:solidFill>
-              </a:defRPr>
-            </a:lvl4pPr>
-            <a:lvl5pPr lvl="4">
-              <a:buNone/>
-              <a:defRPr>
-                <a:solidFill>
-                  <a:schemeClr val="dk1"/>
-                </a:solidFill>
-              </a:defRPr>
-            </a:lvl5pPr>
-            <a:lvl6pPr lvl="5">
-              <a:buNone/>
-              <a:defRPr>
-                <a:solidFill>
-                  <a:schemeClr val="dk1"/>
-                </a:solidFill>
-              </a:defRPr>
-            </a:lvl6pPr>
-            <a:lvl7pPr lvl="6">
-              <a:buNone/>
-              <a:defRPr>
-                <a:solidFill>
-                  <a:schemeClr val="dk1"/>
-                </a:solidFill>
-              </a:defRPr>
-            </a:lvl7pPr>
-            <a:lvl8pPr lvl="7">
-              <a:buNone/>
-              <a:defRPr>
-                <a:solidFill>
-                  <a:schemeClr val="dk1"/>
-                </a:solidFill>
-              </a:defRPr>
-            </a:lvl8pPr>
-            <a:lvl9pPr lvl="8">
-              <a:buNone/>
-              <a:defRPr>
-                <a:solidFill>
-                  <a:schemeClr val="dk1"/>
-                </a:solidFill>
-              </a:defRPr>
-            </a:lvl9pPr>
-          </a:lstStyle>
-          <a:p>
-            <a:pPr indent="0" lvl="0" marL="0" rtl="0" algn="r">
-              <a:spcBef>
-                <a:spcPts val="0"/>
-              </a:spcBef>
-              <a:spcAft>
-                <a:spcPts val="0"/>
-              </a:spcAft>
-              <a:buNone/>
-            </a:pPr>
-            <a:fld id="{00000000-1234-1234-1234-123412341234}" type="slidenum">
-              <a:rPr lang="en"/>
-              <a:t>‹#›</a:t>
-            </a:fld>
-            <a:endParaRPr/>
-          </a:p>
-          <a:p>
-            <a:pPr indent="0" lvl="0" marL="0" rtl="0" algn="r">
-              <a:spcBef>
-                <a:spcPts val="0"/>
-              </a:spcBef>
-              <a:spcAft>
-                <a:spcPts val="0"/>
-              </a:spcAft>
-              <a:buNone/>
-            </a:pPr>
-            <a:r>
-              <a:rPr b="0" lang="en" sz="900" u="sng">
-                <a:solidFill>
-                  <a:schemeClr val="hlink"/>
-                </a:solidFill>
-                <a:hlinkClick r:id="rId2"/>
-              </a:rPr>
-              <a:t>https://profriehle.com</a:t>
-            </a:r>
-            <a:r>
-              <a:rPr b="0" lang="en" sz="900">
-                <a:solidFill>
-                  <a:schemeClr val="dk2"/>
-                </a:solidFill>
-              </a:rPr>
-              <a:t> </a:t>
-            </a:r>
-            <a:endParaRPr/>
-          </a:p>
-        </p:txBody>
-      </p:sp>
-      <p:sp>
-        <p:nvSpPr>
-          <p:cNvPr id="20" name="Google Shape;20;p4"/>
           <p:cNvSpPr/>
           <p:nvPr/>
         </p:nvSpPr>
@@ -5692,6 +5550,147 @@
                 <a:schemeClr val="dk1"/>
               </a:solidFill>
             </a:endParaRPr>
+          </a:p>
+        </p:txBody>
+      </p:sp>
+      <p:sp>
+        <p:nvSpPr>
+          <p:cNvPr id="20" name="Google Shape;20;p4"/>
+          <p:cNvSpPr txBox="1"/>
+          <p:nvPr>
+            <p:ph idx="12" type="sldNum"/>
+          </p:nvPr>
+        </p:nvSpPr>
+        <p:spPr>
+          <a:xfrm>
+            <a:off x="7315202" y="4229100"/>
+            <a:ext cx="1828800" cy="914400"/>
+          </a:xfrm>
+          <a:prstGeom prst="rect">
+            <a:avLst/>
+          </a:prstGeom>
+          <a:ln>
+            <a:noFill/>
+          </a:ln>
+        </p:spPr>
+        <p:txBody>
+          <a:bodyPr anchorCtr="0" anchor="b" bIns="91425" lIns="91425" spcFirstLastPara="1" rIns="91425" wrap="square" tIns="91425">
+            <a:noAutofit/>
+          </a:bodyPr>
+          <a:lstStyle>
+            <a:lvl1pPr lvl="0" rtl="0" algn="r">
+              <a:buNone/>
+              <a:defRPr b="1" sz="2400">
+                <a:solidFill>
+                  <a:schemeClr val="dk2"/>
+                </a:solidFill>
+              </a:defRPr>
+            </a:lvl1pPr>
+            <a:lvl2pPr lvl="1" rtl="0" algn="r">
+              <a:buNone/>
+              <a:defRPr b="1" sz="2400">
+                <a:solidFill>
+                  <a:schemeClr val="dk2"/>
+                </a:solidFill>
+              </a:defRPr>
+            </a:lvl2pPr>
+            <a:lvl3pPr lvl="2" rtl="0" algn="r">
+              <a:buNone/>
+              <a:defRPr b="1" sz="2400">
+                <a:solidFill>
+                  <a:schemeClr val="dk2"/>
+                </a:solidFill>
+              </a:defRPr>
+            </a:lvl3pPr>
+            <a:lvl4pPr lvl="3" rtl="0" algn="r">
+              <a:buNone/>
+              <a:defRPr b="1" sz="2400">
+                <a:solidFill>
+                  <a:schemeClr val="dk2"/>
+                </a:solidFill>
+              </a:defRPr>
+            </a:lvl4pPr>
+            <a:lvl5pPr lvl="4" rtl="0" algn="r">
+              <a:buNone/>
+              <a:defRPr b="1" sz="2400">
+                <a:solidFill>
+                  <a:schemeClr val="dk2"/>
+                </a:solidFill>
+              </a:defRPr>
+            </a:lvl5pPr>
+            <a:lvl6pPr lvl="5" rtl="0" algn="r">
+              <a:buNone/>
+              <a:defRPr b="1" sz="2400">
+                <a:solidFill>
+                  <a:schemeClr val="dk2"/>
+                </a:solidFill>
+              </a:defRPr>
+            </a:lvl6pPr>
+            <a:lvl7pPr lvl="6" rtl="0" algn="r">
+              <a:buNone/>
+              <a:defRPr b="1" sz="2400">
+                <a:solidFill>
+                  <a:schemeClr val="dk2"/>
+                </a:solidFill>
+              </a:defRPr>
+            </a:lvl7pPr>
+            <a:lvl8pPr lvl="7" rtl="0" algn="r">
+              <a:buNone/>
+              <a:defRPr b="1" sz="2400">
+                <a:solidFill>
+                  <a:schemeClr val="dk2"/>
+                </a:solidFill>
+              </a:defRPr>
+            </a:lvl8pPr>
+            <a:lvl9pPr lvl="8" rtl="0" algn="r">
+              <a:buNone/>
+              <a:defRPr b="1" sz="2400">
+                <a:solidFill>
+                  <a:schemeClr val="dk2"/>
+                </a:solidFill>
+              </a:defRPr>
+            </a:lvl9pPr>
+          </a:lstStyle>
+          <a:p>
+            <a:pPr indent="0" lvl="0" marL="0" rtl="0" algn="r">
+              <a:spcBef>
+                <a:spcPts val="0"/>
+              </a:spcBef>
+              <a:spcAft>
+                <a:spcPts val="0"/>
+              </a:spcAft>
+              <a:buNone/>
+            </a:pPr>
+            <a:fld id="{00000000-1234-1234-1234-123412341234}" type="slidenum">
+              <a:rPr lang="en"/>
+              <a:t>‹#›</a:t>
+            </a:fld>
+            <a:endParaRPr/>
+          </a:p>
+          <a:p>
+            <a:pPr indent="0" lvl="0" marL="0" rtl="0" algn="r">
+              <a:spcBef>
+                <a:spcPts val="0"/>
+              </a:spcBef>
+              <a:spcAft>
+                <a:spcPts val="0"/>
+              </a:spcAft>
+              <a:buNone/>
+            </a:pPr>
+            <a:r>
+              <a:rPr b="0" lang="en" sz="900" u="sng">
+                <a:solidFill>
+                  <a:schemeClr val="hlink"/>
+                </a:solidFill>
+                <a:hlinkClick r:id="rId2"/>
+              </a:rPr>
+              <a:t>uni1.de/amos</a:t>
+            </a:r>
+            <a:r>
+              <a:rPr b="0" lang="en" sz="900"/>
+              <a:t> </a:t>
+            </a:r>
+            <a:endParaRPr b="0" sz="900"/>
           </a:p>
         </p:txBody>
       </p:sp>
@@ -6101,148 +6100,6 @@
       <p:sp>
         <p:nvSpPr>
           <p:cNvPr id="25" name="Google Shape;25;p5"/>
-          <p:cNvSpPr txBox="1"/>
-          <p:nvPr>
-            <p:ph idx="12" type="sldNum"/>
-          </p:nvPr>
-        </p:nvSpPr>
-        <p:spPr>
-          <a:xfrm>
-            <a:off x="7315202" y="4416550"/>
-            <a:ext cx="1828800" cy="731400"/>
-          </a:xfrm>
-          <a:prstGeom prst="rect">
-            <a:avLst/>
-          </a:prstGeom>
-        </p:spPr>
-        <p:txBody>
-          <a:bodyPr anchorCtr="0" anchor="b" bIns="91425" lIns="91425" spcFirstLastPara="1" rIns="91425" wrap="square" tIns="91425">
-            <a:noAutofit/>
-          </a:bodyPr>
-          <a:lstStyle>
-            <a:lvl1pPr lvl="0">
-              <a:buNone/>
-              <a:defRPr>
-                <a:solidFill>
-                  <a:schemeClr val="dk1"/>
-                </a:solidFill>
-              </a:defRPr>
-            </a:lvl1pPr>
-            <a:lvl2pPr lvl="1">
-              <a:buNone/>
-              <a:defRPr>
-                <a:solidFill>
-                  <a:schemeClr val="dk1"/>
-                </a:solidFill>
-              </a:defRPr>
-            </a:lvl2pPr>
-            <a:lvl3pPr lvl="2">
-              <a:buNone/>
-              <a:defRPr>
-                <a:solidFill>
-                  <a:schemeClr val="dk1"/>
-                </a:solidFill>
-              </a:defRPr>
-            </a:lvl3pPr>
-            <a:lvl4pPr lvl="3">
-              <a:buNone/>
-              <a:defRPr>
-                <a:solidFill>
-                  <a:schemeClr val="dk1"/>
-                </a:solidFill>
-              </a:defRPr>
-            </a:lvl4pPr>
-            <a:lvl5pPr lvl="4">
-              <a:buNone/>
-              <a:defRPr>
-                <a:solidFill>
-                  <a:schemeClr val="dk1"/>
-                </a:solidFill>
-              </a:defRPr>
-            </a:lvl5pPr>
-            <a:lvl6pPr lvl="5">
-              <a:buNone/>
-              <a:defRPr>
-                <a:solidFill>
-                  <a:schemeClr val="dk1"/>
-                </a:solidFill>
-              </a:defRPr>
-            </a:lvl6pPr>
-            <a:lvl7pPr lvl="6">
-              <a:buNone/>
-              <a:defRPr>
-                <a:solidFill>
-                  <a:schemeClr val="dk1"/>
-                </a:solidFill>
-              </a:defRPr>
-            </a:lvl7pPr>
-            <a:lvl8pPr lvl="7">
-              <a:buNone/>
-              <a:defRPr>
-                <a:solidFill>
-                  <a:schemeClr val="dk1"/>
-                </a:solidFill>
-              </a:defRPr>
-            </a:lvl8pPr>
-            <a:lvl9pPr lvl="8">
-              <a:buNone/>
-              <a:defRPr>
-                <a:solidFill>
-                  <a:schemeClr val="dk1"/>
-                </a:solidFill>
-              </a:defRPr>
-            </a:lvl9pPr>
-          </a:lstStyle>
-          <a:p>
-            <a:pPr indent="0" lvl="0" marL="0" rtl="0" algn="r">
-              <a:spcBef>
-                <a:spcPts val="0"/>
-              </a:spcBef>
-              <a:spcAft>
-                <a:spcPts val="0"/>
-              </a:spcAft>
-              <a:buNone/>
-            </a:pPr>
-            <a:fld id="{00000000-1234-1234-1234-123412341234}" type="slidenum">
-              <a:rPr lang="en"/>
-              <a:t>‹#›</a:t>
-            </a:fld>
-            <a:endParaRPr/>
-          </a:p>
-          <a:p>
-            <a:pPr indent="0" lvl="0" marL="0" rtl="0" algn="r">
-              <a:spcBef>
-                <a:spcPts val="0"/>
-              </a:spcBef>
-              <a:spcAft>
-                <a:spcPts val="0"/>
-              </a:spcAft>
-              <a:buNone/>
-            </a:pPr>
-            <a:r>
-              <a:rPr b="0" lang="en" sz="900" u="sng">
-                <a:solidFill>
-                  <a:schemeClr val="hlink"/>
-                </a:solidFill>
-                <a:hlinkClick r:id="rId2"/>
-              </a:rPr>
-              <a:t>https://profriehle.com</a:t>
-            </a:r>
-            <a:r>
-              <a:rPr b="0" lang="en" sz="900">
-                <a:solidFill>
-                  <a:schemeClr val="dk2"/>
-                </a:solidFill>
-              </a:rPr>
-              <a:t> </a:t>
-            </a:r>
-            <a:endParaRPr/>
-          </a:p>
-        </p:txBody>
-      </p:sp>
-      <p:sp>
-        <p:nvSpPr>
-          <p:cNvPr id="26" name="Google Shape;26;p5"/>
           <p:cNvSpPr/>
           <p:nvPr/>
         </p:nvSpPr>
@@ -6284,6 +6141,147 @@
                 <a:schemeClr val="dk1"/>
               </a:solidFill>
             </a:endParaRPr>
+          </a:p>
+        </p:txBody>
+      </p:sp>
+      <p:sp>
+        <p:nvSpPr>
+          <p:cNvPr id="26" name="Google Shape;26;p5"/>
+          <p:cNvSpPr txBox="1"/>
+          <p:nvPr>
+            <p:ph idx="12" type="sldNum"/>
+          </p:nvPr>
+        </p:nvSpPr>
+        <p:spPr>
+          <a:xfrm>
+            <a:off x="7315202" y="4229100"/>
+            <a:ext cx="1828800" cy="914400"/>
+          </a:xfrm>
+          <a:prstGeom prst="rect">
+            <a:avLst/>
+          </a:prstGeom>
+          <a:ln>
+            <a:noFill/>
+          </a:ln>
+        </p:spPr>
+        <p:txBody>
+          <a:bodyPr anchorCtr="0" anchor="b" bIns="91425" lIns="91425" spcFirstLastPara="1" rIns="91425" wrap="square" tIns="91425">
+            <a:noAutofit/>
+          </a:bodyPr>
+          <a:lstStyle>
+            <a:lvl1pPr lvl="0" rtl="0" algn="r">
+              <a:buNone/>
+              <a:defRPr b="1" sz="2400">
+                <a:solidFill>
+                  <a:schemeClr val="dk2"/>
+                </a:solidFill>
+              </a:defRPr>
+            </a:lvl1pPr>
+            <a:lvl2pPr lvl="1" rtl="0" algn="r">
+              <a:buNone/>
+              <a:defRPr b="1" sz="2400">
+                <a:solidFill>
+                  <a:schemeClr val="dk2"/>
+                </a:solidFill>
+              </a:defRPr>
+            </a:lvl2pPr>
+            <a:lvl3pPr lvl="2" rtl="0" algn="r">
+              <a:buNone/>
+              <a:defRPr b="1" sz="2400">
+                <a:solidFill>
+                  <a:schemeClr val="dk2"/>
+                </a:solidFill>
+              </a:defRPr>
+            </a:lvl3pPr>
+            <a:lvl4pPr lvl="3" rtl="0" algn="r">
+              <a:buNone/>
+              <a:defRPr b="1" sz="2400">
+                <a:solidFill>
+                  <a:schemeClr val="dk2"/>
+                </a:solidFill>
+              </a:defRPr>
+            </a:lvl4pPr>
+            <a:lvl5pPr lvl="4" rtl="0" algn="r">
+              <a:buNone/>
+              <a:defRPr b="1" sz="2400">
+                <a:solidFill>
+                  <a:schemeClr val="dk2"/>
+                </a:solidFill>
+              </a:defRPr>
+            </a:lvl5pPr>
+            <a:lvl6pPr lvl="5" rtl="0" algn="r">
+              <a:buNone/>
+              <a:defRPr b="1" sz="2400">
+                <a:solidFill>
+                  <a:schemeClr val="dk2"/>
+                </a:solidFill>
+              </a:defRPr>
+            </a:lvl6pPr>
+            <a:lvl7pPr lvl="6" rtl="0" algn="r">
+              <a:buNone/>
+              <a:defRPr b="1" sz="2400">
+                <a:solidFill>
+                  <a:schemeClr val="dk2"/>
+                </a:solidFill>
+              </a:defRPr>
+            </a:lvl7pPr>
+            <a:lvl8pPr lvl="7" rtl="0" algn="r">
+              <a:buNone/>
+              <a:defRPr b="1" sz="2400">
+                <a:solidFill>
+                  <a:schemeClr val="dk2"/>
+                </a:solidFill>
+              </a:defRPr>
+            </a:lvl8pPr>
+            <a:lvl9pPr lvl="8" rtl="0" algn="r">
+              <a:buNone/>
+              <a:defRPr b="1" sz="2400">
+                <a:solidFill>
+                  <a:schemeClr val="dk2"/>
+                </a:solidFill>
+              </a:defRPr>
+            </a:lvl9pPr>
+          </a:lstStyle>
+          <a:p>
+            <a:pPr indent="0" lvl="0" marL="0" rtl="0" algn="r">
+              <a:spcBef>
+                <a:spcPts val="0"/>
+              </a:spcBef>
+              <a:spcAft>
+                <a:spcPts val="0"/>
+              </a:spcAft>
+              <a:buNone/>
+            </a:pPr>
+            <a:fld id="{00000000-1234-1234-1234-123412341234}" type="slidenum">
+              <a:rPr lang="en"/>
+              <a:t>‹#›</a:t>
+            </a:fld>
+            <a:endParaRPr/>
+          </a:p>
+          <a:p>
+            <a:pPr indent="0" lvl="0" marL="0" rtl="0" algn="r">
+              <a:spcBef>
+                <a:spcPts val="0"/>
+              </a:spcBef>
+              <a:spcAft>
+                <a:spcPts val="0"/>
+              </a:spcAft>
+              <a:buNone/>
+            </a:pPr>
+            <a:r>
+              <a:rPr b="0" lang="en" sz="900" u="sng">
+                <a:solidFill>
+                  <a:schemeClr val="hlink"/>
+                </a:solidFill>
+                <a:hlinkClick r:id="rId2"/>
+              </a:rPr>
+              <a:t>uni1.de/amos</a:t>
+            </a:r>
+            <a:r>
+              <a:rPr b="0" lang="en" sz="900"/>
+              <a:t> </a:t>
+            </a:r>
+            <a:endParaRPr b="0" sz="900"/>
           </a:p>
         </p:txBody>
       </p:sp>
@@ -6440,148 +6438,6 @@
       <p:sp>
         <p:nvSpPr>
           <p:cNvPr id="29" name="Google Shape;29;p6"/>
-          <p:cNvSpPr txBox="1"/>
-          <p:nvPr>
-            <p:ph idx="12" type="sldNum"/>
-          </p:nvPr>
-        </p:nvSpPr>
-        <p:spPr>
-          <a:xfrm>
-            <a:off x="7315202" y="4416550"/>
-            <a:ext cx="1828800" cy="731400"/>
-          </a:xfrm>
-          <a:prstGeom prst="rect">
-            <a:avLst/>
-          </a:prstGeom>
-        </p:spPr>
-        <p:txBody>
-          <a:bodyPr anchorCtr="0" anchor="b" bIns="91425" lIns="91425" spcFirstLastPara="1" rIns="91425" wrap="square" tIns="91425">
-            <a:noAutofit/>
-          </a:bodyPr>
-          <a:lstStyle>
-            <a:lvl1pPr lvl="0">
-              <a:buNone/>
-              <a:defRPr>
-                <a:solidFill>
-                  <a:schemeClr val="dk1"/>
-                </a:solidFill>
-              </a:defRPr>
-            </a:lvl1pPr>
-            <a:lvl2pPr lvl="1">
-              <a:buNone/>
-              <a:defRPr>
-                <a:solidFill>
-                  <a:schemeClr val="dk1"/>
-                </a:solidFill>
-              </a:defRPr>
-            </a:lvl2pPr>
-            <a:lvl3pPr lvl="2">
-              <a:buNone/>
-              <a:defRPr>
-                <a:solidFill>
-                  <a:schemeClr val="dk1"/>
-                </a:solidFill>
-              </a:defRPr>
-            </a:lvl3pPr>
-            <a:lvl4pPr lvl="3">
-              <a:buNone/>
-              <a:defRPr>
-                <a:solidFill>
-                  <a:schemeClr val="dk1"/>
-                </a:solidFill>
-              </a:defRPr>
-            </a:lvl4pPr>
-            <a:lvl5pPr lvl="4">
-              <a:buNone/>
-              <a:defRPr>
-                <a:solidFill>
-                  <a:schemeClr val="dk1"/>
-                </a:solidFill>
-              </a:defRPr>
-            </a:lvl5pPr>
-            <a:lvl6pPr lvl="5">
-              <a:buNone/>
-              <a:defRPr>
-                <a:solidFill>
-                  <a:schemeClr val="dk1"/>
-                </a:solidFill>
-              </a:defRPr>
-            </a:lvl6pPr>
-            <a:lvl7pPr lvl="6">
-              <a:buNone/>
-              <a:defRPr>
-                <a:solidFill>
-                  <a:schemeClr val="dk1"/>
-                </a:solidFill>
-              </a:defRPr>
-            </a:lvl7pPr>
-            <a:lvl8pPr lvl="7">
-              <a:buNone/>
-              <a:defRPr>
-                <a:solidFill>
-                  <a:schemeClr val="dk1"/>
-                </a:solidFill>
-              </a:defRPr>
-            </a:lvl8pPr>
-            <a:lvl9pPr lvl="8">
-              <a:buNone/>
-              <a:defRPr>
-                <a:solidFill>
-                  <a:schemeClr val="dk1"/>
-                </a:solidFill>
-              </a:defRPr>
-            </a:lvl9pPr>
-          </a:lstStyle>
-          <a:p>
-            <a:pPr indent="0" lvl="0" marL="0" rtl="0" algn="r">
-              <a:spcBef>
-                <a:spcPts val="0"/>
-              </a:spcBef>
-              <a:spcAft>
-                <a:spcPts val="0"/>
-              </a:spcAft>
-              <a:buNone/>
-            </a:pPr>
-            <a:fld id="{00000000-1234-1234-1234-123412341234}" type="slidenum">
-              <a:rPr lang="en"/>
-              <a:t>‹#›</a:t>
-            </a:fld>
-            <a:endParaRPr/>
-          </a:p>
-          <a:p>
-            <a:pPr indent="0" lvl="0" marL="0" rtl="0" algn="r">
-              <a:spcBef>
-                <a:spcPts val="0"/>
-              </a:spcBef>
-              <a:spcAft>
-                <a:spcPts val="0"/>
-              </a:spcAft>
-              <a:buNone/>
-            </a:pPr>
-            <a:r>
-              <a:rPr b="0" lang="en" sz="900" u="sng">
-                <a:solidFill>
-                  <a:schemeClr val="hlink"/>
-                </a:solidFill>
-                <a:hlinkClick r:id="rId2"/>
-              </a:rPr>
-              <a:t>https://profriehle.com</a:t>
-            </a:r>
-            <a:r>
-              <a:rPr b="0" lang="en" sz="900">
-                <a:solidFill>
-                  <a:schemeClr val="dk2"/>
-                </a:solidFill>
-              </a:rPr>
-              <a:t> </a:t>
-            </a:r>
-            <a:endParaRPr/>
-          </a:p>
-        </p:txBody>
-      </p:sp>
-      <p:sp>
-        <p:nvSpPr>
-          <p:cNvPr id="30" name="Google Shape;30;p6"/>
           <p:cNvSpPr/>
           <p:nvPr/>
         </p:nvSpPr>
@@ -6619,6 +6475,147 @@
               <a:t/>
             </a:r>
             <a:endParaRPr/>
+          </a:p>
+        </p:txBody>
+      </p:sp>
+      <p:sp>
+        <p:nvSpPr>
+          <p:cNvPr id="30" name="Google Shape;30;p6"/>
+          <p:cNvSpPr txBox="1"/>
+          <p:nvPr>
+            <p:ph idx="12" type="sldNum"/>
+          </p:nvPr>
+        </p:nvSpPr>
+        <p:spPr>
+          <a:xfrm>
+            <a:off x="7315202" y="4229100"/>
+            <a:ext cx="1828800" cy="914400"/>
+          </a:xfrm>
+          <a:prstGeom prst="rect">
+            <a:avLst/>
+          </a:prstGeom>
+          <a:ln>
+            <a:noFill/>
+          </a:ln>
+        </p:spPr>
+        <p:txBody>
+          <a:bodyPr anchorCtr="0" anchor="b" bIns="91425" lIns="91425" spcFirstLastPara="1" rIns="91425" wrap="square" tIns="91425">
+            <a:noAutofit/>
+          </a:bodyPr>
+          <a:lstStyle>
+            <a:lvl1pPr lvl="0" rtl="0" algn="r">
+              <a:buNone/>
+              <a:defRPr b="1" sz="2400">
+                <a:solidFill>
+                  <a:schemeClr val="dk2"/>
+                </a:solidFill>
+              </a:defRPr>
+            </a:lvl1pPr>
+            <a:lvl2pPr lvl="1" rtl="0" algn="r">
+              <a:buNone/>
+              <a:defRPr b="1" sz="2400">
+                <a:solidFill>
+                  <a:schemeClr val="dk2"/>
+                </a:solidFill>
+              </a:defRPr>
+            </a:lvl2pPr>
+            <a:lvl3pPr lvl="2" rtl="0" algn="r">
+              <a:buNone/>
+              <a:defRPr b="1" sz="2400">
+                <a:solidFill>
+                  <a:schemeClr val="dk2"/>
+                </a:solidFill>
+              </a:defRPr>
+            </a:lvl3pPr>
+            <a:lvl4pPr lvl="3" rtl="0" algn="r">
+              <a:buNone/>
+              <a:defRPr b="1" sz="2400">
+                <a:solidFill>
+                  <a:schemeClr val="dk2"/>
+                </a:solidFill>
+              </a:defRPr>
+            </a:lvl4pPr>
+            <a:lvl5pPr lvl="4" rtl="0" algn="r">
+              <a:buNone/>
+              <a:defRPr b="1" sz="2400">
+                <a:solidFill>
+                  <a:schemeClr val="dk2"/>
+                </a:solidFill>
+              </a:defRPr>
+            </a:lvl5pPr>
+            <a:lvl6pPr lvl="5" rtl="0" algn="r">
+              <a:buNone/>
+              <a:defRPr b="1" sz="2400">
+                <a:solidFill>
+                  <a:schemeClr val="dk2"/>
+                </a:solidFill>
+              </a:defRPr>
+            </a:lvl6pPr>
+            <a:lvl7pPr lvl="6" rtl="0" algn="r">
+              <a:buNone/>
+              <a:defRPr b="1" sz="2400">
+                <a:solidFill>
+                  <a:schemeClr val="dk2"/>
+                </a:solidFill>
+              </a:defRPr>
+            </a:lvl7pPr>
+            <a:lvl8pPr lvl="7" rtl="0" algn="r">
+              <a:buNone/>
+              <a:defRPr b="1" sz="2400">
+                <a:solidFill>
+                  <a:schemeClr val="dk2"/>
+                </a:solidFill>
+              </a:defRPr>
+            </a:lvl8pPr>
+            <a:lvl9pPr lvl="8" rtl="0" algn="r">
+              <a:buNone/>
+              <a:defRPr b="1" sz="2400">
+                <a:solidFill>
+                  <a:schemeClr val="dk2"/>
+                </a:solidFill>
+              </a:defRPr>
+            </a:lvl9pPr>
+          </a:lstStyle>
+          <a:p>
+            <a:pPr indent="0" lvl="0" marL="0" rtl="0" algn="r">
+              <a:spcBef>
+                <a:spcPts val="0"/>
+              </a:spcBef>
+              <a:spcAft>
+                <a:spcPts val="0"/>
+              </a:spcAft>
+              <a:buNone/>
+            </a:pPr>
+            <a:fld id="{00000000-1234-1234-1234-123412341234}" type="slidenum">
+              <a:rPr lang="en"/>
+              <a:t>‹#›</a:t>
+            </a:fld>
+            <a:endParaRPr/>
+          </a:p>
+          <a:p>
+            <a:pPr indent="0" lvl="0" marL="0" rtl="0" algn="r">
+              <a:spcBef>
+                <a:spcPts val="0"/>
+              </a:spcBef>
+              <a:spcAft>
+                <a:spcPts val="0"/>
+              </a:spcAft>
+              <a:buNone/>
+            </a:pPr>
+            <a:r>
+              <a:rPr b="0" lang="en" sz="900" u="sng">
+                <a:solidFill>
+                  <a:schemeClr val="hlink"/>
+                </a:solidFill>
+                <a:hlinkClick r:id="rId2"/>
+              </a:rPr>
+              <a:t>uni1.de/amos</a:t>
+            </a:r>
+            <a:r>
+              <a:rPr b="0" lang="en" sz="900"/>
+              <a:t> </a:t>
+            </a:r>
+            <a:endParaRPr b="0" sz="900"/>
           </a:p>
         </p:txBody>
       </p:sp>
@@ -7100,8 +7097,8 @@
         </p:nvSpPr>
         <p:spPr>
           <a:xfrm>
-            <a:off x="7315202" y="4416550"/>
-            <a:ext cx="1828800" cy="731400"/>
+            <a:off x="7315202" y="4229100"/>
+            <a:ext cx="1828800" cy="914400"/>
           </a:xfrm>
           <a:prstGeom prst="rect">
             <a:avLst/>
@@ -7216,19 +7213,19 @@
               <a:buNone/>
             </a:pPr>
             <a:r>
-              <a:rPr b="0" lang="en" sz="900" u="sng">
+              <a:rPr b="0" lang="en" sz="1000" u="sng">
                 <a:solidFill>
                   <a:schemeClr val="hlink"/>
                 </a:solidFill>
                 <a:hlinkClick r:id="rId1"/>
               </a:rPr>
-              <a:t>https://profriehle.com</a:t>
-            </a:r>
-            <a:r>
-              <a:rPr b="0" lang="en" sz="900"/>
+              <a:t>uni1.de/amos</a:t>
+            </a:r>
+            <a:r>
+              <a:rPr b="0" lang="en" sz="1000"/>
               <a:t> </a:t>
             </a:r>
-            <a:endParaRPr b="0" sz="900"/>
+            <a:endParaRPr b="0" sz="1000"/>
           </a:p>
         </p:txBody>
       </p:sp>
@@ -8164,8 +8161,8 @@
         </p:nvSpPr>
         <p:spPr>
           <a:xfrm>
-            <a:off x="7315202" y="4416550"/>
-            <a:ext cx="1828800" cy="731400"/>
+            <a:off x="7315202" y="4229100"/>
+            <a:ext cx="1828800" cy="914400"/>
           </a:xfrm>
           <a:prstGeom prst="rect">
             <a:avLst/>
@@ -8187,10 +8184,18 @@
               <a:buNone/>
             </a:pPr>
             <a:fld id="{00000000-1234-1234-1234-123412341234}" type="slidenum">
-              <a:rPr lang="en"/>
+              <a:rPr lang="en">
+                <a:solidFill>
+                  <a:schemeClr val="dk2"/>
+                </a:solidFill>
+              </a:rPr>
               <a:t>‹#›</a:t>
             </a:fld>
-            <a:endParaRPr/>
+            <a:endParaRPr>
+              <a:solidFill>
+                <a:schemeClr val="dk2"/>
+              </a:solidFill>
+            </a:endParaRPr>
           </a:p>
           <a:p>
             <a:pPr indent="0" lvl="0" marL="0" rtl="0" algn="r">
@@ -8209,7 +8214,7 @@
                 </a:solidFill>
                 <a:hlinkClick r:id="rId3"/>
               </a:rPr>
-              <a:t>https://profriehle.com</a:t>
+              <a:t>uni1.de/amos</a:t>
             </a:r>
             <a:r>
               <a:rPr b="0" lang="en" sz="900">
@@ -8219,7 +8224,11 @@
               </a:rPr>
               <a:t> </a:t>
             </a:r>
-            <a:endParaRPr/>
+            <a:endParaRPr b="0" sz="900">
+              <a:solidFill>
+                <a:schemeClr val="dk2"/>
+              </a:solidFill>
+            </a:endParaRPr>
           </a:p>
         </p:txBody>
       </p:sp>
@@ -8326,8 +8335,8 @@
         </p:nvSpPr>
         <p:spPr>
           <a:xfrm>
-            <a:off x="7315202" y="4416550"/>
-            <a:ext cx="1828800" cy="731400"/>
+            <a:off x="7315202" y="4229100"/>
+            <a:ext cx="1828800" cy="914400"/>
           </a:xfrm>
           <a:prstGeom prst="rect">
             <a:avLst/>
@@ -8349,10 +8358,18 @@
               <a:buNone/>
             </a:pPr>
             <a:fld id="{00000000-1234-1234-1234-123412341234}" type="slidenum">
-              <a:rPr lang="en"/>
+              <a:rPr lang="en">
+                <a:solidFill>
+                  <a:schemeClr val="dk2"/>
+                </a:solidFill>
+              </a:rPr>
               <a:t>‹#›</a:t>
             </a:fld>
-            <a:endParaRPr/>
+            <a:endParaRPr>
+              <a:solidFill>
+                <a:schemeClr val="dk2"/>
+              </a:solidFill>
+            </a:endParaRPr>
           </a:p>
           <a:p>
             <a:pPr indent="0" lvl="0" marL="0" rtl="0" algn="r">
@@ -8371,7 +8388,7 @@
                 </a:solidFill>
                 <a:hlinkClick r:id="rId3"/>
               </a:rPr>
-              <a:t>https://profriehle.com</a:t>
+              <a:t>uni1.de/amos</a:t>
             </a:r>
             <a:r>
               <a:rPr b="0" lang="en" sz="900">
@@ -8381,7 +8398,11 @@
               </a:rPr>
               <a:t> </a:t>
             </a:r>
-            <a:endParaRPr/>
+            <a:endParaRPr b="0" sz="900">
+              <a:solidFill>
+                <a:schemeClr val="dk2"/>
+              </a:solidFill>
+            </a:endParaRPr>
           </a:p>
         </p:txBody>
       </p:sp>
@@ -8674,8 +8695,8 @@
         </p:nvSpPr>
         <p:spPr>
           <a:xfrm>
-            <a:off x="7315202" y="4416550"/>
-            <a:ext cx="1828800" cy="731400"/>
+            <a:off x="7315202" y="4229100"/>
+            <a:ext cx="1828800" cy="914400"/>
           </a:xfrm>
           <a:prstGeom prst="rect">
             <a:avLst/>
@@ -8697,10 +8718,18 @@
               <a:buNone/>
             </a:pPr>
             <a:fld id="{00000000-1234-1234-1234-123412341234}" type="slidenum">
-              <a:rPr lang="en"/>
+              <a:rPr lang="en">
+                <a:solidFill>
+                  <a:schemeClr val="dk2"/>
+                </a:solidFill>
+              </a:rPr>
               <a:t>‹#›</a:t>
             </a:fld>
-            <a:endParaRPr/>
+            <a:endParaRPr>
+              <a:solidFill>
+                <a:schemeClr val="dk2"/>
+              </a:solidFill>
+            </a:endParaRPr>
           </a:p>
           <a:p>
             <a:pPr indent="0" lvl="0" marL="0" rtl="0" algn="r">
@@ -8719,7 +8748,7 @@
                 </a:solidFill>
                 <a:hlinkClick r:id="rId3"/>
               </a:rPr>
-              <a:t>https://profriehle.com</a:t>
+              <a:t>uni1.de/amos</a:t>
             </a:r>
             <a:r>
               <a:rPr b="0" lang="en" sz="900">
@@ -8729,7 +8758,11 @@
               </a:rPr>
               <a:t> </a:t>
             </a:r>
-            <a:endParaRPr/>
+            <a:endParaRPr b="0" sz="900">
+              <a:solidFill>
+                <a:schemeClr val="dk2"/>
+              </a:solidFill>
+            </a:endParaRPr>
           </a:p>
         </p:txBody>
       </p:sp>
@@ -8918,8 +8951,8 @@
         </p:nvSpPr>
         <p:spPr>
           <a:xfrm>
-            <a:off x="7315202" y="4416550"/>
-            <a:ext cx="1828800" cy="731400"/>
+            <a:off x="7315202" y="4229100"/>
+            <a:ext cx="1828800" cy="914400"/>
           </a:xfrm>
           <a:prstGeom prst="rect">
             <a:avLst/>
@@ -8941,10 +8974,18 @@
               <a:buNone/>
             </a:pPr>
             <a:fld id="{00000000-1234-1234-1234-123412341234}" type="slidenum">
-              <a:rPr lang="en"/>
+              <a:rPr lang="en">
+                <a:solidFill>
+                  <a:schemeClr val="dk2"/>
+                </a:solidFill>
+              </a:rPr>
               <a:t>‹#›</a:t>
             </a:fld>
-            <a:endParaRPr/>
+            <a:endParaRPr>
+              <a:solidFill>
+                <a:schemeClr val="dk2"/>
+              </a:solidFill>
+            </a:endParaRPr>
           </a:p>
           <a:p>
             <a:pPr indent="0" lvl="0" marL="0" rtl="0" algn="r">
@@ -8963,7 +9004,7 @@
                 </a:solidFill>
                 <a:hlinkClick r:id="rId3"/>
               </a:rPr>
-              <a:t>https://profriehle.com</a:t>
+              <a:t>uni1.de/amos</a:t>
             </a:r>
             <a:r>
               <a:rPr b="0" lang="en" sz="900">
@@ -8973,7 +9014,11 @@
               </a:rPr>
               <a:t> </a:t>
             </a:r>
-            <a:endParaRPr/>
+            <a:endParaRPr b="0" sz="900">
+              <a:solidFill>
+                <a:schemeClr val="dk2"/>
+              </a:solidFill>
+            </a:endParaRPr>
           </a:p>
         </p:txBody>
       </p:sp>
@@ -9328,8 +9373,8 @@
         </p:nvSpPr>
         <p:spPr>
           <a:xfrm>
-            <a:off x="7315202" y="4416550"/>
-            <a:ext cx="1828800" cy="731400"/>
+            <a:off x="7315202" y="4229100"/>
+            <a:ext cx="1828800" cy="914400"/>
           </a:xfrm>
           <a:prstGeom prst="rect">
             <a:avLst/>
@@ -9351,10 +9396,18 @@
               <a:buNone/>
             </a:pPr>
             <a:fld id="{00000000-1234-1234-1234-123412341234}" type="slidenum">
-              <a:rPr lang="en"/>
+              <a:rPr lang="en">
+                <a:solidFill>
+                  <a:schemeClr val="dk2"/>
+                </a:solidFill>
+              </a:rPr>
               <a:t>‹#›</a:t>
             </a:fld>
-            <a:endParaRPr/>
+            <a:endParaRPr>
+              <a:solidFill>
+                <a:schemeClr val="dk2"/>
+              </a:solidFill>
+            </a:endParaRPr>
           </a:p>
           <a:p>
             <a:pPr indent="0" lvl="0" marL="0" rtl="0" algn="r">
@@ -9373,7 +9426,7 @@
                 </a:solidFill>
                 <a:hlinkClick r:id="rId5"/>
               </a:rPr>
-              <a:t>https://profriehle.com</a:t>
+              <a:t>uni1.de/amos</a:t>
             </a:r>
             <a:r>
               <a:rPr b="0" lang="en" sz="900">
@@ -9383,7 +9436,11 @@
               </a:rPr>
               <a:t> </a:t>
             </a:r>
-            <a:endParaRPr/>
+            <a:endParaRPr b="0" sz="900">
+              <a:solidFill>
+                <a:schemeClr val="dk2"/>
+              </a:solidFill>
+            </a:endParaRPr>
           </a:p>
         </p:txBody>
       </p:sp>
@@ -9584,8 +9641,8 @@
         </p:nvSpPr>
         <p:spPr>
           <a:xfrm>
-            <a:off x="7315202" y="4416550"/>
-            <a:ext cx="1828800" cy="731400"/>
+            <a:off x="7315202" y="4229100"/>
+            <a:ext cx="1828800" cy="914400"/>
           </a:xfrm>
           <a:prstGeom prst="rect">
             <a:avLst/>
@@ -9607,10 +9664,18 @@
               <a:buNone/>
             </a:pPr>
             <a:fld id="{00000000-1234-1234-1234-123412341234}" type="slidenum">
-              <a:rPr lang="en"/>
+              <a:rPr lang="en">
+                <a:solidFill>
+                  <a:schemeClr val="dk2"/>
+                </a:solidFill>
+              </a:rPr>
               <a:t>‹#›</a:t>
             </a:fld>
-            <a:endParaRPr/>
+            <a:endParaRPr>
+              <a:solidFill>
+                <a:schemeClr val="dk2"/>
+              </a:solidFill>
+            </a:endParaRPr>
           </a:p>
           <a:p>
             <a:pPr indent="0" lvl="0" marL="0" rtl="0" algn="r">
@@ -9629,7 +9694,7 @@
                 </a:solidFill>
                 <a:hlinkClick r:id="rId3"/>
               </a:rPr>
-              <a:t>https://profriehle.com</a:t>
+              <a:t>uni1.de/amos</a:t>
             </a:r>
             <a:r>
               <a:rPr b="0" lang="en" sz="900">
@@ -9639,7 +9704,11 @@
               </a:rPr>
               <a:t> </a:t>
             </a:r>
-            <a:endParaRPr/>
+            <a:endParaRPr b="0" sz="900">
+              <a:solidFill>
+                <a:schemeClr val="dk2"/>
+              </a:solidFill>
+            </a:endParaRPr>
           </a:p>
         </p:txBody>
       </p:sp>
@@ -9718,8 +9787,8 @@
         </p:nvSpPr>
         <p:spPr>
           <a:xfrm>
-            <a:off x="7315202" y="4416550"/>
-            <a:ext cx="1828800" cy="731400"/>
+            <a:off x="7315202" y="4229100"/>
+            <a:ext cx="1828800" cy="914400"/>
           </a:xfrm>
           <a:prstGeom prst="rect">
             <a:avLst/>
@@ -9741,10 +9810,18 @@
               <a:buNone/>
             </a:pPr>
             <a:fld id="{00000000-1234-1234-1234-123412341234}" type="slidenum">
-              <a:rPr lang="en"/>
+              <a:rPr lang="en">
+                <a:solidFill>
+                  <a:schemeClr val="dk2"/>
+                </a:solidFill>
+              </a:rPr>
               <a:t>‹#›</a:t>
             </a:fld>
-            <a:endParaRPr/>
+            <a:endParaRPr>
+              <a:solidFill>
+                <a:schemeClr val="dk2"/>
+              </a:solidFill>
+            </a:endParaRPr>
           </a:p>
           <a:p>
             <a:pPr indent="0" lvl="0" marL="0" rtl="0" algn="r">
@@ -9763,7 +9840,7 @@
                 </a:solidFill>
                 <a:hlinkClick r:id="rId3"/>
               </a:rPr>
-              <a:t>https://profriehle.com</a:t>
+              <a:t>uni1.de/amos</a:t>
             </a:r>
             <a:r>
               <a:rPr b="0" lang="en" sz="900">
@@ -9773,7 +9850,11 @@
               </a:rPr>
               <a:t> </a:t>
             </a:r>
-            <a:endParaRPr/>
+            <a:endParaRPr b="0" sz="900">
+              <a:solidFill>
+                <a:schemeClr val="dk2"/>
+              </a:solidFill>
+            </a:endParaRPr>
           </a:p>
         </p:txBody>
       </p:sp>
@@ -10079,8 +10160,8 @@
         </p:nvSpPr>
         <p:spPr>
           <a:xfrm>
-            <a:off x="7315202" y="4416550"/>
-            <a:ext cx="1828800" cy="731400"/>
+            <a:off x="7315202" y="4229100"/>
+            <a:ext cx="1828800" cy="914400"/>
           </a:xfrm>
           <a:prstGeom prst="rect">
             <a:avLst/>
@@ -10102,10 +10183,18 @@
               <a:buNone/>
             </a:pPr>
             <a:fld id="{00000000-1234-1234-1234-123412341234}" type="slidenum">
-              <a:rPr lang="en"/>
+              <a:rPr lang="en">
+                <a:solidFill>
+                  <a:schemeClr val="dk2"/>
+                </a:solidFill>
+              </a:rPr>
               <a:t>‹#›</a:t>
             </a:fld>
-            <a:endParaRPr/>
+            <a:endParaRPr>
+              <a:solidFill>
+                <a:schemeClr val="dk2"/>
+              </a:solidFill>
+            </a:endParaRPr>
           </a:p>
           <a:p>
             <a:pPr indent="0" lvl="0" marL="0" rtl="0" algn="r">
@@ -10124,7 +10213,7 @@
                 </a:solidFill>
                 <a:hlinkClick r:id="rId3"/>
               </a:rPr>
-              <a:t>https://profriehle.com</a:t>
+              <a:t>uni1.de/amos</a:t>
             </a:r>
             <a:r>
               <a:rPr b="0" lang="en" sz="900">
@@ -10134,7 +10223,11 @@
               </a:rPr>
               <a:t> </a:t>
             </a:r>
-            <a:endParaRPr/>
+            <a:endParaRPr b="0" sz="900">
+              <a:solidFill>
+                <a:schemeClr val="dk2"/>
+              </a:solidFill>
+            </a:endParaRPr>
           </a:p>
         </p:txBody>
       </p:sp>
@@ -10511,8 +10604,8 @@
         </p:nvSpPr>
         <p:spPr>
           <a:xfrm>
-            <a:off x="7315202" y="4416550"/>
-            <a:ext cx="1828800" cy="731400"/>
+            <a:off x="7315202" y="4229100"/>
+            <a:ext cx="1828800" cy="914400"/>
           </a:xfrm>
           <a:prstGeom prst="rect">
             <a:avLst/>
@@ -10534,10 +10627,18 @@
               <a:buNone/>
             </a:pPr>
             <a:fld id="{00000000-1234-1234-1234-123412341234}" type="slidenum">
-              <a:rPr lang="en"/>
+              <a:rPr lang="en">
+                <a:solidFill>
+                  <a:schemeClr val="dk2"/>
+                </a:solidFill>
+              </a:rPr>
               <a:t>‹#›</a:t>
             </a:fld>
-            <a:endParaRPr/>
+            <a:endParaRPr>
+              <a:solidFill>
+                <a:schemeClr val="dk2"/>
+              </a:solidFill>
+            </a:endParaRPr>
           </a:p>
           <a:p>
             <a:pPr indent="0" lvl="0" marL="0" rtl="0" algn="r">
@@ -10556,7 +10657,7 @@
                 </a:solidFill>
                 <a:hlinkClick r:id="rId3"/>
               </a:rPr>
-              <a:t>https://profriehle.com</a:t>
+              <a:t>uni1.de/amos</a:t>
             </a:r>
             <a:r>
               <a:rPr b="0" lang="en" sz="900">
@@ -10566,7 +10667,11 @@
               </a:rPr>
               <a:t> </a:t>
             </a:r>
-            <a:endParaRPr/>
+            <a:endParaRPr b="0" sz="900">
+              <a:solidFill>
+                <a:schemeClr val="dk2"/>
+              </a:solidFill>
+            </a:endParaRPr>
           </a:p>
         </p:txBody>
       </p:sp>
@@ -10778,8 +10883,8 @@
         </p:nvSpPr>
         <p:spPr>
           <a:xfrm>
-            <a:off x="7315202" y="4416550"/>
-            <a:ext cx="1828800" cy="731400"/>
+            <a:off x="7315202" y="4229100"/>
+            <a:ext cx="1828800" cy="914400"/>
           </a:xfrm>
           <a:prstGeom prst="rect">
             <a:avLst/>
@@ -10801,10 +10906,18 @@
               <a:buNone/>
             </a:pPr>
             <a:fld id="{00000000-1234-1234-1234-123412341234}" type="slidenum">
-              <a:rPr lang="en"/>
+              <a:rPr lang="en">
+                <a:solidFill>
+                  <a:schemeClr val="dk2"/>
+                </a:solidFill>
+              </a:rPr>
               <a:t>‹#›</a:t>
             </a:fld>
-            <a:endParaRPr/>
+            <a:endParaRPr>
+              <a:solidFill>
+                <a:schemeClr val="dk2"/>
+              </a:solidFill>
+            </a:endParaRPr>
           </a:p>
           <a:p>
             <a:pPr indent="0" lvl="0" marL="0" rtl="0" algn="r">
@@ -10823,7 +10936,7 @@
                 </a:solidFill>
                 <a:hlinkClick r:id="rId3"/>
               </a:rPr>
-              <a:t>https://profriehle.com</a:t>
+              <a:t>uni1.de/amos</a:t>
             </a:r>
             <a:r>
               <a:rPr b="0" lang="en" sz="900">
@@ -10833,7 +10946,11 @@
               </a:rPr>
               <a:t> </a:t>
             </a:r>
-            <a:endParaRPr/>
+            <a:endParaRPr b="0" sz="900">
+              <a:solidFill>
+                <a:schemeClr val="dk2"/>
+              </a:solidFill>
+            </a:endParaRPr>
           </a:p>
         </p:txBody>
       </p:sp>
@@ -10960,8 +11077,8 @@
         </p:nvSpPr>
         <p:spPr>
           <a:xfrm>
-            <a:off x="7315202" y="4416550"/>
-            <a:ext cx="1828800" cy="731400"/>
+            <a:off x="7315202" y="4229100"/>
+            <a:ext cx="1828800" cy="914400"/>
           </a:xfrm>
           <a:prstGeom prst="rect">
             <a:avLst/>
@@ -10983,10 +11100,18 @@
               <a:buNone/>
             </a:pPr>
             <a:fld id="{00000000-1234-1234-1234-123412341234}" type="slidenum">
-              <a:rPr lang="en"/>
+              <a:rPr lang="en">
+                <a:solidFill>
+                  <a:schemeClr val="dk2"/>
+                </a:solidFill>
+              </a:rPr>
               <a:t>‹#›</a:t>
             </a:fld>
-            <a:endParaRPr/>
+            <a:endParaRPr>
+              <a:solidFill>
+                <a:schemeClr val="dk2"/>
+              </a:solidFill>
+            </a:endParaRPr>
           </a:p>
           <a:p>
             <a:pPr indent="0" lvl="0" marL="0" rtl="0" algn="r">
@@ -11005,7 +11130,7 @@
                 </a:solidFill>
                 <a:hlinkClick r:id="rId3"/>
               </a:rPr>
-              <a:t>https://profriehle.com</a:t>
+              <a:t>uni1.de/amos</a:t>
             </a:r>
             <a:r>
               <a:rPr b="0" lang="en" sz="900">
@@ -11015,7 +11140,11 @@
               </a:rPr>
               <a:t> </a:t>
             </a:r>
-            <a:endParaRPr/>
+            <a:endParaRPr b="0" sz="900">
+              <a:solidFill>
+                <a:schemeClr val="dk2"/>
+              </a:solidFill>
+            </a:endParaRPr>
           </a:p>
         </p:txBody>
       </p:sp>
@@ -11535,8 +11664,8 @@
         </p:nvSpPr>
         <p:spPr>
           <a:xfrm>
-            <a:off x="7315202" y="4416550"/>
-            <a:ext cx="1828800" cy="731400"/>
+            <a:off x="7315202" y="4229100"/>
+            <a:ext cx="1828800" cy="914400"/>
           </a:xfrm>
           <a:prstGeom prst="rect">
             <a:avLst/>
@@ -11558,10 +11687,18 @@
               <a:buNone/>
             </a:pPr>
             <a:fld id="{00000000-1234-1234-1234-123412341234}" type="slidenum">
-              <a:rPr lang="en"/>
+              <a:rPr lang="en">
+                <a:solidFill>
+                  <a:schemeClr val="dk2"/>
+                </a:solidFill>
+              </a:rPr>
               <a:t>‹#›</a:t>
             </a:fld>
-            <a:endParaRPr/>
+            <a:endParaRPr>
+              <a:solidFill>
+                <a:schemeClr val="dk2"/>
+              </a:solidFill>
+            </a:endParaRPr>
           </a:p>
           <a:p>
             <a:pPr indent="0" lvl="0" marL="0" rtl="0" algn="r">
@@ -11580,7 +11717,7 @@
                 </a:solidFill>
                 <a:hlinkClick r:id="rId3"/>
               </a:rPr>
-              <a:t>https://profriehle.com</a:t>
+              <a:t>uni1.de/amos</a:t>
             </a:r>
             <a:r>
               <a:rPr b="0" lang="en" sz="900">
@@ -11590,7 +11727,11 @@
               </a:rPr>
               <a:t> </a:t>
             </a:r>
-            <a:endParaRPr/>
+            <a:endParaRPr b="0" sz="900">
+              <a:solidFill>
+                <a:schemeClr val="dk2"/>
+              </a:solidFill>
+            </a:endParaRPr>
           </a:p>
         </p:txBody>
       </p:sp>
@@ -11726,8 +11867,8 @@
         </p:nvSpPr>
         <p:spPr>
           <a:xfrm>
-            <a:off x="7315202" y="4416550"/>
-            <a:ext cx="1828800" cy="731400"/>
+            <a:off x="7315202" y="4229100"/>
+            <a:ext cx="1828800" cy="914400"/>
           </a:xfrm>
           <a:prstGeom prst="rect">
             <a:avLst/>
@@ -11749,10 +11890,18 @@
               <a:buNone/>
             </a:pPr>
             <a:fld id="{00000000-1234-1234-1234-123412341234}" type="slidenum">
-              <a:rPr lang="en"/>
+              <a:rPr lang="en">
+                <a:solidFill>
+                  <a:schemeClr val="dk2"/>
+                </a:solidFill>
+              </a:rPr>
               <a:t>‹#›</a:t>
             </a:fld>
-            <a:endParaRPr/>
+            <a:endParaRPr>
+              <a:solidFill>
+                <a:schemeClr val="dk2"/>
+              </a:solidFill>
+            </a:endParaRPr>
           </a:p>
           <a:p>
             <a:pPr indent="0" lvl="0" marL="0" rtl="0" algn="r">
@@ -11771,7 +11920,7 @@
                 </a:solidFill>
                 <a:hlinkClick r:id="rId3"/>
               </a:rPr>
-              <a:t>https://profriehle.com</a:t>
+              <a:t>uni1.de/amos</a:t>
             </a:r>
             <a:r>
               <a:rPr b="0" lang="en" sz="900">
@@ -11781,7 +11930,11 @@
               </a:rPr>
               <a:t> </a:t>
             </a:r>
-            <a:endParaRPr/>
+            <a:endParaRPr b="0" sz="900">
+              <a:solidFill>
+                <a:schemeClr val="dk2"/>
+              </a:solidFill>
+            </a:endParaRPr>
           </a:p>
         </p:txBody>
       </p:sp>
@@ -11860,8 +12013,8 @@
         </p:nvSpPr>
         <p:spPr>
           <a:xfrm>
-            <a:off x="7315202" y="4416550"/>
-            <a:ext cx="1828800" cy="731400"/>
+            <a:off x="7315202" y="4229100"/>
+            <a:ext cx="1828800" cy="914400"/>
           </a:xfrm>
           <a:prstGeom prst="rect">
             <a:avLst/>
@@ -11883,10 +12036,18 @@
               <a:buNone/>
             </a:pPr>
             <a:fld id="{00000000-1234-1234-1234-123412341234}" type="slidenum">
-              <a:rPr lang="en"/>
+              <a:rPr lang="en">
+                <a:solidFill>
+                  <a:schemeClr val="dk2"/>
+                </a:solidFill>
+              </a:rPr>
               <a:t>‹#›</a:t>
             </a:fld>
-            <a:endParaRPr/>
+            <a:endParaRPr>
+              <a:solidFill>
+                <a:schemeClr val="dk2"/>
+              </a:solidFill>
+            </a:endParaRPr>
           </a:p>
           <a:p>
             <a:pPr indent="0" lvl="0" marL="0" rtl="0" algn="r">
@@ -11905,7 +12066,7 @@
                 </a:solidFill>
                 <a:hlinkClick r:id="rId3"/>
               </a:rPr>
-              <a:t>https://profriehle.com</a:t>
+              <a:t>uni1.de/amos</a:t>
             </a:r>
             <a:r>
               <a:rPr b="0" lang="en" sz="900">
@@ -11915,7 +12076,11 @@
               </a:rPr>
               <a:t> </a:t>
             </a:r>
-            <a:endParaRPr/>
+            <a:endParaRPr b="0" sz="900">
+              <a:solidFill>
+                <a:schemeClr val="dk2"/>
+              </a:solidFill>
+            </a:endParaRPr>
           </a:p>
         </p:txBody>
       </p:sp>
@@ -12107,8 +12272,8 @@
         </p:nvSpPr>
         <p:spPr>
           <a:xfrm>
-            <a:off x="7315202" y="4416550"/>
-            <a:ext cx="1828800" cy="731400"/>
+            <a:off x="7315202" y="4229100"/>
+            <a:ext cx="1828800" cy="914400"/>
           </a:xfrm>
           <a:prstGeom prst="rect">
             <a:avLst/>
@@ -12130,10 +12295,18 @@
               <a:buNone/>
             </a:pPr>
             <a:fld id="{00000000-1234-1234-1234-123412341234}" type="slidenum">
-              <a:rPr lang="en"/>
+              <a:rPr lang="en">
+                <a:solidFill>
+                  <a:schemeClr val="dk2"/>
+                </a:solidFill>
+              </a:rPr>
               <a:t>‹#›</a:t>
             </a:fld>
-            <a:endParaRPr/>
+            <a:endParaRPr>
+              <a:solidFill>
+                <a:schemeClr val="dk2"/>
+              </a:solidFill>
+            </a:endParaRPr>
           </a:p>
           <a:p>
             <a:pPr indent="0" lvl="0" marL="0" rtl="0" algn="r">
@@ -12152,7 +12325,7 @@
                 </a:solidFill>
                 <a:hlinkClick r:id="rId3"/>
               </a:rPr>
-              <a:t>https://profriehle.com</a:t>
+              <a:t>uni1.de/amos</a:t>
             </a:r>
             <a:r>
               <a:rPr b="0" lang="en" sz="900">
@@ -12162,7 +12335,11 @@
               </a:rPr>
               <a:t> </a:t>
             </a:r>
-            <a:endParaRPr/>
+            <a:endParaRPr b="0" sz="900">
+              <a:solidFill>
+                <a:schemeClr val="dk2"/>
+              </a:solidFill>
+            </a:endParaRPr>
           </a:p>
         </p:txBody>
       </p:sp>
@@ -12518,8 +12695,8 @@
         </p:nvSpPr>
         <p:spPr>
           <a:xfrm>
-            <a:off x="7315202" y="4416550"/>
-            <a:ext cx="1828800" cy="731400"/>
+            <a:off x="7315202" y="4229100"/>
+            <a:ext cx="1828800" cy="914400"/>
           </a:xfrm>
           <a:prstGeom prst="rect">
             <a:avLst/>
@@ -12541,10 +12718,18 @@
               <a:buNone/>
             </a:pPr>
             <a:fld id="{00000000-1234-1234-1234-123412341234}" type="slidenum">
-              <a:rPr lang="en"/>
+              <a:rPr lang="en">
+                <a:solidFill>
+                  <a:schemeClr val="dk2"/>
+                </a:solidFill>
+              </a:rPr>
               <a:t>‹#›</a:t>
             </a:fld>
-            <a:endParaRPr/>
+            <a:endParaRPr>
+              <a:solidFill>
+                <a:schemeClr val="dk2"/>
+              </a:solidFill>
+            </a:endParaRPr>
           </a:p>
           <a:p>
             <a:pPr indent="0" lvl="0" marL="0" rtl="0" algn="r">
@@ -12563,7 +12748,7 @@
                 </a:solidFill>
                 <a:hlinkClick r:id="rId3"/>
               </a:rPr>
-              <a:t>https://profriehle.com</a:t>
+              <a:t>uni1.de/amos</a:t>
             </a:r>
             <a:r>
               <a:rPr b="0" lang="en" sz="900">
@@ -12573,7 +12758,11 @@
               </a:rPr>
               <a:t> </a:t>
             </a:r>
-            <a:endParaRPr/>
+            <a:endParaRPr b="0" sz="900">
+              <a:solidFill>
+                <a:schemeClr val="dk2"/>
+              </a:solidFill>
+            </a:endParaRPr>
           </a:p>
         </p:txBody>
       </p:sp>
@@ -12592,7 +12781,7 @@
             <a:tbl>
               <a:tblPr>
                 <a:noFill/>
-                <a:tableStyleId>{23BF14DC-C99C-4E24-9781-51C683D49F72}</a:tableStyleId>
+                <a:tableStyleId>{4429471C-040D-467B-BCBC-9C002CF9ED56}</a:tableStyleId>
               </a:tblPr>
               <a:tblGrid>
                 <a:gridCol w="2057400"/>
@@ -13705,8 +13894,8 @@
         </p:nvSpPr>
         <p:spPr>
           <a:xfrm>
-            <a:off x="7315202" y="4416550"/>
-            <a:ext cx="1828800" cy="731400"/>
+            <a:off x="7315202" y="4229100"/>
+            <a:ext cx="1828800" cy="914400"/>
           </a:xfrm>
           <a:prstGeom prst="rect">
             <a:avLst/>
@@ -13728,10 +13917,18 @@
               <a:buNone/>
             </a:pPr>
             <a:fld id="{00000000-1234-1234-1234-123412341234}" type="slidenum">
-              <a:rPr lang="en"/>
+              <a:rPr lang="en">
+                <a:solidFill>
+                  <a:schemeClr val="dk2"/>
+                </a:solidFill>
+              </a:rPr>
               <a:t>‹#›</a:t>
             </a:fld>
-            <a:endParaRPr/>
+            <a:endParaRPr>
+              <a:solidFill>
+                <a:schemeClr val="dk2"/>
+              </a:solidFill>
+            </a:endParaRPr>
           </a:p>
           <a:p>
             <a:pPr indent="0" lvl="0" marL="0" rtl="0" algn="r">
@@ -13750,7 +13947,7 @@
                 </a:solidFill>
                 <a:hlinkClick r:id="rId3"/>
               </a:rPr>
-              <a:t>https://profriehle.com</a:t>
+              <a:t>uni1.de/amos</a:t>
             </a:r>
             <a:r>
               <a:rPr b="0" lang="en" sz="900">
@@ -13760,7 +13957,11 @@
               </a:rPr>
               <a:t> </a:t>
             </a:r>
-            <a:endParaRPr/>
+            <a:endParaRPr b="0" sz="900">
+              <a:solidFill>
+                <a:schemeClr val="dk2"/>
+              </a:solidFill>
+            </a:endParaRPr>
           </a:p>
         </p:txBody>
       </p:sp>
@@ -14028,8 +14229,8 @@
         </p:nvSpPr>
         <p:spPr>
           <a:xfrm>
-            <a:off x="7315202" y="4416550"/>
-            <a:ext cx="1828800" cy="731400"/>
+            <a:off x="7315202" y="4229100"/>
+            <a:ext cx="1828800" cy="914400"/>
           </a:xfrm>
           <a:prstGeom prst="rect">
             <a:avLst/>
@@ -14051,10 +14252,18 @@
               <a:buNone/>
             </a:pPr>
             <a:fld id="{00000000-1234-1234-1234-123412341234}" type="slidenum">
-              <a:rPr lang="en"/>
+              <a:rPr lang="en">
+                <a:solidFill>
+                  <a:schemeClr val="dk2"/>
+                </a:solidFill>
+              </a:rPr>
               <a:t>‹#›</a:t>
             </a:fld>
-            <a:endParaRPr/>
+            <a:endParaRPr>
+              <a:solidFill>
+                <a:schemeClr val="dk2"/>
+              </a:solidFill>
+            </a:endParaRPr>
           </a:p>
           <a:p>
             <a:pPr indent="0" lvl="0" marL="0" rtl="0" algn="r">
@@ -14073,7 +14282,7 @@
                 </a:solidFill>
                 <a:hlinkClick r:id="rId3"/>
               </a:rPr>
-              <a:t>https://profriehle.com</a:t>
+              <a:t>uni1.de/amos</a:t>
             </a:r>
             <a:r>
               <a:rPr b="0" lang="en" sz="900">
@@ -14083,7 +14292,11 @@
               </a:rPr>
               <a:t> </a:t>
             </a:r>
-            <a:endParaRPr/>
+            <a:endParaRPr b="0" sz="900">
+              <a:solidFill>
+                <a:schemeClr val="dk2"/>
+              </a:solidFill>
+            </a:endParaRPr>
           </a:p>
         </p:txBody>
       </p:sp>
@@ -14253,8 +14466,8 @@
         </p:nvSpPr>
         <p:spPr>
           <a:xfrm>
-            <a:off x="7315202" y="4416550"/>
-            <a:ext cx="1828800" cy="731400"/>
+            <a:off x="7315202" y="4229100"/>
+            <a:ext cx="1828800" cy="914400"/>
           </a:xfrm>
           <a:prstGeom prst="rect">
             <a:avLst/>
@@ -14276,10 +14489,18 @@
               <a:buNone/>
             </a:pPr>
             <a:fld id="{00000000-1234-1234-1234-123412341234}" type="slidenum">
-              <a:rPr lang="en"/>
+              <a:rPr lang="en">
+                <a:solidFill>
+                  <a:schemeClr val="dk2"/>
+                </a:solidFill>
+              </a:rPr>
               <a:t>‹#›</a:t>
             </a:fld>
-            <a:endParaRPr/>
+            <a:endParaRPr>
+              <a:solidFill>
+                <a:schemeClr val="dk2"/>
+              </a:solidFill>
+            </a:endParaRPr>
           </a:p>
           <a:p>
             <a:pPr indent="0" lvl="0" marL="0" rtl="0" algn="r">
@@ -14298,7 +14519,7 @@
                 </a:solidFill>
                 <a:hlinkClick r:id="rId3"/>
               </a:rPr>
-              <a:t>https://profriehle.com</a:t>
+              <a:t>uni1.de/amos</a:t>
             </a:r>
             <a:r>
               <a:rPr b="0" lang="en" sz="900">
@@ -14308,7 +14529,11 @@
               </a:rPr>
               <a:t> </a:t>
             </a:r>
-            <a:endParaRPr/>
+            <a:endParaRPr b="0" sz="900">
+              <a:solidFill>
+                <a:schemeClr val="dk2"/>
+              </a:solidFill>
+            </a:endParaRPr>
           </a:p>
         </p:txBody>
       </p:sp>
@@ -14461,8 +14686,8 @@
         </p:nvSpPr>
         <p:spPr>
           <a:xfrm>
-            <a:off x="7315202" y="4416550"/>
-            <a:ext cx="1828800" cy="731400"/>
+            <a:off x="7315202" y="4229100"/>
+            <a:ext cx="1828800" cy="914400"/>
           </a:xfrm>
           <a:prstGeom prst="rect">
             <a:avLst/>
@@ -14484,10 +14709,18 @@
               <a:buNone/>
             </a:pPr>
             <a:fld id="{00000000-1234-1234-1234-123412341234}" type="slidenum">
-              <a:rPr lang="en"/>
+              <a:rPr lang="en">
+                <a:solidFill>
+                  <a:schemeClr val="dk2"/>
+                </a:solidFill>
+              </a:rPr>
               <a:t>‹#›</a:t>
             </a:fld>
-            <a:endParaRPr/>
+            <a:endParaRPr>
+              <a:solidFill>
+                <a:schemeClr val="dk2"/>
+              </a:solidFill>
+            </a:endParaRPr>
           </a:p>
           <a:p>
             <a:pPr indent="0" lvl="0" marL="0" rtl="0" algn="r">
@@ -14506,7 +14739,7 @@
                 </a:solidFill>
                 <a:hlinkClick r:id="rId3"/>
               </a:rPr>
-              <a:t>https://profriehle.com</a:t>
+              <a:t>uni1.de/amos</a:t>
             </a:r>
             <a:r>
               <a:rPr b="0" lang="en" sz="900">
@@ -14516,7 +14749,11 @@
               </a:rPr>
               <a:t> </a:t>
             </a:r>
-            <a:endParaRPr/>
+            <a:endParaRPr b="0" sz="900">
+              <a:solidFill>
+                <a:schemeClr val="dk2"/>
+              </a:solidFill>
+            </a:endParaRPr>
           </a:p>
         </p:txBody>
       </p:sp>
@@ -14595,8 +14832,8 @@
         </p:nvSpPr>
         <p:spPr>
           <a:xfrm>
-            <a:off x="7315202" y="4416550"/>
-            <a:ext cx="1828800" cy="731400"/>
+            <a:off x="7315202" y="4229100"/>
+            <a:ext cx="1828800" cy="914400"/>
           </a:xfrm>
           <a:prstGeom prst="rect">
             <a:avLst/>
@@ -14618,10 +14855,18 @@
               <a:buNone/>
             </a:pPr>
             <a:fld id="{00000000-1234-1234-1234-123412341234}" type="slidenum">
-              <a:rPr lang="en"/>
+              <a:rPr lang="en">
+                <a:solidFill>
+                  <a:schemeClr val="dk2"/>
+                </a:solidFill>
+              </a:rPr>
               <a:t>‹#›</a:t>
             </a:fld>
-            <a:endParaRPr/>
+            <a:endParaRPr>
+              <a:solidFill>
+                <a:schemeClr val="dk2"/>
+              </a:solidFill>
+            </a:endParaRPr>
           </a:p>
           <a:p>
             <a:pPr indent="0" lvl="0" marL="0" rtl="0" algn="r">
@@ -14640,7 +14885,7 @@
                 </a:solidFill>
                 <a:hlinkClick r:id="rId3"/>
               </a:rPr>
-              <a:t>https://profriehle.com</a:t>
+              <a:t>uni1.de/amos</a:t>
             </a:r>
             <a:r>
               <a:rPr b="0" lang="en" sz="900">
@@ -14650,7 +14895,11 @@
               </a:rPr>
               <a:t> </a:t>
             </a:r>
-            <a:endParaRPr/>
+            <a:endParaRPr b="0" sz="900">
+              <a:solidFill>
+                <a:schemeClr val="dk2"/>
+              </a:solidFill>
+            </a:endParaRPr>
           </a:p>
         </p:txBody>
       </p:sp>
@@ -14669,7 +14918,7 @@
             <a:tbl>
               <a:tblPr>
                 <a:noFill/>
-                <a:tableStyleId>{23BF14DC-C99C-4E24-9781-51C683D49F72}</a:tableStyleId>
+                <a:tableStyleId>{4429471C-040D-467B-BCBC-9C002CF9ED56}</a:tableStyleId>
               </a:tblPr>
               <a:tblGrid>
                 <a:gridCol w="638675"/>
@@ -16284,8 +16533,8 @@
         </p:nvSpPr>
         <p:spPr>
           <a:xfrm>
-            <a:off x="7315202" y="4416550"/>
-            <a:ext cx="1828800" cy="731400"/>
+            <a:off x="7315202" y="4229100"/>
+            <a:ext cx="1828800" cy="914400"/>
           </a:xfrm>
           <a:prstGeom prst="rect">
             <a:avLst/>
@@ -16307,10 +16556,18 @@
               <a:buNone/>
             </a:pPr>
             <a:fld id="{00000000-1234-1234-1234-123412341234}" type="slidenum">
-              <a:rPr lang="en"/>
+              <a:rPr lang="en">
+                <a:solidFill>
+                  <a:schemeClr val="dk2"/>
+                </a:solidFill>
+              </a:rPr>
               <a:t>‹#›</a:t>
             </a:fld>
-            <a:endParaRPr/>
+            <a:endParaRPr>
+              <a:solidFill>
+                <a:schemeClr val="dk2"/>
+              </a:solidFill>
+            </a:endParaRPr>
           </a:p>
           <a:p>
             <a:pPr indent="0" lvl="0" marL="0" rtl="0" algn="r">
@@ -16329,7 +16586,7 @@
                 </a:solidFill>
                 <a:hlinkClick r:id="rId3"/>
               </a:rPr>
-              <a:t>https://profriehle.com</a:t>
+              <a:t>uni1.de/amos</a:t>
             </a:r>
             <a:r>
               <a:rPr b="0" lang="en" sz="900">
@@ -16339,7 +16596,11 @@
               </a:rPr>
               <a:t> </a:t>
             </a:r>
-            <a:endParaRPr/>
+            <a:endParaRPr b="0" sz="900">
+              <a:solidFill>
+                <a:schemeClr val="dk2"/>
+              </a:solidFill>
+            </a:endParaRPr>
           </a:p>
         </p:txBody>
       </p:sp>
@@ -16633,8 +16894,8 @@
         </p:nvSpPr>
         <p:spPr>
           <a:xfrm>
-            <a:off x="7315202" y="4416550"/>
-            <a:ext cx="1828800" cy="731400"/>
+            <a:off x="7315202" y="4229100"/>
+            <a:ext cx="1828800" cy="914400"/>
           </a:xfrm>
           <a:prstGeom prst="rect">
             <a:avLst/>
@@ -16656,10 +16917,18 @@
               <a:buNone/>
             </a:pPr>
             <a:fld id="{00000000-1234-1234-1234-123412341234}" type="slidenum">
-              <a:rPr lang="en"/>
+              <a:rPr lang="en">
+                <a:solidFill>
+                  <a:schemeClr val="dk2"/>
+                </a:solidFill>
+              </a:rPr>
               <a:t>‹#›</a:t>
             </a:fld>
-            <a:endParaRPr/>
+            <a:endParaRPr>
+              <a:solidFill>
+                <a:schemeClr val="dk2"/>
+              </a:solidFill>
+            </a:endParaRPr>
           </a:p>
           <a:p>
             <a:pPr indent="0" lvl="0" marL="0" rtl="0" algn="r">
@@ -16678,7 +16947,7 @@
                 </a:solidFill>
                 <a:hlinkClick r:id="rId3"/>
               </a:rPr>
-              <a:t>https://profriehle.com</a:t>
+              <a:t>uni1.de/amos</a:t>
             </a:r>
             <a:r>
               <a:rPr b="0" lang="en" sz="900">
@@ -16688,7 +16957,11 @@
               </a:rPr>
               <a:t> </a:t>
             </a:r>
-            <a:endParaRPr/>
+            <a:endParaRPr b="0" sz="900">
+              <a:solidFill>
+                <a:schemeClr val="dk2"/>
+              </a:solidFill>
+            </a:endParaRPr>
           </a:p>
         </p:txBody>
       </p:sp>
@@ -16849,8 +17122,8 @@
         </p:nvSpPr>
         <p:spPr>
           <a:xfrm>
-            <a:off x="7315202" y="4416550"/>
-            <a:ext cx="1828800" cy="731400"/>
+            <a:off x="7315202" y="4229100"/>
+            <a:ext cx="1828800" cy="914400"/>
           </a:xfrm>
           <a:prstGeom prst="rect">
             <a:avLst/>
@@ -16872,10 +17145,18 @@
               <a:buNone/>
             </a:pPr>
             <a:fld id="{00000000-1234-1234-1234-123412341234}" type="slidenum">
-              <a:rPr lang="en"/>
+              <a:rPr lang="en">
+                <a:solidFill>
+                  <a:schemeClr val="dk2"/>
+                </a:solidFill>
+              </a:rPr>
               <a:t>‹#›</a:t>
             </a:fld>
-            <a:endParaRPr/>
+            <a:endParaRPr>
+              <a:solidFill>
+                <a:schemeClr val="dk2"/>
+              </a:solidFill>
+            </a:endParaRPr>
           </a:p>
           <a:p>
             <a:pPr indent="0" lvl="0" marL="0" rtl="0" algn="r">
@@ -16894,7 +17175,7 @@
                 </a:solidFill>
                 <a:hlinkClick r:id="rId3"/>
               </a:rPr>
-              <a:t>https://profriehle.com</a:t>
+              <a:t>uni1.de/amos</a:t>
             </a:r>
             <a:r>
               <a:rPr b="0" lang="en" sz="900">
@@ -16904,7 +17185,11 @@
               </a:rPr>
               <a:t> </a:t>
             </a:r>
-            <a:endParaRPr/>
+            <a:endParaRPr b="0" sz="900">
+              <a:solidFill>
+                <a:schemeClr val="dk2"/>
+              </a:solidFill>
+            </a:endParaRPr>
           </a:p>
         </p:txBody>
       </p:sp>
@@ -16923,7 +17208,7 @@
             <a:tbl>
               <a:tblPr>
                 <a:noFill/>
-                <a:tableStyleId>{23BF14DC-C99C-4E24-9781-51C683D49F72}</a:tableStyleId>
+                <a:tableStyleId>{4429471C-040D-467B-BCBC-9C002CF9ED56}</a:tableStyleId>
               </a:tblPr>
               <a:tblGrid>
                 <a:gridCol w="1280725"/>
@@ -18268,8 +18553,8 @@
         </p:nvSpPr>
         <p:spPr>
           <a:xfrm>
-            <a:off x="7315202" y="4416550"/>
-            <a:ext cx="1828800" cy="731400"/>
+            <a:off x="7315202" y="4229100"/>
+            <a:ext cx="1828800" cy="914400"/>
           </a:xfrm>
           <a:prstGeom prst="rect">
             <a:avLst/>
@@ -18291,10 +18576,18 @@
               <a:buNone/>
             </a:pPr>
             <a:fld id="{00000000-1234-1234-1234-123412341234}" type="slidenum">
-              <a:rPr lang="en"/>
+              <a:rPr lang="en">
+                <a:solidFill>
+                  <a:schemeClr val="dk2"/>
+                </a:solidFill>
+              </a:rPr>
               <a:t>‹#›</a:t>
             </a:fld>
-            <a:endParaRPr/>
+            <a:endParaRPr>
+              <a:solidFill>
+                <a:schemeClr val="dk2"/>
+              </a:solidFill>
+            </a:endParaRPr>
           </a:p>
           <a:p>
             <a:pPr indent="0" lvl="0" marL="0" rtl="0" algn="r">
@@ -18313,7 +18606,7 @@
                 </a:solidFill>
                 <a:hlinkClick r:id="rId3"/>
               </a:rPr>
-              <a:t>https://profriehle.com</a:t>
+              <a:t>uni1.de/amos</a:t>
             </a:r>
             <a:r>
               <a:rPr b="0" lang="en" sz="900">
@@ -18323,7 +18616,11 @@
               </a:rPr>
               <a:t> </a:t>
             </a:r>
-            <a:endParaRPr/>
+            <a:endParaRPr b="0" sz="900">
+              <a:solidFill>
+                <a:schemeClr val="dk2"/>
+              </a:solidFill>
+            </a:endParaRPr>
           </a:p>
         </p:txBody>
       </p:sp>
@@ -18641,8 +18938,8 @@
         </p:nvSpPr>
         <p:spPr>
           <a:xfrm>
-            <a:off x="7315202" y="4416550"/>
-            <a:ext cx="1828800" cy="731400"/>
+            <a:off x="7315202" y="4229100"/>
+            <a:ext cx="1828800" cy="914400"/>
           </a:xfrm>
           <a:prstGeom prst="rect">
             <a:avLst/>
@@ -18664,10 +18961,18 @@
               <a:buNone/>
             </a:pPr>
             <a:fld id="{00000000-1234-1234-1234-123412341234}" type="slidenum">
-              <a:rPr lang="en"/>
+              <a:rPr lang="en">
+                <a:solidFill>
+                  <a:schemeClr val="dk2"/>
+                </a:solidFill>
+              </a:rPr>
               <a:t>‹#›</a:t>
             </a:fld>
-            <a:endParaRPr/>
+            <a:endParaRPr>
+              <a:solidFill>
+                <a:schemeClr val="dk2"/>
+              </a:solidFill>
+            </a:endParaRPr>
           </a:p>
           <a:p>
             <a:pPr indent="0" lvl="0" marL="0" rtl="0" algn="r">
@@ -18686,7 +18991,7 @@
                 </a:solidFill>
                 <a:hlinkClick r:id="rId3"/>
               </a:rPr>
-              <a:t>https://profriehle.com</a:t>
+              <a:t>uni1.de/amos</a:t>
             </a:r>
             <a:r>
               <a:rPr b="0" lang="en" sz="900">
@@ -18696,7 +19001,11 @@
               </a:rPr>
               <a:t> </a:t>
             </a:r>
-            <a:endParaRPr/>
+            <a:endParaRPr b="0" sz="900">
+              <a:solidFill>
+                <a:schemeClr val="dk2"/>
+              </a:solidFill>
+            </a:endParaRPr>
           </a:p>
         </p:txBody>
       </p:sp>
@@ -18775,8 +19084,8 @@
         </p:nvSpPr>
         <p:spPr>
           <a:xfrm>
-            <a:off x="7315202" y="4416550"/>
-            <a:ext cx="1828800" cy="731400"/>
+            <a:off x="7315202" y="4229100"/>
+            <a:ext cx="1828800" cy="914400"/>
           </a:xfrm>
           <a:prstGeom prst="rect">
             <a:avLst/>
@@ -18798,10 +19107,18 @@
               <a:buNone/>
             </a:pPr>
             <a:fld id="{00000000-1234-1234-1234-123412341234}" type="slidenum">
-              <a:rPr lang="en"/>
+              <a:rPr lang="en">
+                <a:solidFill>
+                  <a:schemeClr val="dk2"/>
+                </a:solidFill>
+              </a:rPr>
               <a:t>‹#›</a:t>
             </a:fld>
-            <a:endParaRPr/>
+            <a:endParaRPr>
+              <a:solidFill>
+                <a:schemeClr val="dk2"/>
+              </a:solidFill>
+            </a:endParaRPr>
           </a:p>
           <a:p>
             <a:pPr indent="0" lvl="0" marL="0" rtl="0" algn="r">
@@ -18820,7 +19137,7 @@
                 </a:solidFill>
                 <a:hlinkClick r:id="rId3"/>
               </a:rPr>
-              <a:t>https://profriehle.com</a:t>
+              <a:t>uni1.de/amos</a:t>
             </a:r>
             <a:r>
               <a:rPr b="0" lang="en" sz="900">
@@ -18830,7 +19147,11 @@
               </a:rPr>
               <a:t> </a:t>
             </a:r>
-            <a:endParaRPr/>
+            <a:endParaRPr b="0" sz="900">
+              <a:solidFill>
+                <a:schemeClr val="dk2"/>
+              </a:solidFill>
+            </a:endParaRPr>
           </a:p>
         </p:txBody>
       </p:sp>
@@ -19059,8 +19380,8 @@
         </p:nvSpPr>
         <p:spPr>
           <a:xfrm>
-            <a:off x="7315202" y="4416550"/>
-            <a:ext cx="1828800" cy="731400"/>
+            <a:off x="7315202" y="4229100"/>
+            <a:ext cx="1828800" cy="914400"/>
           </a:xfrm>
           <a:prstGeom prst="rect">
             <a:avLst/>
@@ -19082,10 +19403,18 @@
               <a:buNone/>
             </a:pPr>
             <a:fld id="{00000000-1234-1234-1234-123412341234}" type="slidenum">
-              <a:rPr lang="en"/>
+              <a:rPr lang="en">
+                <a:solidFill>
+                  <a:schemeClr val="dk2"/>
+                </a:solidFill>
+              </a:rPr>
               <a:t>‹#›</a:t>
             </a:fld>
-            <a:endParaRPr/>
+            <a:endParaRPr>
+              <a:solidFill>
+                <a:schemeClr val="dk2"/>
+              </a:solidFill>
+            </a:endParaRPr>
           </a:p>
           <a:p>
             <a:pPr indent="0" lvl="0" marL="0" rtl="0" algn="r">
@@ -19104,7 +19433,7 @@
                 </a:solidFill>
                 <a:hlinkClick r:id="rId3"/>
               </a:rPr>
-              <a:t>https://profriehle.com</a:t>
+              <a:t>uni1.de/amos</a:t>
             </a:r>
             <a:r>
               <a:rPr b="0" lang="en" sz="900">
@@ -19114,7 +19443,11 @@
               </a:rPr>
               <a:t> </a:t>
             </a:r>
-            <a:endParaRPr/>
+            <a:endParaRPr b="0" sz="900">
+              <a:solidFill>
+                <a:schemeClr val="dk2"/>
+              </a:solidFill>
+            </a:endParaRPr>
           </a:p>
         </p:txBody>
       </p:sp>
@@ -19370,8 +19703,8 @@
         </p:nvSpPr>
         <p:spPr>
           <a:xfrm>
-            <a:off x="7315202" y="4416550"/>
-            <a:ext cx="1828800" cy="731400"/>
+            <a:off x="7315202" y="4229100"/>
+            <a:ext cx="1828800" cy="914400"/>
           </a:xfrm>
           <a:prstGeom prst="rect">
             <a:avLst/>
@@ -19393,10 +19726,18 @@
               <a:buNone/>
             </a:pPr>
             <a:fld id="{00000000-1234-1234-1234-123412341234}" type="slidenum">
-              <a:rPr lang="en"/>
+              <a:rPr lang="en">
+                <a:solidFill>
+                  <a:schemeClr val="dk2"/>
+                </a:solidFill>
+              </a:rPr>
               <a:t>‹#›</a:t>
             </a:fld>
-            <a:endParaRPr/>
+            <a:endParaRPr>
+              <a:solidFill>
+                <a:schemeClr val="dk2"/>
+              </a:solidFill>
+            </a:endParaRPr>
           </a:p>
           <a:p>
             <a:pPr indent="0" lvl="0" marL="0" rtl="0" algn="r">
@@ -19415,7 +19756,7 @@
                 </a:solidFill>
                 <a:hlinkClick r:id="rId3"/>
               </a:rPr>
-              <a:t>https://profriehle.com</a:t>
+              <a:t>uni1.de/amos</a:t>
             </a:r>
             <a:r>
               <a:rPr b="0" lang="en" sz="900">
@@ -19425,7 +19766,11 @@
               </a:rPr>
               <a:t> </a:t>
             </a:r>
-            <a:endParaRPr/>
+            <a:endParaRPr b="0" sz="900">
+              <a:solidFill>
+                <a:schemeClr val="dk2"/>
+              </a:solidFill>
+            </a:endParaRPr>
           </a:p>
         </p:txBody>
       </p:sp>
@@ -19753,8 +20098,8 @@
         </p:nvSpPr>
         <p:spPr>
           <a:xfrm>
-            <a:off x="7315202" y="4416550"/>
-            <a:ext cx="1828800" cy="731400"/>
+            <a:off x="7315202" y="4229100"/>
+            <a:ext cx="1828800" cy="914400"/>
           </a:xfrm>
           <a:prstGeom prst="rect">
             <a:avLst/>
@@ -19776,10 +20121,18 @@
               <a:buNone/>
             </a:pPr>
             <a:fld id="{00000000-1234-1234-1234-123412341234}" type="slidenum">
-              <a:rPr lang="en"/>
+              <a:rPr lang="en">
+                <a:solidFill>
+                  <a:schemeClr val="dk2"/>
+                </a:solidFill>
+              </a:rPr>
               <a:t>‹#›</a:t>
             </a:fld>
-            <a:endParaRPr/>
+            <a:endParaRPr>
+              <a:solidFill>
+                <a:schemeClr val="dk2"/>
+              </a:solidFill>
+            </a:endParaRPr>
           </a:p>
           <a:p>
             <a:pPr indent="0" lvl="0" marL="0" rtl="0" algn="r">
@@ -19798,13 +20151,21 @@
                 </a:solidFill>
                 <a:hlinkClick r:id="rId3"/>
               </a:rPr>
-              <a:t>https://profriehle.com</a:t>
-            </a:r>
-            <a:r>
-              <a:rPr b="0" lang="en" sz="900"/>
+              <a:t>uni1.de/amos</a:t>
+            </a:r>
+            <a:r>
+              <a:rPr b="0" lang="en" sz="900">
+                <a:solidFill>
+                  <a:schemeClr val="dk2"/>
+                </a:solidFill>
+              </a:rPr>
               <a:t> </a:t>
             </a:r>
-            <a:endParaRPr b="0" sz="900"/>
+            <a:endParaRPr b="0" sz="900">
+              <a:solidFill>
+                <a:schemeClr val="dk2"/>
+              </a:solidFill>
+            </a:endParaRPr>
           </a:p>
         </p:txBody>
       </p:sp>
@@ -20176,8 +20537,8 @@
         </p:nvSpPr>
         <p:spPr>
           <a:xfrm>
-            <a:off x="7315202" y="4416550"/>
-            <a:ext cx="1828800" cy="731400"/>
+            <a:off x="7315202" y="4229100"/>
+            <a:ext cx="1828800" cy="914400"/>
           </a:xfrm>
           <a:prstGeom prst="rect">
             <a:avLst/>
@@ -20199,10 +20560,18 @@
               <a:buNone/>
             </a:pPr>
             <a:fld id="{00000000-1234-1234-1234-123412341234}" type="slidenum">
-              <a:rPr lang="en"/>
+              <a:rPr lang="en">
+                <a:solidFill>
+                  <a:schemeClr val="dk2"/>
+                </a:solidFill>
+              </a:rPr>
               <a:t>‹#›</a:t>
             </a:fld>
-            <a:endParaRPr/>
+            <a:endParaRPr>
+              <a:solidFill>
+                <a:schemeClr val="dk2"/>
+              </a:solidFill>
+            </a:endParaRPr>
           </a:p>
           <a:p>
             <a:pPr indent="0" lvl="0" marL="0" rtl="0" algn="r">
@@ -20221,7 +20590,7 @@
                 </a:solidFill>
                 <a:hlinkClick r:id="rId3"/>
               </a:rPr>
-              <a:t>https://profriehle.com</a:t>
+              <a:t>uni1.de/amos</a:t>
             </a:r>
             <a:r>
               <a:rPr b="0" lang="en" sz="900">
@@ -20231,7 +20600,11 @@
               </a:rPr>
               <a:t> </a:t>
             </a:r>
-            <a:endParaRPr/>
+            <a:endParaRPr b="0" sz="900">
+              <a:solidFill>
+                <a:schemeClr val="dk2"/>
+              </a:solidFill>
+            </a:endParaRPr>
           </a:p>
         </p:txBody>
       </p:sp>
@@ -20310,8 +20683,8 @@
         </p:nvSpPr>
         <p:spPr>
           <a:xfrm>
-            <a:off x="7315202" y="4416550"/>
-            <a:ext cx="1828800" cy="731400"/>
+            <a:off x="7315202" y="4229100"/>
+            <a:ext cx="1828800" cy="914400"/>
           </a:xfrm>
           <a:prstGeom prst="rect">
             <a:avLst/>
@@ -20333,10 +20706,18 @@
               <a:buNone/>
             </a:pPr>
             <a:fld id="{00000000-1234-1234-1234-123412341234}" type="slidenum">
-              <a:rPr lang="en"/>
+              <a:rPr lang="en">
+                <a:solidFill>
+                  <a:schemeClr val="dk2"/>
+                </a:solidFill>
+              </a:rPr>
               <a:t>‹#›</a:t>
             </a:fld>
-            <a:endParaRPr/>
+            <a:endParaRPr>
+              <a:solidFill>
+                <a:schemeClr val="dk2"/>
+              </a:solidFill>
+            </a:endParaRPr>
           </a:p>
           <a:p>
             <a:pPr indent="0" lvl="0" marL="0" rtl="0" algn="r">
@@ -20355,7 +20736,7 @@
                 </a:solidFill>
                 <a:hlinkClick r:id="rId3"/>
               </a:rPr>
-              <a:t>https://profriehle.com</a:t>
+              <a:t>uni1.de/amos</a:t>
             </a:r>
             <a:r>
               <a:rPr b="0" lang="en" sz="900">
@@ -20365,7 +20746,11 @@
               </a:rPr>
               <a:t> </a:t>
             </a:r>
-            <a:endParaRPr/>
+            <a:endParaRPr b="0" sz="900">
+              <a:solidFill>
+                <a:schemeClr val="dk2"/>
+              </a:solidFill>
+            </a:endParaRPr>
           </a:p>
         </p:txBody>
       </p:sp>
@@ -20635,8 +21020,8 @@
         </p:nvSpPr>
         <p:spPr>
           <a:xfrm>
-            <a:off x="7315202" y="4416550"/>
-            <a:ext cx="1828800" cy="731400"/>
+            <a:off x="7315202" y="4229100"/>
+            <a:ext cx="1828800" cy="914400"/>
           </a:xfrm>
           <a:prstGeom prst="rect">
             <a:avLst/>
@@ -20658,10 +21043,18 @@
               <a:buNone/>
             </a:pPr>
             <a:fld id="{00000000-1234-1234-1234-123412341234}" type="slidenum">
-              <a:rPr lang="en"/>
+              <a:rPr lang="en">
+                <a:solidFill>
+                  <a:schemeClr val="dk2"/>
+                </a:solidFill>
+              </a:rPr>
               <a:t>‹#›</a:t>
             </a:fld>
-            <a:endParaRPr/>
+            <a:endParaRPr>
+              <a:solidFill>
+                <a:schemeClr val="dk2"/>
+              </a:solidFill>
+            </a:endParaRPr>
           </a:p>
           <a:p>
             <a:pPr indent="0" lvl="0" marL="0" rtl="0" algn="r">
@@ -20680,7 +21073,7 @@
                 </a:solidFill>
                 <a:hlinkClick r:id="rId3"/>
               </a:rPr>
-              <a:t>https://profriehle.com</a:t>
+              <a:t>uni1.de/amos</a:t>
             </a:r>
             <a:r>
               <a:rPr b="0" lang="en" sz="900">
@@ -20690,7 +21083,11 @@
               </a:rPr>
               <a:t> </a:t>
             </a:r>
-            <a:endParaRPr/>
+            <a:endParaRPr b="0" sz="900">
+              <a:solidFill>
+                <a:schemeClr val="dk2"/>
+              </a:solidFill>
+            </a:endParaRPr>
           </a:p>
         </p:txBody>
       </p:sp>
@@ -20825,8 +21222,8 @@
         </p:nvSpPr>
         <p:spPr>
           <a:xfrm>
-            <a:off x="7315202" y="4416550"/>
-            <a:ext cx="1828800" cy="731400"/>
+            <a:off x="7315202" y="4229100"/>
+            <a:ext cx="1828800" cy="914400"/>
           </a:xfrm>
           <a:prstGeom prst="rect">
             <a:avLst/>
@@ -20848,10 +21245,18 @@
               <a:buNone/>
             </a:pPr>
             <a:fld id="{00000000-1234-1234-1234-123412341234}" type="slidenum">
-              <a:rPr lang="en"/>
+              <a:rPr lang="en">
+                <a:solidFill>
+                  <a:schemeClr val="dk2"/>
+                </a:solidFill>
+              </a:rPr>
               <a:t>‹#›</a:t>
             </a:fld>
-            <a:endParaRPr/>
+            <a:endParaRPr>
+              <a:solidFill>
+                <a:schemeClr val="dk2"/>
+              </a:solidFill>
+            </a:endParaRPr>
           </a:p>
           <a:p>
             <a:pPr indent="0" lvl="0" marL="0" rtl="0" algn="r">
@@ -20870,7 +21275,7 @@
                 </a:solidFill>
                 <a:hlinkClick r:id="rId3"/>
               </a:rPr>
-              <a:t>https://profriehle.com</a:t>
+              <a:t>uni1.de/amos</a:t>
             </a:r>
             <a:r>
               <a:rPr b="0" lang="en" sz="900">
@@ -20880,7 +21285,11 @@
               </a:rPr>
               <a:t> </a:t>
             </a:r>
-            <a:endParaRPr/>
+            <a:endParaRPr b="0" sz="900">
+              <a:solidFill>
+                <a:schemeClr val="dk2"/>
+              </a:solidFill>
+            </a:endParaRPr>
           </a:p>
         </p:txBody>
       </p:sp>

--- a/Lecture slides/AMOS B02 - Scrum and AMOS.pptx
+++ b/Lecture slides/AMOS B02 - Scrum and AMOS.pptx
@@ -744,7 +744,7 @@
       </p:grpSpPr>
       <p:sp>
         <p:nvSpPr>
-          <p:cNvPr id="33" name="Google Shape;33;p:notes"/>
+          <p:cNvPr id="33" name="Google Shape;33;g2cd8fcfcbb8_0_122:notes"/>
           <p:cNvSpPr/>
           <p:nvPr>
             <p:ph idx="2" type="sldImg"/>
@@ -753,7 +753,7 @@
         <p:spPr>
           <a:xfrm>
             <a:off x="381300" y="685800"/>
-            <a:ext cx="6096075" cy="3429000"/>
+            <a:ext cx="6096000" cy="3429000"/>
           </a:xfrm>
           <a:custGeom>
             <a:rect b="b" l="l" r="r" t="t"/>
@@ -779,7 +779,7 @@
       </p:sp>
       <p:sp>
         <p:nvSpPr>
-          <p:cNvPr id="34" name="Google Shape;34;p:notes"/>
+          <p:cNvPr id="34" name="Google Shape;34;g2cd8fcfcbb8_0_122:notes"/>
           <p:cNvSpPr txBox="1"/>
           <p:nvPr>
             <p:ph idx="1" type="body"/>
@@ -5678,7 +5678,7 @@
               <a:buNone/>
             </a:pPr>
             <a:r>
-              <a:rPr b="0" lang="en" sz="900" u="sng">
+              <a:rPr b="0" lang="en" sz="1000" u="sng">
                 <a:solidFill>
                   <a:schemeClr val="hlink"/>
                 </a:solidFill>
@@ -5687,10 +5687,10 @@
               <a:t>uni1.de/amos</a:t>
             </a:r>
             <a:r>
-              <a:rPr b="0" lang="en" sz="900"/>
+              <a:rPr b="0" lang="en" sz="1000"/>
               <a:t> </a:t>
             </a:r>
-            <a:endParaRPr b="0" sz="900"/>
+            <a:endParaRPr b="0" sz="1000"/>
           </a:p>
         </p:txBody>
       </p:sp>
@@ -6269,7 +6269,7 @@
               <a:buNone/>
             </a:pPr>
             <a:r>
-              <a:rPr b="0" lang="en" sz="900" u="sng">
+              <a:rPr b="0" lang="en" sz="1000" u="sng">
                 <a:solidFill>
                   <a:schemeClr val="hlink"/>
                 </a:solidFill>
@@ -6278,10 +6278,10 @@
               <a:t>uni1.de/amos</a:t>
             </a:r>
             <a:r>
-              <a:rPr b="0" lang="en" sz="900"/>
+              <a:rPr b="0" lang="en" sz="1000"/>
               <a:t> </a:t>
             </a:r>
-            <a:endParaRPr b="0" sz="900"/>
+            <a:endParaRPr b="0" sz="1000"/>
           </a:p>
         </p:txBody>
       </p:sp>
@@ -6603,7 +6603,7 @@
               <a:buNone/>
             </a:pPr>
             <a:r>
-              <a:rPr b="0" lang="en" sz="900" u="sng">
+              <a:rPr b="0" lang="en" sz="1000" u="sng">
                 <a:solidFill>
                   <a:schemeClr val="hlink"/>
                 </a:solidFill>
@@ -6612,10 +6612,10 @@
               <a:t>uni1.de/amos</a:t>
             </a:r>
             <a:r>
-              <a:rPr b="0" lang="en" sz="900"/>
+              <a:rPr b="0" lang="en" sz="1000"/>
               <a:t> </a:t>
             </a:r>
-            <a:endParaRPr b="0" sz="900"/>
+            <a:endParaRPr b="0" sz="1000"/>
           </a:p>
         </p:txBody>
       </p:sp>
@@ -8184,18 +8184,10 @@
               <a:buNone/>
             </a:pPr>
             <a:fld id="{00000000-1234-1234-1234-123412341234}" type="slidenum">
-              <a:rPr lang="en">
-                <a:solidFill>
-                  <a:schemeClr val="dk2"/>
-                </a:solidFill>
-              </a:rPr>
+              <a:rPr lang="en"/>
               <a:t>‹#›</a:t>
             </a:fld>
-            <a:endParaRPr>
-              <a:solidFill>
-                <a:schemeClr val="dk2"/>
-              </a:solidFill>
-            </a:endParaRPr>
+            <a:endParaRPr/>
           </a:p>
           <a:p>
             <a:pPr indent="0" lvl="0" marL="0" rtl="0" algn="r">
@@ -8208,7 +8200,7 @@
               <a:buNone/>
             </a:pPr>
             <a:r>
-              <a:rPr b="0" lang="en" sz="900" u="sng">
+              <a:rPr b="0" lang="en" sz="1000" u="sng">
                 <a:solidFill>
                   <a:schemeClr val="hlink"/>
                 </a:solidFill>
@@ -8217,18 +8209,10 @@
               <a:t>uni1.de/amos</a:t>
             </a:r>
             <a:r>
-              <a:rPr b="0" lang="en" sz="900">
-                <a:solidFill>
-                  <a:schemeClr val="dk2"/>
-                </a:solidFill>
-              </a:rPr>
+              <a:rPr b="0" lang="en" sz="1000"/>
               <a:t> </a:t>
             </a:r>
-            <a:endParaRPr b="0" sz="900">
-              <a:solidFill>
-                <a:schemeClr val="dk2"/>
-              </a:solidFill>
-            </a:endParaRPr>
+            <a:endParaRPr b="0" sz="1000"/>
           </a:p>
         </p:txBody>
       </p:sp>
@@ -8358,18 +8342,10 @@
               <a:buNone/>
             </a:pPr>
             <a:fld id="{00000000-1234-1234-1234-123412341234}" type="slidenum">
-              <a:rPr lang="en">
-                <a:solidFill>
-                  <a:schemeClr val="dk2"/>
-                </a:solidFill>
-              </a:rPr>
+              <a:rPr lang="en"/>
               <a:t>‹#›</a:t>
             </a:fld>
-            <a:endParaRPr>
-              <a:solidFill>
-                <a:schemeClr val="dk2"/>
-              </a:solidFill>
-            </a:endParaRPr>
+            <a:endParaRPr/>
           </a:p>
           <a:p>
             <a:pPr indent="0" lvl="0" marL="0" rtl="0" algn="r">
@@ -8382,7 +8358,7 @@
               <a:buNone/>
             </a:pPr>
             <a:r>
-              <a:rPr b="0" lang="en" sz="900" u="sng">
+              <a:rPr b="0" lang="en" sz="1000" u="sng">
                 <a:solidFill>
                   <a:schemeClr val="hlink"/>
                 </a:solidFill>
@@ -8391,18 +8367,10 @@
               <a:t>uni1.de/amos</a:t>
             </a:r>
             <a:r>
-              <a:rPr b="0" lang="en" sz="900">
-                <a:solidFill>
-                  <a:schemeClr val="dk2"/>
-                </a:solidFill>
-              </a:rPr>
+              <a:rPr b="0" lang="en" sz="1000"/>
               <a:t> </a:t>
             </a:r>
-            <a:endParaRPr b="0" sz="900">
-              <a:solidFill>
-                <a:schemeClr val="dk2"/>
-              </a:solidFill>
-            </a:endParaRPr>
+            <a:endParaRPr b="0" sz="1000"/>
           </a:p>
         </p:txBody>
       </p:sp>
@@ -8718,18 +8686,10 @@
               <a:buNone/>
             </a:pPr>
             <a:fld id="{00000000-1234-1234-1234-123412341234}" type="slidenum">
-              <a:rPr lang="en">
-                <a:solidFill>
-                  <a:schemeClr val="dk2"/>
-                </a:solidFill>
-              </a:rPr>
+              <a:rPr lang="en"/>
               <a:t>‹#›</a:t>
             </a:fld>
-            <a:endParaRPr>
-              <a:solidFill>
-                <a:schemeClr val="dk2"/>
-              </a:solidFill>
-            </a:endParaRPr>
+            <a:endParaRPr/>
           </a:p>
           <a:p>
             <a:pPr indent="0" lvl="0" marL="0" rtl="0" algn="r">
@@ -8742,7 +8702,7 @@
               <a:buNone/>
             </a:pPr>
             <a:r>
-              <a:rPr b="0" lang="en" sz="900" u="sng">
+              <a:rPr b="0" lang="en" sz="1000" u="sng">
                 <a:solidFill>
                   <a:schemeClr val="hlink"/>
                 </a:solidFill>
@@ -8751,18 +8711,10 @@
               <a:t>uni1.de/amos</a:t>
             </a:r>
             <a:r>
-              <a:rPr b="0" lang="en" sz="900">
-                <a:solidFill>
-                  <a:schemeClr val="dk2"/>
-                </a:solidFill>
-              </a:rPr>
+              <a:rPr b="0" lang="en" sz="1000"/>
               <a:t> </a:t>
             </a:r>
-            <a:endParaRPr b="0" sz="900">
-              <a:solidFill>
-                <a:schemeClr val="dk2"/>
-              </a:solidFill>
-            </a:endParaRPr>
+            <a:endParaRPr b="0" sz="1000"/>
           </a:p>
         </p:txBody>
       </p:sp>
@@ -8974,18 +8926,10 @@
               <a:buNone/>
             </a:pPr>
             <a:fld id="{00000000-1234-1234-1234-123412341234}" type="slidenum">
-              <a:rPr lang="en">
-                <a:solidFill>
-                  <a:schemeClr val="dk2"/>
-                </a:solidFill>
-              </a:rPr>
+              <a:rPr lang="en"/>
               <a:t>‹#›</a:t>
             </a:fld>
-            <a:endParaRPr>
-              <a:solidFill>
-                <a:schemeClr val="dk2"/>
-              </a:solidFill>
-            </a:endParaRPr>
+            <a:endParaRPr/>
           </a:p>
           <a:p>
             <a:pPr indent="0" lvl="0" marL="0" rtl="0" algn="r">
@@ -8998,7 +8942,7 @@
               <a:buNone/>
             </a:pPr>
             <a:r>
-              <a:rPr b="0" lang="en" sz="900" u="sng">
+              <a:rPr b="0" lang="en" sz="1000" u="sng">
                 <a:solidFill>
                   <a:schemeClr val="hlink"/>
                 </a:solidFill>
@@ -9007,18 +8951,10 @@
               <a:t>uni1.de/amos</a:t>
             </a:r>
             <a:r>
-              <a:rPr b="0" lang="en" sz="900">
-                <a:solidFill>
-                  <a:schemeClr val="dk2"/>
-                </a:solidFill>
-              </a:rPr>
+              <a:rPr b="0" lang="en" sz="1000"/>
               <a:t> </a:t>
             </a:r>
-            <a:endParaRPr b="0" sz="900">
-              <a:solidFill>
-                <a:schemeClr val="dk2"/>
-              </a:solidFill>
-            </a:endParaRPr>
+            <a:endParaRPr b="0" sz="1000"/>
           </a:p>
         </p:txBody>
       </p:sp>
@@ -9396,18 +9332,10 @@
               <a:buNone/>
             </a:pPr>
             <a:fld id="{00000000-1234-1234-1234-123412341234}" type="slidenum">
-              <a:rPr lang="en">
-                <a:solidFill>
-                  <a:schemeClr val="dk2"/>
-                </a:solidFill>
-              </a:rPr>
+              <a:rPr lang="en"/>
               <a:t>‹#›</a:t>
             </a:fld>
-            <a:endParaRPr>
-              <a:solidFill>
-                <a:schemeClr val="dk2"/>
-              </a:solidFill>
-            </a:endParaRPr>
+            <a:endParaRPr/>
           </a:p>
           <a:p>
             <a:pPr indent="0" lvl="0" marL="0" rtl="0" algn="r">
@@ -9420,7 +9348,7 @@
               <a:buNone/>
             </a:pPr>
             <a:r>
-              <a:rPr b="0" lang="en" sz="900" u="sng">
+              <a:rPr b="0" lang="en" sz="1000" u="sng">
                 <a:solidFill>
                   <a:schemeClr val="hlink"/>
                 </a:solidFill>
@@ -9429,18 +9357,10 @@
               <a:t>uni1.de/amos</a:t>
             </a:r>
             <a:r>
-              <a:rPr b="0" lang="en" sz="900">
-                <a:solidFill>
-                  <a:schemeClr val="dk2"/>
-                </a:solidFill>
-              </a:rPr>
+              <a:rPr b="0" lang="en" sz="1000"/>
               <a:t> </a:t>
             </a:r>
-            <a:endParaRPr b="0" sz="900">
-              <a:solidFill>
-                <a:schemeClr val="dk2"/>
-              </a:solidFill>
-            </a:endParaRPr>
+            <a:endParaRPr b="0" sz="1000"/>
           </a:p>
         </p:txBody>
       </p:sp>
@@ -9664,18 +9584,10 @@
               <a:buNone/>
             </a:pPr>
             <a:fld id="{00000000-1234-1234-1234-123412341234}" type="slidenum">
-              <a:rPr lang="en">
-                <a:solidFill>
-                  <a:schemeClr val="dk2"/>
-                </a:solidFill>
-              </a:rPr>
+              <a:rPr lang="en"/>
               <a:t>‹#›</a:t>
             </a:fld>
-            <a:endParaRPr>
-              <a:solidFill>
-                <a:schemeClr val="dk2"/>
-              </a:solidFill>
-            </a:endParaRPr>
+            <a:endParaRPr/>
           </a:p>
           <a:p>
             <a:pPr indent="0" lvl="0" marL="0" rtl="0" algn="r">
@@ -9688,7 +9600,7 @@
               <a:buNone/>
             </a:pPr>
             <a:r>
-              <a:rPr b="0" lang="en" sz="900" u="sng">
+              <a:rPr b="0" lang="en" sz="1000" u="sng">
                 <a:solidFill>
                   <a:schemeClr val="hlink"/>
                 </a:solidFill>
@@ -9697,18 +9609,10 @@
               <a:t>uni1.de/amos</a:t>
             </a:r>
             <a:r>
-              <a:rPr b="0" lang="en" sz="900">
-                <a:solidFill>
-                  <a:schemeClr val="dk2"/>
-                </a:solidFill>
-              </a:rPr>
+              <a:rPr b="0" lang="en" sz="1000"/>
               <a:t> </a:t>
             </a:r>
-            <a:endParaRPr b="0" sz="900">
-              <a:solidFill>
-                <a:schemeClr val="dk2"/>
-              </a:solidFill>
-            </a:endParaRPr>
+            <a:endParaRPr b="0" sz="1000"/>
           </a:p>
         </p:txBody>
       </p:sp>
@@ -9810,18 +9714,10 @@
               <a:buNone/>
             </a:pPr>
             <a:fld id="{00000000-1234-1234-1234-123412341234}" type="slidenum">
-              <a:rPr lang="en">
-                <a:solidFill>
-                  <a:schemeClr val="dk2"/>
-                </a:solidFill>
-              </a:rPr>
+              <a:rPr lang="en"/>
               <a:t>‹#›</a:t>
             </a:fld>
-            <a:endParaRPr>
-              <a:solidFill>
-                <a:schemeClr val="dk2"/>
-              </a:solidFill>
-            </a:endParaRPr>
+            <a:endParaRPr/>
           </a:p>
           <a:p>
             <a:pPr indent="0" lvl="0" marL="0" rtl="0" algn="r">
@@ -9834,7 +9730,7 @@
               <a:buNone/>
             </a:pPr>
             <a:r>
-              <a:rPr b="0" lang="en" sz="900" u="sng">
+              <a:rPr b="0" lang="en" sz="1000" u="sng">
                 <a:solidFill>
                   <a:schemeClr val="hlink"/>
                 </a:solidFill>
@@ -9843,18 +9739,10 @@
               <a:t>uni1.de/amos</a:t>
             </a:r>
             <a:r>
-              <a:rPr b="0" lang="en" sz="900">
-                <a:solidFill>
-                  <a:schemeClr val="dk2"/>
-                </a:solidFill>
-              </a:rPr>
+              <a:rPr b="0" lang="en" sz="1000"/>
               <a:t> </a:t>
             </a:r>
-            <a:endParaRPr b="0" sz="900">
-              <a:solidFill>
-                <a:schemeClr val="dk2"/>
-              </a:solidFill>
-            </a:endParaRPr>
+            <a:endParaRPr b="0" sz="1000"/>
           </a:p>
         </p:txBody>
       </p:sp>
@@ -10183,18 +10071,10 @@
               <a:buNone/>
             </a:pPr>
             <a:fld id="{00000000-1234-1234-1234-123412341234}" type="slidenum">
-              <a:rPr lang="en">
-                <a:solidFill>
-                  <a:schemeClr val="dk2"/>
-                </a:solidFill>
-              </a:rPr>
+              <a:rPr lang="en"/>
               <a:t>‹#›</a:t>
             </a:fld>
-            <a:endParaRPr>
-              <a:solidFill>
-                <a:schemeClr val="dk2"/>
-              </a:solidFill>
-            </a:endParaRPr>
+            <a:endParaRPr/>
           </a:p>
           <a:p>
             <a:pPr indent="0" lvl="0" marL="0" rtl="0" algn="r">
@@ -10207,7 +10087,7 @@
               <a:buNone/>
             </a:pPr>
             <a:r>
-              <a:rPr b="0" lang="en" sz="900" u="sng">
+              <a:rPr b="0" lang="en" sz="1000" u="sng">
                 <a:solidFill>
                   <a:schemeClr val="hlink"/>
                 </a:solidFill>
@@ -10216,18 +10096,10 @@
               <a:t>uni1.de/amos</a:t>
             </a:r>
             <a:r>
-              <a:rPr b="0" lang="en" sz="900">
-                <a:solidFill>
-                  <a:schemeClr val="dk2"/>
-                </a:solidFill>
-              </a:rPr>
+              <a:rPr b="0" lang="en" sz="1000"/>
               <a:t> </a:t>
             </a:r>
-            <a:endParaRPr b="0" sz="900">
-              <a:solidFill>
-                <a:schemeClr val="dk2"/>
-              </a:solidFill>
-            </a:endParaRPr>
+            <a:endParaRPr b="0" sz="1000"/>
           </a:p>
         </p:txBody>
       </p:sp>
@@ -10627,18 +10499,10 @@
               <a:buNone/>
             </a:pPr>
             <a:fld id="{00000000-1234-1234-1234-123412341234}" type="slidenum">
-              <a:rPr lang="en">
-                <a:solidFill>
-                  <a:schemeClr val="dk2"/>
-                </a:solidFill>
-              </a:rPr>
+              <a:rPr lang="en"/>
               <a:t>‹#›</a:t>
             </a:fld>
-            <a:endParaRPr>
-              <a:solidFill>
-                <a:schemeClr val="dk2"/>
-              </a:solidFill>
-            </a:endParaRPr>
+            <a:endParaRPr/>
           </a:p>
           <a:p>
             <a:pPr indent="0" lvl="0" marL="0" rtl="0" algn="r">
@@ -10651,7 +10515,7 @@
               <a:buNone/>
             </a:pPr>
             <a:r>
-              <a:rPr b="0" lang="en" sz="900" u="sng">
+              <a:rPr b="0" lang="en" sz="1000" u="sng">
                 <a:solidFill>
                   <a:schemeClr val="hlink"/>
                 </a:solidFill>
@@ -10660,18 +10524,10 @@
               <a:t>uni1.de/amos</a:t>
             </a:r>
             <a:r>
-              <a:rPr b="0" lang="en" sz="900">
-                <a:solidFill>
-                  <a:schemeClr val="dk2"/>
-                </a:solidFill>
-              </a:rPr>
+              <a:rPr b="0" lang="en" sz="1000"/>
               <a:t> </a:t>
             </a:r>
-            <a:endParaRPr b="0" sz="900">
-              <a:solidFill>
-                <a:schemeClr val="dk2"/>
-              </a:solidFill>
-            </a:endParaRPr>
+            <a:endParaRPr b="0" sz="1000"/>
           </a:p>
         </p:txBody>
       </p:sp>
@@ -10906,18 +10762,10 @@
               <a:buNone/>
             </a:pPr>
             <a:fld id="{00000000-1234-1234-1234-123412341234}" type="slidenum">
-              <a:rPr lang="en">
-                <a:solidFill>
-                  <a:schemeClr val="dk2"/>
-                </a:solidFill>
-              </a:rPr>
+              <a:rPr lang="en"/>
               <a:t>‹#›</a:t>
             </a:fld>
-            <a:endParaRPr>
-              <a:solidFill>
-                <a:schemeClr val="dk2"/>
-              </a:solidFill>
-            </a:endParaRPr>
+            <a:endParaRPr/>
           </a:p>
           <a:p>
             <a:pPr indent="0" lvl="0" marL="0" rtl="0" algn="r">
@@ -10930,7 +10778,7 @@
               <a:buNone/>
             </a:pPr>
             <a:r>
-              <a:rPr b="0" lang="en" sz="900" u="sng">
+              <a:rPr b="0" lang="en" sz="1000" u="sng">
                 <a:solidFill>
                   <a:schemeClr val="hlink"/>
                 </a:solidFill>
@@ -10939,18 +10787,10 @@
               <a:t>uni1.de/amos</a:t>
             </a:r>
             <a:r>
-              <a:rPr b="0" lang="en" sz="900">
-                <a:solidFill>
-                  <a:schemeClr val="dk2"/>
-                </a:solidFill>
-              </a:rPr>
+              <a:rPr b="0" lang="en" sz="1000"/>
               <a:t> </a:t>
             </a:r>
-            <a:endParaRPr b="0" sz="900">
-              <a:solidFill>
-                <a:schemeClr val="dk2"/>
-              </a:solidFill>
-            </a:endParaRPr>
+            <a:endParaRPr b="0" sz="1000"/>
           </a:p>
         </p:txBody>
       </p:sp>
@@ -11100,18 +10940,10 @@
               <a:buNone/>
             </a:pPr>
             <a:fld id="{00000000-1234-1234-1234-123412341234}" type="slidenum">
-              <a:rPr lang="en">
-                <a:solidFill>
-                  <a:schemeClr val="dk2"/>
-                </a:solidFill>
-              </a:rPr>
+              <a:rPr lang="en"/>
               <a:t>‹#›</a:t>
             </a:fld>
-            <a:endParaRPr>
-              <a:solidFill>
-                <a:schemeClr val="dk2"/>
-              </a:solidFill>
-            </a:endParaRPr>
+            <a:endParaRPr/>
           </a:p>
           <a:p>
             <a:pPr indent="0" lvl="0" marL="0" rtl="0" algn="r">
@@ -11124,7 +10956,7 @@
               <a:buNone/>
             </a:pPr>
             <a:r>
-              <a:rPr b="0" lang="en" sz="900" u="sng">
+              <a:rPr b="0" lang="en" sz="1000" u="sng">
                 <a:solidFill>
                   <a:schemeClr val="hlink"/>
                 </a:solidFill>
@@ -11133,18 +10965,10 @@
               <a:t>uni1.de/amos</a:t>
             </a:r>
             <a:r>
-              <a:rPr b="0" lang="en" sz="900">
-                <a:solidFill>
-                  <a:schemeClr val="dk2"/>
-                </a:solidFill>
-              </a:rPr>
+              <a:rPr b="0" lang="en" sz="1000"/>
               <a:t> </a:t>
             </a:r>
-            <a:endParaRPr b="0" sz="900">
-              <a:solidFill>
-                <a:schemeClr val="dk2"/>
-              </a:solidFill>
-            </a:endParaRPr>
+            <a:endParaRPr b="0" sz="1000"/>
           </a:p>
         </p:txBody>
       </p:sp>
@@ -11687,18 +11511,10 @@
               <a:buNone/>
             </a:pPr>
             <a:fld id="{00000000-1234-1234-1234-123412341234}" type="slidenum">
-              <a:rPr lang="en">
-                <a:solidFill>
-                  <a:schemeClr val="dk2"/>
-                </a:solidFill>
-              </a:rPr>
+              <a:rPr lang="en"/>
               <a:t>‹#›</a:t>
             </a:fld>
-            <a:endParaRPr>
-              <a:solidFill>
-                <a:schemeClr val="dk2"/>
-              </a:solidFill>
-            </a:endParaRPr>
+            <a:endParaRPr/>
           </a:p>
           <a:p>
             <a:pPr indent="0" lvl="0" marL="0" rtl="0" algn="r">
@@ -11711,7 +11527,7 @@
               <a:buNone/>
             </a:pPr>
             <a:r>
-              <a:rPr b="0" lang="en" sz="900" u="sng">
+              <a:rPr b="0" lang="en" sz="1000" u="sng">
                 <a:solidFill>
                   <a:schemeClr val="hlink"/>
                 </a:solidFill>
@@ -11720,18 +11536,10 @@
               <a:t>uni1.de/amos</a:t>
             </a:r>
             <a:r>
-              <a:rPr b="0" lang="en" sz="900">
-                <a:solidFill>
-                  <a:schemeClr val="dk2"/>
-                </a:solidFill>
-              </a:rPr>
+              <a:rPr b="0" lang="en" sz="1000"/>
               <a:t> </a:t>
             </a:r>
-            <a:endParaRPr b="0" sz="900">
-              <a:solidFill>
-                <a:schemeClr val="dk2"/>
-              </a:solidFill>
-            </a:endParaRPr>
+            <a:endParaRPr b="0" sz="1000"/>
           </a:p>
         </p:txBody>
       </p:sp>
@@ -11890,18 +11698,10 @@
               <a:buNone/>
             </a:pPr>
             <a:fld id="{00000000-1234-1234-1234-123412341234}" type="slidenum">
-              <a:rPr lang="en">
-                <a:solidFill>
-                  <a:schemeClr val="dk2"/>
-                </a:solidFill>
-              </a:rPr>
+              <a:rPr lang="en"/>
               <a:t>‹#›</a:t>
             </a:fld>
-            <a:endParaRPr>
-              <a:solidFill>
-                <a:schemeClr val="dk2"/>
-              </a:solidFill>
-            </a:endParaRPr>
+            <a:endParaRPr/>
           </a:p>
           <a:p>
             <a:pPr indent="0" lvl="0" marL="0" rtl="0" algn="r">
@@ -11914,7 +11714,7 @@
               <a:buNone/>
             </a:pPr>
             <a:r>
-              <a:rPr b="0" lang="en" sz="900" u="sng">
+              <a:rPr b="0" lang="en" sz="1000" u="sng">
                 <a:solidFill>
                   <a:schemeClr val="hlink"/>
                 </a:solidFill>
@@ -11923,18 +11723,10 @@
               <a:t>uni1.de/amos</a:t>
             </a:r>
             <a:r>
-              <a:rPr b="0" lang="en" sz="900">
-                <a:solidFill>
-                  <a:schemeClr val="dk2"/>
-                </a:solidFill>
-              </a:rPr>
+              <a:rPr b="0" lang="en" sz="1000"/>
               <a:t> </a:t>
             </a:r>
-            <a:endParaRPr b="0" sz="900">
-              <a:solidFill>
-                <a:schemeClr val="dk2"/>
-              </a:solidFill>
-            </a:endParaRPr>
+            <a:endParaRPr b="0" sz="1000"/>
           </a:p>
         </p:txBody>
       </p:sp>
@@ -12036,18 +11828,10 @@
               <a:buNone/>
             </a:pPr>
             <a:fld id="{00000000-1234-1234-1234-123412341234}" type="slidenum">
-              <a:rPr lang="en">
-                <a:solidFill>
-                  <a:schemeClr val="dk2"/>
-                </a:solidFill>
-              </a:rPr>
+              <a:rPr lang="en"/>
               <a:t>‹#›</a:t>
             </a:fld>
-            <a:endParaRPr>
-              <a:solidFill>
-                <a:schemeClr val="dk2"/>
-              </a:solidFill>
-            </a:endParaRPr>
+            <a:endParaRPr/>
           </a:p>
           <a:p>
             <a:pPr indent="0" lvl="0" marL="0" rtl="0" algn="r">
@@ -12060,7 +11844,7 @@
               <a:buNone/>
             </a:pPr>
             <a:r>
-              <a:rPr b="0" lang="en" sz="900" u="sng">
+              <a:rPr b="0" lang="en" sz="1000" u="sng">
                 <a:solidFill>
                   <a:schemeClr val="hlink"/>
                 </a:solidFill>
@@ -12069,18 +11853,10 @@
               <a:t>uni1.de/amos</a:t>
             </a:r>
             <a:r>
-              <a:rPr b="0" lang="en" sz="900">
-                <a:solidFill>
-                  <a:schemeClr val="dk2"/>
-                </a:solidFill>
-              </a:rPr>
+              <a:rPr b="0" lang="en" sz="1000"/>
               <a:t> </a:t>
             </a:r>
-            <a:endParaRPr b="0" sz="900">
-              <a:solidFill>
-                <a:schemeClr val="dk2"/>
-              </a:solidFill>
-            </a:endParaRPr>
+            <a:endParaRPr b="0" sz="1000"/>
           </a:p>
         </p:txBody>
       </p:sp>
@@ -12295,18 +12071,10 @@
               <a:buNone/>
             </a:pPr>
             <a:fld id="{00000000-1234-1234-1234-123412341234}" type="slidenum">
-              <a:rPr lang="en">
-                <a:solidFill>
-                  <a:schemeClr val="dk2"/>
-                </a:solidFill>
-              </a:rPr>
+              <a:rPr lang="en"/>
               <a:t>‹#›</a:t>
             </a:fld>
-            <a:endParaRPr>
-              <a:solidFill>
-                <a:schemeClr val="dk2"/>
-              </a:solidFill>
-            </a:endParaRPr>
+            <a:endParaRPr/>
           </a:p>
           <a:p>
             <a:pPr indent="0" lvl="0" marL="0" rtl="0" algn="r">
@@ -12319,7 +12087,7 @@
               <a:buNone/>
             </a:pPr>
             <a:r>
-              <a:rPr b="0" lang="en" sz="900" u="sng">
+              <a:rPr b="0" lang="en" sz="1000" u="sng">
                 <a:solidFill>
                   <a:schemeClr val="hlink"/>
                 </a:solidFill>
@@ -12328,18 +12096,10 @@
               <a:t>uni1.de/amos</a:t>
             </a:r>
             <a:r>
-              <a:rPr b="0" lang="en" sz="900">
-                <a:solidFill>
-                  <a:schemeClr val="dk2"/>
-                </a:solidFill>
-              </a:rPr>
+              <a:rPr b="0" lang="en" sz="1000"/>
               <a:t> </a:t>
             </a:r>
-            <a:endParaRPr b="0" sz="900">
-              <a:solidFill>
-                <a:schemeClr val="dk2"/>
-              </a:solidFill>
-            </a:endParaRPr>
+            <a:endParaRPr b="0" sz="1000"/>
           </a:p>
         </p:txBody>
       </p:sp>
@@ -12718,18 +12478,10 @@
               <a:buNone/>
             </a:pPr>
             <a:fld id="{00000000-1234-1234-1234-123412341234}" type="slidenum">
-              <a:rPr lang="en">
-                <a:solidFill>
-                  <a:schemeClr val="dk2"/>
-                </a:solidFill>
-              </a:rPr>
+              <a:rPr lang="en"/>
               <a:t>‹#›</a:t>
             </a:fld>
-            <a:endParaRPr>
-              <a:solidFill>
-                <a:schemeClr val="dk2"/>
-              </a:solidFill>
-            </a:endParaRPr>
+            <a:endParaRPr/>
           </a:p>
           <a:p>
             <a:pPr indent="0" lvl="0" marL="0" rtl="0" algn="r">
@@ -12742,7 +12494,7 @@
               <a:buNone/>
             </a:pPr>
             <a:r>
-              <a:rPr b="0" lang="en" sz="900" u="sng">
+              <a:rPr b="0" lang="en" sz="1000" u="sng">
                 <a:solidFill>
                   <a:schemeClr val="hlink"/>
                 </a:solidFill>
@@ -12751,18 +12503,10 @@
               <a:t>uni1.de/amos</a:t>
             </a:r>
             <a:r>
-              <a:rPr b="0" lang="en" sz="900">
-                <a:solidFill>
-                  <a:schemeClr val="dk2"/>
-                </a:solidFill>
-              </a:rPr>
+              <a:rPr b="0" lang="en" sz="1000"/>
               <a:t> </a:t>
             </a:r>
-            <a:endParaRPr b="0" sz="900">
-              <a:solidFill>
-                <a:schemeClr val="dk2"/>
-              </a:solidFill>
-            </a:endParaRPr>
+            <a:endParaRPr b="0" sz="1000"/>
           </a:p>
         </p:txBody>
       </p:sp>
@@ -12781,7 +12525,7 @@
             <a:tbl>
               <a:tblPr>
                 <a:noFill/>
-                <a:tableStyleId>{4429471C-040D-467B-BCBC-9C002CF9ED56}</a:tableStyleId>
+                <a:tableStyleId>{E6B8B31A-AD35-45E7-8925-507B150AF63E}</a:tableStyleId>
               </a:tblPr>
               <a:tblGrid>
                 <a:gridCol w="2057400"/>
@@ -13917,18 +13661,10 @@
               <a:buNone/>
             </a:pPr>
             <a:fld id="{00000000-1234-1234-1234-123412341234}" type="slidenum">
-              <a:rPr lang="en">
-                <a:solidFill>
-                  <a:schemeClr val="dk2"/>
-                </a:solidFill>
-              </a:rPr>
+              <a:rPr lang="en"/>
               <a:t>‹#›</a:t>
             </a:fld>
-            <a:endParaRPr>
-              <a:solidFill>
-                <a:schemeClr val="dk2"/>
-              </a:solidFill>
-            </a:endParaRPr>
+            <a:endParaRPr/>
           </a:p>
           <a:p>
             <a:pPr indent="0" lvl="0" marL="0" rtl="0" algn="r">
@@ -13941,7 +13677,7 @@
               <a:buNone/>
             </a:pPr>
             <a:r>
-              <a:rPr b="0" lang="en" sz="900" u="sng">
+              <a:rPr b="0" lang="en" sz="1000" u="sng">
                 <a:solidFill>
                   <a:schemeClr val="hlink"/>
                 </a:solidFill>
@@ -13950,18 +13686,10 @@
               <a:t>uni1.de/amos</a:t>
             </a:r>
             <a:r>
-              <a:rPr b="0" lang="en" sz="900">
-                <a:solidFill>
-                  <a:schemeClr val="dk2"/>
-                </a:solidFill>
-              </a:rPr>
+              <a:rPr b="0" lang="en" sz="1000"/>
               <a:t> </a:t>
             </a:r>
-            <a:endParaRPr b="0" sz="900">
-              <a:solidFill>
-                <a:schemeClr val="dk2"/>
-              </a:solidFill>
-            </a:endParaRPr>
+            <a:endParaRPr b="0" sz="1000"/>
           </a:p>
         </p:txBody>
       </p:sp>
@@ -14252,18 +13980,10 @@
               <a:buNone/>
             </a:pPr>
             <a:fld id="{00000000-1234-1234-1234-123412341234}" type="slidenum">
-              <a:rPr lang="en">
-                <a:solidFill>
-                  <a:schemeClr val="dk2"/>
-                </a:solidFill>
-              </a:rPr>
+              <a:rPr lang="en"/>
               <a:t>‹#›</a:t>
             </a:fld>
-            <a:endParaRPr>
-              <a:solidFill>
-                <a:schemeClr val="dk2"/>
-              </a:solidFill>
-            </a:endParaRPr>
+            <a:endParaRPr/>
           </a:p>
           <a:p>
             <a:pPr indent="0" lvl="0" marL="0" rtl="0" algn="r">
@@ -14276,7 +13996,7 @@
               <a:buNone/>
             </a:pPr>
             <a:r>
-              <a:rPr b="0" lang="en" sz="900" u="sng">
+              <a:rPr b="0" lang="en" sz="1000" u="sng">
                 <a:solidFill>
                   <a:schemeClr val="hlink"/>
                 </a:solidFill>
@@ -14285,18 +14005,10 @@
               <a:t>uni1.de/amos</a:t>
             </a:r>
             <a:r>
-              <a:rPr b="0" lang="en" sz="900">
-                <a:solidFill>
-                  <a:schemeClr val="dk2"/>
-                </a:solidFill>
-              </a:rPr>
+              <a:rPr b="0" lang="en" sz="1000"/>
               <a:t> </a:t>
             </a:r>
-            <a:endParaRPr b="0" sz="900">
-              <a:solidFill>
-                <a:schemeClr val="dk2"/>
-              </a:solidFill>
-            </a:endParaRPr>
+            <a:endParaRPr b="0" sz="1000"/>
           </a:p>
         </p:txBody>
       </p:sp>
@@ -14489,18 +14201,10 @@
               <a:buNone/>
             </a:pPr>
             <a:fld id="{00000000-1234-1234-1234-123412341234}" type="slidenum">
-              <a:rPr lang="en">
-                <a:solidFill>
-                  <a:schemeClr val="dk2"/>
-                </a:solidFill>
-              </a:rPr>
+              <a:rPr lang="en"/>
               <a:t>‹#›</a:t>
             </a:fld>
-            <a:endParaRPr>
-              <a:solidFill>
-                <a:schemeClr val="dk2"/>
-              </a:solidFill>
-            </a:endParaRPr>
+            <a:endParaRPr/>
           </a:p>
           <a:p>
             <a:pPr indent="0" lvl="0" marL="0" rtl="0" algn="r">
@@ -14513,7 +14217,7 @@
               <a:buNone/>
             </a:pPr>
             <a:r>
-              <a:rPr b="0" lang="en" sz="900" u="sng">
+              <a:rPr b="0" lang="en" sz="1000" u="sng">
                 <a:solidFill>
                   <a:schemeClr val="hlink"/>
                 </a:solidFill>
@@ -14522,18 +14226,10 @@
               <a:t>uni1.de/amos</a:t>
             </a:r>
             <a:r>
-              <a:rPr b="0" lang="en" sz="900">
-                <a:solidFill>
-                  <a:schemeClr val="dk2"/>
-                </a:solidFill>
-              </a:rPr>
+              <a:rPr b="0" lang="en" sz="1000"/>
               <a:t> </a:t>
             </a:r>
-            <a:endParaRPr b="0" sz="900">
-              <a:solidFill>
-                <a:schemeClr val="dk2"/>
-              </a:solidFill>
-            </a:endParaRPr>
+            <a:endParaRPr b="0" sz="1000"/>
           </a:p>
         </p:txBody>
       </p:sp>
@@ -14709,18 +14405,10 @@
               <a:buNone/>
             </a:pPr>
             <a:fld id="{00000000-1234-1234-1234-123412341234}" type="slidenum">
-              <a:rPr lang="en">
-                <a:solidFill>
-                  <a:schemeClr val="dk2"/>
-                </a:solidFill>
-              </a:rPr>
+              <a:rPr lang="en"/>
               <a:t>‹#›</a:t>
             </a:fld>
-            <a:endParaRPr>
-              <a:solidFill>
-                <a:schemeClr val="dk2"/>
-              </a:solidFill>
-            </a:endParaRPr>
+            <a:endParaRPr/>
           </a:p>
           <a:p>
             <a:pPr indent="0" lvl="0" marL="0" rtl="0" algn="r">
@@ -14733,7 +14421,7 @@
               <a:buNone/>
             </a:pPr>
             <a:r>
-              <a:rPr b="0" lang="en" sz="900" u="sng">
+              <a:rPr b="0" lang="en" sz="1000" u="sng">
                 <a:solidFill>
                   <a:schemeClr val="hlink"/>
                 </a:solidFill>
@@ -14742,18 +14430,10 @@
               <a:t>uni1.de/amos</a:t>
             </a:r>
             <a:r>
-              <a:rPr b="0" lang="en" sz="900">
-                <a:solidFill>
-                  <a:schemeClr val="dk2"/>
-                </a:solidFill>
-              </a:rPr>
+              <a:rPr b="0" lang="en" sz="1000"/>
               <a:t> </a:t>
             </a:r>
-            <a:endParaRPr b="0" sz="900">
-              <a:solidFill>
-                <a:schemeClr val="dk2"/>
-              </a:solidFill>
-            </a:endParaRPr>
+            <a:endParaRPr b="0" sz="1000"/>
           </a:p>
         </p:txBody>
       </p:sp>
@@ -14855,18 +14535,10 @@
               <a:buNone/>
             </a:pPr>
             <a:fld id="{00000000-1234-1234-1234-123412341234}" type="slidenum">
-              <a:rPr lang="en">
-                <a:solidFill>
-                  <a:schemeClr val="dk2"/>
-                </a:solidFill>
-              </a:rPr>
+              <a:rPr lang="en"/>
               <a:t>‹#›</a:t>
             </a:fld>
-            <a:endParaRPr>
-              <a:solidFill>
-                <a:schemeClr val="dk2"/>
-              </a:solidFill>
-            </a:endParaRPr>
+            <a:endParaRPr/>
           </a:p>
           <a:p>
             <a:pPr indent="0" lvl="0" marL="0" rtl="0" algn="r">
@@ -14879,7 +14551,7 @@
               <a:buNone/>
             </a:pPr>
             <a:r>
-              <a:rPr b="0" lang="en" sz="900" u="sng">
+              <a:rPr b="0" lang="en" sz="1000" u="sng">
                 <a:solidFill>
                   <a:schemeClr val="hlink"/>
                 </a:solidFill>
@@ -14888,18 +14560,10 @@
               <a:t>uni1.de/amos</a:t>
             </a:r>
             <a:r>
-              <a:rPr b="0" lang="en" sz="900">
-                <a:solidFill>
-                  <a:schemeClr val="dk2"/>
-                </a:solidFill>
-              </a:rPr>
+              <a:rPr b="0" lang="en" sz="1000"/>
               <a:t> </a:t>
             </a:r>
-            <a:endParaRPr b="0" sz="900">
-              <a:solidFill>
-                <a:schemeClr val="dk2"/>
-              </a:solidFill>
-            </a:endParaRPr>
+            <a:endParaRPr b="0" sz="1000"/>
           </a:p>
         </p:txBody>
       </p:sp>
@@ -14918,7 +14582,7 @@
             <a:tbl>
               <a:tblPr>
                 <a:noFill/>
-                <a:tableStyleId>{4429471C-040D-467B-BCBC-9C002CF9ED56}</a:tableStyleId>
+                <a:tableStyleId>{E6B8B31A-AD35-45E7-8925-507B150AF63E}</a:tableStyleId>
               </a:tblPr>
               <a:tblGrid>
                 <a:gridCol w="638675"/>
@@ -16556,18 +16220,10 @@
               <a:buNone/>
             </a:pPr>
             <a:fld id="{00000000-1234-1234-1234-123412341234}" type="slidenum">
-              <a:rPr lang="en">
-                <a:solidFill>
-                  <a:schemeClr val="dk2"/>
-                </a:solidFill>
-              </a:rPr>
+              <a:rPr lang="en"/>
               <a:t>‹#›</a:t>
             </a:fld>
-            <a:endParaRPr>
-              <a:solidFill>
-                <a:schemeClr val="dk2"/>
-              </a:solidFill>
-            </a:endParaRPr>
+            <a:endParaRPr/>
           </a:p>
           <a:p>
             <a:pPr indent="0" lvl="0" marL="0" rtl="0" algn="r">
@@ -16580,7 +16236,7 @@
               <a:buNone/>
             </a:pPr>
             <a:r>
-              <a:rPr b="0" lang="en" sz="900" u="sng">
+              <a:rPr b="0" lang="en" sz="1000" u="sng">
                 <a:solidFill>
                   <a:schemeClr val="hlink"/>
                 </a:solidFill>
@@ -16589,18 +16245,10 @@
               <a:t>uni1.de/amos</a:t>
             </a:r>
             <a:r>
-              <a:rPr b="0" lang="en" sz="900">
-                <a:solidFill>
-                  <a:schemeClr val="dk2"/>
-                </a:solidFill>
-              </a:rPr>
+              <a:rPr b="0" lang="en" sz="1000"/>
               <a:t> </a:t>
             </a:r>
-            <a:endParaRPr b="0" sz="900">
-              <a:solidFill>
-                <a:schemeClr val="dk2"/>
-              </a:solidFill>
-            </a:endParaRPr>
+            <a:endParaRPr b="0" sz="1000"/>
           </a:p>
         </p:txBody>
       </p:sp>
@@ -16917,18 +16565,10 @@
               <a:buNone/>
             </a:pPr>
             <a:fld id="{00000000-1234-1234-1234-123412341234}" type="slidenum">
-              <a:rPr lang="en">
-                <a:solidFill>
-                  <a:schemeClr val="dk2"/>
-                </a:solidFill>
-              </a:rPr>
+              <a:rPr lang="en"/>
               <a:t>‹#›</a:t>
             </a:fld>
-            <a:endParaRPr>
-              <a:solidFill>
-                <a:schemeClr val="dk2"/>
-              </a:solidFill>
-            </a:endParaRPr>
+            <a:endParaRPr/>
           </a:p>
           <a:p>
             <a:pPr indent="0" lvl="0" marL="0" rtl="0" algn="r">
@@ -16941,7 +16581,7 @@
               <a:buNone/>
             </a:pPr>
             <a:r>
-              <a:rPr b="0" lang="en" sz="900" u="sng">
+              <a:rPr b="0" lang="en" sz="1000" u="sng">
                 <a:solidFill>
                   <a:schemeClr val="hlink"/>
                 </a:solidFill>
@@ -16950,18 +16590,10 @@
               <a:t>uni1.de/amos</a:t>
             </a:r>
             <a:r>
-              <a:rPr b="0" lang="en" sz="900">
-                <a:solidFill>
-                  <a:schemeClr val="dk2"/>
-                </a:solidFill>
-              </a:rPr>
+              <a:rPr b="0" lang="en" sz="1000"/>
               <a:t> </a:t>
             </a:r>
-            <a:endParaRPr b="0" sz="900">
-              <a:solidFill>
-                <a:schemeClr val="dk2"/>
-              </a:solidFill>
-            </a:endParaRPr>
+            <a:endParaRPr b="0" sz="1000"/>
           </a:p>
         </p:txBody>
       </p:sp>
@@ -17145,18 +16777,10 @@
               <a:buNone/>
             </a:pPr>
             <a:fld id="{00000000-1234-1234-1234-123412341234}" type="slidenum">
-              <a:rPr lang="en">
-                <a:solidFill>
-                  <a:schemeClr val="dk2"/>
-                </a:solidFill>
-              </a:rPr>
+              <a:rPr lang="en"/>
               <a:t>‹#›</a:t>
             </a:fld>
-            <a:endParaRPr>
-              <a:solidFill>
-                <a:schemeClr val="dk2"/>
-              </a:solidFill>
-            </a:endParaRPr>
+            <a:endParaRPr/>
           </a:p>
           <a:p>
             <a:pPr indent="0" lvl="0" marL="0" rtl="0" algn="r">
@@ -17169,7 +16793,7 @@
               <a:buNone/>
             </a:pPr>
             <a:r>
-              <a:rPr b="0" lang="en" sz="900" u="sng">
+              <a:rPr b="0" lang="en" sz="1000" u="sng">
                 <a:solidFill>
                   <a:schemeClr val="hlink"/>
                 </a:solidFill>
@@ -17178,18 +16802,10 @@
               <a:t>uni1.de/amos</a:t>
             </a:r>
             <a:r>
-              <a:rPr b="0" lang="en" sz="900">
-                <a:solidFill>
-                  <a:schemeClr val="dk2"/>
-                </a:solidFill>
-              </a:rPr>
+              <a:rPr b="0" lang="en" sz="1000"/>
               <a:t> </a:t>
             </a:r>
-            <a:endParaRPr b="0" sz="900">
-              <a:solidFill>
-                <a:schemeClr val="dk2"/>
-              </a:solidFill>
-            </a:endParaRPr>
+            <a:endParaRPr b="0" sz="1000"/>
           </a:p>
         </p:txBody>
       </p:sp>
@@ -17208,7 +16824,7 @@
             <a:tbl>
               <a:tblPr>
                 <a:noFill/>
-                <a:tableStyleId>{4429471C-040D-467B-BCBC-9C002CF9ED56}</a:tableStyleId>
+                <a:tableStyleId>{E6B8B31A-AD35-45E7-8925-507B150AF63E}</a:tableStyleId>
               </a:tblPr>
               <a:tblGrid>
                 <a:gridCol w="1280725"/>
@@ -18576,18 +18192,10 @@
               <a:buNone/>
             </a:pPr>
             <a:fld id="{00000000-1234-1234-1234-123412341234}" type="slidenum">
-              <a:rPr lang="en">
-                <a:solidFill>
-                  <a:schemeClr val="dk2"/>
-                </a:solidFill>
-              </a:rPr>
+              <a:rPr lang="en"/>
               <a:t>‹#›</a:t>
             </a:fld>
-            <a:endParaRPr>
-              <a:solidFill>
-                <a:schemeClr val="dk2"/>
-              </a:solidFill>
-            </a:endParaRPr>
+            <a:endParaRPr/>
           </a:p>
           <a:p>
             <a:pPr indent="0" lvl="0" marL="0" rtl="0" algn="r">
@@ -18600,7 +18208,7 @@
               <a:buNone/>
             </a:pPr>
             <a:r>
-              <a:rPr b="0" lang="en" sz="900" u="sng">
+              <a:rPr b="0" lang="en" sz="1000" u="sng">
                 <a:solidFill>
                   <a:schemeClr val="hlink"/>
                 </a:solidFill>
@@ -18609,18 +18217,10 @@
               <a:t>uni1.de/amos</a:t>
             </a:r>
             <a:r>
-              <a:rPr b="0" lang="en" sz="900">
-                <a:solidFill>
-                  <a:schemeClr val="dk2"/>
-                </a:solidFill>
-              </a:rPr>
+              <a:rPr b="0" lang="en" sz="1000"/>
               <a:t> </a:t>
             </a:r>
-            <a:endParaRPr b="0" sz="900">
-              <a:solidFill>
-                <a:schemeClr val="dk2"/>
-              </a:solidFill>
-            </a:endParaRPr>
+            <a:endParaRPr b="0" sz="1000"/>
           </a:p>
         </p:txBody>
       </p:sp>
@@ -18961,18 +18561,10 @@
               <a:buNone/>
             </a:pPr>
             <a:fld id="{00000000-1234-1234-1234-123412341234}" type="slidenum">
-              <a:rPr lang="en">
-                <a:solidFill>
-                  <a:schemeClr val="dk2"/>
-                </a:solidFill>
-              </a:rPr>
+              <a:rPr lang="en"/>
               <a:t>‹#›</a:t>
             </a:fld>
-            <a:endParaRPr>
-              <a:solidFill>
-                <a:schemeClr val="dk2"/>
-              </a:solidFill>
-            </a:endParaRPr>
+            <a:endParaRPr/>
           </a:p>
           <a:p>
             <a:pPr indent="0" lvl="0" marL="0" rtl="0" algn="r">
@@ -18985,7 +18577,7 @@
               <a:buNone/>
             </a:pPr>
             <a:r>
-              <a:rPr b="0" lang="en" sz="900" u="sng">
+              <a:rPr b="0" lang="en" sz="1000" u="sng">
                 <a:solidFill>
                   <a:schemeClr val="hlink"/>
                 </a:solidFill>
@@ -18994,18 +18586,10 @@
               <a:t>uni1.de/amos</a:t>
             </a:r>
             <a:r>
-              <a:rPr b="0" lang="en" sz="900">
-                <a:solidFill>
-                  <a:schemeClr val="dk2"/>
-                </a:solidFill>
-              </a:rPr>
+              <a:rPr b="0" lang="en" sz="1000"/>
               <a:t> </a:t>
             </a:r>
-            <a:endParaRPr b="0" sz="900">
-              <a:solidFill>
-                <a:schemeClr val="dk2"/>
-              </a:solidFill>
-            </a:endParaRPr>
+            <a:endParaRPr b="0" sz="1000"/>
           </a:p>
         </p:txBody>
       </p:sp>
@@ -19107,18 +18691,10 @@
               <a:buNone/>
             </a:pPr>
             <a:fld id="{00000000-1234-1234-1234-123412341234}" type="slidenum">
-              <a:rPr lang="en">
-                <a:solidFill>
-                  <a:schemeClr val="dk2"/>
-                </a:solidFill>
-              </a:rPr>
+              <a:rPr lang="en"/>
               <a:t>‹#›</a:t>
             </a:fld>
-            <a:endParaRPr>
-              <a:solidFill>
-                <a:schemeClr val="dk2"/>
-              </a:solidFill>
-            </a:endParaRPr>
+            <a:endParaRPr/>
           </a:p>
           <a:p>
             <a:pPr indent="0" lvl="0" marL="0" rtl="0" algn="r">
@@ -19131,7 +18707,7 @@
               <a:buNone/>
             </a:pPr>
             <a:r>
-              <a:rPr b="0" lang="en" sz="900" u="sng">
+              <a:rPr b="0" lang="en" sz="1000" u="sng">
                 <a:solidFill>
                   <a:schemeClr val="hlink"/>
                 </a:solidFill>
@@ -19140,18 +18716,10 @@
               <a:t>uni1.de/amos</a:t>
             </a:r>
             <a:r>
-              <a:rPr b="0" lang="en" sz="900">
-                <a:solidFill>
-                  <a:schemeClr val="dk2"/>
-                </a:solidFill>
-              </a:rPr>
+              <a:rPr b="0" lang="en" sz="1000"/>
               <a:t> </a:t>
             </a:r>
-            <a:endParaRPr b="0" sz="900">
-              <a:solidFill>
-                <a:schemeClr val="dk2"/>
-              </a:solidFill>
-            </a:endParaRPr>
+            <a:endParaRPr b="0" sz="1000"/>
           </a:p>
         </p:txBody>
       </p:sp>
@@ -19403,18 +18971,10 @@
               <a:buNone/>
             </a:pPr>
             <a:fld id="{00000000-1234-1234-1234-123412341234}" type="slidenum">
-              <a:rPr lang="en">
-                <a:solidFill>
-                  <a:schemeClr val="dk2"/>
-                </a:solidFill>
-              </a:rPr>
+              <a:rPr lang="en"/>
               <a:t>‹#›</a:t>
             </a:fld>
-            <a:endParaRPr>
-              <a:solidFill>
-                <a:schemeClr val="dk2"/>
-              </a:solidFill>
-            </a:endParaRPr>
+            <a:endParaRPr/>
           </a:p>
           <a:p>
             <a:pPr indent="0" lvl="0" marL="0" rtl="0" algn="r">
@@ -19427,7 +18987,7 @@
               <a:buNone/>
             </a:pPr>
             <a:r>
-              <a:rPr b="0" lang="en" sz="900" u="sng">
+              <a:rPr b="0" lang="en" sz="1000" u="sng">
                 <a:solidFill>
                   <a:schemeClr val="hlink"/>
                 </a:solidFill>
@@ -19436,18 +18996,10 @@
               <a:t>uni1.de/amos</a:t>
             </a:r>
             <a:r>
-              <a:rPr b="0" lang="en" sz="900">
-                <a:solidFill>
-                  <a:schemeClr val="dk2"/>
-                </a:solidFill>
-              </a:rPr>
+              <a:rPr b="0" lang="en" sz="1000"/>
               <a:t> </a:t>
             </a:r>
-            <a:endParaRPr b="0" sz="900">
-              <a:solidFill>
-                <a:schemeClr val="dk2"/>
-              </a:solidFill>
-            </a:endParaRPr>
+            <a:endParaRPr b="0" sz="1000"/>
           </a:p>
         </p:txBody>
       </p:sp>
@@ -19726,18 +19278,10 @@
               <a:buNone/>
             </a:pPr>
             <a:fld id="{00000000-1234-1234-1234-123412341234}" type="slidenum">
-              <a:rPr lang="en">
-                <a:solidFill>
-                  <a:schemeClr val="dk2"/>
-                </a:solidFill>
-              </a:rPr>
+              <a:rPr lang="en"/>
               <a:t>‹#›</a:t>
             </a:fld>
-            <a:endParaRPr>
-              <a:solidFill>
-                <a:schemeClr val="dk2"/>
-              </a:solidFill>
-            </a:endParaRPr>
+            <a:endParaRPr/>
           </a:p>
           <a:p>
             <a:pPr indent="0" lvl="0" marL="0" rtl="0" algn="r">
@@ -19750,7 +19294,7 @@
               <a:buNone/>
             </a:pPr>
             <a:r>
-              <a:rPr b="0" lang="en" sz="900" u="sng">
+              <a:rPr b="0" lang="en" sz="1000" u="sng">
                 <a:solidFill>
                   <a:schemeClr val="hlink"/>
                 </a:solidFill>
@@ -19759,18 +19303,10 @@
               <a:t>uni1.de/amos</a:t>
             </a:r>
             <a:r>
-              <a:rPr b="0" lang="en" sz="900">
-                <a:solidFill>
-                  <a:schemeClr val="dk2"/>
-                </a:solidFill>
-              </a:rPr>
+              <a:rPr b="0" lang="en" sz="1000"/>
               <a:t> </a:t>
             </a:r>
-            <a:endParaRPr b="0" sz="900">
-              <a:solidFill>
-                <a:schemeClr val="dk2"/>
-              </a:solidFill>
-            </a:endParaRPr>
+            <a:endParaRPr b="0" sz="1000"/>
           </a:p>
         </p:txBody>
       </p:sp>
@@ -20121,18 +19657,10 @@
               <a:buNone/>
             </a:pPr>
             <a:fld id="{00000000-1234-1234-1234-123412341234}" type="slidenum">
-              <a:rPr lang="en">
-                <a:solidFill>
-                  <a:schemeClr val="dk2"/>
-                </a:solidFill>
-              </a:rPr>
+              <a:rPr lang="en"/>
               <a:t>‹#›</a:t>
             </a:fld>
-            <a:endParaRPr>
-              <a:solidFill>
-                <a:schemeClr val="dk2"/>
-              </a:solidFill>
-            </a:endParaRPr>
+            <a:endParaRPr/>
           </a:p>
           <a:p>
             <a:pPr indent="0" lvl="0" marL="0" rtl="0" algn="r">
@@ -20154,18 +19682,10 @@
               <a:t>uni1.de/amos</a:t>
             </a:r>
             <a:r>
-              <a:rPr b="0" lang="en" sz="900">
-                <a:solidFill>
-                  <a:schemeClr val="dk2"/>
-                </a:solidFill>
-              </a:rPr>
+              <a:rPr b="0" lang="en" sz="900"/>
               <a:t> </a:t>
             </a:r>
-            <a:endParaRPr b="0" sz="900">
-              <a:solidFill>
-                <a:schemeClr val="dk2"/>
-              </a:solidFill>
-            </a:endParaRPr>
+            <a:endParaRPr b="0" sz="900"/>
           </a:p>
         </p:txBody>
       </p:sp>
@@ -20266,7 +19786,7 @@
             </a:pPr>
             <a:r>
               <a:rPr lang="en"/>
-              <a:t>© Copyright 2024 Dirk Riehle, some rights reserved</a:t>
+              <a:t>© Copyright 2009, 2024 Dirk Riehle, some rights reserved</a:t>
             </a:r>
             <a:endParaRPr/>
           </a:p>
@@ -20560,18 +20080,10 @@
               <a:buNone/>
             </a:pPr>
             <a:fld id="{00000000-1234-1234-1234-123412341234}" type="slidenum">
-              <a:rPr lang="en">
-                <a:solidFill>
-                  <a:schemeClr val="dk2"/>
-                </a:solidFill>
-              </a:rPr>
+              <a:rPr lang="en"/>
               <a:t>‹#›</a:t>
             </a:fld>
-            <a:endParaRPr>
-              <a:solidFill>
-                <a:schemeClr val="dk2"/>
-              </a:solidFill>
-            </a:endParaRPr>
+            <a:endParaRPr/>
           </a:p>
           <a:p>
             <a:pPr indent="0" lvl="0" marL="0" rtl="0" algn="r">
@@ -20584,7 +20096,7 @@
               <a:buNone/>
             </a:pPr>
             <a:r>
-              <a:rPr b="0" lang="en" sz="900" u="sng">
+              <a:rPr b="0" lang="en" sz="1000" u="sng">
                 <a:solidFill>
                   <a:schemeClr val="hlink"/>
                 </a:solidFill>
@@ -20593,18 +20105,10 @@
               <a:t>uni1.de/amos</a:t>
             </a:r>
             <a:r>
-              <a:rPr b="0" lang="en" sz="900">
-                <a:solidFill>
-                  <a:schemeClr val="dk2"/>
-                </a:solidFill>
-              </a:rPr>
+              <a:rPr b="0" lang="en" sz="1000"/>
               <a:t> </a:t>
             </a:r>
-            <a:endParaRPr b="0" sz="900">
-              <a:solidFill>
-                <a:schemeClr val="dk2"/>
-              </a:solidFill>
-            </a:endParaRPr>
+            <a:endParaRPr b="0" sz="1000"/>
           </a:p>
         </p:txBody>
       </p:sp>
@@ -20706,18 +20210,10 @@
               <a:buNone/>
             </a:pPr>
             <a:fld id="{00000000-1234-1234-1234-123412341234}" type="slidenum">
-              <a:rPr lang="en">
-                <a:solidFill>
-                  <a:schemeClr val="dk2"/>
-                </a:solidFill>
-              </a:rPr>
+              <a:rPr lang="en"/>
               <a:t>‹#›</a:t>
             </a:fld>
-            <a:endParaRPr>
-              <a:solidFill>
-                <a:schemeClr val="dk2"/>
-              </a:solidFill>
-            </a:endParaRPr>
+            <a:endParaRPr/>
           </a:p>
           <a:p>
             <a:pPr indent="0" lvl="0" marL="0" rtl="0" algn="r">
@@ -20730,7 +20226,7 @@
               <a:buNone/>
             </a:pPr>
             <a:r>
-              <a:rPr b="0" lang="en" sz="900" u="sng">
+              <a:rPr b="0" lang="en" sz="1000" u="sng">
                 <a:solidFill>
                   <a:schemeClr val="hlink"/>
                 </a:solidFill>
@@ -20739,18 +20235,10 @@
               <a:t>uni1.de/amos</a:t>
             </a:r>
             <a:r>
-              <a:rPr b="0" lang="en" sz="900">
-                <a:solidFill>
-                  <a:schemeClr val="dk2"/>
-                </a:solidFill>
-              </a:rPr>
+              <a:rPr b="0" lang="en" sz="1000"/>
               <a:t> </a:t>
             </a:r>
-            <a:endParaRPr b="0" sz="900">
-              <a:solidFill>
-                <a:schemeClr val="dk2"/>
-              </a:solidFill>
-            </a:endParaRPr>
+            <a:endParaRPr b="0" sz="1000"/>
           </a:p>
         </p:txBody>
       </p:sp>
@@ -21043,18 +20531,10 @@
               <a:buNone/>
             </a:pPr>
             <a:fld id="{00000000-1234-1234-1234-123412341234}" type="slidenum">
-              <a:rPr lang="en">
-                <a:solidFill>
-                  <a:schemeClr val="dk2"/>
-                </a:solidFill>
-              </a:rPr>
+              <a:rPr lang="en"/>
               <a:t>‹#›</a:t>
             </a:fld>
-            <a:endParaRPr>
-              <a:solidFill>
-                <a:schemeClr val="dk2"/>
-              </a:solidFill>
-            </a:endParaRPr>
+            <a:endParaRPr/>
           </a:p>
           <a:p>
             <a:pPr indent="0" lvl="0" marL="0" rtl="0" algn="r">
@@ -21067,7 +20547,7 @@
               <a:buNone/>
             </a:pPr>
             <a:r>
-              <a:rPr b="0" lang="en" sz="900" u="sng">
+              <a:rPr b="0" lang="en" sz="1000" u="sng">
                 <a:solidFill>
                   <a:schemeClr val="hlink"/>
                 </a:solidFill>
@@ -21076,18 +20556,10 @@
               <a:t>uni1.de/amos</a:t>
             </a:r>
             <a:r>
-              <a:rPr b="0" lang="en" sz="900">
-                <a:solidFill>
-                  <a:schemeClr val="dk2"/>
-                </a:solidFill>
-              </a:rPr>
+              <a:rPr b="0" lang="en" sz="1000"/>
               <a:t> </a:t>
             </a:r>
-            <a:endParaRPr b="0" sz="900">
-              <a:solidFill>
-                <a:schemeClr val="dk2"/>
-              </a:solidFill>
-            </a:endParaRPr>
+            <a:endParaRPr b="0" sz="1000"/>
           </a:p>
         </p:txBody>
       </p:sp>
@@ -21245,18 +20717,10 @@
               <a:buNone/>
             </a:pPr>
             <a:fld id="{00000000-1234-1234-1234-123412341234}" type="slidenum">
-              <a:rPr lang="en">
-                <a:solidFill>
-                  <a:schemeClr val="dk2"/>
-                </a:solidFill>
-              </a:rPr>
+              <a:rPr lang="en"/>
               <a:t>‹#›</a:t>
             </a:fld>
-            <a:endParaRPr>
-              <a:solidFill>
-                <a:schemeClr val="dk2"/>
-              </a:solidFill>
-            </a:endParaRPr>
+            <a:endParaRPr/>
           </a:p>
           <a:p>
             <a:pPr indent="0" lvl="0" marL="0" rtl="0" algn="r">
@@ -21269,7 +20733,7 @@
               <a:buNone/>
             </a:pPr>
             <a:r>
-              <a:rPr b="0" lang="en" sz="900" u="sng">
+              <a:rPr b="0" lang="en" sz="1000" u="sng">
                 <a:solidFill>
                   <a:schemeClr val="hlink"/>
                 </a:solidFill>
@@ -21278,18 +20742,10 @@
               <a:t>uni1.de/amos</a:t>
             </a:r>
             <a:r>
-              <a:rPr b="0" lang="en" sz="900">
-                <a:solidFill>
-                  <a:schemeClr val="dk2"/>
-                </a:solidFill>
-              </a:rPr>
+              <a:rPr b="0" lang="en" sz="1000"/>
               <a:t> </a:t>
             </a:r>
-            <a:endParaRPr b="0" sz="900">
-              <a:solidFill>
-                <a:schemeClr val="dk2"/>
-              </a:solidFill>
-            </a:endParaRPr>
+            <a:endParaRPr b="0" sz="1000"/>
           </a:p>
         </p:txBody>
       </p:sp>

--- a/Lecture slides/AMOS B02 - Scrum and AMOS.pptx
+++ b/Lecture slides/AMOS B02 - Scrum and AMOS.pptx
@@ -48,6 +48,8 @@
     <p:sldId id="293" r:id="rId44"/>
     <p:sldId id="294" r:id="rId45"/>
     <p:sldId id="295" r:id="rId46"/>
+    <p:sldId id="296" r:id="rId47"/>
+    <p:sldId id="297" r:id="rId48"/>
   </p:sldIdLst>
   <p:sldSz cy="5143500" cx="9144000"/>
   <p:notesSz cx="6858000" cy="9144000"/>
@@ -1041,7 +1043,7 @@
       </p:grpSpPr>
       <p:sp>
         <p:nvSpPr>
-          <p:cNvPr id="107" name="Google Shape;107;g22c6355d619_0_97:notes"/>
+          <p:cNvPr id="107" name="Google Shape;107;g2cf0d554a2e_0_0:notes"/>
           <p:cNvSpPr/>
           <p:nvPr>
             <p:ph idx="2" type="sldImg"/>
@@ -1076,7 +1078,7 @@
       </p:sp>
       <p:sp>
         <p:nvSpPr>
-          <p:cNvPr id="108" name="Google Shape;108;g22c6355d619_0_97:notes"/>
+          <p:cNvPr id="108" name="Google Shape;108;g2cf0d554a2e_0_0:notes"/>
           <p:cNvSpPr txBox="1"/>
           <p:nvPr>
             <p:ph idx="1" type="body"/>
@@ -1140,7 +1142,7 @@
       </p:grpSpPr>
       <p:sp>
         <p:nvSpPr>
-          <p:cNvPr id="114" name="Google Shape;114;g267a91423c4_1_0:notes"/>
+          <p:cNvPr id="114" name="Google Shape;114;g22c6355d619_0_97:notes"/>
           <p:cNvSpPr/>
           <p:nvPr>
             <p:ph idx="2" type="sldImg"/>
@@ -1175,7 +1177,7 @@
       </p:sp>
       <p:sp>
         <p:nvSpPr>
-          <p:cNvPr id="115" name="Google Shape;115;g267a91423c4_1_0:notes"/>
+          <p:cNvPr id="115" name="Google Shape;115;g22c6355d619_0_97:notes"/>
           <p:cNvSpPr txBox="1"/>
           <p:nvPr>
             <p:ph idx="1" type="body"/>
@@ -1225,7 +1227,7 @@
   <p:cSld>
     <p:spTree>
       <p:nvGrpSpPr>
-        <p:cNvPr id="120" name="Shape 120"/>
+        <p:cNvPr id="122" name="Shape 122"/>
         <p:cNvGrpSpPr/>
         <p:nvPr/>
       </p:nvGrpSpPr>
@@ -1239,7 +1241,7 @@
       </p:grpSpPr>
       <p:sp>
         <p:nvSpPr>
-          <p:cNvPr id="121" name="Google Shape;121;g22c6355d619_0_103:notes"/>
+          <p:cNvPr id="123" name="Google Shape;123;g267a91423c4_1_0:notes"/>
           <p:cNvSpPr/>
           <p:nvPr>
             <p:ph idx="2" type="sldImg"/>
@@ -1274,7 +1276,7 @@
       </p:sp>
       <p:sp>
         <p:nvSpPr>
-          <p:cNvPr id="122" name="Google Shape;122;g22c6355d619_0_103:notes"/>
+          <p:cNvPr id="124" name="Google Shape;124;g267a91423c4_1_0:notes"/>
           <p:cNvSpPr txBox="1"/>
           <p:nvPr>
             <p:ph idx="1" type="body"/>
@@ -1324,7 +1326,7 @@
   <p:cSld>
     <p:spTree>
       <p:nvGrpSpPr>
-        <p:cNvPr id="133" name="Shape 133"/>
+        <p:cNvPr id="130" name="Shape 130"/>
         <p:cNvGrpSpPr/>
         <p:nvPr/>
       </p:nvGrpSpPr>
@@ -1338,7 +1340,7 @@
       </p:grpSpPr>
       <p:sp>
         <p:nvSpPr>
-          <p:cNvPr id="134" name="Google Shape;134;g22c6355d619_0_115:notes"/>
+          <p:cNvPr id="131" name="Google Shape;131;g22c6355d619_0_103:notes"/>
           <p:cNvSpPr/>
           <p:nvPr>
             <p:ph idx="2" type="sldImg"/>
@@ -1373,7 +1375,7 @@
       </p:sp>
       <p:sp>
         <p:nvSpPr>
-          <p:cNvPr id="135" name="Google Shape;135;g22c6355d619_0_115:notes"/>
+          <p:cNvPr id="132" name="Google Shape;132;g22c6355d619_0_103:notes"/>
           <p:cNvSpPr txBox="1"/>
           <p:nvPr>
             <p:ph idx="1" type="body"/>
@@ -1423,7 +1425,7 @@
   <p:cSld>
     <p:spTree>
       <p:nvGrpSpPr>
-        <p:cNvPr id="140" name="Shape 140"/>
+        <p:cNvPr id="143" name="Shape 143"/>
         <p:cNvGrpSpPr/>
         <p:nvPr/>
       </p:nvGrpSpPr>
@@ -1437,7 +1439,7 @@
       </p:grpSpPr>
       <p:sp>
         <p:nvSpPr>
-          <p:cNvPr id="141" name="Google Shape;141;g22c6355d619_0_121:notes"/>
+          <p:cNvPr id="144" name="Google Shape;144;g22c6355d619_0_115:notes"/>
           <p:cNvSpPr/>
           <p:nvPr>
             <p:ph idx="2" type="sldImg"/>
@@ -1472,7 +1474,7 @@
       </p:sp>
       <p:sp>
         <p:nvSpPr>
-          <p:cNvPr id="142" name="Google Shape;142;g22c6355d619_0_121:notes"/>
+          <p:cNvPr id="145" name="Google Shape;145;g22c6355d619_0_115:notes"/>
           <p:cNvSpPr txBox="1"/>
           <p:nvPr>
             <p:ph idx="1" type="body"/>
@@ -1522,7 +1524,7 @@
   <p:cSld>
     <p:spTree>
       <p:nvGrpSpPr>
-        <p:cNvPr id="147" name="Shape 147"/>
+        <p:cNvPr id="151" name="Shape 151"/>
         <p:cNvGrpSpPr/>
         <p:nvPr/>
       </p:nvGrpSpPr>
@@ -1536,7 +1538,7 @@
       </p:grpSpPr>
       <p:sp>
         <p:nvSpPr>
-          <p:cNvPr id="148" name="Google Shape;148;g22c6355d619_0_207:notes"/>
+          <p:cNvPr id="152" name="Google Shape;152;g2cf0d554a2e_0_7:notes"/>
           <p:cNvSpPr/>
           <p:nvPr>
             <p:ph idx="2" type="sldImg"/>
@@ -1571,7 +1573,7 @@
       </p:sp>
       <p:sp>
         <p:nvSpPr>
-          <p:cNvPr id="149" name="Google Shape;149;g22c6355d619_0_207:notes"/>
+          <p:cNvPr id="153" name="Google Shape;153;g2cf0d554a2e_0_7:notes"/>
           <p:cNvSpPr txBox="1"/>
           <p:nvPr>
             <p:ph idx="1" type="body"/>
@@ -1621,7 +1623,7 @@
   <p:cSld>
     <p:spTree>
       <p:nvGrpSpPr>
-        <p:cNvPr id="154" name="Shape 154"/>
+        <p:cNvPr id="158" name="Shape 158"/>
         <p:cNvGrpSpPr/>
         <p:nvPr/>
       </p:nvGrpSpPr>
@@ -1635,7 +1637,7 @@
       </p:grpSpPr>
       <p:sp>
         <p:nvSpPr>
-          <p:cNvPr id="155" name="Google Shape;155;g22c6355d619_0_127:notes"/>
+          <p:cNvPr id="159" name="Google Shape;159;g22c6355d619_0_121:notes"/>
           <p:cNvSpPr/>
           <p:nvPr>
             <p:ph idx="2" type="sldImg"/>
@@ -1670,7 +1672,7 @@
       </p:sp>
       <p:sp>
         <p:nvSpPr>
-          <p:cNvPr id="156" name="Google Shape;156;g22c6355d619_0_127:notes"/>
+          <p:cNvPr id="160" name="Google Shape;160;g22c6355d619_0_121:notes"/>
           <p:cNvSpPr txBox="1"/>
           <p:nvPr>
             <p:ph idx="1" type="body"/>
@@ -1720,7 +1722,7 @@
   <p:cSld>
     <p:spTree>
       <p:nvGrpSpPr>
-        <p:cNvPr id="161" name="Shape 161"/>
+        <p:cNvPr id="166" name="Shape 166"/>
         <p:cNvGrpSpPr/>
         <p:nvPr/>
       </p:nvGrpSpPr>
@@ -1734,7 +1736,7 @@
       </p:grpSpPr>
       <p:sp>
         <p:nvSpPr>
-          <p:cNvPr id="162" name="Google Shape;162;g22c6355d619_0_213:notes"/>
+          <p:cNvPr id="167" name="Google Shape;167;g22c6355d619_0_207:notes"/>
           <p:cNvSpPr/>
           <p:nvPr>
             <p:ph idx="2" type="sldImg"/>
@@ -1769,7 +1771,7 @@
       </p:sp>
       <p:sp>
         <p:nvSpPr>
-          <p:cNvPr id="163" name="Google Shape;163;g22c6355d619_0_213:notes"/>
+          <p:cNvPr id="168" name="Google Shape;168;g22c6355d619_0_207:notes"/>
           <p:cNvSpPr txBox="1"/>
           <p:nvPr>
             <p:ph idx="1" type="body"/>
@@ -1918,7 +1920,7 @@
   <p:cSld>
     <p:spTree>
       <p:nvGrpSpPr>
-        <p:cNvPr id="168" name="Shape 168"/>
+        <p:cNvPr id="174" name="Shape 174"/>
         <p:cNvGrpSpPr/>
         <p:nvPr/>
       </p:nvGrpSpPr>
@@ -1932,7 +1934,7 @@
       </p:grpSpPr>
       <p:sp>
         <p:nvSpPr>
-          <p:cNvPr id="169" name="Google Shape;169;g22c6355d619_0_133:notes"/>
+          <p:cNvPr id="175" name="Google Shape;175;g22c6355d619_0_127:notes"/>
           <p:cNvSpPr/>
           <p:nvPr>
             <p:ph idx="2" type="sldImg"/>
@@ -1967,7 +1969,7 @@
       </p:sp>
       <p:sp>
         <p:nvSpPr>
-          <p:cNvPr id="170" name="Google Shape;170;g22c6355d619_0_133:notes"/>
+          <p:cNvPr id="176" name="Google Shape;176;g22c6355d619_0_127:notes"/>
           <p:cNvSpPr txBox="1"/>
           <p:nvPr>
             <p:ph idx="1" type="body"/>
@@ -2017,7 +2019,7 @@
   <p:cSld>
     <p:spTree>
       <p:nvGrpSpPr>
-        <p:cNvPr id="175" name="Shape 175"/>
+        <p:cNvPr id="182" name="Shape 182"/>
         <p:cNvGrpSpPr/>
         <p:nvPr/>
       </p:nvGrpSpPr>
@@ -2031,7 +2033,7 @@
       </p:grpSpPr>
       <p:sp>
         <p:nvSpPr>
-          <p:cNvPr id="176" name="Google Shape;176;g22c6355d619_0_219:notes"/>
+          <p:cNvPr id="183" name="Google Shape;183;g22c6355d619_0_213:notes"/>
           <p:cNvSpPr/>
           <p:nvPr>
             <p:ph idx="2" type="sldImg"/>
@@ -2066,7 +2068,7 @@
       </p:sp>
       <p:sp>
         <p:nvSpPr>
-          <p:cNvPr id="177" name="Google Shape;177;g22c6355d619_0_219:notes"/>
+          <p:cNvPr id="184" name="Google Shape;184;g22c6355d619_0_213:notes"/>
           <p:cNvSpPr txBox="1"/>
           <p:nvPr>
             <p:ph idx="1" type="body"/>
@@ -2116,7 +2118,7 @@
   <p:cSld>
     <p:spTree>
       <p:nvGrpSpPr>
-        <p:cNvPr id="182" name="Shape 182"/>
+        <p:cNvPr id="190" name="Shape 190"/>
         <p:cNvGrpSpPr/>
         <p:nvPr/>
       </p:nvGrpSpPr>
@@ -2130,7 +2132,7 @@
       </p:grpSpPr>
       <p:sp>
         <p:nvSpPr>
-          <p:cNvPr id="183" name="Google Shape;183;g22c6355d619_0_139:notes"/>
+          <p:cNvPr id="191" name="Google Shape;191;g22c6355d619_0_133:notes"/>
           <p:cNvSpPr/>
           <p:nvPr>
             <p:ph idx="2" type="sldImg"/>
@@ -2165,7 +2167,7 @@
       </p:sp>
       <p:sp>
         <p:nvSpPr>
-          <p:cNvPr id="184" name="Google Shape;184;g22c6355d619_0_139:notes"/>
+          <p:cNvPr id="192" name="Google Shape;192;g22c6355d619_0_133:notes"/>
           <p:cNvSpPr txBox="1"/>
           <p:nvPr>
             <p:ph idx="1" type="body"/>
@@ -2215,7 +2217,7 @@
   <p:cSld>
     <p:spTree>
       <p:nvGrpSpPr>
-        <p:cNvPr id="189" name="Shape 189"/>
+        <p:cNvPr id="198" name="Shape 198"/>
         <p:cNvGrpSpPr/>
         <p:nvPr/>
       </p:nvGrpSpPr>
@@ -2229,7 +2231,7 @@
       </p:grpSpPr>
       <p:sp>
         <p:nvSpPr>
-          <p:cNvPr id="190" name="Google Shape;190;g22c6355d619_0_252:notes"/>
+          <p:cNvPr id="199" name="Google Shape;199;g22c6355d619_0_219:notes"/>
           <p:cNvSpPr/>
           <p:nvPr>
             <p:ph idx="2" type="sldImg"/>
@@ -2264,7 +2266,7 @@
       </p:sp>
       <p:sp>
         <p:nvSpPr>
-          <p:cNvPr id="191" name="Google Shape;191;g22c6355d619_0_252:notes"/>
+          <p:cNvPr id="200" name="Google Shape;200;g22c6355d619_0_219:notes"/>
           <p:cNvSpPr txBox="1"/>
           <p:nvPr>
             <p:ph idx="1" type="body"/>
@@ -2314,7 +2316,7 @@
   <p:cSld>
     <p:spTree>
       <p:nvGrpSpPr>
-        <p:cNvPr id="196" name="Shape 196"/>
+        <p:cNvPr id="206" name="Shape 206"/>
         <p:cNvGrpSpPr/>
         <p:nvPr/>
       </p:nvGrpSpPr>
@@ -2328,7 +2330,7 @@
       </p:grpSpPr>
       <p:sp>
         <p:nvSpPr>
-          <p:cNvPr id="197" name="Google Shape;197;g22c6355d619_0_145:notes"/>
+          <p:cNvPr id="207" name="Google Shape;207;g22c6355d619_0_139:notes"/>
           <p:cNvSpPr/>
           <p:nvPr>
             <p:ph idx="2" type="sldImg"/>
@@ -2363,7 +2365,7 @@
       </p:sp>
       <p:sp>
         <p:nvSpPr>
-          <p:cNvPr id="198" name="Google Shape;198;g22c6355d619_0_145:notes"/>
+          <p:cNvPr id="208" name="Google Shape;208;g22c6355d619_0_139:notes"/>
           <p:cNvSpPr txBox="1"/>
           <p:nvPr>
             <p:ph idx="1" type="body"/>
@@ -2413,7 +2415,7 @@
   <p:cSld>
     <p:spTree>
       <p:nvGrpSpPr>
-        <p:cNvPr id="204" name="Shape 204"/>
+        <p:cNvPr id="214" name="Shape 214"/>
         <p:cNvGrpSpPr/>
         <p:nvPr/>
       </p:nvGrpSpPr>
@@ -2427,7 +2429,7 @@
       </p:grpSpPr>
       <p:sp>
         <p:nvSpPr>
-          <p:cNvPr id="205" name="Google Shape;205;g22c6355d619_0_152:notes"/>
+          <p:cNvPr id="215" name="Google Shape;215;g22c6355d619_0_252:notes"/>
           <p:cNvSpPr/>
           <p:nvPr>
             <p:ph idx="2" type="sldImg"/>
@@ -2462,7 +2464,7 @@
       </p:sp>
       <p:sp>
         <p:nvSpPr>
-          <p:cNvPr id="206" name="Google Shape;206;g22c6355d619_0_152:notes"/>
+          <p:cNvPr id="216" name="Google Shape;216;g22c6355d619_0_252:notes"/>
           <p:cNvSpPr txBox="1"/>
           <p:nvPr>
             <p:ph idx="1" type="body"/>
@@ -2512,7 +2514,7 @@
   <p:cSld>
     <p:spTree>
       <p:nvGrpSpPr>
-        <p:cNvPr id="212" name="Shape 212"/>
+        <p:cNvPr id="222" name="Shape 222"/>
         <p:cNvGrpSpPr/>
         <p:nvPr/>
       </p:nvGrpSpPr>
@@ -2526,7 +2528,7 @@
       </p:grpSpPr>
       <p:sp>
         <p:nvSpPr>
-          <p:cNvPr id="213" name="Google Shape;213;g22c6355d619_0_159:notes"/>
+          <p:cNvPr id="223" name="Google Shape;223;g22c6355d619_0_145:notes"/>
           <p:cNvSpPr/>
           <p:nvPr>
             <p:ph idx="2" type="sldImg"/>
@@ -2561,7 +2563,7 @@
       </p:sp>
       <p:sp>
         <p:nvSpPr>
-          <p:cNvPr id="214" name="Google Shape;214;g22c6355d619_0_159:notes"/>
+          <p:cNvPr id="224" name="Google Shape;224;g22c6355d619_0_145:notes"/>
           <p:cNvSpPr txBox="1"/>
           <p:nvPr>
             <p:ph idx="1" type="body"/>
@@ -2611,7 +2613,7 @@
   <p:cSld>
     <p:spTree>
       <p:nvGrpSpPr>
-        <p:cNvPr id="219" name="Shape 219"/>
+        <p:cNvPr id="230" name="Shape 230"/>
         <p:cNvGrpSpPr/>
         <p:nvPr/>
       </p:nvGrpSpPr>
@@ -2625,7 +2627,7 @@
       </p:grpSpPr>
       <p:sp>
         <p:nvSpPr>
-          <p:cNvPr id="220" name="Google Shape;220;g22c6355d619_0_226:notes"/>
+          <p:cNvPr id="231" name="Google Shape;231;g22c6355d619_0_152:notes"/>
           <p:cNvSpPr/>
           <p:nvPr>
             <p:ph idx="2" type="sldImg"/>
@@ -2660,7 +2662,7 @@
       </p:sp>
       <p:sp>
         <p:nvSpPr>
-          <p:cNvPr id="221" name="Google Shape;221;g22c6355d619_0_226:notes"/>
+          <p:cNvPr id="232" name="Google Shape;232;g22c6355d619_0_152:notes"/>
           <p:cNvSpPr txBox="1"/>
           <p:nvPr>
             <p:ph idx="1" type="body"/>
@@ -2710,7 +2712,7 @@
   <p:cSld>
     <p:spTree>
       <p:nvGrpSpPr>
-        <p:cNvPr id="226" name="Shape 226"/>
+        <p:cNvPr id="238" name="Shape 238"/>
         <p:cNvGrpSpPr/>
         <p:nvPr/>
       </p:nvGrpSpPr>
@@ -2724,7 +2726,7 @@
       </p:grpSpPr>
       <p:sp>
         <p:nvSpPr>
-          <p:cNvPr id="227" name="Google Shape;227;g22c6355d619_0_232:notes"/>
+          <p:cNvPr id="239" name="Google Shape;239;g22c6355d619_0_159:notes"/>
           <p:cNvSpPr/>
           <p:nvPr>
             <p:ph idx="2" type="sldImg"/>
@@ -2759,7 +2761,7 @@
       </p:sp>
       <p:sp>
         <p:nvSpPr>
-          <p:cNvPr id="228" name="Google Shape;228;g22c6355d619_0_232:notes"/>
+          <p:cNvPr id="240" name="Google Shape;240;g22c6355d619_0_159:notes"/>
           <p:cNvSpPr txBox="1"/>
           <p:nvPr>
             <p:ph idx="1" type="body"/>
@@ -2809,7 +2811,7 @@
   <p:cSld>
     <p:spTree>
       <p:nvGrpSpPr>
-        <p:cNvPr id="233" name="Shape 233"/>
+        <p:cNvPr id="246" name="Shape 246"/>
         <p:cNvGrpSpPr/>
         <p:nvPr/>
       </p:nvGrpSpPr>
@@ -2823,7 +2825,7 @@
       </p:grpSpPr>
       <p:sp>
         <p:nvSpPr>
-          <p:cNvPr id="234" name="Google Shape;234;g22c6355d619_0_165:notes"/>
+          <p:cNvPr id="247" name="Google Shape;247;g22c6355d619_0_226:notes"/>
           <p:cNvSpPr/>
           <p:nvPr>
             <p:ph idx="2" type="sldImg"/>
@@ -2858,7 +2860,7 @@
       </p:sp>
       <p:sp>
         <p:nvSpPr>
-          <p:cNvPr id="235" name="Google Shape;235;g22c6355d619_0_165:notes"/>
+          <p:cNvPr id="248" name="Google Shape;248;g22c6355d619_0_226:notes"/>
           <p:cNvSpPr txBox="1"/>
           <p:nvPr>
             <p:ph idx="1" type="body"/>
@@ -3007,7 +3009,7 @@
   <p:cSld>
     <p:spTree>
       <p:nvGrpSpPr>
-        <p:cNvPr id="240" name="Shape 240"/>
+        <p:cNvPr id="254" name="Shape 254"/>
         <p:cNvGrpSpPr/>
         <p:nvPr/>
       </p:nvGrpSpPr>
@@ -3021,7 +3023,7 @@
       </p:grpSpPr>
       <p:sp>
         <p:nvSpPr>
-          <p:cNvPr id="241" name="Google Shape;241;g22c6355d619_0_75:notes"/>
+          <p:cNvPr id="255" name="Google Shape;255;g22c6355d619_0_232:notes"/>
           <p:cNvSpPr/>
           <p:nvPr>
             <p:ph idx="2" type="sldImg"/>
@@ -3056,7 +3058,7 @@
       </p:sp>
       <p:sp>
         <p:nvSpPr>
-          <p:cNvPr id="242" name="Google Shape;242;g22c6355d619_0_75:notes"/>
+          <p:cNvPr id="256" name="Google Shape;256;g22c6355d619_0_232:notes"/>
           <p:cNvSpPr txBox="1"/>
           <p:nvPr>
             <p:ph idx="1" type="body"/>
@@ -3106,7 +3108,7 @@
   <p:cSld>
     <p:spTree>
       <p:nvGrpSpPr>
-        <p:cNvPr id="245" name="Shape 245"/>
+        <p:cNvPr id="262" name="Shape 262"/>
         <p:cNvGrpSpPr/>
         <p:nvPr/>
       </p:nvGrpSpPr>
@@ -3120,7 +3122,7 @@
       </p:grpSpPr>
       <p:sp>
         <p:nvSpPr>
-          <p:cNvPr id="246" name="Google Shape;246;g22c6355d619_0_238:notes"/>
+          <p:cNvPr id="263" name="Google Shape;263;g22c6355d619_0_165:notes"/>
           <p:cNvSpPr/>
           <p:nvPr>
             <p:ph idx="2" type="sldImg"/>
@@ -3155,7 +3157,7 @@
       </p:sp>
       <p:sp>
         <p:nvSpPr>
-          <p:cNvPr id="247" name="Google Shape;247;g22c6355d619_0_238:notes"/>
+          <p:cNvPr id="264" name="Google Shape;264;g22c6355d619_0_165:notes"/>
           <p:cNvSpPr txBox="1"/>
           <p:nvPr>
             <p:ph idx="1" type="body"/>
@@ -3205,7 +3207,7 @@
   <p:cSld>
     <p:spTree>
       <p:nvGrpSpPr>
-        <p:cNvPr id="253" name="Shape 253"/>
+        <p:cNvPr id="269" name="Shape 269"/>
         <p:cNvGrpSpPr/>
         <p:nvPr/>
       </p:nvGrpSpPr>
@@ -3219,7 +3221,7 @@
       </p:grpSpPr>
       <p:sp>
         <p:nvSpPr>
-          <p:cNvPr id="254" name="Google Shape;254;g152a3f74d0d_0_63:notes"/>
+          <p:cNvPr id="270" name="Google Shape;270;g22c6355d619_0_75:notes"/>
           <p:cNvSpPr/>
           <p:nvPr>
             <p:ph idx="2" type="sldImg"/>
@@ -3254,7 +3256,7 @@
       </p:sp>
       <p:sp>
         <p:nvSpPr>
-          <p:cNvPr id="255" name="Google Shape;255;g152a3f74d0d_0_63:notes"/>
+          <p:cNvPr id="271" name="Google Shape;271;g22c6355d619_0_75:notes"/>
           <p:cNvSpPr txBox="1"/>
           <p:nvPr>
             <p:ph idx="1" type="body"/>
@@ -3304,7 +3306,7 @@
   <p:cSld>
     <p:spTree>
       <p:nvGrpSpPr>
-        <p:cNvPr id="261" name="Shape 261"/>
+        <p:cNvPr id="274" name="Shape 274"/>
         <p:cNvGrpSpPr/>
         <p:nvPr/>
       </p:nvGrpSpPr>
@@ -3318,7 +3320,7 @@
       </p:grpSpPr>
       <p:sp>
         <p:nvSpPr>
-          <p:cNvPr id="262" name="Google Shape;262;g22c6355d619_0_244:notes"/>
+          <p:cNvPr id="275" name="Google Shape;275;g22c6355d619_0_238:notes"/>
           <p:cNvSpPr/>
           <p:nvPr>
             <p:ph idx="2" type="sldImg"/>
@@ -3353,7 +3355,7 @@
       </p:sp>
       <p:sp>
         <p:nvSpPr>
-          <p:cNvPr id="263" name="Google Shape;263;g22c6355d619_0_244:notes"/>
+          <p:cNvPr id="276" name="Google Shape;276;g22c6355d619_0_238:notes"/>
           <p:cNvSpPr txBox="1"/>
           <p:nvPr>
             <p:ph idx="1" type="body"/>
@@ -3403,7 +3405,7 @@
   <p:cSld>
     <p:spTree>
       <p:nvGrpSpPr>
-        <p:cNvPr id="268" name="Shape 268"/>
+        <p:cNvPr id="282" name="Shape 282"/>
         <p:cNvGrpSpPr/>
         <p:nvPr/>
       </p:nvGrpSpPr>
@@ -3417,7 +3419,7 @@
       </p:grpSpPr>
       <p:sp>
         <p:nvSpPr>
-          <p:cNvPr id="269" name="Google Shape;269;g152a3f74d0d_0_28:notes"/>
+          <p:cNvPr id="283" name="Google Shape;283;g152a3f74d0d_0_63:notes"/>
           <p:cNvSpPr/>
           <p:nvPr>
             <p:ph idx="2" type="sldImg"/>
@@ -3452,7 +3454,7 @@
       </p:sp>
       <p:sp>
         <p:nvSpPr>
-          <p:cNvPr id="270" name="Google Shape;270;g152a3f74d0d_0_28:notes"/>
+          <p:cNvPr id="284" name="Google Shape;284;g152a3f74d0d_0_63:notes"/>
           <p:cNvSpPr txBox="1"/>
           <p:nvPr>
             <p:ph idx="1" type="body"/>
@@ -3502,7 +3504,7 @@
   <p:cSld>
     <p:spTree>
       <p:nvGrpSpPr>
-        <p:cNvPr id="273" name="Shape 273"/>
+        <p:cNvPr id="290" name="Shape 290"/>
         <p:cNvGrpSpPr/>
         <p:nvPr/>
       </p:nvGrpSpPr>
@@ -3516,7 +3518,7 @@
       </p:grpSpPr>
       <p:sp>
         <p:nvSpPr>
-          <p:cNvPr id="274" name="Google Shape;274;g22c6355d619_0_0:notes"/>
+          <p:cNvPr id="291" name="Google Shape;291;g22c6355d619_0_244:notes"/>
           <p:cNvSpPr/>
           <p:nvPr>
             <p:ph idx="2" type="sldImg"/>
@@ -3551,7 +3553,7 @@
       </p:sp>
       <p:sp>
         <p:nvSpPr>
-          <p:cNvPr id="275" name="Google Shape;275;g22c6355d619_0_0:notes"/>
+          <p:cNvPr id="292" name="Google Shape;292;g22c6355d619_0_244:notes"/>
           <p:cNvSpPr txBox="1"/>
           <p:nvPr>
             <p:ph idx="1" type="body"/>
@@ -3601,7 +3603,7 @@
   <p:cSld>
     <p:spTree>
       <p:nvGrpSpPr>
-        <p:cNvPr id="280" name="Shape 280"/>
+        <p:cNvPr id="297" name="Shape 297"/>
         <p:cNvGrpSpPr/>
         <p:nvPr/>
       </p:nvGrpSpPr>
@@ -3615,7 +3617,7 @@
       </p:grpSpPr>
       <p:sp>
         <p:nvSpPr>
-          <p:cNvPr id="281" name="Google Shape;281;g23a7f920194_0_1:notes"/>
+          <p:cNvPr id="298" name="Google Shape;298;g152a3f74d0d_0_28:notes"/>
           <p:cNvSpPr/>
           <p:nvPr>
             <p:ph idx="2" type="sldImg"/>
@@ -3650,7 +3652,7 @@
       </p:sp>
       <p:sp>
         <p:nvSpPr>
-          <p:cNvPr id="282" name="Google Shape;282;g23a7f920194_0_1:notes"/>
+          <p:cNvPr id="299" name="Google Shape;299;g152a3f74d0d_0_28:notes"/>
           <p:cNvSpPr txBox="1"/>
           <p:nvPr>
             <p:ph idx="1" type="body"/>
@@ -3700,7 +3702,7 @@
   <p:cSld>
     <p:spTree>
       <p:nvGrpSpPr>
-        <p:cNvPr id="287" name="Shape 287"/>
+        <p:cNvPr id="302" name="Shape 302"/>
         <p:cNvGrpSpPr/>
         <p:nvPr/>
       </p:nvGrpSpPr>
@@ -3714,7 +3716,7 @@
       </p:grpSpPr>
       <p:sp>
         <p:nvSpPr>
-          <p:cNvPr id="288" name="Google Shape;288;g152a3f74d0d_0_57:notes"/>
+          <p:cNvPr id="303" name="Google Shape;303;g22c6355d619_0_0:notes"/>
           <p:cNvSpPr/>
           <p:nvPr>
             <p:ph idx="2" type="sldImg"/>
@@ -3749,7 +3751,7 @@
       </p:sp>
       <p:sp>
         <p:nvSpPr>
-          <p:cNvPr id="289" name="Google Shape;289;g152a3f74d0d_0_57:notes"/>
+          <p:cNvPr id="304" name="Google Shape;304;g22c6355d619_0_0:notes"/>
           <p:cNvSpPr txBox="1"/>
           <p:nvPr>
             <p:ph idx="1" type="body"/>
@@ -3799,7 +3801,7 @@
   <p:cSld>
     <p:spTree>
       <p:nvGrpSpPr>
-        <p:cNvPr id="294" name="Shape 294"/>
+        <p:cNvPr id="309" name="Shape 309"/>
         <p:cNvGrpSpPr/>
         <p:nvPr/>
       </p:nvGrpSpPr>
@@ -3813,7 +3815,7 @@
       </p:grpSpPr>
       <p:sp>
         <p:nvSpPr>
-          <p:cNvPr id="295" name="Google Shape;295;g22d186861df_0_1:notes"/>
+          <p:cNvPr id="310" name="Google Shape;310;g23a7f920194_0_1:notes"/>
           <p:cNvSpPr/>
           <p:nvPr>
             <p:ph idx="2" type="sldImg"/>
@@ -3848,7 +3850,7 @@
       </p:sp>
       <p:sp>
         <p:nvSpPr>
-          <p:cNvPr id="296" name="Google Shape;296;g22d186861df_0_1:notes"/>
+          <p:cNvPr id="311" name="Google Shape;311;g23a7f920194_0_1:notes"/>
           <p:cNvSpPr txBox="1"/>
           <p:nvPr>
             <p:ph idx="1" type="body"/>
@@ -3898,7 +3900,7 @@
   <p:cSld>
     <p:spTree>
       <p:nvGrpSpPr>
-        <p:cNvPr id="301" name="Shape 301"/>
+        <p:cNvPr id="316" name="Shape 316"/>
         <p:cNvGrpSpPr/>
         <p:nvPr/>
       </p:nvGrpSpPr>
@@ -3912,7 +3914,7 @@
       </p:grpSpPr>
       <p:sp>
         <p:nvSpPr>
-          <p:cNvPr id="302" name="Google Shape;302;g2397cb0cd5f_0_38:notes"/>
+          <p:cNvPr id="317" name="Google Shape;317;g152a3f74d0d_0_57:notes"/>
           <p:cNvSpPr/>
           <p:nvPr>
             <p:ph idx="2" type="sldImg"/>
@@ -3947,7 +3949,7 @@
       </p:sp>
       <p:sp>
         <p:nvSpPr>
-          <p:cNvPr id="303" name="Google Shape;303;g2397cb0cd5f_0_38:notes"/>
+          <p:cNvPr id="318" name="Google Shape;318;g152a3f74d0d_0_57:notes"/>
           <p:cNvSpPr txBox="1"/>
           <p:nvPr>
             <p:ph idx="1" type="body"/>
@@ -4096,7 +4098,7 @@
   <p:cSld>
     <p:spTree>
       <p:nvGrpSpPr>
-        <p:cNvPr id="307" name="Shape 307"/>
+        <p:cNvPr id="323" name="Shape 323"/>
         <p:cNvGrpSpPr/>
         <p:nvPr/>
       </p:nvGrpSpPr>
@@ -4110,7 +4112,7 @@
       </p:grpSpPr>
       <p:sp>
         <p:nvSpPr>
-          <p:cNvPr id="308" name="Google Shape;308;g2397cb0cd5f_0_43:notes"/>
+          <p:cNvPr id="324" name="Google Shape;324;g22d186861df_0_1:notes"/>
           <p:cNvSpPr/>
           <p:nvPr>
             <p:ph idx="2" type="sldImg"/>
@@ -4145,7 +4147,205 @@
       </p:sp>
       <p:sp>
         <p:nvSpPr>
-          <p:cNvPr id="309" name="Google Shape;309;g2397cb0cd5f_0_43:notes"/>
+          <p:cNvPr id="325" name="Google Shape;325;g22d186861df_0_1:notes"/>
+          <p:cNvSpPr txBox="1"/>
+          <p:nvPr>
+            <p:ph idx="1" type="body"/>
+          </p:nvPr>
+        </p:nvSpPr>
+        <p:spPr>
+          <a:xfrm>
+            <a:off x="685800" y="4343400"/>
+            <a:ext cx="5486400" cy="4114800"/>
+          </a:xfrm>
+          <a:prstGeom prst="rect">
+            <a:avLst/>
+          </a:prstGeom>
+        </p:spPr>
+        <p:txBody>
+          <a:bodyPr anchorCtr="0" anchor="t" bIns="91425" lIns="91425" spcFirstLastPara="1" rIns="91425" wrap="square" tIns="91425">
+            <a:noAutofit/>
+          </a:bodyPr>
+          <a:lstStyle/>
+          <a:p>
+            <a:pPr indent="0" lvl="0" marL="0" rtl="0" algn="l">
+              <a:spcBef>
+                <a:spcPts val="0"/>
+              </a:spcBef>
+              <a:spcAft>
+                <a:spcPts val="0"/>
+              </a:spcAft>
+              <a:buNone/>
+            </a:pPr>
+            <a:r>
+              <a:t/>
+            </a:r>
+            <a:endParaRPr/>
+          </a:p>
+        </p:txBody>
+      </p:sp>
+    </p:spTree>
+  </p:cSld>
+  <p:clrMapOvr>
+    <a:masterClrMapping/>
+  </p:clrMapOvr>
+</p:notes>
+</file>
+
+<file path=ppt/notesSlides/notesSlide41.xml><?xml version="1.0" encoding="utf-8"?>
+<p:notes xmlns:a="http://schemas.openxmlformats.org/drawingml/2006/main" xmlns:r="http://schemas.openxmlformats.org/officeDocument/2006/relationships" xmlns:mc="http://schemas.openxmlformats.org/markup-compatibility/2006" xmlns:mv="urn:schemas-microsoft-com:mac:vml" xmlns:p="http://schemas.openxmlformats.org/presentationml/2006/main" xmlns:c="http://schemas.openxmlformats.org/drawingml/2006/chart" xmlns:dgm="http://schemas.openxmlformats.org/drawingml/2006/diagram" xmlns:o="urn:schemas-microsoft-com:office:office" xmlns:v="urn:schemas-microsoft-com:vml" xmlns:pvml="urn:schemas-microsoft-com:office:powerpoint" xmlns:com="http://schemas.openxmlformats.org/drawingml/2006/compatibility" xmlns:p14="http://schemas.microsoft.com/office/powerpoint/2010/main" xmlns:p15="http://schemas.microsoft.com/office/powerpoint/2012/main" xmlns:ahyp="http://schemas.microsoft.com/office/drawing/2018/hyperlinkcolor" showMasterPhAnim="0" showMasterSp="0">
+  <p:cSld>
+    <p:spTree>
+      <p:nvGrpSpPr>
+        <p:cNvPr id="330" name="Shape 330"/>
+        <p:cNvGrpSpPr/>
+        <p:nvPr/>
+      </p:nvGrpSpPr>
+      <p:grpSpPr>
+        <a:xfrm>
+          <a:off x="0" y="0"/>
+          <a:ext cx="0" cy="0"/>
+          <a:chOff x="0" y="0"/>
+          <a:chExt cx="0" cy="0"/>
+        </a:xfrm>
+      </p:grpSpPr>
+      <p:sp>
+        <p:nvSpPr>
+          <p:cNvPr id="331" name="Google Shape;331;g2397cb0cd5f_0_38:notes"/>
+          <p:cNvSpPr/>
+          <p:nvPr>
+            <p:ph idx="2" type="sldImg"/>
+          </p:nvPr>
+        </p:nvSpPr>
+        <p:spPr>
+          <a:xfrm>
+            <a:off x="381300" y="685800"/>
+            <a:ext cx="6096000" cy="3429000"/>
+          </a:xfrm>
+          <a:custGeom>
+            <a:rect b="b" l="l" r="r" t="t"/>
+            <a:pathLst>
+              <a:path extrusionOk="0" h="120000" w="120000">
+                <a:moveTo>
+                  <a:pt x="0" y="0"/>
+                </a:moveTo>
+                <a:lnTo>
+                  <a:pt x="120000" y="0"/>
+                </a:lnTo>
+                <a:lnTo>
+                  <a:pt x="120000" y="120000"/>
+                </a:lnTo>
+                <a:lnTo>
+                  <a:pt x="0" y="120000"/>
+                </a:lnTo>
+                <a:close/>
+              </a:path>
+            </a:pathLst>
+          </a:custGeom>
+        </p:spPr>
+      </p:sp>
+      <p:sp>
+        <p:nvSpPr>
+          <p:cNvPr id="332" name="Google Shape;332;g2397cb0cd5f_0_38:notes"/>
+          <p:cNvSpPr txBox="1"/>
+          <p:nvPr>
+            <p:ph idx="1" type="body"/>
+          </p:nvPr>
+        </p:nvSpPr>
+        <p:spPr>
+          <a:xfrm>
+            <a:off x="685800" y="4343400"/>
+            <a:ext cx="5486400" cy="4114800"/>
+          </a:xfrm>
+          <a:prstGeom prst="rect">
+            <a:avLst/>
+          </a:prstGeom>
+        </p:spPr>
+        <p:txBody>
+          <a:bodyPr anchorCtr="0" anchor="t" bIns="91425" lIns="91425" spcFirstLastPara="1" rIns="91425" wrap="square" tIns="91425">
+            <a:noAutofit/>
+          </a:bodyPr>
+          <a:lstStyle/>
+          <a:p>
+            <a:pPr indent="0" lvl="0" marL="0" rtl="0" algn="l">
+              <a:spcBef>
+                <a:spcPts val="0"/>
+              </a:spcBef>
+              <a:spcAft>
+                <a:spcPts val="0"/>
+              </a:spcAft>
+              <a:buNone/>
+            </a:pPr>
+            <a:r>
+              <a:t/>
+            </a:r>
+            <a:endParaRPr/>
+          </a:p>
+        </p:txBody>
+      </p:sp>
+    </p:spTree>
+  </p:cSld>
+  <p:clrMapOvr>
+    <a:masterClrMapping/>
+  </p:clrMapOvr>
+</p:notes>
+</file>
+
+<file path=ppt/notesSlides/notesSlide42.xml><?xml version="1.0" encoding="utf-8"?>
+<p:notes xmlns:a="http://schemas.openxmlformats.org/drawingml/2006/main" xmlns:r="http://schemas.openxmlformats.org/officeDocument/2006/relationships" xmlns:mc="http://schemas.openxmlformats.org/markup-compatibility/2006" xmlns:mv="urn:schemas-microsoft-com:mac:vml" xmlns:p="http://schemas.openxmlformats.org/presentationml/2006/main" xmlns:c="http://schemas.openxmlformats.org/drawingml/2006/chart" xmlns:dgm="http://schemas.openxmlformats.org/drawingml/2006/diagram" xmlns:o="urn:schemas-microsoft-com:office:office" xmlns:v="urn:schemas-microsoft-com:vml" xmlns:pvml="urn:schemas-microsoft-com:office:powerpoint" xmlns:com="http://schemas.openxmlformats.org/drawingml/2006/compatibility" xmlns:p14="http://schemas.microsoft.com/office/powerpoint/2010/main" xmlns:p15="http://schemas.microsoft.com/office/powerpoint/2012/main" xmlns:ahyp="http://schemas.microsoft.com/office/drawing/2018/hyperlinkcolor" showMasterPhAnim="0" showMasterSp="0">
+  <p:cSld>
+    <p:spTree>
+      <p:nvGrpSpPr>
+        <p:cNvPr id="336" name="Shape 336"/>
+        <p:cNvGrpSpPr/>
+        <p:nvPr/>
+      </p:nvGrpSpPr>
+      <p:grpSpPr>
+        <a:xfrm>
+          <a:off x="0" y="0"/>
+          <a:ext cx="0" cy="0"/>
+          <a:chOff x="0" y="0"/>
+          <a:chExt cx="0" cy="0"/>
+        </a:xfrm>
+      </p:grpSpPr>
+      <p:sp>
+        <p:nvSpPr>
+          <p:cNvPr id="337" name="Google Shape;337;g2397cb0cd5f_0_43:notes"/>
+          <p:cNvSpPr/>
+          <p:nvPr>
+            <p:ph idx="2" type="sldImg"/>
+          </p:nvPr>
+        </p:nvSpPr>
+        <p:spPr>
+          <a:xfrm>
+            <a:off x="381300" y="685800"/>
+            <a:ext cx="6096000" cy="3429000"/>
+          </a:xfrm>
+          <a:custGeom>
+            <a:rect b="b" l="l" r="r" t="t"/>
+            <a:pathLst>
+              <a:path extrusionOk="0" h="120000" w="120000">
+                <a:moveTo>
+                  <a:pt x="0" y="0"/>
+                </a:moveTo>
+                <a:lnTo>
+                  <a:pt x="120000" y="0"/>
+                </a:lnTo>
+                <a:lnTo>
+                  <a:pt x="120000" y="120000"/>
+                </a:lnTo>
+                <a:lnTo>
+                  <a:pt x="0" y="120000"/>
+                </a:lnTo>
+                <a:close/>
+              </a:path>
+            </a:pathLst>
+          </a:custGeom>
+        </p:spPr>
+      </p:sp>
+      <p:sp>
+        <p:nvSpPr>
+          <p:cNvPr id="338" name="Google Shape;338;g2397cb0cd5f_0_43:notes"/>
           <p:cNvSpPr txBox="1"/>
           <p:nvPr>
             <p:ph idx="1" type="body"/>
@@ -8445,7 +8645,7 @@
           </a:prstGeom>
         </p:spPr>
         <p:txBody>
-          <a:bodyPr anchorCtr="0" anchor="ctr" bIns="91425" lIns="274300" spcFirstLastPara="1" rIns="91425" wrap="square" tIns="91425">
+          <a:bodyPr anchorCtr="0" anchor="ctr" bIns="0" lIns="274300" spcFirstLastPara="1" rIns="0" wrap="square" tIns="0">
             <a:noAutofit/>
           </a:bodyPr>
           <a:lstStyle/>
@@ -8461,7 +8661,7 @@
             </a:pPr>
             <a:r>
               <a:rPr lang="en"/>
-              <a:t>1a. Meeting Preparation</a:t>
+              <a:t>The AMOS Feature Board (Recap)</a:t>
             </a:r>
             <a:endParaRPr/>
           </a:p>
@@ -8472,192 +8672,6 @@
           <p:cNvPr id="111" name="Google Shape;111;p19"/>
           <p:cNvSpPr txBox="1"/>
           <p:nvPr>
-            <p:ph idx="1" type="body"/>
-          </p:nvPr>
-        </p:nvSpPr>
-        <p:spPr>
-          <a:xfrm>
-            <a:off x="274320" y="914400"/>
-            <a:ext cx="8595300" cy="4114800"/>
-          </a:xfrm>
-          <a:prstGeom prst="rect">
-            <a:avLst/>
-          </a:prstGeom>
-        </p:spPr>
-        <p:txBody>
-          <a:bodyPr anchorCtr="0" anchor="t" bIns="0" lIns="0" spcFirstLastPara="1" rIns="0" wrap="square" tIns="0">
-            <a:noAutofit/>
-          </a:bodyPr>
-          <a:lstStyle/>
-          <a:p>
-            <a:pPr indent="0" lvl="0" marL="0" rtl="0" algn="l">
-              <a:spcBef>
-                <a:spcPts val="0"/>
-              </a:spcBef>
-              <a:spcAft>
-                <a:spcPts val="0"/>
-              </a:spcAft>
-              <a:buNone/>
-            </a:pPr>
-            <a:r>
-              <a:rPr b="1" lang="en"/>
-              <a:t>Product owner</a:t>
-            </a:r>
-            <a:endParaRPr b="1"/>
-          </a:p>
-          <a:p>
-            <a:pPr indent="-342900" lvl="0" marL="457200" rtl="0" algn="l">
-              <a:spcBef>
-                <a:spcPts val="1200"/>
-              </a:spcBef>
-              <a:spcAft>
-                <a:spcPts val="0"/>
-              </a:spcAft>
-              <a:buSzPts val="1800"/>
-              <a:buChar char="●"/>
-            </a:pPr>
-            <a:r>
-              <a:rPr lang="en"/>
-              <a:t>Performs backlog grooming </a:t>
-            </a:r>
-            <a:r>
-              <a:rPr lang="en"/>
-              <a:t>in a </a:t>
-            </a:r>
-            <a:r>
-              <a:rPr b="1" lang="en"/>
-              <a:t>next sprint preparation</a:t>
-            </a:r>
-            <a:r>
-              <a:rPr lang="en"/>
-              <a:t> meeting</a:t>
-            </a:r>
-            <a:endParaRPr/>
-          </a:p>
-          <a:p>
-            <a:pPr indent="-317500" lvl="1" marL="914400" rtl="0" algn="l">
-              <a:spcBef>
-                <a:spcPts val="0"/>
-              </a:spcBef>
-              <a:spcAft>
-                <a:spcPts val="0"/>
-              </a:spcAft>
-              <a:buSzPts val="1400"/>
-              <a:buChar char="○"/>
-            </a:pPr>
-            <a:r>
-              <a:rPr lang="en" sz="1400"/>
-              <a:t>Should include at least one developer (may want to plan this out)</a:t>
-            </a:r>
-            <a:endParaRPr sz="1400"/>
-          </a:p>
-          <a:p>
-            <a:pPr indent="-342900" lvl="0" marL="457200" rtl="0" algn="l">
-              <a:spcBef>
-                <a:spcPts val="1000"/>
-              </a:spcBef>
-              <a:spcAft>
-                <a:spcPts val="0"/>
-              </a:spcAft>
-              <a:buSzPts val="1800"/>
-              <a:buChar char="●"/>
-            </a:pPr>
-            <a:r>
-              <a:rPr lang="en"/>
-              <a:t>Ensures that the product backlog is ready for sprint planning</a:t>
-            </a:r>
-            <a:endParaRPr/>
-          </a:p>
-          <a:p>
-            <a:pPr indent="-317500" lvl="1" marL="914400" rtl="0" algn="l">
-              <a:spcBef>
-                <a:spcPts val="0"/>
-              </a:spcBef>
-              <a:spcAft>
-                <a:spcPts val="0"/>
-              </a:spcAft>
-              <a:buSzPts val="1400"/>
-              <a:buChar char="○"/>
-            </a:pPr>
-            <a:r>
-              <a:rPr lang="en"/>
-              <a:t>There are enough high-quality entries at least for the upcoming sprint</a:t>
-            </a:r>
-            <a:endParaRPr/>
-          </a:p>
-          <a:p>
-            <a:pPr indent="-317500" lvl="2" marL="1371600" rtl="0" algn="l">
-              <a:spcBef>
-                <a:spcPts val="0"/>
-              </a:spcBef>
-              <a:spcAft>
-                <a:spcPts val="0"/>
-              </a:spcAft>
-              <a:buSzPts val="1400"/>
-              <a:buChar char="■"/>
-            </a:pPr>
-            <a:r>
-              <a:rPr lang="en"/>
-              <a:t>High-quality = meets INVEST criteria, explained later</a:t>
-            </a:r>
-            <a:endParaRPr/>
-          </a:p>
-          <a:p>
-            <a:pPr indent="-317500" lvl="1" marL="914400" rtl="0" algn="l">
-              <a:spcBef>
-                <a:spcPts val="1000"/>
-              </a:spcBef>
-              <a:spcAft>
-                <a:spcPts val="0"/>
-              </a:spcAft>
-              <a:buSzPts val="1400"/>
-              <a:buChar char="○"/>
-            </a:pPr>
-            <a:r>
-              <a:rPr lang="en"/>
-              <a:t>Product backlog entries may be</a:t>
-            </a:r>
-            <a:endParaRPr/>
-          </a:p>
-          <a:p>
-            <a:pPr indent="-317500" lvl="2" marL="1371600" rtl="0" algn="l">
-              <a:spcBef>
-                <a:spcPts val="0"/>
-              </a:spcBef>
-              <a:spcAft>
-                <a:spcPts val="0"/>
-              </a:spcAft>
-              <a:buSzPts val="1400"/>
-              <a:buChar char="■"/>
-            </a:pPr>
-            <a:r>
-              <a:rPr lang="en"/>
-              <a:t>New features, bug fixes, and refactorings</a:t>
-            </a:r>
-            <a:endParaRPr/>
-          </a:p>
-          <a:p>
-            <a:pPr indent="0" lvl="0" marL="0" rtl="0" algn="l">
-              <a:spcBef>
-                <a:spcPts val="1200"/>
-              </a:spcBef>
-              <a:spcAft>
-                <a:spcPts val="0"/>
-              </a:spcAft>
-              <a:buNone/>
-            </a:pPr>
-            <a:r>
-              <a:t/>
-            </a:r>
-            <a:endParaRPr/>
-          </a:p>
-        </p:txBody>
-      </p:sp>
-      <p:sp>
-        <p:nvSpPr>
-          <p:cNvPr id="112" name="Google Shape;112;p19"/>
-          <p:cNvSpPr txBox="1"/>
-          <p:nvPr>
             <p:ph idx="12" type="sldNum"/>
           </p:nvPr>
         </p:nvSpPr>
@@ -8718,6 +8732,34 @@
           </a:p>
         </p:txBody>
       </p:sp>
+      <p:pic>
+        <p:nvPicPr>
+          <p:cNvPr id="112" name="Google Shape;112;p19"/>
+          <p:cNvPicPr preferRelativeResize="0"/>
+          <p:nvPr/>
+        </p:nvPicPr>
+        <p:blipFill>
+          <a:blip r:embed="rId4">
+            <a:alphaModFix/>
+          </a:blip>
+          <a:stretch>
+            <a:fillRect/>
+          </a:stretch>
+        </p:blipFill>
+        <p:spPr>
+          <a:xfrm>
+            <a:off x="274320" y="914400"/>
+            <a:ext cx="8595360" cy="3495446"/>
+          </a:xfrm>
+          <a:prstGeom prst="rect">
+            <a:avLst/>
+          </a:prstGeom>
+          <a:noFill/>
+          <a:ln>
+            <a:noFill/>
+          </a:ln>
+        </p:spPr>
+      </p:pic>
     </p:spTree>
   </p:cSld>
   <p:clrMapOvr>
@@ -8777,7 +8819,7 @@
             </a:pPr>
             <a:r>
               <a:rPr lang="en"/>
-              <a:t>1b. Meeting Preparation</a:t>
+              <a:t>1a. Meeting Preparation</a:t>
             </a:r>
             <a:endParaRPr/>
           </a:p>
@@ -8817,7 +8859,7 @@
             </a:pPr>
             <a:r>
               <a:rPr b="1" lang="en"/>
-              <a:t>Release manager</a:t>
+              <a:t>Product owner</a:t>
             </a:r>
             <a:endParaRPr b="1"/>
           </a:p>
@@ -8834,14 +8876,43 @@
             </a:pPr>
             <a:r>
               <a:rPr lang="en"/>
-              <a:t>Ensures that a working demo system will be available</a:t>
-            </a:r>
-            <a:endParaRPr/>
+              <a:t>Refines backlog [1] </a:t>
+            </a:r>
+            <a:r>
+              <a:rPr lang="en"/>
+              <a:t>in a </a:t>
+            </a:r>
+            <a:r>
+              <a:rPr b="1" lang="en"/>
+              <a:t>next sprint preparation</a:t>
+            </a:r>
+            <a:r>
+              <a:rPr lang="en"/>
+              <a:t> meeting</a:t>
+            </a:r>
+            <a:endParaRPr/>
+          </a:p>
+          <a:p>
+            <a:pPr indent="-317500" lvl="1" marL="914400" rtl="0" algn="l">
+              <a:spcBef>
+                <a:spcPts val="0"/>
+              </a:spcBef>
+              <a:spcAft>
+                <a:spcPts val="0"/>
+              </a:spcAft>
+              <a:buSzPts val="1400"/>
+              <a:buChar char="○"/>
+            </a:pPr>
+            <a:r>
+              <a:rPr lang="en" sz="1400"/>
+              <a:t>Should include at least one developer (may want to plan this out)</a:t>
+            </a:r>
+            <a:endParaRPr sz="1400"/>
           </a:p>
           <a:p>
             <a:pPr indent="-342900" lvl="0" marL="457200" rtl="0" algn="l">
               <a:spcBef>
-                <a:spcPts val="0"/>
+                <a:spcPts val="1000"/>
               </a:spcBef>
               <a:spcAft>
                 <a:spcPts val="0"/>
@@ -8851,13 +8922,9 @@
             </a:pPr>
             <a:r>
               <a:rPr lang="en"/>
-              <a:t>Tags release candidate with </a:t>
-            </a:r>
-            <a:r>
-              <a:rPr b="1" lang="en"/>
-              <a:t>sprint-xx-release-candidate</a:t>
-            </a:r>
-            <a:endParaRPr b="1"/>
+              <a:t>Ensures that the product backlog is ready for sprint planning</a:t>
+            </a:r>
+            <a:endParaRPr/>
           </a:p>
           <a:p>
             <a:pPr indent="-317500" lvl="1" marL="914400" rtl="0" algn="l">
@@ -8872,7 +8939,58 @@
             </a:pPr>
             <a:r>
               <a:rPr lang="en"/>
-              <a:t>Where xx is your sprint number (see deliverables through project schedule)</a:t>
+              <a:t>There are enough high-quality entries at least for the upcoming sprint</a:t>
+            </a:r>
+            <a:endParaRPr/>
+          </a:p>
+          <a:p>
+            <a:pPr indent="-317500" lvl="2" marL="1371600" rtl="0" algn="l">
+              <a:spcBef>
+                <a:spcPts val="0"/>
+              </a:spcBef>
+              <a:spcAft>
+                <a:spcPts val="0"/>
+              </a:spcAft>
+              <a:buSzPts val="1400"/>
+              <a:buChar char="■"/>
+            </a:pPr>
+            <a:r>
+              <a:rPr lang="en"/>
+              <a:t>High-quality = meets INVEST criteria, explained later</a:t>
+            </a:r>
+            <a:endParaRPr/>
+          </a:p>
+          <a:p>
+            <a:pPr indent="-317500" lvl="1" marL="914400" rtl="0" algn="l">
+              <a:spcBef>
+                <a:spcPts val="1000"/>
+              </a:spcBef>
+              <a:spcAft>
+                <a:spcPts val="0"/>
+              </a:spcAft>
+              <a:buSzPts val="1400"/>
+              <a:buChar char="○"/>
+            </a:pPr>
+            <a:r>
+              <a:rPr lang="en"/>
+              <a:t>Product backlog entries may be</a:t>
+            </a:r>
+            <a:endParaRPr/>
+          </a:p>
+          <a:p>
+            <a:pPr indent="-317500" lvl="2" marL="1371600" rtl="0" algn="l">
+              <a:spcBef>
+                <a:spcPts val="0"/>
+              </a:spcBef>
+              <a:spcAft>
+                <a:spcPts val="0"/>
+              </a:spcAft>
+              <a:buSzPts val="1400"/>
+              <a:buChar char="■"/>
+            </a:pPr>
+            <a:r>
+              <a:rPr lang="en"/>
+              <a:t>New features, bug fixes, and refactorings</a:t>
             </a:r>
             <a:endParaRPr/>
           </a:p>
@@ -8882,7 +9000,7 @@
                 <a:spcPts val="1200"/>
               </a:spcBef>
               <a:spcAft>
-                <a:spcPts val="1200"/>
+                <a:spcPts val="0"/>
               </a:spcAft>
               <a:buNone/>
             </a:pPr>
@@ -8955,6 +9073,76 @@
               <a:t> </a:t>
             </a:r>
             <a:endParaRPr b="0" sz="1000"/>
+          </a:p>
+        </p:txBody>
+      </p:sp>
+      <p:pic>
+        <p:nvPicPr>
+          <p:cNvPr id="120" name="Google Shape;120;p20"/>
+          <p:cNvPicPr preferRelativeResize="0"/>
+          <p:nvPr/>
+        </p:nvPicPr>
+        <p:blipFill>
+          <a:blip r:embed="rId4">
+            <a:alphaModFix/>
+          </a:blip>
+          <a:stretch>
+            <a:fillRect/>
+          </a:stretch>
+        </p:blipFill>
+        <p:spPr>
+          <a:xfrm>
+            <a:off x="7040838" y="914388"/>
+            <a:ext cx="1828800" cy="1828800"/>
+          </a:xfrm>
+          <a:prstGeom prst="rect">
+            <a:avLst/>
+          </a:prstGeom>
+          <a:noFill/>
+          <a:ln>
+            <a:noFill/>
+          </a:ln>
+        </p:spPr>
+      </p:pic>
+      <p:sp>
+        <p:nvSpPr>
+          <p:cNvPr id="121" name="Google Shape;121;p20"/>
+          <p:cNvSpPr txBox="1"/>
+          <p:nvPr/>
+        </p:nvSpPr>
+        <p:spPr>
+          <a:xfrm>
+            <a:off x="0" y="4233672"/>
+            <a:ext cx="7315200" cy="914400"/>
+          </a:xfrm>
+          <a:prstGeom prst="rect">
+            <a:avLst/>
+          </a:prstGeom>
+          <a:noFill/>
+          <a:ln>
+            <a:noFill/>
+          </a:ln>
+        </p:spPr>
+        <p:txBody>
+          <a:bodyPr anchorCtr="0" anchor="b" bIns="91425" lIns="91425" spcFirstLastPara="1" rIns="91425" wrap="square" tIns="91425">
+            <a:noAutofit/>
+          </a:bodyPr>
+          <a:lstStyle/>
+          <a:p>
+            <a:pPr indent="0" lvl="0" marL="0" rtl="0" algn="l">
+              <a:spcBef>
+                <a:spcPts val="0"/>
+              </a:spcBef>
+              <a:spcAft>
+                <a:spcPts val="0"/>
+              </a:spcAft>
+              <a:buNone/>
+            </a:pPr>
+            <a:r>
+              <a:rPr lang="en"/>
+              <a:t>[1] Backlog refinement is also known as backlog grooming</a:t>
+            </a:r>
+            <a:endParaRPr/>
           </a:p>
         </p:txBody>
       </p:sp>
@@ -8971,7 +9159,275 @@
   <p:cSld>
     <p:spTree>
       <p:nvGrpSpPr>
-        <p:cNvPr id="123" name="Shape 123"/>
+        <p:cNvPr id="125" name="Shape 125"/>
+        <p:cNvGrpSpPr/>
+        <p:nvPr/>
+      </p:nvGrpSpPr>
+      <p:grpSpPr>
+        <a:xfrm>
+          <a:off x="0" y="0"/>
+          <a:ext cx="0" cy="0"/>
+          <a:chOff x="0" y="0"/>
+          <a:chExt cx="0" cy="0"/>
+        </a:xfrm>
+      </p:grpSpPr>
+      <p:sp>
+        <p:nvSpPr>
+          <p:cNvPr id="126" name="Google Shape;126;p21"/>
+          <p:cNvSpPr txBox="1"/>
+          <p:nvPr>
+            <p:ph type="title"/>
+          </p:nvPr>
+        </p:nvSpPr>
+        <p:spPr>
+          <a:xfrm>
+            <a:off x="0" y="0"/>
+            <a:ext cx="9144000" cy="685800"/>
+          </a:xfrm>
+          <a:prstGeom prst="rect">
+            <a:avLst/>
+          </a:prstGeom>
+        </p:spPr>
+        <p:txBody>
+          <a:bodyPr anchorCtr="0" anchor="ctr" bIns="91425" lIns="274300" spcFirstLastPara="1" rIns="91425" wrap="square" tIns="91425">
+            <a:noAutofit/>
+          </a:bodyPr>
+          <a:lstStyle/>
+          <a:p>
+            <a:pPr indent="0" lvl="0" marL="0" rtl="0" algn="l">
+              <a:spcBef>
+                <a:spcPts val="0"/>
+              </a:spcBef>
+              <a:spcAft>
+                <a:spcPts val="0"/>
+              </a:spcAft>
+              <a:buNone/>
+            </a:pPr>
+            <a:r>
+              <a:rPr lang="en"/>
+              <a:t>1b. Meeting Preparation</a:t>
+            </a:r>
+            <a:endParaRPr/>
+          </a:p>
+        </p:txBody>
+      </p:sp>
+      <p:sp>
+        <p:nvSpPr>
+          <p:cNvPr id="127" name="Google Shape;127;p21"/>
+          <p:cNvSpPr txBox="1"/>
+          <p:nvPr>
+            <p:ph idx="1" type="body"/>
+          </p:nvPr>
+        </p:nvSpPr>
+        <p:spPr>
+          <a:xfrm>
+            <a:off x="274320" y="914400"/>
+            <a:ext cx="8595300" cy="4114800"/>
+          </a:xfrm>
+          <a:prstGeom prst="rect">
+            <a:avLst/>
+          </a:prstGeom>
+        </p:spPr>
+        <p:txBody>
+          <a:bodyPr anchorCtr="0" anchor="t" bIns="0" lIns="0" spcFirstLastPara="1" rIns="0" wrap="square" tIns="0">
+            <a:noAutofit/>
+          </a:bodyPr>
+          <a:lstStyle/>
+          <a:p>
+            <a:pPr indent="0" lvl="0" marL="0" rtl="0" algn="l">
+              <a:spcBef>
+                <a:spcPts val="0"/>
+              </a:spcBef>
+              <a:spcAft>
+                <a:spcPts val="0"/>
+              </a:spcAft>
+              <a:buNone/>
+            </a:pPr>
+            <a:r>
+              <a:rPr b="1" lang="en"/>
+              <a:t>Release manager</a:t>
+            </a:r>
+            <a:endParaRPr b="1"/>
+          </a:p>
+          <a:p>
+            <a:pPr indent="-342900" lvl="0" marL="457200" rtl="0" algn="l">
+              <a:spcBef>
+                <a:spcPts val="1200"/>
+              </a:spcBef>
+              <a:spcAft>
+                <a:spcPts val="0"/>
+              </a:spcAft>
+              <a:buSzPts val="1800"/>
+              <a:buChar char="●"/>
+            </a:pPr>
+            <a:r>
+              <a:rPr lang="en"/>
+              <a:t>Ensures that a working demo system will be available</a:t>
+            </a:r>
+            <a:endParaRPr/>
+          </a:p>
+          <a:p>
+            <a:pPr indent="-342900" lvl="0" marL="457200" rtl="0" algn="l">
+              <a:spcBef>
+                <a:spcPts val="0"/>
+              </a:spcBef>
+              <a:spcAft>
+                <a:spcPts val="0"/>
+              </a:spcAft>
+              <a:buSzPts val="1800"/>
+              <a:buChar char="●"/>
+            </a:pPr>
+            <a:r>
+              <a:rPr lang="en"/>
+              <a:t>Tags release candidate with </a:t>
+            </a:r>
+            <a:r>
+              <a:rPr b="1" lang="en"/>
+              <a:t>sprint-xx-release-candidate</a:t>
+            </a:r>
+            <a:endParaRPr b="1"/>
+          </a:p>
+          <a:p>
+            <a:pPr indent="-317500" lvl="1" marL="914400" rtl="0" algn="l">
+              <a:spcBef>
+                <a:spcPts val="0"/>
+              </a:spcBef>
+              <a:spcAft>
+                <a:spcPts val="0"/>
+              </a:spcAft>
+              <a:buSzPts val="1400"/>
+              <a:buChar char="○"/>
+            </a:pPr>
+            <a:r>
+              <a:rPr lang="en"/>
+              <a:t>Where xx is your sprint number (see deliverables through project schedule)</a:t>
+            </a:r>
+            <a:endParaRPr/>
+          </a:p>
+          <a:p>
+            <a:pPr indent="0" lvl="0" marL="0" rtl="0" algn="l">
+              <a:spcBef>
+                <a:spcPts val="1200"/>
+              </a:spcBef>
+              <a:spcAft>
+                <a:spcPts val="1200"/>
+              </a:spcAft>
+              <a:buNone/>
+            </a:pPr>
+            <a:r>
+              <a:t/>
+            </a:r>
+            <a:endParaRPr/>
+          </a:p>
+        </p:txBody>
+      </p:sp>
+      <p:sp>
+        <p:nvSpPr>
+          <p:cNvPr id="128" name="Google Shape;128;p21"/>
+          <p:cNvSpPr txBox="1"/>
+          <p:nvPr>
+            <p:ph idx="12" type="sldNum"/>
+          </p:nvPr>
+        </p:nvSpPr>
+        <p:spPr>
+          <a:xfrm>
+            <a:off x="7315202" y="4229100"/>
+            <a:ext cx="1828800" cy="914400"/>
+          </a:xfrm>
+          <a:prstGeom prst="rect">
+            <a:avLst/>
+          </a:prstGeom>
+        </p:spPr>
+        <p:txBody>
+          <a:bodyPr anchorCtr="0" anchor="b" bIns="91425" lIns="91425" spcFirstLastPara="1" rIns="91425" wrap="square" tIns="91425">
+            <a:noAutofit/>
+          </a:bodyPr>
+          <a:lstStyle/>
+          <a:p>
+            <a:pPr indent="0" lvl="0" marL="0" rtl="0" algn="r">
+              <a:spcBef>
+                <a:spcPts val="0"/>
+              </a:spcBef>
+              <a:spcAft>
+                <a:spcPts val="0"/>
+              </a:spcAft>
+              <a:buNone/>
+            </a:pPr>
+            <a:fld id="{00000000-1234-1234-1234-123412341234}" type="slidenum">
+              <a:rPr lang="en"/>
+              <a:t>‹#›</a:t>
+            </a:fld>
+            <a:endParaRPr/>
+          </a:p>
+          <a:p>
+            <a:pPr indent="0" lvl="0" marL="0" rtl="0" algn="r">
+              <a:spcBef>
+                <a:spcPts val="0"/>
+              </a:spcBef>
+              <a:spcAft>
+                <a:spcPts val="0"/>
+              </a:spcAft>
+              <a:buNone/>
+            </a:pPr>
+            <a:r>
+              <a:rPr b="0" lang="en" sz="1000" u="sng">
+                <a:solidFill>
+                  <a:schemeClr val="hlink"/>
+                </a:solidFill>
+                <a:hlinkClick r:id="rId3"/>
+              </a:rPr>
+              <a:t>uni1.de/amos</a:t>
+            </a:r>
+            <a:r>
+              <a:rPr b="0" lang="en" sz="1000"/>
+              <a:t> </a:t>
+            </a:r>
+            <a:endParaRPr b="0" sz="1000"/>
+          </a:p>
+        </p:txBody>
+      </p:sp>
+      <p:pic>
+        <p:nvPicPr>
+          <p:cNvPr id="129" name="Google Shape;129;p21"/>
+          <p:cNvPicPr preferRelativeResize="0"/>
+          <p:nvPr/>
+        </p:nvPicPr>
+        <p:blipFill>
+          <a:blip r:embed="rId4">
+            <a:alphaModFix/>
+          </a:blip>
+          <a:stretch>
+            <a:fillRect/>
+          </a:stretch>
+        </p:blipFill>
+        <p:spPr>
+          <a:xfrm>
+            <a:off x="7040838" y="914388"/>
+            <a:ext cx="1828800" cy="1828800"/>
+          </a:xfrm>
+          <a:prstGeom prst="rect">
+            <a:avLst/>
+          </a:prstGeom>
+          <a:noFill/>
+          <a:ln>
+            <a:noFill/>
+          </a:ln>
+        </p:spPr>
+      </p:pic>
+    </p:spTree>
+  </p:cSld>
+  <p:clrMapOvr>
+    <a:masterClrMapping/>
+  </p:clrMapOvr>
+</p:sld>
+</file>
+
+<file path=ppt/slides/slide15.xml><?xml version="1.0" encoding="utf-8"?>
+<p:sld xmlns:a="http://schemas.openxmlformats.org/drawingml/2006/main" xmlns:r="http://schemas.openxmlformats.org/officeDocument/2006/relationships" xmlns:mc="http://schemas.openxmlformats.org/markup-compatibility/2006" xmlns:mv="urn:schemas-microsoft-com:mac:vml" xmlns:p="http://schemas.openxmlformats.org/presentationml/2006/main" xmlns:c="http://schemas.openxmlformats.org/drawingml/2006/chart" xmlns:dgm="http://schemas.openxmlformats.org/drawingml/2006/diagram" xmlns:o="urn:schemas-microsoft-com:office:office" xmlns:v="urn:schemas-microsoft-com:vml" xmlns:pvml="urn:schemas-microsoft-com:office:powerpoint" xmlns:com="http://schemas.openxmlformats.org/drawingml/2006/compatibility" xmlns:p14="http://schemas.microsoft.com/office/powerpoint/2010/main" xmlns:p15="http://schemas.microsoft.com/office/powerpoint/2012/main" xmlns:ahyp="http://schemas.microsoft.com/office/drawing/2018/hyperlinkcolor">
+  <p:cSld>
+    <p:spTree>
+      <p:nvGrpSpPr>
+        <p:cNvPr id="133" name="Shape 133"/>
         <p:cNvGrpSpPr/>
         <p:nvPr/>
       </p:nvGrpSpPr>
@@ -8985,7 +9441,7 @@
       </p:grpSpPr>
       <p:pic>
         <p:nvPicPr>
-          <p:cNvPr id="124" name="Google Shape;124;p21"/>
+          <p:cNvPr id="134" name="Google Shape;134;p22"/>
           <p:cNvPicPr preferRelativeResize="0"/>
           <p:nvPr/>
         </p:nvPicPr>
@@ -9013,7 +9469,7 @@
       </p:pic>
       <p:sp>
         <p:nvSpPr>
-          <p:cNvPr id="125" name="Google Shape;125;p21"/>
+          <p:cNvPr id="135" name="Google Shape;135;p22"/>
           <p:cNvSpPr txBox="1"/>
           <p:nvPr>
             <p:ph type="title"/>
@@ -9053,7 +9509,7 @@
       </p:sp>
       <p:sp>
         <p:nvSpPr>
-          <p:cNvPr id="126" name="Google Shape;126;p21"/>
+          <p:cNvPr id="136" name="Google Shape;136;p22"/>
           <p:cNvSpPr txBox="1"/>
           <p:nvPr>
             <p:ph idx="1" type="body"/>
@@ -9093,7 +9549,7 @@
       </p:sp>
       <p:sp>
         <p:nvSpPr>
-          <p:cNvPr id="127" name="Google Shape;127;p21"/>
+          <p:cNvPr id="137" name="Google Shape;137;p22"/>
           <p:cNvSpPr txBox="1"/>
           <p:nvPr>
             <p:ph idx="2" type="body"/>
@@ -9133,7 +9589,7 @@
       </p:sp>
       <p:pic>
         <p:nvPicPr>
-          <p:cNvPr id="128" name="Google Shape;128;p21"/>
+          <p:cNvPr id="138" name="Google Shape;138;p22"/>
           <p:cNvPicPr preferRelativeResize="0"/>
           <p:nvPr/>
         </p:nvPicPr>
@@ -9161,7 +9617,7 @@
       </p:pic>
       <p:sp>
         <p:nvSpPr>
-          <p:cNvPr id="129" name="Google Shape;129;p21"/>
+          <p:cNvPr id="139" name="Google Shape;139;p22"/>
           <p:cNvSpPr txBox="1"/>
           <p:nvPr/>
         </p:nvSpPr>
@@ -9195,7 +9651,7 @@
             </a:pPr>
             <a:r>
               <a:rPr lang="en"/>
-              <a:t> [1] Do not rename release candidate</a:t>
+              <a:t> [1] Do not rename release candidates</a:t>
             </a:r>
             <a:endParaRPr/>
           </a:p>
@@ -9203,7 +9659,7 @@
       </p:sp>
       <p:sp>
         <p:nvSpPr>
-          <p:cNvPr id="130" name="Google Shape;130;p21"/>
+          <p:cNvPr id="140" name="Google Shape;140;p22"/>
           <p:cNvSpPr/>
           <p:nvPr/>
         </p:nvSpPr>
@@ -9252,7 +9708,7 @@
       </p:sp>
       <p:sp>
         <p:nvSpPr>
-          <p:cNvPr id="131" name="Google Shape;131;p21"/>
+          <p:cNvPr id="141" name="Google Shape;141;p22"/>
           <p:cNvSpPr/>
           <p:nvPr/>
         </p:nvSpPr>
@@ -9301,7 +9757,7 @@
       </p:sp>
       <p:sp>
         <p:nvSpPr>
-          <p:cNvPr id="132" name="Google Shape;132;p21"/>
+          <p:cNvPr id="142" name="Google Shape;142;p22"/>
           <p:cNvSpPr txBox="1"/>
           <p:nvPr>
             <p:ph idx="12" type="sldNum"/>
@@ -9353,258 +9809,6 @@
                   <a:schemeClr val="hlink"/>
                 </a:solidFill>
                 <a:hlinkClick r:id="rId5"/>
-              </a:rPr>
-              <a:t>uni1.de/amos</a:t>
-            </a:r>
-            <a:r>
-              <a:rPr b="0" lang="en" sz="1000"/>
-              <a:t> </a:t>
-            </a:r>
-            <a:endParaRPr b="0" sz="1000"/>
-          </a:p>
-        </p:txBody>
-      </p:sp>
-    </p:spTree>
-  </p:cSld>
-  <p:clrMapOvr>
-    <a:masterClrMapping/>
-  </p:clrMapOvr>
-</p:sld>
-</file>
-
-<file path=ppt/slides/slide15.xml><?xml version="1.0" encoding="utf-8"?>
-<p:sld xmlns:a="http://schemas.openxmlformats.org/drawingml/2006/main" xmlns:r="http://schemas.openxmlformats.org/officeDocument/2006/relationships" xmlns:mc="http://schemas.openxmlformats.org/markup-compatibility/2006" xmlns:mv="urn:schemas-microsoft-com:mac:vml" xmlns:p="http://schemas.openxmlformats.org/presentationml/2006/main" xmlns:c="http://schemas.openxmlformats.org/drawingml/2006/chart" xmlns:dgm="http://schemas.openxmlformats.org/drawingml/2006/diagram" xmlns:o="urn:schemas-microsoft-com:office:office" xmlns:v="urn:schemas-microsoft-com:vml" xmlns:pvml="urn:schemas-microsoft-com:office:powerpoint" xmlns:com="http://schemas.openxmlformats.org/drawingml/2006/compatibility" xmlns:p14="http://schemas.microsoft.com/office/powerpoint/2010/main" xmlns:p15="http://schemas.microsoft.com/office/powerpoint/2012/main" xmlns:ahyp="http://schemas.microsoft.com/office/drawing/2018/hyperlinkcolor">
-  <p:cSld>
-    <p:spTree>
-      <p:nvGrpSpPr>
-        <p:cNvPr id="136" name="Shape 136"/>
-        <p:cNvGrpSpPr/>
-        <p:nvPr/>
-      </p:nvGrpSpPr>
-      <p:grpSpPr>
-        <a:xfrm>
-          <a:off x="0" y="0"/>
-          <a:ext cx="0" cy="0"/>
-          <a:chOff x="0" y="0"/>
-          <a:chExt cx="0" cy="0"/>
-        </a:xfrm>
-      </p:grpSpPr>
-      <p:sp>
-        <p:nvSpPr>
-          <p:cNvPr id="137" name="Google Shape;137;p22"/>
-          <p:cNvSpPr txBox="1"/>
-          <p:nvPr>
-            <p:ph type="title"/>
-          </p:nvPr>
-        </p:nvSpPr>
-        <p:spPr>
-          <a:xfrm>
-            <a:off x="0" y="0"/>
-            <a:ext cx="9144000" cy="685800"/>
-          </a:xfrm>
-          <a:prstGeom prst="rect">
-            <a:avLst/>
-          </a:prstGeom>
-        </p:spPr>
-        <p:txBody>
-          <a:bodyPr anchorCtr="0" anchor="ctr" bIns="91425" lIns="274300" spcFirstLastPara="1" rIns="91425" wrap="square" tIns="91425">
-            <a:noAutofit/>
-          </a:bodyPr>
-          <a:lstStyle/>
-          <a:p>
-            <a:pPr indent="0" lvl="0" marL="0" rtl="0" algn="l">
-              <a:spcBef>
-                <a:spcPts val="0"/>
-              </a:spcBef>
-              <a:spcAft>
-                <a:spcPts val="0"/>
-              </a:spcAft>
-              <a:buNone/>
-            </a:pPr>
-            <a:r>
-              <a:rPr lang="en"/>
-              <a:t>2a. Sprint Review</a:t>
-            </a:r>
-            <a:endParaRPr/>
-          </a:p>
-        </p:txBody>
-      </p:sp>
-      <p:sp>
-        <p:nvSpPr>
-          <p:cNvPr id="138" name="Google Shape;138;p22"/>
-          <p:cNvSpPr txBox="1"/>
-          <p:nvPr>
-            <p:ph idx="1" type="body"/>
-          </p:nvPr>
-        </p:nvSpPr>
-        <p:spPr>
-          <a:xfrm>
-            <a:off x="274320" y="914400"/>
-            <a:ext cx="8595300" cy="4114800"/>
-          </a:xfrm>
-          <a:prstGeom prst="rect">
-            <a:avLst/>
-          </a:prstGeom>
-        </p:spPr>
-        <p:txBody>
-          <a:bodyPr anchorCtr="0" anchor="t" bIns="0" lIns="0" spcFirstLastPara="1" rIns="0" wrap="square" tIns="0">
-            <a:noAutofit/>
-          </a:bodyPr>
-          <a:lstStyle/>
-          <a:p>
-            <a:pPr indent="0" lvl="0" marL="0" rtl="0" algn="l">
-              <a:spcBef>
-                <a:spcPts val="0"/>
-              </a:spcBef>
-              <a:spcAft>
-                <a:spcPts val="0"/>
-              </a:spcAft>
-              <a:buNone/>
-            </a:pPr>
-            <a:r>
-              <a:rPr b="1" lang="en"/>
-              <a:t>Release manager</a:t>
-            </a:r>
-            <a:endParaRPr b="1"/>
-          </a:p>
-          <a:p>
-            <a:pPr indent="-342900" lvl="0" marL="457200" rtl="0" algn="l">
-              <a:spcBef>
-                <a:spcPts val="1200"/>
-              </a:spcBef>
-              <a:spcAft>
-                <a:spcPts val="0"/>
-              </a:spcAft>
-              <a:buSzPts val="1800"/>
-              <a:buChar char="●"/>
-            </a:pPr>
-            <a:r>
-              <a:rPr lang="en"/>
-              <a:t>Checks-out fresh code base using release candidate tag</a:t>
-            </a:r>
-            <a:endParaRPr/>
-          </a:p>
-          <a:p>
-            <a:pPr indent="-342900" lvl="0" marL="457200" rtl="0" algn="l">
-              <a:spcBef>
-                <a:spcPts val="0"/>
-              </a:spcBef>
-              <a:spcAft>
-                <a:spcPts val="0"/>
-              </a:spcAft>
-              <a:buSzPts val="1800"/>
-              <a:buChar char="●"/>
-            </a:pPr>
-            <a:r>
-              <a:rPr lang="en"/>
-              <a:t>Compiles, builds, and runs tests for release candidate</a:t>
-            </a:r>
-            <a:endParaRPr/>
-          </a:p>
-          <a:p>
-            <a:pPr indent="-342900" lvl="0" marL="457200" rtl="0" algn="l">
-              <a:spcBef>
-                <a:spcPts val="0"/>
-              </a:spcBef>
-              <a:spcAft>
-                <a:spcPts val="0"/>
-              </a:spcAft>
-              <a:buSzPts val="1800"/>
-              <a:buChar char="●"/>
-            </a:pPr>
-            <a:r>
-              <a:rPr lang="en"/>
-              <a:t>Deploys release candidate to test environment</a:t>
-            </a:r>
-            <a:endParaRPr/>
-          </a:p>
-          <a:p>
-            <a:pPr indent="0" lvl="0" marL="0" rtl="0" algn="l">
-              <a:spcBef>
-                <a:spcPts val="1200"/>
-              </a:spcBef>
-              <a:spcAft>
-                <a:spcPts val="0"/>
-              </a:spcAft>
-              <a:buNone/>
-            </a:pPr>
-            <a:r>
-              <a:rPr lang="en"/>
-              <a:t>The release manager does not run the review</a:t>
-            </a:r>
-            <a:endParaRPr/>
-          </a:p>
-          <a:p>
-            <a:pPr indent="0" lvl="0" marL="0" rtl="0" algn="l">
-              <a:spcBef>
-                <a:spcPts val="1200"/>
-              </a:spcBef>
-              <a:spcAft>
-                <a:spcPts val="1200"/>
-              </a:spcAft>
-              <a:buNone/>
-            </a:pPr>
-            <a:r>
-              <a:t/>
-            </a:r>
-            <a:endParaRPr/>
-          </a:p>
-        </p:txBody>
-      </p:sp>
-      <p:sp>
-        <p:nvSpPr>
-          <p:cNvPr id="139" name="Google Shape;139;p22"/>
-          <p:cNvSpPr txBox="1"/>
-          <p:nvPr>
-            <p:ph idx="12" type="sldNum"/>
-          </p:nvPr>
-        </p:nvSpPr>
-        <p:spPr>
-          <a:xfrm>
-            <a:off x="7315202" y="4229100"/>
-            <a:ext cx="1828800" cy="914400"/>
-          </a:xfrm>
-          <a:prstGeom prst="rect">
-            <a:avLst/>
-          </a:prstGeom>
-        </p:spPr>
-        <p:txBody>
-          <a:bodyPr anchorCtr="0" anchor="b" bIns="91425" lIns="91425" spcFirstLastPara="1" rIns="91425" wrap="square" tIns="91425">
-            <a:noAutofit/>
-          </a:bodyPr>
-          <a:lstStyle/>
-          <a:p>
-            <a:pPr indent="0" lvl="0" marL="0" rtl="0" algn="r">
-              <a:spcBef>
-                <a:spcPts val="0"/>
-              </a:spcBef>
-              <a:spcAft>
-                <a:spcPts val="0"/>
-              </a:spcAft>
-              <a:buNone/>
-            </a:pPr>
-            <a:fld id="{00000000-1234-1234-1234-123412341234}" type="slidenum">
-              <a:rPr lang="en"/>
-              <a:t>‹#›</a:t>
-            </a:fld>
-            <a:endParaRPr/>
-          </a:p>
-          <a:p>
-            <a:pPr indent="0" lvl="0" marL="0" rtl="0" algn="r">
-              <a:spcBef>
-                <a:spcPts val="0"/>
-              </a:spcBef>
-              <a:spcAft>
-                <a:spcPts val="0"/>
-              </a:spcAft>
-              <a:buNone/>
-            </a:pPr>
-            <a:r>
-              <a:rPr b="0" lang="en" sz="1000" u="sng">
-                <a:solidFill>
-                  <a:schemeClr val="hlink"/>
-                </a:solidFill>
-                <a:hlinkClick r:id="rId3"/>
               </a:rPr>
               <a:t>uni1.de/amos</a:t>
             </a:r>
@@ -9629,7 +9833,7 @@
   <p:cSld>
     <p:spTree>
       <p:nvGrpSpPr>
-        <p:cNvPr id="143" name="Shape 143"/>
+        <p:cNvPr id="146" name="Shape 146"/>
         <p:cNvGrpSpPr/>
         <p:nvPr/>
       </p:nvGrpSpPr>
@@ -9643,7 +9847,7 @@
       </p:grpSpPr>
       <p:sp>
         <p:nvSpPr>
-          <p:cNvPr id="144" name="Google Shape;144;p23"/>
+          <p:cNvPr id="147" name="Google Shape;147;p23"/>
           <p:cNvSpPr txBox="1"/>
           <p:nvPr>
             <p:ph type="title"/>
@@ -9675,7 +9879,7 @@
             </a:pPr>
             <a:r>
               <a:rPr lang="en"/>
-              <a:t>2b. Sprint Review</a:t>
+              <a:t>2a. Sprint Review</a:t>
             </a:r>
             <a:endParaRPr/>
           </a:p>
@@ -9683,7 +9887,129 @@
       </p:sp>
       <p:sp>
         <p:nvSpPr>
-          <p:cNvPr id="145" name="Google Shape;145;p23"/>
+          <p:cNvPr id="148" name="Google Shape;148;p23"/>
+          <p:cNvSpPr txBox="1"/>
+          <p:nvPr>
+            <p:ph idx="1" type="body"/>
+          </p:nvPr>
+        </p:nvSpPr>
+        <p:spPr>
+          <a:xfrm>
+            <a:off x="274320" y="914400"/>
+            <a:ext cx="8595300" cy="4114800"/>
+          </a:xfrm>
+          <a:prstGeom prst="rect">
+            <a:avLst/>
+          </a:prstGeom>
+        </p:spPr>
+        <p:txBody>
+          <a:bodyPr anchorCtr="0" anchor="t" bIns="0" lIns="0" spcFirstLastPara="1" rIns="0" wrap="square" tIns="0">
+            <a:noAutofit/>
+          </a:bodyPr>
+          <a:lstStyle/>
+          <a:p>
+            <a:pPr indent="0" lvl="0" marL="0" rtl="0" algn="l">
+              <a:spcBef>
+                <a:spcPts val="0"/>
+              </a:spcBef>
+              <a:spcAft>
+                <a:spcPts val="0"/>
+              </a:spcAft>
+              <a:buNone/>
+            </a:pPr>
+            <a:r>
+              <a:rPr b="1" lang="en"/>
+              <a:t>Release manager</a:t>
+            </a:r>
+            <a:endParaRPr b="1"/>
+          </a:p>
+          <a:p>
+            <a:pPr indent="-342900" lvl="0" marL="457200" rtl="0" algn="l">
+              <a:spcBef>
+                <a:spcPts val="1200"/>
+              </a:spcBef>
+              <a:spcAft>
+                <a:spcPts val="0"/>
+              </a:spcAft>
+              <a:buSzPts val="1800"/>
+              <a:buChar char="●"/>
+            </a:pPr>
+            <a:r>
+              <a:rPr lang="en"/>
+              <a:t>Checks-out fresh code base using release candidate tag</a:t>
+            </a:r>
+            <a:endParaRPr/>
+          </a:p>
+          <a:p>
+            <a:pPr indent="-342900" lvl="0" marL="457200" rtl="0" algn="l">
+              <a:spcBef>
+                <a:spcPts val="0"/>
+              </a:spcBef>
+              <a:spcAft>
+                <a:spcPts val="0"/>
+              </a:spcAft>
+              <a:buSzPts val="1800"/>
+              <a:buChar char="●"/>
+            </a:pPr>
+            <a:r>
+              <a:rPr lang="en"/>
+              <a:t>Compiles, builds, and runs tests for release candidate</a:t>
+            </a:r>
+            <a:endParaRPr/>
+          </a:p>
+          <a:p>
+            <a:pPr indent="-342900" lvl="0" marL="457200" rtl="0" algn="l">
+              <a:spcBef>
+                <a:spcPts val="0"/>
+              </a:spcBef>
+              <a:spcAft>
+                <a:spcPts val="0"/>
+              </a:spcAft>
+              <a:buSzPts val="1800"/>
+              <a:buChar char="●"/>
+            </a:pPr>
+            <a:r>
+              <a:rPr lang="en"/>
+              <a:t>Deploys release candidate to test environment</a:t>
+            </a:r>
+            <a:endParaRPr/>
+          </a:p>
+          <a:p>
+            <a:pPr indent="0" lvl="0" marL="0" rtl="0" algn="l">
+              <a:spcBef>
+                <a:spcPts val="1200"/>
+              </a:spcBef>
+              <a:spcAft>
+                <a:spcPts val="0"/>
+              </a:spcAft>
+              <a:buNone/>
+            </a:pPr>
+            <a:r>
+              <a:rPr lang="en"/>
+              <a:t>The release manager does not run the review</a:t>
+            </a:r>
+            <a:endParaRPr/>
+          </a:p>
+          <a:p>
+            <a:pPr indent="0" lvl="0" marL="0" rtl="0" algn="l">
+              <a:spcBef>
+                <a:spcPts val="1200"/>
+              </a:spcBef>
+              <a:spcAft>
+                <a:spcPts val="1200"/>
+              </a:spcAft>
+              <a:buNone/>
+            </a:pPr>
+            <a:r>
+              <a:t/>
+            </a:r>
+            <a:endParaRPr/>
+          </a:p>
+        </p:txBody>
+      </p:sp>
+      <p:sp>
+        <p:nvSpPr>
+          <p:cNvPr id="149" name="Google Shape;149;p23"/>
           <p:cNvSpPr txBox="1"/>
           <p:nvPr>
             <p:ph idx="12" type="sldNum"/>
@@ -9746,233 +10072,34 @@
           </a:p>
         </p:txBody>
       </p:sp>
-      <p:sp>
-        <p:nvSpPr>
-          <p:cNvPr id="146" name="Google Shape;146;p23"/>
-          <p:cNvSpPr txBox="1"/>
-          <p:nvPr>
-            <p:ph idx="1" type="body"/>
-          </p:nvPr>
-        </p:nvSpPr>
-        <p:spPr>
-          <a:xfrm>
-            <a:off x="274320" y="914400"/>
-            <a:ext cx="8595300" cy="4114800"/>
+      <p:pic>
+        <p:nvPicPr>
+          <p:cNvPr id="150" name="Google Shape;150;p23"/>
+          <p:cNvPicPr preferRelativeResize="0"/>
+          <p:nvPr/>
+        </p:nvPicPr>
+        <p:blipFill>
+          <a:blip r:embed="rId4">
+            <a:alphaModFix/>
+          </a:blip>
+          <a:stretch>
+            <a:fillRect/>
+          </a:stretch>
+        </p:blipFill>
+        <p:spPr>
+          <a:xfrm>
+            <a:off x="7040838" y="914388"/>
+            <a:ext cx="1828800" cy="1828800"/>
           </a:xfrm>
           <a:prstGeom prst="rect">
             <a:avLst/>
           </a:prstGeom>
-        </p:spPr>
-        <p:txBody>
-          <a:bodyPr anchorCtr="0" anchor="t" bIns="0" lIns="0" spcFirstLastPara="1" rIns="0" wrap="square" tIns="0">
-            <a:noAutofit/>
-          </a:bodyPr>
-          <a:lstStyle/>
-          <a:p>
-            <a:pPr indent="0" lvl="0" marL="0" rtl="0" algn="l">
-              <a:spcBef>
-                <a:spcPts val="0"/>
-              </a:spcBef>
-              <a:spcAft>
-                <a:spcPts val="0"/>
-              </a:spcAft>
-              <a:buNone/>
-            </a:pPr>
-            <a:r>
-              <a:rPr b="1" lang="en"/>
-              <a:t>Product owner</a:t>
-            </a:r>
-            <a:endParaRPr b="1"/>
-          </a:p>
-          <a:p>
-            <a:pPr indent="-342900" lvl="0" marL="457200" rtl="0" algn="l">
-              <a:spcBef>
-                <a:spcPts val="1200"/>
-              </a:spcBef>
-              <a:spcAft>
-                <a:spcPts val="0"/>
-              </a:spcAft>
-              <a:buSzPts val="1800"/>
-              <a:buChar char="●"/>
-            </a:pPr>
-            <a:r>
-              <a:rPr lang="en"/>
-              <a:t>Walks through “Awaiting review” column item by item</a:t>
-            </a:r>
-            <a:endParaRPr/>
-          </a:p>
-          <a:p>
-            <a:pPr indent="-317500" lvl="1" marL="914400" rtl="0" algn="l">
-              <a:spcBef>
-                <a:spcPts val="0"/>
-              </a:spcBef>
-              <a:spcAft>
-                <a:spcPts val="0"/>
-              </a:spcAft>
-              <a:buSzPts val="1400"/>
-              <a:buChar char="○"/>
-            </a:pPr>
-            <a:r>
-              <a:rPr lang="en"/>
-              <a:t>Asks developer to demo item under review</a:t>
-            </a:r>
-            <a:endParaRPr/>
-          </a:p>
-          <a:p>
-            <a:pPr indent="-317500" lvl="2" marL="1371600" rtl="0" algn="l">
-              <a:spcBef>
-                <a:spcPts val="0"/>
-              </a:spcBef>
-              <a:spcAft>
-                <a:spcPts val="0"/>
-              </a:spcAft>
-              <a:buSzPts val="1400"/>
-              <a:buChar char="■"/>
-            </a:pPr>
-            <a:r>
-              <a:rPr lang="en"/>
-              <a:t>Insists that developer shows, not just tells</a:t>
-            </a:r>
-            <a:endParaRPr/>
-          </a:p>
-          <a:p>
-            <a:pPr indent="-317500" lvl="1" marL="914400" rtl="0" algn="l">
-              <a:spcBef>
-                <a:spcPts val="1000"/>
-              </a:spcBef>
-              <a:spcAft>
-                <a:spcPts val="0"/>
-              </a:spcAft>
-              <a:buSzPts val="1400"/>
-              <a:buChar char="○"/>
-            </a:pPr>
-            <a:r>
-              <a:rPr lang="en"/>
-              <a:t>Checks fulfillment of acceptance criteria</a:t>
-            </a:r>
-            <a:endParaRPr/>
-          </a:p>
-          <a:p>
-            <a:pPr indent="-317500" lvl="1" marL="914400" rtl="0" algn="l">
-              <a:spcBef>
-                <a:spcPts val="0"/>
-              </a:spcBef>
-              <a:spcAft>
-                <a:spcPts val="0"/>
-              </a:spcAft>
-              <a:buSzPts val="1400"/>
-              <a:buChar char="○"/>
-            </a:pPr>
-            <a:r>
-              <a:rPr lang="en"/>
-              <a:t>Checks fulfillment of definition of done, if required</a:t>
-            </a:r>
-            <a:endParaRPr/>
-          </a:p>
-          <a:p>
-            <a:pPr indent="-317500" lvl="1" marL="914400" rtl="0" algn="l">
-              <a:spcBef>
-                <a:spcPts val="0"/>
-              </a:spcBef>
-              <a:spcAft>
-                <a:spcPts val="0"/>
-              </a:spcAft>
-              <a:buSzPts val="1400"/>
-              <a:buChar char="○"/>
-            </a:pPr>
-            <a:r>
-              <a:rPr lang="en"/>
-              <a:t>Checks other criteria incl. logging output for problems</a:t>
-            </a:r>
-            <a:endParaRPr/>
-          </a:p>
-          <a:p>
-            <a:pPr indent="-317500" lvl="1" marL="914400" rtl="0" algn="l">
-              <a:spcBef>
-                <a:spcPts val="1000"/>
-              </a:spcBef>
-              <a:spcAft>
-                <a:spcPts val="0"/>
-              </a:spcAft>
-              <a:buSzPts val="1400"/>
-              <a:buChar char="○"/>
-            </a:pPr>
-            <a:r>
-              <a:rPr lang="en"/>
-              <a:t>If successfully implemented</a:t>
-            </a:r>
-            <a:endParaRPr/>
-          </a:p>
-          <a:p>
-            <a:pPr indent="-317500" lvl="2" marL="1371600" rtl="0" algn="l">
-              <a:spcBef>
-                <a:spcPts val="0"/>
-              </a:spcBef>
-              <a:spcAft>
-                <a:spcPts val="0"/>
-              </a:spcAft>
-              <a:buSzPts val="1400"/>
-              <a:buChar char="■"/>
-            </a:pPr>
-            <a:r>
-              <a:rPr lang="en"/>
-              <a:t>Moves item to feature archive</a:t>
-            </a:r>
-            <a:endParaRPr/>
-          </a:p>
-          <a:p>
-            <a:pPr indent="-317500" lvl="2" marL="1371600" rtl="0" algn="l">
-              <a:spcBef>
-                <a:spcPts val="0"/>
-              </a:spcBef>
-              <a:spcAft>
-                <a:spcPts val="0"/>
-              </a:spcAft>
-              <a:buSzPts val="1400"/>
-              <a:buChar char="■"/>
-            </a:pPr>
-            <a:r>
-              <a:rPr lang="en"/>
-              <a:t>Asks developers about real size, add it to the item</a:t>
-            </a:r>
-            <a:endParaRPr/>
-          </a:p>
-          <a:p>
-            <a:pPr indent="-317500" lvl="1" marL="914400" rtl="0" algn="l">
-              <a:spcBef>
-                <a:spcPts val="1000"/>
-              </a:spcBef>
-              <a:spcAft>
-                <a:spcPts val="0"/>
-              </a:spcAft>
-              <a:buSzPts val="1400"/>
-              <a:buChar char="○"/>
-            </a:pPr>
-            <a:r>
-              <a:rPr lang="en"/>
-              <a:t>If not successfully implemented</a:t>
-            </a:r>
-            <a:endParaRPr/>
-          </a:p>
-          <a:p>
-            <a:pPr indent="-317500" lvl="2" marL="1371600" rtl="0" algn="l">
-              <a:spcBef>
-                <a:spcPts val="0"/>
-              </a:spcBef>
-              <a:spcAft>
-                <a:spcPts val="0"/>
-              </a:spcAft>
-              <a:buSzPts val="1400"/>
-              <a:buChar char="■"/>
-            </a:pPr>
-            <a:r>
-              <a:rPr lang="en"/>
-              <a:t>Moves item back to product backlog</a:t>
-            </a:r>
-            <a:endParaRPr/>
-          </a:p>
-        </p:txBody>
-      </p:sp>
+          <a:noFill/>
+          <a:ln>
+            <a:noFill/>
+          </a:ln>
+        </p:spPr>
+      </p:pic>
     </p:spTree>
   </p:cSld>
   <p:clrMapOvr>
@@ -9986,7 +10113,7 @@
   <p:cSld>
     <p:spTree>
       <p:nvGrpSpPr>
-        <p:cNvPr id="150" name="Shape 150"/>
+        <p:cNvPr id="154" name="Shape 154"/>
         <p:cNvGrpSpPr/>
         <p:nvPr/>
       </p:nvGrpSpPr>
@@ -10000,7 +10127,7 @@
       </p:grpSpPr>
       <p:sp>
         <p:nvSpPr>
-          <p:cNvPr id="151" name="Google Shape;151;p24"/>
+          <p:cNvPr id="155" name="Google Shape;155;p24"/>
           <p:cNvSpPr txBox="1"/>
           <p:nvPr>
             <p:ph type="title"/>
@@ -10032,7 +10159,7 @@
             </a:pPr>
             <a:r>
               <a:rPr lang="en"/>
-              <a:t>2c. Sprint Review</a:t>
+              <a:t>How Backlog Items Move During Sprint Review</a:t>
             </a:r>
             <a:endParaRPr/>
           </a:p>
@@ -10040,7 +10167,7 @@
       </p:sp>
       <p:sp>
         <p:nvSpPr>
-          <p:cNvPr id="152" name="Google Shape;152;p24"/>
+          <p:cNvPr id="156" name="Google Shape;156;p24"/>
           <p:cNvSpPr txBox="1"/>
           <p:nvPr>
             <p:ph idx="12" type="sldNum"/>
@@ -10103,164 +10230,34 @@
           </a:p>
         </p:txBody>
       </p:sp>
-      <p:sp>
-        <p:nvSpPr>
-          <p:cNvPr id="153" name="Google Shape;153;p24"/>
-          <p:cNvSpPr txBox="1"/>
-          <p:nvPr>
-            <p:ph idx="1" type="body"/>
-          </p:nvPr>
-        </p:nvSpPr>
+      <p:pic>
+        <p:nvPicPr>
+          <p:cNvPr id="157" name="Google Shape;157;p24"/>
+          <p:cNvPicPr preferRelativeResize="0"/>
+          <p:nvPr/>
+        </p:nvPicPr>
+        <p:blipFill>
+          <a:blip r:embed="rId4">
+            <a:alphaModFix/>
+          </a:blip>
+          <a:stretch>
+            <a:fillRect/>
+          </a:stretch>
+        </p:blipFill>
         <p:spPr>
           <a:xfrm>
             <a:off x="274320" y="914400"/>
-            <a:ext cx="8595300" cy="4114800"/>
+            <a:ext cx="8595360" cy="3493598"/>
           </a:xfrm>
           <a:prstGeom prst="rect">
             <a:avLst/>
           </a:prstGeom>
-        </p:spPr>
-        <p:txBody>
-          <a:bodyPr anchorCtr="0" anchor="t" bIns="0" lIns="0" spcFirstLastPara="1" rIns="0" wrap="square" tIns="0">
-            <a:noAutofit/>
-          </a:bodyPr>
-          <a:lstStyle/>
-          <a:p>
-            <a:pPr indent="0" lvl="0" marL="0" rtl="0" algn="l">
-              <a:spcBef>
-                <a:spcPts val="0"/>
-              </a:spcBef>
-              <a:spcAft>
-                <a:spcPts val="0"/>
-              </a:spcAft>
-              <a:buNone/>
-            </a:pPr>
-            <a:r>
-              <a:rPr b="1" lang="en"/>
-              <a:t>Software developer (individually)</a:t>
-            </a:r>
-            <a:endParaRPr b="1"/>
-          </a:p>
-          <a:p>
-            <a:pPr indent="-342900" lvl="0" marL="457200" rtl="0" algn="l">
-              <a:spcBef>
-                <a:spcPts val="1200"/>
-              </a:spcBef>
-              <a:spcAft>
-                <a:spcPts val="0"/>
-              </a:spcAft>
-              <a:buSzPts val="1800"/>
-              <a:buChar char="●"/>
-            </a:pPr>
-            <a:r>
-              <a:rPr lang="en"/>
-              <a:t>Is called upon by product owner for backlog item</a:t>
-            </a:r>
-            <a:endParaRPr/>
-          </a:p>
-          <a:p>
-            <a:pPr indent="-317500" lvl="1" marL="914400" rtl="0" algn="l">
-              <a:spcBef>
-                <a:spcPts val="0"/>
-              </a:spcBef>
-              <a:spcAft>
-                <a:spcPts val="0"/>
-              </a:spcAft>
-              <a:buSzPts val="1400"/>
-              <a:buChar char="○"/>
-            </a:pPr>
-            <a:r>
-              <a:rPr lang="en"/>
-              <a:t>Demos backlog item as requested by product owner</a:t>
-            </a:r>
-            <a:endParaRPr/>
-          </a:p>
-          <a:p>
-            <a:pPr indent="-317500" lvl="1" marL="914400" rtl="0" algn="l">
-              <a:spcBef>
-                <a:spcPts val="0"/>
-              </a:spcBef>
-              <a:spcAft>
-                <a:spcPts val="0"/>
-              </a:spcAft>
-              <a:buSzPts val="1400"/>
-              <a:buChar char="○"/>
-            </a:pPr>
-            <a:r>
-              <a:rPr lang="en"/>
-              <a:t>Answers questions about item design and implementation</a:t>
-            </a:r>
-            <a:endParaRPr/>
-          </a:p>
-          <a:p>
-            <a:pPr indent="-317500" lvl="1" marL="914400" rtl="0" algn="l">
-              <a:spcBef>
-                <a:spcPts val="0"/>
-              </a:spcBef>
-              <a:spcAft>
-                <a:spcPts val="0"/>
-              </a:spcAft>
-              <a:buSzPts val="1400"/>
-              <a:buChar char="○"/>
-            </a:pPr>
-            <a:r>
-              <a:rPr lang="en"/>
-              <a:t>Provides real size as determined after implementation</a:t>
-            </a:r>
-            <a:endParaRPr/>
-          </a:p>
-          <a:p>
-            <a:pPr indent="0" lvl="0" marL="0" rtl="0" algn="l">
-              <a:spcBef>
-                <a:spcPts val="1200"/>
-              </a:spcBef>
-              <a:spcAft>
-                <a:spcPts val="0"/>
-              </a:spcAft>
-              <a:buNone/>
-            </a:pPr>
-            <a:r>
-              <a:rPr lang="en"/>
-              <a:t>Only talking, not showing, is not acceptable</a:t>
-            </a:r>
-            <a:endParaRPr/>
-          </a:p>
-          <a:p>
-            <a:pPr indent="-342900" lvl="0" marL="457200" rtl="0" algn="l">
-              <a:spcBef>
-                <a:spcPts val="1200"/>
-              </a:spcBef>
-              <a:spcAft>
-                <a:spcPts val="0"/>
-              </a:spcAft>
-              <a:buSzPts val="1800"/>
-              <a:buChar char="●"/>
-            </a:pPr>
-            <a:r>
-              <a:rPr lang="en"/>
-              <a:t>The product manager needs to insist on showing not just talking</a:t>
-            </a:r>
-            <a:endParaRPr/>
-          </a:p>
-          <a:p>
-            <a:pPr indent="-342900" lvl="0" marL="457200" rtl="0" algn="l">
-              <a:spcBef>
-                <a:spcPts val="0"/>
-              </a:spcBef>
-              <a:spcAft>
-                <a:spcPts val="0"/>
-              </a:spcAft>
-              <a:buSzPts val="1800"/>
-              <a:buChar char="●"/>
-            </a:pPr>
-            <a:r>
-              <a:rPr lang="en"/>
-              <a:t>If a developer only talks, product owner and developer failed</a:t>
-            </a:r>
-            <a:endParaRPr/>
-          </a:p>
-        </p:txBody>
-      </p:sp>
+          <a:noFill/>
+          <a:ln>
+            <a:noFill/>
+          </a:ln>
+        </p:spPr>
+      </p:pic>
     </p:spTree>
   </p:cSld>
   <p:clrMapOvr>
@@ -10274,7 +10271,7 @@
   <p:cSld>
     <p:spTree>
       <p:nvGrpSpPr>
-        <p:cNvPr id="157" name="Shape 157"/>
+        <p:cNvPr id="161" name="Shape 161"/>
         <p:cNvGrpSpPr/>
         <p:nvPr/>
       </p:nvGrpSpPr>
@@ -10288,7 +10285,7 @@
       </p:grpSpPr>
       <p:sp>
         <p:nvSpPr>
-          <p:cNvPr id="158" name="Google Shape;158;p25"/>
+          <p:cNvPr id="162" name="Google Shape;162;p25"/>
           <p:cNvSpPr txBox="1"/>
           <p:nvPr>
             <p:ph type="title"/>
@@ -10320,7 +10317,7 @@
             </a:pPr>
             <a:r>
               <a:rPr lang="en"/>
-              <a:t>3a. Sprint Release</a:t>
+              <a:t>2b. Sprint Review</a:t>
             </a:r>
             <a:endParaRPr/>
           </a:p>
@@ -10328,147 +10325,7 @@
       </p:sp>
       <p:sp>
         <p:nvSpPr>
-          <p:cNvPr id="159" name="Google Shape;159;p25"/>
-          <p:cNvSpPr txBox="1"/>
-          <p:nvPr>
-            <p:ph idx="1" type="body"/>
-          </p:nvPr>
-        </p:nvSpPr>
-        <p:spPr>
-          <a:xfrm>
-            <a:off x="274320" y="914400"/>
-            <a:ext cx="8595300" cy="4114800"/>
-          </a:xfrm>
-          <a:prstGeom prst="rect">
-            <a:avLst/>
-          </a:prstGeom>
-        </p:spPr>
-        <p:txBody>
-          <a:bodyPr anchorCtr="0" anchor="t" bIns="0" lIns="0" spcFirstLastPara="1" rIns="0" wrap="square" tIns="0">
-            <a:noAutofit/>
-          </a:bodyPr>
-          <a:lstStyle/>
-          <a:p>
-            <a:pPr indent="0" lvl="0" marL="0" rtl="0" algn="l">
-              <a:spcBef>
-                <a:spcPts val="0"/>
-              </a:spcBef>
-              <a:spcAft>
-                <a:spcPts val="0"/>
-              </a:spcAft>
-              <a:buNone/>
-            </a:pPr>
-            <a:r>
-              <a:rPr b="1" lang="en"/>
-              <a:t>Product owner</a:t>
-            </a:r>
-            <a:endParaRPr b="1"/>
-          </a:p>
-          <a:p>
-            <a:pPr indent="-342900" lvl="0" marL="457200" rtl="0" algn="l">
-              <a:spcBef>
-                <a:spcPts val="1200"/>
-              </a:spcBef>
-              <a:spcAft>
-                <a:spcPts val="0"/>
-              </a:spcAft>
-              <a:buSzPts val="1800"/>
-              <a:buChar char="●"/>
-            </a:pPr>
-            <a:r>
-              <a:rPr lang="en"/>
-              <a:t>Decides whether release candidate should be released</a:t>
-            </a:r>
-            <a:endParaRPr/>
-          </a:p>
-          <a:p>
-            <a:pPr indent="-317500" lvl="1" marL="914400" rtl="0" algn="l">
-              <a:spcBef>
-                <a:spcPts val="0"/>
-              </a:spcBef>
-              <a:spcAft>
-                <a:spcPts val="0"/>
-              </a:spcAft>
-              <a:buSzPts val="1400"/>
-              <a:buChar char="○"/>
-            </a:pPr>
-            <a:r>
-              <a:rPr lang="en"/>
-              <a:t>Only in case of significant regression should you not release</a:t>
-            </a:r>
-            <a:endParaRPr/>
-          </a:p>
-          <a:p>
-            <a:pPr indent="-317500" lvl="1" marL="914400" rtl="0" algn="l">
-              <a:spcBef>
-                <a:spcPts val="0"/>
-              </a:spcBef>
-              <a:spcAft>
-                <a:spcPts val="0"/>
-              </a:spcAft>
-              <a:buSzPts val="1400"/>
-              <a:buChar char="○"/>
-            </a:pPr>
-            <a:r>
-              <a:rPr lang="en"/>
-              <a:t>Later in the course you will use a definition of done</a:t>
-            </a:r>
-            <a:endParaRPr/>
-          </a:p>
-          <a:p>
-            <a:pPr indent="-317500" lvl="1" marL="914400" rtl="0" algn="l">
-              <a:spcBef>
-                <a:spcPts val="0"/>
-              </a:spcBef>
-              <a:spcAft>
-                <a:spcPts val="0"/>
-              </a:spcAft>
-              <a:buSzPts val="1400"/>
-              <a:buChar char="○"/>
-            </a:pPr>
-            <a:r>
-              <a:rPr lang="en"/>
-              <a:t>Specifics depend on type of release</a:t>
-            </a:r>
-            <a:endParaRPr/>
-          </a:p>
-          <a:p>
-            <a:pPr indent="-342900" lvl="0" marL="457200" rtl="0" algn="l">
-              <a:spcBef>
-                <a:spcPts val="1000"/>
-              </a:spcBef>
-              <a:spcAft>
-                <a:spcPts val="0"/>
-              </a:spcAft>
-              <a:buSzPts val="1800"/>
-              <a:buChar char="●"/>
-            </a:pPr>
-            <a:r>
-              <a:rPr lang="en"/>
-              <a:t>Consults with software developers if necessary</a:t>
-            </a:r>
-            <a:endParaRPr/>
-          </a:p>
-          <a:p>
-            <a:pPr indent="0" lvl="0" marL="0" rtl="0" algn="l">
-              <a:spcBef>
-                <a:spcPts val="1200"/>
-              </a:spcBef>
-              <a:spcAft>
-                <a:spcPts val="1200"/>
-              </a:spcAft>
-              <a:buNone/>
-            </a:pPr>
-            <a:r>
-              <a:t/>
-            </a:r>
-            <a:endParaRPr/>
-          </a:p>
-        </p:txBody>
-      </p:sp>
-      <p:sp>
-        <p:nvSpPr>
-          <p:cNvPr id="160" name="Google Shape;160;p25"/>
+          <p:cNvPr id="163" name="Google Shape;163;p25"/>
           <p:cNvSpPr txBox="1"/>
           <p:nvPr>
             <p:ph idx="12" type="sldNum"/>
@@ -10531,6 +10388,261 @@
           </a:p>
         </p:txBody>
       </p:sp>
+      <p:sp>
+        <p:nvSpPr>
+          <p:cNvPr id="164" name="Google Shape;164;p25"/>
+          <p:cNvSpPr txBox="1"/>
+          <p:nvPr>
+            <p:ph idx="1" type="body"/>
+          </p:nvPr>
+        </p:nvSpPr>
+        <p:spPr>
+          <a:xfrm>
+            <a:off x="274320" y="914400"/>
+            <a:ext cx="8595300" cy="4114800"/>
+          </a:xfrm>
+          <a:prstGeom prst="rect">
+            <a:avLst/>
+          </a:prstGeom>
+        </p:spPr>
+        <p:txBody>
+          <a:bodyPr anchorCtr="0" anchor="t" bIns="0" lIns="0" spcFirstLastPara="1" rIns="0" wrap="square" tIns="0">
+            <a:noAutofit/>
+          </a:bodyPr>
+          <a:lstStyle/>
+          <a:p>
+            <a:pPr indent="0" lvl="0" marL="0" rtl="0" algn="l">
+              <a:spcBef>
+                <a:spcPts val="0"/>
+              </a:spcBef>
+              <a:spcAft>
+                <a:spcPts val="0"/>
+              </a:spcAft>
+              <a:buNone/>
+            </a:pPr>
+            <a:r>
+              <a:rPr b="1" lang="en"/>
+              <a:t>Product owner</a:t>
+            </a:r>
+            <a:endParaRPr b="1"/>
+          </a:p>
+          <a:p>
+            <a:pPr indent="-342900" lvl="0" marL="457200" rtl="0" algn="l">
+              <a:spcBef>
+                <a:spcPts val="1200"/>
+              </a:spcBef>
+              <a:spcAft>
+                <a:spcPts val="0"/>
+              </a:spcAft>
+              <a:buSzPts val="1800"/>
+              <a:buChar char="●"/>
+            </a:pPr>
+            <a:r>
+              <a:rPr lang="en"/>
+              <a:t>Walks through “Awaiting review” column item by item</a:t>
+            </a:r>
+            <a:endParaRPr/>
+          </a:p>
+          <a:p>
+            <a:pPr indent="-317500" lvl="1" marL="914400" rtl="0" algn="l">
+              <a:spcBef>
+                <a:spcPts val="0"/>
+              </a:spcBef>
+              <a:spcAft>
+                <a:spcPts val="0"/>
+              </a:spcAft>
+              <a:buSzPts val="1400"/>
+              <a:buChar char="○"/>
+            </a:pPr>
+            <a:r>
+              <a:rPr lang="en"/>
+              <a:t>Asks developer to demo item under review</a:t>
+            </a:r>
+            <a:endParaRPr/>
+          </a:p>
+          <a:p>
+            <a:pPr indent="-317500" lvl="2" marL="1371600" rtl="0" algn="l">
+              <a:spcBef>
+                <a:spcPts val="0"/>
+              </a:spcBef>
+              <a:spcAft>
+                <a:spcPts val="0"/>
+              </a:spcAft>
+              <a:buSzPts val="1400"/>
+              <a:buChar char="■"/>
+            </a:pPr>
+            <a:r>
+              <a:rPr lang="en"/>
+              <a:t>Insists that developer shows, not just tells</a:t>
+            </a:r>
+            <a:endParaRPr/>
+          </a:p>
+          <a:p>
+            <a:pPr indent="-317500" lvl="1" marL="914400" rtl="0" algn="l">
+              <a:spcBef>
+                <a:spcPts val="1000"/>
+              </a:spcBef>
+              <a:spcAft>
+                <a:spcPts val="0"/>
+              </a:spcAft>
+              <a:buSzPts val="1400"/>
+              <a:buChar char="○"/>
+            </a:pPr>
+            <a:r>
+              <a:rPr lang="en"/>
+              <a:t>Checks fulfillment of acceptance criteria</a:t>
+            </a:r>
+            <a:endParaRPr/>
+          </a:p>
+          <a:p>
+            <a:pPr indent="-317500" lvl="1" marL="914400" rtl="0" algn="l">
+              <a:spcBef>
+                <a:spcPts val="0"/>
+              </a:spcBef>
+              <a:spcAft>
+                <a:spcPts val="0"/>
+              </a:spcAft>
+              <a:buSzPts val="1400"/>
+              <a:buChar char="○"/>
+            </a:pPr>
+            <a:r>
+              <a:rPr lang="en"/>
+              <a:t>Checks fulfillment of definition of done, if required</a:t>
+            </a:r>
+            <a:endParaRPr/>
+          </a:p>
+          <a:p>
+            <a:pPr indent="-317500" lvl="1" marL="914400" rtl="0" algn="l">
+              <a:spcBef>
+                <a:spcPts val="0"/>
+              </a:spcBef>
+              <a:spcAft>
+                <a:spcPts val="0"/>
+              </a:spcAft>
+              <a:buSzPts val="1400"/>
+              <a:buChar char="○"/>
+            </a:pPr>
+            <a:r>
+              <a:rPr lang="en"/>
+              <a:t>Checks other criteria incl. logging output for problems</a:t>
+            </a:r>
+            <a:endParaRPr/>
+          </a:p>
+          <a:p>
+            <a:pPr indent="-317500" lvl="1" marL="914400" rtl="0" algn="l">
+              <a:spcBef>
+                <a:spcPts val="1000"/>
+              </a:spcBef>
+              <a:spcAft>
+                <a:spcPts val="0"/>
+              </a:spcAft>
+              <a:buSzPts val="1400"/>
+              <a:buChar char="○"/>
+            </a:pPr>
+            <a:r>
+              <a:rPr lang="en"/>
+              <a:t>If successfully implemented</a:t>
+            </a:r>
+            <a:endParaRPr/>
+          </a:p>
+          <a:p>
+            <a:pPr indent="-317500" lvl="2" marL="1371600" rtl="0" algn="l">
+              <a:spcBef>
+                <a:spcPts val="0"/>
+              </a:spcBef>
+              <a:spcAft>
+                <a:spcPts val="0"/>
+              </a:spcAft>
+              <a:buSzPts val="1400"/>
+              <a:buChar char="■"/>
+            </a:pPr>
+            <a:r>
+              <a:rPr lang="en"/>
+              <a:t>Moves item to feature archive</a:t>
+            </a:r>
+            <a:endParaRPr/>
+          </a:p>
+          <a:p>
+            <a:pPr indent="-317500" lvl="2" marL="1371600" rtl="0" algn="l">
+              <a:spcBef>
+                <a:spcPts val="0"/>
+              </a:spcBef>
+              <a:spcAft>
+                <a:spcPts val="0"/>
+              </a:spcAft>
+              <a:buSzPts val="1400"/>
+              <a:buChar char="■"/>
+            </a:pPr>
+            <a:r>
+              <a:rPr lang="en"/>
+              <a:t>Asks developers about real size, add it to the item</a:t>
+            </a:r>
+            <a:endParaRPr/>
+          </a:p>
+          <a:p>
+            <a:pPr indent="-317500" lvl="1" marL="914400" rtl="0" algn="l">
+              <a:spcBef>
+                <a:spcPts val="1000"/>
+              </a:spcBef>
+              <a:spcAft>
+                <a:spcPts val="0"/>
+              </a:spcAft>
+              <a:buSzPts val="1400"/>
+              <a:buChar char="○"/>
+            </a:pPr>
+            <a:r>
+              <a:rPr lang="en"/>
+              <a:t>If not successfully implemented</a:t>
+            </a:r>
+            <a:endParaRPr/>
+          </a:p>
+          <a:p>
+            <a:pPr indent="-317500" lvl="2" marL="1371600" rtl="0" algn="l">
+              <a:spcBef>
+                <a:spcPts val="0"/>
+              </a:spcBef>
+              <a:spcAft>
+                <a:spcPts val="0"/>
+              </a:spcAft>
+              <a:buSzPts val="1400"/>
+              <a:buChar char="■"/>
+            </a:pPr>
+            <a:r>
+              <a:rPr lang="en"/>
+              <a:t>Moves item back to product backlog</a:t>
+            </a:r>
+            <a:endParaRPr/>
+          </a:p>
+        </p:txBody>
+      </p:sp>
+      <p:pic>
+        <p:nvPicPr>
+          <p:cNvPr id="165" name="Google Shape;165;p25"/>
+          <p:cNvPicPr preferRelativeResize="0"/>
+          <p:nvPr/>
+        </p:nvPicPr>
+        <p:blipFill>
+          <a:blip r:embed="rId4">
+            <a:alphaModFix/>
+          </a:blip>
+          <a:stretch>
+            <a:fillRect/>
+          </a:stretch>
+        </p:blipFill>
+        <p:spPr>
+          <a:xfrm>
+            <a:off x="7040838" y="914388"/>
+            <a:ext cx="1828800" cy="1828800"/>
+          </a:xfrm>
+          <a:prstGeom prst="rect">
+            <a:avLst/>
+          </a:prstGeom>
+          <a:noFill/>
+          <a:ln>
+            <a:noFill/>
+          </a:ln>
+        </p:spPr>
+      </p:pic>
     </p:spTree>
   </p:cSld>
   <p:clrMapOvr>
@@ -10544,7 +10656,7 @@
   <p:cSld>
     <p:spTree>
       <p:nvGrpSpPr>
-        <p:cNvPr id="164" name="Shape 164"/>
+        <p:cNvPr id="169" name="Shape 169"/>
         <p:cNvGrpSpPr/>
         <p:nvPr/>
       </p:nvGrpSpPr>
@@ -10558,7 +10670,7 @@
       </p:grpSpPr>
       <p:sp>
         <p:nvSpPr>
-          <p:cNvPr id="165" name="Google Shape;165;p26"/>
+          <p:cNvPr id="170" name="Google Shape;170;p26"/>
           <p:cNvSpPr txBox="1"/>
           <p:nvPr>
             <p:ph type="title"/>
@@ -10590,7 +10702,7 @@
             </a:pPr>
             <a:r>
               <a:rPr lang="en"/>
-              <a:t>3b. Sprint Release</a:t>
+              <a:t>2c. Sprint Review</a:t>
             </a:r>
             <a:endParaRPr/>
           </a:p>
@@ -10598,140 +10710,7 @@
       </p:sp>
       <p:sp>
         <p:nvSpPr>
-          <p:cNvPr id="166" name="Google Shape;166;p26"/>
-          <p:cNvSpPr txBox="1"/>
-          <p:nvPr>
-            <p:ph idx="1" type="body"/>
-          </p:nvPr>
-        </p:nvSpPr>
-        <p:spPr>
-          <a:xfrm>
-            <a:off x="274320" y="914400"/>
-            <a:ext cx="8595300" cy="4114800"/>
-          </a:xfrm>
-          <a:prstGeom prst="rect">
-            <a:avLst/>
-          </a:prstGeom>
-        </p:spPr>
-        <p:txBody>
-          <a:bodyPr anchorCtr="0" anchor="t" bIns="0" lIns="0" spcFirstLastPara="1" rIns="0" wrap="square" tIns="0">
-            <a:noAutofit/>
-          </a:bodyPr>
-          <a:lstStyle/>
-          <a:p>
-            <a:pPr indent="0" lvl="0" marL="0" rtl="0" algn="l">
-              <a:spcBef>
-                <a:spcPts val="0"/>
-              </a:spcBef>
-              <a:spcAft>
-                <a:spcPts val="0"/>
-              </a:spcAft>
-              <a:buNone/>
-            </a:pPr>
-            <a:r>
-              <a:rPr b="1" lang="en"/>
-              <a:t>Release manager</a:t>
-            </a:r>
-            <a:endParaRPr b="1"/>
-          </a:p>
-          <a:p>
-            <a:pPr indent="-342900" lvl="0" marL="457200" rtl="0" algn="l">
-              <a:spcBef>
-                <a:spcPts val="1200"/>
-              </a:spcBef>
-              <a:spcAft>
-                <a:spcPts val="0"/>
-              </a:spcAft>
-              <a:buSzPts val="1800"/>
-              <a:buChar char="●"/>
-            </a:pPr>
-            <a:r>
-              <a:rPr lang="en"/>
-              <a:t>If the release candidate is to be released</a:t>
-            </a:r>
-            <a:endParaRPr/>
-          </a:p>
-          <a:p>
-            <a:pPr indent="-317500" lvl="1" marL="914400" rtl="0" algn="l">
-              <a:spcBef>
-                <a:spcPts val="0"/>
-              </a:spcBef>
-              <a:spcAft>
-                <a:spcPts val="0"/>
-              </a:spcAft>
-              <a:buSzPts val="1400"/>
-              <a:buChar char="○"/>
-            </a:pPr>
-            <a:r>
-              <a:rPr lang="en"/>
-              <a:t>Tags release with </a:t>
-            </a:r>
-            <a:r>
-              <a:rPr b="1" lang="en"/>
-              <a:t>sprint-xx-release</a:t>
-            </a:r>
-            <a:r>
-              <a:rPr lang="en"/>
-              <a:t> where xx is your sprint number</a:t>
-            </a:r>
-            <a:endParaRPr/>
-          </a:p>
-          <a:p>
-            <a:pPr indent="-317500" lvl="1" marL="914400" rtl="0" algn="l">
-              <a:spcBef>
-                <a:spcPts val="0"/>
-              </a:spcBef>
-              <a:spcAft>
-                <a:spcPts val="0"/>
-              </a:spcAft>
-              <a:buSzPts val="1400"/>
-              <a:buChar char="○"/>
-            </a:pPr>
-            <a:r>
-              <a:rPr lang="en"/>
-              <a:t>Deploys sprint release to operations environment</a:t>
-            </a:r>
-            <a:endParaRPr/>
-          </a:p>
-          <a:p>
-            <a:pPr indent="-342900" lvl="0" marL="457200" rtl="0" algn="l">
-              <a:spcBef>
-                <a:spcPts val="1000"/>
-              </a:spcBef>
-              <a:spcAft>
-                <a:spcPts val="0"/>
-              </a:spcAft>
-              <a:buSzPts val="1800"/>
-              <a:buChar char="●"/>
-            </a:pPr>
-            <a:r>
-              <a:rPr lang="en"/>
-              <a:t>If there is a change log  (optional)</a:t>
-            </a:r>
-            <a:endParaRPr/>
-          </a:p>
-          <a:p>
-            <a:pPr indent="-317500" lvl="1" marL="914400" rtl="0" algn="l">
-              <a:spcBef>
-                <a:spcPts val="0"/>
-              </a:spcBef>
-              <a:spcAft>
-                <a:spcPts val="0"/>
-              </a:spcAft>
-              <a:buSzPts val="1400"/>
-              <a:buChar char="○"/>
-            </a:pPr>
-            <a:r>
-              <a:rPr lang="en"/>
-              <a:t>Updates change log with release information</a:t>
-            </a:r>
-            <a:endParaRPr/>
-          </a:p>
-        </p:txBody>
-      </p:sp>
-      <p:sp>
-        <p:nvSpPr>
-          <p:cNvPr id="167" name="Google Shape;167;p26"/>
+          <p:cNvPr id="171" name="Google Shape;171;p26"/>
           <p:cNvSpPr txBox="1"/>
           <p:nvPr>
             <p:ph idx="12" type="sldNum"/>
@@ -10794,6 +10773,192 @@
           </a:p>
         </p:txBody>
       </p:sp>
+      <p:sp>
+        <p:nvSpPr>
+          <p:cNvPr id="172" name="Google Shape;172;p26"/>
+          <p:cNvSpPr txBox="1"/>
+          <p:nvPr>
+            <p:ph idx="1" type="body"/>
+          </p:nvPr>
+        </p:nvSpPr>
+        <p:spPr>
+          <a:xfrm>
+            <a:off x="274320" y="914400"/>
+            <a:ext cx="8595300" cy="4114800"/>
+          </a:xfrm>
+          <a:prstGeom prst="rect">
+            <a:avLst/>
+          </a:prstGeom>
+        </p:spPr>
+        <p:txBody>
+          <a:bodyPr anchorCtr="0" anchor="t" bIns="0" lIns="0" spcFirstLastPara="1" rIns="0" wrap="square" tIns="0">
+            <a:noAutofit/>
+          </a:bodyPr>
+          <a:lstStyle/>
+          <a:p>
+            <a:pPr indent="0" lvl="0" marL="0" rtl="0" algn="l">
+              <a:spcBef>
+                <a:spcPts val="0"/>
+              </a:spcBef>
+              <a:spcAft>
+                <a:spcPts val="0"/>
+              </a:spcAft>
+              <a:buNone/>
+            </a:pPr>
+            <a:r>
+              <a:rPr b="1" lang="en"/>
+              <a:t>Software developer (individually)</a:t>
+            </a:r>
+            <a:endParaRPr b="1"/>
+          </a:p>
+          <a:p>
+            <a:pPr indent="-342900" lvl="0" marL="457200" rtl="0" algn="l">
+              <a:spcBef>
+                <a:spcPts val="1200"/>
+              </a:spcBef>
+              <a:spcAft>
+                <a:spcPts val="0"/>
+              </a:spcAft>
+              <a:buSzPts val="1800"/>
+              <a:buChar char="●"/>
+            </a:pPr>
+            <a:r>
+              <a:rPr lang="en"/>
+              <a:t>Is called upon by product owner for backlog item</a:t>
+            </a:r>
+            <a:endParaRPr/>
+          </a:p>
+          <a:p>
+            <a:pPr indent="-317500" lvl="1" marL="914400" rtl="0" algn="l">
+              <a:spcBef>
+                <a:spcPts val="0"/>
+              </a:spcBef>
+              <a:spcAft>
+                <a:spcPts val="0"/>
+              </a:spcAft>
+              <a:buSzPts val="1400"/>
+              <a:buChar char="○"/>
+            </a:pPr>
+            <a:r>
+              <a:rPr lang="en"/>
+              <a:t>Demos backlog item as requested by product owner</a:t>
+            </a:r>
+            <a:endParaRPr/>
+          </a:p>
+          <a:p>
+            <a:pPr indent="-317500" lvl="1" marL="914400" rtl="0" algn="l">
+              <a:spcBef>
+                <a:spcPts val="0"/>
+              </a:spcBef>
+              <a:spcAft>
+                <a:spcPts val="0"/>
+              </a:spcAft>
+              <a:buSzPts val="1400"/>
+              <a:buChar char="○"/>
+            </a:pPr>
+            <a:r>
+              <a:rPr lang="en"/>
+              <a:t>Answers questions about item design and implementation</a:t>
+            </a:r>
+            <a:endParaRPr/>
+          </a:p>
+          <a:p>
+            <a:pPr indent="-317500" lvl="1" marL="914400" rtl="0" algn="l">
+              <a:spcBef>
+                <a:spcPts val="0"/>
+              </a:spcBef>
+              <a:spcAft>
+                <a:spcPts val="0"/>
+              </a:spcAft>
+              <a:buSzPts val="1400"/>
+              <a:buChar char="○"/>
+            </a:pPr>
+            <a:r>
+              <a:rPr lang="en"/>
+              <a:t>Provides real size as determined after implementation</a:t>
+            </a:r>
+            <a:endParaRPr/>
+          </a:p>
+          <a:p>
+            <a:pPr indent="0" lvl="0" marL="0" rtl="0" algn="l">
+              <a:spcBef>
+                <a:spcPts val="1200"/>
+              </a:spcBef>
+              <a:spcAft>
+                <a:spcPts val="0"/>
+              </a:spcAft>
+              <a:buNone/>
+            </a:pPr>
+            <a:r>
+              <a:rPr lang="en"/>
+              <a:t>Only talking, not showing, is not acceptable</a:t>
+            </a:r>
+            <a:endParaRPr/>
+          </a:p>
+          <a:p>
+            <a:pPr indent="-342900" lvl="0" marL="457200" rtl="0" algn="l">
+              <a:spcBef>
+                <a:spcPts val="1200"/>
+              </a:spcBef>
+              <a:spcAft>
+                <a:spcPts val="0"/>
+              </a:spcAft>
+              <a:buSzPts val="1800"/>
+              <a:buChar char="●"/>
+            </a:pPr>
+            <a:r>
+              <a:rPr lang="en"/>
+              <a:t>The product manager needs to insist on showing not just talking</a:t>
+            </a:r>
+            <a:endParaRPr/>
+          </a:p>
+          <a:p>
+            <a:pPr indent="-342900" lvl="0" marL="457200" rtl="0" algn="l">
+              <a:spcBef>
+                <a:spcPts val="0"/>
+              </a:spcBef>
+              <a:spcAft>
+                <a:spcPts val="0"/>
+              </a:spcAft>
+              <a:buSzPts val="1800"/>
+              <a:buChar char="●"/>
+            </a:pPr>
+            <a:r>
+              <a:rPr lang="en"/>
+              <a:t>If a developer only talks, product owner and developer failed</a:t>
+            </a:r>
+            <a:endParaRPr/>
+          </a:p>
+        </p:txBody>
+      </p:sp>
+      <p:pic>
+        <p:nvPicPr>
+          <p:cNvPr id="173" name="Google Shape;173;p26"/>
+          <p:cNvPicPr preferRelativeResize="0"/>
+          <p:nvPr/>
+        </p:nvPicPr>
+        <p:blipFill>
+          <a:blip r:embed="rId4">
+            <a:alphaModFix/>
+          </a:blip>
+          <a:stretch>
+            <a:fillRect/>
+          </a:stretch>
+        </p:blipFill>
+        <p:spPr>
+          <a:xfrm>
+            <a:off x="7040838" y="914388"/>
+            <a:ext cx="1828800" cy="1828800"/>
+          </a:xfrm>
+          <a:prstGeom prst="rect">
+            <a:avLst/>
+          </a:prstGeom>
+          <a:noFill/>
+          <a:ln>
+            <a:noFill/>
+          </a:ln>
+        </p:spPr>
+      </p:pic>
     </p:spTree>
   </p:cSld>
   <p:clrMapOvr>
@@ -11235,7 +11400,7 @@
   <p:cSld>
     <p:spTree>
       <p:nvGrpSpPr>
-        <p:cNvPr id="171" name="Shape 171"/>
+        <p:cNvPr id="177" name="Shape 177"/>
         <p:cNvGrpSpPr/>
         <p:nvPr/>
       </p:nvGrpSpPr>
@@ -11249,7 +11414,7 @@
       </p:grpSpPr>
       <p:sp>
         <p:nvSpPr>
-          <p:cNvPr id="172" name="Google Shape;172;p27"/>
+          <p:cNvPr id="178" name="Google Shape;178;p27"/>
           <p:cNvSpPr txBox="1"/>
           <p:nvPr>
             <p:ph type="title"/>
@@ -11281,7 +11446,7 @@
             </a:pPr>
             <a:r>
               <a:rPr lang="en"/>
-              <a:t>4a. Sprint Retrospective</a:t>
+              <a:t>3a. Sprint Release</a:t>
             </a:r>
             <a:endParaRPr/>
           </a:p>
@@ -11289,7 +11454,7 @@
       </p:sp>
       <p:sp>
         <p:nvSpPr>
-          <p:cNvPr id="173" name="Google Shape;173;p27"/>
+          <p:cNvPr id="179" name="Google Shape;179;p27"/>
           <p:cNvSpPr txBox="1"/>
           <p:nvPr>
             <p:ph idx="1" type="body"/>
@@ -11321,7 +11486,7 @@
             </a:pPr>
             <a:r>
               <a:rPr b="1" lang="en"/>
-              <a:t>Scrum Master</a:t>
+              <a:t>Product owner</a:t>
             </a:r>
             <a:endParaRPr b="1"/>
           </a:p>
@@ -11338,7 +11503,7 @@
             </a:pPr>
             <a:r>
               <a:rPr lang="en"/>
-              <a:t>Reviews this sprint’s impediments and improvements</a:t>
+              <a:t>Decides whether release candidate should be released</a:t>
             </a:r>
             <a:endParaRPr/>
           </a:p>
@@ -11355,7 +11520,7 @@
             </a:pPr>
             <a:r>
               <a:rPr lang="en"/>
-              <a:t>Reports on progress</a:t>
+              <a:t>Only in case of significant regression should you not release</a:t>
             </a:r>
             <a:endParaRPr/>
           </a:p>
@@ -11372,7 +11537,24 @@
             </a:pPr>
             <a:r>
               <a:rPr lang="en"/>
-              <a:t>Reviews remaining problems</a:t>
+              <a:t>Later in the course you will use a definition of done</a:t>
+            </a:r>
+            <a:endParaRPr/>
+          </a:p>
+          <a:p>
+            <a:pPr indent="-317500" lvl="1" marL="914400" rtl="0" algn="l">
+              <a:spcBef>
+                <a:spcPts val="0"/>
+              </a:spcBef>
+              <a:spcAft>
+                <a:spcPts val="0"/>
+              </a:spcAft>
+              <a:buSzPts val="1400"/>
+              <a:buChar char="○"/>
+            </a:pPr>
+            <a:r>
+              <a:rPr lang="en"/>
+              <a:t>Specifics depend on type of release</a:t>
             </a:r>
             <a:endParaRPr/>
           </a:p>
@@ -11389,75 +11571,7 @@
             </a:pPr>
             <a:r>
               <a:rPr lang="en"/>
-              <a:t>Performs roll call, asks everyone individually:</a:t>
-            </a:r>
-            <a:endParaRPr/>
-          </a:p>
-          <a:p>
-            <a:pPr indent="-317500" lvl="1" marL="914400" rtl="0" algn="l">
-              <a:spcBef>
-                <a:spcPts val="0"/>
-              </a:spcBef>
-              <a:spcAft>
-                <a:spcPts val="0"/>
-              </a:spcAft>
-              <a:buSzPts val="1400"/>
-              <a:buChar char="○"/>
-            </a:pPr>
-            <a:r>
-              <a:rPr lang="en"/>
-              <a:t>What has gone well?</a:t>
-            </a:r>
-            <a:endParaRPr/>
-          </a:p>
-          <a:p>
-            <a:pPr indent="-317500" lvl="1" marL="914400" rtl="0" algn="l">
-              <a:spcBef>
-                <a:spcPts val="0"/>
-              </a:spcBef>
-              <a:spcAft>
-                <a:spcPts val="0"/>
-              </a:spcAft>
-              <a:buSzPts val="1400"/>
-              <a:buChar char="○"/>
-            </a:pPr>
-            <a:r>
-              <a:rPr lang="en"/>
-              <a:t>What hasn’t gone well?</a:t>
-            </a:r>
-            <a:endParaRPr/>
-          </a:p>
-          <a:p>
-            <a:pPr indent="-317500" lvl="1" marL="914400" rtl="0" algn="l">
-              <a:spcBef>
-                <a:spcPts val="0"/>
-              </a:spcBef>
-              <a:spcAft>
-                <a:spcPts val="0"/>
-              </a:spcAft>
-              <a:buSzPts val="1400"/>
-              <a:buChar char="○"/>
-            </a:pPr>
-            <a:r>
-              <a:rPr lang="en"/>
-              <a:t>What can we do better?</a:t>
-            </a:r>
-            <a:endParaRPr/>
-          </a:p>
-          <a:p>
-            <a:pPr indent="-342900" lvl="0" marL="457200" rtl="0" algn="l">
-              <a:spcBef>
-                <a:spcPts val="1000"/>
-              </a:spcBef>
-              <a:spcAft>
-                <a:spcPts val="0"/>
-              </a:spcAft>
-              <a:buSzPts val="1800"/>
-              <a:buChar char="●"/>
-            </a:pPr>
-            <a:r>
-              <a:rPr lang="en"/>
-              <a:t>Puts new impediments and improvements into imp-squared backlog</a:t>
+              <a:t>Consults with software developers if necessary</a:t>
             </a:r>
             <a:endParaRPr/>
           </a:p>
@@ -11480,7 +11594,7 @@
       </p:sp>
       <p:sp>
         <p:nvSpPr>
-          <p:cNvPr id="174" name="Google Shape;174;p27"/>
+          <p:cNvPr id="180" name="Google Shape;180;p27"/>
           <p:cNvSpPr txBox="1"/>
           <p:nvPr>
             <p:ph idx="12" type="sldNum"/>
@@ -11543,6 +11657,34 @@
           </a:p>
         </p:txBody>
       </p:sp>
+      <p:pic>
+        <p:nvPicPr>
+          <p:cNvPr id="181" name="Google Shape;181;p27"/>
+          <p:cNvPicPr preferRelativeResize="0"/>
+          <p:nvPr/>
+        </p:nvPicPr>
+        <p:blipFill>
+          <a:blip r:embed="rId4">
+            <a:alphaModFix/>
+          </a:blip>
+          <a:stretch>
+            <a:fillRect/>
+          </a:stretch>
+        </p:blipFill>
+        <p:spPr>
+          <a:xfrm>
+            <a:off x="7040838" y="914388"/>
+            <a:ext cx="1828800" cy="1828800"/>
+          </a:xfrm>
+          <a:prstGeom prst="rect">
+            <a:avLst/>
+          </a:prstGeom>
+          <a:noFill/>
+          <a:ln>
+            <a:noFill/>
+          </a:ln>
+        </p:spPr>
+      </p:pic>
     </p:spTree>
   </p:cSld>
   <p:clrMapOvr>
@@ -11552,193 +11694,6 @@
 </file>
 
 <file path=ppt/slides/slide21.xml><?xml version="1.0" encoding="utf-8"?>
-<p:sld xmlns:a="http://schemas.openxmlformats.org/drawingml/2006/main" xmlns:r="http://schemas.openxmlformats.org/officeDocument/2006/relationships" xmlns:mc="http://schemas.openxmlformats.org/markup-compatibility/2006" xmlns:mv="urn:schemas-microsoft-com:mac:vml" xmlns:p="http://schemas.openxmlformats.org/presentationml/2006/main" xmlns:c="http://schemas.openxmlformats.org/drawingml/2006/chart" xmlns:dgm="http://schemas.openxmlformats.org/drawingml/2006/diagram" xmlns:o="urn:schemas-microsoft-com:office:office" xmlns:v="urn:schemas-microsoft-com:vml" xmlns:pvml="urn:schemas-microsoft-com:office:powerpoint" xmlns:com="http://schemas.openxmlformats.org/drawingml/2006/compatibility" xmlns:p14="http://schemas.microsoft.com/office/powerpoint/2010/main" xmlns:p15="http://schemas.microsoft.com/office/powerpoint/2012/main" xmlns:ahyp="http://schemas.microsoft.com/office/drawing/2018/hyperlinkcolor">
-  <p:cSld>
-    <p:spTree>
-      <p:nvGrpSpPr>
-        <p:cNvPr id="178" name="Shape 178"/>
-        <p:cNvGrpSpPr/>
-        <p:nvPr/>
-      </p:nvGrpSpPr>
-      <p:grpSpPr>
-        <a:xfrm>
-          <a:off x="0" y="0"/>
-          <a:ext cx="0" cy="0"/>
-          <a:chOff x="0" y="0"/>
-          <a:chExt cx="0" cy="0"/>
-        </a:xfrm>
-      </p:grpSpPr>
-      <p:sp>
-        <p:nvSpPr>
-          <p:cNvPr id="179" name="Google Shape;179;p28"/>
-          <p:cNvSpPr txBox="1"/>
-          <p:nvPr>
-            <p:ph type="title"/>
-          </p:nvPr>
-        </p:nvSpPr>
-        <p:spPr>
-          <a:xfrm>
-            <a:off x="0" y="0"/>
-            <a:ext cx="9144000" cy="685800"/>
-          </a:xfrm>
-          <a:prstGeom prst="rect">
-            <a:avLst/>
-          </a:prstGeom>
-        </p:spPr>
-        <p:txBody>
-          <a:bodyPr anchorCtr="0" anchor="ctr" bIns="91425" lIns="274300" spcFirstLastPara="1" rIns="91425" wrap="square" tIns="91425">
-            <a:noAutofit/>
-          </a:bodyPr>
-          <a:lstStyle/>
-          <a:p>
-            <a:pPr indent="0" lvl="0" marL="0" rtl="0" algn="l">
-              <a:spcBef>
-                <a:spcPts val="0"/>
-              </a:spcBef>
-              <a:spcAft>
-                <a:spcPts val="0"/>
-              </a:spcAft>
-              <a:buNone/>
-            </a:pPr>
-            <a:r>
-              <a:rPr lang="en"/>
-              <a:t>4b. Sprint Retrospective</a:t>
-            </a:r>
-            <a:endParaRPr/>
-          </a:p>
-        </p:txBody>
-      </p:sp>
-      <p:sp>
-        <p:nvSpPr>
-          <p:cNvPr id="180" name="Google Shape;180;p28"/>
-          <p:cNvSpPr txBox="1"/>
-          <p:nvPr>
-            <p:ph idx="1" type="body"/>
-          </p:nvPr>
-        </p:nvSpPr>
-        <p:spPr>
-          <a:xfrm>
-            <a:off x="274320" y="914400"/>
-            <a:ext cx="8595300" cy="4114800"/>
-          </a:xfrm>
-          <a:prstGeom prst="rect">
-            <a:avLst/>
-          </a:prstGeom>
-        </p:spPr>
-        <p:txBody>
-          <a:bodyPr anchorCtr="0" anchor="t" bIns="0" lIns="0" spcFirstLastPara="1" rIns="0" wrap="square" tIns="0">
-            <a:noAutofit/>
-          </a:bodyPr>
-          <a:lstStyle/>
-          <a:p>
-            <a:pPr indent="0" lvl="0" marL="0" rtl="0" algn="l">
-              <a:spcBef>
-                <a:spcPts val="0"/>
-              </a:spcBef>
-              <a:spcAft>
-                <a:spcPts val="0"/>
-              </a:spcAft>
-              <a:buNone/>
-            </a:pPr>
-            <a:r>
-              <a:rPr b="1" lang="en"/>
-              <a:t>Everyone</a:t>
-            </a:r>
-            <a:endParaRPr b="1"/>
-          </a:p>
-          <a:p>
-            <a:pPr indent="-342900" lvl="0" marL="457200" rtl="0" algn="l">
-              <a:spcBef>
-                <a:spcPts val="1200"/>
-              </a:spcBef>
-              <a:spcAft>
-                <a:spcPts val="0"/>
-              </a:spcAft>
-              <a:buSzPts val="1800"/>
-              <a:buChar char="●"/>
-            </a:pPr>
-            <a:r>
-              <a:rPr lang="en"/>
-              <a:t>Answers to happiness index</a:t>
-            </a:r>
-            <a:endParaRPr/>
-          </a:p>
-        </p:txBody>
-      </p:sp>
-      <p:sp>
-        <p:nvSpPr>
-          <p:cNvPr id="181" name="Google Shape;181;p28"/>
-          <p:cNvSpPr txBox="1"/>
-          <p:nvPr>
-            <p:ph idx="12" type="sldNum"/>
-          </p:nvPr>
-        </p:nvSpPr>
-        <p:spPr>
-          <a:xfrm>
-            <a:off x="7315202" y="4229100"/>
-            <a:ext cx="1828800" cy="914400"/>
-          </a:xfrm>
-          <a:prstGeom prst="rect">
-            <a:avLst/>
-          </a:prstGeom>
-        </p:spPr>
-        <p:txBody>
-          <a:bodyPr anchorCtr="0" anchor="b" bIns="91425" lIns="91425" spcFirstLastPara="1" rIns="91425" wrap="square" tIns="91425">
-            <a:noAutofit/>
-          </a:bodyPr>
-          <a:lstStyle/>
-          <a:p>
-            <a:pPr indent="0" lvl="0" marL="0" rtl="0" algn="r">
-              <a:spcBef>
-                <a:spcPts val="0"/>
-              </a:spcBef>
-              <a:spcAft>
-                <a:spcPts val="0"/>
-              </a:spcAft>
-              <a:buNone/>
-            </a:pPr>
-            <a:fld id="{00000000-1234-1234-1234-123412341234}" type="slidenum">
-              <a:rPr lang="en"/>
-              <a:t>‹#›</a:t>
-            </a:fld>
-            <a:endParaRPr/>
-          </a:p>
-          <a:p>
-            <a:pPr indent="0" lvl="0" marL="0" rtl="0" algn="r">
-              <a:spcBef>
-                <a:spcPts val="0"/>
-              </a:spcBef>
-              <a:spcAft>
-                <a:spcPts val="0"/>
-              </a:spcAft>
-              <a:buNone/>
-            </a:pPr>
-            <a:r>
-              <a:rPr b="0" lang="en" sz="1000" u="sng">
-                <a:solidFill>
-                  <a:schemeClr val="hlink"/>
-                </a:solidFill>
-                <a:hlinkClick r:id="rId3"/>
-              </a:rPr>
-              <a:t>uni1.de/amos</a:t>
-            </a:r>
-            <a:r>
-              <a:rPr b="0" lang="en" sz="1000"/>
-              <a:t> </a:t>
-            </a:r>
-            <a:endParaRPr b="0" sz="1000"/>
-          </a:p>
-        </p:txBody>
-      </p:sp>
-    </p:spTree>
-  </p:cSld>
-  <p:clrMapOvr>
-    <a:masterClrMapping/>
-  </p:clrMapOvr>
-</p:sld>
-</file>
-
-<file path=ppt/slides/slide22.xml><?xml version="1.0" encoding="utf-8"?>
 <p:sld xmlns:a="http://schemas.openxmlformats.org/drawingml/2006/main" xmlns:r="http://schemas.openxmlformats.org/officeDocument/2006/relationships" xmlns:mc="http://schemas.openxmlformats.org/markup-compatibility/2006" xmlns:mv="urn:schemas-microsoft-com:mac:vml" xmlns:p="http://schemas.openxmlformats.org/presentationml/2006/main" xmlns:c="http://schemas.openxmlformats.org/drawingml/2006/chart" xmlns:dgm="http://schemas.openxmlformats.org/drawingml/2006/diagram" xmlns:o="urn:schemas-microsoft-com:office:office" xmlns:v="urn:schemas-microsoft-com:vml" xmlns:pvml="urn:schemas-microsoft-com:office:powerpoint" xmlns:com="http://schemas.openxmlformats.org/drawingml/2006/compatibility" xmlns:p14="http://schemas.microsoft.com/office/powerpoint/2010/main" xmlns:p15="http://schemas.microsoft.com/office/powerpoint/2012/main" xmlns:ahyp="http://schemas.microsoft.com/office/drawing/2018/hyperlinkcolor">
   <p:cSld>
     <p:spTree>
@@ -11757,7 +11712,7 @@
       </p:grpSpPr>
       <p:sp>
         <p:nvSpPr>
-          <p:cNvPr id="186" name="Google Shape;186;p29"/>
+          <p:cNvPr id="186" name="Google Shape;186;p28"/>
           <p:cNvSpPr txBox="1"/>
           <p:nvPr>
             <p:ph type="title"/>
@@ -11789,7 +11744,7 @@
             </a:pPr>
             <a:r>
               <a:rPr lang="en"/>
-              <a:t>5a. Sprint Planning</a:t>
+              <a:t>3b. Sprint Release</a:t>
             </a:r>
             <a:endParaRPr/>
           </a:p>
@@ -11797,7 +11752,140 @@
       </p:sp>
       <p:sp>
         <p:nvSpPr>
-          <p:cNvPr id="187" name="Google Shape;187;p29"/>
+          <p:cNvPr id="187" name="Google Shape;187;p28"/>
+          <p:cNvSpPr txBox="1"/>
+          <p:nvPr>
+            <p:ph idx="1" type="body"/>
+          </p:nvPr>
+        </p:nvSpPr>
+        <p:spPr>
+          <a:xfrm>
+            <a:off x="274320" y="914400"/>
+            <a:ext cx="8595300" cy="4114800"/>
+          </a:xfrm>
+          <a:prstGeom prst="rect">
+            <a:avLst/>
+          </a:prstGeom>
+        </p:spPr>
+        <p:txBody>
+          <a:bodyPr anchorCtr="0" anchor="t" bIns="0" lIns="0" spcFirstLastPara="1" rIns="0" wrap="square" tIns="0">
+            <a:noAutofit/>
+          </a:bodyPr>
+          <a:lstStyle/>
+          <a:p>
+            <a:pPr indent="0" lvl="0" marL="0" rtl="0" algn="l">
+              <a:spcBef>
+                <a:spcPts val="0"/>
+              </a:spcBef>
+              <a:spcAft>
+                <a:spcPts val="0"/>
+              </a:spcAft>
+              <a:buNone/>
+            </a:pPr>
+            <a:r>
+              <a:rPr b="1" lang="en"/>
+              <a:t>Release manager</a:t>
+            </a:r>
+            <a:endParaRPr b="1"/>
+          </a:p>
+          <a:p>
+            <a:pPr indent="-342900" lvl="0" marL="457200" rtl="0" algn="l">
+              <a:spcBef>
+                <a:spcPts val="1200"/>
+              </a:spcBef>
+              <a:spcAft>
+                <a:spcPts val="0"/>
+              </a:spcAft>
+              <a:buSzPts val="1800"/>
+              <a:buChar char="●"/>
+            </a:pPr>
+            <a:r>
+              <a:rPr lang="en"/>
+              <a:t>If the release candidate is to be released</a:t>
+            </a:r>
+            <a:endParaRPr/>
+          </a:p>
+          <a:p>
+            <a:pPr indent="-317500" lvl="1" marL="914400" rtl="0" algn="l">
+              <a:spcBef>
+                <a:spcPts val="0"/>
+              </a:spcBef>
+              <a:spcAft>
+                <a:spcPts val="0"/>
+              </a:spcAft>
+              <a:buSzPts val="1400"/>
+              <a:buChar char="○"/>
+            </a:pPr>
+            <a:r>
+              <a:rPr lang="en"/>
+              <a:t>Tags release with </a:t>
+            </a:r>
+            <a:r>
+              <a:rPr b="1" lang="en"/>
+              <a:t>sprint-xx-release</a:t>
+            </a:r>
+            <a:r>
+              <a:rPr lang="en"/>
+              <a:t> where xx is your sprint number</a:t>
+            </a:r>
+            <a:endParaRPr/>
+          </a:p>
+          <a:p>
+            <a:pPr indent="-317500" lvl="1" marL="914400" rtl="0" algn="l">
+              <a:spcBef>
+                <a:spcPts val="0"/>
+              </a:spcBef>
+              <a:spcAft>
+                <a:spcPts val="0"/>
+              </a:spcAft>
+              <a:buSzPts val="1400"/>
+              <a:buChar char="○"/>
+            </a:pPr>
+            <a:r>
+              <a:rPr lang="en"/>
+              <a:t>Deploys sprint release to operations environment</a:t>
+            </a:r>
+            <a:endParaRPr/>
+          </a:p>
+          <a:p>
+            <a:pPr indent="-342900" lvl="0" marL="457200" rtl="0" algn="l">
+              <a:spcBef>
+                <a:spcPts val="1000"/>
+              </a:spcBef>
+              <a:spcAft>
+                <a:spcPts val="0"/>
+              </a:spcAft>
+              <a:buSzPts val="1800"/>
+              <a:buChar char="●"/>
+            </a:pPr>
+            <a:r>
+              <a:rPr lang="en"/>
+              <a:t>If there is a change log (optional)</a:t>
+            </a:r>
+            <a:endParaRPr/>
+          </a:p>
+          <a:p>
+            <a:pPr indent="-317500" lvl="1" marL="914400" rtl="0" algn="l">
+              <a:spcBef>
+                <a:spcPts val="0"/>
+              </a:spcBef>
+              <a:spcAft>
+                <a:spcPts val="0"/>
+              </a:spcAft>
+              <a:buSzPts val="1400"/>
+              <a:buChar char="○"/>
+            </a:pPr>
+            <a:r>
+              <a:rPr lang="en"/>
+              <a:t>Updates change log with release information</a:t>
+            </a:r>
+            <a:endParaRPr/>
+          </a:p>
+        </p:txBody>
+      </p:sp>
+      <p:sp>
+        <p:nvSpPr>
+          <p:cNvPr id="188" name="Google Shape;188;p28"/>
           <p:cNvSpPr txBox="1"/>
           <p:nvPr>
             <p:ph idx="12" type="sldNum"/>
@@ -11860,9 +11948,102 @@
           </a:p>
         </p:txBody>
       </p:sp>
+      <p:pic>
+        <p:nvPicPr>
+          <p:cNvPr id="189" name="Google Shape;189;p28"/>
+          <p:cNvPicPr preferRelativeResize="0"/>
+          <p:nvPr/>
+        </p:nvPicPr>
+        <p:blipFill>
+          <a:blip r:embed="rId4">
+            <a:alphaModFix/>
+          </a:blip>
+          <a:stretch>
+            <a:fillRect/>
+          </a:stretch>
+        </p:blipFill>
+        <p:spPr>
+          <a:xfrm>
+            <a:off x="7040838" y="914388"/>
+            <a:ext cx="1828800" cy="1828800"/>
+          </a:xfrm>
+          <a:prstGeom prst="rect">
+            <a:avLst/>
+          </a:prstGeom>
+          <a:noFill/>
+          <a:ln>
+            <a:noFill/>
+          </a:ln>
+        </p:spPr>
+      </p:pic>
+    </p:spTree>
+  </p:cSld>
+  <p:clrMapOvr>
+    <a:masterClrMapping/>
+  </p:clrMapOvr>
+</p:sld>
+</file>
+
+<file path=ppt/slides/slide22.xml><?xml version="1.0" encoding="utf-8"?>
+<p:sld xmlns:a="http://schemas.openxmlformats.org/drawingml/2006/main" xmlns:r="http://schemas.openxmlformats.org/officeDocument/2006/relationships" xmlns:mc="http://schemas.openxmlformats.org/markup-compatibility/2006" xmlns:mv="urn:schemas-microsoft-com:mac:vml" xmlns:p="http://schemas.openxmlformats.org/presentationml/2006/main" xmlns:c="http://schemas.openxmlformats.org/drawingml/2006/chart" xmlns:dgm="http://schemas.openxmlformats.org/drawingml/2006/diagram" xmlns:o="urn:schemas-microsoft-com:office:office" xmlns:v="urn:schemas-microsoft-com:vml" xmlns:pvml="urn:schemas-microsoft-com:office:powerpoint" xmlns:com="http://schemas.openxmlformats.org/drawingml/2006/compatibility" xmlns:p14="http://schemas.microsoft.com/office/powerpoint/2010/main" xmlns:p15="http://schemas.microsoft.com/office/powerpoint/2012/main" xmlns:ahyp="http://schemas.microsoft.com/office/drawing/2018/hyperlinkcolor">
+  <p:cSld>
+    <p:spTree>
+      <p:nvGrpSpPr>
+        <p:cNvPr id="193" name="Shape 193"/>
+        <p:cNvGrpSpPr/>
+        <p:nvPr/>
+      </p:nvGrpSpPr>
+      <p:grpSpPr>
+        <a:xfrm>
+          <a:off x="0" y="0"/>
+          <a:ext cx="0" cy="0"/>
+          <a:chOff x="0" y="0"/>
+          <a:chExt cx="0" cy="0"/>
+        </a:xfrm>
+      </p:grpSpPr>
       <p:sp>
         <p:nvSpPr>
-          <p:cNvPr id="188" name="Google Shape;188;p29"/>
+          <p:cNvPr id="194" name="Google Shape;194;p29"/>
+          <p:cNvSpPr txBox="1"/>
+          <p:nvPr>
+            <p:ph type="title"/>
+          </p:nvPr>
+        </p:nvSpPr>
+        <p:spPr>
+          <a:xfrm>
+            <a:off x="0" y="0"/>
+            <a:ext cx="9144000" cy="685800"/>
+          </a:xfrm>
+          <a:prstGeom prst="rect">
+            <a:avLst/>
+          </a:prstGeom>
+        </p:spPr>
+        <p:txBody>
+          <a:bodyPr anchorCtr="0" anchor="ctr" bIns="91425" lIns="274300" spcFirstLastPara="1" rIns="91425" wrap="square" tIns="91425">
+            <a:noAutofit/>
+          </a:bodyPr>
+          <a:lstStyle/>
+          <a:p>
+            <a:pPr indent="0" lvl="0" marL="0" rtl="0" algn="l">
+              <a:spcBef>
+                <a:spcPts val="0"/>
+              </a:spcBef>
+              <a:spcAft>
+                <a:spcPts val="0"/>
+              </a:spcAft>
+              <a:buNone/>
+            </a:pPr>
+            <a:r>
+              <a:rPr lang="en"/>
+              <a:t>4a. Sprint Retrospective</a:t>
+            </a:r>
+            <a:endParaRPr/>
+          </a:p>
+        </p:txBody>
+      </p:sp>
+      <p:sp>
+        <p:nvSpPr>
+          <p:cNvPr id="195" name="Google Shape;195;p29"/>
           <p:cNvSpPr txBox="1"/>
           <p:nvPr>
             <p:ph idx="1" type="body"/>
@@ -11890,16 +12071,11 @@
               <a:spcAft>
                 <a:spcPts val="0"/>
               </a:spcAft>
-              <a:buClr>
-                <a:schemeClr val="dk1"/>
-              </a:buClr>
-              <a:buSzPts val="1100"/>
-              <a:buFont typeface="Arial"/>
               <a:buNone/>
             </a:pPr>
             <a:r>
               <a:rPr b="1" lang="en"/>
-              <a:t>Product owner</a:t>
+              <a:t>Scrum Master</a:t>
             </a:r>
             <a:endParaRPr b="1"/>
           </a:p>
@@ -11916,14 +12092,48 @@
             </a:pPr>
             <a:r>
               <a:rPr lang="en"/>
-              <a:t>Reprioritizes product backlog items, if necessary, on-the-fly</a:t>
+              <a:t>Reviews this sprint’s impediments and improvements</a:t>
+            </a:r>
+            <a:endParaRPr/>
+          </a:p>
+          <a:p>
+            <a:pPr indent="-317500" lvl="1" marL="914400" rtl="0" algn="l">
+              <a:spcBef>
+                <a:spcPts val="0"/>
+              </a:spcBef>
+              <a:spcAft>
+                <a:spcPts val="0"/>
+              </a:spcAft>
+              <a:buSzPts val="1400"/>
+              <a:buChar char="○"/>
+            </a:pPr>
+            <a:r>
+              <a:rPr lang="en"/>
+              <a:t>Reports on progress</a:t>
+            </a:r>
+            <a:endParaRPr/>
+          </a:p>
+          <a:p>
+            <a:pPr indent="-317500" lvl="1" marL="914400" rtl="0" algn="l">
+              <a:spcBef>
+                <a:spcPts val="0"/>
+              </a:spcBef>
+              <a:spcAft>
+                <a:spcPts val="0"/>
+              </a:spcAft>
+              <a:buSzPts val="1400"/>
+              <a:buChar char="○"/>
+            </a:pPr>
+            <a:r>
+              <a:rPr lang="en"/>
+              <a:t>Reviews remaining problems</a:t>
             </a:r>
             <a:endParaRPr/>
           </a:p>
           <a:p>
             <a:pPr indent="-342900" lvl="0" marL="457200" rtl="0" algn="l">
               <a:spcBef>
-                <a:spcPts val="0"/>
+                <a:spcPts val="1000"/>
               </a:spcBef>
               <a:spcAft>
                 <a:spcPts val="0"/>
@@ -11933,7 +12143,7 @@
             </a:pPr>
             <a:r>
               <a:rPr lang="en"/>
-              <a:t>Works through top-prioritized backlog items one-by-one until finished</a:t>
+              <a:t>Performs roll call, asks everyone individually</a:t>
             </a:r>
             <a:endParaRPr/>
           </a:p>
@@ -11950,7 +12160,7 @@
             </a:pPr>
             <a:r>
               <a:rPr lang="en"/>
-              <a:t>For each product backlog item, explains it, asks developers to estimate and commit</a:t>
+              <a:t>What has gone well?</a:t>
             </a:r>
             <a:endParaRPr/>
           </a:p>
@@ -11967,12 +12177,154 @@
             </a:pPr>
             <a:r>
               <a:rPr lang="en"/>
-              <a:t>You are finished, if the team does not want to take on more backlog items</a:t>
+              <a:t>What hasn’t gone well?</a:t>
+            </a:r>
+            <a:endParaRPr/>
+          </a:p>
+          <a:p>
+            <a:pPr indent="-317500" lvl="1" marL="914400" rtl="0" algn="l">
+              <a:spcBef>
+                <a:spcPts val="0"/>
+              </a:spcBef>
+              <a:spcAft>
+                <a:spcPts val="0"/>
+              </a:spcAft>
+              <a:buSzPts val="1400"/>
+              <a:buChar char="○"/>
+            </a:pPr>
+            <a:r>
+              <a:rPr lang="en"/>
+              <a:t>What can we do better?</a:t>
+            </a:r>
+            <a:endParaRPr/>
+          </a:p>
+          <a:p>
+            <a:pPr indent="-342900" lvl="0" marL="457200" rtl="0" algn="l">
+              <a:spcBef>
+                <a:spcPts val="1000"/>
+              </a:spcBef>
+              <a:spcAft>
+                <a:spcPts val="0"/>
+              </a:spcAft>
+              <a:buSzPts val="1800"/>
+              <a:buChar char="●"/>
+            </a:pPr>
+            <a:r>
+              <a:rPr lang="en"/>
+              <a:t>Puts new impediments and improvements into imp-squared backlog</a:t>
+            </a:r>
+            <a:endParaRPr/>
+          </a:p>
+          <a:p>
+            <a:pPr indent="0" lvl="0" marL="0" rtl="0" algn="l">
+              <a:spcBef>
+                <a:spcPts val="1200"/>
+              </a:spcBef>
+              <a:spcAft>
+                <a:spcPts val="1200"/>
+              </a:spcAft>
+              <a:buNone/>
+            </a:pPr>
+            <a:r>
+              <a:t/>
             </a:r>
             <a:endParaRPr/>
           </a:p>
         </p:txBody>
       </p:sp>
+      <p:sp>
+        <p:nvSpPr>
+          <p:cNvPr id="196" name="Google Shape;196;p29"/>
+          <p:cNvSpPr txBox="1"/>
+          <p:nvPr>
+            <p:ph idx="12" type="sldNum"/>
+          </p:nvPr>
+        </p:nvSpPr>
+        <p:spPr>
+          <a:xfrm>
+            <a:off x="7315202" y="4229100"/>
+            <a:ext cx="1828800" cy="914400"/>
+          </a:xfrm>
+          <a:prstGeom prst="rect">
+            <a:avLst/>
+          </a:prstGeom>
+        </p:spPr>
+        <p:txBody>
+          <a:bodyPr anchorCtr="0" anchor="b" bIns="91425" lIns="91425" spcFirstLastPara="1" rIns="91425" wrap="square" tIns="91425">
+            <a:noAutofit/>
+          </a:bodyPr>
+          <a:lstStyle/>
+          <a:p>
+            <a:pPr indent="0" lvl="0" marL="0" rtl="0" algn="r">
+              <a:spcBef>
+                <a:spcPts val="0"/>
+              </a:spcBef>
+              <a:spcAft>
+                <a:spcPts val="0"/>
+              </a:spcAft>
+              <a:buNone/>
+            </a:pPr>
+            <a:fld id="{00000000-1234-1234-1234-123412341234}" type="slidenum">
+              <a:rPr lang="en"/>
+              <a:t>‹#›</a:t>
+            </a:fld>
+            <a:endParaRPr/>
+          </a:p>
+          <a:p>
+            <a:pPr indent="0" lvl="0" marL="0" rtl="0" algn="r">
+              <a:spcBef>
+                <a:spcPts val="0"/>
+              </a:spcBef>
+              <a:spcAft>
+                <a:spcPts val="0"/>
+              </a:spcAft>
+              <a:buNone/>
+            </a:pPr>
+            <a:r>
+              <a:rPr b="0" lang="en" sz="1000" u="sng">
+                <a:solidFill>
+                  <a:schemeClr val="hlink"/>
+                </a:solidFill>
+                <a:hlinkClick r:id="rId3"/>
+              </a:rPr>
+              <a:t>uni1.de/amos</a:t>
+            </a:r>
+            <a:r>
+              <a:rPr b="0" lang="en" sz="1000"/>
+              <a:t> </a:t>
+            </a:r>
+            <a:endParaRPr b="0" sz="1000"/>
+          </a:p>
+        </p:txBody>
+      </p:sp>
+      <p:pic>
+        <p:nvPicPr>
+          <p:cNvPr id="197" name="Google Shape;197;p29"/>
+          <p:cNvPicPr preferRelativeResize="0"/>
+          <p:nvPr/>
+        </p:nvPicPr>
+        <p:blipFill>
+          <a:blip r:embed="rId4">
+            <a:alphaModFix/>
+          </a:blip>
+          <a:stretch>
+            <a:fillRect/>
+          </a:stretch>
+        </p:blipFill>
+        <p:spPr>
+          <a:xfrm>
+            <a:off x="7040838" y="914388"/>
+            <a:ext cx="1828800" cy="1828800"/>
+          </a:xfrm>
+          <a:prstGeom prst="rect">
+            <a:avLst/>
+          </a:prstGeom>
+          <a:noFill/>
+          <a:ln>
+            <a:noFill/>
+          </a:ln>
+        </p:spPr>
+      </p:pic>
     </p:spTree>
   </p:cSld>
   <p:clrMapOvr>
@@ -11986,7 +12338,7 @@
   <p:cSld>
     <p:spTree>
       <p:nvGrpSpPr>
-        <p:cNvPr id="192" name="Shape 192"/>
+        <p:cNvPr id="201" name="Shape 201"/>
         <p:cNvGrpSpPr/>
         <p:nvPr/>
       </p:nvGrpSpPr>
@@ -12000,7 +12352,7 @@
       </p:grpSpPr>
       <p:sp>
         <p:nvSpPr>
-          <p:cNvPr id="193" name="Google Shape;193;p30"/>
+          <p:cNvPr id="202" name="Google Shape;202;p30"/>
           <p:cNvSpPr txBox="1"/>
           <p:nvPr>
             <p:ph type="title"/>
@@ -12032,7 +12384,7 @@
             </a:pPr>
             <a:r>
               <a:rPr lang="en"/>
-              <a:t>5b. Sprint Planning</a:t>
+              <a:t>4b. Sprint Retrospective</a:t>
             </a:r>
             <a:endParaRPr/>
           </a:p>
@@ -12040,7 +12392,64 @@
       </p:sp>
       <p:sp>
         <p:nvSpPr>
-          <p:cNvPr id="194" name="Google Shape;194;p30"/>
+          <p:cNvPr id="203" name="Google Shape;203;p30"/>
+          <p:cNvSpPr txBox="1"/>
+          <p:nvPr>
+            <p:ph idx="1" type="body"/>
+          </p:nvPr>
+        </p:nvSpPr>
+        <p:spPr>
+          <a:xfrm>
+            <a:off x="274320" y="914400"/>
+            <a:ext cx="8595300" cy="4114800"/>
+          </a:xfrm>
+          <a:prstGeom prst="rect">
+            <a:avLst/>
+          </a:prstGeom>
+        </p:spPr>
+        <p:txBody>
+          <a:bodyPr anchorCtr="0" anchor="t" bIns="0" lIns="0" spcFirstLastPara="1" rIns="0" wrap="square" tIns="0">
+            <a:noAutofit/>
+          </a:bodyPr>
+          <a:lstStyle/>
+          <a:p>
+            <a:pPr indent="0" lvl="0" marL="0" rtl="0" algn="l">
+              <a:spcBef>
+                <a:spcPts val="0"/>
+              </a:spcBef>
+              <a:spcAft>
+                <a:spcPts val="0"/>
+              </a:spcAft>
+              <a:buNone/>
+            </a:pPr>
+            <a:r>
+              <a:rPr b="1" lang="en"/>
+              <a:t>Everyone</a:t>
+            </a:r>
+            <a:endParaRPr b="1"/>
+          </a:p>
+          <a:p>
+            <a:pPr indent="-342900" lvl="0" marL="457200" rtl="0" algn="l">
+              <a:spcBef>
+                <a:spcPts val="1200"/>
+              </a:spcBef>
+              <a:spcAft>
+                <a:spcPts val="0"/>
+              </a:spcAft>
+              <a:buSzPts val="1800"/>
+              <a:buChar char="●"/>
+            </a:pPr>
+            <a:r>
+              <a:rPr lang="en"/>
+              <a:t>Answers to happiness index</a:t>
+            </a:r>
+            <a:endParaRPr/>
+          </a:p>
+        </p:txBody>
+      </p:sp>
+      <p:sp>
+        <p:nvSpPr>
+          <p:cNvPr id="204" name="Google Shape;204;p30"/>
           <p:cNvSpPr txBox="1"/>
           <p:nvPr>
             <p:ph idx="12" type="sldNum"/>
@@ -12103,100 +12512,34 @@
           </a:p>
         </p:txBody>
       </p:sp>
-      <p:sp>
-        <p:nvSpPr>
-          <p:cNvPr id="195" name="Google Shape;195;p30"/>
-          <p:cNvSpPr txBox="1"/>
-          <p:nvPr>
-            <p:ph idx="1" type="body"/>
-          </p:nvPr>
-        </p:nvSpPr>
-        <p:spPr>
-          <a:xfrm>
-            <a:off x="274320" y="914400"/>
-            <a:ext cx="8595300" cy="4114800"/>
+      <p:pic>
+        <p:nvPicPr>
+          <p:cNvPr id="205" name="Google Shape;205;p30"/>
+          <p:cNvPicPr preferRelativeResize="0"/>
+          <p:nvPr/>
+        </p:nvPicPr>
+        <p:blipFill>
+          <a:blip r:embed="rId4">
+            <a:alphaModFix/>
+          </a:blip>
+          <a:stretch>
+            <a:fillRect/>
+          </a:stretch>
+        </p:blipFill>
+        <p:spPr>
+          <a:xfrm>
+            <a:off x="7040838" y="914388"/>
+            <a:ext cx="1828800" cy="1828800"/>
           </a:xfrm>
           <a:prstGeom prst="rect">
             <a:avLst/>
           </a:prstGeom>
-        </p:spPr>
-        <p:txBody>
-          <a:bodyPr anchorCtr="0" anchor="t" bIns="0" lIns="0" spcFirstLastPara="1" rIns="0" wrap="square" tIns="0">
-            <a:noAutofit/>
-          </a:bodyPr>
-          <a:lstStyle/>
-          <a:p>
-            <a:pPr indent="0" lvl="0" marL="0" rtl="0" algn="l">
-              <a:spcBef>
-                <a:spcPts val="0"/>
-              </a:spcBef>
-              <a:spcAft>
-                <a:spcPts val="0"/>
-              </a:spcAft>
-              <a:buClr>
-                <a:schemeClr val="dk1"/>
-              </a:buClr>
-              <a:buSzPts val="1100"/>
-              <a:buFont typeface="Arial"/>
-              <a:buNone/>
-            </a:pPr>
-            <a:r>
-              <a:rPr b="1" lang="en"/>
-              <a:t>Software developers (as team)</a:t>
-            </a:r>
-            <a:endParaRPr b="1"/>
-          </a:p>
-          <a:p>
-            <a:pPr indent="-342900" lvl="0" marL="457200" rtl="0" algn="l">
-              <a:spcBef>
-                <a:spcPts val="1200"/>
-              </a:spcBef>
-              <a:spcAft>
-                <a:spcPts val="0"/>
-              </a:spcAft>
-              <a:buSzPts val="1800"/>
-              <a:buChar char="●"/>
-            </a:pPr>
-            <a:r>
-              <a:rPr lang="en"/>
-              <a:t>Estimate size of each backlog item using planning poker</a:t>
-            </a:r>
-            <a:endParaRPr/>
-          </a:p>
-          <a:p>
-            <a:pPr indent="-342900" lvl="0" marL="457200" rtl="0" algn="l">
-              <a:spcBef>
-                <a:spcPts val="0"/>
-              </a:spcBef>
-              <a:spcAft>
-                <a:spcPts val="0"/>
-              </a:spcAft>
-              <a:buSzPts val="1800"/>
-              <a:buChar char="●"/>
-            </a:pPr>
-            <a:r>
-              <a:rPr lang="en"/>
-              <a:t>After planning, commit to backlog items in sprint backlog</a:t>
-            </a:r>
-            <a:endParaRPr/>
-          </a:p>
-          <a:p>
-            <a:pPr indent="0" lvl="0" marL="0" rtl="0" algn="l">
-              <a:spcBef>
-                <a:spcPts val="1200"/>
-              </a:spcBef>
-              <a:spcAft>
-                <a:spcPts val="1200"/>
-              </a:spcAft>
-              <a:buNone/>
-            </a:pPr>
-            <a:r>
-              <a:t/>
-            </a:r>
-            <a:endParaRPr/>
-          </a:p>
-        </p:txBody>
-      </p:sp>
+          <a:noFill/>
+          <a:ln>
+            <a:noFill/>
+          </a:ln>
+        </p:spPr>
+      </p:pic>
     </p:spTree>
   </p:cSld>
   <p:clrMapOvr>
@@ -12210,7 +12553,7 @@
   <p:cSld>
     <p:spTree>
       <p:nvGrpSpPr>
-        <p:cNvPr id="199" name="Shape 199"/>
+        <p:cNvPr id="209" name="Shape 209"/>
         <p:cNvGrpSpPr/>
         <p:nvPr/>
       </p:nvGrpSpPr>
@@ -12224,7 +12567,7 @@
       </p:grpSpPr>
       <p:sp>
         <p:nvSpPr>
-          <p:cNvPr id="200" name="Google Shape;200;p31"/>
+          <p:cNvPr id="210" name="Google Shape;210;p31"/>
           <p:cNvSpPr txBox="1"/>
           <p:nvPr>
             <p:ph type="title"/>
@@ -12240,7 +12583,7 @@
           </a:prstGeom>
         </p:spPr>
         <p:txBody>
-          <a:bodyPr anchorCtr="0" anchor="ctr" bIns="0" lIns="274300" spcFirstLastPara="1" rIns="0" wrap="square" tIns="0">
+          <a:bodyPr anchorCtr="0" anchor="ctr" bIns="91425" lIns="274300" spcFirstLastPara="1" rIns="91425" wrap="square" tIns="91425">
             <a:noAutofit/>
           </a:bodyPr>
           <a:lstStyle/>
@@ -12256,7 +12599,7 @@
             </a:pPr>
             <a:r>
               <a:rPr lang="en"/>
-              <a:t>Story Points</a:t>
+              <a:t>5a. Sprint Planning</a:t>
             </a:r>
             <a:endParaRPr/>
           </a:p>
@@ -12264,190 +12607,7 @@
       </p:sp>
       <p:sp>
         <p:nvSpPr>
-          <p:cNvPr id="201" name="Google Shape;201;p31"/>
-          <p:cNvSpPr txBox="1"/>
-          <p:nvPr>
-            <p:ph idx="1" type="body"/>
-          </p:nvPr>
-        </p:nvSpPr>
-        <p:spPr>
-          <a:xfrm>
-            <a:off x="274320" y="914400"/>
-            <a:ext cx="4114800" cy="4114800"/>
-          </a:xfrm>
-          <a:prstGeom prst="rect">
-            <a:avLst/>
-          </a:prstGeom>
-        </p:spPr>
-        <p:txBody>
-          <a:bodyPr anchorCtr="0" anchor="t" bIns="91425" lIns="0" spcFirstLastPara="1" rIns="91425" wrap="square" tIns="0">
-            <a:normAutofit fontScale="85000" lnSpcReduction="20000"/>
-          </a:bodyPr>
-          <a:lstStyle/>
-          <a:p>
-            <a:pPr indent="0" lvl="0" marL="0" rtl="0" algn="l">
-              <a:spcBef>
-                <a:spcPts val="0"/>
-              </a:spcBef>
-              <a:spcAft>
-                <a:spcPts val="0"/>
-              </a:spcAft>
-              <a:buClr>
-                <a:schemeClr val="dk1"/>
-              </a:buClr>
-              <a:buSzPct val="61111"/>
-              <a:buFont typeface="Arial"/>
-              <a:buNone/>
-            </a:pPr>
-            <a:r>
-              <a:rPr b="1" lang="en"/>
-              <a:t>Story points</a:t>
-            </a:r>
-            <a:endParaRPr b="1"/>
-          </a:p>
-          <a:p>
-            <a:pPr indent="-325755" lvl="0" marL="457200" rtl="0" algn="l">
-              <a:spcBef>
-                <a:spcPts val="1200"/>
-              </a:spcBef>
-              <a:spcAft>
-                <a:spcPts val="0"/>
-              </a:spcAft>
-              <a:buSzPct val="100000"/>
-              <a:buChar char="●"/>
-            </a:pPr>
-            <a:r>
-              <a:rPr lang="en"/>
-              <a:t>Is an arbitrary numeric measure of size of a given backlog item</a:t>
-            </a:r>
-            <a:endParaRPr/>
-          </a:p>
-          <a:p>
-            <a:pPr indent="0" lvl="0" marL="0" rtl="0" algn="l">
-              <a:spcBef>
-                <a:spcPts val="1200"/>
-              </a:spcBef>
-              <a:spcAft>
-                <a:spcPts val="0"/>
-              </a:spcAft>
-              <a:buClr>
-                <a:schemeClr val="dk1"/>
-              </a:buClr>
-              <a:buSzPct val="61111"/>
-              <a:buFont typeface="Arial"/>
-              <a:buNone/>
-            </a:pPr>
-            <a:r>
-              <a:rPr b="1" lang="en"/>
-              <a:t>Properties</a:t>
-            </a:r>
-            <a:endParaRPr b="1"/>
-          </a:p>
-          <a:p>
-            <a:pPr indent="-325755" lvl="0" marL="457200" rtl="0" algn="l">
-              <a:spcBef>
-                <a:spcPts val="1200"/>
-              </a:spcBef>
-              <a:spcAft>
-                <a:spcPts val="0"/>
-              </a:spcAft>
-              <a:buSzPct val="100000"/>
-              <a:buChar char="●"/>
-            </a:pPr>
-            <a:r>
-              <a:rPr lang="en"/>
-              <a:t>Is a measure of size, not of effort or duration</a:t>
-            </a:r>
-            <a:endParaRPr/>
-          </a:p>
-          <a:p>
-            <a:pPr indent="-325755" lvl="0" marL="457200" rtl="0" algn="l">
-              <a:spcBef>
-                <a:spcPts val="0"/>
-              </a:spcBef>
-              <a:spcAft>
-                <a:spcPts val="0"/>
-              </a:spcAft>
-              <a:buSzPct val="100000"/>
-              <a:buChar char="●"/>
-            </a:pPr>
-            <a:r>
-              <a:rPr lang="en"/>
-              <a:t>Measured in non-linear increments, forcing choice</a:t>
-            </a:r>
-            <a:endParaRPr/>
-          </a:p>
-          <a:p>
-            <a:pPr indent="-325755" lvl="0" marL="457200" rtl="0" algn="l">
-              <a:spcBef>
-                <a:spcPts val="0"/>
-              </a:spcBef>
-              <a:spcAft>
-                <a:spcPts val="0"/>
-              </a:spcAft>
-              <a:buSzPct val="100000"/>
-              <a:buChar char="●"/>
-            </a:pPr>
-            <a:r>
-              <a:rPr lang="en"/>
-              <a:t>Is socially agreed upon, depends on team estimation history</a:t>
-            </a:r>
-            <a:endParaRPr/>
-          </a:p>
-          <a:p>
-            <a:pPr indent="-325755" lvl="0" marL="457200" rtl="0" algn="l">
-              <a:spcBef>
-                <a:spcPts val="0"/>
-              </a:spcBef>
-              <a:spcAft>
-                <a:spcPts val="0"/>
-              </a:spcAft>
-              <a:buSzPct val="100000"/>
-              <a:buChar char="●"/>
-            </a:pPr>
-            <a:r>
-              <a:rPr lang="en"/>
-              <a:t>Is independent of a particular person (and their skills)</a:t>
-            </a:r>
-            <a:endParaRPr/>
-          </a:p>
-          <a:p>
-            <a:pPr indent="-325755" lvl="0" marL="457200" rtl="0" algn="l">
-              <a:spcBef>
-                <a:spcPts val="0"/>
-              </a:spcBef>
-              <a:spcAft>
-                <a:spcPts val="0"/>
-              </a:spcAft>
-              <a:buSzPct val="100000"/>
-              <a:buChar char="●"/>
-            </a:pPr>
-            <a:r>
-              <a:rPr lang="en"/>
-              <a:t>Is mapped to time using the team's velocity (development speed)</a:t>
-            </a:r>
-            <a:endParaRPr/>
-          </a:p>
-          <a:p>
-            <a:pPr indent="0" lvl="0" marL="0" rtl="0" algn="l">
-              <a:spcBef>
-                <a:spcPts val="1200"/>
-              </a:spcBef>
-              <a:spcAft>
-                <a:spcPts val="1200"/>
-              </a:spcAft>
-              <a:buNone/>
-            </a:pPr>
-            <a:r>
-              <a:t/>
-            </a:r>
-            <a:endParaRPr/>
-          </a:p>
-        </p:txBody>
-      </p:sp>
-      <p:sp>
-        <p:nvSpPr>
-          <p:cNvPr id="202" name="Google Shape;202;p31"/>
+          <p:cNvPr id="211" name="Google Shape;211;p31"/>
           <p:cNvSpPr txBox="1"/>
           <p:nvPr>
             <p:ph idx="12" type="sldNum"/>
@@ -12510,9 +12670,749 @@
           </a:p>
         </p:txBody>
       </p:sp>
+      <p:sp>
+        <p:nvSpPr>
+          <p:cNvPr id="212" name="Google Shape;212;p31"/>
+          <p:cNvSpPr txBox="1"/>
+          <p:nvPr>
+            <p:ph idx="1" type="body"/>
+          </p:nvPr>
+        </p:nvSpPr>
+        <p:spPr>
+          <a:xfrm>
+            <a:off x="274320" y="914400"/>
+            <a:ext cx="8595300" cy="4114800"/>
+          </a:xfrm>
+          <a:prstGeom prst="rect">
+            <a:avLst/>
+          </a:prstGeom>
+        </p:spPr>
+        <p:txBody>
+          <a:bodyPr anchorCtr="0" anchor="t" bIns="0" lIns="0" spcFirstLastPara="1" rIns="0" wrap="square" tIns="0">
+            <a:noAutofit/>
+          </a:bodyPr>
+          <a:lstStyle/>
+          <a:p>
+            <a:pPr indent="0" lvl="0" marL="0" rtl="0" algn="l">
+              <a:spcBef>
+                <a:spcPts val="0"/>
+              </a:spcBef>
+              <a:spcAft>
+                <a:spcPts val="0"/>
+              </a:spcAft>
+              <a:buClr>
+                <a:schemeClr val="dk1"/>
+              </a:buClr>
+              <a:buSzPts val="1100"/>
+              <a:buFont typeface="Arial"/>
+              <a:buNone/>
+            </a:pPr>
+            <a:r>
+              <a:rPr b="1" lang="en"/>
+              <a:t>Product owner</a:t>
+            </a:r>
+            <a:endParaRPr b="1"/>
+          </a:p>
+          <a:p>
+            <a:pPr indent="-342900" lvl="0" marL="457200" rtl="0" algn="l">
+              <a:spcBef>
+                <a:spcPts val="1200"/>
+              </a:spcBef>
+              <a:spcAft>
+                <a:spcPts val="0"/>
+              </a:spcAft>
+              <a:buSzPts val="1800"/>
+              <a:buChar char="●"/>
+            </a:pPr>
+            <a:r>
+              <a:rPr lang="en"/>
+              <a:t>Reprioritizes product backlog items, if necessary, on-the-fly</a:t>
+            </a:r>
+            <a:endParaRPr/>
+          </a:p>
+          <a:p>
+            <a:pPr indent="-342900" lvl="0" marL="457200" rtl="0" algn="l">
+              <a:spcBef>
+                <a:spcPts val="0"/>
+              </a:spcBef>
+              <a:spcAft>
+                <a:spcPts val="0"/>
+              </a:spcAft>
+              <a:buSzPts val="1800"/>
+              <a:buChar char="●"/>
+            </a:pPr>
+            <a:r>
+              <a:rPr lang="en"/>
+              <a:t>Works through top-prioritized backlog items one-by-one </a:t>
+            </a:r>
+            <a:endParaRPr/>
+          </a:p>
+          <a:p>
+            <a:pPr indent="-317500" lvl="1" marL="914400" rtl="0" algn="l">
+              <a:spcBef>
+                <a:spcPts val="0"/>
+              </a:spcBef>
+              <a:spcAft>
+                <a:spcPts val="0"/>
+              </a:spcAft>
+              <a:buSzPts val="1400"/>
+              <a:buChar char="○"/>
+            </a:pPr>
+            <a:r>
+              <a:rPr lang="en"/>
+              <a:t>For each product backlog item, </a:t>
+            </a:r>
+            <a:endParaRPr/>
+          </a:p>
+          <a:p>
+            <a:pPr indent="-317500" lvl="2" marL="1371600" rtl="0" algn="l">
+              <a:spcBef>
+                <a:spcPts val="0"/>
+              </a:spcBef>
+              <a:spcAft>
+                <a:spcPts val="0"/>
+              </a:spcAft>
+              <a:buSzPts val="1400"/>
+              <a:buChar char="■"/>
+            </a:pPr>
+            <a:r>
+              <a:rPr lang="en"/>
+              <a:t>explains it,</a:t>
+            </a:r>
+            <a:endParaRPr/>
+          </a:p>
+          <a:p>
+            <a:pPr indent="-317500" lvl="2" marL="1371600" rtl="0" algn="l">
+              <a:spcBef>
+                <a:spcPts val="0"/>
+              </a:spcBef>
+              <a:spcAft>
+                <a:spcPts val="0"/>
+              </a:spcAft>
+              <a:buSzPts val="1400"/>
+              <a:buChar char="■"/>
+            </a:pPr>
+            <a:r>
+              <a:rPr lang="en"/>
+              <a:t>asks developers to estimate and commit</a:t>
+            </a:r>
+            <a:endParaRPr/>
+          </a:p>
+          <a:p>
+            <a:pPr indent="-317500" lvl="1" marL="914400" rtl="0" algn="l">
+              <a:spcBef>
+                <a:spcPts val="1000"/>
+              </a:spcBef>
+              <a:spcAft>
+                <a:spcPts val="0"/>
+              </a:spcAft>
+              <a:buSzPts val="1400"/>
+              <a:buChar char="○"/>
+            </a:pPr>
+            <a:r>
+              <a:rPr lang="en"/>
+              <a:t>You are finished, if the team does not want to take on more backlog items</a:t>
+            </a:r>
+            <a:endParaRPr/>
+          </a:p>
+        </p:txBody>
+      </p:sp>
+      <p:pic>
+        <p:nvPicPr>
+          <p:cNvPr id="213" name="Google Shape;213;p31"/>
+          <p:cNvPicPr preferRelativeResize="0"/>
+          <p:nvPr/>
+        </p:nvPicPr>
+        <p:blipFill>
+          <a:blip r:embed="rId4">
+            <a:alphaModFix/>
+          </a:blip>
+          <a:stretch>
+            <a:fillRect/>
+          </a:stretch>
+        </p:blipFill>
+        <p:spPr>
+          <a:xfrm>
+            <a:off x="7040838" y="914388"/>
+            <a:ext cx="1828800" cy="1828800"/>
+          </a:xfrm>
+          <a:prstGeom prst="rect">
+            <a:avLst/>
+          </a:prstGeom>
+          <a:noFill/>
+          <a:ln>
+            <a:noFill/>
+          </a:ln>
+        </p:spPr>
+      </p:pic>
+    </p:spTree>
+  </p:cSld>
+  <p:clrMapOvr>
+    <a:masterClrMapping/>
+  </p:clrMapOvr>
+</p:sld>
+</file>
+
+<file path=ppt/slides/slide25.xml><?xml version="1.0" encoding="utf-8"?>
+<p:sld xmlns:a="http://schemas.openxmlformats.org/drawingml/2006/main" xmlns:r="http://schemas.openxmlformats.org/officeDocument/2006/relationships" xmlns:mc="http://schemas.openxmlformats.org/markup-compatibility/2006" xmlns:mv="urn:schemas-microsoft-com:mac:vml" xmlns:p="http://schemas.openxmlformats.org/presentationml/2006/main" xmlns:c="http://schemas.openxmlformats.org/drawingml/2006/chart" xmlns:dgm="http://schemas.openxmlformats.org/drawingml/2006/diagram" xmlns:o="urn:schemas-microsoft-com:office:office" xmlns:v="urn:schemas-microsoft-com:vml" xmlns:pvml="urn:schemas-microsoft-com:office:powerpoint" xmlns:com="http://schemas.openxmlformats.org/drawingml/2006/compatibility" xmlns:p14="http://schemas.microsoft.com/office/powerpoint/2010/main" xmlns:p15="http://schemas.microsoft.com/office/powerpoint/2012/main" xmlns:ahyp="http://schemas.microsoft.com/office/drawing/2018/hyperlinkcolor">
+  <p:cSld>
+    <p:spTree>
+      <p:nvGrpSpPr>
+        <p:cNvPr id="217" name="Shape 217"/>
+        <p:cNvGrpSpPr/>
+        <p:nvPr/>
+      </p:nvGrpSpPr>
+      <p:grpSpPr>
+        <a:xfrm>
+          <a:off x="0" y="0"/>
+          <a:ext cx="0" cy="0"/>
+          <a:chOff x="0" y="0"/>
+          <a:chExt cx="0" cy="0"/>
+        </a:xfrm>
+      </p:grpSpPr>
+      <p:sp>
+        <p:nvSpPr>
+          <p:cNvPr id="218" name="Google Shape;218;p32"/>
+          <p:cNvSpPr txBox="1"/>
+          <p:nvPr>
+            <p:ph type="title"/>
+          </p:nvPr>
+        </p:nvSpPr>
+        <p:spPr>
+          <a:xfrm>
+            <a:off x="0" y="0"/>
+            <a:ext cx="9144000" cy="685800"/>
+          </a:xfrm>
+          <a:prstGeom prst="rect">
+            <a:avLst/>
+          </a:prstGeom>
+        </p:spPr>
+        <p:txBody>
+          <a:bodyPr anchorCtr="0" anchor="ctr" bIns="91425" lIns="274300" spcFirstLastPara="1" rIns="91425" wrap="square" tIns="91425">
+            <a:noAutofit/>
+          </a:bodyPr>
+          <a:lstStyle/>
+          <a:p>
+            <a:pPr indent="0" lvl="0" marL="0" rtl="0" algn="l">
+              <a:spcBef>
+                <a:spcPts val="0"/>
+              </a:spcBef>
+              <a:spcAft>
+                <a:spcPts val="0"/>
+              </a:spcAft>
+              <a:buNone/>
+            </a:pPr>
+            <a:r>
+              <a:rPr lang="en"/>
+              <a:t>5b. Sprint Planning</a:t>
+            </a:r>
+            <a:endParaRPr/>
+          </a:p>
+        </p:txBody>
+      </p:sp>
+      <p:sp>
+        <p:nvSpPr>
+          <p:cNvPr id="219" name="Google Shape;219;p32"/>
+          <p:cNvSpPr txBox="1"/>
+          <p:nvPr>
+            <p:ph idx="12" type="sldNum"/>
+          </p:nvPr>
+        </p:nvSpPr>
+        <p:spPr>
+          <a:xfrm>
+            <a:off x="7315202" y="4229100"/>
+            <a:ext cx="1828800" cy="914400"/>
+          </a:xfrm>
+          <a:prstGeom prst="rect">
+            <a:avLst/>
+          </a:prstGeom>
+        </p:spPr>
+        <p:txBody>
+          <a:bodyPr anchorCtr="0" anchor="b" bIns="91425" lIns="91425" spcFirstLastPara="1" rIns="91425" wrap="square" tIns="91425">
+            <a:noAutofit/>
+          </a:bodyPr>
+          <a:lstStyle/>
+          <a:p>
+            <a:pPr indent="0" lvl="0" marL="0" rtl="0" algn="r">
+              <a:spcBef>
+                <a:spcPts val="0"/>
+              </a:spcBef>
+              <a:spcAft>
+                <a:spcPts val="0"/>
+              </a:spcAft>
+              <a:buNone/>
+            </a:pPr>
+            <a:fld id="{00000000-1234-1234-1234-123412341234}" type="slidenum">
+              <a:rPr lang="en"/>
+              <a:t>‹#›</a:t>
+            </a:fld>
+            <a:endParaRPr/>
+          </a:p>
+          <a:p>
+            <a:pPr indent="0" lvl="0" marL="0" rtl="0" algn="r">
+              <a:spcBef>
+                <a:spcPts val="0"/>
+              </a:spcBef>
+              <a:spcAft>
+                <a:spcPts val="0"/>
+              </a:spcAft>
+              <a:buNone/>
+            </a:pPr>
+            <a:r>
+              <a:rPr b="0" lang="en" sz="1000" u="sng">
+                <a:solidFill>
+                  <a:schemeClr val="hlink"/>
+                </a:solidFill>
+                <a:hlinkClick r:id="rId3"/>
+              </a:rPr>
+              <a:t>uni1.de/amos</a:t>
+            </a:r>
+            <a:r>
+              <a:rPr b="0" lang="en" sz="1000"/>
+              <a:t> </a:t>
+            </a:r>
+            <a:endParaRPr b="0" sz="1000"/>
+          </a:p>
+        </p:txBody>
+      </p:sp>
+      <p:sp>
+        <p:nvSpPr>
+          <p:cNvPr id="220" name="Google Shape;220;p32"/>
+          <p:cNvSpPr txBox="1"/>
+          <p:nvPr>
+            <p:ph idx="1" type="body"/>
+          </p:nvPr>
+        </p:nvSpPr>
+        <p:spPr>
+          <a:xfrm>
+            <a:off x="274320" y="914400"/>
+            <a:ext cx="8595300" cy="4114800"/>
+          </a:xfrm>
+          <a:prstGeom prst="rect">
+            <a:avLst/>
+          </a:prstGeom>
+        </p:spPr>
+        <p:txBody>
+          <a:bodyPr anchorCtr="0" anchor="t" bIns="0" lIns="0" spcFirstLastPara="1" rIns="0" wrap="square" tIns="0">
+            <a:noAutofit/>
+          </a:bodyPr>
+          <a:lstStyle/>
+          <a:p>
+            <a:pPr indent="0" lvl="0" marL="0" rtl="0" algn="l">
+              <a:spcBef>
+                <a:spcPts val="0"/>
+              </a:spcBef>
+              <a:spcAft>
+                <a:spcPts val="0"/>
+              </a:spcAft>
+              <a:buClr>
+                <a:schemeClr val="dk1"/>
+              </a:buClr>
+              <a:buSzPts val="1100"/>
+              <a:buFont typeface="Arial"/>
+              <a:buNone/>
+            </a:pPr>
+            <a:r>
+              <a:rPr b="1" lang="en"/>
+              <a:t>Software developers (as team)</a:t>
+            </a:r>
+            <a:endParaRPr b="1"/>
+          </a:p>
+          <a:p>
+            <a:pPr indent="-342900" lvl="0" marL="457200" rtl="0" algn="l">
+              <a:spcBef>
+                <a:spcPts val="1200"/>
+              </a:spcBef>
+              <a:spcAft>
+                <a:spcPts val="0"/>
+              </a:spcAft>
+              <a:buSzPts val="1800"/>
+              <a:buChar char="●"/>
+            </a:pPr>
+            <a:r>
+              <a:rPr lang="en"/>
+              <a:t>Estimate size of each backlog item using planning poker</a:t>
+            </a:r>
+            <a:endParaRPr/>
+          </a:p>
+          <a:p>
+            <a:pPr indent="-342900" lvl="0" marL="457200" rtl="0" algn="l">
+              <a:spcBef>
+                <a:spcPts val="0"/>
+              </a:spcBef>
+              <a:spcAft>
+                <a:spcPts val="0"/>
+              </a:spcAft>
+              <a:buSzPts val="1800"/>
+              <a:buChar char="●"/>
+            </a:pPr>
+            <a:r>
+              <a:rPr lang="en"/>
+              <a:t>After planning, commit to backlog items in sprint backlog</a:t>
+            </a:r>
+            <a:endParaRPr/>
+          </a:p>
+          <a:p>
+            <a:pPr indent="0" lvl="0" marL="0" rtl="0" algn="l">
+              <a:spcBef>
+                <a:spcPts val="1200"/>
+              </a:spcBef>
+              <a:spcAft>
+                <a:spcPts val="1200"/>
+              </a:spcAft>
+              <a:buNone/>
+            </a:pPr>
+            <a:r>
+              <a:t/>
+            </a:r>
+            <a:endParaRPr/>
+          </a:p>
+        </p:txBody>
+      </p:sp>
+      <p:pic>
+        <p:nvPicPr>
+          <p:cNvPr id="221" name="Google Shape;221;p32"/>
+          <p:cNvPicPr preferRelativeResize="0"/>
+          <p:nvPr/>
+        </p:nvPicPr>
+        <p:blipFill>
+          <a:blip r:embed="rId4">
+            <a:alphaModFix/>
+          </a:blip>
+          <a:stretch>
+            <a:fillRect/>
+          </a:stretch>
+        </p:blipFill>
+        <p:spPr>
+          <a:xfrm>
+            <a:off x="7040838" y="914388"/>
+            <a:ext cx="1828800" cy="1828800"/>
+          </a:xfrm>
+          <a:prstGeom prst="rect">
+            <a:avLst/>
+          </a:prstGeom>
+          <a:noFill/>
+          <a:ln>
+            <a:noFill/>
+          </a:ln>
+        </p:spPr>
+      </p:pic>
+    </p:spTree>
+  </p:cSld>
+  <p:clrMapOvr>
+    <a:masterClrMapping/>
+  </p:clrMapOvr>
+</p:sld>
+</file>
+
+<file path=ppt/slides/slide26.xml><?xml version="1.0" encoding="utf-8"?>
+<p:sld xmlns:a="http://schemas.openxmlformats.org/drawingml/2006/main" xmlns:r="http://schemas.openxmlformats.org/officeDocument/2006/relationships" xmlns:mc="http://schemas.openxmlformats.org/markup-compatibility/2006" xmlns:mv="urn:schemas-microsoft-com:mac:vml" xmlns:p="http://schemas.openxmlformats.org/presentationml/2006/main" xmlns:c="http://schemas.openxmlformats.org/drawingml/2006/chart" xmlns:dgm="http://schemas.openxmlformats.org/drawingml/2006/diagram" xmlns:o="urn:schemas-microsoft-com:office:office" xmlns:v="urn:schemas-microsoft-com:vml" xmlns:pvml="urn:schemas-microsoft-com:office:powerpoint" xmlns:com="http://schemas.openxmlformats.org/drawingml/2006/compatibility" xmlns:p14="http://schemas.microsoft.com/office/powerpoint/2010/main" xmlns:p15="http://schemas.microsoft.com/office/powerpoint/2012/main" xmlns:ahyp="http://schemas.microsoft.com/office/drawing/2018/hyperlinkcolor">
+  <p:cSld>
+    <p:spTree>
+      <p:nvGrpSpPr>
+        <p:cNvPr id="225" name="Shape 225"/>
+        <p:cNvGrpSpPr/>
+        <p:nvPr/>
+      </p:nvGrpSpPr>
+      <p:grpSpPr>
+        <a:xfrm>
+          <a:off x="0" y="0"/>
+          <a:ext cx="0" cy="0"/>
+          <a:chOff x="0" y="0"/>
+          <a:chExt cx="0" cy="0"/>
+        </a:xfrm>
+      </p:grpSpPr>
+      <p:sp>
+        <p:nvSpPr>
+          <p:cNvPr id="226" name="Google Shape;226;p33"/>
+          <p:cNvSpPr txBox="1"/>
+          <p:nvPr>
+            <p:ph type="title"/>
+          </p:nvPr>
+        </p:nvSpPr>
+        <p:spPr>
+          <a:xfrm>
+            <a:off x="0" y="0"/>
+            <a:ext cx="9144000" cy="685800"/>
+          </a:xfrm>
+          <a:prstGeom prst="rect">
+            <a:avLst/>
+          </a:prstGeom>
+        </p:spPr>
+        <p:txBody>
+          <a:bodyPr anchorCtr="0" anchor="ctr" bIns="0" lIns="274300" spcFirstLastPara="1" rIns="0" wrap="square" tIns="0">
+            <a:noAutofit/>
+          </a:bodyPr>
+          <a:lstStyle/>
+          <a:p>
+            <a:pPr indent="0" lvl="0" marL="0" rtl="0" algn="l">
+              <a:spcBef>
+                <a:spcPts val="0"/>
+              </a:spcBef>
+              <a:spcAft>
+                <a:spcPts val="0"/>
+              </a:spcAft>
+              <a:buNone/>
+            </a:pPr>
+            <a:r>
+              <a:rPr lang="en"/>
+              <a:t>Story Points</a:t>
+            </a:r>
+            <a:endParaRPr/>
+          </a:p>
+        </p:txBody>
+      </p:sp>
+      <p:sp>
+        <p:nvSpPr>
+          <p:cNvPr id="227" name="Google Shape;227;p33"/>
+          <p:cNvSpPr txBox="1"/>
+          <p:nvPr>
+            <p:ph idx="1" type="body"/>
+          </p:nvPr>
+        </p:nvSpPr>
+        <p:spPr>
+          <a:xfrm>
+            <a:off x="274320" y="914400"/>
+            <a:ext cx="4114800" cy="4114800"/>
+          </a:xfrm>
+          <a:prstGeom prst="rect">
+            <a:avLst/>
+          </a:prstGeom>
+        </p:spPr>
+        <p:txBody>
+          <a:bodyPr anchorCtr="0" anchor="t" bIns="91425" lIns="0" spcFirstLastPara="1" rIns="91425" wrap="square" tIns="0">
+            <a:normAutofit fontScale="85000" lnSpcReduction="20000"/>
+          </a:bodyPr>
+          <a:lstStyle/>
+          <a:p>
+            <a:pPr indent="0" lvl="0" marL="0" rtl="0" algn="l">
+              <a:spcBef>
+                <a:spcPts val="0"/>
+              </a:spcBef>
+              <a:spcAft>
+                <a:spcPts val="0"/>
+              </a:spcAft>
+              <a:buClr>
+                <a:schemeClr val="dk1"/>
+              </a:buClr>
+              <a:buSzPct val="61111"/>
+              <a:buFont typeface="Arial"/>
+              <a:buNone/>
+            </a:pPr>
+            <a:r>
+              <a:rPr b="1" lang="en"/>
+              <a:t>Story points</a:t>
+            </a:r>
+            <a:endParaRPr b="1"/>
+          </a:p>
+          <a:p>
+            <a:pPr indent="-325755" lvl="0" marL="457200" rtl="0" algn="l">
+              <a:spcBef>
+                <a:spcPts val="1200"/>
+              </a:spcBef>
+              <a:spcAft>
+                <a:spcPts val="0"/>
+              </a:spcAft>
+              <a:buSzPct val="100000"/>
+              <a:buChar char="●"/>
+            </a:pPr>
+            <a:r>
+              <a:rPr lang="en"/>
+              <a:t>Is an arbitrary numeric measure of size of a given backlog item</a:t>
+            </a:r>
+            <a:endParaRPr/>
+          </a:p>
+          <a:p>
+            <a:pPr indent="0" lvl="0" marL="0" rtl="0" algn="l">
+              <a:spcBef>
+                <a:spcPts val="1200"/>
+              </a:spcBef>
+              <a:spcAft>
+                <a:spcPts val="0"/>
+              </a:spcAft>
+              <a:buClr>
+                <a:schemeClr val="dk1"/>
+              </a:buClr>
+              <a:buSzPct val="61111"/>
+              <a:buFont typeface="Arial"/>
+              <a:buNone/>
+            </a:pPr>
+            <a:r>
+              <a:rPr b="1" lang="en"/>
+              <a:t>Properties</a:t>
+            </a:r>
+            <a:endParaRPr b="1"/>
+          </a:p>
+          <a:p>
+            <a:pPr indent="-325755" lvl="0" marL="457200" rtl="0" algn="l">
+              <a:spcBef>
+                <a:spcPts val="1200"/>
+              </a:spcBef>
+              <a:spcAft>
+                <a:spcPts val="0"/>
+              </a:spcAft>
+              <a:buSzPct val="100000"/>
+              <a:buChar char="●"/>
+            </a:pPr>
+            <a:r>
+              <a:rPr lang="en"/>
+              <a:t>Is a measure of size, not of effort or duration</a:t>
+            </a:r>
+            <a:endParaRPr/>
+          </a:p>
+          <a:p>
+            <a:pPr indent="-325755" lvl="0" marL="457200" rtl="0" algn="l">
+              <a:spcBef>
+                <a:spcPts val="0"/>
+              </a:spcBef>
+              <a:spcAft>
+                <a:spcPts val="0"/>
+              </a:spcAft>
+              <a:buSzPct val="100000"/>
+              <a:buChar char="●"/>
+            </a:pPr>
+            <a:r>
+              <a:rPr lang="en"/>
+              <a:t>Measured in non-linear increments, forcing choice</a:t>
+            </a:r>
+            <a:endParaRPr/>
+          </a:p>
+          <a:p>
+            <a:pPr indent="-325755" lvl="0" marL="457200" rtl="0" algn="l">
+              <a:spcBef>
+                <a:spcPts val="0"/>
+              </a:spcBef>
+              <a:spcAft>
+                <a:spcPts val="0"/>
+              </a:spcAft>
+              <a:buSzPct val="100000"/>
+              <a:buChar char="●"/>
+            </a:pPr>
+            <a:r>
+              <a:rPr lang="en"/>
+              <a:t>Is socially agreed upon, depends on team estimation history</a:t>
+            </a:r>
+            <a:endParaRPr/>
+          </a:p>
+          <a:p>
+            <a:pPr indent="-325755" lvl="0" marL="457200" rtl="0" algn="l">
+              <a:spcBef>
+                <a:spcPts val="0"/>
+              </a:spcBef>
+              <a:spcAft>
+                <a:spcPts val="0"/>
+              </a:spcAft>
+              <a:buSzPct val="100000"/>
+              <a:buChar char="●"/>
+            </a:pPr>
+            <a:r>
+              <a:rPr lang="en"/>
+              <a:t>Is independent of a particular person (and their skills)</a:t>
+            </a:r>
+            <a:endParaRPr/>
+          </a:p>
+          <a:p>
+            <a:pPr indent="-325755" lvl="0" marL="457200" rtl="0" algn="l">
+              <a:spcBef>
+                <a:spcPts val="0"/>
+              </a:spcBef>
+              <a:spcAft>
+                <a:spcPts val="0"/>
+              </a:spcAft>
+              <a:buSzPct val="100000"/>
+              <a:buChar char="●"/>
+            </a:pPr>
+            <a:r>
+              <a:rPr lang="en"/>
+              <a:t>Is mapped to time using the team's velocity (development speed)</a:t>
+            </a:r>
+            <a:endParaRPr/>
+          </a:p>
+          <a:p>
+            <a:pPr indent="0" lvl="0" marL="0" rtl="0" algn="l">
+              <a:spcBef>
+                <a:spcPts val="1200"/>
+              </a:spcBef>
+              <a:spcAft>
+                <a:spcPts val="1200"/>
+              </a:spcAft>
+              <a:buNone/>
+            </a:pPr>
+            <a:r>
+              <a:t/>
+            </a:r>
+            <a:endParaRPr/>
+          </a:p>
+        </p:txBody>
+      </p:sp>
+      <p:sp>
+        <p:nvSpPr>
+          <p:cNvPr id="228" name="Google Shape;228;p33"/>
+          <p:cNvSpPr txBox="1"/>
+          <p:nvPr>
+            <p:ph idx="12" type="sldNum"/>
+          </p:nvPr>
+        </p:nvSpPr>
+        <p:spPr>
+          <a:xfrm>
+            <a:off x="7315202" y="4229100"/>
+            <a:ext cx="1828800" cy="914400"/>
+          </a:xfrm>
+          <a:prstGeom prst="rect">
+            <a:avLst/>
+          </a:prstGeom>
+        </p:spPr>
+        <p:txBody>
+          <a:bodyPr anchorCtr="0" anchor="b" bIns="91425" lIns="91425" spcFirstLastPara="1" rIns="91425" wrap="square" tIns="91425">
+            <a:noAutofit/>
+          </a:bodyPr>
+          <a:lstStyle/>
+          <a:p>
+            <a:pPr indent="0" lvl="0" marL="0" rtl="0" algn="r">
+              <a:spcBef>
+                <a:spcPts val="0"/>
+              </a:spcBef>
+              <a:spcAft>
+                <a:spcPts val="0"/>
+              </a:spcAft>
+              <a:buNone/>
+            </a:pPr>
+            <a:fld id="{00000000-1234-1234-1234-123412341234}" type="slidenum">
+              <a:rPr lang="en"/>
+              <a:t>‹#›</a:t>
+            </a:fld>
+            <a:endParaRPr/>
+          </a:p>
+          <a:p>
+            <a:pPr indent="0" lvl="0" marL="0" rtl="0" algn="r">
+              <a:spcBef>
+                <a:spcPts val="0"/>
+              </a:spcBef>
+              <a:spcAft>
+                <a:spcPts val="0"/>
+              </a:spcAft>
+              <a:buNone/>
+            </a:pPr>
+            <a:r>
+              <a:rPr b="0" lang="en" sz="1000" u="sng">
+                <a:solidFill>
+                  <a:schemeClr val="hlink"/>
+                </a:solidFill>
+                <a:hlinkClick r:id="rId3"/>
+              </a:rPr>
+              <a:t>uni1.de/amos</a:t>
+            </a:r>
+            <a:r>
+              <a:rPr b="0" lang="en" sz="1000"/>
+              <a:t> </a:t>
+            </a:r>
+            <a:endParaRPr b="0" sz="1000"/>
+          </a:p>
+        </p:txBody>
+      </p:sp>
       <p:graphicFrame>
         <p:nvGraphicFramePr>
-          <p:cNvPr id="203" name="Google Shape;203;p31"/>
+          <p:cNvPr id="229" name="Google Shape;229;p33"/>
           <p:cNvGraphicFramePr/>
           <p:nvPr/>
         </p:nvGraphicFramePr>
@@ -12525,7 +13425,7 @@
             <a:tbl>
               <a:tblPr>
                 <a:noFill/>
-                <a:tableStyleId>{E6B8B31A-AD35-45E7-8925-507B150AF63E}</a:tableStyleId>
+                <a:tableStyleId>{DD953C43-BBE4-4531-9FEE-CD8433129448}</a:tableStyleId>
               </a:tblPr>
               <a:tblGrid>
                 <a:gridCol w="2057400"/>
@@ -13571,12 +14471,12 @@
 </p:sld>
 </file>
 
-<file path=ppt/slides/slide25.xml><?xml version="1.0" encoding="utf-8"?>
+<file path=ppt/slides/slide27.xml><?xml version="1.0" encoding="utf-8"?>
 <p:sld xmlns:a="http://schemas.openxmlformats.org/drawingml/2006/main" xmlns:r="http://schemas.openxmlformats.org/officeDocument/2006/relationships" xmlns:mc="http://schemas.openxmlformats.org/markup-compatibility/2006" xmlns:mv="urn:schemas-microsoft-com:mac:vml" xmlns:p="http://schemas.openxmlformats.org/presentationml/2006/main" xmlns:c="http://schemas.openxmlformats.org/drawingml/2006/chart" xmlns:dgm="http://schemas.openxmlformats.org/drawingml/2006/diagram" xmlns:o="urn:schemas-microsoft-com:office:office" xmlns:v="urn:schemas-microsoft-com:vml" xmlns:pvml="urn:schemas-microsoft-com:office:powerpoint" xmlns:com="http://schemas.openxmlformats.org/drawingml/2006/compatibility" xmlns:p14="http://schemas.microsoft.com/office/powerpoint/2010/main" xmlns:p15="http://schemas.microsoft.com/office/powerpoint/2012/main" xmlns:ahyp="http://schemas.microsoft.com/office/drawing/2018/hyperlinkcolor">
   <p:cSld>
     <p:spTree>
       <p:nvGrpSpPr>
-        <p:cNvPr id="207" name="Shape 207"/>
+        <p:cNvPr id="233" name="Shape 233"/>
         <p:cNvGrpSpPr/>
         <p:nvPr/>
       </p:nvGrpSpPr>
@@ -13590,7 +14490,7 @@
       </p:grpSpPr>
       <p:sp>
         <p:nvSpPr>
-          <p:cNvPr id="208" name="Google Shape;208;p32"/>
+          <p:cNvPr id="234" name="Google Shape;234;p34"/>
           <p:cNvSpPr txBox="1"/>
           <p:nvPr>
             <p:ph type="title"/>
@@ -13630,7 +14530,7 @@
       </p:sp>
       <p:sp>
         <p:nvSpPr>
-          <p:cNvPr id="209" name="Google Shape;209;p32"/>
+          <p:cNvPr id="235" name="Google Shape;235;p34"/>
           <p:cNvSpPr txBox="1"/>
           <p:nvPr>
             <p:ph idx="12" type="sldNum"/>
@@ -13695,7 +14595,7 @@
       </p:sp>
       <p:sp>
         <p:nvSpPr>
-          <p:cNvPr id="210" name="Google Shape;210;p32"/>
+          <p:cNvPr id="236" name="Google Shape;236;p34"/>
           <p:cNvSpPr txBox="1"/>
           <p:nvPr/>
         </p:nvSpPr>
@@ -13750,7 +14650,7 @@
       </p:sp>
       <p:pic>
         <p:nvPicPr>
-          <p:cNvPr id="211" name="Google Shape;211;p32"/>
+          <p:cNvPr id="237" name="Google Shape;237;p34"/>
           <p:cNvPicPr preferRelativeResize="0"/>
           <p:nvPr/>
         </p:nvPicPr>
@@ -13784,12 +14684,12 @@
 </p:sld>
 </file>
 
-<file path=ppt/slides/slide26.xml><?xml version="1.0" encoding="utf-8"?>
+<file path=ppt/slides/slide28.xml><?xml version="1.0" encoding="utf-8"?>
 <p:sld xmlns:a="http://schemas.openxmlformats.org/drawingml/2006/main" xmlns:r="http://schemas.openxmlformats.org/officeDocument/2006/relationships" xmlns:mc="http://schemas.openxmlformats.org/markup-compatibility/2006" xmlns:mv="urn:schemas-microsoft-com:mac:vml" xmlns:p="http://schemas.openxmlformats.org/presentationml/2006/main" xmlns:c="http://schemas.openxmlformats.org/drawingml/2006/chart" xmlns:dgm="http://schemas.openxmlformats.org/drawingml/2006/diagram" xmlns:o="urn:schemas-microsoft-com:office:office" xmlns:v="urn:schemas-microsoft-com:vml" xmlns:pvml="urn:schemas-microsoft-com:office:powerpoint" xmlns:com="http://schemas.openxmlformats.org/drawingml/2006/compatibility" xmlns:p14="http://schemas.microsoft.com/office/powerpoint/2010/main" xmlns:p15="http://schemas.microsoft.com/office/powerpoint/2012/main" xmlns:ahyp="http://schemas.microsoft.com/office/drawing/2018/hyperlinkcolor">
   <p:cSld>
     <p:spTree>
       <p:nvGrpSpPr>
-        <p:cNvPr id="215" name="Shape 215"/>
+        <p:cNvPr id="241" name="Shape 241"/>
         <p:cNvGrpSpPr/>
         <p:nvPr/>
       </p:nvGrpSpPr>
@@ -13803,7 +14703,7 @@
       </p:grpSpPr>
       <p:sp>
         <p:nvSpPr>
-          <p:cNvPr id="216" name="Google Shape;216;p33"/>
+          <p:cNvPr id="242" name="Google Shape;242;p35"/>
           <p:cNvSpPr txBox="1"/>
           <p:nvPr>
             <p:ph type="title"/>
@@ -13843,7 +14743,7 @@
       </p:sp>
       <p:sp>
         <p:nvSpPr>
-          <p:cNvPr id="217" name="Google Shape;217;p33"/>
+          <p:cNvPr id="243" name="Google Shape;243;p35"/>
           <p:cNvSpPr txBox="1"/>
           <p:nvPr>
             <p:ph idx="1" type="body"/>
@@ -13949,7 +14849,7 @@
       </p:sp>
       <p:sp>
         <p:nvSpPr>
-          <p:cNvPr id="218" name="Google Shape;218;p33"/>
+          <p:cNvPr id="244" name="Google Shape;244;p35"/>
           <p:cNvSpPr txBox="1"/>
           <p:nvPr>
             <p:ph idx="12" type="sldNum"/>
@@ -14012,6 +14912,34 @@
           </a:p>
         </p:txBody>
       </p:sp>
+      <p:pic>
+        <p:nvPicPr>
+          <p:cNvPr id="245" name="Google Shape;245;p35"/>
+          <p:cNvPicPr preferRelativeResize="0"/>
+          <p:nvPr/>
+        </p:nvPicPr>
+        <p:blipFill>
+          <a:blip r:embed="rId4">
+            <a:alphaModFix/>
+          </a:blip>
+          <a:stretch>
+            <a:fillRect/>
+          </a:stretch>
+        </p:blipFill>
+        <p:spPr>
+          <a:xfrm>
+            <a:off x="7040838" y="914388"/>
+            <a:ext cx="1828800" cy="1828800"/>
+          </a:xfrm>
+          <a:prstGeom prst="rect">
+            <a:avLst/>
+          </a:prstGeom>
+          <a:noFill/>
+          <a:ln>
+            <a:noFill/>
+          </a:ln>
+        </p:spPr>
+      </p:pic>
     </p:spTree>
   </p:cSld>
   <p:clrMapOvr>
@@ -14020,12 +14948,12 @@
 </p:sld>
 </file>
 
-<file path=ppt/slides/slide27.xml><?xml version="1.0" encoding="utf-8"?>
+<file path=ppt/slides/slide29.xml><?xml version="1.0" encoding="utf-8"?>
 <p:sld xmlns:a="http://schemas.openxmlformats.org/drawingml/2006/main" xmlns:r="http://schemas.openxmlformats.org/officeDocument/2006/relationships" xmlns:mc="http://schemas.openxmlformats.org/markup-compatibility/2006" xmlns:mv="urn:schemas-microsoft-com:mac:vml" xmlns:p="http://schemas.openxmlformats.org/presentationml/2006/main" xmlns:c="http://schemas.openxmlformats.org/drawingml/2006/chart" xmlns:dgm="http://schemas.openxmlformats.org/drawingml/2006/diagram" xmlns:o="urn:schemas-microsoft-com:office:office" xmlns:v="urn:schemas-microsoft-com:vml" xmlns:pvml="urn:schemas-microsoft-com:office:powerpoint" xmlns:com="http://schemas.openxmlformats.org/drawingml/2006/compatibility" xmlns:p14="http://schemas.microsoft.com/office/powerpoint/2010/main" xmlns:p15="http://schemas.microsoft.com/office/powerpoint/2012/main" xmlns:ahyp="http://schemas.microsoft.com/office/drawing/2018/hyperlinkcolor">
   <p:cSld>
     <p:spTree>
       <p:nvGrpSpPr>
-        <p:cNvPr id="222" name="Shape 222"/>
+        <p:cNvPr id="249" name="Shape 249"/>
         <p:cNvGrpSpPr/>
         <p:nvPr/>
       </p:nvGrpSpPr>
@@ -14039,7 +14967,7 @@
       </p:grpSpPr>
       <p:sp>
         <p:nvSpPr>
-          <p:cNvPr id="223" name="Google Shape;223;p34"/>
+          <p:cNvPr id="250" name="Google Shape;250;p36"/>
           <p:cNvSpPr txBox="1"/>
           <p:nvPr>
             <p:ph type="title"/>
@@ -14079,7 +15007,7 @@
       </p:sp>
       <p:sp>
         <p:nvSpPr>
-          <p:cNvPr id="224" name="Google Shape;224;p34"/>
+          <p:cNvPr id="251" name="Google Shape;251;p36"/>
           <p:cNvSpPr txBox="1"/>
           <p:nvPr>
             <p:ph idx="1" type="body"/>
@@ -14170,7 +15098,7 @@
       </p:sp>
       <p:sp>
         <p:nvSpPr>
-          <p:cNvPr id="225" name="Google Shape;225;p34"/>
+          <p:cNvPr id="252" name="Google Shape;252;p36"/>
           <p:cNvSpPr txBox="1"/>
           <p:nvPr>
             <p:ph idx="12" type="sldNum"/>
@@ -14233,6 +15161,34 @@
           </a:p>
         </p:txBody>
       </p:sp>
+      <p:pic>
+        <p:nvPicPr>
+          <p:cNvPr id="253" name="Google Shape;253;p36"/>
+          <p:cNvPicPr preferRelativeResize="0"/>
+          <p:nvPr/>
+        </p:nvPicPr>
+        <p:blipFill>
+          <a:blip r:embed="rId4">
+            <a:alphaModFix/>
+          </a:blip>
+          <a:stretch>
+            <a:fillRect/>
+          </a:stretch>
+        </p:blipFill>
+        <p:spPr>
+          <a:xfrm>
+            <a:off x="7040838" y="914388"/>
+            <a:ext cx="1828800" cy="1828800"/>
+          </a:xfrm>
+          <a:prstGeom prst="rect">
+            <a:avLst/>
+          </a:prstGeom>
+          <a:noFill/>
+          <a:ln>
+            <a:noFill/>
+          </a:ln>
+        </p:spPr>
+      </p:pic>
     </p:spTree>
   </p:cSld>
   <p:clrMapOvr>
@@ -14241,12 +15197,12 @@
 </p:sld>
 </file>
 
-<file path=ppt/slides/slide28.xml><?xml version="1.0" encoding="utf-8"?>
+<file path=ppt/slides/slide3.xml><?xml version="1.0" encoding="utf-8"?>
 <p:sld xmlns:a="http://schemas.openxmlformats.org/drawingml/2006/main" xmlns:r="http://schemas.openxmlformats.org/officeDocument/2006/relationships" xmlns:mc="http://schemas.openxmlformats.org/markup-compatibility/2006" xmlns:mv="urn:schemas-microsoft-com:mac:vml" xmlns:p="http://schemas.openxmlformats.org/presentationml/2006/main" xmlns:c="http://schemas.openxmlformats.org/drawingml/2006/chart" xmlns:dgm="http://schemas.openxmlformats.org/drawingml/2006/diagram" xmlns:o="urn:schemas-microsoft-com:office:office" xmlns:v="urn:schemas-microsoft-com:vml" xmlns:pvml="urn:schemas-microsoft-com:office:powerpoint" xmlns:com="http://schemas.openxmlformats.org/drawingml/2006/compatibility" xmlns:p14="http://schemas.microsoft.com/office/powerpoint/2010/main" xmlns:p15="http://schemas.microsoft.com/office/powerpoint/2012/main" xmlns:ahyp="http://schemas.microsoft.com/office/drawing/2018/hyperlinkcolor">
   <p:cSld>
     <p:spTree>
       <p:nvGrpSpPr>
-        <p:cNvPr id="229" name="Shape 229"/>
+        <p:cNvPr id="50" name="Shape 50"/>
         <p:cNvGrpSpPr/>
         <p:nvPr/>
       </p:nvGrpSpPr>
@@ -14260,7 +15216,7 @@
       </p:grpSpPr>
       <p:sp>
         <p:nvSpPr>
-          <p:cNvPr id="230" name="Google Shape;230;p35"/>
+          <p:cNvPr id="51" name="Google Shape;51;p10"/>
           <p:cNvSpPr txBox="1"/>
           <p:nvPr>
             <p:ph type="title"/>
@@ -14292,7 +15248,7 @@
             </a:pPr>
             <a:r>
               <a:rPr lang="en"/>
-              <a:t>6c. Meeting After-work</a:t>
+              <a:t>Agenda</a:t>
             </a:r>
             <a:endParaRPr/>
           </a:p>
@@ -14300,7 +15256,7 @@
       </p:sp>
       <p:sp>
         <p:nvSpPr>
-          <p:cNvPr id="231" name="Google Shape;231;p35"/>
+          <p:cNvPr id="52" name="Google Shape;52;p10"/>
           <p:cNvSpPr txBox="1"/>
           <p:nvPr>
             <p:ph idx="1" type="body"/>
@@ -14321,35 +15277,19 @@
           </a:bodyPr>
           <a:lstStyle/>
           <a:p>
-            <a:pPr indent="0" lvl="0" marL="0" rtl="0" algn="l">
-              <a:spcBef>
-                <a:spcPts val="0"/>
-              </a:spcBef>
-              <a:spcAft>
-                <a:spcPts val="0"/>
-              </a:spcAft>
-              <a:buNone/>
-            </a:pPr>
-            <a:r>
-              <a:rPr b="1" lang="en"/>
-              <a:t>Scrum Master</a:t>
-            </a:r>
-            <a:endParaRPr b="1"/>
-          </a:p>
-          <a:p>
             <a:pPr indent="-342900" lvl="0" marL="457200" rtl="0" algn="l">
               <a:spcBef>
-                <a:spcPts val="1200"/>
+                <a:spcPts val="0"/>
               </a:spcBef>
               <a:spcAft>
                 <a:spcPts val="0"/>
               </a:spcAft>
               <a:buSzPts val="1800"/>
-              <a:buChar char="●"/>
-            </a:pPr>
-            <a:r>
-              <a:rPr lang="en"/>
-              <a:t>Works on impediments and improvements during sprint</a:t>
+              <a:buAutoNum type="arabicPeriod"/>
+            </a:pPr>
+            <a:r>
+              <a:rPr lang="en"/>
+              <a:t>The AMOS process</a:t>
             </a:r>
             <a:endParaRPr/>
           </a:p>
@@ -14362,11 +15302,130 @@
                 <a:spcPts val="0"/>
               </a:spcAft>
               <a:buSzPts val="1800"/>
-              <a:buChar char="●"/>
-            </a:pPr>
-            <a:r>
-              <a:rPr lang="en"/>
-              <a:t>Documents resolutions in imp-squared backlog</a:t>
+              <a:buAutoNum type="arabicPeriod"/>
+            </a:pPr>
+            <a:r>
+              <a:rPr lang="en"/>
+              <a:t>The team meeting</a:t>
+            </a:r>
+            <a:endParaRPr/>
+          </a:p>
+          <a:p>
+            <a:pPr indent="-317500" lvl="1" marL="914400" rtl="0" algn="l">
+              <a:spcBef>
+                <a:spcPts val="0"/>
+              </a:spcBef>
+              <a:spcAft>
+                <a:spcPts val="0"/>
+              </a:spcAft>
+              <a:buSzPts val="1400"/>
+              <a:buChar char="○"/>
+            </a:pPr>
+            <a:r>
+              <a:rPr lang="en"/>
+              <a:t>Meeting preparation</a:t>
+            </a:r>
+            <a:endParaRPr/>
+          </a:p>
+          <a:p>
+            <a:pPr indent="-317500" lvl="1" marL="914400" rtl="0" algn="l">
+              <a:spcBef>
+                <a:spcPts val="0"/>
+              </a:spcBef>
+              <a:spcAft>
+                <a:spcPts val="0"/>
+              </a:spcAft>
+              <a:buSzPts val="1400"/>
+              <a:buChar char="○"/>
+            </a:pPr>
+            <a:r>
+              <a:rPr lang="en"/>
+              <a:t>Sprint review</a:t>
+            </a:r>
+            <a:endParaRPr/>
+          </a:p>
+          <a:p>
+            <a:pPr indent="-317500" lvl="1" marL="914400" rtl="0" algn="l">
+              <a:spcBef>
+                <a:spcPts val="0"/>
+              </a:spcBef>
+              <a:spcAft>
+                <a:spcPts val="0"/>
+              </a:spcAft>
+              <a:buSzPts val="1400"/>
+              <a:buChar char="○"/>
+            </a:pPr>
+            <a:r>
+              <a:rPr lang="en"/>
+              <a:t>Sprint release</a:t>
+            </a:r>
+            <a:endParaRPr/>
+          </a:p>
+          <a:p>
+            <a:pPr indent="-317500" lvl="1" marL="914400" rtl="0" algn="l">
+              <a:spcBef>
+                <a:spcPts val="0"/>
+              </a:spcBef>
+              <a:spcAft>
+                <a:spcPts val="0"/>
+              </a:spcAft>
+              <a:buSzPts val="1400"/>
+              <a:buChar char="○"/>
+            </a:pPr>
+            <a:r>
+              <a:rPr lang="en"/>
+              <a:t>Sprint retrospective</a:t>
+            </a:r>
+            <a:endParaRPr/>
+          </a:p>
+          <a:p>
+            <a:pPr indent="-317500" lvl="1" marL="914400" rtl="0" algn="l">
+              <a:spcBef>
+                <a:spcPts val="0"/>
+              </a:spcBef>
+              <a:spcAft>
+                <a:spcPts val="0"/>
+              </a:spcAft>
+              <a:buSzPts val="1400"/>
+              <a:buChar char="○"/>
+            </a:pPr>
+            <a:r>
+              <a:rPr lang="en"/>
+              <a:t>Sprint planning</a:t>
+            </a:r>
+            <a:endParaRPr/>
+          </a:p>
+          <a:p>
+            <a:pPr indent="-342900" lvl="0" marL="457200" rtl="0" algn="l">
+              <a:spcBef>
+                <a:spcPts val="1000"/>
+              </a:spcBef>
+              <a:spcAft>
+                <a:spcPts val="0"/>
+              </a:spcAft>
+              <a:buSzPts val="1800"/>
+              <a:buAutoNum type="arabicPeriod"/>
+            </a:pPr>
+            <a:r>
+              <a:rPr lang="en"/>
+              <a:t>Bill of materials</a:t>
+            </a:r>
+            <a:endParaRPr/>
+          </a:p>
+          <a:p>
+            <a:pPr indent="-342900" lvl="0" marL="457200" rtl="0" algn="l">
+              <a:spcBef>
+                <a:spcPts val="0"/>
+              </a:spcBef>
+              <a:spcAft>
+                <a:spcPts val="0"/>
+              </a:spcAft>
+              <a:buSzPts val="1800"/>
+              <a:buAutoNum type="arabicPeriod"/>
+            </a:pPr>
+            <a:r>
+              <a:rPr lang="en"/>
+              <a:t>Software architecture</a:t>
             </a:r>
             <a:endParaRPr/>
           </a:p>
@@ -14374,7 +15433,7 @@
       </p:sp>
       <p:sp>
         <p:nvSpPr>
-          <p:cNvPr id="232" name="Google Shape;232;p35"/>
+          <p:cNvPr id="53" name="Google Shape;53;p10"/>
           <p:cNvSpPr txBox="1"/>
           <p:nvPr>
             <p:ph idx="12" type="sldNum"/>
@@ -14445,12 +15504,12 @@
 </p:sld>
 </file>
 
-<file path=ppt/slides/slide29.xml><?xml version="1.0" encoding="utf-8"?>
+<file path=ppt/slides/slide30.xml><?xml version="1.0" encoding="utf-8"?>
 <p:sld xmlns:a="http://schemas.openxmlformats.org/drawingml/2006/main" xmlns:r="http://schemas.openxmlformats.org/officeDocument/2006/relationships" xmlns:mc="http://schemas.openxmlformats.org/markup-compatibility/2006" xmlns:mv="urn:schemas-microsoft-com:mac:vml" xmlns:p="http://schemas.openxmlformats.org/presentationml/2006/main" xmlns:c="http://schemas.openxmlformats.org/drawingml/2006/chart" xmlns:dgm="http://schemas.openxmlformats.org/drawingml/2006/diagram" xmlns:o="urn:schemas-microsoft-com:office:office" xmlns:v="urn:schemas-microsoft-com:vml" xmlns:pvml="urn:schemas-microsoft-com:office:powerpoint" xmlns:com="http://schemas.openxmlformats.org/drawingml/2006/compatibility" xmlns:p14="http://schemas.microsoft.com/office/powerpoint/2010/main" xmlns:p15="http://schemas.microsoft.com/office/powerpoint/2012/main" xmlns:ahyp="http://schemas.microsoft.com/office/drawing/2018/hyperlinkcolor">
   <p:cSld>
     <p:spTree>
       <p:nvGrpSpPr>
-        <p:cNvPr id="236" name="Shape 236"/>
+        <p:cNvPr id="257" name="Shape 257"/>
         <p:cNvGrpSpPr/>
         <p:nvPr/>
       </p:nvGrpSpPr>
@@ -14464,7 +15523,7 @@
       </p:grpSpPr>
       <p:sp>
         <p:nvSpPr>
-          <p:cNvPr id="237" name="Google Shape;237;p36"/>
+          <p:cNvPr id="258" name="Google Shape;258;p37"/>
           <p:cNvSpPr txBox="1"/>
           <p:nvPr>
             <p:ph type="title"/>
@@ -14480,7 +15539,7 @@
           </a:prstGeom>
         </p:spPr>
         <p:txBody>
-          <a:bodyPr anchorCtr="0" anchor="ctr" bIns="0" lIns="274300" spcFirstLastPara="1" rIns="0" wrap="square" tIns="0">
+          <a:bodyPr anchorCtr="0" anchor="ctr" bIns="91425" lIns="274300" spcFirstLastPara="1" rIns="91425" wrap="square" tIns="91425">
             <a:noAutofit/>
           </a:bodyPr>
           <a:lstStyle/>
@@ -14496,7 +15555,7 @@
             </a:pPr>
             <a:r>
               <a:rPr lang="en"/>
-              <a:t>An Efficient Team Meeting Takes 90 Min. (or Less)</a:t>
+              <a:t>6c. Meeting After-work</a:t>
             </a:r>
             <a:endParaRPr/>
           </a:p>
@@ -14504,7 +15563,81 @@
       </p:sp>
       <p:sp>
         <p:nvSpPr>
-          <p:cNvPr id="238" name="Google Shape;238;p36"/>
+          <p:cNvPr id="259" name="Google Shape;259;p37"/>
+          <p:cNvSpPr txBox="1"/>
+          <p:nvPr>
+            <p:ph idx="1" type="body"/>
+          </p:nvPr>
+        </p:nvSpPr>
+        <p:spPr>
+          <a:xfrm>
+            <a:off x="274320" y="914400"/>
+            <a:ext cx="8595300" cy="4114800"/>
+          </a:xfrm>
+          <a:prstGeom prst="rect">
+            <a:avLst/>
+          </a:prstGeom>
+        </p:spPr>
+        <p:txBody>
+          <a:bodyPr anchorCtr="0" anchor="t" bIns="0" lIns="0" spcFirstLastPara="1" rIns="0" wrap="square" tIns="0">
+            <a:noAutofit/>
+          </a:bodyPr>
+          <a:lstStyle/>
+          <a:p>
+            <a:pPr indent="0" lvl="0" marL="0" rtl="0" algn="l">
+              <a:spcBef>
+                <a:spcPts val="0"/>
+              </a:spcBef>
+              <a:spcAft>
+                <a:spcPts val="0"/>
+              </a:spcAft>
+              <a:buNone/>
+            </a:pPr>
+            <a:r>
+              <a:rPr b="1" lang="en"/>
+              <a:t>Scrum Master</a:t>
+            </a:r>
+            <a:endParaRPr b="1"/>
+          </a:p>
+          <a:p>
+            <a:pPr indent="-342900" lvl="0" marL="457200" rtl="0" algn="l">
+              <a:spcBef>
+                <a:spcPts val="1200"/>
+              </a:spcBef>
+              <a:spcAft>
+                <a:spcPts val="0"/>
+              </a:spcAft>
+              <a:buSzPts val="1800"/>
+              <a:buChar char="●"/>
+            </a:pPr>
+            <a:r>
+              <a:rPr lang="en"/>
+              <a:t>Works on impediments and improvements during sprint</a:t>
+            </a:r>
+            <a:endParaRPr/>
+          </a:p>
+          <a:p>
+            <a:pPr indent="-342900" lvl="0" marL="457200" rtl="0" algn="l">
+              <a:spcBef>
+                <a:spcPts val="0"/>
+              </a:spcBef>
+              <a:spcAft>
+                <a:spcPts val="0"/>
+              </a:spcAft>
+              <a:buSzPts val="1800"/>
+              <a:buChar char="●"/>
+            </a:pPr>
+            <a:r>
+              <a:rPr lang="en"/>
+              <a:t>Documents resolutions in imp-squared backlog</a:t>
+            </a:r>
+            <a:endParaRPr/>
+          </a:p>
+        </p:txBody>
+      </p:sp>
+      <p:sp>
+        <p:nvSpPr>
+          <p:cNvPr id="260" name="Google Shape;260;p37"/>
           <p:cNvSpPr txBox="1"/>
           <p:nvPr>
             <p:ph idx="12" type="sldNum"/>
@@ -14567,9 +15700,167 @@
           </a:p>
         </p:txBody>
       </p:sp>
+      <p:pic>
+        <p:nvPicPr>
+          <p:cNvPr id="261" name="Google Shape;261;p37"/>
+          <p:cNvPicPr preferRelativeResize="0"/>
+          <p:nvPr/>
+        </p:nvPicPr>
+        <p:blipFill>
+          <a:blip r:embed="rId4">
+            <a:alphaModFix/>
+          </a:blip>
+          <a:stretch>
+            <a:fillRect/>
+          </a:stretch>
+        </p:blipFill>
+        <p:spPr>
+          <a:xfrm>
+            <a:off x="7040838" y="914388"/>
+            <a:ext cx="1828800" cy="1828800"/>
+          </a:xfrm>
+          <a:prstGeom prst="rect">
+            <a:avLst/>
+          </a:prstGeom>
+          <a:noFill/>
+          <a:ln>
+            <a:noFill/>
+          </a:ln>
+        </p:spPr>
+      </p:pic>
+    </p:spTree>
+  </p:cSld>
+  <p:clrMapOvr>
+    <a:masterClrMapping/>
+  </p:clrMapOvr>
+</p:sld>
+</file>
+
+<file path=ppt/slides/slide31.xml><?xml version="1.0" encoding="utf-8"?>
+<p:sld xmlns:a="http://schemas.openxmlformats.org/drawingml/2006/main" xmlns:r="http://schemas.openxmlformats.org/officeDocument/2006/relationships" xmlns:mc="http://schemas.openxmlformats.org/markup-compatibility/2006" xmlns:mv="urn:schemas-microsoft-com:mac:vml" xmlns:p="http://schemas.openxmlformats.org/presentationml/2006/main" xmlns:c="http://schemas.openxmlformats.org/drawingml/2006/chart" xmlns:dgm="http://schemas.openxmlformats.org/drawingml/2006/diagram" xmlns:o="urn:schemas-microsoft-com:office:office" xmlns:v="urn:schemas-microsoft-com:vml" xmlns:pvml="urn:schemas-microsoft-com:office:powerpoint" xmlns:com="http://schemas.openxmlformats.org/drawingml/2006/compatibility" xmlns:p14="http://schemas.microsoft.com/office/powerpoint/2010/main" xmlns:p15="http://schemas.microsoft.com/office/powerpoint/2012/main" xmlns:ahyp="http://schemas.microsoft.com/office/drawing/2018/hyperlinkcolor">
+  <p:cSld>
+    <p:spTree>
+      <p:nvGrpSpPr>
+        <p:cNvPr id="265" name="Shape 265"/>
+        <p:cNvGrpSpPr/>
+        <p:nvPr/>
+      </p:nvGrpSpPr>
+      <p:grpSpPr>
+        <a:xfrm>
+          <a:off x="0" y="0"/>
+          <a:ext cx="0" cy="0"/>
+          <a:chOff x="0" y="0"/>
+          <a:chExt cx="0" cy="0"/>
+        </a:xfrm>
+      </p:grpSpPr>
+      <p:sp>
+        <p:nvSpPr>
+          <p:cNvPr id="266" name="Google Shape;266;p38"/>
+          <p:cNvSpPr txBox="1"/>
+          <p:nvPr>
+            <p:ph type="title"/>
+          </p:nvPr>
+        </p:nvSpPr>
+        <p:spPr>
+          <a:xfrm>
+            <a:off x="0" y="0"/>
+            <a:ext cx="9144000" cy="685800"/>
+          </a:xfrm>
+          <a:prstGeom prst="rect">
+            <a:avLst/>
+          </a:prstGeom>
+        </p:spPr>
+        <p:txBody>
+          <a:bodyPr anchorCtr="0" anchor="ctr" bIns="0" lIns="274300" spcFirstLastPara="1" rIns="0" wrap="square" tIns="0">
+            <a:noAutofit/>
+          </a:bodyPr>
+          <a:lstStyle/>
+          <a:p>
+            <a:pPr indent="0" lvl="0" marL="0" rtl="0" algn="l">
+              <a:spcBef>
+                <a:spcPts val="0"/>
+              </a:spcBef>
+              <a:spcAft>
+                <a:spcPts val="0"/>
+              </a:spcAft>
+              <a:buNone/>
+            </a:pPr>
+            <a:r>
+              <a:rPr lang="en"/>
+              <a:t>An Efficient Team Meeting Takes 90 Min. (or Less)</a:t>
+            </a:r>
+            <a:endParaRPr/>
+          </a:p>
+        </p:txBody>
+      </p:sp>
+      <p:sp>
+        <p:nvSpPr>
+          <p:cNvPr id="267" name="Google Shape;267;p38"/>
+          <p:cNvSpPr txBox="1"/>
+          <p:nvPr>
+            <p:ph idx="12" type="sldNum"/>
+          </p:nvPr>
+        </p:nvSpPr>
+        <p:spPr>
+          <a:xfrm>
+            <a:off x="7315202" y="4229100"/>
+            <a:ext cx="1828800" cy="914400"/>
+          </a:xfrm>
+          <a:prstGeom prst="rect">
+            <a:avLst/>
+          </a:prstGeom>
+        </p:spPr>
+        <p:txBody>
+          <a:bodyPr anchorCtr="0" anchor="b" bIns="91425" lIns="91425" spcFirstLastPara="1" rIns="91425" wrap="square" tIns="91425">
+            <a:noAutofit/>
+          </a:bodyPr>
+          <a:lstStyle/>
+          <a:p>
+            <a:pPr indent="0" lvl="0" marL="0" rtl="0" algn="r">
+              <a:spcBef>
+                <a:spcPts val="0"/>
+              </a:spcBef>
+              <a:spcAft>
+                <a:spcPts val="0"/>
+              </a:spcAft>
+              <a:buNone/>
+            </a:pPr>
+            <a:fld id="{00000000-1234-1234-1234-123412341234}" type="slidenum">
+              <a:rPr lang="en"/>
+              <a:t>‹#›</a:t>
+            </a:fld>
+            <a:endParaRPr/>
+          </a:p>
+          <a:p>
+            <a:pPr indent="0" lvl="0" marL="0" rtl="0" algn="r">
+              <a:spcBef>
+                <a:spcPts val="0"/>
+              </a:spcBef>
+              <a:spcAft>
+                <a:spcPts val="0"/>
+              </a:spcAft>
+              <a:buNone/>
+            </a:pPr>
+            <a:r>
+              <a:rPr b="0" lang="en" sz="1000" u="sng">
+                <a:solidFill>
+                  <a:schemeClr val="hlink"/>
+                </a:solidFill>
+                <a:hlinkClick r:id="rId3"/>
+              </a:rPr>
+              <a:t>uni1.de/amos</a:t>
+            </a:r>
+            <a:r>
+              <a:rPr b="0" lang="en" sz="1000"/>
+              <a:t> </a:t>
+            </a:r>
+            <a:endParaRPr b="0" sz="1000"/>
+          </a:p>
+        </p:txBody>
+      </p:sp>
       <p:graphicFrame>
         <p:nvGraphicFramePr>
-          <p:cNvPr id="239" name="Google Shape;239;p36"/>
+          <p:cNvPr id="268" name="Google Shape;268;p38"/>
           <p:cNvGraphicFramePr/>
           <p:nvPr/>
         </p:nvGraphicFramePr>
@@ -14582,7 +15873,7 @@
             <a:tbl>
               <a:tblPr>
                 <a:noFill/>
-                <a:tableStyleId>{E6B8B31A-AD35-45E7-8925-507B150AF63E}</a:tableStyleId>
+                <a:tableStyleId>{DD953C43-BBE4-4531-9FEE-CD8433129448}</a:tableStyleId>
               </a:tblPr>
               <a:tblGrid>
                 <a:gridCol w="638675"/>
@@ -15953,12 +17244,12 @@
 </p:sld>
 </file>
 
-<file path=ppt/slides/slide3.xml><?xml version="1.0" encoding="utf-8"?>
+<file path=ppt/slides/slide32.xml><?xml version="1.0" encoding="utf-8"?>
 <p:sld xmlns:a="http://schemas.openxmlformats.org/drawingml/2006/main" xmlns:r="http://schemas.openxmlformats.org/officeDocument/2006/relationships" xmlns:mc="http://schemas.openxmlformats.org/markup-compatibility/2006" xmlns:mv="urn:schemas-microsoft-com:mac:vml" xmlns:p="http://schemas.openxmlformats.org/presentationml/2006/main" xmlns:c="http://schemas.openxmlformats.org/drawingml/2006/chart" xmlns:dgm="http://schemas.openxmlformats.org/drawingml/2006/diagram" xmlns:o="urn:schemas-microsoft-com:office:office" xmlns:v="urn:schemas-microsoft-com:vml" xmlns:pvml="urn:schemas-microsoft-com:office:powerpoint" xmlns:com="http://schemas.openxmlformats.org/drawingml/2006/compatibility" xmlns:p14="http://schemas.microsoft.com/office/powerpoint/2010/main" xmlns:p15="http://schemas.microsoft.com/office/powerpoint/2012/main" xmlns:ahyp="http://schemas.microsoft.com/office/drawing/2018/hyperlinkcolor">
   <p:cSld>
     <p:spTree>
       <p:nvGrpSpPr>
-        <p:cNvPr id="50" name="Shape 50"/>
+        <p:cNvPr id="272" name="Shape 272"/>
         <p:cNvGrpSpPr/>
         <p:nvPr/>
       </p:nvGrpSpPr>
@@ -15972,7 +17263,7 @@
       </p:grpSpPr>
       <p:sp>
         <p:nvSpPr>
-          <p:cNvPr id="51" name="Google Shape;51;p10"/>
+          <p:cNvPr id="273" name="Google Shape;273;p39"/>
           <p:cNvSpPr txBox="1"/>
           <p:nvPr>
             <p:ph type="title"/>
@@ -15980,275 +17271,37 @@
         </p:nvSpPr>
         <p:spPr>
           <a:xfrm>
-            <a:off x="0" y="0"/>
-            <a:ext cx="9144000" cy="685800"/>
+            <a:off x="0" y="-7"/>
+            <a:ext cx="9144000" cy="2386500"/>
           </a:xfrm>
           <a:prstGeom prst="rect">
             <a:avLst/>
           </a:prstGeom>
         </p:spPr>
         <p:txBody>
-          <a:bodyPr anchorCtr="0" anchor="ctr" bIns="91425" lIns="274300" spcFirstLastPara="1" rIns="91425" wrap="square" tIns="91425">
+          <a:bodyPr anchorCtr="0" anchor="b" bIns="274300" lIns="91425" spcFirstLastPara="1" rIns="91425" wrap="square" tIns="91425">
             <a:noAutofit/>
           </a:bodyPr>
           <a:lstStyle/>
           <a:p>
-            <a:pPr indent="0" lvl="0" marL="0" rtl="0" algn="l">
-              <a:spcBef>
-                <a:spcPts val="0"/>
-              </a:spcBef>
-              <a:spcAft>
-                <a:spcPts val="0"/>
-              </a:spcAft>
-              <a:buNone/>
-            </a:pPr>
-            <a:r>
-              <a:rPr lang="en"/>
-              <a:t>Agenda</a:t>
-            </a:r>
-            <a:endParaRPr/>
-          </a:p>
-        </p:txBody>
-      </p:sp>
-      <p:sp>
-        <p:nvSpPr>
-          <p:cNvPr id="52" name="Google Shape;52;p10"/>
-          <p:cNvSpPr txBox="1"/>
-          <p:nvPr>
-            <p:ph idx="1" type="body"/>
-          </p:nvPr>
-        </p:nvSpPr>
-        <p:spPr>
-          <a:xfrm>
-            <a:off x="274320" y="914400"/>
-            <a:ext cx="8595300" cy="4114800"/>
-          </a:xfrm>
-          <a:prstGeom prst="rect">
-            <a:avLst/>
-          </a:prstGeom>
-        </p:spPr>
-        <p:txBody>
-          <a:bodyPr anchorCtr="0" anchor="t" bIns="0" lIns="0" spcFirstLastPara="1" rIns="0" wrap="square" tIns="0">
-            <a:noAutofit/>
-          </a:bodyPr>
-          <a:lstStyle/>
-          <a:p>
-            <a:pPr indent="-342900" lvl="0" marL="457200" rtl="0" algn="l">
-              <a:spcBef>
-                <a:spcPts val="0"/>
-              </a:spcBef>
-              <a:spcAft>
-                <a:spcPts val="0"/>
-              </a:spcAft>
-              <a:buSzPts val="1800"/>
-              <a:buAutoNum type="arabicPeriod"/>
-            </a:pPr>
-            <a:r>
-              <a:rPr lang="en"/>
-              <a:t>The AMOS process</a:t>
-            </a:r>
-            <a:endParaRPr/>
-          </a:p>
-          <a:p>
-            <a:pPr indent="-342900" lvl="0" marL="457200" rtl="0" algn="l">
-              <a:spcBef>
-                <a:spcPts val="0"/>
-              </a:spcBef>
-              <a:spcAft>
-                <a:spcPts val="0"/>
-              </a:spcAft>
-              <a:buSzPts val="1800"/>
-              <a:buAutoNum type="arabicPeriod"/>
-            </a:pPr>
-            <a:r>
-              <a:rPr lang="en"/>
-              <a:t>The team meeting</a:t>
-            </a:r>
-            <a:endParaRPr/>
-          </a:p>
-          <a:p>
-            <a:pPr indent="-317500" lvl="1" marL="914400" rtl="0" algn="l">
-              <a:spcBef>
-                <a:spcPts val="0"/>
-              </a:spcBef>
-              <a:spcAft>
-                <a:spcPts val="0"/>
-              </a:spcAft>
-              <a:buSzPts val="1400"/>
-              <a:buChar char="○"/>
-            </a:pPr>
-            <a:r>
-              <a:rPr lang="en"/>
-              <a:t>Meeting preparation</a:t>
-            </a:r>
-            <a:endParaRPr/>
-          </a:p>
-          <a:p>
-            <a:pPr indent="-317500" lvl="1" marL="914400" rtl="0" algn="l">
-              <a:spcBef>
-                <a:spcPts val="0"/>
-              </a:spcBef>
-              <a:spcAft>
-                <a:spcPts val="0"/>
-              </a:spcAft>
-              <a:buSzPts val="1400"/>
-              <a:buChar char="○"/>
-            </a:pPr>
-            <a:r>
-              <a:rPr lang="en"/>
-              <a:t>Sprint review</a:t>
-            </a:r>
-            <a:endParaRPr/>
-          </a:p>
-          <a:p>
-            <a:pPr indent="-317500" lvl="1" marL="914400" rtl="0" algn="l">
-              <a:spcBef>
-                <a:spcPts val="0"/>
-              </a:spcBef>
-              <a:spcAft>
-                <a:spcPts val="0"/>
-              </a:spcAft>
-              <a:buSzPts val="1400"/>
-              <a:buChar char="○"/>
-            </a:pPr>
-            <a:r>
-              <a:rPr lang="en"/>
-              <a:t>Sprint release</a:t>
-            </a:r>
-            <a:endParaRPr/>
-          </a:p>
-          <a:p>
-            <a:pPr indent="-317500" lvl="1" marL="914400" rtl="0" algn="l">
-              <a:spcBef>
-                <a:spcPts val="0"/>
-              </a:spcBef>
-              <a:spcAft>
-                <a:spcPts val="0"/>
-              </a:spcAft>
-              <a:buSzPts val="1400"/>
-              <a:buChar char="○"/>
-            </a:pPr>
-            <a:r>
-              <a:rPr lang="en"/>
-              <a:t>Sprint retrospective</a:t>
-            </a:r>
-            <a:endParaRPr/>
-          </a:p>
-          <a:p>
-            <a:pPr indent="-317500" lvl="1" marL="914400" rtl="0" algn="l">
-              <a:spcBef>
-                <a:spcPts val="0"/>
-              </a:spcBef>
-              <a:spcAft>
-                <a:spcPts val="0"/>
-              </a:spcAft>
-              <a:buSzPts val="1400"/>
-              <a:buChar char="○"/>
-            </a:pPr>
-            <a:r>
-              <a:rPr lang="en"/>
-              <a:t>Sprint planning</a:t>
-            </a:r>
-            <a:endParaRPr/>
-          </a:p>
-          <a:p>
-            <a:pPr indent="-342900" lvl="0" marL="457200" rtl="0" algn="l">
-              <a:spcBef>
-                <a:spcPts val="1000"/>
-              </a:spcBef>
-              <a:spcAft>
-                <a:spcPts val="0"/>
-              </a:spcAft>
-              <a:buSzPts val="1800"/>
-              <a:buAutoNum type="arabicPeriod"/>
-            </a:pPr>
-            <a:r>
-              <a:rPr lang="en"/>
-              <a:t>Bill of materials</a:t>
-            </a:r>
-            <a:endParaRPr/>
-          </a:p>
-          <a:p>
-            <a:pPr indent="-342900" lvl="0" marL="457200" rtl="0" algn="l">
-              <a:spcBef>
-                <a:spcPts val="0"/>
-              </a:spcBef>
-              <a:spcAft>
-                <a:spcPts val="0"/>
-              </a:spcAft>
-              <a:buSzPts val="1800"/>
-              <a:buAutoNum type="arabicPeriod"/>
-            </a:pPr>
-            <a:r>
-              <a:rPr lang="en"/>
-              <a:t>Software architecture</a:t>
-            </a:r>
-            <a:endParaRPr/>
-          </a:p>
-        </p:txBody>
-      </p:sp>
-      <p:sp>
-        <p:nvSpPr>
-          <p:cNvPr id="53" name="Google Shape;53;p10"/>
-          <p:cNvSpPr txBox="1"/>
-          <p:nvPr>
-            <p:ph idx="12" type="sldNum"/>
-          </p:nvPr>
-        </p:nvSpPr>
-        <p:spPr>
-          <a:xfrm>
-            <a:off x="7315202" y="4229100"/>
-            <a:ext cx="1828800" cy="914400"/>
-          </a:xfrm>
-          <a:prstGeom prst="rect">
-            <a:avLst/>
-          </a:prstGeom>
-        </p:spPr>
-        <p:txBody>
-          <a:bodyPr anchorCtr="0" anchor="b" bIns="91425" lIns="91425" spcFirstLastPara="1" rIns="91425" wrap="square" tIns="91425">
-            <a:noAutofit/>
-          </a:bodyPr>
-          <a:lstStyle/>
-          <a:p>
-            <a:pPr indent="0" lvl="0" marL="0" rtl="0" algn="r">
-              <a:spcBef>
-                <a:spcPts val="0"/>
-              </a:spcBef>
-              <a:spcAft>
-                <a:spcPts val="0"/>
-              </a:spcAft>
-              <a:buNone/>
-            </a:pPr>
-            <a:fld id="{00000000-1234-1234-1234-123412341234}" type="slidenum">
-              <a:rPr lang="en"/>
-              <a:t>‹#›</a:t>
-            </a:fld>
-            <a:endParaRPr/>
-          </a:p>
-          <a:p>
-            <a:pPr indent="0" lvl="0" marL="0" rtl="0" algn="r">
-              <a:spcBef>
-                <a:spcPts val="0"/>
-              </a:spcBef>
-              <a:spcAft>
-                <a:spcPts val="0"/>
-              </a:spcAft>
-              <a:buNone/>
-            </a:pPr>
-            <a:r>
-              <a:rPr b="0" lang="en" sz="1000" u="sng">
-                <a:solidFill>
-                  <a:schemeClr val="hlink"/>
-                </a:solidFill>
-                <a:hlinkClick r:id="rId3"/>
-              </a:rPr>
-              <a:t>uni1.de/amos</a:t>
-            </a:r>
-            <a:r>
-              <a:rPr b="0" lang="en" sz="1000"/>
-              <a:t> </a:t>
-            </a:r>
-            <a:endParaRPr b="0" sz="1000"/>
+            <a:pPr indent="0" lvl="0" marL="0" rtl="0" algn="ctr">
+              <a:spcBef>
+                <a:spcPts val="0"/>
+              </a:spcBef>
+              <a:spcAft>
+                <a:spcPts val="0"/>
+              </a:spcAft>
+              <a:buNone/>
+            </a:pPr>
+            <a:r>
+              <a:rPr lang="en"/>
+              <a:t>3</a:t>
+            </a:r>
+            <a:r>
+              <a:rPr lang="en"/>
+              <a:t>. Bill of Materials</a:t>
+            </a:r>
+            <a:endParaRPr/>
           </a:p>
         </p:txBody>
       </p:sp>
@@ -16260,12 +17313,12 @@
 </p:sld>
 </file>
 
-<file path=ppt/slides/slide30.xml><?xml version="1.0" encoding="utf-8"?>
+<file path=ppt/slides/slide33.xml><?xml version="1.0" encoding="utf-8"?>
 <p:sld xmlns:a="http://schemas.openxmlformats.org/drawingml/2006/main" xmlns:r="http://schemas.openxmlformats.org/officeDocument/2006/relationships" xmlns:mc="http://schemas.openxmlformats.org/markup-compatibility/2006" xmlns:mv="urn:schemas-microsoft-com:mac:vml" xmlns:p="http://schemas.openxmlformats.org/presentationml/2006/main" xmlns:c="http://schemas.openxmlformats.org/drawingml/2006/chart" xmlns:dgm="http://schemas.openxmlformats.org/drawingml/2006/diagram" xmlns:o="urn:schemas-microsoft-com:office:office" xmlns:v="urn:schemas-microsoft-com:vml" xmlns:pvml="urn:schemas-microsoft-com:office:powerpoint" xmlns:com="http://schemas.openxmlformats.org/drawingml/2006/compatibility" xmlns:p14="http://schemas.microsoft.com/office/powerpoint/2010/main" xmlns:p15="http://schemas.microsoft.com/office/powerpoint/2012/main" xmlns:ahyp="http://schemas.microsoft.com/office/drawing/2018/hyperlinkcolor">
   <p:cSld>
     <p:spTree>
       <p:nvGrpSpPr>
-        <p:cNvPr id="243" name="Shape 243"/>
+        <p:cNvPr id="277" name="Shape 277"/>
         <p:cNvGrpSpPr/>
         <p:nvPr/>
       </p:nvGrpSpPr>
@@ -16279,7 +17332,7 @@
       </p:grpSpPr>
       <p:sp>
         <p:nvSpPr>
-          <p:cNvPr id="244" name="Google Shape;244;p37"/>
+          <p:cNvPr id="278" name="Google Shape;278;p40"/>
           <p:cNvSpPr txBox="1"/>
           <p:nvPr>
             <p:ph type="title"/>
@@ -16287,35 +17340,284 @@
         </p:nvSpPr>
         <p:spPr>
           <a:xfrm>
-            <a:off x="0" y="-7"/>
-            <a:ext cx="9144000" cy="2386500"/>
+            <a:off x="0" y="0"/>
+            <a:ext cx="9144000" cy="685800"/>
           </a:xfrm>
           <a:prstGeom prst="rect">
             <a:avLst/>
           </a:prstGeom>
         </p:spPr>
         <p:txBody>
-          <a:bodyPr anchorCtr="0" anchor="b" bIns="274300" lIns="91425" spcFirstLastPara="1" rIns="91425" wrap="square" tIns="91425">
+          <a:bodyPr anchorCtr="0" anchor="ctr" bIns="91425" lIns="274300" spcFirstLastPara="1" rIns="91425" wrap="square" tIns="91425">
             <a:noAutofit/>
           </a:bodyPr>
           <a:lstStyle/>
           <a:p>
-            <a:pPr indent="0" lvl="0" marL="0" rtl="0" algn="ctr">
-              <a:spcBef>
-                <a:spcPts val="0"/>
-              </a:spcBef>
-              <a:spcAft>
-                <a:spcPts val="0"/>
-              </a:spcAft>
-              <a:buNone/>
-            </a:pPr>
-            <a:r>
-              <a:rPr lang="en"/>
-              <a:t>3</a:t>
-            </a:r>
-            <a:r>
-              <a:rPr lang="en"/>
-              <a:t>. Bill of Materials</a:t>
+            <a:pPr indent="0" lvl="0" marL="0" rtl="0" algn="l">
+              <a:spcBef>
+                <a:spcPts val="0"/>
+              </a:spcBef>
+              <a:spcAft>
+                <a:spcPts val="0"/>
+              </a:spcAft>
+              <a:buNone/>
+            </a:pPr>
+            <a:r>
+              <a:rPr lang="en"/>
+              <a:t>Bill of Materials [1]</a:t>
+            </a:r>
+            <a:endParaRPr/>
+          </a:p>
+        </p:txBody>
+      </p:sp>
+      <p:sp>
+        <p:nvSpPr>
+          <p:cNvPr id="279" name="Google Shape;279;p40"/>
+          <p:cNvSpPr txBox="1"/>
+          <p:nvPr>
+            <p:ph idx="1" type="body"/>
+          </p:nvPr>
+        </p:nvSpPr>
+        <p:spPr>
+          <a:xfrm>
+            <a:off x="274320" y="914400"/>
+            <a:ext cx="8595300" cy="4114800"/>
+          </a:xfrm>
+          <a:prstGeom prst="rect">
+            <a:avLst/>
+          </a:prstGeom>
+        </p:spPr>
+        <p:txBody>
+          <a:bodyPr anchorCtr="0" anchor="t" bIns="0" lIns="0" spcFirstLastPara="1" rIns="0" wrap="square" tIns="0">
+            <a:noAutofit/>
+          </a:bodyPr>
+          <a:lstStyle/>
+          <a:p>
+            <a:pPr indent="0" lvl="0" marL="0" rtl="0" algn="l">
+              <a:spcBef>
+                <a:spcPts val="0"/>
+              </a:spcBef>
+              <a:spcAft>
+                <a:spcPts val="0"/>
+              </a:spcAft>
+              <a:buNone/>
+            </a:pPr>
+            <a:r>
+              <a:rPr lang="en"/>
+              <a:t>A </a:t>
+            </a:r>
+            <a:r>
+              <a:rPr b="1" lang="en"/>
+              <a:t>bill of materials</a:t>
+            </a:r>
+            <a:r>
+              <a:rPr lang="en"/>
+              <a:t> (of some artifact) is</a:t>
+            </a:r>
+            <a:endParaRPr/>
+          </a:p>
+          <a:p>
+            <a:pPr indent="-342900" lvl="0" marL="457200" rtl="0" algn="l">
+              <a:spcBef>
+                <a:spcPts val="1200"/>
+              </a:spcBef>
+              <a:spcAft>
+                <a:spcPts val="0"/>
+              </a:spcAft>
+              <a:buSzPts val="1800"/>
+              <a:buChar char="●"/>
+            </a:pPr>
+            <a:r>
+              <a:rPr lang="en"/>
+              <a:t>A linear list of materials (the parts) constituting the artifact (the whole)</a:t>
+            </a:r>
+            <a:endParaRPr/>
+          </a:p>
+          <a:p>
+            <a:pPr indent="0" lvl="0" marL="0" rtl="0" algn="l">
+              <a:spcBef>
+                <a:spcPts val="1200"/>
+              </a:spcBef>
+              <a:spcAft>
+                <a:spcPts val="0"/>
+              </a:spcAft>
+              <a:buNone/>
+            </a:pPr>
+            <a:r>
+              <a:rPr lang="en"/>
+              <a:t>A bill of materials can contain any kind of material</a:t>
+            </a:r>
+            <a:endParaRPr/>
+          </a:p>
+          <a:p>
+            <a:pPr indent="-342900" lvl="0" marL="457200" rtl="0" algn="l">
+              <a:spcBef>
+                <a:spcPts val="1200"/>
+              </a:spcBef>
+              <a:spcAft>
+                <a:spcPts val="0"/>
+              </a:spcAft>
+              <a:buSzPts val="1800"/>
+              <a:buChar char="●"/>
+            </a:pPr>
+            <a:r>
+              <a:rPr lang="en"/>
+              <a:t>Not just software</a:t>
+            </a:r>
+            <a:endParaRPr/>
+          </a:p>
+          <a:p>
+            <a:pPr indent="0" lvl="0" marL="0" rtl="0" algn="l">
+              <a:spcBef>
+                <a:spcPts val="1200"/>
+              </a:spcBef>
+              <a:spcAft>
+                <a:spcPts val="0"/>
+              </a:spcAft>
+              <a:buNone/>
+            </a:pPr>
+            <a:r>
+              <a:rPr lang="en"/>
+              <a:t>If purely software, the bill of materials is also called the</a:t>
+            </a:r>
+            <a:endParaRPr/>
+          </a:p>
+          <a:p>
+            <a:pPr indent="-342900" lvl="0" marL="457200" rtl="0" algn="l">
+              <a:spcBef>
+                <a:spcPts val="1200"/>
+              </a:spcBef>
+              <a:spcAft>
+                <a:spcPts val="0"/>
+              </a:spcAft>
+              <a:buSzPts val="1800"/>
+              <a:buChar char="●"/>
+            </a:pPr>
+            <a:r>
+              <a:rPr lang="en"/>
+              <a:t>Software bill of materials (SBOM)</a:t>
+            </a:r>
+            <a:endParaRPr/>
+          </a:p>
+          <a:p>
+            <a:pPr indent="0" lvl="0" marL="0" rtl="0" algn="l">
+              <a:spcBef>
+                <a:spcPts val="1200"/>
+              </a:spcBef>
+              <a:spcAft>
+                <a:spcPts val="1200"/>
+              </a:spcAft>
+              <a:buNone/>
+            </a:pPr>
+            <a:r>
+              <a:t/>
+            </a:r>
+            <a:endParaRPr/>
+          </a:p>
+        </p:txBody>
+      </p:sp>
+      <p:sp>
+        <p:nvSpPr>
+          <p:cNvPr id="280" name="Google Shape;280;p40"/>
+          <p:cNvSpPr txBox="1"/>
+          <p:nvPr>
+            <p:ph idx="12" type="sldNum"/>
+          </p:nvPr>
+        </p:nvSpPr>
+        <p:spPr>
+          <a:xfrm>
+            <a:off x="7315202" y="4229100"/>
+            <a:ext cx="1828800" cy="914400"/>
+          </a:xfrm>
+          <a:prstGeom prst="rect">
+            <a:avLst/>
+          </a:prstGeom>
+        </p:spPr>
+        <p:txBody>
+          <a:bodyPr anchorCtr="0" anchor="b" bIns="91425" lIns="91425" spcFirstLastPara="1" rIns="91425" wrap="square" tIns="91425">
+            <a:noAutofit/>
+          </a:bodyPr>
+          <a:lstStyle/>
+          <a:p>
+            <a:pPr indent="0" lvl="0" marL="0" rtl="0" algn="r">
+              <a:spcBef>
+                <a:spcPts val="0"/>
+              </a:spcBef>
+              <a:spcAft>
+                <a:spcPts val="0"/>
+              </a:spcAft>
+              <a:buNone/>
+            </a:pPr>
+            <a:fld id="{00000000-1234-1234-1234-123412341234}" type="slidenum">
+              <a:rPr lang="en"/>
+              <a:t>‹#›</a:t>
+            </a:fld>
+            <a:endParaRPr/>
+          </a:p>
+          <a:p>
+            <a:pPr indent="0" lvl="0" marL="0" rtl="0" algn="r">
+              <a:spcBef>
+                <a:spcPts val="0"/>
+              </a:spcBef>
+              <a:spcAft>
+                <a:spcPts val="0"/>
+              </a:spcAft>
+              <a:buNone/>
+            </a:pPr>
+            <a:r>
+              <a:rPr b="0" lang="en" sz="1000" u="sng">
+                <a:solidFill>
+                  <a:schemeClr val="hlink"/>
+                </a:solidFill>
+                <a:hlinkClick r:id="rId3"/>
+              </a:rPr>
+              <a:t>uni1.de/amos</a:t>
+            </a:r>
+            <a:r>
+              <a:rPr b="0" lang="en" sz="1000"/>
+              <a:t> </a:t>
+            </a:r>
+            <a:endParaRPr b="0" sz="1000"/>
+          </a:p>
+        </p:txBody>
+      </p:sp>
+      <p:sp>
+        <p:nvSpPr>
+          <p:cNvPr id="281" name="Google Shape;281;p40"/>
+          <p:cNvSpPr txBox="1"/>
+          <p:nvPr/>
+        </p:nvSpPr>
+        <p:spPr>
+          <a:xfrm>
+            <a:off x="0" y="4233672"/>
+            <a:ext cx="7315200" cy="914400"/>
+          </a:xfrm>
+          <a:prstGeom prst="rect">
+            <a:avLst/>
+          </a:prstGeom>
+          <a:noFill/>
+          <a:ln>
+            <a:noFill/>
+          </a:ln>
+        </p:spPr>
+        <p:txBody>
+          <a:bodyPr anchorCtr="0" anchor="b" bIns="91425" lIns="91425" spcFirstLastPara="1" rIns="91425" wrap="square" tIns="91425">
+            <a:noAutofit/>
+          </a:bodyPr>
+          <a:lstStyle/>
+          <a:p>
+            <a:pPr indent="0" lvl="0" marL="0" rtl="0" algn="l">
+              <a:spcBef>
+                <a:spcPts val="0"/>
+              </a:spcBef>
+              <a:spcAft>
+                <a:spcPts val="0"/>
+              </a:spcAft>
+              <a:buNone/>
+            </a:pPr>
+            <a:r>
+              <a:rPr lang="en"/>
+              <a:t>[1] German: Stückliste</a:t>
             </a:r>
             <a:endParaRPr/>
           </a:p>
@@ -16329,12 +17631,12 @@
 </p:sld>
 </file>
 
-<file path=ppt/slides/slide31.xml><?xml version="1.0" encoding="utf-8"?>
+<file path=ppt/slides/slide34.xml><?xml version="1.0" encoding="utf-8"?>
 <p:sld xmlns:a="http://schemas.openxmlformats.org/drawingml/2006/main" xmlns:r="http://schemas.openxmlformats.org/officeDocument/2006/relationships" xmlns:mc="http://schemas.openxmlformats.org/markup-compatibility/2006" xmlns:mv="urn:schemas-microsoft-com:mac:vml" xmlns:p="http://schemas.openxmlformats.org/presentationml/2006/main" xmlns:c="http://schemas.openxmlformats.org/drawingml/2006/chart" xmlns:dgm="http://schemas.openxmlformats.org/drawingml/2006/diagram" xmlns:o="urn:schemas-microsoft-com:office:office" xmlns:v="urn:schemas-microsoft-com:vml" xmlns:pvml="urn:schemas-microsoft-com:office:powerpoint" xmlns:com="http://schemas.openxmlformats.org/drawingml/2006/compatibility" xmlns:p14="http://schemas.microsoft.com/office/powerpoint/2010/main" xmlns:p15="http://schemas.microsoft.com/office/powerpoint/2012/main" xmlns:ahyp="http://schemas.microsoft.com/office/drawing/2018/hyperlinkcolor">
   <p:cSld>
     <p:spTree>
       <p:nvGrpSpPr>
-        <p:cNvPr id="248" name="Shape 248"/>
+        <p:cNvPr id="285" name="Shape 285"/>
         <p:cNvGrpSpPr/>
         <p:nvPr/>
       </p:nvGrpSpPr>
@@ -16348,7 +17650,7 @@
       </p:grpSpPr>
       <p:sp>
         <p:nvSpPr>
-          <p:cNvPr id="249" name="Google Shape;249;p38"/>
+          <p:cNvPr id="286" name="Google Shape;286;p41"/>
           <p:cNvSpPr txBox="1"/>
           <p:nvPr>
             <p:ph type="title"/>
@@ -16380,7 +17682,7 @@
             </a:pPr>
             <a:r>
               <a:rPr lang="en"/>
-              <a:t>Bill of Materials [1]</a:t>
+              <a:t>Software Bill of Materials (SBOM)</a:t>
             </a:r>
             <a:endParaRPr/>
           </a:p>
@@ -16388,7 +17690,7 @@
       </p:sp>
       <p:sp>
         <p:nvSpPr>
-          <p:cNvPr id="250" name="Google Shape;250;p38"/>
+          <p:cNvPr id="287" name="Google Shape;287;p41"/>
           <p:cNvSpPr txBox="1"/>
           <p:nvPr>
             <p:ph idx="1" type="body"/>
@@ -16414,119 +17716,13 @@
                 <a:spcPts val="0"/>
               </a:spcBef>
               <a:spcAft>
-                <a:spcPts val="0"/>
-              </a:spcAft>
-              <a:buNone/>
-            </a:pPr>
-            <a:r>
-              <a:rPr lang="en"/>
-              <a:t>A </a:t>
-            </a:r>
-            <a:r>
-              <a:rPr b="1" lang="en"/>
-              <a:t>bill of materials</a:t>
-            </a:r>
-            <a:r>
-              <a:rPr lang="en"/>
-              <a:t> (of some artifact) is</a:t>
-            </a:r>
-            <a:endParaRPr/>
-          </a:p>
-          <a:p>
-            <a:pPr indent="-342900" lvl="0" marL="457200" rtl="0" algn="l">
-              <a:spcBef>
                 <a:spcPts val="1200"/>
-              </a:spcBef>
-              <a:spcAft>
-                <a:spcPts val="0"/>
-              </a:spcAft>
-              <a:buSzPts val="1800"/>
-              <a:buChar char="●"/>
-            </a:pPr>
-            <a:r>
-              <a:rPr lang="en"/>
-              <a:t>A linear list of materials (the parts) constituting the artifact (the whole)</a:t>
-            </a:r>
-            <a:endParaRPr/>
-          </a:p>
-          <a:p>
-            <a:pPr indent="0" lvl="0" marL="0" rtl="0" algn="l">
-              <a:spcBef>
-                <a:spcPts val="1200"/>
-              </a:spcBef>
-              <a:spcAft>
-                <a:spcPts val="0"/>
-              </a:spcAft>
-              <a:buNone/>
-            </a:pPr>
-            <a:r>
-              <a:rPr lang="en"/>
-              <a:t>A bill of materials can contain any kind of material</a:t>
-            </a:r>
-            <a:endParaRPr/>
-          </a:p>
-          <a:p>
-            <a:pPr indent="-342900" lvl="0" marL="457200" rtl="0" algn="l">
-              <a:spcBef>
-                <a:spcPts val="1200"/>
-              </a:spcBef>
-              <a:spcAft>
-                <a:spcPts val="0"/>
-              </a:spcAft>
-              <a:buSzPts val="1800"/>
-              <a:buChar char="●"/>
-            </a:pPr>
-            <a:r>
-              <a:rPr lang="en"/>
-              <a:t>Not just software</a:t>
-            </a:r>
-            <a:endParaRPr/>
-          </a:p>
-          <a:p>
-            <a:pPr indent="0" lvl="0" marL="0" rtl="0" algn="l">
-              <a:spcBef>
-                <a:spcPts val="1200"/>
-              </a:spcBef>
-              <a:spcAft>
-                <a:spcPts val="0"/>
-              </a:spcAft>
-              <a:buNone/>
-            </a:pPr>
-            <a:r>
-              <a:rPr lang="en"/>
-              <a:t>If purely software, the bill of materials is also called the</a:t>
-            </a:r>
-            <a:endParaRPr/>
-          </a:p>
-          <a:p>
-            <a:pPr indent="-342900" lvl="0" marL="457200" rtl="0" algn="l">
-              <a:spcBef>
-                <a:spcPts val="1200"/>
-              </a:spcBef>
-              <a:spcAft>
-                <a:spcPts val="0"/>
-              </a:spcAft>
-              <a:buSzPts val="1800"/>
-              <a:buChar char="●"/>
-            </a:pPr>
-            <a:r>
-              <a:rPr lang="en"/>
-              <a:t>Software bill of materials (SBOM)</a:t>
-            </a:r>
-            <a:endParaRPr/>
-          </a:p>
-          <a:p>
-            <a:pPr indent="0" lvl="0" marL="0" rtl="0" algn="l">
-              <a:spcBef>
-                <a:spcPts val="1200"/>
-              </a:spcBef>
-              <a:spcAft>
-                <a:spcPts val="1200"/>
-              </a:spcAft>
-              <a:buNone/>
-            </a:pPr>
-            <a:r>
-              <a:t/>
+              </a:spcAft>
+              <a:buNone/>
+            </a:pPr>
+            <a:r>
+              <a:rPr lang="en"/>
+              <a:t>For each dependency, provide this (recommended, not required) information</a:t>
             </a:r>
             <a:endParaRPr/>
           </a:p>
@@ -16534,7 +17730,7 @@
       </p:sp>
       <p:sp>
         <p:nvSpPr>
-          <p:cNvPr id="251" name="Google Shape;251;p38"/>
+          <p:cNvPr id="288" name="Google Shape;288;p41"/>
           <p:cNvSpPr txBox="1"/>
           <p:nvPr>
             <p:ph idx="12" type="sldNum"/>
@@ -16597,221 +17793,9 @@
           </a:p>
         </p:txBody>
       </p:sp>
-      <p:sp>
-        <p:nvSpPr>
-          <p:cNvPr id="252" name="Google Shape;252;p38"/>
-          <p:cNvSpPr txBox="1"/>
-          <p:nvPr/>
-        </p:nvSpPr>
-        <p:spPr>
-          <a:xfrm>
-            <a:off x="0" y="4233672"/>
-            <a:ext cx="7315200" cy="914400"/>
-          </a:xfrm>
-          <a:prstGeom prst="rect">
-            <a:avLst/>
-          </a:prstGeom>
-          <a:noFill/>
-          <a:ln>
-            <a:noFill/>
-          </a:ln>
-        </p:spPr>
-        <p:txBody>
-          <a:bodyPr anchorCtr="0" anchor="b" bIns="91425" lIns="91425" spcFirstLastPara="1" rIns="91425" wrap="square" tIns="91425">
-            <a:noAutofit/>
-          </a:bodyPr>
-          <a:lstStyle/>
-          <a:p>
-            <a:pPr indent="0" lvl="0" marL="0" rtl="0" algn="l">
-              <a:spcBef>
-                <a:spcPts val="0"/>
-              </a:spcBef>
-              <a:spcAft>
-                <a:spcPts val="0"/>
-              </a:spcAft>
-              <a:buNone/>
-            </a:pPr>
-            <a:r>
-              <a:rPr lang="en"/>
-              <a:t>[1] German: Stückliste</a:t>
-            </a:r>
-            <a:endParaRPr/>
-          </a:p>
-        </p:txBody>
-      </p:sp>
-    </p:spTree>
-  </p:cSld>
-  <p:clrMapOvr>
-    <a:masterClrMapping/>
-  </p:clrMapOvr>
-</p:sld>
-</file>
-
-<file path=ppt/slides/slide32.xml><?xml version="1.0" encoding="utf-8"?>
-<p:sld xmlns:a="http://schemas.openxmlformats.org/drawingml/2006/main" xmlns:r="http://schemas.openxmlformats.org/officeDocument/2006/relationships" xmlns:mc="http://schemas.openxmlformats.org/markup-compatibility/2006" xmlns:mv="urn:schemas-microsoft-com:mac:vml" xmlns:p="http://schemas.openxmlformats.org/presentationml/2006/main" xmlns:c="http://schemas.openxmlformats.org/drawingml/2006/chart" xmlns:dgm="http://schemas.openxmlformats.org/drawingml/2006/diagram" xmlns:o="urn:schemas-microsoft-com:office:office" xmlns:v="urn:schemas-microsoft-com:vml" xmlns:pvml="urn:schemas-microsoft-com:office:powerpoint" xmlns:com="http://schemas.openxmlformats.org/drawingml/2006/compatibility" xmlns:p14="http://schemas.microsoft.com/office/powerpoint/2010/main" xmlns:p15="http://schemas.microsoft.com/office/powerpoint/2012/main" xmlns:ahyp="http://schemas.microsoft.com/office/drawing/2018/hyperlinkcolor">
-  <p:cSld>
-    <p:spTree>
-      <p:nvGrpSpPr>
-        <p:cNvPr id="256" name="Shape 256"/>
-        <p:cNvGrpSpPr/>
-        <p:nvPr/>
-      </p:nvGrpSpPr>
-      <p:grpSpPr>
-        <a:xfrm>
-          <a:off x="0" y="0"/>
-          <a:ext cx="0" cy="0"/>
-          <a:chOff x="0" y="0"/>
-          <a:chExt cx="0" cy="0"/>
-        </a:xfrm>
-      </p:grpSpPr>
-      <p:sp>
-        <p:nvSpPr>
-          <p:cNvPr id="257" name="Google Shape;257;p39"/>
-          <p:cNvSpPr txBox="1"/>
-          <p:nvPr>
-            <p:ph type="title"/>
-          </p:nvPr>
-        </p:nvSpPr>
-        <p:spPr>
-          <a:xfrm>
-            <a:off x="0" y="0"/>
-            <a:ext cx="9144000" cy="685800"/>
-          </a:xfrm>
-          <a:prstGeom prst="rect">
-            <a:avLst/>
-          </a:prstGeom>
-        </p:spPr>
-        <p:txBody>
-          <a:bodyPr anchorCtr="0" anchor="ctr" bIns="91425" lIns="274300" spcFirstLastPara="1" rIns="91425" wrap="square" tIns="91425">
-            <a:noAutofit/>
-          </a:bodyPr>
-          <a:lstStyle/>
-          <a:p>
-            <a:pPr indent="0" lvl="0" marL="0" rtl="0" algn="l">
-              <a:spcBef>
-                <a:spcPts val="0"/>
-              </a:spcBef>
-              <a:spcAft>
-                <a:spcPts val="0"/>
-              </a:spcAft>
-              <a:buNone/>
-            </a:pPr>
-            <a:r>
-              <a:rPr lang="en"/>
-              <a:t>Software Bill of Materials (SBOM)</a:t>
-            </a:r>
-            <a:endParaRPr/>
-          </a:p>
-        </p:txBody>
-      </p:sp>
-      <p:sp>
-        <p:nvSpPr>
-          <p:cNvPr id="258" name="Google Shape;258;p39"/>
-          <p:cNvSpPr txBox="1"/>
-          <p:nvPr>
-            <p:ph idx="1" type="body"/>
-          </p:nvPr>
-        </p:nvSpPr>
-        <p:spPr>
-          <a:xfrm>
-            <a:off x="274320" y="914400"/>
-            <a:ext cx="8595300" cy="4114800"/>
-          </a:xfrm>
-          <a:prstGeom prst="rect">
-            <a:avLst/>
-          </a:prstGeom>
-        </p:spPr>
-        <p:txBody>
-          <a:bodyPr anchorCtr="0" anchor="t" bIns="0" lIns="0" spcFirstLastPara="1" rIns="0" wrap="square" tIns="0">
-            <a:noAutofit/>
-          </a:bodyPr>
-          <a:lstStyle/>
-          <a:p>
-            <a:pPr indent="0" lvl="0" marL="0" rtl="0" algn="l">
-              <a:spcBef>
-                <a:spcPts val="0"/>
-              </a:spcBef>
-              <a:spcAft>
-                <a:spcPts val="1200"/>
-              </a:spcAft>
-              <a:buNone/>
-            </a:pPr>
-            <a:r>
-              <a:rPr lang="en"/>
-              <a:t>For each dependency, provide this (recommended, not required) information</a:t>
-            </a:r>
-            <a:endParaRPr/>
-          </a:p>
-        </p:txBody>
-      </p:sp>
-      <p:sp>
-        <p:nvSpPr>
-          <p:cNvPr id="259" name="Google Shape;259;p39"/>
-          <p:cNvSpPr txBox="1"/>
-          <p:nvPr>
-            <p:ph idx="12" type="sldNum"/>
-          </p:nvPr>
-        </p:nvSpPr>
-        <p:spPr>
-          <a:xfrm>
-            <a:off x="7315202" y="4229100"/>
-            <a:ext cx="1828800" cy="914400"/>
-          </a:xfrm>
-          <a:prstGeom prst="rect">
-            <a:avLst/>
-          </a:prstGeom>
-        </p:spPr>
-        <p:txBody>
-          <a:bodyPr anchorCtr="0" anchor="b" bIns="91425" lIns="91425" spcFirstLastPara="1" rIns="91425" wrap="square" tIns="91425">
-            <a:noAutofit/>
-          </a:bodyPr>
-          <a:lstStyle/>
-          <a:p>
-            <a:pPr indent="0" lvl="0" marL="0" rtl="0" algn="r">
-              <a:spcBef>
-                <a:spcPts val="0"/>
-              </a:spcBef>
-              <a:spcAft>
-                <a:spcPts val="0"/>
-              </a:spcAft>
-              <a:buNone/>
-            </a:pPr>
-            <a:fld id="{00000000-1234-1234-1234-123412341234}" type="slidenum">
-              <a:rPr lang="en"/>
-              <a:t>‹#›</a:t>
-            </a:fld>
-            <a:endParaRPr/>
-          </a:p>
-          <a:p>
-            <a:pPr indent="0" lvl="0" marL="0" rtl="0" algn="r">
-              <a:spcBef>
-                <a:spcPts val="0"/>
-              </a:spcBef>
-              <a:spcAft>
-                <a:spcPts val="0"/>
-              </a:spcAft>
-              <a:buNone/>
-            </a:pPr>
-            <a:r>
-              <a:rPr b="0" lang="en" sz="1000" u="sng">
-                <a:solidFill>
-                  <a:schemeClr val="hlink"/>
-                </a:solidFill>
-                <a:hlinkClick r:id="rId3"/>
-              </a:rPr>
-              <a:t>uni1.de/amos</a:t>
-            </a:r>
-            <a:r>
-              <a:rPr b="0" lang="en" sz="1000"/>
-              <a:t> </a:t>
-            </a:r>
-            <a:endParaRPr b="0" sz="1000"/>
-          </a:p>
-        </p:txBody>
-      </p:sp>
       <p:graphicFrame>
         <p:nvGraphicFramePr>
-          <p:cNvPr id="260" name="Google Shape;260;p39"/>
+          <p:cNvPr id="289" name="Google Shape;289;p41"/>
           <p:cNvGraphicFramePr/>
           <p:nvPr/>
         </p:nvGraphicFramePr>
@@ -16824,7 +17808,7 @@
             <a:tbl>
               <a:tblPr>
                 <a:noFill/>
-                <a:tableStyleId>{E6B8B31A-AD35-45E7-8925-507B150AF63E}</a:tableStyleId>
+                <a:tableStyleId>{DD953C43-BBE4-4531-9FEE-CD8433129448}</a:tableStyleId>
               </a:tblPr>
               <a:tblGrid>
                 <a:gridCol w="1280725"/>
@@ -18013,12 +18997,12 @@
 </p:sld>
 </file>
 
-<file path=ppt/slides/slide33.xml><?xml version="1.0" encoding="utf-8"?>
+<file path=ppt/slides/slide35.xml><?xml version="1.0" encoding="utf-8"?>
 <p:sld xmlns:a="http://schemas.openxmlformats.org/drawingml/2006/main" xmlns:r="http://schemas.openxmlformats.org/officeDocument/2006/relationships" xmlns:mc="http://schemas.openxmlformats.org/markup-compatibility/2006" xmlns:mv="urn:schemas-microsoft-com:mac:vml" xmlns:p="http://schemas.openxmlformats.org/presentationml/2006/main" xmlns:c="http://schemas.openxmlformats.org/drawingml/2006/chart" xmlns:dgm="http://schemas.openxmlformats.org/drawingml/2006/diagram" xmlns:o="urn:schemas-microsoft-com:office:office" xmlns:v="urn:schemas-microsoft-com:vml" xmlns:pvml="urn:schemas-microsoft-com:office:powerpoint" xmlns:com="http://schemas.openxmlformats.org/drawingml/2006/compatibility" xmlns:p14="http://schemas.microsoft.com/office/powerpoint/2010/main" xmlns:p15="http://schemas.microsoft.com/office/powerpoint/2012/main" xmlns:ahyp="http://schemas.microsoft.com/office/drawing/2018/hyperlinkcolor">
   <p:cSld>
     <p:spTree>
       <p:nvGrpSpPr>
-        <p:cNvPr id="264" name="Shape 264"/>
+        <p:cNvPr id="293" name="Shape 293"/>
         <p:cNvGrpSpPr/>
         <p:nvPr/>
       </p:nvGrpSpPr>
@@ -18032,7 +19016,7 @@
       </p:grpSpPr>
       <p:sp>
         <p:nvSpPr>
-          <p:cNvPr id="265" name="Google Shape;265;p40"/>
+          <p:cNvPr id="294" name="Google Shape;294;p42"/>
           <p:cNvSpPr txBox="1"/>
           <p:nvPr>
             <p:ph type="title"/>
@@ -18072,7 +19056,7 @@
       </p:sp>
       <p:sp>
         <p:nvSpPr>
-          <p:cNvPr id="266" name="Google Shape;266;p40"/>
+          <p:cNvPr id="295" name="Google Shape;295;p42"/>
           <p:cNvSpPr txBox="1"/>
           <p:nvPr>
             <p:ph idx="1" type="body"/>
@@ -18161,376 +19145,7 @@
       </p:sp>
       <p:sp>
         <p:nvSpPr>
-          <p:cNvPr id="267" name="Google Shape;267;p40"/>
-          <p:cNvSpPr txBox="1"/>
-          <p:nvPr>
-            <p:ph idx="12" type="sldNum"/>
-          </p:nvPr>
-        </p:nvSpPr>
-        <p:spPr>
-          <a:xfrm>
-            <a:off x="7315202" y="4229100"/>
-            <a:ext cx="1828800" cy="914400"/>
-          </a:xfrm>
-          <a:prstGeom prst="rect">
-            <a:avLst/>
-          </a:prstGeom>
-        </p:spPr>
-        <p:txBody>
-          <a:bodyPr anchorCtr="0" anchor="b" bIns="91425" lIns="91425" spcFirstLastPara="1" rIns="91425" wrap="square" tIns="91425">
-            <a:noAutofit/>
-          </a:bodyPr>
-          <a:lstStyle/>
-          <a:p>
-            <a:pPr indent="0" lvl="0" marL="0" rtl="0" algn="r">
-              <a:spcBef>
-                <a:spcPts val="0"/>
-              </a:spcBef>
-              <a:spcAft>
-                <a:spcPts val="0"/>
-              </a:spcAft>
-              <a:buNone/>
-            </a:pPr>
-            <a:fld id="{00000000-1234-1234-1234-123412341234}" type="slidenum">
-              <a:rPr lang="en"/>
-              <a:t>‹#›</a:t>
-            </a:fld>
-            <a:endParaRPr/>
-          </a:p>
-          <a:p>
-            <a:pPr indent="0" lvl="0" marL="0" rtl="0" algn="r">
-              <a:spcBef>
-                <a:spcPts val="0"/>
-              </a:spcBef>
-              <a:spcAft>
-                <a:spcPts val="0"/>
-              </a:spcAft>
-              <a:buNone/>
-            </a:pPr>
-            <a:r>
-              <a:rPr b="0" lang="en" sz="1000" u="sng">
-                <a:solidFill>
-                  <a:schemeClr val="hlink"/>
-                </a:solidFill>
-                <a:hlinkClick r:id="rId3"/>
-              </a:rPr>
-              <a:t>uni1.de/amos</a:t>
-            </a:r>
-            <a:r>
-              <a:rPr b="0" lang="en" sz="1000"/>
-              <a:t> </a:t>
-            </a:r>
-            <a:endParaRPr b="0" sz="1000"/>
-          </a:p>
-        </p:txBody>
-      </p:sp>
-    </p:spTree>
-  </p:cSld>
-  <p:clrMapOvr>
-    <a:masterClrMapping/>
-  </p:clrMapOvr>
-</p:sld>
-</file>
-
-<file path=ppt/slides/slide34.xml><?xml version="1.0" encoding="utf-8"?>
-<p:sld xmlns:a="http://schemas.openxmlformats.org/drawingml/2006/main" xmlns:r="http://schemas.openxmlformats.org/officeDocument/2006/relationships" xmlns:mc="http://schemas.openxmlformats.org/markup-compatibility/2006" xmlns:mv="urn:schemas-microsoft-com:mac:vml" xmlns:p="http://schemas.openxmlformats.org/presentationml/2006/main" xmlns:c="http://schemas.openxmlformats.org/drawingml/2006/chart" xmlns:dgm="http://schemas.openxmlformats.org/drawingml/2006/diagram" xmlns:o="urn:schemas-microsoft-com:office:office" xmlns:v="urn:schemas-microsoft-com:vml" xmlns:pvml="urn:schemas-microsoft-com:office:powerpoint" xmlns:com="http://schemas.openxmlformats.org/drawingml/2006/compatibility" xmlns:p14="http://schemas.microsoft.com/office/powerpoint/2010/main" xmlns:p15="http://schemas.microsoft.com/office/powerpoint/2012/main" xmlns:ahyp="http://schemas.microsoft.com/office/drawing/2018/hyperlinkcolor">
-  <p:cSld>
-    <p:spTree>
-      <p:nvGrpSpPr>
-        <p:cNvPr id="271" name="Shape 271"/>
-        <p:cNvGrpSpPr/>
-        <p:nvPr/>
-      </p:nvGrpSpPr>
-      <p:grpSpPr>
-        <a:xfrm>
-          <a:off x="0" y="0"/>
-          <a:ext cx="0" cy="0"/>
-          <a:chOff x="0" y="0"/>
-          <a:chExt cx="0" cy="0"/>
-        </a:xfrm>
-      </p:grpSpPr>
-      <p:sp>
-        <p:nvSpPr>
-          <p:cNvPr id="272" name="Google Shape;272;p41"/>
-          <p:cNvSpPr txBox="1"/>
-          <p:nvPr>
-            <p:ph type="title"/>
-          </p:nvPr>
-        </p:nvSpPr>
-        <p:spPr>
-          <a:xfrm>
-            <a:off x="0" y="-7"/>
-            <a:ext cx="9144000" cy="2386500"/>
-          </a:xfrm>
-          <a:prstGeom prst="rect">
-            <a:avLst/>
-          </a:prstGeom>
-        </p:spPr>
-        <p:txBody>
-          <a:bodyPr anchorCtr="0" anchor="b" bIns="274300" lIns="91425" spcFirstLastPara="1" rIns="91425" wrap="square" tIns="91425">
-            <a:noAutofit/>
-          </a:bodyPr>
-          <a:lstStyle/>
-          <a:p>
-            <a:pPr indent="0" lvl="0" marL="0" rtl="0" algn="ctr">
-              <a:spcBef>
-                <a:spcPts val="0"/>
-              </a:spcBef>
-              <a:spcAft>
-                <a:spcPts val="0"/>
-              </a:spcAft>
-              <a:buNone/>
-            </a:pPr>
-            <a:r>
-              <a:rPr lang="en"/>
-              <a:t>4. Software Architecture</a:t>
-            </a:r>
-            <a:endParaRPr/>
-          </a:p>
-        </p:txBody>
-      </p:sp>
-    </p:spTree>
-  </p:cSld>
-  <p:clrMapOvr>
-    <a:masterClrMapping/>
-  </p:clrMapOvr>
-</p:sld>
-</file>
-
-<file path=ppt/slides/slide35.xml><?xml version="1.0" encoding="utf-8"?>
-<p:sld xmlns:a="http://schemas.openxmlformats.org/drawingml/2006/main" xmlns:r="http://schemas.openxmlformats.org/officeDocument/2006/relationships" xmlns:mc="http://schemas.openxmlformats.org/markup-compatibility/2006" xmlns:mv="urn:schemas-microsoft-com:mac:vml" xmlns:p="http://schemas.openxmlformats.org/presentationml/2006/main" xmlns:c="http://schemas.openxmlformats.org/drawingml/2006/chart" xmlns:dgm="http://schemas.openxmlformats.org/drawingml/2006/diagram" xmlns:o="urn:schemas-microsoft-com:office:office" xmlns:v="urn:schemas-microsoft-com:vml" xmlns:pvml="urn:schemas-microsoft-com:office:powerpoint" xmlns:com="http://schemas.openxmlformats.org/drawingml/2006/compatibility" xmlns:p14="http://schemas.microsoft.com/office/powerpoint/2010/main" xmlns:p15="http://schemas.microsoft.com/office/powerpoint/2012/main" xmlns:ahyp="http://schemas.microsoft.com/office/drawing/2018/hyperlinkcolor">
-  <p:cSld>
-    <p:spTree>
-      <p:nvGrpSpPr>
-        <p:cNvPr id="276" name="Shape 276"/>
-        <p:cNvGrpSpPr/>
-        <p:nvPr/>
-      </p:nvGrpSpPr>
-      <p:grpSpPr>
-        <a:xfrm>
-          <a:off x="0" y="0"/>
-          <a:ext cx="0" cy="0"/>
-          <a:chOff x="0" y="0"/>
-          <a:chExt cx="0" cy="0"/>
-        </a:xfrm>
-      </p:grpSpPr>
-      <p:sp>
-        <p:nvSpPr>
-          <p:cNvPr id="277" name="Google Shape;277;p42"/>
-          <p:cNvSpPr txBox="1"/>
-          <p:nvPr>
-            <p:ph type="title"/>
-          </p:nvPr>
-        </p:nvSpPr>
-        <p:spPr>
-          <a:xfrm>
-            <a:off x="0" y="0"/>
-            <a:ext cx="9144000" cy="685800"/>
-          </a:xfrm>
-          <a:prstGeom prst="rect">
-            <a:avLst/>
-          </a:prstGeom>
-        </p:spPr>
-        <p:txBody>
-          <a:bodyPr anchorCtr="0" anchor="ctr" bIns="91425" lIns="274300" spcFirstLastPara="1" rIns="91425" wrap="square" tIns="91425">
-            <a:noAutofit/>
-          </a:bodyPr>
-          <a:lstStyle/>
-          <a:p>
-            <a:pPr indent="0" lvl="0" marL="0" rtl="0" algn="l">
-              <a:spcBef>
-                <a:spcPts val="0"/>
-              </a:spcBef>
-              <a:spcAft>
-                <a:spcPts val="0"/>
-              </a:spcAft>
-              <a:buNone/>
-            </a:pPr>
-            <a:r>
-              <a:rPr lang="en"/>
-              <a:t>Agile Architecture?!</a:t>
-            </a:r>
-            <a:endParaRPr/>
-          </a:p>
-        </p:txBody>
-      </p:sp>
-      <p:sp>
-        <p:nvSpPr>
-          <p:cNvPr id="278" name="Google Shape;278;p42"/>
-          <p:cNvSpPr txBox="1"/>
-          <p:nvPr>
-            <p:ph idx="1" type="body"/>
-          </p:nvPr>
-        </p:nvSpPr>
-        <p:spPr>
-          <a:xfrm>
-            <a:off x="274320" y="914400"/>
-            <a:ext cx="8595300" cy="4114800"/>
-          </a:xfrm>
-          <a:prstGeom prst="rect">
-            <a:avLst/>
-          </a:prstGeom>
-        </p:spPr>
-        <p:txBody>
-          <a:bodyPr anchorCtr="0" anchor="t" bIns="0" lIns="0" spcFirstLastPara="1" rIns="0" wrap="square" tIns="0">
-            <a:noAutofit/>
-          </a:bodyPr>
-          <a:lstStyle/>
-          <a:p>
-            <a:pPr indent="0" lvl="0" marL="0" rtl="0" algn="l">
-              <a:spcBef>
-                <a:spcPts val="0"/>
-              </a:spcBef>
-              <a:spcAft>
-                <a:spcPts val="0"/>
-              </a:spcAft>
-              <a:buNone/>
-            </a:pPr>
-            <a:r>
-              <a:rPr lang="en"/>
-              <a:t>Agile methods eschew detailed planning</a:t>
-            </a:r>
-            <a:endParaRPr/>
-          </a:p>
-          <a:p>
-            <a:pPr indent="-342900" lvl="0" marL="457200" rtl="0" algn="l">
-              <a:spcBef>
-                <a:spcPts val="1200"/>
-              </a:spcBef>
-              <a:spcAft>
-                <a:spcPts val="0"/>
-              </a:spcAft>
-              <a:buSzPts val="1800"/>
-              <a:buChar char="●"/>
-            </a:pPr>
-            <a:r>
-              <a:rPr lang="en"/>
-              <a:t>The proof of the software is in the feedback of the customer</a:t>
-            </a:r>
-            <a:endParaRPr/>
-          </a:p>
-          <a:p>
-            <a:pPr indent="0" lvl="0" marL="0" rtl="0" algn="l">
-              <a:spcBef>
-                <a:spcPts val="1200"/>
-              </a:spcBef>
-              <a:spcAft>
-                <a:spcPts val="0"/>
-              </a:spcAft>
-              <a:buNone/>
-            </a:pPr>
-            <a:r>
-              <a:rPr lang="en"/>
-              <a:t>Software architecture is the overall design of a system</a:t>
-            </a:r>
-            <a:endParaRPr/>
-          </a:p>
-          <a:p>
-            <a:pPr indent="-342900" lvl="0" marL="457200" rtl="0" algn="l">
-              <a:spcBef>
-                <a:spcPts val="1200"/>
-              </a:spcBef>
-              <a:spcAft>
-                <a:spcPts val="0"/>
-              </a:spcAft>
-              <a:buSzPts val="1800"/>
-              <a:buChar char="●"/>
-            </a:pPr>
-            <a:r>
-              <a:rPr lang="en"/>
-              <a:t>Including static (structural) and dynamic aspects</a:t>
-            </a:r>
-            <a:endParaRPr/>
-          </a:p>
-          <a:p>
-            <a:pPr indent="-342900" lvl="0" marL="457200" rtl="0" algn="l">
-              <a:spcBef>
-                <a:spcPts val="0"/>
-              </a:spcBef>
-              <a:spcAft>
-                <a:spcPts val="0"/>
-              </a:spcAft>
-              <a:buSzPts val="1800"/>
-              <a:buChar char="●"/>
-            </a:pPr>
-            <a:r>
-              <a:rPr lang="en"/>
-              <a:t>Covering everything of wide impact to the system</a:t>
-            </a:r>
-            <a:endParaRPr/>
-          </a:p>
-          <a:p>
-            <a:pPr indent="-342900" lvl="0" marL="457200" rtl="0" algn="l">
-              <a:spcBef>
-                <a:spcPts val="0"/>
-              </a:spcBef>
-              <a:spcAft>
-                <a:spcPts val="0"/>
-              </a:spcAft>
-              <a:buSzPts val="1800"/>
-              <a:buChar char="●"/>
-            </a:pPr>
-            <a:r>
-              <a:rPr lang="en"/>
-              <a:t>Ignoring everything with limited (localized) impact</a:t>
-            </a:r>
-            <a:endParaRPr/>
-          </a:p>
-          <a:p>
-            <a:pPr indent="0" lvl="0" marL="0" rtl="0" algn="l">
-              <a:spcBef>
-                <a:spcPts val="1200"/>
-              </a:spcBef>
-              <a:spcAft>
-                <a:spcPts val="0"/>
-              </a:spcAft>
-              <a:buNone/>
-            </a:pPr>
-            <a:r>
-              <a:rPr lang="en"/>
-              <a:t>Agile software architecture is software architecture that</a:t>
-            </a:r>
-            <a:endParaRPr/>
-          </a:p>
-          <a:p>
-            <a:pPr indent="-342900" lvl="0" marL="457200" rtl="0" algn="l">
-              <a:spcBef>
-                <a:spcPts val="1200"/>
-              </a:spcBef>
-              <a:spcAft>
-                <a:spcPts val="0"/>
-              </a:spcAft>
-              <a:buSzPts val="1800"/>
-              <a:buChar char="●"/>
-            </a:pPr>
-            <a:r>
-              <a:rPr lang="en"/>
-              <a:t>Emerges from risk-adjusted planning / visibility</a:t>
-            </a:r>
-            <a:endParaRPr/>
-          </a:p>
-          <a:p>
-            <a:pPr indent="-342900" lvl="0" marL="457200" rtl="0" algn="l">
-              <a:spcBef>
-                <a:spcPts val="0"/>
-              </a:spcBef>
-              <a:spcAft>
-                <a:spcPts val="0"/>
-              </a:spcAft>
-              <a:buSzPts val="1800"/>
-              <a:buChar char="●"/>
-            </a:pPr>
-            <a:r>
-              <a:rPr lang="en"/>
-              <a:t>Delays architectural investment to the last minute</a:t>
-            </a:r>
-            <a:endParaRPr/>
-          </a:p>
-        </p:txBody>
-      </p:sp>
-      <p:sp>
-        <p:nvSpPr>
-          <p:cNvPr id="279" name="Google Shape;279;p42"/>
+          <p:cNvPr id="296" name="Google Shape;296;p42"/>
           <p:cNvSpPr txBox="1"/>
           <p:nvPr>
             <p:ph idx="12" type="sldNum"/>
@@ -18606,7 +19221,7 @@
   <p:cSld>
     <p:spTree>
       <p:nvGrpSpPr>
-        <p:cNvPr id="283" name="Shape 283"/>
+        <p:cNvPr id="300" name="Shape 300"/>
         <p:cNvGrpSpPr/>
         <p:nvPr/>
       </p:nvGrpSpPr>
@@ -18620,7 +19235,7 @@
       </p:grpSpPr>
       <p:sp>
         <p:nvSpPr>
-          <p:cNvPr id="284" name="Google Shape;284;p43"/>
+          <p:cNvPr id="301" name="Google Shape;301;p43"/>
           <p:cNvSpPr txBox="1"/>
           <p:nvPr>
             <p:ph type="title"/>
@@ -18628,129 +19243,36 @@
         </p:nvSpPr>
         <p:spPr>
           <a:xfrm>
-            <a:off x="0" y="0"/>
-            <a:ext cx="9144000" cy="685800"/>
+            <a:off x="0" y="-7"/>
+            <a:ext cx="9144000" cy="2386500"/>
           </a:xfrm>
           <a:prstGeom prst="rect">
             <a:avLst/>
           </a:prstGeom>
         </p:spPr>
         <p:txBody>
-          <a:bodyPr anchorCtr="0" anchor="ctr" bIns="91425" lIns="274300" spcFirstLastPara="1" rIns="91425" wrap="square" tIns="91425">
+          <a:bodyPr anchorCtr="0" anchor="b" bIns="274300" lIns="91425" spcFirstLastPara="1" rIns="91425" wrap="square" tIns="91425">
             <a:noAutofit/>
           </a:bodyPr>
           <a:lstStyle/>
           <a:p>
-            <a:pPr indent="0" lvl="0" marL="0" rtl="0" algn="l">
-              <a:spcBef>
-                <a:spcPts val="0"/>
-              </a:spcBef>
-              <a:spcAft>
-                <a:spcPts val="0"/>
-              </a:spcAft>
-              <a:buNone/>
-            </a:pPr>
-            <a:r>
-              <a:rPr lang="en"/>
-              <a:t>Runtime Objects / Tiers vs. Code / Layered Architecture</a:t>
+            <a:pPr indent="0" lvl="0" marL="0" rtl="0" algn="ctr">
+              <a:spcBef>
+                <a:spcPts val="0"/>
+              </a:spcBef>
+              <a:spcAft>
+                <a:spcPts val="0"/>
+              </a:spcAft>
+              <a:buNone/>
+            </a:pPr>
+            <a:r>
+              <a:rPr lang="en"/>
+              <a:t>4. Software Architecture</a:t>
             </a:r>
             <a:endParaRPr/>
           </a:p>
         </p:txBody>
       </p:sp>
-      <p:sp>
-        <p:nvSpPr>
-          <p:cNvPr id="285" name="Google Shape;285;p43"/>
-          <p:cNvSpPr txBox="1"/>
-          <p:nvPr>
-            <p:ph idx="12" type="sldNum"/>
-          </p:nvPr>
-        </p:nvSpPr>
-        <p:spPr>
-          <a:xfrm>
-            <a:off x="7315202" y="4229100"/>
-            <a:ext cx="1828800" cy="914400"/>
-          </a:xfrm>
-          <a:prstGeom prst="rect">
-            <a:avLst/>
-          </a:prstGeom>
-        </p:spPr>
-        <p:txBody>
-          <a:bodyPr anchorCtr="0" anchor="b" bIns="91425" lIns="91425" spcFirstLastPara="1" rIns="91425" wrap="square" tIns="91425">
-            <a:noAutofit/>
-          </a:bodyPr>
-          <a:lstStyle/>
-          <a:p>
-            <a:pPr indent="0" lvl="0" marL="0" rtl="0" algn="r">
-              <a:spcBef>
-                <a:spcPts val="0"/>
-              </a:spcBef>
-              <a:spcAft>
-                <a:spcPts val="0"/>
-              </a:spcAft>
-              <a:buNone/>
-            </a:pPr>
-            <a:fld id="{00000000-1234-1234-1234-123412341234}" type="slidenum">
-              <a:rPr lang="en"/>
-              <a:t>‹#›</a:t>
-            </a:fld>
-            <a:endParaRPr/>
-          </a:p>
-          <a:p>
-            <a:pPr indent="0" lvl="0" marL="0" rtl="0" algn="r">
-              <a:spcBef>
-                <a:spcPts val="0"/>
-              </a:spcBef>
-              <a:spcAft>
-                <a:spcPts val="0"/>
-              </a:spcAft>
-              <a:buNone/>
-            </a:pPr>
-            <a:r>
-              <a:rPr b="0" lang="en" sz="1000" u="sng">
-                <a:solidFill>
-                  <a:schemeClr val="hlink"/>
-                </a:solidFill>
-                <a:hlinkClick r:id="rId3"/>
-              </a:rPr>
-              <a:t>uni1.de/amos</a:t>
-            </a:r>
-            <a:r>
-              <a:rPr b="0" lang="en" sz="1000"/>
-              <a:t> </a:t>
-            </a:r>
-            <a:endParaRPr b="0" sz="1000"/>
-          </a:p>
-        </p:txBody>
-      </p:sp>
-      <p:pic>
-        <p:nvPicPr>
-          <p:cNvPr id="286" name="Google Shape;286;p43"/>
-          <p:cNvPicPr preferRelativeResize="0"/>
-          <p:nvPr/>
-        </p:nvPicPr>
-        <p:blipFill>
-          <a:blip r:embed="rId4">
-            <a:alphaModFix/>
-          </a:blip>
-          <a:stretch>
-            <a:fillRect/>
-          </a:stretch>
-        </p:blipFill>
-        <p:spPr>
-          <a:xfrm>
-            <a:off x="274320" y="914400"/>
-            <a:ext cx="8595360" cy="3502840"/>
-          </a:xfrm>
-          <a:prstGeom prst="rect">
-            <a:avLst/>
-          </a:prstGeom>
-          <a:noFill/>
-          <a:ln>
-            <a:noFill/>
-          </a:ln>
-        </p:spPr>
-      </p:pic>
     </p:spTree>
   </p:cSld>
   <p:clrMapOvr>
@@ -18764,7 +19286,7 @@
   <p:cSld>
     <p:spTree>
       <p:nvGrpSpPr>
-        <p:cNvPr id="290" name="Shape 290"/>
+        <p:cNvPr id="305" name="Shape 305"/>
         <p:cNvGrpSpPr/>
         <p:nvPr/>
       </p:nvGrpSpPr>
@@ -18778,7 +19300,7 @@
       </p:grpSpPr>
       <p:sp>
         <p:nvSpPr>
-          <p:cNvPr id="291" name="Google Shape;291;p44"/>
+          <p:cNvPr id="306" name="Google Shape;306;p44"/>
           <p:cNvSpPr txBox="1"/>
           <p:nvPr>
             <p:ph type="title"/>
@@ -18810,7 +19332,7 @@
             </a:pPr>
             <a:r>
               <a:rPr lang="en"/>
-              <a:t>One-time Deliverable: Architecture Description</a:t>
+              <a:t>Agile Architecture?!</a:t>
             </a:r>
             <a:endParaRPr/>
           </a:p>
@@ -18818,7 +19340,7 @@
       </p:sp>
       <p:sp>
         <p:nvSpPr>
-          <p:cNvPr id="292" name="Google Shape;292;p44"/>
+          <p:cNvPr id="307" name="Google Shape;307;p44"/>
           <p:cNvSpPr txBox="1"/>
           <p:nvPr>
             <p:ph idx="1" type="body"/>
@@ -18850,7 +19372,7 @@
             </a:pPr>
             <a:r>
               <a:rPr lang="en"/>
-              <a:t>Provide a description of the initial planned architecture including (at a minimum)</a:t>
+              <a:t>Agile methods eschew detailed planning</a:t>
             </a:r>
             <a:endParaRPr/>
           </a:p>
@@ -18863,28 +19385,44 @@
                 <a:spcPts val="0"/>
               </a:spcAft>
               <a:buSzPts val="1800"/>
-              <a:buAutoNum type="arabicPeriod"/>
-            </a:pPr>
-            <a:r>
-              <a:rPr lang="en"/>
-              <a:t>The runtime architecture</a:t>
+              <a:buChar char="●"/>
+            </a:pPr>
+            <a:r>
+              <a:rPr lang="en"/>
+              <a:t>The proof of the software is in the feedback of the customer</a:t>
+            </a:r>
+            <a:endParaRPr/>
+          </a:p>
+          <a:p>
+            <a:pPr indent="0" lvl="0" marL="0" rtl="0" algn="l">
+              <a:spcBef>
+                <a:spcPts val="1200"/>
+              </a:spcBef>
+              <a:spcAft>
+                <a:spcPts val="0"/>
+              </a:spcAft>
+              <a:buNone/>
+            </a:pPr>
+            <a:r>
+              <a:rPr lang="en"/>
+              <a:t>Software architecture is the overall design of a system</a:t>
             </a:r>
             <a:endParaRPr/>
           </a:p>
           <a:p>
             <a:pPr indent="-342900" lvl="0" marL="457200" rtl="0" algn="l">
               <a:spcBef>
-                <a:spcPts val="0"/>
+                <a:spcPts val="1200"/>
               </a:spcBef>
               <a:spcAft>
                 <a:spcPts val="0"/>
               </a:spcAft>
               <a:buSzPts val="1800"/>
-              <a:buAutoNum type="arabicPeriod"/>
-            </a:pPr>
-            <a:r>
-              <a:rPr lang="en"/>
-              <a:t>The code (static) architecture</a:t>
+              <a:buChar char="●"/>
+            </a:pPr>
+            <a:r>
+              <a:rPr lang="en"/>
+              <a:t>Including static (structural) and dynamic aspects</a:t>
             </a:r>
             <a:endParaRPr/>
           </a:p>
@@ -18897,11 +19435,28 @@
                 <a:spcPts val="0"/>
               </a:spcAft>
               <a:buSzPts val="1800"/>
-              <a:buAutoNum type="arabicPeriod"/>
-            </a:pPr>
-            <a:r>
-              <a:rPr lang="en"/>
-              <a:t>The tech stack you are building on</a:t>
+              <a:buChar char="●"/>
+            </a:pPr>
+            <a:r>
+              <a:rPr lang="en"/>
+              <a:t>Covering everything of wide impact to the system</a:t>
+            </a:r>
+            <a:endParaRPr/>
+          </a:p>
+          <a:p>
+            <a:pPr indent="-342900" lvl="0" marL="457200" rtl="0" algn="l">
+              <a:spcBef>
+                <a:spcPts val="0"/>
+              </a:spcBef>
+              <a:spcAft>
+                <a:spcPts val="0"/>
+              </a:spcAft>
+              <a:buSzPts val="1800"/>
+              <a:buChar char="●"/>
+            </a:pPr>
+            <a:r>
+              <a:rPr lang="en"/>
+              <a:t>Ignoring everything with limited (localized) impact</a:t>
             </a:r>
             <a:endParaRPr/>
           </a:p>
@@ -18917,22 +19472,41 @@
             </a:pPr>
             <a:r>
               <a:rPr lang="en"/>
-              <a:t>Feel free at the end of the project to review planning with reality</a:t>
-            </a:r>
-            <a:endParaRPr/>
-          </a:p>
-          <a:p>
-            <a:pPr indent="0" lvl="0" marL="0" rtl="0" algn="l">
+              <a:t>Agile software architecture is software architecture that</a:t>
+            </a:r>
+            <a:endParaRPr/>
+          </a:p>
+          <a:p>
+            <a:pPr indent="-342900" lvl="0" marL="457200" rtl="0" algn="l">
               <a:spcBef>
                 <a:spcPts val="1200"/>
               </a:spcBef>
               <a:spcAft>
-                <a:spcPts val="1200"/>
-              </a:spcAft>
-              <a:buNone/>
-            </a:pPr>
-            <a:r>
-              <a:t/>
+                <a:spcPts val="0"/>
+              </a:spcAft>
+              <a:buSzPts val="1800"/>
+              <a:buChar char="●"/>
+            </a:pPr>
+            <a:r>
+              <a:rPr lang="en"/>
+              <a:t>Emerges from risk-adjusted planning / visibility</a:t>
+            </a:r>
+            <a:endParaRPr/>
+          </a:p>
+          <a:p>
+            <a:pPr indent="-342900" lvl="0" marL="457200" rtl="0" algn="l">
+              <a:spcBef>
+                <a:spcPts val="0"/>
+              </a:spcBef>
+              <a:spcAft>
+                <a:spcPts val="0"/>
+              </a:spcAft>
+              <a:buSzPts val="1800"/>
+              <a:buChar char="●"/>
+            </a:pPr>
+            <a:r>
+              <a:rPr lang="en"/>
+              <a:t>Delays architectural investment to the last minute</a:t>
             </a:r>
             <a:endParaRPr/>
           </a:p>
@@ -18940,7 +19514,7 @@
       </p:sp>
       <p:sp>
         <p:nvSpPr>
-          <p:cNvPr id="293" name="Google Shape;293;p44"/>
+          <p:cNvPr id="308" name="Google Shape;308;p44"/>
           <p:cNvSpPr txBox="1"/>
           <p:nvPr>
             <p:ph idx="12" type="sldNum"/>
@@ -19016,7 +19590,7 @@
   <p:cSld>
     <p:spTree>
       <p:nvGrpSpPr>
-        <p:cNvPr id="297" name="Shape 297"/>
+        <p:cNvPr id="312" name="Shape 312"/>
         <p:cNvGrpSpPr/>
         <p:nvPr/>
       </p:nvGrpSpPr>
@@ -19030,7 +19604,7 @@
       </p:grpSpPr>
       <p:sp>
         <p:nvSpPr>
-          <p:cNvPr id="298" name="Google Shape;298;p45"/>
+          <p:cNvPr id="313" name="Google Shape;313;p45"/>
           <p:cNvSpPr txBox="1"/>
           <p:nvPr>
             <p:ph type="title"/>
@@ -19062,7 +19636,7 @@
             </a:pPr>
             <a:r>
               <a:rPr lang="en"/>
-              <a:t>Summary</a:t>
+              <a:t>Runtime Objects / Tiers vs. Code / Layered Architecture</a:t>
             </a:r>
             <a:endParaRPr/>
           </a:p>
@@ -19070,184 +19644,7 @@
       </p:sp>
       <p:sp>
         <p:nvSpPr>
-          <p:cNvPr id="299" name="Google Shape;299;p45"/>
-          <p:cNvSpPr txBox="1"/>
-          <p:nvPr>
-            <p:ph idx="1" type="body"/>
-          </p:nvPr>
-        </p:nvSpPr>
-        <p:spPr>
-          <a:xfrm>
-            <a:off x="274320" y="914400"/>
-            <a:ext cx="8595300" cy="4114800"/>
-          </a:xfrm>
-          <a:prstGeom prst="rect">
-            <a:avLst/>
-          </a:prstGeom>
-        </p:spPr>
-        <p:txBody>
-          <a:bodyPr anchorCtr="0" anchor="t" bIns="0" lIns="0" spcFirstLastPara="1" rIns="0" wrap="square" tIns="0">
-            <a:noAutofit/>
-          </a:bodyPr>
-          <a:lstStyle/>
-          <a:p>
-            <a:pPr indent="-342900" lvl="0" marL="457200" rtl="0" algn="l">
-              <a:spcBef>
-                <a:spcPts val="0"/>
-              </a:spcBef>
-              <a:spcAft>
-                <a:spcPts val="0"/>
-              </a:spcAft>
-              <a:buSzPts val="1800"/>
-              <a:buAutoNum type="arabicPeriod"/>
-            </a:pPr>
-            <a:r>
-              <a:rPr lang="en"/>
-              <a:t>The AMOS process</a:t>
-            </a:r>
-            <a:endParaRPr/>
-          </a:p>
-          <a:p>
-            <a:pPr indent="-342900" lvl="0" marL="457200" rtl="0" algn="l">
-              <a:spcBef>
-                <a:spcPts val="0"/>
-              </a:spcBef>
-              <a:spcAft>
-                <a:spcPts val="0"/>
-              </a:spcAft>
-              <a:buSzPts val="1800"/>
-              <a:buAutoNum type="arabicPeriod"/>
-            </a:pPr>
-            <a:r>
-              <a:rPr lang="en"/>
-              <a:t>The team meeting</a:t>
-            </a:r>
-            <a:endParaRPr/>
-          </a:p>
-          <a:p>
-            <a:pPr indent="-317500" lvl="1" marL="914400" rtl="0" algn="l">
-              <a:spcBef>
-                <a:spcPts val="0"/>
-              </a:spcBef>
-              <a:spcAft>
-                <a:spcPts val="0"/>
-              </a:spcAft>
-              <a:buSzPts val="1400"/>
-              <a:buChar char="○"/>
-            </a:pPr>
-            <a:r>
-              <a:rPr lang="en"/>
-              <a:t>Meeting preparation</a:t>
-            </a:r>
-            <a:endParaRPr/>
-          </a:p>
-          <a:p>
-            <a:pPr indent="-317500" lvl="1" marL="914400" rtl="0" algn="l">
-              <a:spcBef>
-                <a:spcPts val="0"/>
-              </a:spcBef>
-              <a:spcAft>
-                <a:spcPts val="0"/>
-              </a:spcAft>
-              <a:buSzPts val="1400"/>
-              <a:buChar char="○"/>
-            </a:pPr>
-            <a:r>
-              <a:rPr lang="en"/>
-              <a:t>Sprint review</a:t>
-            </a:r>
-            <a:endParaRPr/>
-          </a:p>
-          <a:p>
-            <a:pPr indent="-317500" lvl="1" marL="914400" rtl="0" algn="l">
-              <a:spcBef>
-                <a:spcPts val="0"/>
-              </a:spcBef>
-              <a:spcAft>
-                <a:spcPts val="0"/>
-              </a:spcAft>
-              <a:buSzPts val="1400"/>
-              <a:buChar char="○"/>
-            </a:pPr>
-            <a:r>
-              <a:rPr lang="en"/>
-              <a:t>Sprint release</a:t>
-            </a:r>
-            <a:endParaRPr/>
-          </a:p>
-          <a:p>
-            <a:pPr indent="-317500" lvl="1" marL="914400" rtl="0" algn="l">
-              <a:spcBef>
-                <a:spcPts val="0"/>
-              </a:spcBef>
-              <a:spcAft>
-                <a:spcPts val="0"/>
-              </a:spcAft>
-              <a:buSzPts val="1400"/>
-              <a:buChar char="○"/>
-            </a:pPr>
-            <a:r>
-              <a:rPr lang="en"/>
-              <a:t>Sprint retrospective</a:t>
-            </a:r>
-            <a:endParaRPr/>
-          </a:p>
-          <a:p>
-            <a:pPr indent="-317500" lvl="1" marL="914400" rtl="0" algn="l">
-              <a:spcBef>
-                <a:spcPts val="0"/>
-              </a:spcBef>
-              <a:spcAft>
-                <a:spcPts val="0"/>
-              </a:spcAft>
-              <a:buSzPts val="1400"/>
-              <a:buChar char="○"/>
-            </a:pPr>
-            <a:r>
-              <a:rPr lang="en"/>
-              <a:t>Sprint planning</a:t>
-            </a:r>
-            <a:endParaRPr/>
-          </a:p>
-          <a:p>
-            <a:pPr indent="-342900" lvl="0" marL="457200" rtl="0" algn="l">
-              <a:spcBef>
-                <a:spcPts val="1000"/>
-              </a:spcBef>
-              <a:spcAft>
-                <a:spcPts val="0"/>
-              </a:spcAft>
-              <a:buSzPts val="1800"/>
-              <a:buAutoNum type="arabicPeriod"/>
-            </a:pPr>
-            <a:r>
-              <a:rPr lang="en"/>
-              <a:t>Bill of materials</a:t>
-            </a:r>
-            <a:endParaRPr/>
-          </a:p>
-          <a:p>
-            <a:pPr indent="-342900" lvl="0" marL="457200" rtl="0" algn="l">
-              <a:spcBef>
-                <a:spcPts val="0"/>
-              </a:spcBef>
-              <a:spcAft>
-                <a:spcPts val="0"/>
-              </a:spcAft>
-              <a:buSzPts val="1800"/>
-              <a:buAutoNum type="arabicPeriod"/>
-            </a:pPr>
-            <a:r>
-              <a:rPr lang="en"/>
-              <a:t>Software architecture</a:t>
-            </a:r>
-            <a:endParaRPr/>
-          </a:p>
-        </p:txBody>
-      </p:sp>
-      <p:sp>
-        <p:nvSpPr>
-          <p:cNvPr id="300" name="Google Shape;300;p45"/>
+          <p:cNvPr id="314" name="Google Shape;314;p45"/>
           <p:cNvSpPr txBox="1"/>
           <p:nvPr>
             <p:ph idx="12" type="sldNum"/>
@@ -19310,6 +19707,34 @@
           </a:p>
         </p:txBody>
       </p:sp>
+      <p:pic>
+        <p:nvPicPr>
+          <p:cNvPr id="315" name="Google Shape;315;p45"/>
+          <p:cNvPicPr preferRelativeResize="0"/>
+          <p:nvPr/>
+        </p:nvPicPr>
+        <p:blipFill>
+          <a:blip r:embed="rId4">
+            <a:alphaModFix/>
+          </a:blip>
+          <a:stretch>
+            <a:fillRect/>
+          </a:stretch>
+        </p:blipFill>
+        <p:spPr>
+          <a:xfrm>
+            <a:off x="274320" y="914400"/>
+            <a:ext cx="8595360" cy="3502840"/>
+          </a:xfrm>
+          <a:prstGeom prst="rect">
+            <a:avLst/>
+          </a:prstGeom>
+          <a:noFill/>
+          <a:ln>
+            <a:noFill/>
+          </a:ln>
+        </p:spPr>
+      </p:pic>
     </p:spTree>
   </p:cSld>
   <p:clrMapOvr>
@@ -19323,7 +19748,7 @@
   <p:cSld>
     <p:spTree>
       <p:nvGrpSpPr>
-        <p:cNvPr id="304" name="Shape 304"/>
+        <p:cNvPr id="319" name="Shape 319"/>
         <p:cNvGrpSpPr/>
         <p:nvPr/>
       </p:nvGrpSpPr>
@@ -19337,39 +19762,39 @@
       </p:grpSpPr>
       <p:sp>
         <p:nvSpPr>
-          <p:cNvPr id="305" name="Google Shape;305;p46"/>
+          <p:cNvPr id="320" name="Google Shape;320;p46"/>
           <p:cNvSpPr txBox="1"/>
           <p:nvPr>
-            <p:ph type="ctrTitle"/>
+            <p:ph type="title"/>
           </p:nvPr>
         </p:nvSpPr>
         <p:spPr>
           <a:xfrm>
             <a:off x="0" y="0"/>
-            <a:ext cx="9144000" cy="2388900"/>
+            <a:ext cx="9144000" cy="685800"/>
           </a:xfrm>
           <a:prstGeom prst="rect">
             <a:avLst/>
           </a:prstGeom>
         </p:spPr>
         <p:txBody>
-          <a:bodyPr anchorCtr="0" anchor="b" bIns="274300" lIns="91425" spcFirstLastPara="1" rIns="91425" wrap="square" tIns="91425">
+          <a:bodyPr anchorCtr="0" anchor="ctr" bIns="91425" lIns="274300" spcFirstLastPara="1" rIns="91425" wrap="square" tIns="91425">
             <a:noAutofit/>
           </a:bodyPr>
           <a:lstStyle/>
           <a:p>
-            <a:pPr indent="0" lvl="0" marL="0" rtl="0" algn="ctr">
-              <a:spcBef>
-                <a:spcPts val="0"/>
-              </a:spcBef>
-              <a:spcAft>
-                <a:spcPts val="0"/>
-              </a:spcAft>
-              <a:buNone/>
-            </a:pPr>
-            <a:r>
-              <a:rPr lang="en"/>
-              <a:t>Thank you! Any questions?</a:t>
+            <a:pPr indent="0" lvl="0" marL="0" rtl="0" algn="l">
+              <a:spcBef>
+                <a:spcPts val="0"/>
+              </a:spcBef>
+              <a:spcAft>
+                <a:spcPts val="0"/>
+              </a:spcAft>
+              <a:buNone/>
+            </a:pPr>
+            <a:r>
+              <a:rPr lang="en"/>
+              <a:t>One-time Deliverable: Architecture Description</a:t>
             </a:r>
             <a:endParaRPr/>
           </a:p>
@@ -19377,120 +19802,188 @@
       </p:sp>
       <p:sp>
         <p:nvSpPr>
-          <p:cNvPr id="306" name="Google Shape;306;p46"/>
+          <p:cNvPr id="321" name="Google Shape;321;p46"/>
           <p:cNvSpPr txBox="1"/>
           <p:nvPr>
-            <p:ph idx="1" type="subTitle"/>
+            <p:ph idx="1" type="body"/>
           </p:nvPr>
         </p:nvSpPr>
         <p:spPr>
           <a:xfrm>
-            <a:off x="0" y="2569475"/>
-            <a:ext cx="9144000" cy="2574000"/>
+            <a:off x="274320" y="914400"/>
+            <a:ext cx="8595300" cy="4114800"/>
           </a:xfrm>
           <a:prstGeom prst="rect">
             <a:avLst/>
           </a:prstGeom>
         </p:spPr>
         <p:txBody>
-          <a:bodyPr anchorCtr="0" anchor="t" bIns="91425" lIns="91425" spcFirstLastPara="1" rIns="91425" wrap="square" tIns="274300">
+          <a:bodyPr anchorCtr="0" anchor="t" bIns="0" lIns="0" spcFirstLastPara="1" rIns="0" wrap="square" tIns="0">
             <a:noAutofit/>
           </a:bodyPr>
           <a:lstStyle/>
           <a:p>
-            <a:pPr indent="0" lvl="0" marL="0" rtl="0" algn="ctr">
-              <a:lnSpc>
-                <a:spcPct val="150000"/>
-              </a:lnSpc>
-              <a:spcBef>
-                <a:spcPts val="0"/>
-              </a:spcBef>
-              <a:spcAft>
-                <a:spcPts val="0"/>
-              </a:spcAft>
-              <a:buNone/>
-            </a:pPr>
-            <a:r>
-              <a:rPr lang="en" u="sng">
+            <a:pPr indent="0" lvl="0" marL="0" rtl="0" algn="l">
+              <a:spcBef>
+                <a:spcPts val="0"/>
+              </a:spcBef>
+              <a:spcAft>
+                <a:spcPts val="0"/>
+              </a:spcAft>
+              <a:buNone/>
+            </a:pPr>
+            <a:r>
+              <a:rPr lang="en"/>
+              <a:t>Provide a description of the initial planned architecture including (at a minimum)</a:t>
+            </a:r>
+            <a:endParaRPr/>
+          </a:p>
+          <a:p>
+            <a:pPr indent="-342900" lvl="0" marL="457200" rtl="0" algn="l">
+              <a:spcBef>
+                <a:spcPts val="1200"/>
+              </a:spcBef>
+              <a:spcAft>
+                <a:spcPts val="0"/>
+              </a:spcAft>
+              <a:buSzPts val="1800"/>
+              <a:buAutoNum type="arabicPeriod"/>
+            </a:pPr>
+            <a:r>
+              <a:rPr lang="en"/>
+              <a:t>The runtime architecture</a:t>
+            </a:r>
+            <a:endParaRPr/>
+          </a:p>
+          <a:p>
+            <a:pPr indent="-342900" lvl="0" marL="457200" rtl="0" algn="l">
+              <a:spcBef>
+                <a:spcPts val="0"/>
+              </a:spcBef>
+              <a:spcAft>
+                <a:spcPts val="0"/>
+              </a:spcAft>
+              <a:buSzPts val="1800"/>
+              <a:buAutoNum type="arabicPeriod"/>
+            </a:pPr>
+            <a:r>
+              <a:rPr lang="en"/>
+              <a:t>The code (static) architecture</a:t>
+            </a:r>
+            <a:endParaRPr/>
+          </a:p>
+          <a:p>
+            <a:pPr indent="-342900" lvl="0" marL="457200" rtl="0" algn="l">
+              <a:spcBef>
+                <a:spcPts val="0"/>
+              </a:spcBef>
+              <a:spcAft>
+                <a:spcPts val="0"/>
+              </a:spcAft>
+              <a:buSzPts val="1800"/>
+              <a:buAutoNum type="arabicPeriod"/>
+            </a:pPr>
+            <a:r>
+              <a:rPr lang="en"/>
+              <a:t>The tech stack you are building on</a:t>
+            </a:r>
+            <a:endParaRPr/>
+          </a:p>
+          <a:p>
+            <a:pPr indent="0" lvl="0" marL="0" rtl="0" algn="l">
+              <a:spcBef>
+                <a:spcPts val="1200"/>
+              </a:spcBef>
+              <a:spcAft>
+                <a:spcPts val="0"/>
+              </a:spcAft>
+              <a:buNone/>
+            </a:pPr>
+            <a:r>
+              <a:rPr lang="en"/>
+              <a:t>Feel free at the end of the project to review planning with reality</a:t>
+            </a:r>
+            <a:endParaRPr/>
+          </a:p>
+          <a:p>
+            <a:pPr indent="0" lvl="0" marL="0" rtl="0" algn="l">
+              <a:spcBef>
+                <a:spcPts val="1200"/>
+              </a:spcBef>
+              <a:spcAft>
+                <a:spcPts val="1200"/>
+              </a:spcAft>
+              <a:buNone/>
+            </a:pPr>
+            <a:r>
+              <a:t/>
+            </a:r>
+            <a:endParaRPr/>
+          </a:p>
+        </p:txBody>
+      </p:sp>
+      <p:sp>
+        <p:nvSpPr>
+          <p:cNvPr id="322" name="Google Shape;322;p46"/>
+          <p:cNvSpPr txBox="1"/>
+          <p:nvPr>
+            <p:ph idx="12" type="sldNum"/>
+          </p:nvPr>
+        </p:nvSpPr>
+        <p:spPr>
+          <a:xfrm>
+            <a:off x="7315202" y="4229100"/>
+            <a:ext cx="1828800" cy="914400"/>
+          </a:xfrm>
+          <a:prstGeom prst="rect">
+            <a:avLst/>
+          </a:prstGeom>
+        </p:spPr>
+        <p:txBody>
+          <a:bodyPr anchorCtr="0" anchor="b" bIns="91425" lIns="91425" spcFirstLastPara="1" rIns="91425" wrap="square" tIns="91425">
+            <a:noAutofit/>
+          </a:bodyPr>
+          <a:lstStyle/>
+          <a:p>
+            <a:pPr indent="0" lvl="0" marL="0" rtl="0" algn="r">
+              <a:spcBef>
+                <a:spcPts val="0"/>
+              </a:spcBef>
+              <a:spcAft>
+                <a:spcPts val="0"/>
+              </a:spcAft>
+              <a:buNone/>
+            </a:pPr>
+            <a:fld id="{00000000-1234-1234-1234-123412341234}" type="slidenum">
+              <a:rPr lang="en"/>
+              <a:t>‹#›</a:t>
+            </a:fld>
+            <a:endParaRPr/>
+          </a:p>
+          <a:p>
+            <a:pPr indent="0" lvl="0" marL="0" rtl="0" algn="r">
+              <a:spcBef>
+                <a:spcPts val="0"/>
+              </a:spcBef>
+              <a:spcAft>
+                <a:spcPts val="0"/>
+              </a:spcAft>
+              <a:buNone/>
+            </a:pPr>
+            <a:r>
+              <a:rPr b="0" lang="en" sz="1000" u="sng">
                 <a:solidFill>
                   <a:schemeClr val="hlink"/>
                 </a:solidFill>
                 <a:hlinkClick r:id="rId3"/>
               </a:rPr>
-              <a:t>dirk.riehle@fau.de</a:t>
-            </a:r>
-            <a:r>
-              <a:rPr lang="en"/>
+              <a:t>uni1.de/amos</a:t>
+            </a:r>
+            <a:r>
+              <a:rPr b="0" lang="en" sz="1000"/>
               <a:t> </a:t>
             </a:r>
-            <a:r>
-              <a:rPr lang="en" sz="2400"/>
-              <a:t>–</a:t>
-            </a:r>
-            <a:r>
-              <a:rPr lang="en"/>
-              <a:t> </a:t>
-            </a:r>
-            <a:r>
-              <a:rPr lang="en" u="sng">
-                <a:solidFill>
-                  <a:schemeClr val="hlink"/>
-                </a:solidFill>
-                <a:hlinkClick r:id="rId4"/>
-              </a:rPr>
-              <a:t>https://oss.cs.fau.de</a:t>
-            </a:r>
-            <a:endParaRPr/>
-          </a:p>
-          <a:p>
-            <a:pPr indent="0" lvl="0" marL="0" rtl="0" algn="ctr">
-              <a:lnSpc>
-                <a:spcPct val="150000"/>
-              </a:lnSpc>
-              <a:spcBef>
-                <a:spcPts val="0"/>
-              </a:spcBef>
-              <a:spcAft>
-                <a:spcPts val="0"/>
-              </a:spcAft>
-              <a:buNone/>
-            </a:pPr>
-            <a:r>
-              <a:rPr lang="en" sz="2400" u="sng">
-                <a:solidFill>
-                  <a:schemeClr val="hlink"/>
-                </a:solidFill>
-                <a:hlinkClick r:id="rId5"/>
-              </a:rPr>
-              <a:t>dirk@riehle.org</a:t>
-            </a:r>
-            <a:r>
-              <a:rPr lang="en" sz="2400"/>
-              <a:t> – </a:t>
-            </a:r>
-            <a:r>
-              <a:rPr lang="en" sz="2400" u="sng">
-                <a:solidFill>
-                  <a:schemeClr val="hlink"/>
-                </a:solidFill>
-                <a:hlinkClick r:id="rId6"/>
-              </a:rPr>
-              <a:t>https://dirkriehle.com</a:t>
-            </a:r>
-            <a:r>
-              <a:rPr lang="en" sz="2400"/>
-              <a:t> – </a:t>
-            </a:r>
-            <a:r>
-              <a:rPr lang="en" sz="2400" u="sng">
-                <a:solidFill>
-                  <a:schemeClr val="hlink"/>
-                </a:solidFill>
-                <a:hlinkClick r:id="rId7"/>
-              </a:rPr>
-              <a:t>@dirkriehle</a:t>
-            </a:r>
-            <a:endParaRPr sz="2400"/>
+            <a:endParaRPr b="0" sz="1000"/>
           </a:p>
         </p:txBody>
       </p:sp>
@@ -19572,7 +20065,7 @@
   <p:cSld>
     <p:spTree>
       <p:nvGrpSpPr>
-        <p:cNvPr id="310" name="Shape 310"/>
+        <p:cNvPr id="326" name="Shape 326"/>
         <p:cNvGrpSpPr/>
         <p:nvPr/>
       </p:nvGrpSpPr>
@@ -19586,7 +20079,7 @@
       </p:grpSpPr>
       <p:sp>
         <p:nvSpPr>
-          <p:cNvPr id="311" name="Google Shape;311;p47"/>
+          <p:cNvPr id="327" name="Google Shape;327;p47"/>
           <p:cNvSpPr txBox="1"/>
           <p:nvPr>
             <p:ph type="title"/>
@@ -19618,7 +20111,7 @@
             </a:pPr>
             <a:r>
               <a:rPr lang="en"/>
-              <a:t>Legal Notices</a:t>
+              <a:t>Summary</a:t>
             </a:r>
             <a:endParaRPr/>
           </a:p>
@@ -19626,7 +20119,498 @@
       </p:sp>
       <p:sp>
         <p:nvSpPr>
-          <p:cNvPr id="312" name="Google Shape;312;p47"/>
+          <p:cNvPr id="328" name="Google Shape;328;p47"/>
+          <p:cNvSpPr txBox="1"/>
+          <p:nvPr>
+            <p:ph idx="1" type="body"/>
+          </p:nvPr>
+        </p:nvSpPr>
+        <p:spPr>
+          <a:xfrm>
+            <a:off x="274320" y="914400"/>
+            <a:ext cx="8595300" cy="4114800"/>
+          </a:xfrm>
+          <a:prstGeom prst="rect">
+            <a:avLst/>
+          </a:prstGeom>
+        </p:spPr>
+        <p:txBody>
+          <a:bodyPr anchorCtr="0" anchor="t" bIns="0" lIns="0" spcFirstLastPara="1" rIns="0" wrap="square" tIns="0">
+            <a:noAutofit/>
+          </a:bodyPr>
+          <a:lstStyle/>
+          <a:p>
+            <a:pPr indent="-342900" lvl="0" marL="457200" rtl="0" algn="l">
+              <a:spcBef>
+                <a:spcPts val="0"/>
+              </a:spcBef>
+              <a:spcAft>
+                <a:spcPts val="0"/>
+              </a:spcAft>
+              <a:buSzPts val="1800"/>
+              <a:buAutoNum type="arabicPeriod"/>
+            </a:pPr>
+            <a:r>
+              <a:rPr lang="en"/>
+              <a:t>The AMOS process</a:t>
+            </a:r>
+            <a:endParaRPr/>
+          </a:p>
+          <a:p>
+            <a:pPr indent="-342900" lvl="0" marL="457200" rtl="0" algn="l">
+              <a:spcBef>
+                <a:spcPts val="0"/>
+              </a:spcBef>
+              <a:spcAft>
+                <a:spcPts val="0"/>
+              </a:spcAft>
+              <a:buSzPts val="1800"/>
+              <a:buAutoNum type="arabicPeriod"/>
+            </a:pPr>
+            <a:r>
+              <a:rPr lang="en"/>
+              <a:t>The team meeting</a:t>
+            </a:r>
+            <a:endParaRPr/>
+          </a:p>
+          <a:p>
+            <a:pPr indent="-317500" lvl="1" marL="914400" rtl="0" algn="l">
+              <a:spcBef>
+                <a:spcPts val="0"/>
+              </a:spcBef>
+              <a:spcAft>
+                <a:spcPts val="0"/>
+              </a:spcAft>
+              <a:buSzPts val="1400"/>
+              <a:buChar char="○"/>
+            </a:pPr>
+            <a:r>
+              <a:rPr lang="en"/>
+              <a:t>Meeting preparation</a:t>
+            </a:r>
+            <a:endParaRPr/>
+          </a:p>
+          <a:p>
+            <a:pPr indent="-317500" lvl="1" marL="914400" rtl="0" algn="l">
+              <a:spcBef>
+                <a:spcPts val="0"/>
+              </a:spcBef>
+              <a:spcAft>
+                <a:spcPts val="0"/>
+              </a:spcAft>
+              <a:buSzPts val="1400"/>
+              <a:buChar char="○"/>
+            </a:pPr>
+            <a:r>
+              <a:rPr lang="en"/>
+              <a:t>Sprint review</a:t>
+            </a:r>
+            <a:endParaRPr/>
+          </a:p>
+          <a:p>
+            <a:pPr indent="-317500" lvl="1" marL="914400" rtl="0" algn="l">
+              <a:spcBef>
+                <a:spcPts val="0"/>
+              </a:spcBef>
+              <a:spcAft>
+                <a:spcPts val="0"/>
+              </a:spcAft>
+              <a:buSzPts val="1400"/>
+              <a:buChar char="○"/>
+            </a:pPr>
+            <a:r>
+              <a:rPr lang="en"/>
+              <a:t>Sprint release</a:t>
+            </a:r>
+            <a:endParaRPr/>
+          </a:p>
+          <a:p>
+            <a:pPr indent="-317500" lvl="1" marL="914400" rtl="0" algn="l">
+              <a:spcBef>
+                <a:spcPts val="0"/>
+              </a:spcBef>
+              <a:spcAft>
+                <a:spcPts val="0"/>
+              </a:spcAft>
+              <a:buSzPts val="1400"/>
+              <a:buChar char="○"/>
+            </a:pPr>
+            <a:r>
+              <a:rPr lang="en"/>
+              <a:t>Sprint retrospective</a:t>
+            </a:r>
+            <a:endParaRPr/>
+          </a:p>
+          <a:p>
+            <a:pPr indent="-317500" lvl="1" marL="914400" rtl="0" algn="l">
+              <a:spcBef>
+                <a:spcPts val="0"/>
+              </a:spcBef>
+              <a:spcAft>
+                <a:spcPts val="0"/>
+              </a:spcAft>
+              <a:buSzPts val="1400"/>
+              <a:buChar char="○"/>
+            </a:pPr>
+            <a:r>
+              <a:rPr lang="en"/>
+              <a:t>Sprint planning</a:t>
+            </a:r>
+            <a:endParaRPr/>
+          </a:p>
+          <a:p>
+            <a:pPr indent="-342900" lvl="0" marL="457200" rtl="0" algn="l">
+              <a:spcBef>
+                <a:spcPts val="1000"/>
+              </a:spcBef>
+              <a:spcAft>
+                <a:spcPts val="0"/>
+              </a:spcAft>
+              <a:buSzPts val="1800"/>
+              <a:buAutoNum type="arabicPeriod"/>
+            </a:pPr>
+            <a:r>
+              <a:rPr lang="en"/>
+              <a:t>Bill of materials</a:t>
+            </a:r>
+            <a:endParaRPr/>
+          </a:p>
+          <a:p>
+            <a:pPr indent="-342900" lvl="0" marL="457200" rtl="0" algn="l">
+              <a:spcBef>
+                <a:spcPts val="0"/>
+              </a:spcBef>
+              <a:spcAft>
+                <a:spcPts val="0"/>
+              </a:spcAft>
+              <a:buSzPts val="1800"/>
+              <a:buAutoNum type="arabicPeriod"/>
+            </a:pPr>
+            <a:r>
+              <a:rPr lang="en"/>
+              <a:t>Software architecture</a:t>
+            </a:r>
+            <a:endParaRPr/>
+          </a:p>
+        </p:txBody>
+      </p:sp>
+      <p:sp>
+        <p:nvSpPr>
+          <p:cNvPr id="329" name="Google Shape;329;p47"/>
+          <p:cNvSpPr txBox="1"/>
+          <p:nvPr>
+            <p:ph idx="12" type="sldNum"/>
+          </p:nvPr>
+        </p:nvSpPr>
+        <p:spPr>
+          <a:xfrm>
+            <a:off x="7315202" y="4229100"/>
+            <a:ext cx="1828800" cy="914400"/>
+          </a:xfrm>
+          <a:prstGeom prst="rect">
+            <a:avLst/>
+          </a:prstGeom>
+        </p:spPr>
+        <p:txBody>
+          <a:bodyPr anchorCtr="0" anchor="b" bIns="91425" lIns="91425" spcFirstLastPara="1" rIns="91425" wrap="square" tIns="91425">
+            <a:noAutofit/>
+          </a:bodyPr>
+          <a:lstStyle/>
+          <a:p>
+            <a:pPr indent="0" lvl="0" marL="0" rtl="0" algn="r">
+              <a:spcBef>
+                <a:spcPts val="0"/>
+              </a:spcBef>
+              <a:spcAft>
+                <a:spcPts val="0"/>
+              </a:spcAft>
+              <a:buNone/>
+            </a:pPr>
+            <a:fld id="{00000000-1234-1234-1234-123412341234}" type="slidenum">
+              <a:rPr lang="en"/>
+              <a:t>‹#›</a:t>
+            </a:fld>
+            <a:endParaRPr/>
+          </a:p>
+          <a:p>
+            <a:pPr indent="0" lvl="0" marL="0" rtl="0" algn="r">
+              <a:spcBef>
+                <a:spcPts val="0"/>
+              </a:spcBef>
+              <a:spcAft>
+                <a:spcPts val="0"/>
+              </a:spcAft>
+              <a:buNone/>
+            </a:pPr>
+            <a:r>
+              <a:rPr b="0" lang="en" sz="1000" u="sng">
+                <a:solidFill>
+                  <a:schemeClr val="hlink"/>
+                </a:solidFill>
+                <a:hlinkClick r:id="rId3"/>
+              </a:rPr>
+              <a:t>uni1.de/amos</a:t>
+            </a:r>
+            <a:r>
+              <a:rPr b="0" lang="en" sz="1000"/>
+              <a:t> </a:t>
+            </a:r>
+            <a:endParaRPr b="0" sz="1000"/>
+          </a:p>
+        </p:txBody>
+      </p:sp>
+    </p:spTree>
+  </p:cSld>
+  <p:clrMapOvr>
+    <a:masterClrMapping/>
+  </p:clrMapOvr>
+</p:sld>
+</file>
+
+<file path=ppt/slides/slide41.xml><?xml version="1.0" encoding="utf-8"?>
+<p:sld xmlns:a="http://schemas.openxmlformats.org/drawingml/2006/main" xmlns:r="http://schemas.openxmlformats.org/officeDocument/2006/relationships" xmlns:mc="http://schemas.openxmlformats.org/markup-compatibility/2006" xmlns:mv="urn:schemas-microsoft-com:mac:vml" xmlns:p="http://schemas.openxmlformats.org/presentationml/2006/main" xmlns:c="http://schemas.openxmlformats.org/drawingml/2006/chart" xmlns:dgm="http://schemas.openxmlformats.org/drawingml/2006/diagram" xmlns:o="urn:schemas-microsoft-com:office:office" xmlns:v="urn:schemas-microsoft-com:vml" xmlns:pvml="urn:schemas-microsoft-com:office:powerpoint" xmlns:com="http://schemas.openxmlformats.org/drawingml/2006/compatibility" xmlns:p14="http://schemas.microsoft.com/office/powerpoint/2010/main" xmlns:p15="http://schemas.microsoft.com/office/powerpoint/2012/main" xmlns:ahyp="http://schemas.microsoft.com/office/drawing/2018/hyperlinkcolor">
+  <p:cSld>
+    <p:spTree>
+      <p:nvGrpSpPr>
+        <p:cNvPr id="333" name="Shape 333"/>
+        <p:cNvGrpSpPr/>
+        <p:nvPr/>
+      </p:nvGrpSpPr>
+      <p:grpSpPr>
+        <a:xfrm>
+          <a:off x="0" y="0"/>
+          <a:ext cx="0" cy="0"/>
+          <a:chOff x="0" y="0"/>
+          <a:chExt cx="0" cy="0"/>
+        </a:xfrm>
+      </p:grpSpPr>
+      <p:sp>
+        <p:nvSpPr>
+          <p:cNvPr id="334" name="Google Shape;334;p48"/>
+          <p:cNvSpPr txBox="1"/>
+          <p:nvPr>
+            <p:ph type="ctrTitle"/>
+          </p:nvPr>
+        </p:nvSpPr>
+        <p:spPr>
+          <a:xfrm>
+            <a:off x="0" y="0"/>
+            <a:ext cx="9144000" cy="2388900"/>
+          </a:xfrm>
+          <a:prstGeom prst="rect">
+            <a:avLst/>
+          </a:prstGeom>
+        </p:spPr>
+        <p:txBody>
+          <a:bodyPr anchorCtr="0" anchor="b" bIns="274300" lIns="91425" spcFirstLastPara="1" rIns="91425" wrap="square" tIns="91425">
+            <a:noAutofit/>
+          </a:bodyPr>
+          <a:lstStyle/>
+          <a:p>
+            <a:pPr indent="0" lvl="0" marL="0" rtl="0" algn="ctr">
+              <a:spcBef>
+                <a:spcPts val="0"/>
+              </a:spcBef>
+              <a:spcAft>
+                <a:spcPts val="0"/>
+              </a:spcAft>
+              <a:buNone/>
+            </a:pPr>
+            <a:r>
+              <a:rPr lang="en"/>
+              <a:t>Thank you! Any questions?</a:t>
+            </a:r>
+            <a:endParaRPr/>
+          </a:p>
+        </p:txBody>
+      </p:sp>
+      <p:sp>
+        <p:nvSpPr>
+          <p:cNvPr id="335" name="Google Shape;335;p48"/>
+          <p:cNvSpPr txBox="1"/>
+          <p:nvPr>
+            <p:ph idx="1" type="subTitle"/>
+          </p:nvPr>
+        </p:nvSpPr>
+        <p:spPr>
+          <a:xfrm>
+            <a:off x="0" y="2569475"/>
+            <a:ext cx="9144000" cy="2574000"/>
+          </a:xfrm>
+          <a:prstGeom prst="rect">
+            <a:avLst/>
+          </a:prstGeom>
+        </p:spPr>
+        <p:txBody>
+          <a:bodyPr anchorCtr="0" anchor="t" bIns="91425" lIns="91425" spcFirstLastPara="1" rIns="91425" wrap="square" tIns="274300">
+            <a:noAutofit/>
+          </a:bodyPr>
+          <a:lstStyle/>
+          <a:p>
+            <a:pPr indent="0" lvl="0" marL="0" rtl="0" algn="ctr">
+              <a:lnSpc>
+                <a:spcPct val="150000"/>
+              </a:lnSpc>
+              <a:spcBef>
+                <a:spcPts val="0"/>
+              </a:spcBef>
+              <a:spcAft>
+                <a:spcPts val="0"/>
+              </a:spcAft>
+              <a:buNone/>
+            </a:pPr>
+            <a:r>
+              <a:rPr lang="en" u="sng">
+                <a:solidFill>
+                  <a:schemeClr val="hlink"/>
+                </a:solidFill>
+                <a:hlinkClick r:id="rId3"/>
+              </a:rPr>
+              <a:t>dirk.riehle@fau.de</a:t>
+            </a:r>
+            <a:r>
+              <a:rPr lang="en"/>
+              <a:t> </a:t>
+            </a:r>
+            <a:r>
+              <a:rPr lang="en" sz="2400"/>
+              <a:t>–</a:t>
+            </a:r>
+            <a:r>
+              <a:rPr lang="en"/>
+              <a:t> </a:t>
+            </a:r>
+            <a:r>
+              <a:rPr lang="en" u="sng">
+                <a:solidFill>
+                  <a:schemeClr val="hlink"/>
+                </a:solidFill>
+                <a:hlinkClick r:id="rId4"/>
+              </a:rPr>
+              <a:t>https://oss.cs.fau.de</a:t>
+            </a:r>
+            <a:endParaRPr/>
+          </a:p>
+          <a:p>
+            <a:pPr indent="0" lvl="0" marL="0" rtl="0" algn="ctr">
+              <a:lnSpc>
+                <a:spcPct val="150000"/>
+              </a:lnSpc>
+              <a:spcBef>
+                <a:spcPts val="0"/>
+              </a:spcBef>
+              <a:spcAft>
+                <a:spcPts val="0"/>
+              </a:spcAft>
+              <a:buNone/>
+            </a:pPr>
+            <a:r>
+              <a:rPr lang="en" sz="2400" u="sng">
+                <a:solidFill>
+                  <a:schemeClr val="hlink"/>
+                </a:solidFill>
+                <a:hlinkClick r:id="rId5"/>
+              </a:rPr>
+              <a:t>dirk@riehle.org</a:t>
+            </a:r>
+            <a:r>
+              <a:rPr lang="en" sz="2400"/>
+              <a:t> – </a:t>
+            </a:r>
+            <a:r>
+              <a:rPr lang="en" sz="2400" u="sng">
+                <a:solidFill>
+                  <a:schemeClr val="hlink"/>
+                </a:solidFill>
+                <a:hlinkClick r:id="rId6"/>
+              </a:rPr>
+              <a:t>https://dirkriehle.com</a:t>
+            </a:r>
+            <a:r>
+              <a:rPr lang="en" sz="2400"/>
+              <a:t> – </a:t>
+            </a:r>
+            <a:r>
+              <a:rPr lang="en" sz="2400" u="sng">
+                <a:solidFill>
+                  <a:schemeClr val="hlink"/>
+                </a:solidFill>
+                <a:hlinkClick r:id="rId7"/>
+              </a:rPr>
+              <a:t>@dirkriehle</a:t>
+            </a:r>
+            <a:endParaRPr sz="2400"/>
+          </a:p>
+        </p:txBody>
+      </p:sp>
+    </p:spTree>
+  </p:cSld>
+  <p:clrMapOvr>
+    <a:masterClrMapping/>
+  </p:clrMapOvr>
+</p:sld>
+</file>
+
+<file path=ppt/slides/slide42.xml><?xml version="1.0" encoding="utf-8"?>
+<p:sld xmlns:a="http://schemas.openxmlformats.org/drawingml/2006/main" xmlns:r="http://schemas.openxmlformats.org/officeDocument/2006/relationships" xmlns:mc="http://schemas.openxmlformats.org/markup-compatibility/2006" xmlns:mv="urn:schemas-microsoft-com:mac:vml" xmlns:p="http://schemas.openxmlformats.org/presentationml/2006/main" xmlns:c="http://schemas.openxmlformats.org/drawingml/2006/chart" xmlns:dgm="http://schemas.openxmlformats.org/drawingml/2006/diagram" xmlns:o="urn:schemas-microsoft-com:office:office" xmlns:v="urn:schemas-microsoft-com:vml" xmlns:pvml="urn:schemas-microsoft-com:office:powerpoint" xmlns:com="http://schemas.openxmlformats.org/drawingml/2006/compatibility" xmlns:p14="http://schemas.microsoft.com/office/powerpoint/2010/main" xmlns:p15="http://schemas.microsoft.com/office/powerpoint/2012/main" xmlns:ahyp="http://schemas.microsoft.com/office/drawing/2018/hyperlinkcolor">
+  <p:cSld>
+    <p:spTree>
+      <p:nvGrpSpPr>
+        <p:cNvPr id="339" name="Shape 339"/>
+        <p:cNvGrpSpPr/>
+        <p:nvPr/>
+      </p:nvGrpSpPr>
+      <p:grpSpPr>
+        <a:xfrm>
+          <a:off x="0" y="0"/>
+          <a:ext cx="0" cy="0"/>
+          <a:chOff x="0" y="0"/>
+          <a:chExt cx="0" cy="0"/>
+        </a:xfrm>
+      </p:grpSpPr>
+      <p:sp>
+        <p:nvSpPr>
+          <p:cNvPr id="340" name="Google Shape;340;p49"/>
+          <p:cNvSpPr txBox="1"/>
+          <p:nvPr>
+            <p:ph type="title"/>
+          </p:nvPr>
+        </p:nvSpPr>
+        <p:spPr>
+          <a:xfrm>
+            <a:off x="0" y="0"/>
+            <a:ext cx="9144000" cy="685800"/>
+          </a:xfrm>
+          <a:prstGeom prst="rect">
+            <a:avLst/>
+          </a:prstGeom>
+        </p:spPr>
+        <p:txBody>
+          <a:bodyPr anchorCtr="0" anchor="ctr" bIns="91425" lIns="274300" spcFirstLastPara="1" rIns="91425" wrap="square" tIns="91425">
+            <a:noAutofit/>
+          </a:bodyPr>
+          <a:lstStyle/>
+          <a:p>
+            <a:pPr indent="0" lvl="0" marL="0" rtl="0" algn="l">
+              <a:spcBef>
+                <a:spcPts val="0"/>
+              </a:spcBef>
+              <a:spcAft>
+                <a:spcPts val="0"/>
+              </a:spcAft>
+              <a:buNone/>
+            </a:pPr>
+            <a:r>
+              <a:rPr lang="en"/>
+              <a:t>Legal Notices</a:t>
+            </a:r>
+            <a:endParaRPr/>
+          </a:p>
+        </p:txBody>
+      </p:sp>
+      <p:sp>
+        <p:nvSpPr>
+          <p:cNvPr id="341" name="Google Shape;341;p49"/>
           <p:cNvSpPr txBox="1"/>
           <p:nvPr>
             <p:ph idx="12" type="sldNum"/>
@@ -19691,7 +20675,7 @@
       </p:sp>
       <p:sp>
         <p:nvSpPr>
-          <p:cNvPr id="313" name="Google Shape;313;p47"/>
+          <p:cNvPr id="342" name="Google Shape;342;p49"/>
           <p:cNvSpPr txBox="1"/>
           <p:nvPr>
             <p:ph idx="1" type="body"/>
@@ -20394,7 +21378,7 @@
             </a:pPr>
             <a:r>
               <a:rPr lang="en"/>
-              <a:t>A named identifiable, consistent, and useful snapshot of the product</a:t>
+              <a:t>A named identifiable, consistent, and useful snapshot of the software</a:t>
             </a:r>
             <a:endParaRPr/>
           </a:p>
@@ -20674,7 +21658,16 @@
             </a:r>
             <a:r>
               <a:rPr b="1" lang="en"/>
-              <a:t> Course Organization</a:t>
+              <a:t> </a:t>
+            </a:r>
+            <a:r>
+              <a:rPr b="1" lang="en" u="sng">
+                <a:solidFill>
+                  <a:schemeClr val="hlink"/>
+                </a:solidFill>
+                <a:hlinkClick r:id="rId3"/>
+              </a:rPr>
+              <a:t>Course Organization</a:t>
             </a:r>
             <a:r>
               <a:rPr lang="en"/>
@@ -20737,7 +21730,7 @@
                 <a:solidFill>
                   <a:schemeClr val="hlink"/>
                 </a:solidFill>
-                <a:hlinkClick r:id="rId3"/>
+                <a:hlinkClick r:id="rId4"/>
               </a:rPr>
               <a:t>uni1.de/amos</a:t>
             </a:r>

--- a/Lecture slides/AMOS B02 - Scrum and AMOS.pptx
+++ b/Lecture slides/AMOS B02 - Scrum and AMOS.pptx
@@ -1326,7 +1326,7 @@
   <p:cSld>
     <p:spTree>
       <p:nvGrpSpPr>
-        <p:cNvPr id="130" name="Shape 130"/>
+        <p:cNvPr id="129" name="Shape 129"/>
         <p:cNvGrpSpPr/>
         <p:nvPr/>
       </p:nvGrpSpPr>
@@ -1340,7 +1340,7 @@
       </p:grpSpPr>
       <p:sp>
         <p:nvSpPr>
-          <p:cNvPr id="131" name="Google Shape;131;g22c6355d619_0_103:notes"/>
+          <p:cNvPr id="130" name="Google Shape;130;g22c6355d619_0_103:notes"/>
           <p:cNvSpPr/>
           <p:nvPr>
             <p:ph idx="2" type="sldImg"/>
@@ -1375,7 +1375,7 @@
       </p:sp>
       <p:sp>
         <p:nvSpPr>
-          <p:cNvPr id="132" name="Google Shape;132;g22c6355d619_0_103:notes"/>
+          <p:cNvPr id="131" name="Google Shape;131;g22c6355d619_0_103:notes"/>
           <p:cNvSpPr txBox="1"/>
           <p:nvPr>
             <p:ph idx="1" type="body"/>
@@ -1425,7 +1425,7 @@
   <p:cSld>
     <p:spTree>
       <p:nvGrpSpPr>
-        <p:cNvPr id="143" name="Shape 143"/>
+        <p:cNvPr id="142" name="Shape 142"/>
         <p:cNvGrpSpPr/>
         <p:nvPr/>
       </p:nvGrpSpPr>
@@ -1439,7 +1439,7 @@
       </p:grpSpPr>
       <p:sp>
         <p:nvSpPr>
-          <p:cNvPr id="144" name="Google Shape;144;g22c6355d619_0_115:notes"/>
+          <p:cNvPr id="143" name="Google Shape;143;g22c6355d619_0_115:notes"/>
           <p:cNvSpPr/>
           <p:nvPr>
             <p:ph idx="2" type="sldImg"/>
@@ -1474,7 +1474,7 @@
       </p:sp>
       <p:sp>
         <p:nvSpPr>
-          <p:cNvPr id="145" name="Google Shape;145;g22c6355d619_0_115:notes"/>
+          <p:cNvPr id="144" name="Google Shape;144;g22c6355d619_0_115:notes"/>
           <p:cNvSpPr txBox="1"/>
           <p:nvPr>
             <p:ph idx="1" type="body"/>
@@ -1524,7 +1524,7 @@
   <p:cSld>
     <p:spTree>
       <p:nvGrpSpPr>
-        <p:cNvPr id="151" name="Shape 151"/>
+        <p:cNvPr id="150" name="Shape 150"/>
         <p:cNvGrpSpPr/>
         <p:nvPr/>
       </p:nvGrpSpPr>
@@ -1538,7 +1538,7 @@
       </p:grpSpPr>
       <p:sp>
         <p:nvSpPr>
-          <p:cNvPr id="152" name="Google Shape;152;g2cf0d554a2e_0_7:notes"/>
+          <p:cNvPr id="151" name="Google Shape;151;g2cf0d554a2e_0_7:notes"/>
           <p:cNvSpPr/>
           <p:nvPr>
             <p:ph idx="2" type="sldImg"/>
@@ -1573,7 +1573,7 @@
       </p:sp>
       <p:sp>
         <p:nvSpPr>
-          <p:cNvPr id="153" name="Google Shape;153;g2cf0d554a2e_0_7:notes"/>
+          <p:cNvPr id="152" name="Google Shape;152;g2cf0d554a2e_0_7:notes"/>
           <p:cNvSpPr txBox="1"/>
           <p:nvPr>
             <p:ph idx="1" type="body"/>
@@ -1623,7 +1623,7 @@
   <p:cSld>
     <p:spTree>
       <p:nvGrpSpPr>
-        <p:cNvPr id="158" name="Shape 158"/>
+        <p:cNvPr id="157" name="Shape 157"/>
         <p:cNvGrpSpPr/>
         <p:nvPr/>
       </p:nvGrpSpPr>
@@ -1637,7 +1637,7 @@
       </p:grpSpPr>
       <p:sp>
         <p:nvSpPr>
-          <p:cNvPr id="159" name="Google Shape;159;g22c6355d619_0_121:notes"/>
+          <p:cNvPr id="158" name="Google Shape;158;g22c6355d619_0_121:notes"/>
           <p:cNvSpPr/>
           <p:nvPr>
             <p:ph idx="2" type="sldImg"/>
@@ -1672,7 +1672,7 @@
       </p:sp>
       <p:sp>
         <p:nvSpPr>
-          <p:cNvPr id="160" name="Google Shape;160;g22c6355d619_0_121:notes"/>
+          <p:cNvPr id="159" name="Google Shape;159;g22c6355d619_0_121:notes"/>
           <p:cNvSpPr txBox="1"/>
           <p:nvPr>
             <p:ph idx="1" type="body"/>
@@ -1722,7 +1722,7 @@
   <p:cSld>
     <p:spTree>
       <p:nvGrpSpPr>
-        <p:cNvPr id="166" name="Shape 166"/>
+        <p:cNvPr id="164" name="Shape 164"/>
         <p:cNvGrpSpPr/>
         <p:nvPr/>
       </p:nvGrpSpPr>
@@ -1736,7 +1736,7 @@
       </p:grpSpPr>
       <p:sp>
         <p:nvSpPr>
-          <p:cNvPr id="167" name="Google Shape;167;g22c6355d619_0_207:notes"/>
+          <p:cNvPr id="165" name="Google Shape;165;g22c6355d619_0_207:notes"/>
           <p:cNvSpPr/>
           <p:nvPr>
             <p:ph idx="2" type="sldImg"/>
@@ -1771,7 +1771,7 @@
       </p:sp>
       <p:sp>
         <p:nvSpPr>
-          <p:cNvPr id="168" name="Google Shape;168;g22c6355d619_0_207:notes"/>
+          <p:cNvPr id="166" name="Google Shape;166;g22c6355d619_0_207:notes"/>
           <p:cNvSpPr txBox="1"/>
           <p:nvPr>
             <p:ph idx="1" type="body"/>
@@ -1920,7 +1920,7 @@
   <p:cSld>
     <p:spTree>
       <p:nvGrpSpPr>
-        <p:cNvPr id="174" name="Shape 174"/>
+        <p:cNvPr id="171" name="Shape 171"/>
         <p:cNvGrpSpPr/>
         <p:nvPr/>
       </p:nvGrpSpPr>
@@ -1934,7 +1934,7 @@
       </p:grpSpPr>
       <p:sp>
         <p:nvSpPr>
-          <p:cNvPr id="175" name="Google Shape;175;g22c6355d619_0_127:notes"/>
+          <p:cNvPr id="172" name="Google Shape;172;g22c6355d619_0_127:notes"/>
           <p:cNvSpPr/>
           <p:nvPr>
             <p:ph idx="2" type="sldImg"/>
@@ -1969,7 +1969,7 @@
       </p:sp>
       <p:sp>
         <p:nvSpPr>
-          <p:cNvPr id="176" name="Google Shape;176;g22c6355d619_0_127:notes"/>
+          <p:cNvPr id="173" name="Google Shape;173;g22c6355d619_0_127:notes"/>
           <p:cNvSpPr txBox="1"/>
           <p:nvPr>
             <p:ph idx="1" type="body"/>
@@ -2019,7 +2019,7 @@
   <p:cSld>
     <p:spTree>
       <p:nvGrpSpPr>
-        <p:cNvPr id="182" name="Shape 182"/>
+        <p:cNvPr id="179" name="Shape 179"/>
         <p:cNvGrpSpPr/>
         <p:nvPr/>
       </p:nvGrpSpPr>
@@ -2033,7 +2033,7 @@
       </p:grpSpPr>
       <p:sp>
         <p:nvSpPr>
-          <p:cNvPr id="183" name="Google Shape;183;g22c6355d619_0_213:notes"/>
+          <p:cNvPr id="180" name="Google Shape;180;g22c6355d619_0_213:notes"/>
           <p:cNvSpPr/>
           <p:nvPr>
             <p:ph idx="2" type="sldImg"/>
@@ -2068,7 +2068,7 @@
       </p:sp>
       <p:sp>
         <p:nvSpPr>
-          <p:cNvPr id="184" name="Google Shape;184;g22c6355d619_0_213:notes"/>
+          <p:cNvPr id="181" name="Google Shape;181;g22c6355d619_0_213:notes"/>
           <p:cNvSpPr txBox="1"/>
           <p:nvPr>
             <p:ph idx="1" type="body"/>
@@ -2118,7 +2118,7 @@
   <p:cSld>
     <p:spTree>
       <p:nvGrpSpPr>
-        <p:cNvPr id="190" name="Shape 190"/>
+        <p:cNvPr id="186" name="Shape 186"/>
         <p:cNvGrpSpPr/>
         <p:nvPr/>
       </p:nvGrpSpPr>
@@ -2132,7 +2132,7 @@
       </p:grpSpPr>
       <p:sp>
         <p:nvSpPr>
-          <p:cNvPr id="191" name="Google Shape;191;g22c6355d619_0_133:notes"/>
+          <p:cNvPr id="187" name="Google Shape;187;g22c6355d619_0_133:notes"/>
           <p:cNvSpPr/>
           <p:nvPr>
             <p:ph idx="2" type="sldImg"/>
@@ -2167,7 +2167,7 @@
       </p:sp>
       <p:sp>
         <p:nvSpPr>
-          <p:cNvPr id="192" name="Google Shape;192;g22c6355d619_0_133:notes"/>
+          <p:cNvPr id="188" name="Google Shape;188;g22c6355d619_0_133:notes"/>
           <p:cNvSpPr txBox="1"/>
           <p:nvPr>
             <p:ph idx="1" type="body"/>
@@ -2217,7 +2217,7 @@
   <p:cSld>
     <p:spTree>
       <p:nvGrpSpPr>
-        <p:cNvPr id="198" name="Shape 198"/>
+        <p:cNvPr id="194" name="Shape 194"/>
         <p:cNvGrpSpPr/>
         <p:nvPr/>
       </p:nvGrpSpPr>
@@ -2231,7 +2231,7 @@
       </p:grpSpPr>
       <p:sp>
         <p:nvSpPr>
-          <p:cNvPr id="199" name="Google Shape;199;g22c6355d619_0_219:notes"/>
+          <p:cNvPr id="195" name="Google Shape;195;g22c6355d619_0_219:notes"/>
           <p:cNvSpPr/>
           <p:nvPr>
             <p:ph idx="2" type="sldImg"/>
@@ -2266,7 +2266,7 @@
       </p:sp>
       <p:sp>
         <p:nvSpPr>
-          <p:cNvPr id="200" name="Google Shape;200;g22c6355d619_0_219:notes"/>
+          <p:cNvPr id="196" name="Google Shape;196;g22c6355d619_0_219:notes"/>
           <p:cNvSpPr txBox="1"/>
           <p:nvPr>
             <p:ph idx="1" type="body"/>
@@ -2316,7 +2316,7 @@
   <p:cSld>
     <p:spTree>
       <p:nvGrpSpPr>
-        <p:cNvPr id="206" name="Shape 206"/>
+        <p:cNvPr id="201" name="Shape 201"/>
         <p:cNvGrpSpPr/>
         <p:nvPr/>
       </p:nvGrpSpPr>
@@ -2330,7 +2330,7 @@
       </p:grpSpPr>
       <p:sp>
         <p:nvSpPr>
-          <p:cNvPr id="207" name="Google Shape;207;g22c6355d619_0_139:notes"/>
+          <p:cNvPr id="202" name="Google Shape;202;g22c6355d619_0_139:notes"/>
           <p:cNvSpPr/>
           <p:nvPr>
             <p:ph idx="2" type="sldImg"/>
@@ -2365,7 +2365,7 @@
       </p:sp>
       <p:sp>
         <p:nvSpPr>
-          <p:cNvPr id="208" name="Google Shape;208;g22c6355d619_0_139:notes"/>
+          <p:cNvPr id="203" name="Google Shape;203;g22c6355d619_0_139:notes"/>
           <p:cNvSpPr txBox="1"/>
           <p:nvPr>
             <p:ph idx="1" type="body"/>
@@ -2415,7 +2415,7 @@
   <p:cSld>
     <p:spTree>
       <p:nvGrpSpPr>
-        <p:cNvPr id="214" name="Shape 214"/>
+        <p:cNvPr id="209" name="Shape 209"/>
         <p:cNvGrpSpPr/>
         <p:nvPr/>
       </p:nvGrpSpPr>
@@ -2429,7 +2429,7 @@
       </p:grpSpPr>
       <p:sp>
         <p:nvSpPr>
-          <p:cNvPr id="215" name="Google Shape;215;g22c6355d619_0_252:notes"/>
+          <p:cNvPr id="210" name="Google Shape;210;g22c6355d619_0_252:notes"/>
           <p:cNvSpPr/>
           <p:nvPr>
             <p:ph idx="2" type="sldImg"/>
@@ -2464,7 +2464,7 @@
       </p:sp>
       <p:sp>
         <p:nvSpPr>
-          <p:cNvPr id="216" name="Google Shape;216;g22c6355d619_0_252:notes"/>
+          <p:cNvPr id="211" name="Google Shape;211;g22c6355d619_0_252:notes"/>
           <p:cNvSpPr txBox="1"/>
           <p:nvPr>
             <p:ph idx="1" type="body"/>
@@ -2514,7 +2514,7 @@
   <p:cSld>
     <p:spTree>
       <p:nvGrpSpPr>
-        <p:cNvPr id="222" name="Shape 222"/>
+        <p:cNvPr id="216" name="Shape 216"/>
         <p:cNvGrpSpPr/>
         <p:nvPr/>
       </p:nvGrpSpPr>
@@ -2528,7 +2528,7 @@
       </p:grpSpPr>
       <p:sp>
         <p:nvSpPr>
-          <p:cNvPr id="223" name="Google Shape;223;g22c6355d619_0_145:notes"/>
+          <p:cNvPr id="217" name="Google Shape;217;g22c6355d619_0_145:notes"/>
           <p:cNvSpPr/>
           <p:nvPr>
             <p:ph idx="2" type="sldImg"/>
@@ -2563,7 +2563,7 @@
       </p:sp>
       <p:sp>
         <p:nvSpPr>
-          <p:cNvPr id="224" name="Google Shape;224;g22c6355d619_0_145:notes"/>
+          <p:cNvPr id="218" name="Google Shape;218;g22c6355d619_0_145:notes"/>
           <p:cNvSpPr txBox="1"/>
           <p:nvPr>
             <p:ph idx="1" type="body"/>
@@ -2613,7 +2613,7 @@
   <p:cSld>
     <p:spTree>
       <p:nvGrpSpPr>
-        <p:cNvPr id="230" name="Shape 230"/>
+        <p:cNvPr id="224" name="Shape 224"/>
         <p:cNvGrpSpPr/>
         <p:nvPr/>
       </p:nvGrpSpPr>
@@ -2627,7 +2627,7 @@
       </p:grpSpPr>
       <p:sp>
         <p:nvSpPr>
-          <p:cNvPr id="231" name="Google Shape;231;g22c6355d619_0_152:notes"/>
+          <p:cNvPr id="225" name="Google Shape;225;g22c6355d619_0_152:notes"/>
           <p:cNvSpPr/>
           <p:nvPr>
             <p:ph idx="2" type="sldImg"/>
@@ -2662,7 +2662,7 @@
       </p:sp>
       <p:sp>
         <p:nvSpPr>
-          <p:cNvPr id="232" name="Google Shape;232;g22c6355d619_0_152:notes"/>
+          <p:cNvPr id="226" name="Google Shape;226;g22c6355d619_0_152:notes"/>
           <p:cNvSpPr txBox="1"/>
           <p:nvPr>
             <p:ph idx="1" type="body"/>
@@ -2712,7 +2712,7 @@
   <p:cSld>
     <p:spTree>
       <p:nvGrpSpPr>
-        <p:cNvPr id="238" name="Shape 238"/>
+        <p:cNvPr id="232" name="Shape 232"/>
         <p:cNvGrpSpPr/>
         <p:nvPr/>
       </p:nvGrpSpPr>
@@ -2726,7 +2726,7 @@
       </p:grpSpPr>
       <p:sp>
         <p:nvSpPr>
-          <p:cNvPr id="239" name="Google Shape;239;g22c6355d619_0_159:notes"/>
+          <p:cNvPr id="233" name="Google Shape;233;g22c6355d619_0_159:notes"/>
           <p:cNvSpPr/>
           <p:nvPr>
             <p:ph idx="2" type="sldImg"/>
@@ -2761,7 +2761,7 @@
       </p:sp>
       <p:sp>
         <p:nvSpPr>
-          <p:cNvPr id="240" name="Google Shape;240;g22c6355d619_0_159:notes"/>
+          <p:cNvPr id="234" name="Google Shape;234;g22c6355d619_0_159:notes"/>
           <p:cNvSpPr txBox="1"/>
           <p:nvPr>
             <p:ph idx="1" type="body"/>
@@ -2811,7 +2811,7 @@
   <p:cSld>
     <p:spTree>
       <p:nvGrpSpPr>
-        <p:cNvPr id="246" name="Shape 246"/>
+        <p:cNvPr id="240" name="Shape 240"/>
         <p:cNvGrpSpPr/>
         <p:nvPr/>
       </p:nvGrpSpPr>
@@ -2825,7 +2825,7 @@
       </p:grpSpPr>
       <p:sp>
         <p:nvSpPr>
-          <p:cNvPr id="247" name="Google Shape;247;g22c6355d619_0_226:notes"/>
+          <p:cNvPr id="241" name="Google Shape;241;g22c6355d619_0_226:notes"/>
           <p:cNvSpPr/>
           <p:nvPr>
             <p:ph idx="2" type="sldImg"/>
@@ -2860,7 +2860,7 @@
       </p:sp>
       <p:sp>
         <p:nvSpPr>
-          <p:cNvPr id="248" name="Google Shape;248;g22c6355d619_0_226:notes"/>
+          <p:cNvPr id="242" name="Google Shape;242;g22c6355d619_0_226:notes"/>
           <p:cNvSpPr txBox="1"/>
           <p:nvPr>
             <p:ph idx="1" type="body"/>
@@ -3009,7 +3009,7 @@
   <p:cSld>
     <p:spTree>
       <p:nvGrpSpPr>
-        <p:cNvPr id="254" name="Shape 254"/>
+        <p:cNvPr id="247" name="Shape 247"/>
         <p:cNvGrpSpPr/>
         <p:nvPr/>
       </p:nvGrpSpPr>
@@ -3023,7 +3023,7 @@
       </p:grpSpPr>
       <p:sp>
         <p:nvSpPr>
-          <p:cNvPr id="255" name="Google Shape;255;g22c6355d619_0_232:notes"/>
+          <p:cNvPr id="248" name="Google Shape;248;g22c6355d619_0_232:notes"/>
           <p:cNvSpPr/>
           <p:nvPr>
             <p:ph idx="2" type="sldImg"/>
@@ -3058,7 +3058,7 @@
       </p:sp>
       <p:sp>
         <p:nvSpPr>
-          <p:cNvPr id="256" name="Google Shape;256;g22c6355d619_0_232:notes"/>
+          <p:cNvPr id="249" name="Google Shape;249;g22c6355d619_0_232:notes"/>
           <p:cNvSpPr txBox="1"/>
           <p:nvPr>
             <p:ph idx="1" type="body"/>
@@ -3108,7 +3108,7 @@
   <p:cSld>
     <p:spTree>
       <p:nvGrpSpPr>
-        <p:cNvPr id="262" name="Shape 262"/>
+        <p:cNvPr id="254" name="Shape 254"/>
         <p:cNvGrpSpPr/>
         <p:nvPr/>
       </p:nvGrpSpPr>
@@ -3122,7 +3122,7 @@
       </p:grpSpPr>
       <p:sp>
         <p:nvSpPr>
-          <p:cNvPr id="263" name="Google Shape;263;g22c6355d619_0_165:notes"/>
+          <p:cNvPr id="255" name="Google Shape;255;g22c6355d619_0_165:notes"/>
           <p:cNvSpPr/>
           <p:nvPr>
             <p:ph idx="2" type="sldImg"/>
@@ -3157,7 +3157,7 @@
       </p:sp>
       <p:sp>
         <p:nvSpPr>
-          <p:cNvPr id="264" name="Google Shape;264;g22c6355d619_0_165:notes"/>
+          <p:cNvPr id="256" name="Google Shape;256;g22c6355d619_0_165:notes"/>
           <p:cNvSpPr txBox="1"/>
           <p:nvPr>
             <p:ph idx="1" type="body"/>
@@ -3207,7 +3207,7 @@
   <p:cSld>
     <p:spTree>
       <p:nvGrpSpPr>
-        <p:cNvPr id="269" name="Shape 269"/>
+        <p:cNvPr id="261" name="Shape 261"/>
         <p:cNvGrpSpPr/>
         <p:nvPr/>
       </p:nvGrpSpPr>
@@ -3221,7 +3221,7 @@
       </p:grpSpPr>
       <p:sp>
         <p:nvSpPr>
-          <p:cNvPr id="270" name="Google Shape;270;g22c6355d619_0_75:notes"/>
+          <p:cNvPr id="262" name="Google Shape;262;g22c6355d619_0_75:notes"/>
           <p:cNvSpPr/>
           <p:nvPr>
             <p:ph idx="2" type="sldImg"/>
@@ -3256,7 +3256,7 @@
       </p:sp>
       <p:sp>
         <p:nvSpPr>
-          <p:cNvPr id="271" name="Google Shape;271;g22c6355d619_0_75:notes"/>
+          <p:cNvPr id="263" name="Google Shape;263;g22c6355d619_0_75:notes"/>
           <p:cNvSpPr txBox="1"/>
           <p:nvPr>
             <p:ph idx="1" type="body"/>
@@ -3306,7 +3306,7 @@
   <p:cSld>
     <p:spTree>
       <p:nvGrpSpPr>
-        <p:cNvPr id="274" name="Shape 274"/>
+        <p:cNvPr id="266" name="Shape 266"/>
         <p:cNvGrpSpPr/>
         <p:nvPr/>
       </p:nvGrpSpPr>
@@ -3320,7 +3320,7 @@
       </p:grpSpPr>
       <p:sp>
         <p:nvSpPr>
-          <p:cNvPr id="275" name="Google Shape;275;g22c6355d619_0_238:notes"/>
+          <p:cNvPr id="267" name="Google Shape;267;g22c6355d619_0_238:notes"/>
           <p:cNvSpPr/>
           <p:nvPr>
             <p:ph idx="2" type="sldImg"/>
@@ -3355,7 +3355,7 @@
       </p:sp>
       <p:sp>
         <p:nvSpPr>
-          <p:cNvPr id="276" name="Google Shape;276;g22c6355d619_0_238:notes"/>
+          <p:cNvPr id="268" name="Google Shape;268;g22c6355d619_0_238:notes"/>
           <p:cNvSpPr txBox="1"/>
           <p:nvPr>
             <p:ph idx="1" type="body"/>
@@ -3405,7 +3405,7 @@
   <p:cSld>
     <p:spTree>
       <p:nvGrpSpPr>
-        <p:cNvPr id="282" name="Shape 282"/>
+        <p:cNvPr id="274" name="Shape 274"/>
         <p:cNvGrpSpPr/>
         <p:nvPr/>
       </p:nvGrpSpPr>
@@ -3419,7 +3419,7 @@
       </p:grpSpPr>
       <p:sp>
         <p:nvSpPr>
-          <p:cNvPr id="283" name="Google Shape;283;g152a3f74d0d_0_63:notes"/>
+          <p:cNvPr id="275" name="Google Shape;275;g152a3f74d0d_0_63:notes"/>
           <p:cNvSpPr/>
           <p:nvPr>
             <p:ph idx="2" type="sldImg"/>
@@ -3454,7 +3454,7 @@
       </p:sp>
       <p:sp>
         <p:nvSpPr>
-          <p:cNvPr id="284" name="Google Shape;284;g152a3f74d0d_0_63:notes"/>
+          <p:cNvPr id="276" name="Google Shape;276;g152a3f74d0d_0_63:notes"/>
           <p:cNvSpPr txBox="1"/>
           <p:nvPr>
             <p:ph idx="1" type="body"/>
@@ -3504,7 +3504,7 @@
   <p:cSld>
     <p:spTree>
       <p:nvGrpSpPr>
-        <p:cNvPr id="290" name="Shape 290"/>
+        <p:cNvPr id="282" name="Shape 282"/>
         <p:cNvGrpSpPr/>
         <p:nvPr/>
       </p:nvGrpSpPr>
@@ -3518,7 +3518,7 @@
       </p:grpSpPr>
       <p:sp>
         <p:nvSpPr>
-          <p:cNvPr id="291" name="Google Shape;291;g22c6355d619_0_244:notes"/>
+          <p:cNvPr id="283" name="Google Shape;283;g22c6355d619_0_244:notes"/>
           <p:cNvSpPr/>
           <p:nvPr>
             <p:ph idx="2" type="sldImg"/>
@@ -3553,7 +3553,7 @@
       </p:sp>
       <p:sp>
         <p:nvSpPr>
-          <p:cNvPr id="292" name="Google Shape;292;g22c6355d619_0_244:notes"/>
+          <p:cNvPr id="284" name="Google Shape;284;g22c6355d619_0_244:notes"/>
           <p:cNvSpPr txBox="1"/>
           <p:nvPr>
             <p:ph idx="1" type="body"/>
@@ -3603,7 +3603,7 @@
   <p:cSld>
     <p:spTree>
       <p:nvGrpSpPr>
-        <p:cNvPr id="297" name="Shape 297"/>
+        <p:cNvPr id="289" name="Shape 289"/>
         <p:cNvGrpSpPr/>
         <p:nvPr/>
       </p:nvGrpSpPr>
@@ -3617,7 +3617,7 @@
       </p:grpSpPr>
       <p:sp>
         <p:nvSpPr>
-          <p:cNvPr id="298" name="Google Shape;298;g152a3f74d0d_0_28:notes"/>
+          <p:cNvPr id="290" name="Google Shape;290;g152a3f74d0d_0_28:notes"/>
           <p:cNvSpPr/>
           <p:nvPr>
             <p:ph idx="2" type="sldImg"/>
@@ -3652,7 +3652,7 @@
       </p:sp>
       <p:sp>
         <p:nvSpPr>
-          <p:cNvPr id="299" name="Google Shape;299;g152a3f74d0d_0_28:notes"/>
+          <p:cNvPr id="291" name="Google Shape;291;g152a3f74d0d_0_28:notes"/>
           <p:cNvSpPr txBox="1"/>
           <p:nvPr>
             <p:ph idx="1" type="body"/>
@@ -3702,7 +3702,7 @@
   <p:cSld>
     <p:spTree>
       <p:nvGrpSpPr>
-        <p:cNvPr id="302" name="Shape 302"/>
+        <p:cNvPr id="294" name="Shape 294"/>
         <p:cNvGrpSpPr/>
         <p:nvPr/>
       </p:nvGrpSpPr>
@@ -3716,7 +3716,7 @@
       </p:grpSpPr>
       <p:sp>
         <p:nvSpPr>
-          <p:cNvPr id="303" name="Google Shape;303;g22c6355d619_0_0:notes"/>
+          <p:cNvPr id="295" name="Google Shape;295;g22c6355d619_0_0:notes"/>
           <p:cNvSpPr/>
           <p:nvPr>
             <p:ph idx="2" type="sldImg"/>
@@ -3751,7 +3751,7 @@
       </p:sp>
       <p:sp>
         <p:nvSpPr>
-          <p:cNvPr id="304" name="Google Shape;304;g22c6355d619_0_0:notes"/>
+          <p:cNvPr id="296" name="Google Shape;296;g22c6355d619_0_0:notes"/>
           <p:cNvSpPr txBox="1"/>
           <p:nvPr>
             <p:ph idx="1" type="body"/>
@@ -3801,7 +3801,7 @@
   <p:cSld>
     <p:spTree>
       <p:nvGrpSpPr>
-        <p:cNvPr id="309" name="Shape 309"/>
+        <p:cNvPr id="301" name="Shape 301"/>
         <p:cNvGrpSpPr/>
         <p:nvPr/>
       </p:nvGrpSpPr>
@@ -3815,7 +3815,7 @@
       </p:grpSpPr>
       <p:sp>
         <p:nvSpPr>
-          <p:cNvPr id="310" name="Google Shape;310;g23a7f920194_0_1:notes"/>
+          <p:cNvPr id="302" name="Google Shape;302;g23a7f920194_0_1:notes"/>
           <p:cNvSpPr/>
           <p:nvPr>
             <p:ph idx="2" type="sldImg"/>
@@ -3850,7 +3850,7 @@
       </p:sp>
       <p:sp>
         <p:nvSpPr>
-          <p:cNvPr id="311" name="Google Shape;311;g23a7f920194_0_1:notes"/>
+          <p:cNvPr id="303" name="Google Shape;303;g23a7f920194_0_1:notes"/>
           <p:cNvSpPr txBox="1"/>
           <p:nvPr>
             <p:ph idx="1" type="body"/>
@@ -3900,7 +3900,7 @@
   <p:cSld>
     <p:spTree>
       <p:nvGrpSpPr>
-        <p:cNvPr id="316" name="Shape 316"/>
+        <p:cNvPr id="308" name="Shape 308"/>
         <p:cNvGrpSpPr/>
         <p:nvPr/>
       </p:nvGrpSpPr>
@@ -3914,7 +3914,7 @@
       </p:grpSpPr>
       <p:sp>
         <p:nvSpPr>
-          <p:cNvPr id="317" name="Google Shape;317;g152a3f74d0d_0_57:notes"/>
+          <p:cNvPr id="309" name="Google Shape;309;g152a3f74d0d_0_57:notes"/>
           <p:cNvSpPr/>
           <p:nvPr>
             <p:ph idx="2" type="sldImg"/>
@@ -3949,7 +3949,7 @@
       </p:sp>
       <p:sp>
         <p:nvSpPr>
-          <p:cNvPr id="318" name="Google Shape;318;g152a3f74d0d_0_57:notes"/>
+          <p:cNvPr id="310" name="Google Shape;310;g152a3f74d0d_0_57:notes"/>
           <p:cNvSpPr txBox="1"/>
           <p:nvPr>
             <p:ph idx="1" type="body"/>
@@ -4098,7 +4098,7 @@
   <p:cSld>
     <p:spTree>
       <p:nvGrpSpPr>
-        <p:cNvPr id="323" name="Shape 323"/>
+        <p:cNvPr id="315" name="Shape 315"/>
         <p:cNvGrpSpPr/>
         <p:nvPr/>
       </p:nvGrpSpPr>
@@ -4112,7 +4112,7 @@
       </p:grpSpPr>
       <p:sp>
         <p:nvSpPr>
-          <p:cNvPr id="324" name="Google Shape;324;g22d186861df_0_1:notes"/>
+          <p:cNvPr id="316" name="Google Shape;316;g22d186861df_0_1:notes"/>
           <p:cNvSpPr/>
           <p:nvPr>
             <p:ph idx="2" type="sldImg"/>
@@ -4147,7 +4147,7 @@
       </p:sp>
       <p:sp>
         <p:nvSpPr>
-          <p:cNvPr id="325" name="Google Shape;325;g22d186861df_0_1:notes"/>
+          <p:cNvPr id="317" name="Google Shape;317;g22d186861df_0_1:notes"/>
           <p:cNvSpPr txBox="1"/>
           <p:nvPr>
             <p:ph idx="1" type="body"/>
@@ -4197,7 +4197,7 @@
   <p:cSld>
     <p:spTree>
       <p:nvGrpSpPr>
-        <p:cNvPr id="330" name="Shape 330"/>
+        <p:cNvPr id="322" name="Shape 322"/>
         <p:cNvGrpSpPr/>
         <p:nvPr/>
       </p:nvGrpSpPr>
@@ -4211,7 +4211,7 @@
       </p:grpSpPr>
       <p:sp>
         <p:nvSpPr>
-          <p:cNvPr id="331" name="Google Shape;331;g2397cb0cd5f_0_38:notes"/>
+          <p:cNvPr id="323" name="Google Shape;323;g2397cb0cd5f_0_38:notes"/>
           <p:cNvSpPr/>
           <p:nvPr>
             <p:ph idx="2" type="sldImg"/>
@@ -4246,7 +4246,7 @@
       </p:sp>
       <p:sp>
         <p:nvSpPr>
-          <p:cNvPr id="332" name="Google Shape;332;g2397cb0cd5f_0_38:notes"/>
+          <p:cNvPr id="324" name="Google Shape;324;g2397cb0cd5f_0_38:notes"/>
           <p:cNvSpPr txBox="1"/>
           <p:nvPr>
             <p:ph idx="1" type="body"/>
@@ -4296,7 +4296,7 @@
   <p:cSld>
     <p:spTree>
       <p:nvGrpSpPr>
-        <p:cNvPr id="336" name="Shape 336"/>
+        <p:cNvPr id="328" name="Shape 328"/>
         <p:cNvGrpSpPr/>
         <p:nvPr/>
       </p:nvGrpSpPr>
@@ -4310,7 +4310,7 @@
       </p:grpSpPr>
       <p:sp>
         <p:nvSpPr>
-          <p:cNvPr id="337" name="Google Shape;337;g2397cb0cd5f_0_43:notes"/>
+          <p:cNvPr id="329" name="Google Shape;329;g2397cb0cd5f_0_43:notes"/>
           <p:cNvSpPr/>
           <p:nvPr>
             <p:ph idx="2" type="sldImg"/>
@@ -4345,7 +4345,7 @@
       </p:sp>
       <p:sp>
         <p:nvSpPr>
-          <p:cNvPr id="338" name="Google Shape;338;g2397cb0cd5f_0_43:notes"/>
+          <p:cNvPr id="330" name="Google Shape;330;g2397cb0cd5f_0_43:notes"/>
           <p:cNvSpPr txBox="1"/>
           <p:nvPr>
             <p:ph idx="1" type="body"/>
@@ -9076,9 +9076,51 @@
           </a:p>
         </p:txBody>
       </p:sp>
+      <p:sp>
+        <p:nvSpPr>
+          <p:cNvPr id="120" name="Google Shape;120;p20"/>
+          <p:cNvSpPr txBox="1"/>
+          <p:nvPr/>
+        </p:nvSpPr>
+        <p:spPr>
+          <a:xfrm>
+            <a:off x="0" y="4233672"/>
+            <a:ext cx="7315200" cy="914400"/>
+          </a:xfrm>
+          <a:prstGeom prst="rect">
+            <a:avLst/>
+          </a:prstGeom>
+          <a:noFill/>
+          <a:ln>
+            <a:noFill/>
+          </a:ln>
+        </p:spPr>
+        <p:txBody>
+          <a:bodyPr anchorCtr="0" anchor="b" bIns="91425" lIns="91425" spcFirstLastPara="1" rIns="91425" wrap="square" tIns="91425">
+            <a:noAutofit/>
+          </a:bodyPr>
+          <a:lstStyle/>
+          <a:p>
+            <a:pPr indent="0" lvl="0" marL="0" rtl="0" algn="l">
+              <a:spcBef>
+                <a:spcPts val="0"/>
+              </a:spcBef>
+              <a:spcAft>
+                <a:spcPts val="0"/>
+              </a:spcAft>
+              <a:buNone/>
+            </a:pPr>
+            <a:r>
+              <a:rPr lang="en"/>
+              <a:t>[1] Backlog refinement is also known as backlog grooming</a:t>
+            </a:r>
+            <a:endParaRPr/>
+          </a:p>
+        </p:txBody>
+      </p:sp>
       <p:pic>
         <p:nvPicPr>
-          <p:cNvPr id="120" name="Google Shape;120;p20"/>
+          <p:cNvPr id="121" name="Google Shape;121;p20"/>
           <p:cNvPicPr preferRelativeResize="0"/>
           <p:nvPr/>
         </p:nvPicPr>
@@ -9104,48 +9146,6 @@
           </a:ln>
         </p:spPr>
       </p:pic>
-      <p:sp>
-        <p:nvSpPr>
-          <p:cNvPr id="121" name="Google Shape;121;p20"/>
-          <p:cNvSpPr txBox="1"/>
-          <p:nvPr/>
-        </p:nvSpPr>
-        <p:spPr>
-          <a:xfrm>
-            <a:off x="0" y="4233672"/>
-            <a:ext cx="7315200" cy="914400"/>
-          </a:xfrm>
-          <a:prstGeom prst="rect">
-            <a:avLst/>
-          </a:prstGeom>
-          <a:noFill/>
-          <a:ln>
-            <a:noFill/>
-          </a:ln>
-        </p:spPr>
-        <p:txBody>
-          <a:bodyPr anchorCtr="0" anchor="b" bIns="91425" lIns="91425" spcFirstLastPara="1" rIns="91425" wrap="square" tIns="91425">
-            <a:noAutofit/>
-          </a:bodyPr>
-          <a:lstStyle/>
-          <a:p>
-            <a:pPr indent="0" lvl="0" marL="0" rtl="0" algn="l">
-              <a:spcBef>
-                <a:spcPts val="0"/>
-              </a:spcBef>
-              <a:spcAft>
-                <a:spcPts val="0"/>
-              </a:spcAft>
-              <a:buNone/>
-            </a:pPr>
-            <a:r>
-              <a:rPr lang="en"/>
-              <a:t>[1] Backlog refinement is also known as backlog grooming</a:t>
-            </a:r>
-            <a:endParaRPr/>
-          </a:p>
-        </p:txBody>
-      </p:sp>
     </p:spTree>
   </p:cSld>
   <p:clrMapOvr>
@@ -9386,34 +9386,6 @@
           </a:p>
         </p:txBody>
       </p:sp>
-      <p:pic>
-        <p:nvPicPr>
-          <p:cNvPr id="129" name="Google Shape;129;p21"/>
-          <p:cNvPicPr preferRelativeResize="0"/>
-          <p:nvPr/>
-        </p:nvPicPr>
-        <p:blipFill>
-          <a:blip r:embed="rId4">
-            <a:alphaModFix/>
-          </a:blip>
-          <a:stretch>
-            <a:fillRect/>
-          </a:stretch>
-        </p:blipFill>
-        <p:spPr>
-          <a:xfrm>
-            <a:off x="7040838" y="914388"/>
-            <a:ext cx="1828800" cy="1828800"/>
-          </a:xfrm>
-          <a:prstGeom prst="rect">
-            <a:avLst/>
-          </a:prstGeom>
-          <a:noFill/>
-          <a:ln>
-            <a:noFill/>
-          </a:ln>
-        </p:spPr>
-      </p:pic>
     </p:spTree>
   </p:cSld>
   <p:clrMapOvr>
@@ -9427,7 +9399,7 @@
   <p:cSld>
     <p:spTree>
       <p:nvGrpSpPr>
-        <p:cNvPr id="133" name="Shape 133"/>
+        <p:cNvPr id="132" name="Shape 132"/>
         <p:cNvGrpSpPr/>
         <p:nvPr/>
       </p:nvGrpSpPr>
@@ -9441,7 +9413,7 @@
       </p:grpSpPr>
       <p:pic>
         <p:nvPicPr>
-          <p:cNvPr id="134" name="Google Shape;134;p22"/>
+          <p:cNvPr id="133" name="Google Shape;133;p22"/>
           <p:cNvPicPr preferRelativeResize="0"/>
           <p:nvPr/>
         </p:nvPicPr>
@@ -9469,7 +9441,7 @@
       </p:pic>
       <p:sp>
         <p:nvSpPr>
-          <p:cNvPr id="135" name="Google Shape;135;p22"/>
+          <p:cNvPr id="134" name="Google Shape;134;p22"/>
           <p:cNvSpPr txBox="1"/>
           <p:nvPr>
             <p:ph type="title"/>
@@ -9509,7 +9481,7 @@
       </p:sp>
       <p:sp>
         <p:nvSpPr>
-          <p:cNvPr id="136" name="Google Shape;136;p22"/>
+          <p:cNvPr id="135" name="Google Shape;135;p22"/>
           <p:cNvSpPr txBox="1"/>
           <p:nvPr>
             <p:ph idx="1" type="body"/>
@@ -9549,7 +9521,7 @@
       </p:sp>
       <p:sp>
         <p:nvSpPr>
-          <p:cNvPr id="137" name="Google Shape;137;p22"/>
+          <p:cNvPr id="136" name="Google Shape;136;p22"/>
           <p:cNvSpPr txBox="1"/>
           <p:nvPr>
             <p:ph idx="2" type="body"/>
@@ -9589,7 +9561,7 @@
       </p:sp>
       <p:pic>
         <p:nvPicPr>
-          <p:cNvPr id="138" name="Google Shape;138;p22"/>
+          <p:cNvPr id="137" name="Google Shape;137;p22"/>
           <p:cNvPicPr preferRelativeResize="0"/>
           <p:nvPr/>
         </p:nvPicPr>
@@ -9617,7 +9589,7 @@
       </p:pic>
       <p:sp>
         <p:nvSpPr>
-          <p:cNvPr id="139" name="Google Shape;139;p22"/>
+          <p:cNvPr id="138" name="Google Shape;138;p22"/>
           <p:cNvSpPr txBox="1"/>
           <p:nvPr/>
         </p:nvSpPr>
@@ -9659,7 +9631,7 @@
       </p:sp>
       <p:sp>
         <p:nvSpPr>
-          <p:cNvPr id="140" name="Google Shape;140;p22"/>
+          <p:cNvPr id="139" name="Google Shape;139;p22"/>
           <p:cNvSpPr/>
           <p:nvPr/>
         </p:nvSpPr>
@@ -9708,7 +9680,7 @@
       </p:sp>
       <p:sp>
         <p:nvSpPr>
-          <p:cNvPr id="141" name="Google Shape;141;p22"/>
+          <p:cNvPr id="140" name="Google Shape;140;p22"/>
           <p:cNvSpPr/>
           <p:nvPr/>
         </p:nvSpPr>
@@ -9757,7 +9729,7 @@
       </p:sp>
       <p:sp>
         <p:nvSpPr>
-          <p:cNvPr id="142" name="Google Shape;142;p22"/>
+          <p:cNvPr id="141" name="Google Shape;141;p22"/>
           <p:cNvSpPr txBox="1"/>
           <p:nvPr>
             <p:ph idx="12" type="sldNum"/>
@@ -9833,7 +9805,7 @@
   <p:cSld>
     <p:spTree>
       <p:nvGrpSpPr>
-        <p:cNvPr id="146" name="Shape 146"/>
+        <p:cNvPr id="145" name="Shape 145"/>
         <p:cNvGrpSpPr/>
         <p:nvPr/>
       </p:nvGrpSpPr>
@@ -9847,7 +9819,7 @@
       </p:grpSpPr>
       <p:sp>
         <p:nvSpPr>
-          <p:cNvPr id="147" name="Google Shape;147;p23"/>
+          <p:cNvPr id="146" name="Google Shape;146;p23"/>
           <p:cNvSpPr txBox="1"/>
           <p:nvPr>
             <p:ph type="title"/>
@@ -9887,7 +9859,7 @@
       </p:sp>
       <p:sp>
         <p:nvSpPr>
-          <p:cNvPr id="148" name="Google Shape;148;p23"/>
+          <p:cNvPr id="147" name="Google Shape;147;p23"/>
           <p:cNvSpPr txBox="1"/>
           <p:nvPr>
             <p:ph idx="1" type="body"/>
@@ -10009,7 +9981,7 @@
       </p:sp>
       <p:sp>
         <p:nvSpPr>
-          <p:cNvPr id="149" name="Google Shape;149;p23"/>
+          <p:cNvPr id="148" name="Google Shape;148;p23"/>
           <p:cNvSpPr txBox="1"/>
           <p:nvPr>
             <p:ph idx="12" type="sldNum"/>
@@ -10074,7 +10046,7 @@
       </p:sp>
       <p:pic>
         <p:nvPicPr>
-          <p:cNvPr id="150" name="Google Shape;150;p23"/>
+          <p:cNvPr id="149" name="Google Shape;149;p23"/>
           <p:cNvPicPr preferRelativeResize="0"/>
           <p:nvPr/>
         </p:nvPicPr>
@@ -10113,7 +10085,7 @@
   <p:cSld>
     <p:spTree>
       <p:nvGrpSpPr>
-        <p:cNvPr id="154" name="Shape 154"/>
+        <p:cNvPr id="153" name="Shape 153"/>
         <p:cNvGrpSpPr/>
         <p:nvPr/>
       </p:nvGrpSpPr>
@@ -10127,7 +10099,7 @@
       </p:grpSpPr>
       <p:sp>
         <p:nvSpPr>
-          <p:cNvPr id="155" name="Google Shape;155;p24"/>
+          <p:cNvPr id="154" name="Google Shape;154;p24"/>
           <p:cNvSpPr txBox="1"/>
           <p:nvPr>
             <p:ph type="title"/>
@@ -10167,7 +10139,7 @@
       </p:sp>
       <p:sp>
         <p:nvSpPr>
-          <p:cNvPr id="156" name="Google Shape;156;p24"/>
+          <p:cNvPr id="155" name="Google Shape;155;p24"/>
           <p:cNvSpPr txBox="1"/>
           <p:nvPr>
             <p:ph idx="12" type="sldNum"/>
@@ -10232,7 +10204,7 @@
       </p:sp>
       <p:pic>
         <p:nvPicPr>
-          <p:cNvPr id="157" name="Google Shape;157;p24"/>
+          <p:cNvPr id="156" name="Google Shape;156;p24"/>
           <p:cNvPicPr preferRelativeResize="0"/>
           <p:nvPr/>
         </p:nvPicPr>
@@ -10271,7 +10243,7 @@
   <p:cSld>
     <p:spTree>
       <p:nvGrpSpPr>
-        <p:cNvPr id="161" name="Shape 161"/>
+        <p:cNvPr id="160" name="Shape 160"/>
         <p:cNvGrpSpPr/>
         <p:nvPr/>
       </p:nvGrpSpPr>
@@ -10285,7 +10257,7 @@
       </p:grpSpPr>
       <p:sp>
         <p:nvSpPr>
-          <p:cNvPr id="162" name="Google Shape;162;p25"/>
+          <p:cNvPr id="161" name="Google Shape;161;p25"/>
           <p:cNvSpPr txBox="1"/>
           <p:nvPr>
             <p:ph type="title"/>
@@ -10325,7 +10297,7 @@
       </p:sp>
       <p:sp>
         <p:nvSpPr>
-          <p:cNvPr id="163" name="Google Shape;163;p25"/>
+          <p:cNvPr id="162" name="Google Shape;162;p25"/>
           <p:cNvSpPr txBox="1"/>
           <p:nvPr>
             <p:ph idx="12" type="sldNum"/>
@@ -10390,7 +10362,7 @@
       </p:sp>
       <p:sp>
         <p:nvSpPr>
-          <p:cNvPr id="164" name="Google Shape;164;p25"/>
+          <p:cNvPr id="163" name="Google Shape;163;p25"/>
           <p:cNvSpPr txBox="1"/>
           <p:nvPr>
             <p:ph idx="1" type="body"/>
@@ -10615,34 +10587,6 @@
           </a:p>
         </p:txBody>
       </p:sp>
-      <p:pic>
-        <p:nvPicPr>
-          <p:cNvPr id="165" name="Google Shape;165;p25"/>
-          <p:cNvPicPr preferRelativeResize="0"/>
-          <p:nvPr/>
-        </p:nvPicPr>
-        <p:blipFill>
-          <a:blip r:embed="rId4">
-            <a:alphaModFix/>
-          </a:blip>
-          <a:stretch>
-            <a:fillRect/>
-          </a:stretch>
-        </p:blipFill>
-        <p:spPr>
-          <a:xfrm>
-            <a:off x="7040838" y="914388"/>
-            <a:ext cx="1828800" cy="1828800"/>
-          </a:xfrm>
-          <a:prstGeom prst="rect">
-            <a:avLst/>
-          </a:prstGeom>
-          <a:noFill/>
-          <a:ln>
-            <a:noFill/>
-          </a:ln>
-        </p:spPr>
-      </p:pic>
     </p:spTree>
   </p:cSld>
   <p:clrMapOvr>
@@ -10656,7 +10600,7 @@
   <p:cSld>
     <p:spTree>
       <p:nvGrpSpPr>
-        <p:cNvPr id="169" name="Shape 169"/>
+        <p:cNvPr id="167" name="Shape 167"/>
         <p:cNvGrpSpPr/>
         <p:nvPr/>
       </p:nvGrpSpPr>
@@ -10670,7 +10614,7 @@
       </p:grpSpPr>
       <p:sp>
         <p:nvSpPr>
-          <p:cNvPr id="170" name="Google Shape;170;p26"/>
+          <p:cNvPr id="168" name="Google Shape;168;p26"/>
           <p:cNvSpPr txBox="1"/>
           <p:nvPr>
             <p:ph type="title"/>
@@ -10710,7 +10654,7 @@
       </p:sp>
       <p:sp>
         <p:nvSpPr>
-          <p:cNvPr id="171" name="Google Shape;171;p26"/>
+          <p:cNvPr id="169" name="Google Shape;169;p26"/>
           <p:cNvSpPr txBox="1"/>
           <p:nvPr>
             <p:ph idx="12" type="sldNum"/>
@@ -10775,7 +10719,7 @@
       </p:sp>
       <p:sp>
         <p:nvSpPr>
-          <p:cNvPr id="172" name="Google Shape;172;p26"/>
+          <p:cNvPr id="170" name="Google Shape;170;p26"/>
           <p:cNvSpPr txBox="1"/>
           <p:nvPr>
             <p:ph idx="1" type="body"/>
@@ -10931,34 +10875,6 @@
           </a:p>
         </p:txBody>
       </p:sp>
-      <p:pic>
-        <p:nvPicPr>
-          <p:cNvPr id="173" name="Google Shape;173;p26"/>
-          <p:cNvPicPr preferRelativeResize="0"/>
-          <p:nvPr/>
-        </p:nvPicPr>
-        <p:blipFill>
-          <a:blip r:embed="rId4">
-            <a:alphaModFix/>
-          </a:blip>
-          <a:stretch>
-            <a:fillRect/>
-          </a:stretch>
-        </p:blipFill>
-        <p:spPr>
-          <a:xfrm>
-            <a:off x="7040838" y="914388"/>
-            <a:ext cx="1828800" cy="1828800"/>
-          </a:xfrm>
-          <a:prstGeom prst="rect">
-            <a:avLst/>
-          </a:prstGeom>
-          <a:noFill/>
-          <a:ln>
-            <a:noFill/>
-          </a:ln>
-        </p:spPr>
-      </p:pic>
     </p:spTree>
   </p:cSld>
   <p:clrMapOvr>
@@ -11400,7 +11316,7 @@
   <p:cSld>
     <p:spTree>
       <p:nvGrpSpPr>
-        <p:cNvPr id="177" name="Shape 177"/>
+        <p:cNvPr id="174" name="Shape 174"/>
         <p:cNvGrpSpPr/>
         <p:nvPr/>
       </p:nvGrpSpPr>
@@ -11414,7 +11330,7 @@
       </p:grpSpPr>
       <p:sp>
         <p:nvSpPr>
-          <p:cNvPr id="178" name="Google Shape;178;p27"/>
+          <p:cNvPr id="175" name="Google Shape;175;p27"/>
           <p:cNvSpPr txBox="1"/>
           <p:nvPr>
             <p:ph type="title"/>
@@ -11454,7 +11370,7 @@
       </p:sp>
       <p:sp>
         <p:nvSpPr>
-          <p:cNvPr id="179" name="Google Shape;179;p27"/>
+          <p:cNvPr id="176" name="Google Shape;176;p27"/>
           <p:cNvSpPr txBox="1"/>
           <p:nvPr>
             <p:ph idx="1" type="body"/>
@@ -11594,7 +11510,7 @@
       </p:sp>
       <p:sp>
         <p:nvSpPr>
-          <p:cNvPr id="180" name="Google Shape;180;p27"/>
+          <p:cNvPr id="177" name="Google Shape;177;p27"/>
           <p:cNvSpPr txBox="1"/>
           <p:nvPr>
             <p:ph idx="12" type="sldNum"/>
@@ -11659,7 +11575,7 @@
       </p:sp>
       <p:pic>
         <p:nvPicPr>
-          <p:cNvPr id="181" name="Google Shape;181;p27"/>
+          <p:cNvPr id="178" name="Google Shape;178;p27"/>
           <p:cNvPicPr preferRelativeResize="0"/>
           <p:nvPr/>
         </p:nvPicPr>
@@ -11698,7 +11614,7 @@
   <p:cSld>
     <p:spTree>
       <p:nvGrpSpPr>
-        <p:cNvPr id="185" name="Shape 185"/>
+        <p:cNvPr id="182" name="Shape 182"/>
         <p:cNvGrpSpPr/>
         <p:nvPr/>
       </p:nvGrpSpPr>
@@ -11712,7 +11628,7 @@
       </p:grpSpPr>
       <p:sp>
         <p:nvSpPr>
-          <p:cNvPr id="186" name="Google Shape;186;p28"/>
+          <p:cNvPr id="183" name="Google Shape;183;p28"/>
           <p:cNvSpPr txBox="1"/>
           <p:nvPr>
             <p:ph type="title"/>
@@ -11752,7 +11668,7 @@
       </p:sp>
       <p:sp>
         <p:nvSpPr>
-          <p:cNvPr id="187" name="Google Shape;187;p28"/>
+          <p:cNvPr id="184" name="Google Shape;184;p28"/>
           <p:cNvSpPr txBox="1"/>
           <p:nvPr>
             <p:ph idx="1" type="body"/>
@@ -11885,7 +11801,7 @@
       </p:sp>
       <p:sp>
         <p:nvSpPr>
-          <p:cNvPr id="188" name="Google Shape;188;p28"/>
+          <p:cNvPr id="185" name="Google Shape;185;p28"/>
           <p:cNvSpPr txBox="1"/>
           <p:nvPr>
             <p:ph idx="12" type="sldNum"/>
@@ -11948,34 +11864,6 @@
           </a:p>
         </p:txBody>
       </p:sp>
-      <p:pic>
-        <p:nvPicPr>
-          <p:cNvPr id="189" name="Google Shape;189;p28"/>
-          <p:cNvPicPr preferRelativeResize="0"/>
-          <p:nvPr/>
-        </p:nvPicPr>
-        <p:blipFill>
-          <a:blip r:embed="rId4">
-            <a:alphaModFix/>
-          </a:blip>
-          <a:stretch>
-            <a:fillRect/>
-          </a:stretch>
-        </p:blipFill>
-        <p:spPr>
-          <a:xfrm>
-            <a:off x="7040838" y="914388"/>
-            <a:ext cx="1828800" cy="1828800"/>
-          </a:xfrm>
-          <a:prstGeom prst="rect">
-            <a:avLst/>
-          </a:prstGeom>
-          <a:noFill/>
-          <a:ln>
-            <a:noFill/>
-          </a:ln>
-        </p:spPr>
-      </p:pic>
     </p:spTree>
   </p:cSld>
   <p:clrMapOvr>
@@ -11989,7 +11877,7 @@
   <p:cSld>
     <p:spTree>
       <p:nvGrpSpPr>
-        <p:cNvPr id="193" name="Shape 193"/>
+        <p:cNvPr id="189" name="Shape 189"/>
         <p:cNvGrpSpPr/>
         <p:nvPr/>
       </p:nvGrpSpPr>
@@ -12003,7 +11891,7 @@
       </p:grpSpPr>
       <p:sp>
         <p:nvSpPr>
-          <p:cNvPr id="194" name="Google Shape;194;p29"/>
+          <p:cNvPr id="190" name="Google Shape;190;p29"/>
           <p:cNvSpPr txBox="1"/>
           <p:nvPr>
             <p:ph type="title"/>
@@ -12043,7 +11931,7 @@
       </p:sp>
       <p:sp>
         <p:nvSpPr>
-          <p:cNvPr id="195" name="Google Shape;195;p29"/>
+          <p:cNvPr id="191" name="Google Shape;191;p29"/>
           <p:cNvSpPr txBox="1"/>
           <p:nvPr>
             <p:ph idx="1" type="body"/>
@@ -12234,7 +12122,7 @@
       </p:sp>
       <p:sp>
         <p:nvSpPr>
-          <p:cNvPr id="196" name="Google Shape;196;p29"/>
+          <p:cNvPr id="192" name="Google Shape;192;p29"/>
           <p:cNvSpPr txBox="1"/>
           <p:nvPr>
             <p:ph idx="12" type="sldNum"/>
@@ -12299,7 +12187,7 @@
       </p:sp>
       <p:pic>
         <p:nvPicPr>
-          <p:cNvPr id="197" name="Google Shape;197;p29"/>
+          <p:cNvPr id="193" name="Google Shape;193;p29"/>
           <p:cNvPicPr preferRelativeResize="0"/>
           <p:nvPr/>
         </p:nvPicPr>
@@ -12338,7 +12226,7 @@
   <p:cSld>
     <p:spTree>
       <p:nvGrpSpPr>
-        <p:cNvPr id="201" name="Shape 201"/>
+        <p:cNvPr id="197" name="Shape 197"/>
         <p:cNvGrpSpPr/>
         <p:nvPr/>
       </p:nvGrpSpPr>
@@ -12352,7 +12240,7 @@
       </p:grpSpPr>
       <p:sp>
         <p:nvSpPr>
-          <p:cNvPr id="202" name="Google Shape;202;p30"/>
+          <p:cNvPr id="198" name="Google Shape;198;p30"/>
           <p:cNvSpPr txBox="1"/>
           <p:nvPr>
             <p:ph type="title"/>
@@ -12392,7 +12280,7 @@
       </p:sp>
       <p:sp>
         <p:nvSpPr>
-          <p:cNvPr id="203" name="Google Shape;203;p30"/>
+          <p:cNvPr id="199" name="Google Shape;199;p30"/>
           <p:cNvSpPr txBox="1"/>
           <p:nvPr>
             <p:ph idx="1" type="body"/>
@@ -12449,7 +12337,7 @@
       </p:sp>
       <p:sp>
         <p:nvSpPr>
-          <p:cNvPr id="204" name="Google Shape;204;p30"/>
+          <p:cNvPr id="200" name="Google Shape;200;p30"/>
           <p:cNvSpPr txBox="1"/>
           <p:nvPr>
             <p:ph idx="12" type="sldNum"/>
@@ -12512,34 +12400,6 @@
           </a:p>
         </p:txBody>
       </p:sp>
-      <p:pic>
-        <p:nvPicPr>
-          <p:cNvPr id="205" name="Google Shape;205;p30"/>
-          <p:cNvPicPr preferRelativeResize="0"/>
-          <p:nvPr/>
-        </p:nvPicPr>
-        <p:blipFill>
-          <a:blip r:embed="rId4">
-            <a:alphaModFix/>
-          </a:blip>
-          <a:stretch>
-            <a:fillRect/>
-          </a:stretch>
-        </p:blipFill>
-        <p:spPr>
-          <a:xfrm>
-            <a:off x="7040838" y="914388"/>
-            <a:ext cx="1828800" cy="1828800"/>
-          </a:xfrm>
-          <a:prstGeom prst="rect">
-            <a:avLst/>
-          </a:prstGeom>
-          <a:noFill/>
-          <a:ln>
-            <a:noFill/>
-          </a:ln>
-        </p:spPr>
-      </p:pic>
     </p:spTree>
   </p:cSld>
   <p:clrMapOvr>
@@ -12553,7 +12413,7 @@
   <p:cSld>
     <p:spTree>
       <p:nvGrpSpPr>
-        <p:cNvPr id="209" name="Shape 209"/>
+        <p:cNvPr id="204" name="Shape 204"/>
         <p:cNvGrpSpPr/>
         <p:nvPr/>
       </p:nvGrpSpPr>
@@ -12567,7 +12427,7 @@
       </p:grpSpPr>
       <p:sp>
         <p:nvSpPr>
-          <p:cNvPr id="210" name="Google Shape;210;p31"/>
+          <p:cNvPr id="205" name="Google Shape;205;p31"/>
           <p:cNvSpPr txBox="1"/>
           <p:nvPr>
             <p:ph type="title"/>
@@ -12607,7 +12467,7 @@
       </p:sp>
       <p:sp>
         <p:nvSpPr>
-          <p:cNvPr id="211" name="Google Shape;211;p31"/>
+          <p:cNvPr id="206" name="Google Shape;206;p31"/>
           <p:cNvSpPr txBox="1"/>
           <p:nvPr>
             <p:ph idx="12" type="sldNum"/>
@@ -12672,7 +12532,7 @@
       </p:sp>
       <p:sp>
         <p:nvSpPr>
-          <p:cNvPr id="212" name="Google Shape;212;p31"/>
+          <p:cNvPr id="207" name="Google Shape;207;p31"/>
           <p:cNvSpPr txBox="1"/>
           <p:nvPr>
             <p:ph idx="1" type="body"/>
@@ -12819,7 +12679,7 @@
       </p:sp>
       <p:pic>
         <p:nvPicPr>
-          <p:cNvPr id="213" name="Google Shape;213;p31"/>
+          <p:cNvPr id="208" name="Google Shape;208;p31"/>
           <p:cNvPicPr preferRelativeResize="0"/>
           <p:nvPr/>
         </p:nvPicPr>
@@ -12858,7 +12718,7 @@
   <p:cSld>
     <p:spTree>
       <p:nvGrpSpPr>
-        <p:cNvPr id="217" name="Shape 217"/>
+        <p:cNvPr id="212" name="Shape 212"/>
         <p:cNvGrpSpPr/>
         <p:nvPr/>
       </p:nvGrpSpPr>
@@ -12872,7 +12732,7 @@
       </p:grpSpPr>
       <p:sp>
         <p:nvSpPr>
-          <p:cNvPr id="218" name="Google Shape;218;p32"/>
+          <p:cNvPr id="213" name="Google Shape;213;p32"/>
           <p:cNvSpPr txBox="1"/>
           <p:nvPr>
             <p:ph type="title"/>
@@ -12912,7 +12772,7 @@
       </p:sp>
       <p:sp>
         <p:nvSpPr>
-          <p:cNvPr id="219" name="Google Shape;219;p32"/>
+          <p:cNvPr id="214" name="Google Shape;214;p32"/>
           <p:cNvSpPr txBox="1"/>
           <p:nvPr>
             <p:ph idx="12" type="sldNum"/>
@@ -12977,7 +12837,7 @@
       </p:sp>
       <p:sp>
         <p:nvSpPr>
-          <p:cNvPr id="220" name="Google Shape;220;p32"/>
+          <p:cNvPr id="215" name="Google Shape;215;p32"/>
           <p:cNvSpPr txBox="1"/>
           <p:nvPr>
             <p:ph idx="1" type="body"/>
@@ -13069,34 +12929,6 @@
           </a:p>
         </p:txBody>
       </p:sp>
-      <p:pic>
-        <p:nvPicPr>
-          <p:cNvPr id="221" name="Google Shape;221;p32"/>
-          <p:cNvPicPr preferRelativeResize="0"/>
-          <p:nvPr/>
-        </p:nvPicPr>
-        <p:blipFill>
-          <a:blip r:embed="rId4">
-            <a:alphaModFix/>
-          </a:blip>
-          <a:stretch>
-            <a:fillRect/>
-          </a:stretch>
-        </p:blipFill>
-        <p:spPr>
-          <a:xfrm>
-            <a:off x="7040838" y="914388"/>
-            <a:ext cx="1828800" cy="1828800"/>
-          </a:xfrm>
-          <a:prstGeom prst="rect">
-            <a:avLst/>
-          </a:prstGeom>
-          <a:noFill/>
-          <a:ln>
-            <a:noFill/>
-          </a:ln>
-        </p:spPr>
-      </p:pic>
     </p:spTree>
   </p:cSld>
   <p:clrMapOvr>
@@ -13110,7 +12942,7 @@
   <p:cSld>
     <p:spTree>
       <p:nvGrpSpPr>
-        <p:cNvPr id="225" name="Shape 225"/>
+        <p:cNvPr id="219" name="Shape 219"/>
         <p:cNvGrpSpPr/>
         <p:nvPr/>
       </p:nvGrpSpPr>
@@ -13124,7 +12956,7 @@
       </p:grpSpPr>
       <p:sp>
         <p:nvSpPr>
-          <p:cNvPr id="226" name="Google Shape;226;p33"/>
+          <p:cNvPr id="220" name="Google Shape;220;p33"/>
           <p:cNvSpPr txBox="1"/>
           <p:nvPr>
             <p:ph type="title"/>
@@ -13164,7 +12996,7 @@
       </p:sp>
       <p:sp>
         <p:nvSpPr>
-          <p:cNvPr id="227" name="Google Shape;227;p33"/>
+          <p:cNvPr id="221" name="Google Shape;221;p33"/>
           <p:cNvSpPr txBox="1"/>
           <p:nvPr>
             <p:ph idx="1" type="body"/>
@@ -13347,7 +13179,7 @@
       </p:sp>
       <p:sp>
         <p:nvSpPr>
-          <p:cNvPr id="228" name="Google Shape;228;p33"/>
+          <p:cNvPr id="222" name="Google Shape;222;p33"/>
           <p:cNvSpPr txBox="1"/>
           <p:nvPr>
             <p:ph idx="12" type="sldNum"/>
@@ -13412,7 +13244,7 @@
       </p:sp>
       <p:graphicFrame>
         <p:nvGraphicFramePr>
-          <p:cNvPr id="229" name="Google Shape;229;p33"/>
+          <p:cNvPr id="223" name="Google Shape;223;p33"/>
           <p:cNvGraphicFramePr/>
           <p:nvPr/>
         </p:nvGraphicFramePr>
@@ -13425,7 +13257,7 @@
             <a:tbl>
               <a:tblPr>
                 <a:noFill/>
-                <a:tableStyleId>{DD953C43-BBE4-4531-9FEE-CD8433129448}</a:tableStyleId>
+                <a:tableStyleId>{801B6405-5D6C-4E07-B00F-17DC98D96A55}</a:tableStyleId>
               </a:tblPr>
               <a:tblGrid>
                 <a:gridCol w="2057400"/>
@@ -14476,7 +14308,7 @@
   <p:cSld>
     <p:spTree>
       <p:nvGrpSpPr>
-        <p:cNvPr id="233" name="Shape 233"/>
+        <p:cNvPr id="227" name="Shape 227"/>
         <p:cNvGrpSpPr/>
         <p:nvPr/>
       </p:nvGrpSpPr>
@@ -14490,7 +14322,7 @@
       </p:grpSpPr>
       <p:sp>
         <p:nvSpPr>
-          <p:cNvPr id="234" name="Google Shape;234;p34"/>
+          <p:cNvPr id="228" name="Google Shape;228;p34"/>
           <p:cNvSpPr txBox="1"/>
           <p:nvPr>
             <p:ph type="title"/>
@@ -14530,7 +14362,7 @@
       </p:sp>
       <p:sp>
         <p:nvSpPr>
-          <p:cNvPr id="235" name="Google Shape;235;p34"/>
+          <p:cNvPr id="229" name="Google Shape;229;p34"/>
           <p:cNvSpPr txBox="1"/>
           <p:nvPr>
             <p:ph idx="12" type="sldNum"/>
@@ -14595,7 +14427,7 @@
       </p:sp>
       <p:sp>
         <p:nvSpPr>
-          <p:cNvPr id="236" name="Google Shape;236;p34"/>
+          <p:cNvPr id="230" name="Google Shape;230;p34"/>
           <p:cNvSpPr txBox="1"/>
           <p:nvPr/>
         </p:nvSpPr>
@@ -14650,7 +14482,7 @@
       </p:sp>
       <p:pic>
         <p:nvPicPr>
-          <p:cNvPr id="237" name="Google Shape;237;p34"/>
+          <p:cNvPr id="231" name="Google Shape;231;p34"/>
           <p:cNvPicPr preferRelativeResize="0"/>
           <p:nvPr/>
         </p:nvPicPr>
@@ -14689,7 +14521,7 @@
   <p:cSld>
     <p:spTree>
       <p:nvGrpSpPr>
-        <p:cNvPr id="241" name="Shape 241"/>
+        <p:cNvPr id="235" name="Shape 235"/>
         <p:cNvGrpSpPr/>
         <p:nvPr/>
       </p:nvGrpSpPr>
@@ -14703,7 +14535,7 @@
       </p:grpSpPr>
       <p:sp>
         <p:nvSpPr>
-          <p:cNvPr id="242" name="Google Shape;242;p35"/>
+          <p:cNvPr id="236" name="Google Shape;236;p35"/>
           <p:cNvSpPr txBox="1"/>
           <p:nvPr>
             <p:ph type="title"/>
@@ -14743,7 +14575,7 @@
       </p:sp>
       <p:sp>
         <p:nvSpPr>
-          <p:cNvPr id="243" name="Google Shape;243;p35"/>
+          <p:cNvPr id="237" name="Google Shape;237;p35"/>
           <p:cNvSpPr txBox="1"/>
           <p:nvPr>
             <p:ph idx="1" type="body"/>
@@ -14849,7 +14681,7 @@
       </p:sp>
       <p:sp>
         <p:nvSpPr>
-          <p:cNvPr id="244" name="Google Shape;244;p35"/>
+          <p:cNvPr id="238" name="Google Shape;238;p35"/>
           <p:cNvSpPr txBox="1"/>
           <p:nvPr>
             <p:ph idx="12" type="sldNum"/>
@@ -14914,7 +14746,7 @@
       </p:sp>
       <p:pic>
         <p:nvPicPr>
-          <p:cNvPr id="245" name="Google Shape;245;p35"/>
+          <p:cNvPr id="239" name="Google Shape;239;p35"/>
           <p:cNvPicPr preferRelativeResize="0"/>
           <p:nvPr/>
         </p:nvPicPr>
@@ -14953,7 +14785,7 @@
   <p:cSld>
     <p:spTree>
       <p:nvGrpSpPr>
-        <p:cNvPr id="249" name="Shape 249"/>
+        <p:cNvPr id="243" name="Shape 243"/>
         <p:cNvGrpSpPr/>
         <p:nvPr/>
       </p:nvGrpSpPr>
@@ -14967,7 +14799,7 @@
       </p:grpSpPr>
       <p:sp>
         <p:nvSpPr>
-          <p:cNvPr id="250" name="Google Shape;250;p36"/>
+          <p:cNvPr id="244" name="Google Shape;244;p36"/>
           <p:cNvSpPr txBox="1"/>
           <p:nvPr>
             <p:ph type="title"/>
@@ -15007,7 +14839,7 @@
       </p:sp>
       <p:sp>
         <p:nvSpPr>
-          <p:cNvPr id="251" name="Google Shape;251;p36"/>
+          <p:cNvPr id="245" name="Google Shape;245;p36"/>
           <p:cNvSpPr txBox="1"/>
           <p:nvPr>
             <p:ph idx="1" type="body"/>
@@ -15098,7 +14930,7 @@
       </p:sp>
       <p:sp>
         <p:nvSpPr>
-          <p:cNvPr id="252" name="Google Shape;252;p36"/>
+          <p:cNvPr id="246" name="Google Shape;246;p36"/>
           <p:cNvSpPr txBox="1"/>
           <p:nvPr>
             <p:ph idx="12" type="sldNum"/>
@@ -15161,34 +14993,6 @@
           </a:p>
         </p:txBody>
       </p:sp>
-      <p:pic>
-        <p:nvPicPr>
-          <p:cNvPr id="253" name="Google Shape;253;p36"/>
-          <p:cNvPicPr preferRelativeResize="0"/>
-          <p:nvPr/>
-        </p:nvPicPr>
-        <p:blipFill>
-          <a:blip r:embed="rId4">
-            <a:alphaModFix/>
-          </a:blip>
-          <a:stretch>
-            <a:fillRect/>
-          </a:stretch>
-        </p:blipFill>
-        <p:spPr>
-          <a:xfrm>
-            <a:off x="7040838" y="914388"/>
-            <a:ext cx="1828800" cy="1828800"/>
-          </a:xfrm>
-          <a:prstGeom prst="rect">
-            <a:avLst/>
-          </a:prstGeom>
-          <a:noFill/>
-          <a:ln>
-            <a:noFill/>
-          </a:ln>
-        </p:spPr>
-      </p:pic>
     </p:spTree>
   </p:cSld>
   <p:clrMapOvr>
@@ -15509,7 +15313,7 @@
   <p:cSld>
     <p:spTree>
       <p:nvGrpSpPr>
-        <p:cNvPr id="257" name="Shape 257"/>
+        <p:cNvPr id="250" name="Shape 250"/>
         <p:cNvGrpSpPr/>
         <p:nvPr/>
       </p:nvGrpSpPr>
@@ -15523,7 +15327,7 @@
       </p:grpSpPr>
       <p:sp>
         <p:nvSpPr>
-          <p:cNvPr id="258" name="Google Shape;258;p37"/>
+          <p:cNvPr id="251" name="Google Shape;251;p37"/>
           <p:cNvSpPr txBox="1"/>
           <p:nvPr>
             <p:ph type="title"/>
@@ -15563,7 +15367,7 @@
       </p:sp>
       <p:sp>
         <p:nvSpPr>
-          <p:cNvPr id="259" name="Google Shape;259;p37"/>
+          <p:cNvPr id="252" name="Google Shape;252;p37"/>
           <p:cNvSpPr txBox="1"/>
           <p:nvPr>
             <p:ph idx="1" type="body"/>
@@ -15637,7 +15441,7 @@
       </p:sp>
       <p:sp>
         <p:nvSpPr>
-          <p:cNvPr id="260" name="Google Shape;260;p37"/>
+          <p:cNvPr id="253" name="Google Shape;253;p37"/>
           <p:cNvSpPr txBox="1"/>
           <p:nvPr>
             <p:ph idx="12" type="sldNum"/>
@@ -15700,34 +15504,6 @@
           </a:p>
         </p:txBody>
       </p:sp>
-      <p:pic>
-        <p:nvPicPr>
-          <p:cNvPr id="261" name="Google Shape;261;p37"/>
-          <p:cNvPicPr preferRelativeResize="0"/>
-          <p:nvPr/>
-        </p:nvPicPr>
-        <p:blipFill>
-          <a:blip r:embed="rId4">
-            <a:alphaModFix/>
-          </a:blip>
-          <a:stretch>
-            <a:fillRect/>
-          </a:stretch>
-        </p:blipFill>
-        <p:spPr>
-          <a:xfrm>
-            <a:off x="7040838" y="914388"/>
-            <a:ext cx="1828800" cy="1828800"/>
-          </a:xfrm>
-          <a:prstGeom prst="rect">
-            <a:avLst/>
-          </a:prstGeom>
-          <a:noFill/>
-          <a:ln>
-            <a:noFill/>
-          </a:ln>
-        </p:spPr>
-      </p:pic>
     </p:spTree>
   </p:cSld>
   <p:clrMapOvr>
@@ -15741,7 +15517,7 @@
   <p:cSld>
     <p:spTree>
       <p:nvGrpSpPr>
-        <p:cNvPr id="265" name="Shape 265"/>
+        <p:cNvPr id="257" name="Shape 257"/>
         <p:cNvGrpSpPr/>
         <p:nvPr/>
       </p:nvGrpSpPr>
@@ -15755,7 +15531,7 @@
       </p:grpSpPr>
       <p:sp>
         <p:nvSpPr>
-          <p:cNvPr id="266" name="Google Shape;266;p38"/>
+          <p:cNvPr id="258" name="Google Shape;258;p38"/>
           <p:cNvSpPr txBox="1"/>
           <p:nvPr>
             <p:ph type="title"/>
@@ -15795,7 +15571,7 @@
       </p:sp>
       <p:sp>
         <p:nvSpPr>
-          <p:cNvPr id="267" name="Google Shape;267;p38"/>
+          <p:cNvPr id="259" name="Google Shape;259;p38"/>
           <p:cNvSpPr txBox="1"/>
           <p:nvPr>
             <p:ph idx="12" type="sldNum"/>
@@ -15860,7 +15636,7 @@
       </p:sp>
       <p:graphicFrame>
         <p:nvGraphicFramePr>
-          <p:cNvPr id="268" name="Google Shape;268;p38"/>
+          <p:cNvPr id="260" name="Google Shape;260;p38"/>
           <p:cNvGraphicFramePr/>
           <p:nvPr/>
         </p:nvGraphicFramePr>
@@ -15873,7 +15649,7 @@
             <a:tbl>
               <a:tblPr>
                 <a:noFill/>
-                <a:tableStyleId>{DD953C43-BBE4-4531-9FEE-CD8433129448}</a:tableStyleId>
+                <a:tableStyleId>{801B6405-5D6C-4E07-B00F-17DC98D96A55}</a:tableStyleId>
               </a:tblPr>
               <a:tblGrid>
                 <a:gridCol w="638675"/>
@@ -17249,7 +17025,7 @@
   <p:cSld>
     <p:spTree>
       <p:nvGrpSpPr>
-        <p:cNvPr id="272" name="Shape 272"/>
+        <p:cNvPr id="264" name="Shape 264"/>
         <p:cNvGrpSpPr/>
         <p:nvPr/>
       </p:nvGrpSpPr>
@@ -17263,7 +17039,7 @@
       </p:grpSpPr>
       <p:sp>
         <p:nvSpPr>
-          <p:cNvPr id="273" name="Google Shape;273;p39"/>
+          <p:cNvPr id="265" name="Google Shape;265;p39"/>
           <p:cNvSpPr txBox="1"/>
           <p:nvPr>
             <p:ph type="title"/>
@@ -17314,6 +17090,324 @@
 </file>
 
 <file path=ppt/slides/slide33.xml><?xml version="1.0" encoding="utf-8"?>
+<p:sld xmlns:a="http://schemas.openxmlformats.org/drawingml/2006/main" xmlns:r="http://schemas.openxmlformats.org/officeDocument/2006/relationships" xmlns:mc="http://schemas.openxmlformats.org/markup-compatibility/2006" xmlns:mv="urn:schemas-microsoft-com:mac:vml" xmlns:p="http://schemas.openxmlformats.org/presentationml/2006/main" xmlns:c="http://schemas.openxmlformats.org/drawingml/2006/chart" xmlns:dgm="http://schemas.openxmlformats.org/drawingml/2006/diagram" xmlns:o="urn:schemas-microsoft-com:office:office" xmlns:v="urn:schemas-microsoft-com:vml" xmlns:pvml="urn:schemas-microsoft-com:office:powerpoint" xmlns:com="http://schemas.openxmlformats.org/drawingml/2006/compatibility" xmlns:p14="http://schemas.microsoft.com/office/powerpoint/2010/main" xmlns:p15="http://schemas.microsoft.com/office/powerpoint/2012/main" xmlns:ahyp="http://schemas.microsoft.com/office/drawing/2018/hyperlinkcolor">
+  <p:cSld>
+    <p:spTree>
+      <p:nvGrpSpPr>
+        <p:cNvPr id="269" name="Shape 269"/>
+        <p:cNvGrpSpPr/>
+        <p:nvPr/>
+      </p:nvGrpSpPr>
+      <p:grpSpPr>
+        <a:xfrm>
+          <a:off x="0" y="0"/>
+          <a:ext cx="0" cy="0"/>
+          <a:chOff x="0" y="0"/>
+          <a:chExt cx="0" cy="0"/>
+        </a:xfrm>
+      </p:grpSpPr>
+      <p:sp>
+        <p:nvSpPr>
+          <p:cNvPr id="270" name="Google Shape;270;p40"/>
+          <p:cNvSpPr txBox="1"/>
+          <p:nvPr>
+            <p:ph type="title"/>
+          </p:nvPr>
+        </p:nvSpPr>
+        <p:spPr>
+          <a:xfrm>
+            <a:off x="0" y="0"/>
+            <a:ext cx="9144000" cy="685800"/>
+          </a:xfrm>
+          <a:prstGeom prst="rect">
+            <a:avLst/>
+          </a:prstGeom>
+        </p:spPr>
+        <p:txBody>
+          <a:bodyPr anchorCtr="0" anchor="ctr" bIns="91425" lIns="274300" spcFirstLastPara="1" rIns="91425" wrap="square" tIns="91425">
+            <a:noAutofit/>
+          </a:bodyPr>
+          <a:lstStyle/>
+          <a:p>
+            <a:pPr indent="0" lvl="0" marL="0" rtl="0" algn="l">
+              <a:spcBef>
+                <a:spcPts val="0"/>
+              </a:spcBef>
+              <a:spcAft>
+                <a:spcPts val="0"/>
+              </a:spcAft>
+              <a:buNone/>
+            </a:pPr>
+            <a:r>
+              <a:rPr lang="en"/>
+              <a:t>Bill of Materials [1]</a:t>
+            </a:r>
+            <a:endParaRPr/>
+          </a:p>
+        </p:txBody>
+      </p:sp>
+      <p:sp>
+        <p:nvSpPr>
+          <p:cNvPr id="271" name="Google Shape;271;p40"/>
+          <p:cNvSpPr txBox="1"/>
+          <p:nvPr>
+            <p:ph idx="1" type="body"/>
+          </p:nvPr>
+        </p:nvSpPr>
+        <p:spPr>
+          <a:xfrm>
+            <a:off x="274320" y="914400"/>
+            <a:ext cx="8595300" cy="4114800"/>
+          </a:xfrm>
+          <a:prstGeom prst="rect">
+            <a:avLst/>
+          </a:prstGeom>
+        </p:spPr>
+        <p:txBody>
+          <a:bodyPr anchorCtr="0" anchor="t" bIns="0" lIns="0" spcFirstLastPara="1" rIns="0" wrap="square" tIns="0">
+            <a:noAutofit/>
+          </a:bodyPr>
+          <a:lstStyle/>
+          <a:p>
+            <a:pPr indent="0" lvl="0" marL="0" rtl="0" algn="l">
+              <a:spcBef>
+                <a:spcPts val="0"/>
+              </a:spcBef>
+              <a:spcAft>
+                <a:spcPts val="0"/>
+              </a:spcAft>
+              <a:buNone/>
+            </a:pPr>
+            <a:r>
+              <a:rPr lang="en"/>
+              <a:t>A </a:t>
+            </a:r>
+            <a:r>
+              <a:rPr b="1" lang="en"/>
+              <a:t>bill of materials</a:t>
+            </a:r>
+            <a:r>
+              <a:rPr lang="en"/>
+              <a:t> (of some artifact) is</a:t>
+            </a:r>
+            <a:endParaRPr/>
+          </a:p>
+          <a:p>
+            <a:pPr indent="-342900" lvl="0" marL="457200" rtl="0" algn="l">
+              <a:spcBef>
+                <a:spcPts val="1200"/>
+              </a:spcBef>
+              <a:spcAft>
+                <a:spcPts val="0"/>
+              </a:spcAft>
+              <a:buSzPts val="1800"/>
+              <a:buChar char="●"/>
+            </a:pPr>
+            <a:r>
+              <a:rPr lang="en"/>
+              <a:t>A linear list of materials (the parts) constituting the artifact (the whole)</a:t>
+            </a:r>
+            <a:endParaRPr/>
+          </a:p>
+          <a:p>
+            <a:pPr indent="0" lvl="0" marL="0" rtl="0" algn="l">
+              <a:spcBef>
+                <a:spcPts val="1200"/>
+              </a:spcBef>
+              <a:spcAft>
+                <a:spcPts val="0"/>
+              </a:spcAft>
+              <a:buNone/>
+            </a:pPr>
+            <a:r>
+              <a:rPr lang="en"/>
+              <a:t>A bill of materials can contain any kind of material</a:t>
+            </a:r>
+            <a:endParaRPr/>
+          </a:p>
+          <a:p>
+            <a:pPr indent="-342900" lvl="0" marL="457200" rtl="0" algn="l">
+              <a:spcBef>
+                <a:spcPts val="1200"/>
+              </a:spcBef>
+              <a:spcAft>
+                <a:spcPts val="0"/>
+              </a:spcAft>
+              <a:buSzPts val="1800"/>
+              <a:buChar char="●"/>
+            </a:pPr>
+            <a:r>
+              <a:rPr lang="en"/>
+              <a:t>Not just software</a:t>
+            </a:r>
+            <a:endParaRPr/>
+          </a:p>
+          <a:p>
+            <a:pPr indent="0" lvl="0" marL="0" rtl="0" algn="l">
+              <a:spcBef>
+                <a:spcPts val="1200"/>
+              </a:spcBef>
+              <a:spcAft>
+                <a:spcPts val="0"/>
+              </a:spcAft>
+              <a:buNone/>
+            </a:pPr>
+            <a:r>
+              <a:rPr lang="en"/>
+              <a:t>If purely software, the bill of materials is also called the</a:t>
+            </a:r>
+            <a:endParaRPr/>
+          </a:p>
+          <a:p>
+            <a:pPr indent="-342900" lvl="0" marL="457200" rtl="0" algn="l">
+              <a:spcBef>
+                <a:spcPts val="1200"/>
+              </a:spcBef>
+              <a:spcAft>
+                <a:spcPts val="0"/>
+              </a:spcAft>
+              <a:buSzPts val="1800"/>
+              <a:buChar char="●"/>
+            </a:pPr>
+            <a:r>
+              <a:rPr lang="en"/>
+              <a:t>Software bill of materials (SBOM)</a:t>
+            </a:r>
+            <a:endParaRPr/>
+          </a:p>
+          <a:p>
+            <a:pPr indent="0" lvl="0" marL="0" rtl="0" algn="l">
+              <a:spcBef>
+                <a:spcPts val="1200"/>
+              </a:spcBef>
+              <a:spcAft>
+                <a:spcPts val="1200"/>
+              </a:spcAft>
+              <a:buNone/>
+            </a:pPr>
+            <a:r>
+              <a:t/>
+            </a:r>
+            <a:endParaRPr/>
+          </a:p>
+        </p:txBody>
+      </p:sp>
+      <p:sp>
+        <p:nvSpPr>
+          <p:cNvPr id="272" name="Google Shape;272;p40"/>
+          <p:cNvSpPr txBox="1"/>
+          <p:nvPr>
+            <p:ph idx="12" type="sldNum"/>
+          </p:nvPr>
+        </p:nvSpPr>
+        <p:spPr>
+          <a:xfrm>
+            <a:off x="7315202" y="4229100"/>
+            <a:ext cx="1828800" cy="914400"/>
+          </a:xfrm>
+          <a:prstGeom prst="rect">
+            <a:avLst/>
+          </a:prstGeom>
+        </p:spPr>
+        <p:txBody>
+          <a:bodyPr anchorCtr="0" anchor="b" bIns="91425" lIns="91425" spcFirstLastPara="1" rIns="91425" wrap="square" tIns="91425">
+            <a:noAutofit/>
+          </a:bodyPr>
+          <a:lstStyle/>
+          <a:p>
+            <a:pPr indent="0" lvl="0" marL="0" rtl="0" algn="r">
+              <a:spcBef>
+                <a:spcPts val="0"/>
+              </a:spcBef>
+              <a:spcAft>
+                <a:spcPts val="0"/>
+              </a:spcAft>
+              <a:buNone/>
+            </a:pPr>
+            <a:fld id="{00000000-1234-1234-1234-123412341234}" type="slidenum">
+              <a:rPr lang="en"/>
+              <a:t>‹#›</a:t>
+            </a:fld>
+            <a:endParaRPr/>
+          </a:p>
+          <a:p>
+            <a:pPr indent="0" lvl="0" marL="0" rtl="0" algn="r">
+              <a:spcBef>
+                <a:spcPts val="0"/>
+              </a:spcBef>
+              <a:spcAft>
+                <a:spcPts val="0"/>
+              </a:spcAft>
+              <a:buNone/>
+            </a:pPr>
+            <a:r>
+              <a:rPr b="0" lang="en" sz="1000" u="sng">
+                <a:solidFill>
+                  <a:schemeClr val="hlink"/>
+                </a:solidFill>
+                <a:hlinkClick r:id="rId3"/>
+              </a:rPr>
+              <a:t>uni1.de/amos</a:t>
+            </a:r>
+            <a:r>
+              <a:rPr b="0" lang="en" sz="1000"/>
+              <a:t> </a:t>
+            </a:r>
+            <a:endParaRPr b="0" sz="1000"/>
+          </a:p>
+        </p:txBody>
+      </p:sp>
+      <p:sp>
+        <p:nvSpPr>
+          <p:cNvPr id="273" name="Google Shape;273;p40"/>
+          <p:cNvSpPr txBox="1"/>
+          <p:nvPr/>
+        </p:nvSpPr>
+        <p:spPr>
+          <a:xfrm>
+            <a:off x="0" y="4233672"/>
+            <a:ext cx="7315200" cy="914400"/>
+          </a:xfrm>
+          <a:prstGeom prst="rect">
+            <a:avLst/>
+          </a:prstGeom>
+          <a:noFill/>
+          <a:ln>
+            <a:noFill/>
+          </a:ln>
+        </p:spPr>
+        <p:txBody>
+          <a:bodyPr anchorCtr="0" anchor="b" bIns="91425" lIns="91425" spcFirstLastPara="1" rIns="91425" wrap="square" tIns="91425">
+            <a:noAutofit/>
+          </a:bodyPr>
+          <a:lstStyle/>
+          <a:p>
+            <a:pPr indent="0" lvl="0" marL="0" rtl="0" algn="l">
+              <a:spcBef>
+                <a:spcPts val="0"/>
+              </a:spcBef>
+              <a:spcAft>
+                <a:spcPts val="0"/>
+              </a:spcAft>
+              <a:buNone/>
+            </a:pPr>
+            <a:r>
+              <a:rPr lang="en"/>
+              <a:t>[1] German: Stückliste</a:t>
+            </a:r>
+            <a:endParaRPr/>
+          </a:p>
+        </p:txBody>
+      </p:sp>
+    </p:spTree>
+  </p:cSld>
+  <p:clrMapOvr>
+    <a:masterClrMapping/>
+  </p:clrMapOvr>
+</p:sld>
+</file>
+
+<file path=ppt/slides/slide34.xml><?xml version="1.0" encoding="utf-8"?>
 <p:sld xmlns:a="http://schemas.openxmlformats.org/drawingml/2006/main" xmlns:r="http://schemas.openxmlformats.org/officeDocument/2006/relationships" xmlns:mc="http://schemas.openxmlformats.org/markup-compatibility/2006" xmlns:mv="urn:schemas-microsoft-com:mac:vml" xmlns:p="http://schemas.openxmlformats.org/presentationml/2006/main" xmlns:c="http://schemas.openxmlformats.org/drawingml/2006/chart" xmlns:dgm="http://schemas.openxmlformats.org/drawingml/2006/diagram" xmlns:o="urn:schemas-microsoft-com:office:office" xmlns:v="urn:schemas-microsoft-com:vml" xmlns:pvml="urn:schemas-microsoft-com:office:powerpoint" xmlns:com="http://schemas.openxmlformats.org/drawingml/2006/compatibility" xmlns:p14="http://schemas.microsoft.com/office/powerpoint/2010/main" xmlns:p15="http://schemas.microsoft.com/office/powerpoint/2012/main" xmlns:ahyp="http://schemas.microsoft.com/office/drawing/2018/hyperlinkcolor">
   <p:cSld>
     <p:spTree>
@@ -17332,7 +17426,7 @@
       </p:grpSpPr>
       <p:sp>
         <p:nvSpPr>
-          <p:cNvPr id="278" name="Google Shape;278;p40"/>
+          <p:cNvPr id="278" name="Google Shape;278;p41"/>
           <p:cNvSpPr txBox="1"/>
           <p:nvPr>
             <p:ph type="title"/>
@@ -17364,7 +17458,7 @@
             </a:pPr>
             <a:r>
               <a:rPr lang="en"/>
-              <a:t>Bill of Materials [1]</a:t>
+              <a:t>Software Bill of Materials (SBOM)</a:t>
             </a:r>
             <a:endParaRPr/>
           </a:p>
@@ -17372,7 +17466,7 @@
       </p:sp>
       <p:sp>
         <p:nvSpPr>
-          <p:cNvPr id="279" name="Google Shape;279;p40"/>
+          <p:cNvPr id="279" name="Google Shape;279;p41"/>
           <p:cNvSpPr txBox="1"/>
           <p:nvPr>
             <p:ph idx="1" type="body"/>
@@ -17398,119 +17492,13 @@
                 <a:spcPts val="0"/>
               </a:spcBef>
               <a:spcAft>
-                <a:spcPts val="0"/>
-              </a:spcAft>
-              <a:buNone/>
-            </a:pPr>
-            <a:r>
-              <a:rPr lang="en"/>
-              <a:t>A </a:t>
-            </a:r>
-            <a:r>
-              <a:rPr b="1" lang="en"/>
-              <a:t>bill of materials</a:t>
-            </a:r>
-            <a:r>
-              <a:rPr lang="en"/>
-              <a:t> (of some artifact) is</a:t>
-            </a:r>
-            <a:endParaRPr/>
-          </a:p>
-          <a:p>
-            <a:pPr indent="-342900" lvl="0" marL="457200" rtl="0" algn="l">
-              <a:spcBef>
                 <a:spcPts val="1200"/>
-              </a:spcBef>
-              <a:spcAft>
-                <a:spcPts val="0"/>
-              </a:spcAft>
-              <a:buSzPts val="1800"/>
-              <a:buChar char="●"/>
-            </a:pPr>
-            <a:r>
-              <a:rPr lang="en"/>
-              <a:t>A linear list of materials (the parts) constituting the artifact (the whole)</a:t>
-            </a:r>
-            <a:endParaRPr/>
-          </a:p>
-          <a:p>
-            <a:pPr indent="0" lvl="0" marL="0" rtl="0" algn="l">
-              <a:spcBef>
-                <a:spcPts val="1200"/>
-              </a:spcBef>
-              <a:spcAft>
-                <a:spcPts val="0"/>
-              </a:spcAft>
-              <a:buNone/>
-            </a:pPr>
-            <a:r>
-              <a:rPr lang="en"/>
-              <a:t>A bill of materials can contain any kind of material</a:t>
-            </a:r>
-            <a:endParaRPr/>
-          </a:p>
-          <a:p>
-            <a:pPr indent="-342900" lvl="0" marL="457200" rtl="0" algn="l">
-              <a:spcBef>
-                <a:spcPts val="1200"/>
-              </a:spcBef>
-              <a:spcAft>
-                <a:spcPts val="0"/>
-              </a:spcAft>
-              <a:buSzPts val="1800"/>
-              <a:buChar char="●"/>
-            </a:pPr>
-            <a:r>
-              <a:rPr lang="en"/>
-              <a:t>Not just software</a:t>
-            </a:r>
-            <a:endParaRPr/>
-          </a:p>
-          <a:p>
-            <a:pPr indent="0" lvl="0" marL="0" rtl="0" algn="l">
-              <a:spcBef>
-                <a:spcPts val="1200"/>
-              </a:spcBef>
-              <a:spcAft>
-                <a:spcPts val="0"/>
-              </a:spcAft>
-              <a:buNone/>
-            </a:pPr>
-            <a:r>
-              <a:rPr lang="en"/>
-              <a:t>If purely software, the bill of materials is also called the</a:t>
-            </a:r>
-            <a:endParaRPr/>
-          </a:p>
-          <a:p>
-            <a:pPr indent="-342900" lvl="0" marL="457200" rtl="0" algn="l">
-              <a:spcBef>
-                <a:spcPts val="1200"/>
-              </a:spcBef>
-              <a:spcAft>
-                <a:spcPts val="0"/>
-              </a:spcAft>
-              <a:buSzPts val="1800"/>
-              <a:buChar char="●"/>
-            </a:pPr>
-            <a:r>
-              <a:rPr lang="en"/>
-              <a:t>Software bill of materials (SBOM)</a:t>
-            </a:r>
-            <a:endParaRPr/>
-          </a:p>
-          <a:p>
-            <a:pPr indent="0" lvl="0" marL="0" rtl="0" algn="l">
-              <a:spcBef>
-                <a:spcPts val="1200"/>
-              </a:spcBef>
-              <a:spcAft>
-                <a:spcPts val="1200"/>
-              </a:spcAft>
-              <a:buNone/>
-            </a:pPr>
-            <a:r>
-              <a:t/>
+              </a:spcAft>
+              <a:buNone/>
+            </a:pPr>
+            <a:r>
+              <a:rPr lang="en"/>
+              <a:t>For each dependency, provide this (recommended, not required) information</a:t>
             </a:r>
             <a:endParaRPr/>
           </a:p>
@@ -17518,7 +17506,7 @@
       </p:sp>
       <p:sp>
         <p:nvSpPr>
-          <p:cNvPr id="280" name="Google Shape;280;p40"/>
+          <p:cNvPr id="280" name="Google Shape;280;p41"/>
           <p:cNvSpPr txBox="1"/>
           <p:nvPr>
             <p:ph idx="12" type="sldNum"/>
@@ -17581,221 +17569,9 @@
           </a:p>
         </p:txBody>
       </p:sp>
-      <p:sp>
-        <p:nvSpPr>
-          <p:cNvPr id="281" name="Google Shape;281;p40"/>
-          <p:cNvSpPr txBox="1"/>
-          <p:nvPr/>
-        </p:nvSpPr>
-        <p:spPr>
-          <a:xfrm>
-            <a:off x="0" y="4233672"/>
-            <a:ext cx="7315200" cy="914400"/>
-          </a:xfrm>
-          <a:prstGeom prst="rect">
-            <a:avLst/>
-          </a:prstGeom>
-          <a:noFill/>
-          <a:ln>
-            <a:noFill/>
-          </a:ln>
-        </p:spPr>
-        <p:txBody>
-          <a:bodyPr anchorCtr="0" anchor="b" bIns="91425" lIns="91425" spcFirstLastPara="1" rIns="91425" wrap="square" tIns="91425">
-            <a:noAutofit/>
-          </a:bodyPr>
-          <a:lstStyle/>
-          <a:p>
-            <a:pPr indent="0" lvl="0" marL="0" rtl="0" algn="l">
-              <a:spcBef>
-                <a:spcPts val="0"/>
-              </a:spcBef>
-              <a:spcAft>
-                <a:spcPts val="0"/>
-              </a:spcAft>
-              <a:buNone/>
-            </a:pPr>
-            <a:r>
-              <a:rPr lang="en"/>
-              <a:t>[1] German: Stückliste</a:t>
-            </a:r>
-            <a:endParaRPr/>
-          </a:p>
-        </p:txBody>
-      </p:sp>
-    </p:spTree>
-  </p:cSld>
-  <p:clrMapOvr>
-    <a:masterClrMapping/>
-  </p:clrMapOvr>
-</p:sld>
-</file>
-
-<file path=ppt/slides/slide34.xml><?xml version="1.0" encoding="utf-8"?>
-<p:sld xmlns:a="http://schemas.openxmlformats.org/drawingml/2006/main" xmlns:r="http://schemas.openxmlformats.org/officeDocument/2006/relationships" xmlns:mc="http://schemas.openxmlformats.org/markup-compatibility/2006" xmlns:mv="urn:schemas-microsoft-com:mac:vml" xmlns:p="http://schemas.openxmlformats.org/presentationml/2006/main" xmlns:c="http://schemas.openxmlformats.org/drawingml/2006/chart" xmlns:dgm="http://schemas.openxmlformats.org/drawingml/2006/diagram" xmlns:o="urn:schemas-microsoft-com:office:office" xmlns:v="urn:schemas-microsoft-com:vml" xmlns:pvml="urn:schemas-microsoft-com:office:powerpoint" xmlns:com="http://schemas.openxmlformats.org/drawingml/2006/compatibility" xmlns:p14="http://schemas.microsoft.com/office/powerpoint/2010/main" xmlns:p15="http://schemas.microsoft.com/office/powerpoint/2012/main" xmlns:ahyp="http://schemas.microsoft.com/office/drawing/2018/hyperlinkcolor">
-  <p:cSld>
-    <p:spTree>
-      <p:nvGrpSpPr>
-        <p:cNvPr id="285" name="Shape 285"/>
-        <p:cNvGrpSpPr/>
-        <p:nvPr/>
-      </p:nvGrpSpPr>
-      <p:grpSpPr>
-        <a:xfrm>
-          <a:off x="0" y="0"/>
-          <a:ext cx="0" cy="0"/>
-          <a:chOff x="0" y="0"/>
-          <a:chExt cx="0" cy="0"/>
-        </a:xfrm>
-      </p:grpSpPr>
-      <p:sp>
-        <p:nvSpPr>
-          <p:cNvPr id="286" name="Google Shape;286;p41"/>
-          <p:cNvSpPr txBox="1"/>
-          <p:nvPr>
-            <p:ph type="title"/>
-          </p:nvPr>
-        </p:nvSpPr>
-        <p:spPr>
-          <a:xfrm>
-            <a:off x="0" y="0"/>
-            <a:ext cx="9144000" cy="685800"/>
-          </a:xfrm>
-          <a:prstGeom prst="rect">
-            <a:avLst/>
-          </a:prstGeom>
-        </p:spPr>
-        <p:txBody>
-          <a:bodyPr anchorCtr="0" anchor="ctr" bIns="91425" lIns="274300" spcFirstLastPara="1" rIns="91425" wrap="square" tIns="91425">
-            <a:noAutofit/>
-          </a:bodyPr>
-          <a:lstStyle/>
-          <a:p>
-            <a:pPr indent="0" lvl="0" marL="0" rtl="0" algn="l">
-              <a:spcBef>
-                <a:spcPts val="0"/>
-              </a:spcBef>
-              <a:spcAft>
-                <a:spcPts val="0"/>
-              </a:spcAft>
-              <a:buNone/>
-            </a:pPr>
-            <a:r>
-              <a:rPr lang="en"/>
-              <a:t>Software Bill of Materials (SBOM)</a:t>
-            </a:r>
-            <a:endParaRPr/>
-          </a:p>
-        </p:txBody>
-      </p:sp>
-      <p:sp>
-        <p:nvSpPr>
-          <p:cNvPr id="287" name="Google Shape;287;p41"/>
-          <p:cNvSpPr txBox="1"/>
-          <p:nvPr>
-            <p:ph idx="1" type="body"/>
-          </p:nvPr>
-        </p:nvSpPr>
-        <p:spPr>
-          <a:xfrm>
-            <a:off x="274320" y="914400"/>
-            <a:ext cx="8595300" cy="4114800"/>
-          </a:xfrm>
-          <a:prstGeom prst="rect">
-            <a:avLst/>
-          </a:prstGeom>
-        </p:spPr>
-        <p:txBody>
-          <a:bodyPr anchorCtr="0" anchor="t" bIns="0" lIns="0" spcFirstLastPara="1" rIns="0" wrap="square" tIns="0">
-            <a:noAutofit/>
-          </a:bodyPr>
-          <a:lstStyle/>
-          <a:p>
-            <a:pPr indent="0" lvl="0" marL="0" rtl="0" algn="l">
-              <a:spcBef>
-                <a:spcPts val="0"/>
-              </a:spcBef>
-              <a:spcAft>
-                <a:spcPts val="1200"/>
-              </a:spcAft>
-              <a:buNone/>
-            </a:pPr>
-            <a:r>
-              <a:rPr lang="en"/>
-              <a:t>For each dependency, provide this (recommended, not required) information</a:t>
-            </a:r>
-            <a:endParaRPr/>
-          </a:p>
-        </p:txBody>
-      </p:sp>
-      <p:sp>
-        <p:nvSpPr>
-          <p:cNvPr id="288" name="Google Shape;288;p41"/>
-          <p:cNvSpPr txBox="1"/>
-          <p:nvPr>
-            <p:ph idx="12" type="sldNum"/>
-          </p:nvPr>
-        </p:nvSpPr>
-        <p:spPr>
-          <a:xfrm>
-            <a:off x="7315202" y="4229100"/>
-            <a:ext cx="1828800" cy="914400"/>
-          </a:xfrm>
-          <a:prstGeom prst="rect">
-            <a:avLst/>
-          </a:prstGeom>
-        </p:spPr>
-        <p:txBody>
-          <a:bodyPr anchorCtr="0" anchor="b" bIns="91425" lIns="91425" spcFirstLastPara="1" rIns="91425" wrap="square" tIns="91425">
-            <a:noAutofit/>
-          </a:bodyPr>
-          <a:lstStyle/>
-          <a:p>
-            <a:pPr indent="0" lvl="0" marL="0" rtl="0" algn="r">
-              <a:spcBef>
-                <a:spcPts val="0"/>
-              </a:spcBef>
-              <a:spcAft>
-                <a:spcPts val="0"/>
-              </a:spcAft>
-              <a:buNone/>
-            </a:pPr>
-            <a:fld id="{00000000-1234-1234-1234-123412341234}" type="slidenum">
-              <a:rPr lang="en"/>
-              <a:t>‹#›</a:t>
-            </a:fld>
-            <a:endParaRPr/>
-          </a:p>
-          <a:p>
-            <a:pPr indent="0" lvl="0" marL="0" rtl="0" algn="r">
-              <a:spcBef>
-                <a:spcPts val="0"/>
-              </a:spcBef>
-              <a:spcAft>
-                <a:spcPts val="0"/>
-              </a:spcAft>
-              <a:buNone/>
-            </a:pPr>
-            <a:r>
-              <a:rPr b="0" lang="en" sz="1000" u="sng">
-                <a:solidFill>
-                  <a:schemeClr val="hlink"/>
-                </a:solidFill>
-                <a:hlinkClick r:id="rId3"/>
-              </a:rPr>
-              <a:t>uni1.de/amos</a:t>
-            </a:r>
-            <a:r>
-              <a:rPr b="0" lang="en" sz="1000"/>
-              <a:t> </a:t>
-            </a:r>
-            <a:endParaRPr b="0" sz="1000"/>
-          </a:p>
-        </p:txBody>
-      </p:sp>
       <p:graphicFrame>
         <p:nvGraphicFramePr>
-          <p:cNvPr id="289" name="Google Shape;289;p41"/>
+          <p:cNvPr id="281" name="Google Shape;281;p41"/>
           <p:cNvGraphicFramePr/>
           <p:nvPr/>
         </p:nvGraphicFramePr>
@@ -17808,7 +17584,7 @@
             <a:tbl>
               <a:tblPr>
                 <a:noFill/>
-                <a:tableStyleId>{DD953C43-BBE4-4531-9FEE-CD8433129448}</a:tableStyleId>
+                <a:tableStyleId>{801B6405-5D6C-4E07-B00F-17DC98D96A55}</a:tableStyleId>
               </a:tblPr>
               <a:tblGrid>
                 <a:gridCol w="1280725"/>
@@ -19002,7 +18778,7 @@
   <p:cSld>
     <p:spTree>
       <p:nvGrpSpPr>
-        <p:cNvPr id="293" name="Shape 293"/>
+        <p:cNvPr id="285" name="Shape 285"/>
         <p:cNvGrpSpPr/>
         <p:nvPr/>
       </p:nvGrpSpPr>
@@ -19016,7 +18792,7 @@
       </p:grpSpPr>
       <p:sp>
         <p:nvSpPr>
-          <p:cNvPr id="294" name="Google Shape;294;p42"/>
+          <p:cNvPr id="286" name="Google Shape;286;p42"/>
           <p:cNvSpPr txBox="1"/>
           <p:nvPr>
             <p:ph type="title"/>
@@ -19056,7 +18832,7 @@
       </p:sp>
       <p:sp>
         <p:nvSpPr>
-          <p:cNvPr id="295" name="Google Shape;295;p42"/>
+          <p:cNvPr id="287" name="Google Shape;287;p42"/>
           <p:cNvSpPr txBox="1"/>
           <p:nvPr>
             <p:ph idx="1" type="body"/>
@@ -19145,7 +18921,7 @@
       </p:sp>
       <p:sp>
         <p:nvSpPr>
-          <p:cNvPr id="296" name="Google Shape;296;p42"/>
+          <p:cNvPr id="288" name="Google Shape;288;p42"/>
           <p:cNvSpPr txBox="1"/>
           <p:nvPr>
             <p:ph idx="12" type="sldNum"/>
@@ -19221,7 +18997,7 @@
   <p:cSld>
     <p:spTree>
       <p:nvGrpSpPr>
-        <p:cNvPr id="300" name="Shape 300"/>
+        <p:cNvPr id="292" name="Shape 292"/>
         <p:cNvGrpSpPr/>
         <p:nvPr/>
       </p:nvGrpSpPr>
@@ -19235,7 +19011,7 @@
       </p:grpSpPr>
       <p:sp>
         <p:nvSpPr>
-          <p:cNvPr id="301" name="Google Shape;301;p43"/>
+          <p:cNvPr id="293" name="Google Shape;293;p43"/>
           <p:cNvSpPr txBox="1"/>
           <p:nvPr>
             <p:ph type="title"/>
@@ -19286,7 +19062,7 @@
   <p:cSld>
     <p:spTree>
       <p:nvGrpSpPr>
-        <p:cNvPr id="305" name="Shape 305"/>
+        <p:cNvPr id="297" name="Shape 297"/>
         <p:cNvGrpSpPr/>
         <p:nvPr/>
       </p:nvGrpSpPr>
@@ -19300,7 +19076,7 @@
       </p:grpSpPr>
       <p:sp>
         <p:nvSpPr>
-          <p:cNvPr id="306" name="Google Shape;306;p44"/>
+          <p:cNvPr id="298" name="Google Shape;298;p44"/>
           <p:cNvSpPr txBox="1"/>
           <p:nvPr>
             <p:ph type="title"/>
@@ -19340,7 +19116,7 @@
       </p:sp>
       <p:sp>
         <p:nvSpPr>
-          <p:cNvPr id="307" name="Google Shape;307;p44"/>
+          <p:cNvPr id="299" name="Google Shape;299;p44"/>
           <p:cNvSpPr txBox="1"/>
           <p:nvPr>
             <p:ph idx="1" type="body"/>
@@ -19514,7 +19290,7 @@
       </p:sp>
       <p:sp>
         <p:nvSpPr>
-          <p:cNvPr id="308" name="Google Shape;308;p44"/>
+          <p:cNvPr id="300" name="Google Shape;300;p44"/>
           <p:cNvSpPr txBox="1"/>
           <p:nvPr>
             <p:ph idx="12" type="sldNum"/>
@@ -19590,7 +19366,7 @@
   <p:cSld>
     <p:spTree>
       <p:nvGrpSpPr>
-        <p:cNvPr id="312" name="Shape 312"/>
+        <p:cNvPr id="304" name="Shape 304"/>
         <p:cNvGrpSpPr/>
         <p:nvPr/>
       </p:nvGrpSpPr>
@@ -19604,7 +19380,7 @@
       </p:grpSpPr>
       <p:sp>
         <p:nvSpPr>
-          <p:cNvPr id="313" name="Google Shape;313;p45"/>
+          <p:cNvPr id="305" name="Google Shape;305;p45"/>
           <p:cNvSpPr txBox="1"/>
           <p:nvPr>
             <p:ph type="title"/>
@@ -19644,7 +19420,7 @@
       </p:sp>
       <p:sp>
         <p:nvSpPr>
-          <p:cNvPr id="314" name="Google Shape;314;p45"/>
+          <p:cNvPr id="306" name="Google Shape;306;p45"/>
           <p:cNvSpPr txBox="1"/>
           <p:nvPr>
             <p:ph idx="12" type="sldNum"/>
@@ -19709,7 +19485,7 @@
       </p:sp>
       <p:pic>
         <p:nvPicPr>
-          <p:cNvPr id="315" name="Google Shape;315;p45"/>
+          <p:cNvPr id="307" name="Google Shape;307;p45"/>
           <p:cNvPicPr preferRelativeResize="0"/>
           <p:nvPr/>
         </p:nvPicPr>
@@ -19748,7 +19524,7 @@
   <p:cSld>
     <p:spTree>
       <p:nvGrpSpPr>
-        <p:cNvPr id="319" name="Shape 319"/>
+        <p:cNvPr id="311" name="Shape 311"/>
         <p:cNvGrpSpPr/>
         <p:nvPr/>
       </p:nvGrpSpPr>
@@ -19762,7 +19538,7 @@
       </p:grpSpPr>
       <p:sp>
         <p:nvSpPr>
-          <p:cNvPr id="320" name="Google Shape;320;p46"/>
+          <p:cNvPr id="312" name="Google Shape;312;p46"/>
           <p:cNvSpPr txBox="1"/>
           <p:nvPr>
             <p:ph type="title"/>
@@ -19802,7 +19578,7 @@
       </p:sp>
       <p:sp>
         <p:nvSpPr>
-          <p:cNvPr id="321" name="Google Shape;321;p46"/>
+          <p:cNvPr id="313" name="Google Shape;313;p46"/>
           <p:cNvSpPr txBox="1"/>
           <p:nvPr>
             <p:ph idx="1" type="body"/>
@@ -19924,7 +19700,7 @@
       </p:sp>
       <p:sp>
         <p:nvSpPr>
-          <p:cNvPr id="322" name="Google Shape;322;p46"/>
+          <p:cNvPr id="314" name="Google Shape;314;p46"/>
           <p:cNvSpPr txBox="1"/>
           <p:nvPr>
             <p:ph idx="12" type="sldNum"/>
@@ -20065,7 +19841,7 @@
   <p:cSld>
     <p:spTree>
       <p:nvGrpSpPr>
-        <p:cNvPr id="326" name="Shape 326"/>
+        <p:cNvPr id="318" name="Shape 318"/>
         <p:cNvGrpSpPr/>
         <p:nvPr/>
       </p:nvGrpSpPr>
@@ -20079,7 +19855,7 @@
       </p:grpSpPr>
       <p:sp>
         <p:nvSpPr>
-          <p:cNvPr id="327" name="Google Shape;327;p47"/>
+          <p:cNvPr id="319" name="Google Shape;319;p47"/>
           <p:cNvSpPr txBox="1"/>
           <p:nvPr>
             <p:ph type="title"/>
@@ -20119,7 +19895,7 @@
       </p:sp>
       <p:sp>
         <p:nvSpPr>
-          <p:cNvPr id="328" name="Google Shape;328;p47"/>
+          <p:cNvPr id="320" name="Google Shape;320;p47"/>
           <p:cNvSpPr txBox="1"/>
           <p:nvPr>
             <p:ph idx="1" type="body"/>
@@ -20296,7 +20072,7 @@
       </p:sp>
       <p:sp>
         <p:nvSpPr>
-          <p:cNvPr id="329" name="Google Shape;329;p47"/>
+          <p:cNvPr id="321" name="Google Shape;321;p47"/>
           <p:cNvSpPr txBox="1"/>
           <p:nvPr>
             <p:ph idx="12" type="sldNum"/>
@@ -20372,7 +20148,7 @@
   <p:cSld>
     <p:spTree>
       <p:nvGrpSpPr>
-        <p:cNvPr id="333" name="Shape 333"/>
+        <p:cNvPr id="325" name="Shape 325"/>
         <p:cNvGrpSpPr/>
         <p:nvPr/>
       </p:nvGrpSpPr>
@@ -20386,7 +20162,7 @@
       </p:grpSpPr>
       <p:sp>
         <p:nvSpPr>
-          <p:cNvPr id="334" name="Google Shape;334;p48"/>
+          <p:cNvPr id="326" name="Google Shape;326;p48"/>
           <p:cNvSpPr txBox="1"/>
           <p:nvPr>
             <p:ph type="ctrTitle"/>
@@ -20426,7 +20202,7 @@
       </p:sp>
       <p:sp>
         <p:nvSpPr>
-          <p:cNvPr id="335" name="Google Shape;335;p48"/>
+          <p:cNvPr id="327" name="Google Shape;327;p48"/>
           <p:cNvSpPr txBox="1"/>
           <p:nvPr>
             <p:ph idx="1" type="subTitle"/>
@@ -20556,7 +20332,7 @@
   <p:cSld>
     <p:spTree>
       <p:nvGrpSpPr>
-        <p:cNvPr id="339" name="Shape 339"/>
+        <p:cNvPr id="331" name="Shape 331"/>
         <p:cNvGrpSpPr/>
         <p:nvPr/>
       </p:nvGrpSpPr>
@@ -20570,7 +20346,7 @@
       </p:grpSpPr>
       <p:sp>
         <p:nvSpPr>
-          <p:cNvPr id="340" name="Google Shape;340;p49"/>
+          <p:cNvPr id="332" name="Google Shape;332;p49"/>
           <p:cNvSpPr txBox="1"/>
           <p:nvPr>
             <p:ph type="title"/>
@@ -20610,7 +20386,7 @@
       </p:sp>
       <p:sp>
         <p:nvSpPr>
-          <p:cNvPr id="341" name="Google Shape;341;p49"/>
+          <p:cNvPr id="333" name="Google Shape;333;p49"/>
           <p:cNvSpPr txBox="1"/>
           <p:nvPr>
             <p:ph idx="12" type="sldNum"/>
@@ -20675,7 +20451,7 @@
       </p:sp>
       <p:sp>
         <p:nvSpPr>
-          <p:cNvPr id="342" name="Google Shape;342;p49"/>
+          <p:cNvPr id="334" name="Google Shape;334;p49"/>
           <p:cNvSpPr txBox="1"/>
           <p:nvPr>
             <p:ph idx="1" type="body"/>

--- a/Lecture slides/AMOS B02 - Scrum and AMOS.pptx
+++ b/Lecture slides/AMOS B02 - Scrum and AMOS.pptx
@@ -13257,7 +13257,7 @@
             <a:tbl>
               <a:tblPr>
                 <a:noFill/>
-                <a:tableStyleId>{801B6405-5D6C-4E07-B00F-17DC98D96A55}</a:tableStyleId>
+                <a:tableStyleId>{5A5C42B2-62FC-432E-A5B2-011FD6E8263F}</a:tableStyleId>
               </a:tblPr>
               <a:tblGrid>
                 <a:gridCol w="2057400"/>
@@ -15649,7 +15649,7 @@
             <a:tbl>
               <a:tblPr>
                 <a:noFill/>
-                <a:tableStyleId>{801B6405-5D6C-4E07-B00F-17DC98D96A55}</a:tableStyleId>
+                <a:tableStyleId>{5A5C42B2-62FC-432E-A5B2-011FD6E8263F}</a:tableStyleId>
               </a:tblPr>
               <a:tblGrid>
                 <a:gridCol w="638675"/>
@@ -17584,7 +17584,7 @@
             <a:tbl>
               <a:tblPr>
                 <a:noFill/>
-                <a:tableStyleId>{801B6405-5D6C-4E07-B00F-17DC98D96A55}</a:tableStyleId>
+                <a:tableStyleId>{5A5C42B2-62FC-432E-A5B2-011FD6E8263F}</a:tableStyleId>
               </a:tblPr>
               <a:tblGrid>
                 <a:gridCol w="1280725"/>

--- a/Lecture slides/AMOS B02 - Scrum and AMOS.pptx
+++ b/Lecture slides/AMOS B02 - Scrum and AMOS.pptx
@@ -1722,7 +1722,7 @@
   <p:cSld>
     <p:spTree>
       <p:nvGrpSpPr>
-        <p:cNvPr id="164" name="Shape 164"/>
+        <p:cNvPr id="165" name="Shape 165"/>
         <p:cNvGrpSpPr/>
         <p:nvPr/>
       </p:nvGrpSpPr>
@@ -1736,7 +1736,7 @@
       </p:grpSpPr>
       <p:sp>
         <p:nvSpPr>
-          <p:cNvPr id="165" name="Google Shape;165;g22c6355d619_0_207:notes"/>
+          <p:cNvPr id="166" name="Google Shape;166;g22c6355d619_0_207:notes"/>
           <p:cNvSpPr/>
           <p:nvPr>
             <p:ph idx="2" type="sldImg"/>
@@ -1771,7 +1771,7 @@
       </p:sp>
       <p:sp>
         <p:nvSpPr>
-          <p:cNvPr id="166" name="Google Shape;166;g22c6355d619_0_207:notes"/>
+          <p:cNvPr id="167" name="Google Shape;167;g22c6355d619_0_207:notes"/>
           <p:cNvSpPr txBox="1"/>
           <p:nvPr>
             <p:ph idx="1" type="body"/>
@@ -1920,7 +1920,7 @@
   <p:cSld>
     <p:spTree>
       <p:nvGrpSpPr>
-        <p:cNvPr id="171" name="Shape 171"/>
+        <p:cNvPr id="172" name="Shape 172"/>
         <p:cNvGrpSpPr/>
         <p:nvPr/>
       </p:nvGrpSpPr>
@@ -1934,7 +1934,7 @@
       </p:grpSpPr>
       <p:sp>
         <p:nvSpPr>
-          <p:cNvPr id="172" name="Google Shape;172;g22c6355d619_0_127:notes"/>
+          <p:cNvPr id="173" name="Google Shape;173;g22c6355d619_0_127:notes"/>
           <p:cNvSpPr/>
           <p:nvPr>
             <p:ph idx="2" type="sldImg"/>
@@ -1969,7 +1969,7 @@
       </p:sp>
       <p:sp>
         <p:nvSpPr>
-          <p:cNvPr id="173" name="Google Shape;173;g22c6355d619_0_127:notes"/>
+          <p:cNvPr id="174" name="Google Shape;174;g22c6355d619_0_127:notes"/>
           <p:cNvSpPr txBox="1"/>
           <p:nvPr>
             <p:ph idx="1" type="body"/>
@@ -2019,7 +2019,7 @@
   <p:cSld>
     <p:spTree>
       <p:nvGrpSpPr>
-        <p:cNvPr id="179" name="Shape 179"/>
+        <p:cNvPr id="180" name="Shape 180"/>
         <p:cNvGrpSpPr/>
         <p:nvPr/>
       </p:nvGrpSpPr>
@@ -2033,7 +2033,7 @@
       </p:grpSpPr>
       <p:sp>
         <p:nvSpPr>
-          <p:cNvPr id="180" name="Google Shape;180;g22c6355d619_0_213:notes"/>
+          <p:cNvPr id="181" name="Google Shape;181;g22c6355d619_0_213:notes"/>
           <p:cNvSpPr/>
           <p:nvPr>
             <p:ph idx="2" type="sldImg"/>
@@ -2068,7 +2068,7 @@
       </p:sp>
       <p:sp>
         <p:nvSpPr>
-          <p:cNvPr id="181" name="Google Shape;181;g22c6355d619_0_213:notes"/>
+          <p:cNvPr id="182" name="Google Shape;182;g22c6355d619_0_213:notes"/>
           <p:cNvSpPr txBox="1"/>
           <p:nvPr>
             <p:ph idx="1" type="body"/>
@@ -2118,7 +2118,7 @@
   <p:cSld>
     <p:spTree>
       <p:nvGrpSpPr>
-        <p:cNvPr id="186" name="Shape 186"/>
+        <p:cNvPr id="187" name="Shape 187"/>
         <p:cNvGrpSpPr/>
         <p:nvPr/>
       </p:nvGrpSpPr>
@@ -2132,7 +2132,7 @@
       </p:grpSpPr>
       <p:sp>
         <p:nvSpPr>
-          <p:cNvPr id="187" name="Google Shape;187;g22c6355d619_0_133:notes"/>
+          <p:cNvPr id="188" name="Google Shape;188;g22c6355d619_0_133:notes"/>
           <p:cNvSpPr/>
           <p:nvPr>
             <p:ph idx="2" type="sldImg"/>
@@ -2167,7 +2167,7 @@
       </p:sp>
       <p:sp>
         <p:nvSpPr>
-          <p:cNvPr id="188" name="Google Shape;188;g22c6355d619_0_133:notes"/>
+          <p:cNvPr id="189" name="Google Shape;189;g22c6355d619_0_133:notes"/>
           <p:cNvSpPr txBox="1"/>
           <p:nvPr>
             <p:ph idx="1" type="body"/>
@@ -2217,7 +2217,7 @@
   <p:cSld>
     <p:spTree>
       <p:nvGrpSpPr>
-        <p:cNvPr id="194" name="Shape 194"/>
+        <p:cNvPr id="195" name="Shape 195"/>
         <p:cNvGrpSpPr/>
         <p:nvPr/>
       </p:nvGrpSpPr>
@@ -2231,7 +2231,7 @@
       </p:grpSpPr>
       <p:sp>
         <p:nvSpPr>
-          <p:cNvPr id="195" name="Google Shape;195;g22c6355d619_0_219:notes"/>
+          <p:cNvPr id="196" name="Google Shape;196;g22c6355d619_0_219:notes"/>
           <p:cNvSpPr/>
           <p:nvPr>
             <p:ph idx="2" type="sldImg"/>
@@ -2266,7 +2266,7 @@
       </p:sp>
       <p:sp>
         <p:nvSpPr>
-          <p:cNvPr id="196" name="Google Shape;196;g22c6355d619_0_219:notes"/>
+          <p:cNvPr id="197" name="Google Shape;197;g22c6355d619_0_219:notes"/>
           <p:cNvSpPr txBox="1"/>
           <p:nvPr>
             <p:ph idx="1" type="body"/>
@@ -2316,7 +2316,7 @@
   <p:cSld>
     <p:spTree>
       <p:nvGrpSpPr>
-        <p:cNvPr id="201" name="Shape 201"/>
+        <p:cNvPr id="202" name="Shape 202"/>
         <p:cNvGrpSpPr/>
         <p:nvPr/>
       </p:nvGrpSpPr>
@@ -2330,7 +2330,7 @@
       </p:grpSpPr>
       <p:sp>
         <p:nvSpPr>
-          <p:cNvPr id="202" name="Google Shape;202;g22c6355d619_0_139:notes"/>
+          <p:cNvPr id="203" name="Google Shape;203;g22c6355d619_0_139:notes"/>
           <p:cNvSpPr/>
           <p:nvPr>
             <p:ph idx="2" type="sldImg"/>
@@ -2365,7 +2365,7 @@
       </p:sp>
       <p:sp>
         <p:nvSpPr>
-          <p:cNvPr id="203" name="Google Shape;203;g22c6355d619_0_139:notes"/>
+          <p:cNvPr id="204" name="Google Shape;204;g22c6355d619_0_139:notes"/>
           <p:cNvSpPr txBox="1"/>
           <p:nvPr>
             <p:ph idx="1" type="body"/>
@@ -2415,7 +2415,7 @@
   <p:cSld>
     <p:spTree>
       <p:nvGrpSpPr>
-        <p:cNvPr id="209" name="Shape 209"/>
+        <p:cNvPr id="210" name="Shape 210"/>
         <p:cNvGrpSpPr/>
         <p:nvPr/>
       </p:nvGrpSpPr>
@@ -2429,7 +2429,7 @@
       </p:grpSpPr>
       <p:sp>
         <p:nvSpPr>
-          <p:cNvPr id="210" name="Google Shape;210;g22c6355d619_0_252:notes"/>
+          <p:cNvPr id="211" name="Google Shape;211;g22c6355d619_0_252:notes"/>
           <p:cNvSpPr/>
           <p:nvPr>
             <p:ph idx="2" type="sldImg"/>
@@ -2464,7 +2464,7 @@
       </p:sp>
       <p:sp>
         <p:nvSpPr>
-          <p:cNvPr id="211" name="Google Shape;211;g22c6355d619_0_252:notes"/>
+          <p:cNvPr id="212" name="Google Shape;212;g22c6355d619_0_252:notes"/>
           <p:cNvSpPr txBox="1"/>
           <p:nvPr>
             <p:ph idx="1" type="body"/>
@@ -2514,7 +2514,7 @@
   <p:cSld>
     <p:spTree>
       <p:nvGrpSpPr>
-        <p:cNvPr id="216" name="Shape 216"/>
+        <p:cNvPr id="217" name="Shape 217"/>
         <p:cNvGrpSpPr/>
         <p:nvPr/>
       </p:nvGrpSpPr>
@@ -2528,7 +2528,7 @@
       </p:grpSpPr>
       <p:sp>
         <p:nvSpPr>
-          <p:cNvPr id="217" name="Google Shape;217;g22c6355d619_0_145:notes"/>
+          <p:cNvPr id="218" name="Google Shape;218;g22c6355d619_0_145:notes"/>
           <p:cNvSpPr/>
           <p:nvPr>
             <p:ph idx="2" type="sldImg"/>
@@ -2563,7 +2563,7 @@
       </p:sp>
       <p:sp>
         <p:nvSpPr>
-          <p:cNvPr id="218" name="Google Shape;218;g22c6355d619_0_145:notes"/>
+          <p:cNvPr id="219" name="Google Shape;219;g22c6355d619_0_145:notes"/>
           <p:cNvSpPr txBox="1"/>
           <p:nvPr>
             <p:ph idx="1" type="body"/>
@@ -2613,7 +2613,7 @@
   <p:cSld>
     <p:spTree>
       <p:nvGrpSpPr>
-        <p:cNvPr id="224" name="Shape 224"/>
+        <p:cNvPr id="225" name="Shape 225"/>
         <p:cNvGrpSpPr/>
         <p:nvPr/>
       </p:nvGrpSpPr>
@@ -2627,7 +2627,7 @@
       </p:grpSpPr>
       <p:sp>
         <p:nvSpPr>
-          <p:cNvPr id="225" name="Google Shape;225;g22c6355d619_0_152:notes"/>
+          <p:cNvPr id="226" name="Google Shape;226;g22c6355d619_0_152:notes"/>
           <p:cNvSpPr/>
           <p:nvPr>
             <p:ph idx="2" type="sldImg"/>
@@ -2662,7 +2662,7 @@
       </p:sp>
       <p:sp>
         <p:nvSpPr>
-          <p:cNvPr id="226" name="Google Shape;226;g22c6355d619_0_152:notes"/>
+          <p:cNvPr id="227" name="Google Shape;227;g22c6355d619_0_152:notes"/>
           <p:cNvSpPr txBox="1"/>
           <p:nvPr>
             <p:ph idx="1" type="body"/>
@@ -2712,7 +2712,7 @@
   <p:cSld>
     <p:spTree>
       <p:nvGrpSpPr>
-        <p:cNvPr id="232" name="Shape 232"/>
+        <p:cNvPr id="233" name="Shape 233"/>
         <p:cNvGrpSpPr/>
         <p:nvPr/>
       </p:nvGrpSpPr>
@@ -2726,7 +2726,7 @@
       </p:grpSpPr>
       <p:sp>
         <p:nvSpPr>
-          <p:cNvPr id="233" name="Google Shape;233;g22c6355d619_0_159:notes"/>
+          <p:cNvPr id="234" name="Google Shape;234;g22c6355d619_0_159:notes"/>
           <p:cNvSpPr/>
           <p:nvPr>
             <p:ph idx="2" type="sldImg"/>
@@ -2761,7 +2761,7 @@
       </p:sp>
       <p:sp>
         <p:nvSpPr>
-          <p:cNvPr id="234" name="Google Shape;234;g22c6355d619_0_159:notes"/>
+          <p:cNvPr id="235" name="Google Shape;235;g22c6355d619_0_159:notes"/>
           <p:cNvSpPr txBox="1"/>
           <p:nvPr>
             <p:ph idx="1" type="body"/>
@@ -2811,7 +2811,7 @@
   <p:cSld>
     <p:spTree>
       <p:nvGrpSpPr>
-        <p:cNvPr id="240" name="Shape 240"/>
+        <p:cNvPr id="241" name="Shape 241"/>
         <p:cNvGrpSpPr/>
         <p:nvPr/>
       </p:nvGrpSpPr>
@@ -2825,7 +2825,7 @@
       </p:grpSpPr>
       <p:sp>
         <p:nvSpPr>
-          <p:cNvPr id="241" name="Google Shape;241;g22c6355d619_0_226:notes"/>
+          <p:cNvPr id="242" name="Google Shape;242;g22c6355d619_0_226:notes"/>
           <p:cNvSpPr/>
           <p:nvPr>
             <p:ph idx="2" type="sldImg"/>
@@ -2860,7 +2860,7 @@
       </p:sp>
       <p:sp>
         <p:nvSpPr>
-          <p:cNvPr id="242" name="Google Shape;242;g22c6355d619_0_226:notes"/>
+          <p:cNvPr id="243" name="Google Shape;243;g22c6355d619_0_226:notes"/>
           <p:cNvSpPr txBox="1"/>
           <p:nvPr>
             <p:ph idx="1" type="body"/>
@@ -3009,7 +3009,7 @@
   <p:cSld>
     <p:spTree>
       <p:nvGrpSpPr>
-        <p:cNvPr id="247" name="Shape 247"/>
+        <p:cNvPr id="248" name="Shape 248"/>
         <p:cNvGrpSpPr/>
         <p:nvPr/>
       </p:nvGrpSpPr>
@@ -3023,7 +3023,7 @@
       </p:grpSpPr>
       <p:sp>
         <p:nvSpPr>
-          <p:cNvPr id="248" name="Google Shape;248;g22c6355d619_0_232:notes"/>
+          <p:cNvPr id="249" name="Google Shape;249;g22c6355d619_0_232:notes"/>
           <p:cNvSpPr/>
           <p:nvPr>
             <p:ph idx="2" type="sldImg"/>
@@ -3058,7 +3058,7 @@
       </p:sp>
       <p:sp>
         <p:nvSpPr>
-          <p:cNvPr id="249" name="Google Shape;249;g22c6355d619_0_232:notes"/>
+          <p:cNvPr id="250" name="Google Shape;250;g22c6355d619_0_232:notes"/>
           <p:cNvSpPr txBox="1"/>
           <p:nvPr>
             <p:ph idx="1" type="body"/>
@@ -3108,7 +3108,7 @@
   <p:cSld>
     <p:spTree>
       <p:nvGrpSpPr>
-        <p:cNvPr id="254" name="Shape 254"/>
+        <p:cNvPr id="255" name="Shape 255"/>
         <p:cNvGrpSpPr/>
         <p:nvPr/>
       </p:nvGrpSpPr>
@@ -3122,7 +3122,7 @@
       </p:grpSpPr>
       <p:sp>
         <p:nvSpPr>
-          <p:cNvPr id="255" name="Google Shape;255;g22c6355d619_0_165:notes"/>
+          <p:cNvPr id="256" name="Google Shape;256;g22c6355d619_0_165:notes"/>
           <p:cNvSpPr/>
           <p:nvPr>
             <p:ph idx="2" type="sldImg"/>
@@ -3157,7 +3157,7 @@
       </p:sp>
       <p:sp>
         <p:nvSpPr>
-          <p:cNvPr id="256" name="Google Shape;256;g22c6355d619_0_165:notes"/>
+          <p:cNvPr id="257" name="Google Shape;257;g22c6355d619_0_165:notes"/>
           <p:cNvSpPr txBox="1"/>
           <p:nvPr>
             <p:ph idx="1" type="body"/>
@@ -3207,7 +3207,7 @@
   <p:cSld>
     <p:spTree>
       <p:nvGrpSpPr>
-        <p:cNvPr id="261" name="Shape 261"/>
+        <p:cNvPr id="262" name="Shape 262"/>
         <p:cNvGrpSpPr/>
         <p:nvPr/>
       </p:nvGrpSpPr>
@@ -3221,7 +3221,7 @@
       </p:grpSpPr>
       <p:sp>
         <p:nvSpPr>
-          <p:cNvPr id="262" name="Google Shape;262;g22c6355d619_0_75:notes"/>
+          <p:cNvPr id="263" name="Google Shape;263;g22c6355d619_0_75:notes"/>
           <p:cNvSpPr/>
           <p:nvPr>
             <p:ph idx="2" type="sldImg"/>
@@ -3256,7 +3256,7 @@
       </p:sp>
       <p:sp>
         <p:nvSpPr>
-          <p:cNvPr id="263" name="Google Shape;263;g22c6355d619_0_75:notes"/>
+          <p:cNvPr id="264" name="Google Shape;264;g22c6355d619_0_75:notes"/>
           <p:cNvSpPr txBox="1"/>
           <p:nvPr>
             <p:ph idx="1" type="body"/>
@@ -3306,7 +3306,7 @@
   <p:cSld>
     <p:spTree>
       <p:nvGrpSpPr>
-        <p:cNvPr id="266" name="Shape 266"/>
+        <p:cNvPr id="267" name="Shape 267"/>
         <p:cNvGrpSpPr/>
         <p:nvPr/>
       </p:nvGrpSpPr>
@@ -3320,7 +3320,7 @@
       </p:grpSpPr>
       <p:sp>
         <p:nvSpPr>
-          <p:cNvPr id="267" name="Google Shape;267;g22c6355d619_0_238:notes"/>
+          <p:cNvPr id="268" name="Google Shape;268;g22c6355d619_0_238:notes"/>
           <p:cNvSpPr/>
           <p:nvPr>
             <p:ph idx="2" type="sldImg"/>
@@ -3355,7 +3355,7 @@
       </p:sp>
       <p:sp>
         <p:nvSpPr>
-          <p:cNvPr id="268" name="Google Shape;268;g22c6355d619_0_238:notes"/>
+          <p:cNvPr id="269" name="Google Shape;269;g22c6355d619_0_238:notes"/>
           <p:cNvSpPr txBox="1"/>
           <p:nvPr>
             <p:ph idx="1" type="body"/>
@@ -3405,7 +3405,7 @@
   <p:cSld>
     <p:spTree>
       <p:nvGrpSpPr>
-        <p:cNvPr id="274" name="Shape 274"/>
+        <p:cNvPr id="275" name="Shape 275"/>
         <p:cNvGrpSpPr/>
         <p:nvPr/>
       </p:nvGrpSpPr>
@@ -3419,7 +3419,7 @@
       </p:grpSpPr>
       <p:sp>
         <p:nvSpPr>
-          <p:cNvPr id="275" name="Google Shape;275;g152a3f74d0d_0_63:notes"/>
+          <p:cNvPr id="276" name="Google Shape;276;g152a3f74d0d_0_63:notes"/>
           <p:cNvSpPr/>
           <p:nvPr>
             <p:ph idx="2" type="sldImg"/>
@@ -3454,7 +3454,7 @@
       </p:sp>
       <p:sp>
         <p:nvSpPr>
-          <p:cNvPr id="276" name="Google Shape;276;g152a3f74d0d_0_63:notes"/>
+          <p:cNvPr id="277" name="Google Shape;277;g152a3f74d0d_0_63:notes"/>
           <p:cNvSpPr txBox="1"/>
           <p:nvPr>
             <p:ph idx="1" type="body"/>
@@ -3504,7 +3504,7 @@
   <p:cSld>
     <p:spTree>
       <p:nvGrpSpPr>
-        <p:cNvPr id="282" name="Shape 282"/>
+        <p:cNvPr id="283" name="Shape 283"/>
         <p:cNvGrpSpPr/>
         <p:nvPr/>
       </p:nvGrpSpPr>
@@ -3518,7 +3518,7 @@
       </p:grpSpPr>
       <p:sp>
         <p:nvSpPr>
-          <p:cNvPr id="283" name="Google Shape;283;g22c6355d619_0_244:notes"/>
+          <p:cNvPr id="284" name="Google Shape;284;g22c6355d619_0_244:notes"/>
           <p:cNvSpPr/>
           <p:nvPr>
             <p:ph idx="2" type="sldImg"/>
@@ -3553,7 +3553,7 @@
       </p:sp>
       <p:sp>
         <p:nvSpPr>
-          <p:cNvPr id="284" name="Google Shape;284;g22c6355d619_0_244:notes"/>
+          <p:cNvPr id="285" name="Google Shape;285;g22c6355d619_0_244:notes"/>
           <p:cNvSpPr txBox="1"/>
           <p:nvPr>
             <p:ph idx="1" type="body"/>
@@ -3603,7 +3603,7 @@
   <p:cSld>
     <p:spTree>
       <p:nvGrpSpPr>
-        <p:cNvPr id="289" name="Shape 289"/>
+        <p:cNvPr id="290" name="Shape 290"/>
         <p:cNvGrpSpPr/>
         <p:nvPr/>
       </p:nvGrpSpPr>
@@ -3617,7 +3617,7 @@
       </p:grpSpPr>
       <p:sp>
         <p:nvSpPr>
-          <p:cNvPr id="290" name="Google Shape;290;g152a3f74d0d_0_28:notes"/>
+          <p:cNvPr id="291" name="Google Shape;291;g152a3f74d0d_0_28:notes"/>
           <p:cNvSpPr/>
           <p:nvPr>
             <p:ph idx="2" type="sldImg"/>
@@ -3652,7 +3652,7 @@
       </p:sp>
       <p:sp>
         <p:nvSpPr>
-          <p:cNvPr id="291" name="Google Shape;291;g152a3f74d0d_0_28:notes"/>
+          <p:cNvPr id="292" name="Google Shape;292;g152a3f74d0d_0_28:notes"/>
           <p:cNvSpPr txBox="1"/>
           <p:nvPr>
             <p:ph idx="1" type="body"/>
@@ -3702,7 +3702,7 @@
   <p:cSld>
     <p:spTree>
       <p:nvGrpSpPr>
-        <p:cNvPr id="294" name="Shape 294"/>
+        <p:cNvPr id="295" name="Shape 295"/>
         <p:cNvGrpSpPr/>
         <p:nvPr/>
       </p:nvGrpSpPr>
@@ -3716,7 +3716,7 @@
       </p:grpSpPr>
       <p:sp>
         <p:nvSpPr>
-          <p:cNvPr id="295" name="Google Shape;295;g22c6355d619_0_0:notes"/>
+          <p:cNvPr id="296" name="Google Shape;296;g22c6355d619_0_0:notes"/>
           <p:cNvSpPr/>
           <p:nvPr>
             <p:ph idx="2" type="sldImg"/>
@@ -3751,7 +3751,7 @@
       </p:sp>
       <p:sp>
         <p:nvSpPr>
-          <p:cNvPr id="296" name="Google Shape;296;g22c6355d619_0_0:notes"/>
+          <p:cNvPr id="297" name="Google Shape;297;g22c6355d619_0_0:notes"/>
           <p:cNvSpPr txBox="1"/>
           <p:nvPr>
             <p:ph idx="1" type="body"/>
@@ -3801,7 +3801,7 @@
   <p:cSld>
     <p:spTree>
       <p:nvGrpSpPr>
-        <p:cNvPr id="301" name="Shape 301"/>
+        <p:cNvPr id="302" name="Shape 302"/>
         <p:cNvGrpSpPr/>
         <p:nvPr/>
       </p:nvGrpSpPr>
@@ -3815,7 +3815,7 @@
       </p:grpSpPr>
       <p:sp>
         <p:nvSpPr>
-          <p:cNvPr id="302" name="Google Shape;302;g23a7f920194_0_1:notes"/>
+          <p:cNvPr id="303" name="Google Shape;303;g23a7f920194_0_1:notes"/>
           <p:cNvSpPr/>
           <p:nvPr>
             <p:ph idx="2" type="sldImg"/>
@@ -3850,7 +3850,7 @@
       </p:sp>
       <p:sp>
         <p:nvSpPr>
-          <p:cNvPr id="303" name="Google Shape;303;g23a7f920194_0_1:notes"/>
+          <p:cNvPr id="304" name="Google Shape;304;g23a7f920194_0_1:notes"/>
           <p:cNvSpPr txBox="1"/>
           <p:nvPr>
             <p:ph idx="1" type="body"/>
@@ -3900,7 +3900,7 @@
   <p:cSld>
     <p:spTree>
       <p:nvGrpSpPr>
-        <p:cNvPr id="308" name="Shape 308"/>
+        <p:cNvPr id="309" name="Shape 309"/>
         <p:cNvGrpSpPr/>
         <p:nvPr/>
       </p:nvGrpSpPr>
@@ -3914,7 +3914,7 @@
       </p:grpSpPr>
       <p:sp>
         <p:nvSpPr>
-          <p:cNvPr id="309" name="Google Shape;309;g152a3f74d0d_0_57:notes"/>
+          <p:cNvPr id="310" name="Google Shape;310;g152a3f74d0d_0_57:notes"/>
           <p:cNvSpPr/>
           <p:nvPr>
             <p:ph idx="2" type="sldImg"/>
@@ -3949,7 +3949,7 @@
       </p:sp>
       <p:sp>
         <p:nvSpPr>
-          <p:cNvPr id="310" name="Google Shape;310;g152a3f74d0d_0_57:notes"/>
+          <p:cNvPr id="311" name="Google Shape;311;g152a3f74d0d_0_57:notes"/>
           <p:cNvSpPr txBox="1"/>
           <p:nvPr>
             <p:ph idx="1" type="body"/>
@@ -4098,7 +4098,7 @@
   <p:cSld>
     <p:spTree>
       <p:nvGrpSpPr>
-        <p:cNvPr id="315" name="Shape 315"/>
+        <p:cNvPr id="316" name="Shape 316"/>
         <p:cNvGrpSpPr/>
         <p:nvPr/>
       </p:nvGrpSpPr>
@@ -4112,7 +4112,7 @@
       </p:grpSpPr>
       <p:sp>
         <p:nvSpPr>
-          <p:cNvPr id="316" name="Google Shape;316;g22d186861df_0_1:notes"/>
+          <p:cNvPr id="317" name="Google Shape;317;g22d186861df_0_1:notes"/>
           <p:cNvSpPr/>
           <p:nvPr>
             <p:ph idx="2" type="sldImg"/>
@@ -4147,7 +4147,7 @@
       </p:sp>
       <p:sp>
         <p:nvSpPr>
-          <p:cNvPr id="317" name="Google Shape;317;g22d186861df_0_1:notes"/>
+          <p:cNvPr id="318" name="Google Shape;318;g22d186861df_0_1:notes"/>
           <p:cNvSpPr txBox="1"/>
           <p:nvPr>
             <p:ph idx="1" type="body"/>
@@ -4197,7 +4197,7 @@
   <p:cSld>
     <p:spTree>
       <p:nvGrpSpPr>
-        <p:cNvPr id="322" name="Shape 322"/>
+        <p:cNvPr id="323" name="Shape 323"/>
         <p:cNvGrpSpPr/>
         <p:nvPr/>
       </p:nvGrpSpPr>
@@ -4211,7 +4211,7 @@
       </p:grpSpPr>
       <p:sp>
         <p:nvSpPr>
-          <p:cNvPr id="323" name="Google Shape;323;g2397cb0cd5f_0_38:notes"/>
+          <p:cNvPr id="324" name="Google Shape;324;g2397cb0cd5f_0_38:notes"/>
           <p:cNvSpPr/>
           <p:nvPr>
             <p:ph idx="2" type="sldImg"/>
@@ -4246,7 +4246,7 @@
       </p:sp>
       <p:sp>
         <p:nvSpPr>
-          <p:cNvPr id="324" name="Google Shape;324;g2397cb0cd5f_0_38:notes"/>
+          <p:cNvPr id="325" name="Google Shape;325;g2397cb0cd5f_0_38:notes"/>
           <p:cNvSpPr txBox="1"/>
           <p:nvPr>
             <p:ph idx="1" type="body"/>
@@ -4296,7 +4296,7 @@
   <p:cSld>
     <p:spTree>
       <p:nvGrpSpPr>
-        <p:cNvPr id="328" name="Shape 328"/>
+        <p:cNvPr id="329" name="Shape 329"/>
         <p:cNvGrpSpPr/>
         <p:nvPr/>
       </p:nvGrpSpPr>
@@ -4310,7 +4310,7 @@
       </p:grpSpPr>
       <p:sp>
         <p:nvSpPr>
-          <p:cNvPr id="329" name="Google Shape;329;g2397cb0cd5f_0_43:notes"/>
+          <p:cNvPr id="330" name="Google Shape;330;g2397cb0cd5f_0_43:notes"/>
           <p:cNvSpPr/>
           <p:nvPr>
             <p:ph idx="2" type="sldImg"/>
@@ -4345,7 +4345,7 @@
       </p:sp>
       <p:sp>
         <p:nvSpPr>
-          <p:cNvPr id="330" name="Google Shape;330;g2397cb0cd5f_0_43:notes"/>
+          <p:cNvPr id="331" name="Google Shape;331;g2397cb0cd5f_0_43:notes"/>
           <p:cNvSpPr txBox="1"/>
           <p:nvPr>
             <p:ph idx="1" type="body"/>
@@ -8859,7 +8859,7 @@
             </a:pPr>
             <a:r>
               <a:rPr b="1" lang="en"/>
-              <a:t>Product owner</a:t>
+              <a:t>Product owner #1 [1]</a:t>
             </a:r>
             <a:endParaRPr b="1"/>
           </a:p>
@@ -8876,7 +8876,7 @@
             </a:pPr>
             <a:r>
               <a:rPr lang="en"/>
-              <a:t>Refines backlog [1] </a:t>
+              <a:t>Refines backlog [2] </a:t>
             </a:r>
             <a:r>
               <a:rPr lang="en"/>
@@ -9112,7 +9112,23 @@
             </a:pPr>
             <a:r>
               <a:rPr lang="en"/>
-              <a:t>[1] Backlog refinement is also known as backlog grooming</a:t>
+              <a:t>[1] Product owner #1 will run the sprint planning in the upcoming team meeting</a:t>
+            </a:r>
+            <a:endParaRPr/>
+          </a:p>
+          <a:p>
+            <a:pPr indent="0" lvl="0" marL="0" rtl="0" algn="l">
+              <a:spcBef>
+                <a:spcPts val="0"/>
+              </a:spcBef>
+              <a:spcAft>
+                <a:spcPts val="0"/>
+              </a:spcAft>
+              <a:buNone/>
+            </a:pPr>
+            <a:r>
+              <a:rPr lang="en"/>
+              <a:t>[2] Backlog refinement is also known as backlog grooming</a:t>
             </a:r>
             <a:endParaRPr/>
           </a:p>
@@ -10394,7 +10410,7 @@
             </a:pPr>
             <a:r>
               <a:rPr b="1" lang="en"/>
-              <a:t>Product owner</a:t>
+              <a:t>Product owner #2 [1]</a:t>
             </a:r>
             <a:endParaRPr b="1"/>
           </a:p>
@@ -10582,6 +10598,48 @@
             <a:r>
               <a:rPr lang="en"/>
               <a:t>Moves item back to product backlog</a:t>
+            </a:r>
+            <a:endParaRPr/>
+          </a:p>
+        </p:txBody>
+      </p:sp>
+      <p:sp>
+        <p:nvSpPr>
+          <p:cNvPr id="164" name="Google Shape;164;p25"/>
+          <p:cNvSpPr txBox="1"/>
+          <p:nvPr/>
+        </p:nvSpPr>
+        <p:spPr>
+          <a:xfrm>
+            <a:off x="0" y="4233672"/>
+            <a:ext cx="7315200" cy="914400"/>
+          </a:xfrm>
+          <a:prstGeom prst="rect">
+            <a:avLst/>
+          </a:prstGeom>
+          <a:noFill/>
+          <a:ln>
+            <a:noFill/>
+          </a:ln>
+        </p:spPr>
+        <p:txBody>
+          <a:bodyPr anchorCtr="0" anchor="b" bIns="91425" lIns="91425" spcFirstLastPara="1" rIns="91425" wrap="square" tIns="91425">
+            <a:noAutofit/>
+          </a:bodyPr>
+          <a:lstStyle/>
+          <a:p>
+            <a:pPr indent="0" lvl="0" marL="0" rtl="0" algn="l">
+              <a:spcBef>
+                <a:spcPts val="0"/>
+              </a:spcBef>
+              <a:spcAft>
+                <a:spcPts val="0"/>
+              </a:spcAft>
+              <a:buNone/>
+            </a:pPr>
+            <a:r>
+              <a:rPr lang="en"/>
+              <a:t>[1] Product owner #2 was responsible for the last sprint planning</a:t>
             </a:r>
             <a:endParaRPr/>
           </a:p>
@@ -10600,7 +10658,7 @@
   <p:cSld>
     <p:spTree>
       <p:nvGrpSpPr>
-        <p:cNvPr id="167" name="Shape 167"/>
+        <p:cNvPr id="168" name="Shape 168"/>
         <p:cNvGrpSpPr/>
         <p:nvPr/>
       </p:nvGrpSpPr>
@@ -10614,7 +10672,7 @@
       </p:grpSpPr>
       <p:sp>
         <p:nvSpPr>
-          <p:cNvPr id="168" name="Google Shape;168;p26"/>
+          <p:cNvPr id="169" name="Google Shape;169;p26"/>
           <p:cNvSpPr txBox="1"/>
           <p:nvPr>
             <p:ph type="title"/>
@@ -10654,7 +10712,7 @@
       </p:sp>
       <p:sp>
         <p:nvSpPr>
-          <p:cNvPr id="169" name="Google Shape;169;p26"/>
+          <p:cNvPr id="170" name="Google Shape;170;p26"/>
           <p:cNvSpPr txBox="1"/>
           <p:nvPr>
             <p:ph idx="12" type="sldNum"/>
@@ -10719,7 +10777,7 @@
       </p:sp>
       <p:sp>
         <p:nvSpPr>
-          <p:cNvPr id="170" name="Google Shape;170;p26"/>
+          <p:cNvPr id="171" name="Google Shape;171;p26"/>
           <p:cNvSpPr txBox="1"/>
           <p:nvPr>
             <p:ph idx="1" type="body"/>
@@ -11316,7 +11374,7 @@
   <p:cSld>
     <p:spTree>
       <p:nvGrpSpPr>
-        <p:cNvPr id="174" name="Shape 174"/>
+        <p:cNvPr id="175" name="Shape 175"/>
         <p:cNvGrpSpPr/>
         <p:nvPr/>
       </p:nvGrpSpPr>
@@ -11330,7 +11388,7 @@
       </p:grpSpPr>
       <p:sp>
         <p:nvSpPr>
-          <p:cNvPr id="175" name="Google Shape;175;p27"/>
+          <p:cNvPr id="176" name="Google Shape;176;p27"/>
           <p:cNvSpPr txBox="1"/>
           <p:nvPr>
             <p:ph type="title"/>
@@ -11370,7 +11428,7 @@
       </p:sp>
       <p:sp>
         <p:nvSpPr>
-          <p:cNvPr id="176" name="Google Shape;176;p27"/>
+          <p:cNvPr id="177" name="Google Shape;177;p27"/>
           <p:cNvSpPr txBox="1"/>
           <p:nvPr>
             <p:ph idx="1" type="body"/>
@@ -11402,7 +11460,7 @@
             </a:pPr>
             <a:r>
               <a:rPr b="1" lang="en"/>
-              <a:t>Product owner</a:t>
+              <a:t>Product owner #2</a:t>
             </a:r>
             <a:endParaRPr b="1"/>
           </a:p>
@@ -11510,7 +11568,7 @@
       </p:sp>
       <p:sp>
         <p:nvSpPr>
-          <p:cNvPr id="177" name="Google Shape;177;p27"/>
+          <p:cNvPr id="178" name="Google Shape;178;p27"/>
           <p:cNvSpPr txBox="1"/>
           <p:nvPr>
             <p:ph idx="12" type="sldNum"/>
@@ -11575,7 +11633,7 @@
       </p:sp>
       <p:pic>
         <p:nvPicPr>
-          <p:cNvPr id="178" name="Google Shape;178;p27"/>
+          <p:cNvPr id="179" name="Google Shape;179;p27"/>
           <p:cNvPicPr preferRelativeResize="0"/>
           <p:nvPr/>
         </p:nvPicPr>
@@ -11614,7 +11672,7 @@
   <p:cSld>
     <p:spTree>
       <p:nvGrpSpPr>
-        <p:cNvPr id="182" name="Shape 182"/>
+        <p:cNvPr id="183" name="Shape 183"/>
         <p:cNvGrpSpPr/>
         <p:nvPr/>
       </p:nvGrpSpPr>
@@ -11628,7 +11686,7 @@
       </p:grpSpPr>
       <p:sp>
         <p:nvSpPr>
-          <p:cNvPr id="183" name="Google Shape;183;p28"/>
+          <p:cNvPr id="184" name="Google Shape;184;p28"/>
           <p:cNvSpPr txBox="1"/>
           <p:nvPr>
             <p:ph type="title"/>
@@ -11668,7 +11726,7 @@
       </p:sp>
       <p:sp>
         <p:nvSpPr>
-          <p:cNvPr id="184" name="Google Shape;184;p28"/>
+          <p:cNvPr id="185" name="Google Shape;185;p28"/>
           <p:cNvSpPr txBox="1"/>
           <p:nvPr>
             <p:ph idx="1" type="body"/>
@@ -11801,7 +11859,7 @@
       </p:sp>
       <p:sp>
         <p:nvSpPr>
-          <p:cNvPr id="185" name="Google Shape;185;p28"/>
+          <p:cNvPr id="186" name="Google Shape;186;p28"/>
           <p:cNvSpPr txBox="1"/>
           <p:nvPr>
             <p:ph idx="12" type="sldNum"/>
@@ -11877,7 +11935,7 @@
   <p:cSld>
     <p:spTree>
       <p:nvGrpSpPr>
-        <p:cNvPr id="189" name="Shape 189"/>
+        <p:cNvPr id="190" name="Shape 190"/>
         <p:cNvGrpSpPr/>
         <p:nvPr/>
       </p:nvGrpSpPr>
@@ -11891,7 +11949,7 @@
       </p:grpSpPr>
       <p:sp>
         <p:nvSpPr>
-          <p:cNvPr id="190" name="Google Shape;190;p29"/>
+          <p:cNvPr id="191" name="Google Shape;191;p29"/>
           <p:cNvSpPr txBox="1"/>
           <p:nvPr>
             <p:ph type="title"/>
@@ -11931,7 +11989,7 @@
       </p:sp>
       <p:sp>
         <p:nvSpPr>
-          <p:cNvPr id="191" name="Google Shape;191;p29"/>
+          <p:cNvPr id="192" name="Google Shape;192;p29"/>
           <p:cNvSpPr txBox="1"/>
           <p:nvPr>
             <p:ph idx="1" type="body"/>
@@ -12122,7 +12180,7 @@
       </p:sp>
       <p:sp>
         <p:nvSpPr>
-          <p:cNvPr id="192" name="Google Shape;192;p29"/>
+          <p:cNvPr id="193" name="Google Shape;193;p29"/>
           <p:cNvSpPr txBox="1"/>
           <p:nvPr>
             <p:ph idx="12" type="sldNum"/>
@@ -12187,7 +12245,7 @@
       </p:sp>
       <p:pic>
         <p:nvPicPr>
-          <p:cNvPr id="193" name="Google Shape;193;p29"/>
+          <p:cNvPr id="194" name="Google Shape;194;p29"/>
           <p:cNvPicPr preferRelativeResize="0"/>
           <p:nvPr/>
         </p:nvPicPr>
@@ -12226,7 +12284,7 @@
   <p:cSld>
     <p:spTree>
       <p:nvGrpSpPr>
-        <p:cNvPr id="197" name="Shape 197"/>
+        <p:cNvPr id="198" name="Shape 198"/>
         <p:cNvGrpSpPr/>
         <p:nvPr/>
       </p:nvGrpSpPr>
@@ -12240,7 +12298,7 @@
       </p:grpSpPr>
       <p:sp>
         <p:nvSpPr>
-          <p:cNvPr id="198" name="Google Shape;198;p30"/>
+          <p:cNvPr id="199" name="Google Shape;199;p30"/>
           <p:cNvSpPr txBox="1"/>
           <p:nvPr>
             <p:ph type="title"/>
@@ -12280,7 +12338,7 @@
       </p:sp>
       <p:sp>
         <p:nvSpPr>
-          <p:cNvPr id="199" name="Google Shape;199;p30"/>
+          <p:cNvPr id="200" name="Google Shape;200;p30"/>
           <p:cNvSpPr txBox="1"/>
           <p:nvPr>
             <p:ph idx="1" type="body"/>
@@ -12337,7 +12395,7 @@
       </p:sp>
       <p:sp>
         <p:nvSpPr>
-          <p:cNvPr id="200" name="Google Shape;200;p30"/>
+          <p:cNvPr id="201" name="Google Shape;201;p30"/>
           <p:cNvSpPr txBox="1"/>
           <p:nvPr>
             <p:ph idx="12" type="sldNum"/>
@@ -12413,7 +12471,7 @@
   <p:cSld>
     <p:spTree>
       <p:nvGrpSpPr>
-        <p:cNvPr id="204" name="Shape 204"/>
+        <p:cNvPr id="205" name="Shape 205"/>
         <p:cNvGrpSpPr/>
         <p:nvPr/>
       </p:nvGrpSpPr>
@@ -12427,7 +12485,7 @@
       </p:grpSpPr>
       <p:sp>
         <p:nvSpPr>
-          <p:cNvPr id="205" name="Google Shape;205;p31"/>
+          <p:cNvPr id="206" name="Google Shape;206;p31"/>
           <p:cNvSpPr txBox="1"/>
           <p:nvPr>
             <p:ph type="title"/>
@@ -12467,7 +12525,7 @@
       </p:sp>
       <p:sp>
         <p:nvSpPr>
-          <p:cNvPr id="206" name="Google Shape;206;p31"/>
+          <p:cNvPr id="207" name="Google Shape;207;p31"/>
           <p:cNvSpPr txBox="1"/>
           <p:nvPr>
             <p:ph idx="12" type="sldNum"/>
@@ -12532,7 +12590,7 @@
       </p:sp>
       <p:sp>
         <p:nvSpPr>
-          <p:cNvPr id="207" name="Google Shape;207;p31"/>
+          <p:cNvPr id="208" name="Google Shape;208;p31"/>
           <p:cNvSpPr txBox="1"/>
           <p:nvPr>
             <p:ph idx="1" type="body"/>
@@ -12569,7 +12627,7 @@
             </a:pPr>
             <a:r>
               <a:rPr b="1" lang="en"/>
-              <a:t>Product owner</a:t>
+              <a:t>Product owner #1</a:t>
             </a:r>
             <a:endParaRPr b="1"/>
           </a:p>
@@ -12679,7 +12737,7 @@
       </p:sp>
       <p:pic>
         <p:nvPicPr>
-          <p:cNvPr id="208" name="Google Shape;208;p31"/>
+          <p:cNvPr id="209" name="Google Shape;209;p31"/>
           <p:cNvPicPr preferRelativeResize="0"/>
           <p:nvPr/>
         </p:nvPicPr>
@@ -12718,7 +12776,7 @@
   <p:cSld>
     <p:spTree>
       <p:nvGrpSpPr>
-        <p:cNvPr id="212" name="Shape 212"/>
+        <p:cNvPr id="213" name="Shape 213"/>
         <p:cNvGrpSpPr/>
         <p:nvPr/>
       </p:nvGrpSpPr>
@@ -12732,7 +12790,7 @@
       </p:grpSpPr>
       <p:sp>
         <p:nvSpPr>
-          <p:cNvPr id="213" name="Google Shape;213;p32"/>
+          <p:cNvPr id="214" name="Google Shape;214;p32"/>
           <p:cNvSpPr txBox="1"/>
           <p:nvPr>
             <p:ph type="title"/>
@@ -12772,7 +12830,7 @@
       </p:sp>
       <p:sp>
         <p:nvSpPr>
-          <p:cNvPr id="214" name="Google Shape;214;p32"/>
+          <p:cNvPr id="215" name="Google Shape;215;p32"/>
           <p:cNvSpPr txBox="1"/>
           <p:nvPr>
             <p:ph idx="12" type="sldNum"/>
@@ -12837,7 +12895,7 @@
       </p:sp>
       <p:sp>
         <p:nvSpPr>
-          <p:cNvPr id="215" name="Google Shape;215;p32"/>
+          <p:cNvPr id="216" name="Google Shape;216;p32"/>
           <p:cNvSpPr txBox="1"/>
           <p:nvPr>
             <p:ph idx="1" type="body"/>
@@ -12942,7 +13000,7 @@
   <p:cSld>
     <p:spTree>
       <p:nvGrpSpPr>
-        <p:cNvPr id="219" name="Shape 219"/>
+        <p:cNvPr id="220" name="Shape 220"/>
         <p:cNvGrpSpPr/>
         <p:nvPr/>
       </p:nvGrpSpPr>
@@ -12956,7 +13014,7 @@
       </p:grpSpPr>
       <p:sp>
         <p:nvSpPr>
-          <p:cNvPr id="220" name="Google Shape;220;p33"/>
+          <p:cNvPr id="221" name="Google Shape;221;p33"/>
           <p:cNvSpPr txBox="1"/>
           <p:nvPr>
             <p:ph type="title"/>
@@ -12996,7 +13054,7 @@
       </p:sp>
       <p:sp>
         <p:nvSpPr>
-          <p:cNvPr id="221" name="Google Shape;221;p33"/>
+          <p:cNvPr id="222" name="Google Shape;222;p33"/>
           <p:cNvSpPr txBox="1"/>
           <p:nvPr>
             <p:ph idx="1" type="body"/>
@@ -13179,7 +13237,7 @@
       </p:sp>
       <p:sp>
         <p:nvSpPr>
-          <p:cNvPr id="222" name="Google Shape;222;p33"/>
+          <p:cNvPr id="223" name="Google Shape;223;p33"/>
           <p:cNvSpPr txBox="1"/>
           <p:nvPr>
             <p:ph idx="12" type="sldNum"/>
@@ -13244,7 +13302,7 @@
       </p:sp>
       <p:graphicFrame>
         <p:nvGraphicFramePr>
-          <p:cNvPr id="223" name="Google Shape;223;p33"/>
+          <p:cNvPr id="224" name="Google Shape;224;p33"/>
           <p:cNvGraphicFramePr/>
           <p:nvPr/>
         </p:nvGraphicFramePr>
@@ -13257,7 +13315,7 @@
             <a:tbl>
               <a:tblPr>
                 <a:noFill/>
-                <a:tableStyleId>{5A5C42B2-62FC-432E-A5B2-011FD6E8263F}</a:tableStyleId>
+                <a:tableStyleId>{8EF02D17-2664-4761-85CA-2EE8B3B000EE}</a:tableStyleId>
               </a:tblPr>
               <a:tblGrid>
                 <a:gridCol w="2057400"/>
@@ -14308,7 +14366,7 @@
   <p:cSld>
     <p:spTree>
       <p:nvGrpSpPr>
-        <p:cNvPr id="227" name="Shape 227"/>
+        <p:cNvPr id="228" name="Shape 228"/>
         <p:cNvGrpSpPr/>
         <p:nvPr/>
       </p:nvGrpSpPr>
@@ -14322,7 +14380,7 @@
       </p:grpSpPr>
       <p:sp>
         <p:nvSpPr>
-          <p:cNvPr id="228" name="Google Shape;228;p34"/>
+          <p:cNvPr id="229" name="Google Shape;229;p34"/>
           <p:cNvSpPr txBox="1"/>
           <p:nvPr>
             <p:ph type="title"/>
@@ -14362,7 +14420,7 @@
       </p:sp>
       <p:sp>
         <p:nvSpPr>
-          <p:cNvPr id="229" name="Google Shape;229;p34"/>
+          <p:cNvPr id="230" name="Google Shape;230;p34"/>
           <p:cNvSpPr txBox="1"/>
           <p:nvPr>
             <p:ph idx="12" type="sldNum"/>
@@ -14427,7 +14485,7 @@
       </p:sp>
       <p:sp>
         <p:nvSpPr>
-          <p:cNvPr id="230" name="Google Shape;230;p34"/>
+          <p:cNvPr id="231" name="Google Shape;231;p34"/>
           <p:cNvSpPr txBox="1"/>
           <p:nvPr/>
         </p:nvSpPr>
@@ -14482,7 +14540,7 @@
       </p:sp>
       <p:pic>
         <p:nvPicPr>
-          <p:cNvPr id="231" name="Google Shape;231;p34"/>
+          <p:cNvPr id="232" name="Google Shape;232;p34"/>
           <p:cNvPicPr preferRelativeResize="0"/>
           <p:nvPr/>
         </p:nvPicPr>
@@ -14521,7 +14579,7 @@
   <p:cSld>
     <p:spTree>
       <p:nvGrpSpPr>
-        <p:cNvPr id="235" name="Shape 235"/>
+        <p:cNvPr id="236" name="Shape 236"/>
         <p:cNvGrpSpPr/>
         <p:nvPr/>
       </p:nvGrpSpPr>
@@ -14535,7 +14593,7 @@
       </p:grpSpPr>
       <p:sp>
         <p:nvSpPr>
-          <p:cNvPr id="236" name="Google Shape;236;p35"/>
+          <p:cNvPr id="237" name="Google Shape;237;p35"/>
           <p:cNvSpPr txBox="1"/>
           <p:nvPr>
             <p:ph type="title"/>
@@ -14575,7 +14633,7 @@
       </p:sp>
       <p:sp>
         <p:nvSpPr>
-          <p:cNvPr id="237" name="Google Shape;237;p35"/>
+          <p:cNvPr id="238" name="Google Shape;238;p35"/>
           <p:cNvSpPr txBox="1"/>
           <p:nvPr>
             <p:ph idx="1" type="body"/>
@@ -14607,7 +14665,7 @@
             </a:pPr>
             <a:r>
               <a:rPr b="1" lang="en"/>
-              <a:t>Product owner</a:t>
+              <a:t>Product owner #2</a:t>
             </a:r>
             <a:endParaRPr b="1"/>
           </a:p>
@@ -14681,7 +14739,7 @@
       </p:sp>
       <p:sp>
         <p:nvSpPr>
-          <p:cNvPr id="238" name="Google Shape;238;p35"/>
+          <p:cNvPr id="239" name="Google Shape;239;p35"/>
           <p:cNvSpPr txBox="1"/>
           <p:nvPr>
             <p:ph idx="12" type="sldNum"/>
@@ -14746,7 +14804,7 @@
       </p:sp>
       <p:pic>
         <p:nvPicPr>
-          <p:cNvPr id="239" name="Google Shape;239;p35"/>
+          <p:cNvPr id="240" name="Google Shape;240;p35"/>
           <p:cNvPicPr preferRelativeResize="0"/>
           <p:nvPr/>
         </p:nvPicPr>
@@ -14785,7 +14843,7 @@
   <p:cSld>
     <p:spTree>
       <p:nvGrpSpPr>
-        <p:cNvPr id="243" name="Shape 243"/>
+        <p:cNvPr id="244" name="Shape 244"/>
         <p:cNvGrpSpPr/>
         <p:nvPr/>
       </p:nvGrpSpPr>
@@ -14799,7 +14857,7 @@
       </p:grpSpPr>
       <p:sp>
         <p:nvSpPr>
-          <p:cNvPr id="244" name="Google Shape;244;p36"/>
+          <p:cNvPr id="245" name="Google Shape;245;p36"/>
           <p:cNvSpPr txBox="1"/>
           <p:nvPr>
             <p:ph type="title"/>
@@ -14839,7 +14897,7 @@
       </p:sp>
       <p:sp>
         <p:nvSpPr>
-          <p:cNvPr id="245" name="Google Shape;245;p36"/>
+          <p:cNvPr id="246" name="Google Shape;246;p36"/>
           <p:cNvSpPr txBox="1"/>
           <p:nvPr>
             <p:ph idx="1" type="body"/>
@@ -14930,7 +14988,7 @@
       </p:sp>
       <p:sp>
         <p:nvSpPr>
-          <p:cNvPr id="246" name="Google Shape;246;p36"/>
+          <p:cNvPr id="247" name="Google Shape;247;p36"/>
           <p:cNvSpPr txBox="1"/>
           <p:nvPr>
             <p:ph idx="12" type="sldNum"/>
@@ -15313,7 +15371,7 @@
   <p:cSld>
     <p:spTree>
       <p:nvGrpSpPr>
-        <p:cNvPr id="250" name="Shape 250"/>
+        <p:cNvPr id="251" name="Shape 251"/>
         <p:cNvGrpSpPr/>
         <p:nvPr/>
       </p:nvGrpSpPr>
@@ -15327,7 +15385,7 @@
       </p:grpSpPr>
       <p:sp>
         <p:nvSpPr>
-          <p:cNvPr id="251" name="Google Shape;251;p37"/>
+          <p:cNvPr id="252" name="Google Shape;252;p37"/>
           <p:cNvSpPr txBox="1"/>
           <p:nvPr>
             <p:ph type="title"/>
@@ -15367,7 +15425,7 @@
       </p:sp>
       <p:sp>
         <p:nvSpPr>
-          <p:cNvPr id="252" name="Google Shape;252;p37"/>
+          <p:cNvPr id="253" name="Google Shape;253;p37"/>
           <p:cNvSpPr txBox="1"/>
           <p:nvPr>
             <p:ph idx="1" type="body"/>
@@ -15441,7 +15499,7 @@
       </p:sp>
       <p:sp>
         <p:nvSpPr>
-          <p:cNvPr id="253" name="Google Shape;253;p37"/>
+          <p:cNvPr id="254" name="Google Shape;254;p37"/>
           <p:cNvSpPr txBox="1"/>
           <p:nvPr>
             <p:ph idx="12" type="sldNum"/>
@@ -15517,7 +15575,7 @@
   <p:cSld>
     <p:spTree>
       <p:nvGrpSpPr>
-        <p:cNvPr id="257" name="Shape 257"/>
+        <p:cNvPr id="258" name="Shape 258"/>
         <p:cNvGrpSpPr/>
         <p:nvPr/>
       </p:nvGrpSpPr>
@@ -15531,7 +15589,7 @@
       </p:grpSpPr>
       <p:sp>
         <p:nvSpPr>
-          <p:cNvPr id="258" name="Google Shape;258;p38"/>
+          <p:cNvPr id="259" name="Google Shape;259;p38"/>
           <p:cNvSpPr txBox="1"/>
           <p:nvPr>
             <p:ph type="title"/>
@@ -15571,7 +15629,7 @@
       </p:sp>
       <p:sp>
         <p:nvSpPr>
-          <p:cNvPr id="259" name="Google Shape;259;p38"/>
+          <p:cNvPr id="260" name="Google Shape;260;p38"/>
           <p:cNvSpPr txBox="1"/>
           <p:nvPr>
             <p:ph idx="12" type="sldNum"/>
@@ -15636,7 +15694,7 @@
       </p:sp>
       <p:graphicFrame>
         <p:nvGraphicFramePr>
-          <p:cNvPr id="260" name="Google Shape;260;p38"/>
+          <p:cNvPr id="261" name="Google Shape;261;p38"/>
           <p:cNvGraphicFramePr/>
           <p:nvPr/>
         </p:nvGraphicFramePr>
@@ -15649,7 +15707,7 @@
             <a:tbl>
               <a:tblPr>
                 <a:noFill/>
-                <a:tableStyleId>{5A5C42B2-62FC-432E-A5B2-011FD6E8263F}</a:tableStyleId>
+                <a:tableStyleId>{8EF02D17-2664-4761-85CA-2EE8B3B000EE}</a:tableStyleId>
               </a:tblPr>
               <a:tblGrid>
                 <a:gridCol w="638675"/>
@@ -17025,7 +17083,7 @@
   <p:cSld>
     <p:spTree>
       <p:nvGrpSpPr>
-        <p:cNvPr id="264" name="Shape 264"/>
+        <p:cNvPr id="265" name="Shape 265"/>
         <p:cNvGrpSpPr/>
         <p:nvPr/>
       </p:nvGrpSpPr>
@@ -17039,7 +17097,7 @@
       </p:grpSpPr>
       <p:sp>
         <p:nvSpPr>
-          <p:cNvPr id="265" name="Google Shape;265;p39"/>
+          <p:cNvPr id="266" name="Google Shape;266;p39"/>
           <p:cNvSpPr txBox="1"/>
           <p:nvPr>
             <p:ph type="title"/>
@@ -17094,7 +17152,7 @@
   <p:cSld>
     <p:spTree>
       <p:nvGrpSpPr>
-        <p:cNvPr id="269" name="Shape 269"/>
+        <p:cNvPr id="270" name="Shape 270"/>
         <p:cNvGrpSpPr/>
         <p:nvPr/>
       </p:nvGrpSpPr>
@@ -17108,7 +17166,7 @@
       </p:grpSpPr>
       <p:sp>
         <p:nvSpPr>
-          <p:cNvPr id="270" name="Google Shape;270;p40"/>
+          <p:cNvPr id="271" name="Google Shape;271;p40"/>
           <p:cNvSpPr txBox="1"/>
           <p:nvPr>
             <p:ph type="title"/>
@@ -17148,7 +17206,7 @@
       </p:sp>
       <p:sp>
         <p:nvSpPr>
-          <p:cNvPr id="271" name="Google Shape;271;p40"/>
+          <p:cNvPr id="272" name="Google Shape;272;p40"/>
           <p:cNvSpPr txBox="1"/>
           <p:nvPr>
             <p:ph idx="1" type="body"/>
@@ -17294,7 +17352,7 @@
       </p:sp>
       <p:sp>
         <p:nvSpPr>
-          <p:cNvPr id="272" name="Google Shape;272;p40"/>
+          <p:cNvPr id="273" name="Google Shape;273;p40"/>
           <p:cNvSpPr txBox="1"/>
           <p:nvPr>
             <p:ph idx="12" type="sldNum"/>
@@ -17359,7 +17417,7 @@
       </p:sp>
       <p:sp>
         <p:nvSpPr>
-          <p:cNvPr id="273" name="Google Shape;273;p40"/>
+          <p:cNvPr id="274" name="Google Shape;274;p40"/>
           <p:cNvSpPr txBox="1"/>
           <p:nvPr/>
         </p:nvSpPr>
@@ -17412,7 +17470,7 @@
   <p:cSld>
     <p:spTree>
       <p:nvGrpSpPr>
-        <p:cNvPr id="277" name="Shape 277"/>
+        <p:cNvPr id="278" name="Shape 278"/>
         <p:cNvGrpSpPr/>
         <p:nvPr/>
       </p:nvGrpSpPr>
@@ -17426,7 +17484,7 @@
       </p:grpSpPr>
       <p:sp>
         <p:nvSpPr>
-          <p:cNvPr id="278" name="Google Shape;278;p41"/>
+          <p:cNvPr id="279" name="Google Shape;279;p41"/>
           <p:cNvSpPr txBox="1"/>
           <p:nvPr>
             <p:ph type="title"/>
@@ -17466,7 +17524,7 @@
       </p:sp>
       <p:sp>
         <p:nvSpPr>
-          <p:cNvPr id="279" name="Google Shape;279;p41"/>
+          <p:cNvPr id="280" name="Google Shape;280;p41"/>
           <p:cNvSpPr txBox="1"/>
           <p:nvPr>
             <p:ph idx="1" type="body"/>
@@ -17506,7 +17564,7 @@
       </p:sp>
       <p:sp>
         <p:nvSpPr>
-          <p:cNvPr id="280" name="Google Shape;280;p41"/>
+          <p:cNvPr id="281" name="Google Shape;281;p41"/>
           <p:cNvSpPr txBox="1"/>
           <p:nvPr>
             <p:ph idx="12" type="sldNum"/>
@@ -17571,7 +17629,7 @@
       </p:sp>
       <p:graphicFrame>
         <p:nvGraphicFramePr>
-          <p:cNvPr id="281" name="Google Shape;281;p41"/>
+          <p:cNvPr id="282" name="Google Shape;282;p41"/>
           <p:cNvGraphicFramePr/>
           <p:nvPr/>
         </p:nvGraphicFramePr>
@@ -17584,7 +17642,7 @@
             <a:tbl>
               <a:tblPr>
                 <a:noFill/>
-                <a:tableStyleId>{5A5C42B2-62FC-432E-A5B2-011FD6E8263F}</a:tableStyleId>
+                <a:tableStyleId>{8EF02D17-2664-4761-85CA-2EE8B3B000EE}</a:tableStyleId>
               </a:tblPr>
               <a:tblGrid>
                 <a:gridCol w="1280725"/>
@@ -18778,7 +18836,7 @@
   <p:cSld>
     <p:spTree>
       <p:nvGrpSpPr>
-        <p:cNvPr id="285" name="Shape 285"/>
+        <p:cNvPr id="286" name="Shape 286"/>
         <p:cNvGrpSpPr/>
         <p:nvPr/>
       </p:nvGrpSpPr>
@@ -18792,7 +18850,7 @@
       </p:grpSpPr>
       <p:sp>
         <p:nvSpPr>
-          <p:cNvPr id="286" name="Google Shape;286;p42"/>
+          <p:cNvPr id="287" name="Google Shape;287;p42"/>
           <p:cNvSpPr txBox="1"/>
           <p:nvPr>
             <p:ph type="title"/>
@@ -18832,7 +18890,7 @@
       </p:sp>
       <p:sp>
         <p:nvSpPr>
-          <p:cNvPr id="287" name="Google Shape;287;p42"/>
+          <p:cNvPr id="288" name="Google Shape;288;p42"/>
           <p:cNvSpPr txBox="1"/>
           <p:nvPr>
             <p:ph idx="1" type="body"/>
@@ -18921,7 +18979,7 @@
       </p:sp>
       <p:sp>
         <p:nvSpPr>
-          <p:cNvPr id="288" name="Google Shape;288;p42"/>
+          <p:cNvPr id="289" name="Google Shape;289;p42"/>
           <p:cNvSpPr txBox="1"/>
           <p:nvPr>
             <p:ph idx="12" type="sldNum"/>
@@ -18997,7 +19055,7 @@
   <p:cSld>
     <p:spTree>
       <p:nvGrpSpPr>
-        <p:cNvPr id="292" name="Shape 292"/>
+        <p:cNvPr id="293" name="Shape 293"/>
         <p:cNvGrpSpPr/>
         <p:nvPr/>
       </p:nvGrpSpPr>
@@ -19011,7 +19069,7 @@
       </p:grpSpPr>
       <p:sp>
         <p:nvSpPr>
-          <p:cNvPr id="293" name="Google Shape;293;p43"/>
+          <p:cNvPr id="294" name="Google Shape;294;p43"/>
           <p:cNvSpPr txBox="1"/>
           <p:nvPr>
             <p:ph type="title"/>
@@ -19062,7 +19120,7 @@
   <p:cSld>
     <p:spTree>
       <p:nvGrpSpPr>
-        <p:cNvPr id="297" name="Shape 297"/>
+        <p:cNvPr id="298" name="Shape 298"/>
         <p:cNvGrpSpPr/>
         <p:nvPr/>
       </p:nvGrpSpPr>
@@ -19076,7 +19134,7 @@
       </p:grpSpPr>
       <p:sp>
         <p:nvSpPr>
-          <p:cNvPr id="298" name="Google Shape;298;p44"/>
+          <p:cNvPr id="299" name="Google Shape;299;p44"/>
           <p:cNvSpPr txBox="1"/>
           <p:nvPr>
             <p:ph type="title"/>
@@ -19116,7 +19174,7 @@
       </p:sp>
       <p:sp>
         <p:nvSpPr>
-          <p:cNvPr id="299" name="Google Shape;299;p44"/>
+          <p:cNvPr id="300" name="Google Shape;300;p44"/>
           <p:cNvSpPr txBox="1"/>
           <p:nvPr>
             <p:ph idx="1" type="body"/>
@@ -19290,7 +19348,7 @@
       </p:sp>
       <p:sp>
         <p:nvSpPr>
-          <p:cNvPr id="300" name="Google Shape;300;p44"/>
+          <p:cNvPr id="301" name="Google Shape;301;p44"/>
           <p:cNvSpPr txBox="1"/>
           <p:nvPr>
             <p:ph idx="12" type="sldNum"/>
@@ -19366,7 +19424,7 @@
   <p:cSld>
     <p:spTree>
       <p:nvGrpSpPr>
-        <p:cNvPr id="304" name="Shape 304"/>
+        <p:cNvPr id="305" name="Shape 305"/>
         <p:cNvGrpSpPr/>
         <p:nvPr/>
       </p:nvGrpSpPr>
@@ -19380,7 +19438,7 @@
       </p:grpSpPr>
       <p:sp>
         <p:nvSpPr>
-          <p:cNvPr id="305" name="Google Shape;305;p45"/>
+          <p:cNvPr id="306" name="Google Shape;306;p45"/>
           <p:cNvSpPr txBox="1"/>
           <p:nvPr>
             <p:ph type="title"/>
@@ -19420,7 +19478,7 @@
       </p:sp>
       <p:sp>
         <p:nvSpPr>
-          <p:cNvPr id="306" name="Google Shape;306;p45"/>
+          <p:cNvPr id="307" name="Google Shape;307;p45"/>
           <p:cNvSpPr txBox="1"/>
           <p:nvPr>
             <p:ph idx="12" type="sldNum"/>
@@ -19485,7 +19543,7 @@
       </p:sp>
       <p:pic>
         <p:nvPicPr>
-          <p:cNvPr id="307" name="Google Shape;307;p45"/>
+          <p:cNvPr id="308" name="Google Shape;308;p45"/>
           <p:cNvPicPr preferRelativeResize="0"/>
           <p:nvPr/>
         </p:nvPicPr>
@@ -19524,7 +19582,7 @@
   <p:cSld>
     <p:spTree>
       <p:nvGrpSpPr>
-        <p:cNvPr id="311" name="Shape 311"/>
+        <p:cNvPr id="312" name="Shape 312"/>
         <p:cNvGrpSpPr/>
         <p:nvPr/>
       </p:nvGrpSpPr>
@@ -19538,7 +19596,7 @@
       </p:grpSpPr>
       <p:sp>
         <p:nvSpPr>
-          <p:cNvPr id="312" name="Google Shape;312;p46"/>
+          <p:cNvPr id="313" name="Google Shape;313;p46"/>
           <p:cNvSpPr txBox="1"/>
           <p:nvPr>
             <p:ph type="title"/>
@@ -19578,7 +19636,7 @@
       </p:sp>
       <p:sp>
         <p:nvSpPr>
-          <p:cNvPr id="313" name="Google Shape;313;p46"/>
+          <p:cNvPr id="314" name="Google Shape;314;p46"/>
           <p:cNvSpPr txBox="1"/>
           <p:nvPr>
             <p:ph idx="1" type="body"/>
@@ -19700,7 +19758,7 @@
       </p:sp>
       <p:sp>
         <p:nvSpPr>
-          <p:cNvPr id="314" name="Google Shape;314;p46"/>
+          <p:cNvPr id="315" name="Google Shape;315;p46"/>
           <p:cNvSpPr txBox="1"/>
           <p:nvPr>
             <p:ph idx="12" type="sldNum"/>
@@ -19841,7 +19899,7 @@
   <p:cSld>
     <p:spTree>
       <p:nvGrpSpPr>
-        <p:cNvPr id="318" name="Shape 318"/>
+        <p:cNvPr id="319" name="Shape 319"/>
         <p:cNvGrpSpPr/>
         <p:nvPr/>
       </p:nvGrpSpPr>
@@ -19855,7 +19913,7 @@
       </p:grpSpPr>
       <p:sp>
         <p:nvSpPr>
-          <p:cNvPr id="319" name="Google Shape;319;p47"/>
+          <p:cNvPr id="320" name="Google Shape;320;p47"/>
           <p:cNvSpPr txBox="1"/>
           <p:nvPr>
             <p:ph type="title"/>
@@ -19895,7 +19953,7 @@
       </p:sp>
       <p:sp>
         <p:nvSpPr>
-          <p:cNvPr id="320" name="Google Shape;320;p47"/>
+          <p:cNvPr id="321" name="Google Shape;321;p47"/>
           <p:cNvSpPr txBox="1"/>
           <p:nvPr>
             <p:ph idx="1" type="body"/>
@@ -20072,7 +20130,7 @@
       </p:sp>
       <p:sp>
         <p:nvSpPr>
-          <p:cNvPr id="321" name="Google Shape;321;p47"/>
+          <p:cNvPr id="322" name="Google Shape;322;p47"/>
           <p:cNvSpPr txBox="1"/>
           <p:nvPr>
             <p:ph idx="12" type="sldNum"/>
@@ -20148,7 +20206,7 @@
   <p:cSld>
     <p:spTree>
       <p:nvGrpSpPr>
-        <p:cNvPr id="325" name="Shape 325"/>
+        <p:cNvPr id="326" name="Shape 326"/>
         <p:cNvGrpSpPr/>
         <p:nvPr/>
       </p:nvGrpSpPr>
@@ -20162,7 +20220,7 @@
       </p:grpSpPr>
       <p:sp>
         <p:nvSpPr>
-          <p:cNvPr id="326" name="Google Shape;326;p48"/>
+          <p:cNvPr id="327" name="Google Shape;327;p48"/>
           <p:cNvSpPr txBox="1"/>
           <p:nvPr>
             <p:ph type="ctrTitle"/>
@@ -20202,7 +20260,7 @@
       </p:sp>
       <p:sp>
         <p:nvSpPr>
-          <p:cNvPr id="327" name="Google Shape;327;p48"/>
+          <p:cNvPr id="328" name="Google Shape;328;p48"/>
           <p:cNvSpPr txBox="1"/>
           <p:nvPr>
             <p:ph idx="1" type="subTitle"/>
@@ -20332,7 +20390,7 @@
   <p:cSld>
     <p:spTree>
       <p:nvGrpSpPr>
-        <p:cNvPr id="331" name="Shape 331"/>
+        <p:cNvPr id="332" name="Shape 332"/>
         <p:cNvGrpSpPr/>
         <p:nvPr/>
       </p:nvGrpSpPr>
@@ -20346,7 +20404,7 @@
       </p:grpSpPr>
       <p:sp>
         <p:nvSpPr>
-          <p:cNvPr id="332" name="Google Shape;332;p49"/>
+          <p:cNvPr id="333" name="Google Shape;333;p49"/>
           <p:cNvSpPr txBox="1"/>
           <p:nvPr>
             <p:ph type="title"/>
@@ -20386,7 +20444,7 @@
       </p:sp>
       <p:sp>
         <p:nvSpPr>
-          <p:cNvPr id="333" name="Google Shape;333;p49"/>
+          <p:cNvPr id="334" name="Google Shape;334;p49"/>
           <p:cNvSpPr txBox="1"/>
           <p:nvPr>
             <p:ph idx="12" type="sldNum"/>
@@ -20451,7 +20509,7 @@
       </p:sp>
       <p:sp>
         <p:nvSpPr>
-          <p:cNvPr id="334" name="Google Shape;334;p49"/>
+          <p:cNvPr id="335" name="Google Shape;335;p49"/>
           <p:cNvSpPr txBox="1"/>
           <p:nvPr>
             <p:ph idx="1" type="body"/>

--- a/Lecture slides/AMOS B02 - Scrum and AMOS.pptx
+++ b/Lecture slides/AMOS B02 - Scrum and AMOS.pptx
@@ -50,6 +50,8 @@
     <p:sldId id="295" r:id="rId46"/>
     <p:sldId id="296" r:id="rId47"/>
     <p:sldId id="297" r:id="rId48"/>
+    <p:sldId id="298" r:id="rId49"/>
+    <p:sldId id="299" r:id="rId50"/>
   </p:sldIdLst>
   <p:sldSz cy="5143500" cx="9144000"/>
   <p:notesSz cx="6858000" cy="9144000"/>
@@ -3815,7 +3817,7 @@
       </p:grpSpPr>
       <p:sp>
         <p:nvSpPr>
-          <p:cNvPr id="303" name="Google Shape;303;g23a7f920194_0_1:notes"/>
+          <p:cNvPr id="303" name="Google Shape;303;g31390bb5a5a_0_9:notes"/>
           <p:cNvSpPr/>
           <p:nvPr>
             <p:ph idx="2" type="sldImg"/>
@@ -3850,7 +3852,7 @@
       </p:sp>
       <p:sp>
         <p:nvSpPr>
-          <p:cNvPr id="304" name="Google Shape;304;g23a7f920194_0_1:notes"/>
+          <p:cNvPr id="304" name="Google Shape;304;g31390bb5a5a_0_9:notes"/>
           <p:cNvSpPr txBox="1"/>
           <p:nvPr>
             <p:ph idx="1" type="body"/>
@@ -3914,7 +3916,7 @@
       </p:grpSpPr>
       <p:sp>
         <p:nvSpPr>
-          <p:cNvPr id="310" name="Google Shape;310;g152a3f74d0d_0_57:notes"/>
+          <p:cNvPr id="310" name="Google Shape;310;g31390bb5a5a_0_15:notes"/>
           <p:cNvSpPr/>
           <p:nvPr>
             <p:ph idx="2" type="sldImg"/>
@@ -3949,7 +3951,7 @@
       </p:sp>
       <p:sp>
         <p:nvSpPr>
-          <p:cNvPr id="311" name="Google Shape;311;g152a3f74d0d_0_57:notes"/>
+          <p:cNvPr id="311" name="Google Shape;311;g31390bb5a5a_0_15:notes"/>
           <p:cNvSpPr txBox="1"/>
           <p:nvPr>
             <p:ph idx="1" type="body"/>
@@ -4112,7 +4114,7 @@
       </p:grpSpPr>
       <p:sp>
         <p:nvSpPr>
-          <p:cNvPr id="317" name="Google Shape;317;g22d186861df_0_1:notes"/>
+          <p:cNvPr id="317" name="Google Shape;317;g31390bb5a5a_0_21:notes"/>
           <p:cNvSpPr/>
           <p:nvPr>
             <p:ph idx="2" type="sldImg"/>
@@ -4147,7 +4149,7 @@
       </p:sp>
       <p:sp>
         <p:nvSpPr>
-          <p:cNvPr id="318" name="Google Shape;318;g22d186861df_0_1:notes"/>
+          <p:cNvPr id="318" name="Google Shape;318;g31390bb5a5a_0_21:notes"/>
           <p:cNvSpPr txBox="1"/>
           <p:nvPr>
             <p:ph idx="1" type="body"/>
@@ -4211,7 +4213,7 @@
       </p:grpSpPr>
       <p:sp>
         <p:nvSpPr>
-          <p:cNvPr id="324" name="Google Shape;324;g2397cb0cd5f_0_38:notes"/>
+          <p:cNvPr id="324" name="Google Shape;324;g152a3f74d0d_0_57:notes"/>
           <p:cNvSpPr/>
           <p:nvPr>
             <p:ph idx="2" type="sldImg"/>
@@ -4246,7 +4248,7 @@
       </p:sp>
       <p:sp>
         <p:nvSpPr>
-          <p:cNvPr id="325" name="Google Shape;325;g2397cb0cd5f_0_38:notes"/>
+          <p:cNvPr id="325" name="Google Shape;325;g152a3f74d0d_0_57:notes"/>
           <p:cNvSpPr txBox="1"/>
           <p:nvPr>
             <p:ph idx="1" type="body"/>
@@ -4296,7 +4298,7 @@
   <p:cSld>
     <p:spTree>
       <p:nvGrpSpPr>
-        <p:cNvPr id="329" name="Shape 329"/>
+        <p:cNvPr id="330" name="Shape 330"/>
         <p:cNvGrpSpPr/>
         <p:nvPr/>
       </p:nvGrpSpPr>
@@ -4310,7 +4312,7 @@
       </p:grpSpPr>
       <p:sp>
         <p:nvSpPr>
-          <p:cNvPr id="330" name="Google Shape;330;g2397cb0cd5f_0_43:notes"/>
+          <p:cNvPr id="331" name="Google Shape;331;g22d186861df_0_1:notes"/>
           <p:cNvSpPr/>
           <p:nvPr>
             <p:ph idx="2" type="sldImg"/>
@@ -4345,7 +4347,205 @@
       </p:sp>
       <p:sp>
         <p:nvSpPr>
-          <p:cNvPr id="331" name="Google Shape;331;g2397cb0cd5f_0_43:notes"/>
+          <p:cNvPr id="332" name="Google Shape;332;g22d186861df_0_1:notes"/>
+          <p:cNvSpPr txBox="1"/>
+          <p:nvPr>
+            <p:ph idx="1" type="body"/>
+          </p:nvPr>
+        </p:nvSpPr>
+        <p:spPr>
+          <a:xfrm>
+            <a:off x="685800" y="4343400"/>
+            <a:ext cx="5486400" cy="4114800"/>
+          </a:xfrm>
+          <a:prstGeom prst="rect">
+            <a:avLst/>
+          </a:prstGeom>
+        </p:spPr>
+        <p:txBody>
+          <a:bodyPr anchorCtr="0" anchor="t" bIns="91425" lIns="91425" spcFirstLastPara="1" rIns="91425" wrap="square" tIns="91425">
+            <a:noAutofit/>
+          </a:bodyPr>
+          <a:lstStyle/>
+          <a:p>
+            <a:pPr indent="0" lvl="0" marL="0" rtl="0" algn="l">
+              <a:spcBef>
+                <a:spcPts val="0"/>
+              </a:spcBef>
+              <a:spcAft>
+                <a:spcPts val="0"/>
+              </a:spcAft>
+              <a:buNone/>
+            </a:pPr>
+            <a:r>
+              <a:t/>
+            </a:r>
+            <a:endParaRPr/>
+          </a:p>
+        </p:txBody>
+      </p:sp>
+    </p:spTree>
+  </p:cSld>
+  <p:clrMapOvr>
+    <a:masterClrMapping/>
+  </p:clrMapOvr>
+</p:notes>
+</file>
+
+<file path=ppt/notesSlides/notesSlide43.xml><?xml version="1.0" encoding="utf-8"?>
+<p:notes xmlns:a="http://schemas.openxmlformats.org/drawingml/2006/main" xmlns:r="http://schemas.openxmlformats.org/officeDocument/2006/relationships" xmlns:mc="http://schemas.openxmlformats.org/markup-compatibility/2006" xmlns:mv="urn:schemas-microsoft-com:mac:vml" xmlns:p="http://schemas.openxmlformats.org/presentationml/2006/main" xmlns:c="http://schemas.openxmlformats.org/drawingml/2006/chart" xmlns:dgm="http://schemas.openxmlformats.org/drawingml/2006/diagram" xmlns:o="urn:schemas-microsoft-com:office:office" xmlns:v="urn:schemas-microsoft-com:vml" xmlns:pvml="urn:schemas-microsoft-com:office:powerpoint" xmlns:com="http://schemas.openxmlformats.org/drawingml/2006/compatibility" xmlns:p14="http://schemas.microsoft.com/office/powerpoint/2010/main" xmlns:p15="http://schemas.microsoft.com/office/powerpoint/2012/main" xmlns:ahyp="http://schemas.microsoft.com/office/drawing/2018/hyperlinkcolor" showMasterPhAnim="0" showMasterSp="0">
+  <p:cSld>
+    <p:spTree>
+      <p:nvGrpSpPr>
+        <p:cNvPr id="337" name="Shape 337"/>
+        <p:cNvGrpSpPr/>
+        <p:nvPr/>
+      </p:nvGrpSpPr>
+      <p:grpSpPr>
+        <a:xfrm>
+          <a:off x="0" y="0"/>
+          <a:ext cx="0" cy="0"/>
+          <a:chOff x="0" y="0"/>
+          <a:chExt cx="0" cy="0"/>
+        </a:xfrm>
+      </p:grpSpPr>
+      <p:sp>
+        <p:nvSpPr>
+          <p:cNvPr id="338" name="Google Shape;338;g2397cb0cd5f_0_38:notes"/>
+          <p:cNvSpPr/>
+          <p:nvPr>
+            <p:ph idx="2" type="sldImg"/>
+          </p:nvPr>
+        </p:nvSpPr>
+        <p:spPr>
+          <a:xfrm>
+            <a:off x="381300" y="685800"/>
+            <a:ext cx="6096000" cy="3429000"/>
+          </a:xfrm>
+          <a:custGeom>
+            <a:rect b="b" l="l" r="r" t="t"/>
+            <a:pathLst>
+              <a:path extrusionOk="0" h="120000" w="120000">
+                <a:moveTo>
+                  <a:pt x="0" y="0"/>
+                </a:moveTo>
+                <a:lnTo>
+                  <a:pt x="120000" y="0"/>
+                </a:lnTo>
+                <a:lnTo>
+                  <a:pt x="120000" y="120000"/>
+                </a:lnTo>
+                <a:lnTo>
+                  <a:pt x="0" y="120000"/>
+                </a:lnTo>
+                <a:close/>
+              </a:path>
+            </a:pathLst>
+          </a:custGeom>
+        </p:spPr>
+      </p:sp>
+      <p:sp>
+        <p:nvSpPr>
+          <p:cNvPr id="339" name="Google Shape;339;g2397cb0cd5f_0_38:notes"/>
+          <p:cNvSpPr txBox="1"/>
+          <p:nvPr>
+            <p:ph idx="1" type="body"/>
+          </p:nvPr>
+        </p:nvSpPr>
+        <p:spPr>
+          <a:xfrm>
+            <a:off x="685800" y="4343400"/>
+            <a:ext cx="5486400" cy="4114800"/>
+          </a:xfrm>
+          <a:prstGeom prst="rect">
+            <a:avLst/>
+          </a:prstGeom>
+        </p:spPr>
+        <p:txBody>
+          <a:bodyPr anchorCtr="0" anchor="t" bIns="91425" lIns="91425" spcFirstLastPara="1" rIns="91425" wrap="square" tIns="91425">
+            <a:noAutofit/>
+          </a:bodyPr>
+          <a:lstStyle/>
+          <a:p>
+            <a:pPr indent="0" lvl="0" marL="0" rtl="0" algn="l">
+              <a:spcBef>
+                <a:spcPts val="0"/>
+              </a:spcBef>
+              <a:spcAft>
+                <a:spcPts val="0"/>
+              </a:spcAft>
+              <a:buNone/>
+            </a:pPr>
+            <a:r>
+              <a:t/>
+            </a:r>
+            <a:endParaRPr/>
+          </a:p>
+        </p:txBody>
+      </p:sp>
+    </p:spTree>
+  </p:cSld>
+  <p:clrMapOvr>
+    <a:masterClrMapping/>
+  </p:clrMapOvr>
+</p:notes>
+</file>
+
+<file path=ppt/notesSlides/notesSlide44.xml><?xml version="1.0" encoding="utf-8"?>
+<p:notes xmlns:a="http://schemas.openxmlformats.org/drawingml/2006/main" xmlns:r="http://schemas.openxmlformats.org/officeDocument/2006/relationships" xmlns:mc="http://schemas.openxmlformats.org/markup-compatibility/2006" xmlns:mv="urn:schemas-microsoft-com:mac:vml" xmlns:p="http://schemas.openxmlformats.org/presentationml/2006/main" xmlns:c="http://schemas.openxmlformats.org/drawingml/2006/chart" xmlns:dgm="http://schemas.openxmlformats.org/drawingml/2006/diagram" xmlns:o="urn:schemas-microsoft-com:office:office" xmlns:v="urn:schemas-microsoft-com:vml" xmlns:pvml="urn:schemas-microsoft-com:office:powerpoint" xmlns:com="http://schemas.openxmlformats.org/drawingml/2006/compatibility" xmlns:p14="http://schemas.microsoft.com/office/powerpoint/2010/main" xmlns:p15="http://schemas.microsoft.com/office/powerpoint/2012/main" xmlns:ahyp="http://schemas.microsoft.com/office/drawing/2018/hyperlinkcolor" showMasterPhAnim="0" showMasterSp="0">
+  <p:cSld>
+    <p:spTree>
+      <p:nvGrpSpPr>
+        <p:cNvPr id="343" name="Shape 343"/>
+        <p:cNvGrpSpPr/>
+        <p:nvPr/>
+      </p:nvGrpSpPr>
+      <p:grpSpPr>
+        <a:xfrm>
+          <a:off x="0" y="0"/>
+          <a:ext cx="0" cy="0"/>
+          <a:chOff x="0" y="0"/>
+          <a:chExt cx="0" cy="0"/>
+        </a:xfrm>
+      </p:grpSpPr>
+      <p:sp>
+        <p:nvSpPr>
+          <p:cNvPr id="344" name="Google Shape;344;g2397cb0cd5f_0_43:notes"/>
+          <p:cNvSpPr/>
+          <p:nvPr>
+            <p:ph idx="2" type="sldImg"/>
+          </p:nvPr>
+        </p:nvSpPr>
+        <p:spPr>
+          <a:xfrm>
+            <a:off x="381300" y="685800"/>
+            <a:ext cx="6096000" cy="3429000"/>
+          </a:xfrm>
+          <a:custGeom>
+            <a:rect b="b" l="l" r="r" t="t"/>
+            <a:pathLst>
+              <a:path extrusionOk="0" h="120000" w="120000">
+                <a:moveTo>
+                  <a:pt x="0" y="0"/>
+                </a:moveTo>
+                <a:lnTo>
+                  <a:pt x="120000" y="0"/>
+                </a:lnTo>
+                <a:lnTo>
+                  <a:pt x="120000" y="120000"/>
+                </a:lnTo>
+                <a:lnTo>
+                  <a:pt x="0" y="120000"/>
+                </a:lnTo>
+                <a:close/>
+              </a:path>
+            </a:pathLst>
+          </a:custGeom>
+        </p:spPr>
+      </p:sp>
+      <p:sp>
+        <p:nvSpPr>
+          <p:cNvPr id="345" name="Google Shape;345;g2397cb0cd5f_0_43:notes"/>
           <p:cNvSpPr txBox="1"/>
           <p:nvPr>
             <p:ph idx="1" type="body"/>
@@ -8433,7 +8633,7 @@
         <p:spPr>
           <a:xfrm>
             <a:off x="274320" y="914400"/>
-            <a:ext cx="8595360" cy="3502840"/>
+            <a:ext cx="8595360" cy="3493598"/>
           </a:xfrm>
           <a:prstGeom prst="rect">
             <a:avLst/>
@@ -8591,7 +8791,7 @@
         <p:spPr>
           <a:xfrm>
             <a:off x="274320" y="914400"/>
-            <a:ext cx="8595360" cy="3502840"/>
+            <a:ext cx="8595360" cy="3495446"/>
           </a:xfrm>
           <a:prstGeom prst="rect">
             <a:avLst/>
@@ -10235,7 +10435,7 @@
         <p:spPr>
           <a:xfrm>
             <a:off x="274320" y="914400"/>
-            <a:ext cx="8595360" cy="3493598"/>
+            <a:ext cx="8595360" cy="3495446"/>
           </a:xfrm>
           <a:prstGeom prst="rect">
             <a:avLst/>
@@ -13315,7 +13515,7 @@
             <a:tbl>
               <a:tblPr>
                 <a:noFill/>
-                <a:tableStyleId>{8EF02D17-2664-4761-85CA-2EE8B3B000EE}</a:tableStyleId>
+                <a:tableStyleId>{A0274600-64A6-4B55-B427-73DCBFC03AB0}</a:tableStyleId>
               </a:tblPr>
               <a:tblGrid>
                 <a:gridCol w="2057400"/>
@@ -14555,7 +14755,7 @@
         <p:spPr>
           <a:xfrm>
             <a:off x="274320" y="914400"/>
-            <a:ext cx="8595359" cy="3514547"/>
+            <a:ext cx="8595359" cy="3504997"/>
           </a:xfrm>
           <a:prstGeom prst="rect">
             <a:avLst/>
@@ -15707,7 +15907,7 @@
             <a:tbl>
               <a:tblPr>
                 <a:noFill/>
-                <a:tableStyleId>{8EF02D17-2664-4761-85CA-2EE8B3B000EE}</a:tableStyleId>
+                <a:tableStyleId>{A0274600-64A6-4B55-B427-73DCBFC03AB0}</a:tableStyleId>
               </a:tblPr>
               <a:tblGrid>
                 <a:gridCol w="638675"/>
@@ -17642,7 +17842,7 @@
             <a:tbl>
               <a:tblPr>
                 <a:noFill/>
-                <a:tableStyleId>{8EF02D17-2664-4761-85CA-2EE8B3B000EE}</a:tableStyleId>
+                <a:tableStyleId>{A0274600-64A6-4B55-B427-73DCBFC03AB0}</a:tableStyleId>
               </a:tblPr>
               <a:tblGrid>
                 <a:gridCol w="1280725"/>
@@ -19470,7 +19670,7 @@
             </a:pPr>
             <a:r>
               <a:rPr lang="en"/>
-              <a:t>Runtime Objects / Tiers vs. Code / Layered Architecture</a:t>
+              <a:t>Runtime Architecture</a:t>
             </a:r>
             <a:endParaRPr/>
           </a:p>
@@ -19558,7 +19758,7 @@
         <p:spPr>
           <a:xfrm>
             <a:off x="274320" y="914400"/>
-            <a:ext cx="8595360" cy="3502840"/>
+            <a:ext cx="8595360" cy="3495446"/>
           </a:xfrm>
           <a:prstGeom prst="rect">
             <a:avLst/>
@@ -19628,7 +19828,7 @@
             </a:pPr>
             <a:r>
               <a:rPr lang="en"/>
-              <a:t>One-time Deliverable: Architecture Description</a:t>
+              <a:t>Objects at Runtime</a:t>
             </a:r>
             <a:endParaRPr/>
           </a:p>
@@ -19637,128 +19837,6 @@
       <p:sp>
         <p:nvSpPr>
           <p:cNvPr id="314" name="Google Shape;314;p46"/>
-          <p:cNvSpPr txBox="1"/>
-          <p:nvPr>
-            <p:ph idx="1" type="body"/>
-          </p:nvPr>
-        </p:nvSpPr>
-        <p:spPr>
-          <a:xfrm>
-            <a:off x="274320" y="914400"/>
-            <a:ext cx="8595300" cy="4114800"/>
-          </a:xfrm>
-          <a:prstGeom prst="rect">
-            <a:avLst/>
-          </a:prstGeom>
-        </p:spPr>
-        <p:txBody>
-          <a:bodyPr anchorCtr="0" anchor="t" bIns="0" lIns="0" spcFirstLastPara="1" rIns="0" wrap="square" tIns="0">
-            <a:noAutofit/>
-          </a:bodyPr>
-          <a:lstStyle/>
-          <a:p>
-            <a:pPr indent="0" lvl="0" marL="0" rtl="0" algn="l">
-              <a:spcBef>
-                <a:spcPts val="0"/>
-              </a:spcBef>
-              <a:spcAft>
-                <a:spcPts val="0"/>
-              </a:spcAft>
-              <a:buNone/>
-            </a:pPr>
-            <a:r>
-              <a:rPr lang="en"/>
-              <a:t>Provide a description of the initial planned architecture including (at a minimum)</a:t>
-            </a:r>
-            <a:endParaRPr/>
-          </a:p>
-          <a:p>
-            <a:pPr indent="-342900" lvl="0" marL="457200" rtl="0" algn="l">
-              <a:spcBef>
-                <a:spcPts val="1200"/>
-              </a:spcBef>
-              <a:spcAft>
-                <a:spcPts val="0"/>
-              </a:spcAft>
-              <a:buSzPts val="1800"/>
-              <a:buAutoNum type="arabicPeriod"/>
-            </a:pPr>
-            <a:r>
-              <a:rPr lang="en"/>
-              <a:t>The runtime architecture</a:t>
-            </a:r>
-            <a:endParaRPr/>
-          </a:p>
-          <a:p>
-            <a:pPr indent="-342900" lvl="0" marL="457200" rtl="0" algn="l">
-              <a:spcBef>
-                <a:spcPts val="0"/>
-              </a:spcBef>
-              <a:spcAft>
-                <a:spcPts val="0"/>
-              </a:spcAft>
-              <a:buSzPts val="1800"/>
-              <a:buAutoNum type="arabicPeriod"/>
-            </a:pPr>
-            <a:r>
-              <a:rPr lang="en"/>
-              <a:t>The code (static) architecture</a:t>
-            </a:r>
-            <a:endParaRPr/>
-          </a:p>
-          <a:p>
-            <a:pPr indent="-342900" lvl="0" marL="457200" rtl="0" algn="l">
-              <a:spcBef>
-                <a:spcPts val="0"/>
-              </a:spcBef>
-              <a:spcAft>
-                <a:spcPts val="0"/>
-              </a:spcAft>
-              <a:buSzPts val="1800"/>
-              <a:buAutoNum type="arabicPeriod"/>
-            </a:pPr>
-            <a:r>
-              <a:rPr lang="en"/>
-              <a:t>The tech stack you are building on</a:t>
-            </a:r>
-            <a:endParaRPr/>
-          </a:p>
-          <a:p>
-            <a:pPr indent="0" lvl="0" marL="0" rtl="0" algn="l">
-              <a:spcBef>
-                <a:spcPts val="1200"/>
-              </a:spcBef>
-              <a:spcAft>
-                <a:spcPts val="0"/>
-              </a:spcAft>
-              <a:buNone/>
-            </a:pPr>
-            <a:r>
-              <a:rPr lang="en"/>
-              <a:t>Feel free at the end of the project to review planning with reality</a:t>
-            </a:r>
-            <a:endParaRPr/>
-          </a:p>
-          <a:p>
-            <a:pPr indent="0" lvl="0" marL="0" rtl="0" algn="l">
-              <a:spcBef>
-                <a:spcPts val="1200"/>
-              </a:spcBef>
-              <a:spcAft>
-                <a:spcPts val="1200"/>
-              </a:spcAft>
-              <a:buNone/>
-            </a:pPr>
-            <a:r>
-              <a:t/>
-            </a:r>
-            <a:endParaRPr/>
-          </a:p>
-        </p:txBody>
-      </p:sp>
-      <p:sp>
-        <p:nvSpPr>
-          <p:cNvPr id="315" name="Google Shape;315;p46"/>
           <p:cNvSpPr txBox="1"/>
           <p:nvPr>
             <p:ph idx="12" type="sldNum"/>
@@ -19821,6 +19899,34 @@
           </a:p>
         </p:txBody>
       </p:sp>
+      <p:pic>
+        <p:nvPicPr>
+          <p:cNvPr id="315" name="Google Shape;315;p46"/>
+          <p:cNvPicPr preferRelativeResize="0"/>
+          <p:nvPr/>
+        </p:nvPicPr>
+        <p:blipFill>
+          <a:blip r:embed="rId4">
+            <a:alphaModFix/>
+          </a:blip>
+          <a:stretch>
+            <a:fillRect/>
+          </a:stretch>
+        </p:blipFill>
+        <p:spPr>
+          <a:xfrm>
+            <a:off x="274320" y="914400"/>
+            <a:ext cx="8595360" cy="3495446"/>
+          </a:xfrm>
+          <a:prstGeom prst="rect">
+            <a:avLst/>
+          </a:prstGeom>
+          <a:noFill/>
+          <a:ln>
+            <a:noFill/>
+          </a:ln>
+        </p:spPr>
+      </p:pic>
     </p:spTree>
   </p:cSld>
   <p:clrMapOvr>
@@ -19945,7 +20051,7 @@
             </a:pPr>
             <a:r>
               <a:rPr lang="en"/>
-              <a:t>Summary</a:t>
+              <a:t>Code Organization</a:t>
             </a:r>
             <a:endParaRPr/>
           </a:p>
@@ -19954,183 +20060,6 @@
       <p:sp>
         <p:nvSpPr>
           <p:cNvPr id="321" name="Google Shape;321;p47"/>
-          <p:cNvSpPr txBox="1"/>
-          <p:nvPr>
-            <p:ph idx="1" type="body"/>
-          </p:nvPr>
-        </p:nvSpPr>
-        <p:spPr>
-          <a:xfrm>
-            <a:off x="274320" y="914400"/>
-            <a:ext cx="8595300" cy="4114800"/>
-          </a:xfrm>
-          <a:prstGeom prst="rect">
-            <a:avLst/>
-          </a:prstGeom>
-        </p:spPr>
-        <p:txBody>
-          <a:bodyPr anchorCtr="0" anchor="t" bIns="0" lIns="0" spcFirstLastPara="1" rIns="0" wrap="square" tIns="0">
-            <a:noAutofit/>
-          </a:bodyPr>
-          <a:lstStyle/>
-          <a:p>
-            <a:pPr indent="-342900" lvl="0" marL="457200" rtl="0" algn="l">
-              <a:spcBef>
-                <a:spcPts val="0"/>
-              </a:spcBef>
-              <a:spcAft>
-                <a:spcPts val="0"/>
-              </a:spcAft>
-              <a:buSzPts val="1800"/>
-              <a:buAutoNum type="arabicPeriod"/>
-            </a:pPr>
-            <a:r>
-              <a:rPr lang="en"/>
-              <a:t>The AMOS process</a:t>
-            </a:r>
-            <a:endParaRPr/>
-          </a:p>
-          <a:p>
-            <a:pPr indent="-342900" lvl="0" marL="457200" rtl="0" algn="l">
-              <a:spcBef>
-                <a:spcPts val="0"/>
-              </a:spcBef>
-              <a:spcAft>
-                <a:spcPts val="0"/>
-              </a:spcAft>
-              <a:buSzPts val="1800"/>
-              <a:buAutoNum type="arabicPeriod"/>
-            </a:pPr>
-            <a:r>
-              <a:rPr lang="en"/>
-              <a:t>The team meeting</a:t>
-            </a:r>
-            <a:endParaRPr/>
-          </a:p>
-          <a:p>
-            <a:pPr indent="-317500" lvl="1" marL="914400" rtl="0" algn="l">
-              <a:spcBef>
-                <a:spcPts val="0"/>
-              </a:spcBef>
-              <a:spcAft>
-                <a:spcPts val="0"/>
-              </a:spcAft>
-              <a:buSzPts val="1400"/>
-              <a:buChar char="○"/>
-            </a:pPr>
-            <a:r>
-              <a:rPr lang="en"/>
-              <a:t>Meeting preparation</a:t>
-            </a:r>
-            <a:endParaRPr/>
-          </a:p>
-          <a:p>
-            <a:pPr indent="-317500" lvl="1" marL="914400" rtl="0" algn="l">
-              <a:spcBef>
-                <a:spcPts val="0"/>
-              </a:spcBef>
-              <a:spcAft>
-                <a:spcPts val="0"/>
-              </a:spcAft>
-              <a:buSzPts val="1400"/>
-              <a:buChar char="○"/>
-            </a:pPr>
-            <a:r>
-              <a:rPr lang="en"/>
-              <a:t>Sprint review</a:t>
-            </a:r>
-            <a:endParaRPr/>
-          </a:p>
-          <a:p>
-            <a:pPr indent="-317500" lvl="1" marL="914400" rtl="0" algn="l">
-              <a:spcBef>
-                <a:spcPts val="0"/>
-              </a:spcBef>
-              <a:spcAft>
-                <a:spcPts val="0"/>
-              </a:spcAft>
-              <a:buSzPts val="1400"/>
-              <a:buChar char="○"/>
-            </a:pPr>
-            <a:r>
-              <a:rPr lang="en"/>
-              <a:t>Sprint release</a:t>
-            </a:r>
-            <a:endParaRPr/>
-          </a:p>
-          <a:p>
-            <a:pPr indent="-317500" lvl="1" marL="914400" rtl="0" algn="l">
-              <a:spcBef>
-                <a:spcPts val="0"/>
-              </a:spcBef>
-              <a:spcAft>
-                <a:spcPts val="0"/>
-              </a:spcAft>
-              <a:buSzPts val="1400"/>
-              <a:buChar char="○"/>
-            </a:pPr>
-            <a:r>
-              <a:rPr lang="en"/>
-              <a:t>Sprint retrospective</a:t>
-            </a:r>
-            <a:endParaRPr/>
-          </a:p>
-          <a:p>
-            <a:pPr indent="-317500" lvl="1" marL="914400" rtl="0" algn="l">
-              <a:spcBef>
-                <a:spcPts val="0"/>
-              </a:spcBef>
-              <a:spcAft>
-                <a:spcPts val="0"/>
-              </a:spcAft>
-              <a:buSzPts val="1400"/>
-              <a:buChar char="○"/>
-            </a:pPr>
-            <a:r>
-              <a:rPr lang="en"/>
-              <a:t>Sprint planning</a:t>
-            </a:r>
-            <a:endParaRPr/>
-          </a:p>
-          <a:p>
-            <a:pPr indent="-342900" lvl="0" marL="457200" rtl="0" algn="l">
-              <a:spcBef>
-                <a:spcPts val="1000"/>
-              </a:spcBef>
-              <a:spcAft>
-                <a:spcPts val="0"/>
-              </a:spcAft>
-              <a:buSzPts val="1800"/>
-              <a:buAutoNum type="arabicPeriod"/>
-            </a:pPr>
-            <a:r>
-              <a:rPr lang="en"/>
-              <a:t>Bill of materials</a:t>
-            </a:r>
-            <a:endParaRPr/>
-          </a:p>
-          <a:p>
-            <a:pPr indent="-342900" lvl="0" marL="457200" rtl="0" algn="l">
-              <a:spcBef>
-                <a:spcPts val="0"/>
-              </a:spcBef>
-              <a:spcAft>
-                <a:spcPts val="0"/>
-              </a:spcAft>
-              <a:buSzPts val="1800"/>
-              <a:buAutoNum type="arabicPeriod"/>
-            </a:pPr>
-            <a:r>
-              <a:rPr lang="en"/>
-              <a:t>Software architecture</a:t>
-            </a:r>
-            <a:endParaRPr/>
-          </a:p>
-        </p:txBody>
-      </p:sp>
-      <p:sp>
-        <p:nvSpPr>
-          <p:cNvPr id="322" name="Google Shape;322;p47"/>
           <p:cNvSpPr txBox="1"/>
           <p:nvPr>
             <p:ph idx="12" type="sldNum"/>
@@ -20193,6 +20122,34 @@
           </a:p>
         </p:txBody>
       </p:sp>
+      <p:pic>
+        <p:nvPicPr>
+          <p:cNvPr id="322" name="Google Shape;322;p47"/>
+          <p:cNvPicPr preferRelativeResize="0"/>
+          <p:nvPr/>
+        </p:nvPicPr>
+        <p:blipFill>
+          <a:blip r:embed="rId4">
+            <a:alphaModFix/>
+          </a:blip>
+          <a:stretch>
+            <a:fillRect/>
+          </a:stretch>
+        </p:blipFill>
+        <p:spPr>
+          <a:xfrm>
+            <a:off x="274320" y="914400"/>
+            <a:ext cx="8595360" cy="3495446"/>
+          </a:xfrm>
+          <a:prstGeom prst="rect">
+            <a:avLst/>
+          </a:prstGeom>
+          <a:noFill/>
+          <a:ln>
+            <a:noFill/>
+          </a:ln>
+        </p:spPr>
+      </p:pic>
     </p:spTree>
   </p:cSld>
   <p:clrMapOvr>
@@ -20223,36 +20180,36 @@
           <p:cNvPr id="327" name="Google Shape;327;p48"/>
           <p:cNvSpPr txBox="1"/>
           <p:nvPr>
-            <p:ph type="ctrTitle"/>
+            <p:ph type="title"/>
           </p:nvPr>
         </p:nvSpPr>
         <p:spPr>
           <a:xfrm>
             <a:off x="0" y="0"/>
-            <a:ext cx="9144000" cy="2388900"/>
+            <a:ext cx="9144000" cy="685800"/>
           </a:xfrm>
           <a:prstGeom prst="rect">
             <a:avLst/>
           </a:prstGeom>
         </p:spPr>
         <p:txBody>
-          <a:bodyPr anchorCtr="0" anchor="b" bIns="274300" lIns="91425" spcFirstLastPara="1" rIns="91425" wrap="square" tIns="91425">
+          <a:bodyPr anchorCtr="0" anchor="ctr" bIns="91425" lIns="274300" spcFirstLastPara="1" rIns="91425" wrap="square" tIns="91425">
             <a:noAutofit/>
           </a:bodyPr>
           <a:lstStyle/>
           <a:p>
-            <a:pPr indent="0" lvl="0" marL="0" rtl="0" algn="ctr">
-              <a:spcBef>
-                <a:spcPts val="0"/>
-              </a:spcBef>
-              <a:spcAft>
-                <a:spcPts val="0"/>
-              </a:spcAft>
-              <a:buNone/>
-            </a:pPr>
-            <a:r>
-              <a:rPr lang="en"/>
-              <a:t>Thank you! Any questions?</a:t>
+            <a:pPr indent="0" lvl="0" marL="0" rtl="0" algn="l">
+              <a:spcBef>
+                <a:spcPts val="0"/>
+              </a:spcBef>
+              <a:spcAft>
+                <a:spcPts val="0"/>
+              </a:spcAft>
+              <a:buNone/>
+            </a:pPr>
+            <a:r>
+              <a:rPr lang="en"/>
+              <a:t>One-time Deliverable: Architecture Description</a:t>
             </a:r>
             <a:endParaRPr/>
           </a:p>
@@ -20263,117 +20220,185 @@
           <p:cNvPr id="328" name="Google Shape;328;p48"/>
           <p:cNvSpPr txBox="1"/>
           <p:nvPr>
-            <p:ph idx="1" type="subTitle"/>
+            <p:ph idx="1" type="body"/>
           </p:nvPr>
         </p:nvSpPr>
         <p:spPr>
           <a:xfrm>
-            <a:off x="0" y="2569475"/>
-            <a:ext cx="9144000" cy="2574000"/>
+            <a:off x="274320" y="914400"/>
+            <a:ext cx="8595300" cy="4114800"/>
           </a:xfrm>
           <a:prstGeom prst="rect">
             <a:avLst/>
           </a:prstGeom>
         </p:spPr>
         <p:txBody>
-          <a:bodyPr anchorCtr="0" anchor="t" bIns="91425" lIns="91425" spcFirstLastPara="1" rIns="91425" wrap="square" tIns="274300">
+          <a:bodyPr anchorCtr="0" anchor="t" bIns="0" lIns="0" spcFirstLastPara="1" rIns="0" wrap="square" tIns="0">
             <a:noAutofit/>
           </a:bodyPr>
           <a:lstStyle/>
           <a:p>
-            <a:pPr indent="0" lvl="0" marL="0" rtl="0" algn="ctr">
-              <a:lnSpc>
-                <a:spcPct val="150000"/>
-              </a:lnSpc>
-              <a:spcBef>
-                <a:spcPts val="0"/>
-              </a:spcBef>
-              <a:spcAft>
-                <a:spcPts val="0"/>
-              </a:spcAft>
-              <a:buNone/>
-            </a:pPr>
-            <a:r>
-              <a:rPr lang="en" u="sng">
+            <a:pPr indent="0" lvl="0" marL="0" rtl="0" algn="l">
+              <a:spcBef>
+                <a:spcPts val="0"/>
+              </a:spcBef>
+              <a:spcAft>
+                <a:spcPts val="0"/>
+              </a:spcAft>
+              <a:buNone/>
+            </a:pPr>
+            <a:r>
+              <a:rPr lang="en"/>
+              <a:t>Provide a description of the initial planned architecture including (at a minimum)</a:t>
+            </a:r>
+            <a:endParaRPr/>
+          </a:p>
+          <a:p>
+            <a:pPr indent="-342900" lvl="0" marL="457200" rtl="0" algn="l">
+              <a:spcBef>
+                <a:spcPts val="1200"/>
+              </a:spcBef>
+              <a:spcAft>
+                <a:spcPts val="0"/>
+              </a:spcAft>
+              <a:buSzPts val="1800"/>
+              <a:buAutoNum type="arabicPeriod"/>
+            </a:pPr>
+            <a:r>
+              <a:rPr lang="en"/>
+              <a:t>The runtime architecture</a:t>
+            </a:r>
+            <a:endParaRPr/>
+          </a:p>
+          <a:p>
+            <a:pPr indent="-342900" lvl="0" marL="457200" rtl="0" algn="l">
+              <a:spcBef>
+                <a:spcPts val="0"/>
+              </a:spcBef>
+              <a:spcAft>
+                <a:spcPts val="0"/>
+              </a:spcAft>
+              <a:buSzPts val="1800"/>
+              <a:buAutoNum type="arabicPeriod"/>
+            </a:pPr>
+            <a:r>
+              <a:rPr lang="en"/>
+              <a:t>The (static) code organization</a:t>
+            </a:r>
+            <a:endParaRPr/>
+          </a:p>
+          <a:p>
+            <a:pPr indent="-342900" lvl="0" marL="457200" rtl="0" algn="l">
+              <a:spcBef>
+                <a:spcPts val="0"/>
+              </a:spcBef>
+              <a:spcAft>
+                <a:spcPts val="0"/>
+              </a:spcAft>
+              <a:buSzPts val="1800"/>
+              <a:buAutoNum type="arabicPeriod"/>
+            </a:pPr>
+            <a:r>
+              <a:rPr lang="en"/>
+              <a:t>The tech stack you are building on</a:t>
+            </a:r>
+            <a:endParaRPr/>
+          </a:p>
+          <a:p>
+            <a:pPr indent="0" lvl="0" marL="0" rtl="0" algn="l">
+              <a:spcBef>
+                <a:spcPts val="1200"/>
+              </a:spcBef>
+              <a:spcAft>
+                <a:spcPts val="0"/>
+              </a:spcAft>
+              <a:buNone/>
+            </a:pPr>
+            <a:r>
+              <a:rPr lang="en"/>
+              <a:t>Feel free at the end of the project to review planning with reality</a:t>
+            </a:r>
+            <a:endParaRPr/>
+          </a:p>
+          <a:p>
+            <a:pPr indent="0" lvl="0" marL="0" rtl="0" algn="l">
+              <a:spcBef>
+                <a:spcPts val="1200"/>
+              </a:spcBef>
+              <a:spcAft>
+                <a:spcPts val="1200"/>
+              </a:spcAft>
+              <a:buNone/>
+            </a:pPr>
+            <a:r>
+              <a:t/>
+            </a:r>
+            <a:endParaRPr/>
+          </a:p>
+        </p:txBody>
+      </p:sp>
+      <p:sp>
+        <p:nvSpPr>
+          <p:cNvPr id="329" name="Google Shape;329;p48"/>
+          <p:cNvSpPr txBox="1"/>
+          <p:nvPr>
+            <p:ph idx="12" type="sldNum"/>
+          </p:nvPr>
+        </p:nvSpPr>
+        <p:spPr>
+          <a:xfrm>
+            <a:off x="7315202" y="4229100"/>
+            <a:ext cx="1828800" cy="914400"/>
+          </a:xfrm>
+          <a:prstGeom prst="rect">
+            <a:avLst/>
+          </a:prstGeom>
+        </p:spPr>
+        <p:txBody>
+          <a:bodyPr anchorCtr="0" anchor="b" bIns="91425" lIns="91425" spcFirstLastPara="1" rIns="91425" wrap="square" tIns="91425">
+            <a:noAutofit/>
+          </a:bodyPr>
+          <a:lstStyle/>
+          <a:p>
+            <a:pPr indent="0" lvl="0" marL="0" rtl="0" algn="r">
+              <a:spcBef>
+                <a:spcPts val="0"/>
+              </a:spcBef>
+              <a:spcAft>
+                <a:spcPts val="0"/>
+              </a:spcAft>
+              <a:buNone/>
+            </a:pPr>
+            <a:fld id="{00000000-1234-1234-1234-123412341234}" type="slidenum">
+              <a:rPr lang="en"/>
+              <a:t>‹#›</a:t>
+            </a:fld>
+            <a:endParaRPr/>
+          </a:p>
+          <a:p>
+            <a:pPr indent="0" lvl="0" marL="0" rtl="0" algn="r">
+              <a:spcBef>
+                <a:spcPts val="0"/>
+              </a:spcBef>
+              <a:spcAft>
+                <a:spcPts val="0"/>
+              </a:spcAft>
+              <a:buNone/>
+            </a:pPr>
+            <a:r>
+              <a:rPr b="0" lang="en" sz="1000" u="sng">
                 <a:solidFill>
                   <a:schemeClr val="hlink"/>
                 </a:solidFill>
                 <a:hlinkClick r:id="rId3"/>
               </a:rPr>
-              <a:t>dirk.riehle@fau.de</a:t>
-            </a:r>
-            <a:r>
-              <a:rPr lang="en"/>
+              <a:t>uni1.de/amos</a:t>
+            </a:r>
+            <a:r>
+              <a:rPr b="0" lang="en" sz="1000"/>
               <a:t> </a:t>
             </a:r>
-            <a:r>
-              <a:rPr lang="en" sz="2400"/>
-              <a:t>–</a:t>
-            </a:r>
-            <a:r>
-              <a:rPr lang="en"/>
-              <a:t> </a:t>
-            </a:r>
-            <a:r>
-              <a:rPr lang="en" u="sng">
-                <a:solidFill>
-                  <a:schemeClr val="hlink"/>
-                </a:solidFill>
-                <a:hlinkClick r:id="rId4"/>
-              </a:rPr>
-              <a:t>https://oss.cs.fau.de</a:t>
-            </a:r>
-            <a:endParaRPr/>
-          </a:p>
-          <a:p>
-            <a:pPr indent="0" lvl="0" marL="0" rtl="0" algn="ctr">
-              <a:lnSpc>
-                <a:spcPct val="150000"/>
-              </a:lnSpc>
-              <a:spcBef>
-                <a:spcPts val="0"/>
-              </a:spcBef>
-              <a:spcAft>
-                <a:spcPts val="0"/>
-              </a:spcAft>
-              <a:buNone/>
-            </a:pPr>
-            <a:r>
-              <a:rPr lang="en" sz="2400" u="sng">
-                <a:solidFill>
-                  <a:schemeClr val="hlink"/>
-                </a:solidFill>
-                <a:hlinkClick r:id="rId5"/>
-              </a:rPr>
-              <a:t>dirk@riehle.org</a:t>
-            </a:r>
-            <a:r>
-              <a:rPr lang="en" sz="2400"/>
-              <a:t> – </a:t>
-            </a:r>
-            <a:r>
-              <a:rPr lang="en" sz="2400" u="sng">
-                <a:solidFill>
-                  <a:schemeClr val="hlink"/>
-                </a:solidFill>
-                <a:hlinkClick r:id="rId6"/>
-              </a:rPr>
-              <a:t>https://dirkriehle.com</a:t>
-            </a:r>
-            <a:r>
-              <a:rPr lang="en" sz="2400"/>
-              <a:t> – </a:t>
-            </a:r>
-            <a:r>
-              <a:rPr lang="en" sz="2400" u="sng">
-                <a:solidFill>
-                  <a:schemeClr val="hlink"/>
-                </a:solidFill>
-                <a:hlinkClick r:id="rId7"/>
-              </a:rPr>
-              <a:t>@dirkriehle</a:t>
-            </a:r>
-            <a:endParaRPr sz="2400"/>
+            <a:endParaRPr b="0" sz="1000"/>
           </a:p>
         </p:txBody>
       </p:sp>
@@ -20390,7 +20415,7 @@
   <p:cSld>
     <p:spTree>
       <p:nvGrpSpPr>
-        <p:cNvPr id="332" name="Shape 332"/>
+        <p:cNvPr id="333" name="Shape 333"/>
         <p:cNvGrpSpPr/>
         <p:nvPr/>
       </p:nvGrpSpPr>
@@ -20404,7 +20429,7 @@
       </p:grpSpPr>
       <p:sp>
         <p:nvSpPr>
-          <p:cNvPr id="333" name="Google Shape;333;p49"/>
+          <p:cNvPr id="334" name="Google Shape;334;p49"/>
           <p:cNvSpPr txBox="1"/>
           <p:nvPr>
             <p:ph type="title"/>
@@ -20436,6 +20461,497 @@
             </a:pPr>
             <a:r>
               <a:rPr lang="en"/>
+              <a:t>Summary</a:t>
+            </a:r>
+            <a:endParaRPr/>
+          </a:p>
+        </p:txBody>
+      </p:sp>
+      <p:sp>
+        <p:nvSpPr>
+          <p:cNvPr id="335" name="Google Shape;335;p49"/>
+          <p:cNvSpPr txBox="1"/>
+          <p:nvPr>
+            <p:ph idx="1" type="body"/>
+          </p:nvPr>
+        </p:nvSpPr>
+        <p:spPr>
+          <a:xfrm>
+            <a:off x="274320" y="914400"/>
+            <a:ext cx="8595300" cy="4114800"/>
+          </a:xfrm>
+          <a:prstGeom prst="rect">
+            <a:avLst/>
+          </a:prstGeom>
+        </p:spPr>
+        <p:txBody>
+          <a:bodyPr anchorCtr="0" anchor="t" bIns="0" lIns="0" spcFirstLastPara="1" rIns="0" wrap="square" tIns="0">
+            <a:noAutofit/>
+          </a:bodyPr>
+          <a:lstStyle/>
+          <a:p>
+            <a:pPr indent="-342900" lvl="0" marL="457200" rtl="0" algn="l">
+              <a:spcBef>
+                <a:spcPts val="0"/>
+              </a:spcBef>
+              <a:spcAft>
+                <a:spcPts val="0"/>
+              </a:spcAft>
+              <a:buSzPts val="1800"/>
+              <a:buAutoNum type="arabicPeriod"/>
+            </a:pPr>
+            <a:r>
+              <a:rPr lang="en"/>
+              <a:t>The AMOS process</a:t>
+            </a:r>
+            <a:endParaRPr/>
+          </a:p>
+          <a:p>
+            <a:pPr indent="-342900" lvl="0" marL="457200" rtl="0" algn="l">
+              <a:spcBef>
+                <a:spcPts val="0"/>
+              </a:spcBef>
+              <a:spcAft>
+                <a:spcPts val="0"/>
+              </a:spcAft>
+              <a:buSzPts val="1800"/>
+              <a:buAutoNum type="arabicPeriod"/>
+            </a:pPr>
+            <a:r>
+              <a:rPr lang="en"/>
+              <a:t>The team meeting</a:t>
+            </a:r>
+            <a:endParaRPr/>
+          </a:p>
+          <a:p>
+            <a:pPr indent="-317500" lvl="1" marL="914400" rtl="0" algn="l">
+              <a:spcBef>
+                <a:spcPts val="0"/>
+              </a:spcBef>
+              <a:spcAft>
+                <a:spcPts val="0"/>
+              </a:spcAft>
+              <a:buSzPts val="1400"/>
+              <a:buChar char="○"/>
+            </a:pPr>
+            <a:r>
+              <a:rPr lang="en"/>
+              <a:t>Meeting preparation</a:t>
+            </a:r>
+            <a:endParaRPr/>
+          </a:p>
+          <a:p>
+            <a:pPr indent="-317500" lvl="1" marL="914400" rtl="0" algn="l">
+              <a:spcBef>
+                <a:spcPts val="0"/>
+              </a:spcBef>
+              <a:spcAft>
+                <a:spcPts val="0"/>
+              </a:spcAft>
+              <a:buSzPts val="1400"/>
+              <a:buChar char="○"/>
+            </a:pPr>
+            <a:r>
+              <a:rPr lang="en"/>
+              <a:t>Sprint review</a:t>
+            </a:r>
+            <a:endParaRPr/>
+          </a:p>
+          <a:p>
+            <a:pPr indent="-317500" lvl="1" marL="914400" rtl="0" algn="l">
+              <a:spcBef>
+                <a:spcPts val="0"/>
+              </a:spcBef>
+              <a:spcAft>
+                <a:spcPts val="0"/>
+              </a:spcAft>
+              <a:buSzPts val="1400"/>
+              <a:buChar char="○"/>
+            </a:pPr>
+            <a:r>
+              <a:rPr lang="en"/>
+              <a:t>Sprint release</a:t>
+            </a:r>
+            <a:endParaRPr/>
+          </a:p>
+          <a:p>
+            <a:pPr indent="-317500" lvl="1" marL="914400" rtl="0" algn="l">
+              <a:spcBef>
+                <a:spcPts val="0"/>
+              </a:spcBef>
+              <a:spcAft>
+                <a:spcPts val="0"/>
+              </a:spcAft>
+              <a:buSzPts val="1400"/>
+              <a:buChar char="○"/>
+            </a:pPr>
+            <a:r>
+              <a:rPr lang="en"/>
+              <a:t>Sprint retrospective</a:t>
+            </a:r>
+            <a:endParaRPr/>
+          </a:p>
+          <a:p>
+            <a:pPr indent="-317500" lvl="1" marL="914400" rtl="0" algn="l">
+              <a:spcBef>
+                <a:spcPts val="0"/>
+              </a:spcBef>
+              <a:spcAft>
+                <a:spcPts val="0"/>
+              </a:spcAft>
+              <a:buSzPts val="1400"/>
+              <a:buChar char="○"/>
+            </a:pPr>
+            <a:r>
+              <a:rPr lang="en"/>
+              <a:t>Sprint planning</a:t>
+            </a:r>
+            <a:endParaRPr/>
+          </a:p>
+          <a:p>
+            <a:pPr indent="-342900" lvl="0" marL="457200" rtl="0" algn="l">
+              <a:spcBef>
+                <a:spcPts val="1000"/>
+              </a:spcBef>
+              <a:spcAft>
+                <a:spcPts val="0"/>
+              </a:spcAft>
+              <a:buSzPts val="1800"/>
+              <a:buAutoNum type="arabicPeriod"/>
+            </a:pPr>
+            <a:r>
+              <a:rPr lang="en"/>
+              <a:t>Bill of materials</a:t>
+            </a:r>
+            <a:endParaRPr/>
+          </a:p>
+          <a:p>
+            <a:pPr indent="-342900" lvl="0" marL="457200" rtl="0" algn="l">
+              <a:spcBef>
+                <a:spcPts val="0"/>
+              </a:spcBef>
+              <a:spcAft>
+                <a:spcPts val="0"/>
+              </a:spcAft>
+              <a:buSzPts val="1800"/>
+              <a:buAutoNum type="arabicPeriod"/>
+            </a:pPr>
+            <a:r>
+              <a:rPr lang="en"/>
+              <a:t>Software architecture</a:t>
+            </a:r>
+            <a:endParaRPr/>
+          </a:p>
+        </p:txBody>
+      </p:sp>
+      <p:sp>
+        <p:nvSpPr>
+          <p:cNvPr id="336" name="Google Shape;336;p49"/>
+          <p:cNvSpPr txBox="1"/>
+          <p:nvPr>
+            <p:ph idx="12" type="sldNum"/>
+          </p:nvPr>
+        </p:nvSpPr>
+        <p:spPr>
+          <a:xfrm>
+            <a:off x="7315202" y="4229100"/>
+            <a:ext cx="1828800" cy="914400"/>
+          </a:xfrm>
+          <a:prstGeom prst="rect">
+            <a:avLst/>
+          </a:prstGeom>
+        </p:spPr>
+        <p:txBody>
+          <a:bodyPr anchorCtr="0" anchor="b" bIns="91425" lIns="91425" spcFirstLastPara="1" rIns="91425" wrap="square" tIns="91425">
+            <a:noAutofit/>
+          </a:bodyPr>
+          <a:lstStyle/>
+          <a:p>
+            <a:pPr indent="0" lvl="0" marL="0" rtl="0" algn="r">
+              <a:spcBef>
+                <a:spcPts val="0"/>
+              </a:spcBef>
+              <a:spcAft>
+                <a:spcPts val="0"/>
+              </a:spcAft>
+              <a:buNone/>
+            </a:pPr>
+            <a:fld id="{00000000-1234-1234-1234-123412341234}" type="slidenum">
+              <a:rPr lang="en"/>
+              <a:t>‹#›</a:t>
+            </a:fld>
+            <a:endParaRPr/>
+          </a:p>
+          <a:p>
+            <a:pPr indent="0" lvl="0" marL="0" rtl="0" algn="r">
+              <a:spcBef>
+                <a:spcPts val="0"/>
+              </a:spcBef>
+              <a:spcAft>
+                <a:spcPts val="0"/>
+              </a:spcAft>
+              <a:buNone/>
+            </a:pPr>
+            <a:r>
+              <a:rPr b="0" lang="en" sz="1000" u="sng">
+                <a:solidFill>
+                  <a:schemeClr val="hlink"/>
+                </a:solidFill>
+                <a:hlinkClick r:id="rId3"/>
+              </a:rPr>
+              <a:t>uni1.de/amos</a:t>
+            </a:r>
+            <a:r>
+              <a:rPr b="0" lang="en" sz="1000"/>
+              <a:t> </a:t>
+            </a:r>
+            <a:endParaRPr b="0" sz="1000"/>
+          </a:p>
+        </p:txBody>
+      </p:sp>
+    </p:spTree>
+  </p:cSld>
+  <p:clrMapOvr>
+    <a:masterClrMapping/>
+  </p:clrMapOvr>
+</p:sld>
+</file>
+
+<file path=ppt/slides/slide43.xml><?xml version="1.0" encoding="utf-8"?>
+<p:sld xmlns:a="http://schemas.openxmlformats.org/drawingml/2006/main" xmlns:r="http://schemas.openxmlformats.org/officeDocument/2006/relationships" xmlns:mc="http://schemas.openxmlformats.org/markup-compatibility/2006" xmlns:mv="urn:schemas-microsoft-com:mac:vml" xmlns:p="http://schemas.openxmlformats.org/presentationml/2006/main" xmlns:c="http://schemas.openxmlformats.org/drawingml/2006/chart" xmlns:dgm="http://schemas.openxmlformats.org/drawingml/2006/diagram" xmlns:o="urn:schemas-microsoft-com:office:office" xmlns:v="urn:schemas-microsoft-com:vml" xmlns:pvml="urn:schemas-microsoft-com:office:powerpoint" xmlns:com="http://schemas.openxmlformats.org/drawingml/2006/compatibility" xmlns:p14="http://schemas.microsoft.com/office/powerpoint/2010/main" xmlns:p15="http://schemas.microsoft.com/office/powerpoint/2012/main" xmlns:ahyp="http://schemas.microsoft.com/office/drawing/2018/hyperlinkcolor">
+  <p:cSld>
+    <p:spTree>
+      <p:nvGrpSpPr>
+        <p:cNvPr id="340" name="Shape 340"/>
+        <p:cNvGrpSpPr/>
+        <p:nvPr/>
+      </p:nvGrpSpPr>
+      <p:grpSpPr>
+        <a:xfrm>
+          <a:off x="0" y="0"/>
+          <a:ext cx="0" cy="0"/>
+          <a:chOff x="0" y="0"/>
+          <a:chExt cx="0" cy="0"/>
+        </a:xfrm>
+      </p:grpSpPr>
+      <p:sp>
+        <p:nvSpPr>
+          <p:cNvPr id="341" name="Google Shape;341;p50"/>
+          <p:cNvSpPr txBox="1"/>
+          <p:nvPr>
+            <p:ph type="ctrTitle"/>
+          </p:nvPr>
+        </p:nvSpPr>
+        <p:spPr>
+          <a:xfrm>
+            <a:off x="0" y="0"/>
+            <a:ext cx="9144000" cy="2388900"/>
+          </a:xfrm>
+          <a:prstGeom prst="rect">
+            <a:avLst/>
+          </a:prstGeom>
+        </p:spPr>
+        <p:txBody>
+          <a:bodyPr anchorCtr="0" anchor="b" bIns="274300" lIns="91425" spcFirstLastPara="1" rIns="91425" wrap="square" tIns="91425">
+            <a:noAutofit/>
+          </a:bodyPr>
+          <a:lstStyle/>
+          <a:p>
+            <a:pPr indent="0" lvl="0" marL="0" rtl="0" algn="ctr">
+              <a:spcBef>
+                <a:spcPts val="0"/>
+              </a:spcBef>
+              <a:spcAft>
+                <a:spcPts val="0"/>
+              </a:spcAft>
+              <a:buNone/>
+            </a:pPr>
+            <a:r>
+              <a:rPr lang="en"/>
+              <a:t>Thank you! Any questions?</a:t>
+            </a:r>
+            <a:endParaRPr/>
+          </a:p>
+        </p:txBody>
+      </p:sp>
+      <p:sp>
+        <p:nvSpPr>
+          <p:cNvPr id="342" name="Google Shape;342;p50"/>
+          <p:cNvSpPr txBox="1"/>
+          <p:nvPr>
+            <p:ph idx="1" type="subTitle"/>
+          </p:nvPr>
+        </p:nvSpPr>
+        <p:spPr>
+          <a:xfrm>
+            <a:off x="0" y="2569475"/>
+            <a:ext cx="9144000" cy="2574000"/>
+          </a:xfrm>
+          <a:prstGeom prst="rect">
+            <a:avLst/>
+          </a:prstGeom>
+        </p:spPr>
+        <p:txBody>
+          <a:bodyPr anchorCtr="0" anchor="t" bIns="91425" lIns="91425" spcFirstLastPara="1" rIns="91425" wrap="square" tIns="274300">
+            <a:noAutofit/>
+          </a:bodyPr>
+          <a:lstStyle/>
+          <a:p>
+            <a:pPr indent="0" lvl="0" marL="0" rtl="0" algn="ctr">
+              <a:lnSpc>
+                <a:spcPct val="150000"/>
+              </a:lnSpc>
+              <a:spcBef>
+                <a:spcPts val="0"/>
+              </a:spcBef>
+              <a:spcAft>
+                <a:spcPts val="0"/>
+              </a:spcAft>
+              <a:buNone/>
+            </a:pPr>
+            <a:r>
+              <a:rPr lang="en" u="sng">
+                <a:solidFill>
+                  <a:schemeClr val="hlink"/>
+                </a:solidFill>
+                <a:hlinkClick r:id="rId3"/>
+              </a:rPr>
+              <a:t>dirk.riehle@fau.de</a:t>
+            </a:r>
+            <a:r>
+              <a:rPr lang="en"/>
+              <a:t> </a:t>
+            </a:r>
+            <a:r>
+              <a:rPr lang="en" sz="2400"/>
+              <a:t>–</a:t>
+            </a:r>
+            <a:r>
+              <a:rPr lang="en"/>
+              <a:t> </a:t>
+            </a:r>
+            <a:r>
+              <a:rPr lang="en" u="sng">
+                <a:solidFill>
+                  <a:schemeClr val="hlink"/>
+                </a:solidFill>
+                <a:hlinkClick r:id="rId4"/>
+              </a:rPr>
+              <a:t>https://oss.cs.fau.de</a:t>
+            </a:r>
+            <a:endParaRPr/>
+          </a:p>
+          <a:p>
+            <a:pPr indent="0" lvl="0" marL="0" rtl="0" algn="ctr">
+              <a:lnSpc>
+                <a:spcPct val="150000"/>
+              </a:lnSpc>
+              <a:spcBef>
+                <a:spcPts val="0"/>
+              </a:spcBef>
+              <a:spcAft>
+                <a:spcPts val="0"/>
+              </a:spcAft>
+              <a:buNone/>
+            </a:pPr>
+            <a:r>
+              <a:rPr lang="en" sz="2400" u="sng">
+                <a:solidFill>
+                  <a:schemeClr val="hlink"/>
+                </a:solidFill>
+                <a:hlinkClick r:id="rId5"/>
+              </a:rPr>
+              <a:t>dirk@riehle.org</a:t>
+            </a:r>
+            <a:r>
+              <a:rPr lang="en" sz="2400"/>
+              <a:t> – </a:t>
+            </a:r>
+            <a:r>
+              <a:rPr lang="en" sz="2400" u="sng">
+                <a:solidFill>
+                  <a:schemeClr val="hlink"/>
+                </a:solidFill>
+                <a:hlinkClick r:id="rId6"/>
+              </a:rPr>
+              <a:t>https://dirkriehle.com</a:t>
+            </a:r>
+            <a:r>
+              <a:rPr lang="en" sz="2400"/>
+              <a:t> – </a:t>
+            </a:r>
+            <a:r>
+              <a:rPr lang="en" sz="2400" u="sng">
+                <a:solidFill>
+                  <a:schemeClr val="hlink"/>
+                </a:solidFill>
+                <a:hlinkClick r:id="rId7"/>
+              </a:rPr>
+              <a:t>@dirkriehle</a:t>
+            </a:r>
+            <a:endParaRPr sz="2400"/>
+          </a:p>
+        </p:txBody>
+      </p:sp>
+    </p:spTree>
+  </p:cSld>
+  <p:clrMapOvr>
+    <a:masterClrMapping/>
+  </p:clrMapOvr>
+</p:sld>
+</file>
+
+<file path=ppt/slides/slide44.xml><?xml version="1.0" encoding="utf-8"?>
+<p:sld xmlns:a="http://schemas.openxmlformats.org/drawingml/2006/main" xmlns:r="http://schemas.openxmlformats.org/officeDocument/2006/relationships" xmlns:mc="http://schemas.openxmlformats.org/markup-compatibility/2006" xmlns:mv="urn:schemas-microsoft-com:mac:vml" xmlns:p="http://schemas.openxmlformats.org/presentationml/2006/main" xmlns:c="http://schemas.openxmlformats.org/drawingml/2006/chart" xmlns:dgm="http://schemas.openxmlformats.org/drawingml/2006/diagram" xmlns:o="urn:schemas-microsoft-com:office:office" xmlns:v="urn:schemas-microsoft-com:vml" xmlns:pvml="urn:schemas-microsoft-com:office:powerpoint" xmlns:com="http://schemas.openxmlformats.org/drawingml/2006/compatibility" xmlns:p14="http://schemas.microsoft.com/office/powerpoint/2010/main" xmlns:p15="http://schemas.microsoft.com/office/powerpoint/2012/main" xmlns:ahyp="http://schemas.microsoft.com/office/drawing/2018/hyperlinkcolor">
+  <p:cSld>
+    <p:spTree>
+      <p:nvGrpSpPr>
+        <p:cNvPr id="346" name="Shape 346"/>
+        <p:cNvGrpSpPr/>
+        <p:nvPr/>
+      </p:nvGrpSpPr>
+      <p:grpSpPr>
+        <a:xfrm>
+          <a:off x="0" y="0"/>
+          <a:ext cx="0" cy="0"/>
+          <a:chOff x="0" y="0"/>
+          <a:chExt cx="0" cy="0"/>
+        </a:xfrm>
+      </p:grpSpPr>
+      <p:sp>
+        <p:nvSpPr>
+          <p:cNvPr id="347" name="Google Shape;347;p51"/>
+          <p:cNvSpPr txBox="1"/>
+          <p:nvPr>
+            <p:ph type="title"/>
+          </p:nvPr>
+        </p:nvSpPr>
+        <p:spPr>
+          <a:xfrm>
+            <a:off x="0" y="0"/>
+            <a:ext cx="9144000" cy="685800"/>
+          </a:xfrm>
+          <a:prstGeom prst="rect">
+            <a:avLst/>
+          </a:prstGeom>
+        </p:spPr>
+        <p:txBody>
+          <a:bodyPr anchorCtr="0" anchor="ctr" bIns="91425" lIns="274300" spcFirstLastPara="1" rIns="91425" wrap="square" tIns="91425">
+            <a:noAutofit/>
+          </a:bodyPr>
+          <a:lstStyle/>
+          <a:p>
+            <a:pPr indent="0" lvl="0" marL="0" rtl="0" algn="l">
+              <a:spcBef>
+                <a:spcPts val="0"/>
+              </a:spcBef>
+              <a:spcAft>
+                <a:spcPts val="0"/>
+              </a:spcAft>
+              <a:buNone/>
+            </a:pPr>
+            <a:r>
+              <a:rPr lang="en"/>
               <a:t>Legal Notices</a:t>
             </a:r>
             <a:endParaRPr/>
@@ -20444,7 +20960,7 @@
       </p:sp>
       <p:sp>
         <p:nvSpPr>
-          <p:cNvPr id="334" name="Google Shape;334;p49"/>
+          <p:cNvPr id="348" name="Google Shape;348;p51"/>
           <p:cNvSpPr txBox="1"/>
           <p:nvPr>
             <p:ph idx="12" type="sldNum"/>
@@ -20509,7 +21025,7 @@
       </p:sp>
       <p:sp>
         <p:nvSpPr>
-          <p:cNvPr id="335" name="Google Shape;335;p49"/>
+          <p:cNvPr id="349" name="Google Shape;349;p51"/>
           <p:cNvSpPr txBox="1"/>
           <p:nvPr>
             <p:ph idx="1" type="body"/>
@@ -21077,7 +21593,7 @@
         <p:spPr>
           <a:xfrm>
             <a:off x="274320" y="914400"/>
-            <a:ext cx="8595360" cy="3502840"/>
+            <a:ext cx="8595360" cy="3495446"/>
           </a:xfrm>
           <a:prstGeom prst="rect">
             <a:avLst/>
@@ -21650,6 +22166,285 @@
 </file>
 
 <file path=ppt/theme/theme1.xml><?xml version="1.0" encoding="utf-8"?>
+<a:theme xmlns:a="http://schemas.openxmlformats.org/drawingml/2006/main" xmlns:r="http://schemas.openxmlformats.org/officeDocument/2006/relationships">
+  <a:themeElements>
+    <a:clrScheme name="Default">
+      <a:dk1>
+        <a:srgbClr val="000000"/>
+      </a:dk1>
+      <a:lt1>
+        <a:srgbClr val="FFFFFF"/>
+      </a:lt1>
+      <a:dk2>
+        <a:srgbClr val="158158"/>
+      </a:dk2>
+      <a:lt2>
+        <a:srgbClr val="F3F3F3"/>
+      </a:lt2>
+      <a:accent1>
+        <a:srgbClr val="058DC7"/>
+      </a:accent1>
+      <a:accent2>
+        <a:srgbClr val="50B432"/>
+      </a:accent2>
+      <a:accent3>
+        <a:srgbClr val="ED561B"/>
+      </a:accent3>
+      <a:accent4>
+        <a:srgbClr val="EDEF00"/>
+      </a:accent4>
+      <a:accent5>
+        <a:srgbClr val="24CBE5"/>
+      </a:accent5>
+      <a:accent6>
+        <a:srgbClr val="64E572"/>
+      </a:accent6>
+      <a:hlink>
+        <a:srgbClr val="2200CC"/>
+      </a:hlink>
+      <a:folHlink>
+        <a:srgbClr val="551A8B"/>
+      </a:folHlink>
+    </a:clrScheme>
+    <a:fontScheme name="Office">
+      <a:majorFont>
+        <a:latin typeface="Arial"/>
+        <a:ea typeface=""/>
+        <a:cs typeface=""/>
+        <a:font script="Jpan" typeface="ＭＳ Ｐゴシック"/>
+        <a:font script="Hang" typeface="맑은 고딕"/>
+        <a:font script="Hans" typeface="宋体"/>
+        <a:font script="Hant" typeface="新細明體"/>
+        <a:font script="Arab" typeface="Times New Roman"/>
+        <a:font script="Hebr" typeface="Times New Roman"/>
+        <a:font script="Thai" typeface="Angsana New"/>
+        <a:font script="Ethi" typeface="Nyala"/>
+        <a:font script="Beng" typeface="Vrinda"/>
+        <a:font script="Gujr" typeface="Shruti"/>
+        <a:font script="Khmr" typeface="MoolBoran"/>
+        <a:font script="Knda" typeface="Tunga"/>
+        <a:font script="Guru" typeface="Raavi"/>
+        <a:font script="Cans" typeface="Euphemia"/>
+        <a:font script="Cher" typeface="Plantagenet Cherokee"/>
+        <a:font script="Yiii" typeface="Microsoft Yi Baiti"/>
+        <a:font script="Tibt" typeface="Microsoft Himalaya"/>
+        <a:font script="Thaa" typeface="MV Boli"/>
+        <a:font script="Deva" typeface="Mangal"/>
+        <a:font script="Telu" typeface="Gautami"/>
+        <a:font script="Taml" typeface="Latha"/>
+        <a:font script="Syrc" typeface="Estrangelo Edessa"/>
+        <a:font script="Orya" typeface="Kalinga"/>
+        <a:font script="Mlym" typeface="Kartika"/>
+        <a:font script="Laoo" typeface="DokChampa"/>
+        <a:font script="Sinh" typeface="Iskoola Pota"/>
+        <a:font script="Mong" typeface="Mongolian Baiti"/>
+        <a:font script="Viet" typeface="Times New Roman"/>
+        <a:font script="Uigh" typeface="Microsoft Uighur"/>
+        <a:font script="Geor" typeface="Sylfaen"/>
+      </a:majorFont>
+      <a:minorFont>
+        <a:latin typeface="Arial"/>
+        <a:ea typeface=""/>
+        <a:cs typeface=""/>
+        <a:font script="Jpan" typeface="ＭＳ Ｐゴシック"/>
+        <a:font script="Hang" typeface="맑은 고딕"/>
+        <a:font script="Hans" typeface="宋体"/>
+        <a:font script="Hant" typeface="新細明體"/>
+        <a:font script="Arab" typeface="Arial"/>
+        <a:font script="Hebr" typeface="Arial"/>
+        <a:font script="Thai" typeface="Cordia New"/>
+        <a:font script="Ethi" typeface="Nyala"/>
+        <a:font script="Beng" typeface="Vrinda"/>
+        <a:font script="Gujr" typeface="Shruti"/>
+        <a:font script="Khmr" typeface="DaunPenh"/>
+        <a:font script="Knda" typeface="Tunga"/>
+        <a:font script="Guru" typeface="Raavi"/>
+        <a:font script="Cans" typeface="Euphemia"/>
+        <a:font script="Cher" typeface="Plantagenet Cherokee"/>
+        <a:font script="Yiii" typeface="Microsoft Yi Baiti"/>
+        <a:font script="Tibt" typeface="Microsoft Himalaya"/>
+        <a:font script="Thaa" typeface="MV Boli"/>
+        <a:font script="Deva" typeface="Mangal"/>
+        <a:font script="Telu" typeface="Gautami"/>
+        <a:font script="Taml" typeface="Latha"/>
+        <a:font script="Syrc" typeface="Estrangelo Edessa"/>
+        <a:font script="Orya" typeface="Kalinga"/>
+        <a:font script="Mlym" typeface="Kartika"/>
+        <a:font script="Laoo" typeface="DokChampa"/>
+        <a:font script="Sinh" typeface="Iskoola Pota"/>
+        <a:font script="Mong" typeface="Mongolian Baiti"/>
+        <a:font script="Viet" typeface="Arial"/>
+        <a:font script="Uigh" typeface="Microsoft Uighur"/>
+        <a:font script="Geor" typeface="Sylfaen"/>
+      </a:minorFont>
+    </a:fontScheme>
+    <a:fmtScheme name="Office">
+      <a:fillStyleLst>
+        <a:solidFill>
+          <a:schemeClr val="phClr"/>
+        </a:solidFill>
+        <a:gradFill rotWithShape="1">
+          <a:gsLst>
+            <a:gs pos="0">
+              <a:schemeClr val="phClr">
+                <a:tint val="50000"/>
+                <a:satMod val="300000"/>
+              </a:schemeClr>
+            </a:gs>
+            <a:gs pos="35000">
+              <a:schemeClr val="phClr">
+                <a:tint val="37000"/>
+                <a:satMod val="300000"/>
+              </a:schemeClr>
+            </a:gs>
+            <a:gs pos="100000">
+              <a:schemeClr val="phClr">
+                <a:tint val="15000"/>
+                <a:satMod val="350000"/>
+              </a:schemeClr>
+            </a:gs>
+          </a:gsLst>
+          <a:lin ang="16200000" scaled="1"/>
+        </a:gradFill>
+        <a:gradFill rotWithShape="1">
+          <a:gsLst>
+            <a:gs pos="0">
+              <a:schemeClr val="phClr">
+                <a:tint val="100000"/>
+                <a:shade val="100000"/>
+                <a:satMod val="130000"/>
+              </a:schemeClr>
+            </a:gs>
+            <a:gs pos="100000">
+              <a:schemeClr val="phClr">
+                <a:tint val="50000"/>
+                <a:shade val="100000"/>
+                <a:satMod val="350000"/>
+              </a:schemeClr>
+            </a:gs>
+          </a:gsLst>
+          <a:lin ang="16200000" scaled="0"/>
+        </a:gradFill>
+      </a:fillStyleLst>
+      <a:lnStyleLst>
+        <a:ln w="9525" cap="flat" cmpd="sng" algn="ctr">
+          <a:solidFill>
+            <a:schemeClr val="phClr">
+              <a:shade val="95000"/>
+              <a:satMod val="105000"/>
+            </a:schemeClr>
+          </a:solidFill>
+          <a:prstDash val="solid"/>
+        </a:ln>
+        <a:ln w="25400" cap="flat" cmpd="sng" algn="ctr">
+          <a:solidFill>
+            <a:schemeClr val="phClr"/>
+          </a:solidFill>
+          <a:prstDash val="solid"/>
+        </a:ln>
+        <a:ln w="38100" cap="flat" cmpd="sng" algn="ctr">
+          <a:solidFill>
+            <a:schemeClr val="phClr"/>
+          </a:solidFill>
+          <a:prstDash val="solid"/>
+        </a:ln>
+      </a:lnStyleLst>
+      <a:effectStyleLst>
+        <a:effectStyle>
+          <a:effectLst>
+            <a:outerShdw blurRad="40000" dist="20000" dir="5400000" rotWithShape="0">
+              <a:srgbClr val="000000">
+                <a:alpha val="38000"/>
+              </a:srgbClr>
+            </a:outerShdw>
+          </a:effectLst>
+        </a:effectStyle>
+        <a:effectStyle>
+          <a:effectLst>
+            <a:outerShdw blurRad="40000" dist="23000" dir="5400000" rotWithShape="0">
+              <a:srgbClr val="000000">
+                <a:alpha val="35000"/>
+              </a:srgbClr>
+            </a:outerShdw>
+          </a:effectLst>
+        </a:effectStyle>
+        <a:effectStyle>
+          <a:effectLst>
+            <a:outerShdw blurRad="40000" dist="23000" dir="5400000" rotWithShape="0">
+              <a:srgbClr val="000000">
+                <a:alpha val="35000"/>
+              </a:srgbClr>
+            </a:outerShdw>
+          </a:effectLst>
+          <a:scene3d>
+            <a:camera prst="orthographicFront">
+              <a:rot lat="0" lon="0" rev="0"/>
+            </a:camera>
+            <a:lightRig rig="threePt" dir="t">
+              <a:rot lat="0" lon="0" rev="1200000"/>
+            </a:lightRig>
+          </a:scene3d>
+          <a:sp3d>
+            <a:bevelT w="63500" h="25400"/>
+          </a:sp3d>
+        </a:effectStyle>
+      </a:effectStyleLst>
+      <a:bgFillStyleLst>
+        <a:solidFill>
+          <a:schemeClr val="phClr"/>
+        </a:solidFill>
+        <a:gradFill rotWithShape="1">
+          <a:gsLst>
+            <a:gs pos="0">
+              <a:schemeClr val="phClr">
+                <a:tint val="40000"/>
+                <a:satMod val="350000"/>
+              </a:schemeClr>
+            </a:gs>
+            <a:gs pos="40000">
+              <a:schemeClr val="phClr">
+                <a:tint val="45000"/>
+                <a:shade val="99000"/>
+                <a:satMod val="350000"/>
+              </a:schemeClr>
+            </a:gs>
+            <a:gs pos="100000">
+              <a:schemeClr val="phClr">
+                <a:shade val="20000"/>
+                <a:satMod val="255000"/>
+              </a:schemeClr>
+            </a:gs>
+          </a:gsLst>
+          <a:path path="circle">
+            <a:fillToRect l="50000" t="-80000" r="50000" b="180000"/>
+          </a:path>
+        </a:gradFill>
+        <a:gradFill rotWithShape="1">
+          <a:gsLst>
+            <a:gs pos="0">
+              <a:schemeClr val="phClr">
+                <a:tint val="80000"/>
+                <a:satMod val="300000"/>
+              </a:schemeClr>
+            </a:gs>
+            <a:gs pos="100000">
+              <a:schemeClr val="phClr">
+                <a:shade val="30000"/>
+                <a:satMod val="200000"/>
+              </a:schemeClr>
+            </a:gs>
+          </a:gsLst>
+          <a:path path="circle">
+            <a:fillToRect l="50000" t="50000" r="50000" b="50000"/>
+          </a:path>
+        </a:gradFill>
+      </a:bgFillStyleLst>
+    </a:fmtScheme>
+  </a:themeElements>
+</a:theme>
+</file>
+
+<file path=ppt/theme/theme2.xml><?xml version="1.0" encoding="utf-8"?>
 <a:theme xmlns:a="http://schemas.openxmlformats.org/drawingml/2006/main" xmlns:r="http://schemas.openxmlformats.org/officeDocument/2006/relationships" name="AMOS Slides Template">
   <a:themeElements>
     <a:clrScheme name="Simple Light">
@@ -21926,283 +22721,4 @@
     </a:fmtScheme>
   </a:themeElements>
 </a:theme>
-</file>
-
-<file path=ppt/theme/theme2.xml><?xml version="1.0" encoding="utf-8"?>
-<a:theme xmlns:a="http://schemas.openxmlformats.org/drawingml/2006/main" xmlns:r="http://schemas.openxmlformats.org/officeDocument/2006/relationships">
-  <a:themeElements>
-    <a:clrScheme name="Default">
-      <a:dk1>
-        <a:srgbClr val="000000"/>
-      </a:dk1>
-      <a:lt1>
-        <a:srgbClr val="FFFFFF"/>
-      </a:lt1>
-      <a:dk2>
-        <a:srgbClr val="158158"/>
-      </a:dk2>
-      <a:lt2>
-        <a:srgbClr val="F3F3F3"/>
-      </a:lt2>
-      <a:accent1>
-        <a:srgbClr val="058DC7"/>
-      </a:accent1>
-      <a:accent2>
-        <a:srgbClr val="50B432"/>
-      </a:accent2>
-      <a:accent3>
-        <a:srgbClr val="ED561B"/>
-      </a:accent3>
-      <a:accent4>
-        <a:srgbClr val="EDEF00"/>
-      </a:accent4>
-      <a:accent5>
-        <a:srgbClr val="24CBE5"/>
-      </a:accent5>
-      <a:accent6>
-        <a:srgbClr val="64E572"/>
-      </a:accent6>
-      <a:hlink>
-        <a:srgbClr val="2200CC"/>
-      </a:hlink>
-      <a:folHlink>
-        <a:srgbClr val="551A8B"/>
-      </a:folHlink>
-    </a:clrScheme>
-    <a:fontScheme name="Office">
-      <a:majorFont>
-        <a:latin typeface="Arial"/>
-        <a:ea typeface=""/>
-        <a:cs typeface=""/>
-        <a:font script="Jpan" typeface="ＭＳ Ｐゴシック"/>
-        <a:font script="Hang" typeface="맑은 고딕"/>
-        <a:font script="Hans" typeface="宋体"/>
-        <a:font script="Hant" typeface="新細明體"/>
-        <a:font script="Arab" typeface="Times New Roman"/>
-        <a:font script="Hebr" typeface="Times New Roman"/>
-        <a:font script="Thai" typeface="Angsana New"/>
-        <a:font script="Ethi" typeface="Nyala"/>
-        <a:font script="Beng" typeface="Vrinda"/>
-        <a:font script="Gujr" typeface="Shruti"/>
-        <a:font script="Khmr" typeface="MoolBoran"/>
-        <a:font script="Knda" typeface="Tunga"/>
-        <a:font script="Guru" typeface="Raavi"/>
-        <a:font script="Cans" typeface="Euphemia"/>
-        <a:font script="Cher" typeface="Plantagenet Cherokee"/>
-        <a:font script="Yiii" typeface="Microsoft Yi Baiti"/>
-        <a:font script="Tibt" typeface="Microsoft Himalaya"/>
-        <a:font script="Thaa" typeface="MV Boli"/>
-        <a:font script="Deva" typeface="Mangal"/>
-        <a:font script="Telu" typeface="Gautami"/>
-        <a:font script="Taml" typeface="Latha"/>
-        <a:font script="Syrc" typeface="Estrangelo Edessa"/>
-        <a:font script="Orya" typeface="Kalinga"/>
-        <a:font script="Mlym" typeface="Kartika"/>
-        <a:font script="Laoo" typeface="DokChampa"/>
-        <a:font script="Sinh" typeface="Iskoola Pota"/>
-        <a:font script="Mong" typeface="Mongolian Baiti"/>
-        <a:font script="Viet" typeface="Times New Roman"/>
-        <a:font script="Uigh" typeface="Microsoft Uighur"/>
-        <a:font script="Geor" typeface="Sylfaen"/>
-      </a:majorFont>
-      <a:minorFont>
-        <a:latin typeface="Arial"/>
-        <a:ea typeface=""/>
-        <a:cs typeface=""/>
-        <a:font script="Jpan" typeface="ＭＳ Ｐゴシック"/>
-        <a:font script="Hang" typeface="맑은 고딕"/>
-        <a:font script="Hans" typeface="宋体"/>
-        <a:font script="Hant" typeface="新細明體"/>
-        <a:font script="Arab" typeface="Arial"/>
-        <a:font script="Hebr" typeface="Arial"/>
-        <a:font script="Thai" typeface="Cordia New"/>
-        <a:font script="Ethi" typeface="Nyala"/>
-        <a:font script="Beng" typeface="Vrinda"/>
-        <a:font script="Gujr" typeface="Shruti"/>
-        <a:font script="Khmr" typeface="DaunPenh"/>
-        <a:font script="Knda" typeface="Tunga"/>
-        <a:font script="Guru" typeface="Raavi"/>
-        <a:font script="Cans" typeface="Euphemia"/>
-        <a:font script="Cher" typeface="Plantagenet Cherokee"/>
-        <a:font script="Yiii" typeface="Microsoft Yi Baiti"/>
-        <a:font script="Tibt" typeface="Microsoft Himalaya"/>
-        <a:font script="Thaa" typeface="MV Boli"/>
-        <a:font script="Deva" typeface="Mangal"/>
-        <a:font script="Telu" typeface="Gautami"/>
-        <a:font script="Taml" typeface="Latha"/>
-        <a:font script="Syrc" typeface="Estrangelo Edessa"/>
-        <a:font script="Orya" typeface="Kalinga"/>
-        <a:font script="Mlym" typeface="Kartika"/>
-        <a:font script="Laoo" typeface="DokChampa"/>
-        <a:font script="Sinh" typeface="Iskoola Pota"/>
-        <a:font script="Mong" typeface="Mongolian Baiti"/>
-        <a:font script="Viet" typeface="Arial"/>
-        <a:font script="Uigh" typeface="Microsoft Uighur"/>
-        <a:font script="Geor" typeface="Sylfaen"/>
-      </a:minorFont>
-    </a:fontScheme>
-    <a:fmtScheme name="Office">
-      <a:fillStyleLst>
-        <a:solidFill>
-          <a:schemeClr val="phClr"/>
-        </a:solidFill>
-        <a:gradFill rotWithShape="1">
-          <a:gsLst>
-            <a:gs pos="0">
-              <a:schemeClr val="phClr">
-                <a:tint val="50000"/>
-                <a:satMod val="300000"/>
-              </a:schemeClr>
-            </a:gs>
-            <a:gs pos="35000">
-              <a:schemeClr val="phClr">
-                <a:tint val="37000"/>
-                <a:satMod val="300000"/>
-              </a:schemeClr>
-            </a:gs>
-            <a:gs pos="100000">
-              <a:schemeClr val="phClr">
-                <a:tint val="15000"/>
-                <a:satMod val="350000"/>
-              </a:schemeClr>
-            </a:gs>
-          </a:gsLst>
-          <a:lin ang="16200000" scaled="1"/>
-        </a:gradFill>
-        <a:gradFill rotWithShape="1">
-          <a:gsLst>
-            <a:gs pos="0">
-              <a:schemeClr val="phClr">
-                <a:tint val="100000"/>
-                <a:shade val="100000"/>
-                <a:satMod val="130000"/>
-              </a:schemeClr>
-            </a:gs>
-            <a:gs pos="100000">
-              <a:schemeClr val="phClr">
-                <a:tint val="50000"/>
-                <a:shade val="100000"/>
-                <a:satMod val="350000"/>
-              </a:schemeClr>
-            </a:gs>
-          </a:gsLst>
-          <a:lin ang="16200000" scaled="0"/>
-        </a:gradFill>
-      </a:fillStyleLst>
-      <a:lnStyleLst>
-        <a:ln w="9525" cap="flat" cmpd="sng" algn="ctr">
-          <a:solidFill>
-            <a:schemeClr val="phClr">
-              <a:shade val="95000"/>
-              <a:satMod val="105000"/>
-            </a:schemeClr>
-          </a:solidFill>
-          <a:prstDash val="solid"/>
-        </a:ln>
-        <a:ln w="25400" cap="flat" cmpd="sng" algn="ctr">
-          <a:solidFill>
-            <a:schemeClr val="phClr"/>
-          </a:solidFill>
-          <a:prstDash val="solid"/>
-        </a:ln>
-        <a:ln w="38100" cap="flat" cmpd="sng" algn="ctr">
-          <a:solidFill>
-            <a:schemeClr val="phClr"/>
-          </a:solidFill>
-          <a:prstDash val="solid"/>
-        </a:ln>
-      </a:lnStyleLst>
-      <a:effectStyleLst>
-        <a:effectStyle>
-          <a:effectLst>
-            <a:outerShdw blurRad="40000" dist="20000" dir="5400000" rotWithShape="0">
-              <a:srgbClr val="000000">
-                <a:alpha val="38000"/>
-              </a:srgbClr>
-            </a:outerShdw>
-          </a:effectLst>
-        </a:effectStyle>
-        <a:effectStyle>
-          <a:effectLst>
-            <a:outerShdw blurRad="40000" dist="23000" dir="5400000" rotWithShape="0">
-              <a:srgbClr val="000000">
-                <a:alpha val="35000"/>
-              </a:srgbClr>
-            </a:outerShdw>
-          </a:effectLst>
-        </a:effectStyle>
-        <a:effectStyle>
-          <a:effectLst>
-            <a:outerShdw blurRad="40000" dist="23000" dir="5400000" rotWithShape="0">
-              <a:srgbClr val="000000">
-                <a:alpha val="35000"/>
-              </a:srgbClr>
-            </a:outerShdw>
-          </a:effectLst>
-          <a:scene3d>
-            <a:camera prst="orthographicFront">
-              <a:rot lat="0" lon="0" rev="0"/>
-            </a:camera>
-            <a:lightRig rig="threePt" dir="t">
-              <a:rot lat="0" lon="0" rev="1200000"/>
-            </a:lightRig>
-          </a:scene3d>
-          <a:sp3d>
-            <a:bevelT w="63500" h="25400"/>
-          </a:sp3d>
-        </a:effectStyle>
-      </a:effectStyleLst>
-      <a:bgFillStyleLst>
-        <a:solidFill>
-          <a:schemeClr val="phClr"/>
-        </a:solidFill>
-        <a:gradFill rotWithShape="1">
-          <a:gsLst>
-            <a:gs pos="0">
-              <a:schemeClr val="phClr">
-                <a:tint val="40000"/>
-                <a:satMod val="350000"/>
-              </a:schemeClr>
-            </a:gs>
-            <a:gs pos="40000">
-              <a:schemeClr val="phClr">
-                <a:tint val="45000"/>
-                <a:shade val="99000"/>
-                <a:satMod val="350000"/>
-              </a:schemeClr>
-            </a:gs>
-            <a:gs pos="100000">
-              <a:schemeClr val="phClr">
-                <a:shade val="20000"/>
-                <a:satMod val="255000"/>
-              </a:schemeClr>
-            </a:gs>
-          </a:gsLst>
-          <a:path path="circle">
-            <a:fillToRect l="50000" t="-80000" r="50000" b="180000"/>
-          </a:path>
-        </a:gradFill>
-        <a:gradFill rotWithShape="1">
-          <a:gsLst>
-            <a:gs pos="0">
-              <a:schemeClr val="phClr">
-                <a:tint val="80000"/>
-                <a:satMod val="300000"/>
-              </a:schemeClr>
-            </a:gs>
-            <a:gs pos="100000">
-              <a:schemeClr val="phClr">
-                <a:shade val="30000"/>
-                <a:satMod val="200000"/>
-              </a:schemeClr>
-            </a:gs>
-          </a:gsLst>
-          <a:path path="circle">
-            <a:fillToRect l="50000" t="50000" r="50000" b="50000"/>
-          </a:path>
-        </a:gradFill>
-      </a:bgFillStyleLst>
-    </a:fmtScheme>
-  </a:themeElements>
-</a:theme>
 </file>
--- a/Lecture slides/AMOS B02 - Scrum and AMOS.pptx
+++ b/Lecture slides/AMOS B02 - Scrum and AMOS.pptx
@@ -2714,7 +2714,7 @@
   <p:cSld>
     <p:spTree>
       <p:nvGrpSpPr>
-        <p:cNvPr id="233" name="Shape 233"/>
+        <p:cNvPr id="232" name="Shape 232"/>
         <p:cNvGrpSpPr/>
         <p:nvPr/>
       </p:nvGrpSpPr>
@@ -2728,7 +2728,7 @@
       </p:grpSpPr>
       <p:sp>
         <p:nvSpPr>
-          <p:cNvPr id="234" name="Google Shape;234;g22c6355d619_0_159:notes"/>
+          <p:cNvPr id="233" name="Google Shape;233;g22c6355d619_0_159:notes"/>
           <p:cNvSpPr/>
           <p:nvPr>
             <p:ph idx="2" type="sldImg"/>
@@ -2763,7 +2763,7 @@
       </p:sp>
       <p:sp>
         <p:nvSpPr>
-          <p:cNvPr id="235" name="Google Shape;235;g22c6355d619_0_159:notes"/>
+          <p:cNvPr id="234" name="Google Shape;234;g22c6355d619_0_159:notes"/>
           <p:cNvSpPr txBox="1"/>
           <p:nvPr>
             <p:ph idx="1" type="body"/>
@@ -2813,7 +2813,7 @@
   <p:cSld>
     <p:spTree>
       <p:nvGrpSpPr>
-        <p:cNvPr id="241" name="Shape 241"/>
+        <p:cNvPr id="240" name="Shape 240"/>
         <p:cNvGrpSpPr/>
         <p:nvPr/>
       </p:nvGrpSpPr>
@@ -2827,7 +2827,7 @@
       </p:grpSpPr>
       <p:sp>
         <p:nvSpPr>
-          <p:cNvPr id="242" name="Google Shape;242;g22c6355d619_0_226:notes"/>
+          <p:cNvPr id="241" name="Google Shape;241;g22c6355d619_0_226:notes"/>
           <p:cNvSpPr/>
           <p:nvPr>
             <p:ph idx="2" type="sldImg"/>
@@ -2862,7 +2862,7 @@
       </p:sp>
       <p:sp>
         <p:nvSpPr>
-          <p:cNvPr id="243" name="Google Shape;243;g22c6355d619_0_226:notes"/>
+          <p:cNvPr id="242" name="Google Shape;242;g22c6355d619_0_226:notes"/>
           <p:cNvSpPr txBox="1"/>
           <p:nvPr>
             <p:ph idx="1" type="body"/>
@@ -3011,7 +3011,7 @@
   <p:cSld>
     <p:spTree>
       <p:nvGrpSpPr>
-        <p:cNvPr id="248" name="Shape 248"/>
+        <p:cNvPr id="247" name="Shape 247"/>
         <p:cNvGrpSpPr/>
         <p:nvPr/>
       </p:nvGrpSpPr>
@@ -3025,7 +3025,7 @@
       </p:grpSpPr>
       <p:sp>
         <p:nvSpPr>
-          <p:cNvPr id="249" name="Google Shape;249;g22c6355d619_0_232:notes"/>
+          <p:cNvPr id="248" name="Google Shape;248;g22c6355d619_0_232:notes"/>
           <p:cNvSpPr/>
           <p:nvPr>
             <p:ph idx="2" type="sldImg"/>
@@ -3060,7 +3060,7 @@
       </p:sp>
       <p:sp>
         <p:nvSpPr>
-          <p:cNvPr id="250" name="Google Shape;250;g22c6355d619_0_232:notes"/>
+          <p:cNvPr id="249" name="Google Shape;249;g22c6355d619_0_232:notes"/>
           <p:cNvSpPr txBox="1"/>
           <p:nvPr>
             <p:ph idx="1" type="body"/>
@@ -3110,7 +3110,7 @@
   <p:cSld>
     <p:spTree>
       <p:nvGrpSpPr>
-        <p:cNvPr id="255" name="Shape 255"/>
+        <p:cNvPr id="254" name="Shape 254"/>
         <p:cNvGrpSpPr/>
         <p:nvPr/>
       </p:nvGrpSpPr>
@@ -3124,7 +3124,7 @@
       </p:grpSpPr>
       <p:sp>
         <p:nvSpPr>
-          <p:cNvPr id="256" name="Google Shape;256;g22c6355d619_0_165:notes"/>
+          <p:cNvPr id="255" name="Google Shape;255;g22c6355d619_0_165:notes"/>
           <p:cNvSpPr/>
           <p:nvPr>
             <p:ph idx="2" type="sldImg"/>
@@ -3159,7 +3159,7 @@
       </p:sp>
       <p:sp>
         <p:nvSpPr>
-          <p:cNvPr id="257" name="Google Shape;257;g22c6355d619_0_165:notes"/>
+          <p:cNvPr id="256" name="Google Shape;256;g22c6355d619_0_165:notes"/>
           <p:cNvSpPr txBox="1"/>
           <p:nvPr>
             <p:ph idx="1" type="body"/>
@@ -3209,7 +3209,7 @@
   <p:cSld>
     <p:spTree>
       <p:nvGrpSpPr>
-        <p:cNvPr id="262" name="Shape 262"/>
+        <p:cNvPr id="261" name="Shape 261"/>
         <p:cNvGrpSpPr/>
         <p:nvPr/>
       </p:nvGrpSpPr>
@@ -3223,7 +3223,7 @@
       </p:grpSpPr>
       <p:sp>
         <p:nvSpPr>
-          <p:cNvPr id="263" name="Google Shape;263;g22c6355d619_0_75:notes"/>
+          <p:cNvPr id="262" name="Google Shape;262;g22c6355d619_0_75:notes"/>
           <p:cNvSpPr/>
           <p:nvPr>
             <p:ph idx="2" type="sldImg"/>
@@ -3258,7 +3258,7 @@
       </p:sp>
       <p:sp>
         <p:nvSpPr>
-          <p:cNvPr id="264" name="Google Shape;264;g22c6355d619_0_75:notes"/>
+          <p:cNvPr id="263" name="Google Shape;263;g22c6355d619_0_75:notes"/>
           <p:cNvSpPr txBox="1"/>
           <p:nvPr>
             <p:ph idx="1" type="body"/>
@@ -3308,7 +3308,7 @@
   <p:cSld>
     <p:spTree>
       <p:nvGrpSpPr>
-        <p:cNvPr id="267" name="Shape 267"/>
+        <p:cNvPr id="266" name="Shape 266"/>
         <p:cNvGrpSpPr/>
         <p:nvPr/>
       </p:nvGrpSpPr>
@@ -3322,7 +3322,7 @@
       </p:grpSpPr>
       <p:sp>
         <p:nvSpPr>
-          <p:cNvPr id="268" name="Google Shape;268;g22c6355d619_0_238:notes"/>
+          <p:cNvPr id="267" name="Google Shape;267;g22c6355d619_0_238:notes"/>
           <p:cNvSpPr/>
           <p:nvPr>
             <p:ph idx="2" type="sldImg"/>
@@ -3357,7 +3357,7 @@
       </p:sp>
       <p:sp>
         <p:nvSpPr>
-          <p:cNvPr id="269" name="Google Shape;269;g22c6355d619_0_238:notes"/>
+          <p:cNvPr id="268" name="Google Shape;268;g22c6355d619_0_238:notes"/>
           <p:cNvSpPr txBox="1"/>
           <p:nvPr>
             <p:ph idx="1" type="body"/>
@@ -3407,7 +3407,7 @@
   <p:cSld>
     <p:spTree>
       <p:nvGrpSpPr>
-        <p:cNvPr id="275" name="Shape 275"/>
+        <p:cNvPr id="274" name="Shape 274"/>
         <p:cNvGrpSpPr/>
         <p:nvPr/>
       </p:nvGrpSpPr>
@@ -3421,7 +3421,7 @@
       </p:grpSpPr>
       <p:sp>
         <p:nvSpPr>
-          <p:cNvPr id="276" name="Google Shape;276;g152a3f74d0d_0_63:notes"/>
+          <p:cNvPr id="275" name="Google Shape;275;g152a3f74d0d_0_63:notes"/>
           <p:cNvSpPr/>
           <p:nvPr>
             <p:ph idx="2" type="sldImg"/>
@@ -3456,7 +3456,7 @@
       </p:sp>
       <p:sp>
         <p:nvSpPr>
-          <p:cNvPr id="277" name="Google Shape;277;g152a3f74d0d_0_63:notes"/>
+          <p:cNvPr id="276" name="Google Shape;276;g152a3f74d0d_0_63:notes"/>
           <p:cNvSpPr txBox="1"/>
           <p:nvPr>
             <p:ph idx="1" type="body"/>
@@ -3506,7 +3506,7 @@
   <p:cSld>
     <p:spTree>
       <p:nvGrpSpPr>
-        <p:cNvPr id="283" name="Shape 283"/>
+        <p:cNvPr id="282" name="Shape 282"/>
         <p:cNvGrpSpPr/>
         <p:nvPr/>
       </p:nvGrpSpPr>
@@ -3520,7 +3520,7 @@
       </p:grpSpPr>
       <p:sp>
         <p:nvSpPr>
-          <p:cNvPr id="284" name="Google Shape;284;g22c6355d619_0_244:notes"/>
+          <p:cNvPr id="283" name="Google Shape;283;g22c6355d619_0_244:notes"/>
           <p:cNvSpPr/>
           <p:nvPr>
             <p:ph idx="2" type="sldImg"/>
@@ -3555,7 +3555,7 @@
       </p:sp>
       <p:sp>
         <p:nvSpPr>
-          <p:cNvPr id="285" name="Google Shape;285;g22c6355d619_0_244:notes"/>
+          <p:cNvPr id="284" name="Google Shape;284;g22c6355d619_0_244:notes"/>
           <p:cNvSpPr txBox="1"/>
           <p:nvPr>
             <p:ph idx="1" type="body"/>
@@ -3605,7 +3605,7 @@
   <p:cSld>
     <p:spTree>
       <p:nvGrpSpPr>
-        <p:cNvPr id="290" name="Shape 290"/>
+        <p:cNvPr id="289" name="Shape 289"/>
         <p:cNvGrpSpPr/>
         <p:nvPr/>
       </p:nvGrpSpPr>
@@ -3619,7 +3619,7 @@
       </p:grpSpPr>
       <p:sp>
         <p:nvSpPr>
-          <p:cNvPr id="291" name="Google Shape;291;g152a3f74d0d_0_28:notes"/>
+          <p:cNvPr id="290" name="Google Shape;290;g152a3f74d0d_0_28:notes"/>
           <p:cNvSpPr/>
           <p:nvPr>
             <p:ph idx="2" type="sldImg"/>
@@ -3654,7 +3654,7 @@
       </p:sp>
       <p:sp>
         <p:nvSpPr>
-          <p:cNvPr id="292" name="Google Shape;292;g152a3f74d0d_0_28:notes"/>
+          <p:cNvPr id="291" name="Google Shape;291;g152a3f74d0d_0_28:notes"/>
           <p:cNvSpPr txBox="1"/>
           <p:nvPr>
             <p:ph idx="1" type="body"/>
@@ -3704,7 +3704,7 @@
   <p:cSld>
     <p:spTree>
       <p:nvGrpSpPr>
-        <p:cNvPr id="295" name="Shape 295"/>
+        <p:cNvPr id="294" name="Shape 294"/>
         <p:cNvGrpSpPr/>
         <p:nvPr/>
       </p:nvGrpSpPr>
@@ -3718,7 +3718,7 @@
       </p:grpSpPr>
       <p:sp>
         <p:nvSpPr>
-          <p:cNvPr id="296" name="Google Shape;296;g22c6355d619_0_0:notes"/>
+          <p:cNvPr id="295" name="Google Shape;295;g22c6355d619_0_0:notes"/>
           <p:cNvSpPr/>
           <p:nvPr>
             <p:ph idx="2" type="sldImg"/>
@@ -3753,7 +3753,7 @@
       </p:sp>
       <p:sp>
         <p:nvSpPr>
-          <p:cNvPr id="297" name="Google Shape;297;g22c6355d619_0_0:notes"/>
+          <p:cNvPr id="296" name="Google Shape;296;g22c6355d619_0_0:notes"/>
           <p:cNvSpPr txBox="1"/>
           <p:nvPr>
             <p:ph idx="1" type="body"/>
@@ -3803,7 +3803,7 @@
   <p:cSld>
     <p:spTree>
       <p:nvGrpSpPr>
-        <p:cNvPr id="302" name="Shape 302"/>
+        <p:cNvPr id="301" name="Shape 301"/>
         <p:cNvGrpSpPr/>
         <p:nvPr/>
       </p:nvGrpSpPr>
@@ -3817,7 +3817,7 @@
       </p:grpSpPr>
       <p:sp>
         <p:nvSpPr>
-          <p:cNvPr id="303" name="Google Shape;303;g31390bb5a5a_0_9:notes"/>
+          <p:cNvPr id="302" name="Google Shape;302;g31390bb5a5a_0_9:notes"/>
           <p:cNvSpPr/>
           <p:nvPr>
             <p:ph idx="2" type="sldImg"/>
@@ -3852,7 +3852,7 @@
       </p:sp>
       <p:sp>
         <p:nvSpPr>
-          <p:cNvPr id="304" name="Google Shape;304;g31390bb5a5a_0_9:notes"/>
+          <p:cNvPr id="303" name="Google Shape;303;g31390bb5a5a_0_9:notes"/>
           <p:cNvSpPr txBox="1"/>
           <p:nvPr>
             <p:ph idx="1" type="body"/>
@@ -3902,7 +3902,7 @@
   <p:cSld>
     <p:spTree>
       <p:nvGrpSpPr>
-        <p:cNvPr id="309" name="Shape 309"/>
+        <p:cNvPr id="308" name="Shape 308"/>
         <p:cNvGrpSpPr/>
         <p:nvPr/>
       </p:nvGrpSpPr>
@@ -3916,7 +3916,7 @@
       </p:grpSpPr>
       <p:sp>
         <p:nvSpPr>
-          <p:cNvPr id="310" name="Google Shape;310;g31390bb5a5a_0_15:notes"/>
+          <p:cNvPr id="309" name="Google Shape;309;g31390bb5a5a_0_15:notes"/>
           <p:cNvSpPr/>
           <p:nvPr>
             <p:ph idx="2" type="sldImg"/>
@@ -3951,7 +3951,7 @@
       </p:sp>
       <p:sp>
         <p:nvSpPr>
-          <p:cNvPr id="311" name="Google Shape;311;g31390bb5a5a_0_15:notes"/>
+          <p:cNvPr id="310" name="Google Shape;310;g31390bb5a5a_0_15:notes"/>
           <p:cNvSpPr txBox="1"/>
           <p:nvPr>
             <p:ph idx="1" type="body"/>
@@ -4100,7 +4100,7 @@
   <p:cSld>
     <p:spTree>
       <p:nvGrpSpPr>
-        <p:cNvPr id="316" name="Shape 316"/>
+        <p:cNvPr id="315" name="Shape 315"/>
         <p:cNvGrpSpPr/>
         <p:nvPr/>
       </p:nvGrpSpPr>
@@ -4114,7 +4114,7 @@
       </p:grpSpPr>
       <p:sp>
         <p:nvSpPr>
-          <p:cNvPr id="317" name="Google Shape;317;g31390bb5a5a_0_21:notes"/>
+          <p:cNvPr id="316" name="Google Shape;316;g31390bb5a5a_0_21:notes"/>
           <p:cNvSpPr/>
           <p:nvPr>
             <p:ph idx="2" type="sldImg"/>
@@ -4149,7 +4149,7 @@
       </p:sp>
       <p:sp>
         <p:nvSpPr>
-          <p:cNvPr id="318" name="Google Shape;318;g31390bb5a5a_0_21:notes"/>
+          <p:cNvPr id="317" name="Google Shape;317;g31390bb5a5a_0_21:notes"/>
           <p:cNvSpPr txBox="1"/>
           <p:nvPr>
             <p:ph idx="1" type="body"/>
@@ -4199,7 +4199,7 @@
   <p:cSld>
     <p:spTree>
       <p:nvGrpSpPr>
-        <p:cNvPr id="323" name="Shape 323"/>
+        <p:cNvPr id="322" name="Shape 322"/>
         <p:cNvGrpSpPr/>
         <p:nvPr/>
       </p:nvGrpSpPr>
@@ -4213,7 +4213,7 @@
       </p:grpSpPr>
       <p:sp>
         <p:nvSpPr>
-          <p:cNvPr id="324" name="Google Shape;324;g152a3f74d0d_0_57:notes"/>
+          <p:cNvPr id="323" name="Google Shape;323;g152a3f74d0d_0_57:notes"/>
           <p:cNvSpPr/>
           <p:nvPr>
             <p:ph idx="2" type="sldImg"/>
@@ -4248,7 +4248,7 @@
       </p:sp>
       <p:sp>
         <p:nvSpPr>
-          <p:cNvPr id="325" name="Google Shape;325;g152a3f74d0d_0_57:notes"/>
+          <p:cNvPr id="324" name="Google Shape;324;g152a3f74d0d_0_57:notes"/>
           <p:cNvSpPr txBox="1"/>
           <p:nvPr>
             <p:ph idx="1" type="body"/>
@@ -4298,7 +4298,7 @@
   <p:cSld>
     <p:spTree>
       <p:nvGrpSpPr>
-        <p:cNvPr id="330" name="Shape 330"/>
+        <p:cNvPr id="329" name="Shape 329"/>
         <p:cNvGrpSpPr/>
         <p:nvPr/>
       </p:nvGrpSpPr>
@@ -4312,7 +4312,7 @@
       </p:grpSpPr>
       <p:sp>
         <p:nvSpPr>
-          <p:cNvPr id="331" name="Google Shape;331;g22d186861df_0_1:notes"/>
+          <p:cNvPr id="330" name="Google Shape;330;g22d186861df_0_1:notes"/>
           <p:cNvSpPr/>
           <p:nvPr>
             <p:ph idx="2" type="sldImg"/>
@@ -4347,7 +4347,7 @@
       </p:sp>
       <p:sp>
         <p:nvSpPr>
-          <p:cNvPr id="332" name="Google Shape;332;g22d186861df_0_1:notes"/>
+          <p:cNvPr id="331" name="Google Shape;331;g22d186861df_0_1:notes"/>
           <p:cNvSpPr txBox="1"/>
           <p:nvPr>
             <p:ph idx="1" type="body"/>
@@ -4397,7 +4397,7 @@
   <p:cSld>
     <p:spTree>
       <p:nvGrpSpPr>
-        <p:cNvPr id="337" name="Shape 337"/>
+        <p:cNvPr id="336" name="Shape 336"/>
         <p:cNvGrpSpPr/>
         <p:nvPr/>
       </p:nvGrpSpPr>
@@ -4411,7 +4411,7 @@
       </p:grpSpPr>
       <p:sp>
         <p:nvSpPr>
-          <p:cNvPr id="338" name="Google Shape;338;g2397cb0cd5f_0_38:notes"/>
+          <p:cNvPr id="337" name="Google Shape;337;g2397cb0cd5f_0_38:notes"/>
           <p:cNvSpPr/>
           <p:nvPr>
             <p:ph idx="2" type="sldImg"/>
@@ -4446,7 +4446,7 @@
       </p:sp>
       <p:sp>
         <p:nvSpPr>
-          <p:cNvPr id="339" name="Google Shape;339;g2397cb0cd5f_0_38:notes"/>
+          <p:cNvPr id="338" name="Google Shape;338;g2397cb0cd5f_0_38:notes"/>
           <p:cNvSpPr txBox="1"/>
           <p:nvPr>
             <p:ph idx="1" type="body"/>
@@ -4496,7 +4496,7 @@
   <p:cSld>
     <p:spTree>
       <p:nvGrpSpPr>
-        <p:cNvPr id="343" name="Shape 343"/>
+        <p:cNvPr id="342" name="Shape 342"/>
         <p:cNvGrpSpPr/>
         <p:nvPr/>
       </p:nvGrpSpPr>
@@ -4510,7 +4510,7 @@
       </p:grpSpPr>
       <p:sp>
         <p:nvSpPr>
-          <p:cNvPr id="344" name="Google Shape;344;g2397cb0cd5f_0_43:notes"/>
+          <p:cNvPr id="343" name="Google Shape;343;g2397cb0cd5f_0_43:notes"/>
           <p:cNvSpPr/>
           <p:nvPr>
             <p:ph idx="2" type="sldImg"/>
@@ -4545,7 +4545,7 @@
       </p:sp>
       <p:sp>
         <p:nvSpPr>
-          <p:cNvPr id="345" name="Google Shape;345;g2397cb0cd5f_0_43:notes"/>
+          <p:cNvPr id="344" name="Google Shape;344;g2397cb0cd5f_0_43:notes"/>
           <p:cNvSpPr txBox="1"/>
           <p:nvPr>
             <p:ph idx="1" type="body"/>
@@ -8424,7 +8424,7 @@
             </a:pPr>
             <a:r>
               <a:rPr lang="en"/>
-              <a:t>Dirk Riehle, Univ. Erlangen</a:t>
+              <a:t>Dirk Riehle, FAU Erlangen</a:t>
             </a:r>
             <a:endParaRPr/>
           </a:p>
@@ -13515,7 +13515,7 @@
             <a:tbl>
               <a:tblPr>
                 <a:noFill/>
-                <a:tableStyleId>{A0274600-64A6-4B55-B427-73DCBFC03AB0}</a:tableStyleId>
+                <a:tableStyleId>{9493ED4C-9E21-4E13-865B-69EB0BF473B9}</a:tableStyleId>
               </a:tblPr>
               <a:tblGrid>
                 <a:gridCol w="2057400"/>
@@ -14612,7 +14612,7 @@
             </a:pPr>
             <a:r>
               <a:rPr lang="en"/>
-              <a:t>Sprint Planning with Planning Poker [1]</a:t>
+              <a:t>Sprint Planning with Planning Poker</a:t>
             </a:r>
             <a:endParaRPr/>
           </a:p>
@@ -14683,69 +14683,14 @@
           </a:p>
         </p:txBody>
       </p:sp>
-      <p:sp>
-        <p:nvSpPr>
-          <p:cNvPr id="231" name="Google Shape;231;p34"/>
-          <p:cNvSpPr txBox="1"/>
-          <p:nvPr/>
-        </p:nvSpPr>
-        <p:spPr>
-          <a:xfrm>
-            <a:off x="0" y="4233672"/>
-            <a:ext cx="7315200" cy="914400"/>
-          </a:xfrm>
-          <a:prstGeom prst="rect">
-            <a:avLst/>
-          </a:prstGeom>
-          <a:noFill/>
-          <a:ln>
-            <a:noFill/>
-          </a:ln>
-        </p:spPr>
-        <p:txBody>
-          <a:bodyPr anchorCtr="0" anchor="b" bIns="91425" lIns="91425" spcFirstLastPara="1" rIns="91425" wrap="square" tIns="91425">
-            <a:noAutofit/>
-          </a:bodyPr>
-          <a:lstStyle/>
-          <a:p>
-            <a:pPr indent="0" lvl="0" marL="0" rtl="0" algn="l">
-              <a:spcBef>
-                <a:spcPts val="0"/>
-              </a:spcBef>
-              <a:spcAft>
-                <a:spcPts val="0"/>
-              </a:spcAft>
-              <a:buNone/>
-            </a:pPr>
-            <a:r>
-              <a:rPr lang="en"/>
-              <a:t>[1] A </a:t>
-            </a:r>
-            <a:r>
-              <a:rPr lang="en" u="sng">
-                <a:solidFill>
-                  <a:schemeClr val="hlink"/>
-                </a:solidFill>
-                <a:hlinkClick r:id="rId4"/>
-              </a:rPr>
-              <a:t>simple planning poker cards replacement</a:t>
-            </a:r>
-            <a:r>
-              <a:rPr lang="en"/>
-              <a:t> can be found in your planning document</a:t>
-            </a:r>
-            <a:endParaRPr/>
-          </a:p>
-        </p:txBody>
-      </p:sp>
       <p:pic>
         <p:nvPicPr>
-          <p:cNvPr id="232" name="Google Shape;232;p34"/>
+          <p:cNvPr id="231" name="Google Shape;231;p34"/>
           <p:cNvPicPr preferRelativeResize="0"/>
           <p:nvPr/>
         </p:nvPicPr>
         <p:blipFill>
-          <a:blip r:embed="rId5">
+          <a:blip r:embed="rId4">
             <a:alphaModFix/>
           </a:blip>
           <a:stretch>
@@ -14779,7 +14724,7 @@
   <p:cSld>
     <p:spTree>
       <p:nvGrpSpPr>
-        <p:cNvPr id="236" name="Shape 236"/>
+        <p:cNvPr id="235" name="Shape 235"/>
         <p:cNvGrpSpPr/>
         <p:nvPr/>
       </p:nvGrpSpPr>
@@ -14793,7 +14738,7 @@
       </p:grpSpPr>
       <p:sp>
         <p:nvSpPr>
-          <p:cNvPr id="237" name="Google Shape;237;p35"/>
+          <p:cNvPr id="236" name="Google Shape;236;p35"/>
           <p:cNvSpPr txBox="1"/>
           <p:nvPr>
             <p:ph type="title"/>
@@ -14833,7 +14778,7 @@
       </p:sp>
       <p:sp>
         <p:nvSpPr>
-          <p:cNvPr id="238" name="Google Shape;238;p35"/>
+          <p:cNvPr id="237" name="Google Shape;237;p35"/>
           <p:cNvSpPr txBox="1"/>
           <p:nvPr>
             <p:ph idx="1" type="body"/>
@@ -14939,7 +14884,7 @@
       </p:sp>
       <p:sp>
         <p:nvSpPr>
-          <p:cNvPr id="239" name="Google Shape;239;p35"/>
+          <p:cNvPr id="238" name="Google Shape;238;p35"/>
           <p:cNvSpPr txBox="1"/>
           <p:nvPr>
             <p:ph idx="12" type="sldNum"/>
@@ -15004,7 +14949,7 @@
       </p:sp>
       <p:pic>
         <p:nvPicPr>
-          <p:cNvPr id="240" name="Google Shape;240;p35"/>
+          <p:cNvPr id="239" name="Google Shape;239;p35"/>
           <p:cNvPicPr preferRelativeResize="0"/>
           <p:nvPr/>
         </p:nvPicPr>
@@ -15043,7 +14988,7 @@
   <p:cSld>
     <p:spTree>
       <p:nvGrpSpPr>
-        <p:cNvPr id="244" name="Shape 244"/>
+        <p:cNvPr id="243" name="Shape 243"/>
         <p:cNvGrpSpPr/>
         <p:nvPr/>
       </p:nvGrpSpPr>
@@ -15057,7 +15002,7 @@
       </p:grpSpPr>
       <p:sp>
         <p:nvSpPr>
-          <p:cNvPr id="245" name="Google Shape;245;p36"/>
+          <p:cNvPr id="244" name="Google Shape;244;p36"/>
           <p:cNvSpPr txBox="1"/>
           <p:nvPr>
             <p:ph type="title"/>
@@ -15097,7 +15042,7 @@
       </p:sp>
       <p:sp>
         <p:nvSpPr>
-          <p:cNvPr id="246" name="Google Shape;246;p36"/>
+          <p:cNvPr id="245" name="Google Shape;245;p36"/>
           <p:cNvSpPr txBox="1"/>
           <p:nvPr>
             <p:ph idx="1" type="body"/>
@@ -15188,7 +15133,7 @@
       </p:sp>
       <p:sp>
         <p:nvSpPr>
-          <p:cNvPr id="247" name="Google Shape;247;p36"/>
+          <p:cNvPr id="246" name="Google Shape;246;p36"/>
           <p:cNvSpPr txBox="1"/>
           <p:nvPr>
             <p:ph idx="12" type="sldNum"/>
@@ -15571,7 +15516,7 @@
   <p:cSld>
     <p:spTree>
       <p:nvGrpSpPr>
-        <p:cNvPr id="251" name="Shape 251"/>
+        <p:cNvPr id="250" name="Shape 250"/>
         <p:cNvGrpSpPr/>
         <p:nvPr/>
       </p:nvGrpSpPr>
@@ -15585,7 +15530,7 @@
       </p:grpSpPr>
       <p:sp>
         <p:nvSpPr>
-          <p:cNvPr id="252" name="Google Shape;252;p37"/>
+          <p:cNvPr id="251" name="Google Shape;251;p37"/>
           <p:cNvSpPr txBox="1"/>
           <p:nvPr>
             <p:ph type="title"/>
@@ -15625,7 +15570,7 @@
       </p:sp>
       <p:sp>
         <p:nvSpPr>
-          <p:cNvPr id="253" name="Google Shape;253;p37"/>
+          <p:cNvPr id="252" name="Google Shape;252;p37"/>
           <p:cNvSpPr txBox="1"/>
           <p:nvPr>
             <p:ph idx="1" type="body"/>
@@ -15699,7 +15644,7 @@
       </p:sp>
       <p:sp>
         <p:nvSpPr>
-          <p:cNvPr id="254" name="Google Shape;254;p37"/>
+          <p:cNvPr id="253" name="Google Shape;253;p37"/>
           <p:cNvSpPr txBox="1"/>
           <p:nvPr>
             <p:ph idx="12" type="sldNum"/>
@@ -15775,7 +15720,7 @@
   <p:cSld>
     <p:spTree>
       <p:nvGrpSpPr>
-        <p:cNvPr id="258" name="Shape 258"/>
+        <p:cNvPr id="257" name="Shape 257"/>
         <p:cNvGrpSpPr/>
         <p:nvPr/>
       </p:nvGrpSpPr>
@@ -15789,7 +15734,7 @@
       </p:grpSpPr>
       <p:sp>
         <p:nvSpPr>
-          <p:cNvPr id="259" name="Google Shape;259;p38"/>
+          <p:cNvPr id="258" name="Google Shape;258;p38"/>
           <p:cNvSpPr txBox="1"/>
           <p:nvPr>
             <p:ph type="title"/>
@@ -15829,7 +15774,7 @@
       </p:sp>
       <p:sp>
         <p:nvSpPr>
-          <p:cNvPr id="260" name="Google Shape;260;p38"/>
+          <p:cNvPr id="259" name="Google Shape;259;p38"/>
           <p:cNvSpPr txBox="1"/>
           <p:nvPr>
             <p:ph idx="12" type="sldNum"/>
@@ -15894,7 +15839,7 @@
       </p:sp>
       <p:graphicFrame>
         <p:nvGraphicFramePr>
-          <p:cNvPr id="261" name="Google Shape;261;p38"/>
+          <p:cNvPr id="260" name="Google Shape;260;p38"/>
           <p:cNvGraphicFramePr/>
           <p:nvPr/>
         </p:nvGraphicFramePr>
@@ -15907,7 +15852,7 @@
             <a:tbl>
               <a:tblPr>
                 <a:noFill/>
-                <a:tableStyleId>{A0274600-64A6-4B55-B427-73DCBFC03AB0}</a:tableStyleId>
+                <a:tableStyleId>{9493ED4C-9E21-4E13-865B-69EB0BF473B9}</a:tableStyleId>
               </a:tblPr>
               <a:tblGrid>
                 <a:gridCol w="638675"/>
@@ -16145,10 +16090,10 @@
                         <a:buNone/>
                       </a:pPr>
                       <a:r>
-                        <a:rPr lang="en"/>
+                        <a:rPr lang="en" sz="1200"/>
                         <a:t>1</a:t>
                       </a:r>
-                      <a:endParaRPr/>
+                      <a:endParaRPr sz="1200"/>
                     </a:p>
                   </a:txBody>
                   <a:tcPr marT="91425" marB="91425" marR="91425" marL="91425" anchor="ctr">
@@ -16205,10 +16150,10 @@
                         <a:buNone/>
                       </a:pPr>
                       <a:r>
-                        <a:rPr lang="en"/>
+                        <a:rPr lang="en" sz="1200"/>
                         <a:t>Meeting preparation</a:t>
                       </a:r>
-                      <a:endParaRPr/>
+                      <a:endParaRPr sz="1200"/>
                     </a:p>
                   </a:txBody>
                   <a:tcPr marT="91425" marB="91425" marR="91425" marL="91425" anchor="ctr">
@@ -16265,10 +16210,10 @@
                         <a:buNone/>
                       </a:pPr>
                       <a:r>
-                        <a:rPr lang="en"/>
+                        <a:rPr lang="en" sz="1200"/>
                         <a:t>-</a:t>
                       </a:r>
-                      <a:endParaRPr/>
+                      <a:endParaRPr sz="1200"/>
                     </a:p>
                   </a:txBody>
                   <a:tcPr marT="91425" marB="91425" marR="91425" marL="91425" anchor="ctr">
@@ -16327,10 +16272,10 @@
                         <a:buNone/>
                       </a:pPr>
                       <a:r>
-                        <a:rPr lang="en"/>
+                        <a:rPr lang="en" sz="1200"/>
                         <a:t>2</a:t>
                       </a:r>
-                      <a:endParaRPr/>
+                      <a:endParaRPr sz="1200"/>
                     </a:p>
                   </a:txBody>
                   <a:tcPr marT="91425" marB="91425" marR="91425" marL="91425" anchor="ctr">
@@ -16390,10 +16335,10 @@
                         <a:buNone/>
                       </a:pPr>
                       <a:r>
-                        <a:rPr lang="en"/>
+                        <a:rPr lang="en" sz="1200"/>
                         <a:t>Sprint review</a:t>
                       </a:r>
-                      <a:endParaRPr/>
+                      <a:endParaRPr sz="1200"/>
                     </a:p>
                   </a:txBody>
                   <a:tcPr marT="91425" marB="91425" marR="91425" marL="91425" anchor="ctr">
@@ -16453,10 +16398,10 @@
                         <a:buNone/>
                       </a:pPr>
                       <a:r>
-                        <a:rPr lang="en"/>
+                        <a:rPr lang="en" sz="1200"/>
                         <a:t>~35%</a:t>
                       </a:r>
-                      <a:endParaRPr/>
+                      <a:endParaRPr sz="1200"/>
                     </a:p>
                   </a:txBody>
                   <a:tcPr marT="91425" marB="91425" marR="91425" marL="91425" anchor="ctr">
@@ -16518,10 +16463,10 @@
                         <a:buNone/>
                       </a:pPr>
                       <a:r>
-                        <a:rPr lang="en"/>
+                        <a:rPr lang="en" sz="1200"/>
                         <a:t>3</a:t>
                       </a:r>
-                      <a:endParaRPr/>
+                      <a:endParaRPr sz="1200"/>
                     </a:p>
                   </a:txBody>
                   <a:tcPr marT="91425" marB="91425" marR="91425" marL="91425" anchor="ctr">
@@ -16581,10 +16526,10 @@
                         <a:buNone/>
                       </a:pPr>
                       <a:r>
-                        <a:rPr lang="en"/>
+                        <a:rPr lang="en" sz="1200"/>
                         <a:t>Sprint release</a:t>
                       </a:r>
-                      <a:endParaRPr/>
+                      <a:endParaRPr sz="1200"/>
                     </a:p>
                   </a:txBody>
                   <a:tcPr marT="91425" marB="91425" marR="91425" marL="91425" anchor="ctr">
@@ -16644,10 +16589,10 @@
                         <a:buNone/>
                       </a:pPr>
                       <a:r>
-                        <a:rPr lang="en"/>
+                        <a:rPr lang="en" sz="1200"/>
                         <a:t>~5%</a:t>
                       </a:r>
-                      <a:endParaRPr/>
+                      <a:endParaRPr sz="1200"/>
                     </a:p>
                   </a:txBody>
                   <a:tcPr marT="91425" marB="91425" marR="91425" marL="91425" anchor="ctr">
@@ -16709,10 +16654,10 @@
                         <a:buNone/>
                       </a:pPr>
                       <a:r>
-                        <a:rPr lang="en"/>
+                        <a:rPr lang="en" sz="1200"/>
                         <a:t>4</a:t>
                       </a:r>
-                      <a:endParaRPr/>
+                      <a:endParaRPr sz="1200"/>
                     </a:p>
                   </a:txBody>
                   <a:tcPr marT="91425" marB="91425" marR="91425" marL="91425" anchor="ctr">
@@ -16772,10 +16717,10 @@
                         <a:buNone/>
                       </a:pPr>
                       <a:r>
-                        <a:rPr lang="en"/>
+                        <a:rPr lang="en" sz="1200"/>
                         <a:t>Sprint retrospective</a:t>
                       </a:r>
-                      <a:endParaRPr/>
+                      <a:endParaRPr sz="1200"/>
                     </a:p>
                   </a:txBody>
                   <a:tcPr marT="91425" marB="91425" marR="91425" marL="91425" anchor="ctr">
@@ -16835,10 +16780,10 @@
                         <a:buNone/>
                       </a:pPr>
                       <a:r>
-                        <a:rPr lang="en"/>
+                        <a:rPr lang="en" sz="1200"/>
                         <a:t>~20%</a:t>
                       </a:r>
-                      <a:endParaRPr/>
+                      <a:endParaRPr sz="1200"/>
                     </a:p>
                   </a:txBody>
                   <a:tcPr marT="91425" marB="91425" marR="91425" marL="91425" anchor="ctr">
@@ -16900,10 +16845,10 @@
                         <a:buNone/>
                       </a:pPr>
                       <a:r>
-                        <a:rPr lang="en"/>
+                        <a:rPr lang="en" sz="1200"/>
                         <a:t>5</a:t>
                       </a:r>
-                      <a:endParaRPr/>
+                      <a:endParaRPr sz="1200"/>
                     </a:p>
                   </a:txBody>
                   <a:tcPr marT="91425" marB="91425" marR="91425" marL="91425" anchor="ctr">
@@ -16963,10 +16908,10 @@
                         <a:buNone/>
                       </a:pPr>
                       <a:r>
-                        <a:rPr lang="en"/>
+                        <a:rPr lang="en" sz="1200"/>
                         <a:t>Sprint planning</a:t>
                       </a:r>
-                      <a:endParaRPr/>
+                      <a:endParaRPr sz="1200"/>
                     </a:p>
                   </a:txBody>
                   <a:tcPr marT="91425" marB="91425" marR="91425" marL="91425" anchor="ctr">
@@ -17026,10 +16971,10 @@
                         <a:buNone/>
                       </a:pPr>
                       <a:r>
-                        <a:rPr lang="en"/>
+                        <a:rPr lang="en" sz="1200"/>
                         <a:t>~40%</a:t>
                       </a:r>
-                      <a:endParaRPr/>
+                      <a:endParaRPr sz="1200"/>
                     </a:p>
                   </a:txBody>
                   <a:tcPr marT="91425" marB="91425" marR="91425" marL="91425" anchor="ctr">
@@ -17091,10 +17036,10 @@
                         <a:buNone/>
                       </a:pPr>
                       <a:r>
-                        <a:rPr lang="en"/>
+                        <a:rPr lang="en" sz="1200"/>
                         <a:t>6</a:t>
                       </a:r>
-                      <a:endParaRPr/>
+                      <a:endParaRPr sz="1200"/>
                     </a:p>
                   </a:txBody>
                   <a:tcPr marT="91425" marB="91425" marR="91425" marL="91425" anchor="ctr">
@@ -17154,10 +17099,10 @@
                         <a:buNone/>
                       </a:pPr>
                       <a:r>
-                        <a:rPr lang="en"/>
+                        <a:rPr lang="en" sz="1200"/>
                         <a:t>Meeting after-work</a:t>
                       </a:r>
-                      <a:endParaRPr/>
+                      <a:endParaRPr sz="1200"/>
                     </a:p>
                   </a:txBody>
                   <a:tcPr marT="91425" marB="91425" marR="91425" marL="91425" anchor="ctr">
@@ -17217,10 +17162,10 @@
                         <a:buNone/>
                       </a:pPr>
                       <a:r>
-                        <a:rPr lang="en"/>
+                        <a:rPr lang="en" sz="1200"/>
                         <a:t>-</a:t>
                       </a:r>
-                      <a:endParaRPr/>
+                      <a:endParaRPr sz="1200"/>
                     </a:p>
                   </a:txBody>
                   <a:tcPr marT="91425" marB="91425" marR="91425" marL="91425" anchor="ctr">
@@ -17283,7 +17228,7 @@
   <p:cSld>
     <p:spTree>
       <p:nvGrpSpPr>
-        <p:cNvPr id="265" name="Shape 265"/>
+        <p:cNvPr id="264" name="Shape 264"/>
         <p:cNvGrpSpPr/>
         <p:nvPr/>
       </p:nvGrpSpPr>
@@ -17297,7 +17242,7 @@
       </p:grpSpPr>
       <p:sp>
         <p:nvSpPr>
-          <p:cNvPr id="266" name="Google Shape;266;p39"/>
+          <p:cNvPr id="265" name="Google Shape;265;p39"/>
           <p:cNvSpPr txBox="1"/>
           <p:nvPr>
             <p:ph type="title"/>
@@ -17352,7 +17297,7 @@
   <p:cSld>
     <p:spTree>
       <p:nvGrpSpPr>
-        <p:cNvPr id="270" name="Shape 270"/>
+        <p:cNvPr id="269" name="Shape 269"/>
         <p:cNvGrpSpPr/>
         <p:nvPr/>
       </p:nvGrpSpPr>
@@ -17366,7 +17311,7 @@
       </p:grpSpPr>
       <p:sp>
         <p:nvSpPr>
-          <p:cNvPr id="271" name="Google Shape;271;p40"/>
+          <p:cNvPr id="270" name="Google Shape;270;p40"/>
           <p:cNvSpPr txBox="1"/>
           <p:nvPr>
             <p:ph type="title"/>
@@ -17406,7 +17351,7 @@
       </p:sp>
       <p:sp>
         <p:nvSpPr>
-          <p:cNvPr id="272" name="Google Shape;272;p40"/>
+          <p:cNvPr id="271" name="Google Shape;271;p40"/>
           <p:cNvSpPr txBox="1"/>
           <p:nvPr>
             <p:ph idx="1" type="body"/>
@@ -17552,7 +17497,7 @@
       </p:sp>
       <p:sp>
         <p:nvSpPr>
-          <p:cNvPr id="273" name="Google Shape;273;p40"/>
+          <p:cNvPr id="272" name="Google Shape;272;p40"/>
           <p:cNvSpPr txBox="1"/>
           <p:nvPr>
             <p:ph idx="12" type="sldNum"/>
@@ -17617,7 +17562,7 @@
       </p:sp>
       <p:sp>
         <p:nvSpPr>
-          <p:cNvPr id="274" name="Google Shape;274;p40"/>
+          <p:cNvPr id="273" name="Google Shape;273;p40"/>
           <p:cNvSpPr txBox="1"/>
           <p:nvPr/>
         </p:nvSpPr>
@@ -17670,7 +17615,7 @@
   <p:cSld>
     <p:spTree>
       <p:nvGrpSpPr>
-        <p:cNvPr id="278" name="Shape 278"/>
+        <p:cNvPr id="277" name="Shape 277"/>
         <p:cNvGrpSpPr/>
         <p:nvPr/>
       </p:nvGrpSpPr>
@@ -17684,7 +17629,7 @@
       </p:grpSpPr>
       <p:sp>
         <p:nvSpPr>
-          <p:cNvPr id="279" name="Google Shape;279;p41"/>
+          <p:cNvPr id="278" name="Google Shape;278;p41"/>
           <p:cNvSpPr txBox="1"/>
           <p:nvPr>
             <p:ph type="title"/>
@@ -17724,7 +17669,7 @@
       </p:sp>
       <p:sp>
         <p:nvSpPr>
-          <p:cNvPr id="280" name="Google Shape;280;p41"/>
+          <p:cNvPr id="279" name="Google Shape;279;p41"/>
           <p:cNvSpPr txBox="1"/>
           <p:nvPr>
             <p:ph idx="1" type="body"/>
@@ -17764,7 +17709,7 @@
       </p:sp>
       <p:sp>
         <p:nvSpPr>
-          <p:cNvPr id="281" name="Google Shape;281;p41"/>
+          <p:cNvPr id="280" name="Google Shape;280;p41"/>
           <p:cNvSpPr txBox="1"/>
           <p:nvPr>
             <p:ph idx="12" type="sldNum"/>
@@ -17829,7 +17774,7 @@
       </p:sp>
       <p:graphicFrame>
         <p:nvGraphicFramePr>
-          <p:cNvPr id="282" name="Google Shape;282;p41"/>
+          <p:cNvPr id="281" name="Google Shape;281;p41"/>
           <p:cNvGraphicFramePr/>
           <p:nvPr/>
         </p:nvGraphicFramePr>
@@ -17842,7 +17787,7 @@
             <a:tbl>
               <a:tblPr>
                 <a:noFill/>
-                <a:tableStyleId>{A0274600-64A6-4B55-B427-73DCBFC03AB0}</a:tableStyleId>
+                <a:tableStyleId>{9493ED4C-9E21-4E13-865B-69EB0BF473B9}</a:tableStyleId>
               </a:tblPr>
               <a:tblGrid>
                 <a:gridCol w="1280725"/>
@@ -18080,10 +18025,10 @@
                         <a:buNone/>
                       </a:pPr>
                       <a:r>
-                        <a:rPr lang="en"/>
+                        <a:rPr lang="en" sz="1200"/>
                         <a:t>1</a:t>
                       </a:r>
-                      <a:endParaRPr/>
+                      <a:endParaRPr sz="1200"/>
                     </a:p>
                   </a:txBody>
                   <a:tcPr marT="91425" marB="91425" marR="91425" marL="91425" anchor="ctr">
@@ -18143,10 +18088,10 @@
                         <a:buNone/>
                       </a:pPr>
                       <a:r>
-                        <a:rPr lang="en"/>
+                        <a:rPr lang="en" sz="1200"/>
                         <a:t>Context</a:t>
                       </a:r>
-                      <a:endParaRPr/>
+                      <a:endParaRPr sz="1200"/>
                     </a:p>
                   </a:txBody>
                   <a:tcPr marT="91425" marB="91425" marR="91425" marL="91425" anchor="ctr">
@@ -18206,10 +18151,10 @@
                         <a:buNone/>
                       </a:pPr>
                       <a:r>
-                        <a:rPr lang="en"/>
+                        <a:rPr lang="en" sz="1200"/>
                         <a:t>com.google.code.gson</a:t>
                       </a:r>
-                      <a:endParaRPr/>
+                      <a:endParaRPr sz="1200"/>
                     </a:p>
                   </a:txBody>
                   <a:tcPr marT="91425" marB="91425" marR="91425" marL="91425" anchor="ctr">
@@ -18271,10 +18216,10 @@
                         <a:buNone/>
                       </a:pPr>
                       <a:r>
-                        <a:rPr lang="en"/>
+                        <a:rPr lang="en" sz="1200"/>
                         <a:t>2</a:t>
                       </a:r>
-                      <a:endParaRPr/>
+                      <a:endParaRPr sz="1200"/>
                     </a:p>
                   </a:txBody>
                   <a:tcPr marT="91425" marB="91425" marR="91425" marL="91425" anchor="ctr">
@@ -18334,10 +18279,10 @@
                         <a:buNone/>
                       </a:pPr>
                       <a:r>
-                        <a:rPr lang="en"/>
+                        <a:rPr lang="en" sz="1200"/>
                         <a:t>Name</a:t>
                       </a:r>
-                      <a:endParaRPr/>
+                      <a:endParaRPr sz="1200"/>
                     </a:p>
                   </a:txBody>
                   <a:tcPr marT="91425" marB="91425" marR="91425" marL="91425" anchor="ctr">
@@ -18397,10 +18342,10 @@
                         <a:buNone/>
                       </a:pPr>
                       <a:r>
-                        <a:rPr lang="en"/>
+                        <a:rPr lang="en" sz="1200"/>
                         <a:t>gson</a:t>
                       </a:r>
-                      <a:endParaRPr/>
+                      <a:endParaRPr sz="1200"/>
                     </a:p>
                   </a:txBody>
                   <a:tcPr marT="91425" marB="91425" marR="91425" marL="91425" anchor="ctr">
@@ -18462,10 +18407,10 @@
                         <a:buNone/>
                       </a:pPr>
                       <a:r>
-                        <a:rPr lang="en"/>
+                        <a:rPr lang="en" sz="1200"/>
                         <a:t>3</a:t>
                       </a:r>
-                      <a:endParaRPr/>
+                      <a:endParaRPr sz="1200"/>
                     </a:p>
                   </a:txBody>
                   <a:tcPr marT="91425" marB="91425" marR="91425" marL="91425" anchor="ctr">
@@ -18525,10 +18470,10 @@
                         <a:buNone/>
                       </a:pPr>
                       <a:r>
-                        <a:rPr lang="en"/>
+                        <a:rPr lang="en" sz="1200"/>
                         <a:t>Version</a:t>
                       </a:r>
-                      <a:endParaRPr/>
+                      <a:endParaRPr sz="1200"/>
                     </a:p>
                   </a:txBody>
                   <a:tcPr marT="91425" marB="91425" marR="91425" marL="91425" anchor="ctr">
@@ -18588,10 +18533,10 @@
                         <a:buNone/>
                       </a:pPr>
                       <a:r>
-                        <a:rPr lang="en"/>
+                        <a:rPr lang="en" sz="1200"/>
                         <a:t>2.3.1</a:t>
                       </a:r>
-                      <a:endParaRPr/>
+                      <a:endParaRPr sz="1200"/>
                     </a:p>
                   </a:txBody>
                   <a:tcPr marT="91425" marB="91425" marR="91425" marL="91425" anchor="ctr">
@@ -18653,10 +18598,10 @@
                         <a:buNone/>
                       </a:pPr>
                       <a:r>
-                        <a:rPr lang="en"/>
+                        <a:rPr lang="en" sz="1200"/>
                         <a:t>4</a:t>
                       </a:r>
-                      <a:endParaRPr/>
+                      <a:endParaRPr sz="1200"/>
                     </a:p>
                   </a:txBody>
                   <a:tcPr marT="91425" marB="91425" marR="91425" marL="91425" anchor="ctr">
@@ -18716,10 +18661,10 @@
                         <a:buNone/>
                       </a:pPr>
                       <a:r>
-                        <a:rPr lang="en"/>
+                        <a:rPr lang="en" sz="1200"/>
                         <a:t>License</a:t>
                       </a:r>
-                      <a:endParaRPr/>
+                      <a:endParaRPr sz="1200"/>
                     </a:p>
                   </a:txBody>
                   <a:tcPr marT="91425" marB="91425" marR="91425" marL="91425" anchor="ctr">
@@ -18779,10 +18724,10 @@
                         <a:buNone/>
                       </a:pPr>
                       <a:r>
-                        <a:rPr lang="en"/>
+                        <a:rPr lang="en" sz="1200"/>
                         <a:t>Apache-2.0</a:t>
                       </a:r>
-                      <a:endParaRPr/>
+                      <a:endParaRPr sz="1200"/>
                     </a:p>
                   </a:txBody>
                   <a:tcPr marT="91425" marB="91425" marR="91425" marL="91425" anchor="ctr">
@@ -18844,10 +18789,10 @@
                         <a:buNone/>
                       </a:pPr>
                       <a:r>
-                        <a:rPr lang="en"/>
+                        <a:rPr lang="en" sz="1200"/>
                         <a:t>5</a:t>
                       </a:r>
-                      <a:endParaRPr/>
+                      <a:endParaRPr sz="1200"/>
                     </a:p>
                   </a:txBody>
                   <a:tcPr marT="91425" marB="91425" marR="91425" marL="91425" anchor="ctr">
@@ -18907,10 +18852,10 @@
                         <a:buNone/>
                       </a:pPr>
                       <a:r>
-                        <a:rPr lang="en"/>
+                        <a:rPr lang="en" sz="1200"/>
                         <a:t>Comment (optional)</a:t>
                       </a:r>
-                      <a:endParaRPr/>
+                      <a:endParaRPr sz="1200"/>
                     </a:p>
                   </a:txBody>
                   <a:tcPr marT="91425" marB="91425" marR="91425" marL="91425" anchor="ctr">
@@ -18970,10 +18915,10 @@
                         <a:buNone/>
                       </a:pPr>
                       <a:r>
-                        <a:rPr lang="en"/>
+                        <a:rPr lang="en" sz="1200"/>
                         <a:t>Pulled from Maven Central</a:t>
                       </a:r>
-                      <a:endParaRPr/>
+                      <a:endParaRPr sz="1200"/>
                     </a:p>
                   </a:txBody>
                   <a:tcPr marT="91425" marB="91425" marR="91425" marL="91425" anchor="ctr">
@@ -19036,7 +18981,7 @@
   <p:cSld>
     <p:spTree>
       <p:nvGrpSpPr>
-        <p:cNvPr id="286" name="Shape 286"/>
+        <p:cNvPr id="285" name="Shape 285"/>
         <p:cNvGrpSpPr/>
         <p:nvPr/>
       </p:nvGrpSpPr>
@@ -19050,7 +18995,7 @@
       </p:grpSpPr>
       <p:sp>
         <p:nvSpPr>
-          <p:cNvPr id="287" name="Google Shape;287;p42"/>
+          <p:cNvPr id="286" name="Google Shape;286;p42"/>
           <p:cNvSpPr txBox="1"/>
           <p:nvPr>
             <p:ph type="title"/>
@@ -19090,7 +19035,7 @@
       </p:sp>
       <p:sp>
         <p:nvSpPr>
-          <p:cNvPr id="288" name="Google Shape;288;p42"/>
+          <p:cNvPr id="287" name="Google Shape;287;p42"/>
           <p:cNvSpPr txBox="1"/>
           <p:nvPr>
             <p:ph idx="1" type="body"/>
@@ -19179,7 +19124,7 @@
       </p:sp>
       <p:sp>
         <p:nvSpPr>
-          <p:cNvPr id="289" name="Google Shape;289;p42"/>
+          <p:cNvPr id="288" name="Google Shape;288;p42"/>
           <p:cNvSpPr txBox="1"/>
           <p:nvPr>
             <p:ph idx="12" type="sldNum"/>
@@ -19255,7 +19200,7 @@
   <p:cSld>
     <p:spTree>
       <p:nvGrpSpPr>
-        <p:cNvPr id="293" name="Shape 293"/>
+        <p:cNvPr id="292" name="Shape 292"/>
         <p:cNvGrpSpPr/>
         <p:nvPr/>
       </p:nvGrpSpPr>
@@ -19269,7 +19214,7 @@
       </p:grpSpPr>
       <p:sp>
         <p:nvSpPr>
-          <p:cNvPr id="294" name="Google Shape;294;p43"/>
+          <p:cNvPr id="293" name="Google Shape;293;p43"/>
           <p:cNvSpPr txBox="1"/>
           <p:nvPr>
             <p:ph type="title"/>
@@ -19320,7 +19265,7 @@
   <p:cSld>
     <p:spTree>
       <p:nvGrpSpPr>
-        <p:cNvPr id="298" name="Shape 298"/>
+        <p:cNvPr id="297" name="Shape 297"/>
         <p:cNvGrpSpPr/>
         <p:nvPr/>
       </p:nvGrpSpPr>
@@ -19334,7 +19279,7 @@
       </p:grpSpPr>
       <p:sp>
         <p:nvSpPr>
-          <p:cNvPr id="299" name="Google Shape;299;p44"/>
+          <p:cNvPr id="298" name="Google Shape;298;p44"/>
           <p:cNvSpPr txBox="1"/>
           <p:nvPr>
             <p:ph type="title"/>
@@ -19374,7 +19319,7 @@
       </p:sp>
       <p:sp>
         <p:nvSpPr>
-          <p:cNvPr id="300" name="Google Shape;300;p44"/>
+          <p:cNvPr id="299" name="Google Shape;299;p44"/>
           <p:cNvSpPr txBox="1"/>
           <p:nvPr>
             <p:ph idx="1" type="body"/>
@@ -19548,7 +19493,7 @@
       </p:sp>
       <p:sp>
         <p:nvSpPr>
-          <p:cNvPr id="301" name="Google Shape;301;p44"/>
+          <p:cNvPr id="300" name="Google Shape;300;p44"/>
           <p:cNvSpPr txBox="1"/>
           <p:nvPr>
             <p:ph idx="12" type="sldNum"/>
@@ -19624,7 +19569,7 @@
   <p:cSld>
     <p:spTree>
       <p:nvGrpSpPr>
-        <p:cNvPr id="305" name="Shape 305"/>
+        <p:cNvPr id="304" name="Shape 304"/>
         <p:cNvGrpSpPr/>
         <p:nvPr/>
       </p:nvGrpSpPr>
@@ -19638,7 +19583,7 @@
       </p:grpSpPr>
       <p:sp>
         <p:nvSpPr>
-          <p:cNvPr id="306" name="Google Shape;306;p45"/>
+          <p:cNvPr id="305" name="Google Shape;305;p45"/>
           <p:cNvSpPr txBox="1"/>
           <p:nvPr>
             <p:ph type="title"/>
@@ -19678,7 +19623,7 @@
       </p:sp>
       <p:sp>
         <p:nvSpPr>
-          <p:cNvPr id="307" name="Google Shape;307;p45"/>
+          <p:cNvPr id="306" name="Google Shape;306;p45"/>
           <p:cNvSpPr txBox="1"/>
           <p:nvPr>
             <p:ph idx="12" type="sldNum"/>
@@ -19743,7 +19688,7 @@
       </p:sp>
       <p:pic>
         <p:nvPicPr>
-          <p:cNvPr id="308" name="Google Shape;308;p45"/>
+          <p:cNvPr id="307" name="Google Shape;307;p45"/>
           <p:cNvPicPr preferRelativeResize="0"/>
           <p:nvPr/>
         </p:nvPicPr>
@@ -19782,7 +19727,7 @@
   <p:cSld>
     <p:spTree>
       <p:nvGrpSpPr>
-        <p:cNvPr id="312" name="Shape 312"/>
+        <p:cNvPr id="311" name="Shape 311"/>
         <p:cNvGrpSpPr/>
         <p:nvPr/>
       </p:nvGrpSpPr>
@@ -19796,7 +19741,7 @@
       </p:grpSpPr>
       <p:sp>
         <p:nvSpPr>
-          <p:cNvPr id="313" name="Google Shape;313;p46"/>
+          <p:cNvPr id="312" name="Google Shape;312;p46"/>
           <p:cNvSpPr txBox="1"/>
           <p:nvPr>
             <p:ph type="title"/>
@@ -19836,7 +19781,7 @@
       </p:sp>
       <p:sp>
         <p:nvSpPr>
-          <p:cNvPr id="314" name="Google Shape;314;p46"/>
+          <p:cNvPr id="313" name="Google Shape;313;p46"/>
           <p:cNvSpPr txBox="1"/>
           <p:nvPr>
             <p:ph idx="12" type="sldNum"/>
@@ -19901,7 +19846,7 @@
       </p:sp>
       <p:pic>
         <p:nvPicPr>
-          <p:cNvPr id="315" name="Google Shape;315;p46"/>
+          <p:cNvPr id="314" name="Google Shape;314;p46"/>
           <p:cNvPicPr preferRelativeResize="0"/>
           <p:nvPr/>
         </p:nvPicPr>
@@ -20005,7 +19950,7 @@
   <p:cSld>
     <p:spTree>
       <p:nvGrpSpPr>
-        <p:cNvPr id="319" name="Shape 319"/>
+        <p:cNvPr id="318" name="Shape 318"/>
         <p:cNvGrpSpPr/>
         <p:nvPr/>
       </p:nvGrpSpPr>
@@ -20019,7 +19964,7 @@
       </p:grpSpPr>
       <p:sp>
         <p:nvSpPr>
-          <p:cNvPr id="320" name="Google Shape;320;p47"/>
+          <p:cNvPr id="319" name="Google Shape;319;p47"/>
           <p:cNvSpPr txBox="1"/>
           <p:nvPr>
             <p:ph type="title"/>
@@ -20059,7 +20004,7 @@
       </p:sp>
       <p:sp>
         <p:nvSpPr>
-          <p:cNvPr id="321" name="Google Shape;321;p47"/>
+          <p:cNvPr id="320" name="Google Shape;320;p47"/>
           <p:cNvSpPr txBox="1"/>
           <p:nvPr>
             <p:ph idx="12" type="sldNum"/>
@@ -20124,7 +20069,7 @@
       </p:sp>
       <p:pic>
         <p:nvPicPr>
-          <p:cNvPr id="322" name="Google Shape;322;p47"/>
+          <p:cNvPr id="321" name="Google Shape;321;p47"/>
           <p:cNvPicPr preferRelativeResize="0"/>
           <p:nvPr/>
         </p:nvPicPr>
@@ -20163,7 +20108,7 @@
   <p:cSld>
     <p:spTree>
       <p:nvGrpSpPr>
-        <p:cNvPr id="326" name="Shape 326"/>
+        <p:cNvPr id="325" name="Shape 325"/>
         <p:cNvGrpSpPr/>
         <p:nvPr/>
       </p:nvGrpSpPr>
@@ -20177,7 +20122,7 @@
       </p:grpSpPr>
       <p:sp>
         <p:nvSpPr>
-          <p:cNvPr id="327" name="Google Shape;327;p48"/>
+          <p:cNvPr id="326" name="Google Shape;326;p48"/>
           <p:cNvSpPr txBox="1"/>
           <p:nvPr>
             <p:ph type="title"/>
@@ -20217,7 +20162,7 @@
       </p:sp>
       <p:sp>
         <p:nvSpPr>
-          <p:cNvPr id="328" name="Google Shape;328;p48"/>
+          <p:cNvPr id="327" name="Google Shape;327;p48"/>
           <p:cNvSpPr txBox="1"/>
           <p:nvPr>
             <p:ph idx="1" type="body"/>
@@ -20339,7 +20284,7 @@
       </p:sp>
       <p:sp>
         <p:nvSpPr>
-          <p:cNvPr id="329" name="Google Shape;329;p48"/>
+          <p:cNvPr id="328" name="Google Shape;328;p48"/>
           <p:cNvSpPr txBox="1"/>
           <p:nvPr>
             <p:ph idx="12" type="sldNum"/>
@@ -20415,7 +20360,7 @@
   <p:cSld>
     <p:spTree>
       <p:nvGrpSpPr>
-        <p:cNvPr id="333" name="Shape 333"/>
+        <p:cNvPr id="332" name="Shape 332"/>
         <p:cNvGrpSpPr/>
         <p:nvPr/>
       </p:nvGrpSpPr>
@@ -20429,7 +20374,7 @@
       </p:grpSpPr>
       <p:sp>
         <p:nvSpPr>
-          <p:cNvPr id="334" name="Google Shape;334;p49"/>
+          <p:cNvPr id="333" name="Google Shape;333;p49"/>
           <p:cNvSpPr txBox="1"/>
           <p:nvPr>
             <p:ph type="title"/>
@@ -20469,7 +20414,7 @@
       </p:sp>
       <p:sp>
         <p:nvSpPr>
-          <p:cNvPr id="335" name="Google Shape;335;p49"/>
+          <p:cNvPr id="334" name="Google Shape;334;p49"/>
           <p:cNvSpPr txBox="1"/>
           <p:nvPr>
             <p:ph idx="1" type="body"/>
@@ -20646,7 +20591,7 @@
       </p:sp>
       <p:sp>
         <p:nvSpPr>
-          <p:cNvPr id="336" name="Google Shape;336;p49"/>
+          <p:cNvPr id="335" name="Google Shape;335;p49"/>
           <p:cNvSpPr txBox="1"/>
           <p:nvPr>
             <p:ph idx="12" type="sldNum"/>
@@ -20722,7 +20667,7 @@
   <p:cSld>
     <p:spTree>
       <p:nvGrpSpPr>
-        <p:cNvPr id="340" name="Shape 340"/>
+        <p:cNvPr id="339" name="Shape 339"/>
         <p:cNvGrpSpPr/>
         <p:nvPr/>
       </p:nvGrpSpPr>
@@ -20736,7 +20681,7 @@
       </p:grpSpPr>
       <p:sp>
         <p:nvSpPr>
-          <p:cNvPr id="341" name="Google Shape;341;p50"/>
+          <p:cNvPr id="340" name="Google Shape;340;p50"/>
           <p:cNvSpPr txBox="1"/>
           <p:nvPr>
             <p:ph type="ctrTitle"/>
@@ -20776,7 +20721,7 @@
       </p:sp>
       <p:sp>
         <p:nvSpPr>
-          <p:cNvPr id="342" name="Google Shape;342;p50"/>
+          <p:cNvPr id="341" name="Google Shape;341;p50"/>
           <p:cNvSpPr txBox="1"/>
           <p:nvPr>
             <p:ph idx="1" type="subTitle"/>
@@ -20906,7 +20851,7 @@
   <p:cSld>
     <p:spTree>
       <p:nvGrpSpPr>
-        <p:cNvPr id="346" name="Shape 346"/>
+        <p:cNvPr id="345" name="Shape 345"/>
         <p:cNvGrpSpPr/>
         <p:nvPr/>
       </p:nvGrpSpPr>
@@ -20920,7 +20865,7 @@
       </p:grpSpPr>
       <p:sp>
         <p:nvSpPr>
-          <p:cNvPr id="347" name="Google Shape;347;p51"/>
+          <p:cNvPr id="346" name="Google Shape;346;p51"/>
           <p:cNvSpPr txBox="1"/>
           <p:nvPr>
             <p:ph type="title"/>
@@ -20960,7 +20905,7 @@
       </p:sp>
       <p:sp>
         <p:nvSpPr>
-          <p:cNvPr id="348" name="Google Shape;348;p51"/>
+          <p:cNvPr id="347" name="Google Shape;347;p51"/>
           <p:cNvSpPr txBox="1"/>
           <p:nvPr>
             <p:ph idx="12" type="sldNum"/>
@@ -21025,7 +20970,7 @@
       </p:sp>
       <p:sp>
         <p:nvSpPr>
-          <p:cNvPr id="349" name="Google Shape;349;p51"/>
+          <p:cNvPr id="348" name="Google Shape;348;p51"/>
           <p:cNvSpPr txBox="1"/>
           <p:nvPr>
             <p:ph idx="1" type="body"/>
@@ -21996,32 +21941,20 @@
             </a:pPr>
             <a:r>
               <a:rPr lang="en"/>
-              <a:t>Please see the</a:t>
-            </a:r>
-            <a:r>
-              <a:rPr b="1" lang="en"/>
-              <a:t> Schedule</a:t>
-            </a:r>
-            <a:r>
-              <a:rPr lang="en"/>
-              <a:t> tab of the</a:t>
-            </a:r>
-            <a:r>
-              <a:rPr b="1" lang="en"/>
-              <a:t> </a:t>
-            </a:r>
-            <a:r>
-              <a:rPr b="1" lang="en" u="sng">
+              <a:t>Please see </a:t>
+            </a:r>
+            <a:r>
+              <a:rPr lang="en" u="sng">
                 <a:solidFill>
                   <a:schemeClr val="hlink"/>
                 </a:solidFill>
                 <a:hlinkClick r:id="rId3"/>
               </a:rPr>
-              <a:t>Course Organization</a:t>
-            </a:r>
-            <a:r>
-              <a:rPr lang="en"/>
-              <a:t> doc</a:t>
+              <a:t>https://uni1.de/amos/schedule</a:t>
+            </a:r>
+            <a:r>
+              <a:rPr lang="en"/>
+              <a:t> </a:t>
             </a:r>
             <a:endParaRPr/>
           </a:p>
@@ -22166,6 +22099,285 @@
 </file>
 
 <file path=ppt/theme/theme1.xml><?xml version="1.0" encoding="utf-8"?>
+<a:theme xmlns:a="http://schemas.openxmlformats.org/drawingml/2006/main" xmlns:r="http://schemas.openxmlformats.org/officeDocument/2006/relationships" name="AMOS Slides Template">
+  <a:themeElements>
+    <a:clrScheme name="Simple Light">
+      <a:dk1>
+        <a:srgbClr val="000000"/>
+      </a:dk1>
+      <a:lt1>
+        <a:srgbClr val="FFFFFF"/>
+      </a:lt1>
+      <a:dk2>
+        <a:srgbClr val="404040"/>
+      </a:dk2>
+      <a:lt2>
+        <a:srgbClr val="808080"/>
+      </a:lt2>
+      <a:accent1>
+        <a:srgbClr val="D0D0D0"/>
+      </a:accent1>
+      <a:accent2>
+        <a:srgbClr val="4169E1"/>
+      </a:accent2>
+      <a:accent3>
+        <a:srgbClr val="D50D01"/>
+      </a:accent3>
+      <a:accent4>
+        <a:srgbClr val="FEB612"/>
+      </a:accent4>
+      <a:accent5>
+        <a:srgbClr val="4CAF50"/>
+      </a:accent5>
+      <a:accent6>
+        <a:srgbClr val="8E44AD"/>
+      </a:accent6>
+      <a:hlink>
+        <a:srgbClr val="34A3C5"/>
+      </a:hlink>
+      <a:folHlink>
+        <a:srgbClr val="0097A7"/>
+      </a:folHlink>
+    </a:clrScheme>
+    <a:fontScheme name="Office">
+      <a:majorFont>
+        <a:latin typeface="Arial"/>
+        <a:ea typeface=""/>
+        <a:cs typeface=""/>
+        <a:font script="Jpan" typeface="ＭＳ Ｐゴシック"/>
+        <a:font script="Hang" typeface="맑은 고딕"/>
+        <a:font script="Hans" typeface="宋体"/>
+        <a:font script="Hant" typeface="新細明體"/>
+        <a:font script="Arab" typeface="Times New Roman"/>
+        <a:font script="Hebr" typeface="Times New Roman"/>
+        <a:font script="Thai" typeface="Angsana New"/>
+        <a:font script="Ethi" typeface="Nyala"/>
+        <a:font script="Beng" typeface="Vrinda"/>
+        <a:font script="Gujr" typeface="Shruti"/>
+        <a:font script="Khmr" typeface="MoolBoran"/>
+        <a:font script="Knda" typeface="Tunga"/>
+        <a:font script="Guru" typeface="Raavi"/>
+        <a:font script="Cans" typeface="Euphemia"/>
+        <a:font script="Cher" typeface="Plantagenet Cherokee"/>
+        <a:font script="Yiii" typeface="Microsoft Yi Baiti"/>
+        <a:font script="Tibt" typeface="Microsoft Himalaya"/>
+        <a:font script="Thaa" typeface="MV Boli"/>
+        <a:font script="Deva" typeface="Mangal"/>
+        <a:font script="Telu" typeface="Gautami"/>
+        <a:font script="Taml" typeface="Latha"/>
+        <a:font script="Syrc" typeface="Estrangelo Edessa"/>
+        <a:font script="Orya" typeface="Kalinga"/>
+        <a:font script="Mlym" typeface="Kartika"/>
+        <a:font script="Laoo" typeface="DokChampa"/>
+        <a:font script="Sinh" typeface="Iskoola Pota"/>
+        <a:font script="Mong" typeface="Mongolian Baiti"/>
+        <a:font script="Viet" typeface="Times New Roman"/>
+        <a:font script="Uigh" typeface="Microsoft Uighur"/>
+        <a:font script="Geor" typeface="Sylfaen"/>
+      </a:majorFont>
+      <a:minorFont>
+        <a:latin typeface="Arial"/>
+        <a:ea typeface=""/>
+        <a:cs typeface=""/>
+        <a:font script="Jpan" typeface="ＭＳ Ｐゴシック"/>
+        <a:font script="Hang" typeface="맑은 고딕"/>
+        <a:font script="Hans" typeface="宋体"/>
+        <a:font script="Hant" typeface="新細明體"/>
+        <a:font script="Arab" typeface="Arial"/>
+        <a:font script="Hebr" typeface="Arial"/>
+        <a:font script="Thai" typeface="Cordia New"/>
+        <a:font script="Ethi" typeface="Nyala"/>
+        <a:font script="Beng" typeface="Vrinda"/>
+        <a:font script="Gujr" typeface="Shruti"/>
+        <a:font script="Khmr" typeface="DaunPenh"/>
+        <a:font script="Knda" typeface="Tunga"/>
+        <a:font script="Guru" typeface="Raavi"/>
+        <a:font script="Cans" typeface="Euphemia"/>
+        <a:font script="Cher" typeface="Plantagenet Cherokee"/>
+        <a:font script="Yiii" typeface="Microsoft Yi Baiti"/>
+        <a:font script="Tibt" typeface="Microsoft Himalaya"/>
+        <a:font script="Thaa" typeface="MV Boli"/>
+        <a:font script="Deva" typeface="Mangal"/>
+        <a:font script="Telu" typeface="Gautami"/>
+        <a:font script="Taml" typeface="Latha"/>
+        <a:font script="Syrc" typeface="Estrangelo Edessa"/>
+        <a:font script="Orya" typeface="Kalinga"/>
+        <a:font script="Mlym" typeface="Kartika"/>
+        <a:font script="Laoo" typeface="DokChampa"/>
+        <a:font script="Sinh" typeface="Iskoola Pota"/>
+        <a:font script="Mong" typeface="Mongolian Baiti"/>
+        <a:font script="Viet" typeface="Arial"/>
+        <a:font script="Uigh" typeface="Microsoft Uighur"/>
+        <a:font script="Geor" typeface="Sylfaen"/>
+      </a:minorFont>
+    </a:fontScheme>
+    <a:fmtScheme name="Office">
+      <a:fillStyleLst>
+        <a:solidFill>
+          <a:schemeClr val="phClr"/>
+        </a:solidFill>
+        <a:gradFill rotWithShape="1">
+          <a:gsLst>
+            <a:gs pos="0">
+              <a:schemeClr val="phClr">
+                <a:tint val="50000"/>
+                <a:satMod val="300000"/>
+              </a:schemeClr>
+            </a:gs>
+            <a:gs pos="35000">
+              <a:schemeClr val="phClr">
+                <a:tint val="37000"/>
+                <a:satMod val="300000"/>
+              </a:schemeClr>
+            </a:gs>
+            <a:gs pos="100000">
+              <a:schemeClr val="phClr">
+                <a:tint val="15000"/>
+                <a:satMod val="350000"/>
+              </a:schemeClr>
+            </a:gs>
+          </a:gsLst>
+          <a:lin ang="16200000" scaled="1"/>
+        </a:gradFill>
+        <a:gradFill rotWithShape="1">
+          <a:gsLst>
+            <a:gs pos="0">
+              <a:schemeClr val="phClr">
+                <a:tint val="100000"/>
+                <a:shade val="100000"/>
+                <a:satMod val="130000"/>
+              </a:schemeClr>
+            </a:gs>
+            <a:gs pos="100000">
+              <a:schemeClr val="phClr">
+                <a:tint val="50000"/>
+                <a:shade val="100000"/>
+                <a:satMod val="350000"/>
+              </a:schemeClr>
+            </a:gs>
+          </a:gsLst>
+          <a:lin ang="16200000" scaled="0"/>
+        </a:gradFill>
+      </a:fillStyleLst>
+      <a:lnStyleLst>
+        <a:ln w="9525" cap="flat" cmpd="sng" algn="ctr">
+          <a:solidFill>
+            <a:schemeClr val="phClr">
+              <a:shade val="95000"/>
+              <a:satMod val="105000"/>
+            </a:schemeClr>
+          </a:solidFill>
+          <a:prstDash val="solid"/>
+        </a:ln>
+        <a:ln w="25400" cap="flat" cmpd="sng" algn="ctr">
+          <a:solidFill>
+            <a:schemeClr val="phClr"/>
+          </a:solidFill>
+          <a:prstDash val="solid"/>
+        </a:ln>
+        <a:ln w="38100" cap="flat" cmpd="sng" algn="ctr">
+          <a:solidFill>
+            <a:schemeClr val="phClr"/>
+          </a:solidFill>
+          <a:prstDash val="solid"/>
+        </a:ln>
+      </a:lnStyleLst>
+      <a:effectStyleLst>
+        <a:effectStyle>
+          <a:effectLst>
+            <a:outerShdw blurRad="40000" dist="20000" dir="5400000" rotWithShape="0">
+              <a:srgbClr val="000000">
+                <a:alpha val="38000"/>
+              </a:srgbClr>
+            </a:outerShdw>
+          </a:effectLst>
+        </a:effectStyle>
+        <a:effectStyle>
+          <a:effectLst>
+            <a:outerShdw blurRad="40000" dist="23000" dir="5400000" rotWithShape="0">
+              <a:srgbClr val="000000">
+                <a:alpha val="35000"/>
+              </a:srgbClr>
+            </a:outerShdw>
+          </a:effectLst>
+        </a:effectStyle>
+        <a:effectStyle>
+          <a:effectLst>
+            <a:outerShdw blurRad="40000" dist="23000" dir="5400000" rotWithShape="0">
+              <a:srgbClr val="000000">
+                <a:alpha val="35000"/>
+              </a:srgbClr>
+            </a:outerShdw>
+          </a:effectLst>
+          <a:scene3d>
+            <a:camera prst="orthographicFront">
+              <a:rot lat="0" lon="0" rev="0"/>
+            </a:camera>
+            <a:lightRig rig="threePt" dir="t">
+              <a:rot lat="0" lon="0" rev="1200000"/>
+            </a:lightRig>
+          </a:scene3d>
+          <a:sp3d>
+            <a:bevelT w="63500" h="25400"/>
+          </a:sp3d>
+        </a:effectStyle>
+      </a:effectStyleLst>
+      <a:bgFillStyleLst>
+        <a:solidFill>
+          <a:schemeClr val="phClr"/>
+        </a:solidFill>
+        <a:gradFill rotWithShape="1">
+          <a:gsLst>
+            <a:gs pos="0">
+              <a:schemeClr val="phClr">
+                <a:tint val="40000"/>
+                <a:satMod val="350000"/>
+              </a:schemeClr>
+            </a:gs>
+            <a:gs pos="40000">
+              <a:schemeClr val="phClr">
+                <a:tint val="45000"/>
+                <a:shade val="99000"/>
+                <a:satMod val="350000"/>
+              </a:schemeClr>
+            </a:gs>
+            <a:gs pos="100000">
+              <a:schemeClr val="phClr">
+                <a:shade val="20000"/>
+                <a:satMod val="255000"/>
+              </a:schemeClr>
+            </a:gs>
+          </a:gsLst>
+          <a:path path="circle">
+            <a:fillToRect l="50000" t="-80000" r="50000" b="180000"/>
+          </a:path>
+        </a:gradFill>
+        <a:gradFill rotWithShape="1">
+          <a:gsLst>
+            <a:gs pos="0">
+              <a:schemeClr val="phClr">
+                <a:tint val="80000"/>
+                <a:satMod val="300000"/>
+              </a:schemeClr>
+            </a:gs>
+            <a:gs pos="100000">
+              <a:schemeClr val="phClr">
+                <a:shade val="30000"/>
+                <a:satMod val="200000"/>
+              </a:schemeClr>
+            </a:gs>
+          </a:gsLst>
+          <a:path path="circle">
+            <a:fillToRect l="50000" t="50000" r="50000" b="50000"/>
+          </a:path>
+        </a:gradFill>
+      </a:bgFillStyleLst>
+    </a:fmtScheme>
+  </a:themeElements>
+</a:theme>
+</file>
+
+<file path=ppt/theme/theme2.xml><?xml version="1.0" encoding="utf-8"?>
 <a:theme xmlns:a="http://schemas.openxmlformats.org/drawingml/2006/main" xmlns:r="http://schemas.openxmlformats.org/officeDocument/2006/relationships">
   <a:themeElements>
     <a:clrScheme name="Default">
@@ -22442,283 +22654,4 @@
     </a:fmtScheme>
   </a:themeElements>
 </a:theme>
-</file>
-
-<file path=ppt/theme/theme2.xml><?xml version="1.0" encoding="utf-8"?>
-<a:theme xmlns:a="http://schemas.openxmlformats.org/drawingml/2006/main" xmlns:r="http://schemas.openxmlformats.org/officeDocument/2006/relationships" name="AMOS Slides Template">
-  <a:themeElements>
-    <a:clrScheme name="Simple Light">
-      <a:dk1>
-        <a:srgbClr val="000000"/>
-      </a:dk1>
-      <a:lt1>
-        <a:srgbClr val="FFFFFF"/>
-      </a:lt1>
-      <a:dk2>
-        <a:srgbClr val="404040"/>
-      </a:dk2>
-      <a:lt2>
-        <a:srgbClr val="808080"/>
-      </a:lt2>
-      <a:accent1>
-        <a:srgbClr val="D0D0D0"/>
-      </a:accent1>
-      <a:accent2>
-        <a:srgbClr val="4169E1"/>
-      </a:accent2>
-      <a:accent3>
-        <a:srgbClr val="D50D01"/>
-      </a:accent3>
-      <a:accent4>
-        <a:srgbClr val="FEB612"/>
-      </a:accent4>
-      <a:accent5>
-        <a:srgbClr val="4CAF50"/>
-      </a:accent5>
-      <a:accent6>
-        <a:srgbClr val="8E44AD"/>
-      </a:accent6>
-      <a:hlink>
-        <a:srgbClr val="34A3C5"/>
-      </a:hlink>
-      <a:folHlink>
-        <a:srgbClr val="0097A7"/>
-      </a:folHlink>
-    </a:clrScheme>
-    <a:fontScheme name="Office">
-      <a:majorFont>
-        <a:latin typeface="Arial"/>
-        <a:ea typeface=""/>
-        <a:cs typeface=""/>
-        <a:font script="Jpan" typeface="ＭＳ Ｐゴシック"/>
-        <a:font script="Hang" typeface="맑은 고딕"/>
-        <a:font script="Hans" typeface="宋体"/>
-        <a:font script="Hant" typeface="新細明體"/>
-        <a:font script="Arab" typeface="Times New Roman"/>
-        <a:font script="Hebr" typeface="Times New Roman"/>
-        <a:font script="Thai" typeface="Angsana New"/>
-        <a:font script="Ethi" typeface="Nyala"/>
-        <a:font script="Beng" typeface="Vrinda"/>
-        <a:font script="Gujr" typeface="Shruti"/>
-        <a:font script="Khmr" typeface="MoolBoran"/>
-        <a:font script="Knda" typeface="Tunga"/>
-        <a:font script="Guru" typeface="Raavi"/>
-        <a:font script="Cans" typeface="Euphemia"/>
-        <a:font script="Cher" typeface="Plantagenet Cherokee"/>
-        <a:font script="Yiii" typeface="Microsoft Yi Baiti"/>
-        <a:font script="Tibt" typeface="Microsoft Himalaya"/>
-        <a:font script="Thaa" typeface="MV Boli"/>
-        <a:font script="Deva" typeface="Mangal"/>
-        <a:font script="Telu" typeface="Gautami"/>
-        <a:font script="Taml" typeface="Latha"/>
-        <a:font script="Syrc" typeface="Estrangelo Edessa"/>
-        <a:font script="Orya" typeface="Kalinga"/>
-        <a:font script="Mlym" typeface="Kartika"/>
-        <a:font script="Laoo" typeface="DokChampa"/>
-        <a:font script="Sinh" typeface="Iskoola Pota"/>
-        <a:font script="Mong" typeface="Mongolian Baiti"/>
-        <a:font script="Viet" typeface="Times New Roman"/>
-        <a:font script="Uigh" typeface="Microsoft Uighur"/>
-        <a:font script="Geor" typeface="Sylfaen"/>
-      </a:majorFont>
-      <a:minorFont>
-        <a:latin typeface="Arial"/>
-        <a:ea typeface=""/>
-        <a:cs typeface=""/>
-        <a:font script="Jpan" typeface="ＭＳ Ｐゴシック"/>
-        <a:font script="Hang" typeface="맑은 고딕"/>
-        <a:font script="Hans" typeface="宋体"/>
-        <a:font script="Hant" typeface="新細明體"/>
-        <a:font script="Arab" typeface="Arial"/>
-        <a:font script="Hebr" typeface="Arial"/>
-        <a:font script="Thai" typeface="Cordia New"/>
-        <a:font script="Ethi" typeface="Nyala"/>
-        <a:font script="Beng" typeface="Vrinda"/>
-        <a:font script="Gujr" typeface="Shruti"/>
-        <a:font script="Khmr" typeface="DaunPenh"/>
-        <a:font script="Knda" typeface="Tunga"/>
-        <a:font script="Guru" typeface="Raavi"/>
-        <a:font script="Cans" typeface="Euphemia"/>
-        <a:font script="Cher" typeface="Plantagenet Cherokee"/>
-        <a:font script="Yiii" typeface="Microsoft Yi Baiti"/>
-        <a:font script="Tibt" typeface="Microsoft Himalaya"/>
-        <a:font script="Thaa" typeface="MV Boli"/>
-        <a:font script="Deva" typeface="Mangal"/>
-        <a:font script="Telu" typeface="Gautami"/>
-        <a:font script="Taml" typeface="Latha"/>
-        <a:font script="Syrc" typeface="Estrangelo Edessa"/>
-        <a:font script="Orya" typeface="Kalinga"/>
-        <a:font script="Mlym" typeface="Kartika"/>
-        <a:font script="Laoo" typeface="DokChampa"/>
-        <a:font script="Sinh" typeface="Iskoola Pota"/>
-        <a:font script="Mong" typeface="Mongolian Baiti"/>
-        <a:font script="Viet" typeface="Arial"/>
-        <a:font script="Uigh" typeface="Microsoft Uighur"/>
-        <a:font script="Geor" typeface="Sylfaen"/>
-      </a:minorFont>
-    </a:fontScheme>
-    <a:fmtScheme name="Office">
-      <a:fillStyleLst>
-        <a:solidFill>
-          <a:schemeClr val="phClr"/>
-        </a:solidFill>
-        <a:gradFill rotWithShape="1">
-          <a:gsLst>
-            <a:gs pos="0">
-              <a:schemeClr val="phClr">
-                <a:tint val="50000"/>
-                <a:satMod val="300000"/>
-              </a:schemeClr>
-            </a:gs>
-            <a:gs pos="35000">
-              <a:schemeClr val="phClr">
-                <a:tint val="37000"/>
-                <a:satMod val="300000"/>
-              </a:schemeClr>
-            </a:gs>
-            <a:gs pos="100000">
-              <a:schemeClr val="phClr">
-                <a:tint val="15000"/>
-                <a:satMod val="350000"/>
-              </a:schemeClr>
-            </a:gs>
-          </a:gsLst>
-          <a:lin ang="16200000" scaled="1"/>
-        </a:gradFill>
-        <a:gradFill rotWithShape="1">
-          <a:gsLst>
-            <a:gs pos="0">
-              <a:schemeClr val="phClr">
-                <a:tint val="100000"/>
-                <a:shade val="100000"/>
-                <a:satMod val="130000"/>
-              </a:schemeClr>
-            </a:gs>
-            <a:gs pos="100000">
-              <a:schemeClr val="phClr">
-                <a:tint val="50000"/>
-                <a:shade val="100000"/>
-                <a:satMod val="350000"/>
-              </a:schemeClr>
-            </a:gs>
-          </a:gsLst>
-          <a:lin ang="16200000" scaled="0"/>
-        </a:gradFill>
-      </a:fillStyleLst>
-      <a:lnStyleLst>
-        <a:ln w="9525" cap="flat" cmpd="sng" algn="ctr">
-          <a:solidFill>
-            <a:schemeClr val="phClr">
-              <a:shade val="95000"/>
-              <a:satMod val="105000"/>
-            </a:schemeClr>
-          </a:solidFill>
-          <a:prstDash val="solid"/>
-        </a:ln>
-        <a:ln w="25400" cap="flat" cmpd="sng" algn="ctr">
-          <a:solidFill>
-            <a:schemeClr val="phClr"/>
-          </a:solidFill>
-          <a:prstDash val="solid"/>
-        </a:ln>
-        <a:ln w="38100" cap="flat" cmpd="sng" algn="ctr">
-          <a:solidFill>
-            <a:schemeClr val="phClr"/>
-          </a:solidFill>
-          <a:prstDash val="solid"/>
-        </a:ln>
-      </a:lnStyleLst>
-      <a:effectStyleLst>
-        <a:effectStyle>
-          <a:effectLst>
-            <a:outerShdw blurRad="40000" dist="20000" dir="5400000" rotWithShape="0">
-              <a:srgbClr val="000000">
-                <a:alpha val="38000"/>
-              </a:srgbClr>
-            </a:outerShdw>
-          </a:effectLst>
-        </a:effectStyle>
-        <a:effectStyle>
-          <a:effectLst>
-            <a:outerShdw blurRad="40000" dist="23000" dir="5400000" rotWithShape="0">
-              <a:srgbClr val="000000">
-                <a:alpha val="35000"/>
-              </a:srgbClr>
-            </a:outerShdw>
-          </a:effectLst>
-        </a:effectStyle>
-        <a:effectStyle>
-          <a:effectLst>
-            <a:outerShdw blurRad="40000" dist="23000" dir="5400000" rotWithShape="0">
-              <a:srgbClr val="000000">
-                <a:alpha val="35000"/>
-              </a:srgbClr>
-            </a:outerShdw>
-          </a:effectLst>
-          <a:scene3d>
-            <a:camera prst="orthographicFront">
-              <a:rot lat="0" lon="0" rev="0"/>
-            </a:camera>
-            <a:lightRig rig="threePt" dir="t">
-              <a:rot lat="0" lon="0" rev="1200000"/>
-            </a:lightRig>
-          </a:scene3d>
-          <a:sp3d>
-            <a:bevelT w="63500" h="25400"/>
-          </a:sp3d>
-        </a:effectStyle>
-      </a:effectStyleLst>
-      <a:bgFillStyleLst>
-        <a:solidFill>
-          <a:schemeClr val="phClr"/>
-        </a:solidFill>
-        <a:gradFill rotWithShape="1">
-          <a:gsLst>
-            <a:gs pos="0">
-              <a:schemeClr val="phClr">
-                <a:tint val="40000"/>
-                <a:satMod val="350000"/>
-              </a:schemeClr>
-            </a:gs>
-            <a:gs pos="40000">
-              <a:schemeClr val="phClr">
-                <a:tint val="45000"/>
-                <a:shade val="99000"/>
-                <a:satMod val="350000"/>
-              </a:schemeClr>
-            </a:gs>
-            <a:gs pos="100000">
-              <a:schemeClr val="phClr">
-                <a:shade val="20000"/>
-                <a:satMod val="255000"/>
-              </a:schemeClr>
-            </a:gs>
-          </a:gsLst>
-          <a:path path="circle">
-            <a:fillToRect l="50000" t="-80000" r="50000" b="180000"/>
-          </a:path>
-        </a:gradFill>
-        <a:gradFill rotWithShape="1">
-          <a:gsLst>
-            <a:gs pos="0">
-              <a:schemeClr val="phClr">
-                <a:tint val="80000"/>
-                <a:satMod val="300000"/>
-              </a:schemeClr>
-            </a:gs>
-            <a:gs pos="100000">
-              <a:schemeClr val="phClr">
-                <a:shade val="30000"/>
-                <a:satMod val="200000"/>
-              </a:schemeClr>
-            </a:gs>
-          </a:gsLst>
-          <a:path path="circle">
-            <a:fillToRect l="50000" t="50000" r="50000" b="50000"/>
-          </a:path>
-        </a:gradFill>
-      </a:bgFillStyleLst>
-    </a:fmtScheme>
-  </a:themeElements>
-</a:theme>
 </file>
--- a/Lecture slides/AMOS B02 - Scrum and AMOS.pptx
+++ b/Lecture slides/AMOS B02 - Scrum and AMOS.pptx
@@ -12017,7 +12017,7 @@
             </a:pPr>
             <a:r>
               <a:rPr lang="en"/>
-              <a:t>Deploys sprint release to operations environment</a:t>
+              <a:t>Deploys sprint release to production environment</a:t>
             </a:r>
             <a:endParaRPr/>
           </a:p>
@@ -13515,7 +13515,7 @@
             <a:tbl>
               <a:tblPr>
                 <a:noFill/>
-                <a:tableStyleId>{9493ED4C-9E21-4E13-865B-69EB0BF473B9}</a:tableStyleId>
+                <a:tableStyleId>{CFB260D9-3816-47DC-9307-1762282DE109}</a:tableStyleId>
               </a:tblPr>
               <a:tblGrid>
                 <a:gridCol w="2057400"/>
@@ -15415,7 +15415,7 @@
             </a:pPr>
             <a:r>
               <a:rPr lang="en"/>
-              <a:t>Bill of materials</a:t>
+              <a:t>Software bill of materials</a:t>
             </a:r>
             <a:endParaRPr/>
           </a:p>
@@ -15852,7 +15852,7 @@
             <a:tbl>
               <a:tblPr>
                 <a:noFill/>
-                <a:tableStyleId>{9493ED4C-9E21-4E13-865B-69EB0BF473B9}</a:tableStyleId>
+                <a:tableStyleId>{CFB260D9-3816-47DC-9307-1762282DE109}</a:tableStyleId>
               </a:tblPr>
               <a:tblGrid>
                 <a:gridCol w="638675"/>
@@ -17278,7 +17278,7 @@
             </a:r>
             <a:r>
               <a:rPr lang="en"/>
-              <a:t>. Bill of Materials</a:t>
+              <a:t>. Software Bill of Materials</a:t>
             </a:r>
             <a:endParaRPr/>
           </a:p>
@@ -17787,7 +17787,7 @@
             <a:tbl>
               <a:tblPr>
                 <a:noFill/>
-                <a:tableStyleId>{9493ED4C-9E21-4E13-865B-69EB0BF473B9}</a:tableStyleId>
+                <a:tableStyleId>{CFB260D9-3816-47DC-9307-1762282DE109}</a:tableStyleId>
               </a:tblPr>
               <a:tblGrid>
                 <a:gridCol w="1280725"/>
@@ -18025,10 +18025,10 @@
                         <a:buNone/>
                       </a:pPr>
                       <a:r>
-                        <a:rPr lang="en" sz="1200"/>
+                        <a:rPr lang="en"/>
                         <a:t>1</a:t>
                       </a:r>
-                      <a:endParaRPr sz="1200"/>
+                      <a:endParaRPr/>
                     </a:p>
                   </a:txBody>
                   <a:tcPr marT="91425" marB="91425" marR="91425" marL="91425" anchor="ctr">
@@ -18088,10 +18088,10 @@
                         <a:buNone/>
                       </a:pPr>
                       <a:r>
-                        <a:rPr lang="en" sz="1200"/>
+                        <a:rPr lang="en"/>
                         <a:t>Context</a:t>
                       </a:r>
-                      <a:endParaRPr sz="1200"/>
+                      <a:endParaRPr/>
                     </a:p>
                   </a:txBody>
                   <a:tcPr marT="91425" marB="91425" marR="91425" marL="91425" anchor="ctr">
@@ -18151,10 +18151,10 @@
                         <a:buNone/>
                       </a:pPr>
                       <a:r>
-                        <a:rPr lang="en" sz="1200"/>
+                        <a:rPr lang="en"/>
                         <a:t>com.google.code.gson</a:t>
                       </a:r>
-                      <a:endParaRPr sz="1200"/>
+                      <a:endParaRPr/>
                     </a:p>
                   </a:txBody>
                   <a:tcPr marT="91425" marB="91425" marR="91425" marL="91425" anchor="ctr">
@@ -18216,10 +18216,10 @@
                         <a:buNone/>
                       </a:pPr>
                       <a:r>
-                        <a:rPr lang="en" sz="1200"/>
+                        <a:rPr lang="en"/>
                         <a:t>2</a:t>
                       </a:r>
-                      <a:endParaRPr sz="1200"/>
+                      <a:endParaRPr/>
                     </a:p>
                   </a:txBody>
                   <a:tcPr marT="91425" marB="91425" marR="91425" marL="91425" anchor="ctr">
@@ -18279,10 +18279,10 @@
                         <a:buNone/>
                       </a:pPr>
                       <a:r>
-                        <a:rPr lang="en" sz="1200"/>
+                        <a:rPr lang="en"/>
                         <a:t>Name</a:t>
                       </a:r>
-                      <a:endParaRPr sz="1200"/>
+                      <a:endParaRPr/>
                     </a:p>
                   </a:txBody>
                   <a:tcPr marT="91425" marB="91425" marR="91425" marL="91425" anchor="ctr">
@@ -18342,10 +18342,10 @@
                         <a:buNone/>
                       </a:pPr>
                       <a:r>
-                        <a:rPr lang="en" sz="1200"/>
+                        <a:rPr lang="en"/>
                         <a:t>gson</a:t>
                       </a:r>
-                      <a:endParaRPr sz="1200"/>
+                      <a:endParaRPr/>
                     </a:p>
                   </a:txBody>
                   <a:tcPr marT="91425" marB="91425" marR="91425" marL="91425" anchor="ctr">
@@ -18407,10 +18407,10 @@
                         <a:buNone/>
                       </a:pPr>
                       <a:r>
-                        <a:rPr lang="en" sz="1200"/>
+                        <a:rPr lang="en"/>
                         <a:t>3</a:t>
                       </a:r>
-                      <a:endParaRPr sz="1200"/>
+                      <a:endParaRPr/>
                     </a:p>
                   </a:txBody>
                   <a:tcPr marT="91425" marB="91425" marR="91425" marL="91425" anchor="ctr">
@@ -18470,10 +18470,10 @@
                         <a:buNone/>
                       </a:pPr>
                       <a:r>
-                        <a:rPr lang="en" sz="1200"/>
+                        <a:rPr lang="en"/>
                         <a:t>Version</a:t>
                       </a:r>
-                      <a:endParaRPr sz="1200"/>
+                      <a:endParaRPr/>
                     </a:p>
                   </a:txBody>
                   <a:tcPr marT="91425" marB="91425" marR="91425" marL="91425" anchor="ctr">
@@ -18533,10 +18533,10 @@
                         <a:buNone/>
                       </a:pPr>
                       <a:r>
-                        <a:rPr lang="en" sz="1200"/>
+                        <a:rPr lang="en"/>
                         <a:t>2.3.1</a:t>
                       </a:r>
-                      <a:endParaRPr sz="1200"/>
+                      <a:endParaRPr/>
                     </a:p>
                   </a:txBody>
                   <a:tcPr marT="91425" marB="91425" marR="91425" marL="91425" anchor="ctr">
@@ -18598,10 +18598,10 @@
                         <a:buNone/>
                       </a:pPr>
                       <a:r>
-                        <a:rPr lang="en" sz="1200"/>
+                        <a:rPr lang="en"/>
                         <a:t>4</a:t>
                       </a:r>
-                      <a:endParaRPr sz="1200"/>
+                      <a:endParaRPr/>
                     </a:p>
                   </a:txBody>
                   <a:tcPr marT="91425" marB="91425" marR="91425" marL="91425" anchor="ctr">
@@ -18661,10 +18661,10 @@
                         <a:buNone/>
                       </a:pPr>
                       <a:r>
-                        <a:rPr lang="en" sz="1200"/>
+                        <a:rPr lang="en"/>
                         <a:t>License</a:t>
                       </a:r>
-                      <a:endParaRPr sz="1200"/>
+                      <a:endParaRPr/>
                     </a:p>
                   </a:txBody>
                   <a:tcPr marT="91425" marB="91425" marR="91425" marL="91425" anchor="ctr">
@@ -18724,10 +18724,10 @@
                         <a:buNone/>
                       </a:pPr>
                       <a:r>
-                        <a:rPr lang="en" sz="1200"/>
+                        <a:rPr lang="en"/>
                         <a:t>Apache-2.0</a:t>
                       </a:r>
-                      <a:endParaRPr sz="1200"/>
+                      <a:endParaRPr/>
                     </a:p>
                   </a:txBody>
                   <a:tcPr marT="91425" marB="91425" marR="91425" marL="91425" anchor="ctr">
@@ -18789,10 +18789,10 @@
                         <a:buNone/>
                       </a:pPr>
                       <a:r>
-                        <a:rPr lang="en" sz="1200"/>
+                        <a:rPr lang="en"/>
                         <a:t>5</a:t>
                       </a:r>
-                      <a:endParaRPr sz="1200"/>
+                      <a:endParaRPr/>
                     </a:p>
                   </a:txBody>
                   <a:tcPr marT="91425" marB="91425" marR="91425" marL="91425" anchor="ctr">
@@ -18852,10 +18852,10 @@
                         <a:buNone/>
                       </a:pPr>
                       <a:r>
-                        <a:rPr lang="en" sz="1200"/>
+                        <a:rPr lang="en"/>
                         <a:t>Comment (optional)</a:t>
                       </a:r>
-                      <a:endParaRPr sz="1200"/>
+                      <a:endParaRPr/>
                     </a:p>
                   </a:txBody>
                   <a:tcPr marT="91425" marB="91425" marR="91425" marL="91425" anchor="ctr">
@@ -18915,10 +18915,10 @@
                         <a:buNone/>
                       </a:pPr>
                       <a:r>
-                        <a:rPr lang="en" sz="1200"/>
+                        <a:rPr lang="en"/>
                         <a:t>Pulled from Maven Central</a:t>
                       </a:r>
-                      <a:endParaRPr sz="1200"/>
+                      <a:endParaRPr/>
                     </a:p>
                   </a:txBody>
                   <a:tcPr marT="91425" marB="91425" marR="91425" marL="91425" anchor="ctr">
@@ -20566,7 +20566,7 @@
             </a:pPr>
             <a:r>
               <a:rPr lang="en"/>
-              <a:t>Bill of materials</a:t>
+              <a:t>Software bill of materials</a:t>
             </a:r>
             <a:endParaRPr/>
           </a:p>
@@ -22099,6 +22099,285 @@
 </file>
 
 <file path=ppt/theme/theme1.xml><?xml version="1.0" encoding="utf-8"?>
+<a:theme xmlns:a="http://schemas.openxmlformats.org/drawingml/2006/main" xmlns:r="http://schemas.openxmlformats.org/officeDocument/2006/relationships">
+  <a:themeElements>
+    <a:clrScheme name="Default">
+      <a:dk1>
+        <a:srgbClr val="000000"/>
+      </a:dk1>
+      <a:lt1>
+        <a:srgbClr val="FFFFFF"/>
+      </a:lt1>
+      <a:dk2>
+        <a:srgbClr val="158158"/>
+      </a:dk2>
+      <a:lt2>
+        <a:srgbClr val="F3F3F3"/>
+      </a:lt2>
+      <a:accent1>
+        <a:srgbClr val="058DC7"/>
+      </a:accent1>
+      <a:accent2>
+        <a:srgbClr val="50B432"/>
+      </a:accent2>
+      <a:accent3>
+        <a:srgbClr val="ED561B"/>
+      </a:accent3>
+      <a:accent4>
+        <a:srgbClr val="EDEF00"/>
+      </a:accent4>
+      <a:accent5>
+        <a:srgbClr val="24CBE5"/>
+      </a:accent5>
+      <a:accent6>
+        <a:srgbClr val="64E572"/>
+      </a:accent6>
+      <a:hlink>
+        <a:srgbClr val="2200CC"/>
+      </a:hlink>
+      <a:folHlink>
+        <a:srgbClr val="551A8B"/>
+      </a:folHlink>
+    </a:clrScheme>
+    <a:fontScheme name="Office">
+      <a:majorFont>
+        <a:latin typeface="Arial"/>
+        <a:ea typeface=""/>
+        <a:cs typeface=""/>
+        <a:font script="Jpan" typeface="ＭＳ Ｐゴシック"/>
+        <a:font script="Hang" typeface="맑은 고딕"/>
+        <a:font script="Hans" typeface="宋体"/>
+        <a:font script="Hant" typeface="新細明體"/>
+        <a:font script="Arab" typeface="Times New Roman"/>
+        <a:font script="Hebr" typeface="Times New Roman"/>
+        <a:font script="Thai" typeface="Angsana New"/>
+        <a:font script="Ethi" typeface="Nyala"/>
+        <a:font script="Beng" typeface="Vrinda"/>
+        <a:font script="Gujr" typeface="Shruti"/>
+        <a:font script="Khmr" typeface="MoolBoran"/>
+        <a:font script="Knda" typeface="Tunga"/>
+        <a:font script="Guru" typeface="Raavi"/>
+        <a:font script="Cans" typeface="Euphemia"/>
+        <a:font script="Cher" typeface="Plantagenet Cherokee"/>
+        <a:font script="Yiii" typeface="Microsoft Yi Baiti"/>
+        <a:font script="Tibt" typeface="Microsoft Himalaya"/>
+        <a:font script="Thaa" typeface="MV Boli"/>
+        <a:font script="Deva" typeface="Mangal"/>
+        <a:font script="Telu" typeface="Gautami"/>
+        <a:font script="Taml" typeface="Latha"/>
+        <a:font script="Syrc" typeface="Estrangelo Edessa"/>
+        <a:font script="Orya" typeface="Kalinga"/>
+        <a:font script="Mlym" typeface="Kartika"/>
+        <a:font script="Laoo" typeface="DokChampa"/>
+        <a:font script="Sinh" typeface="Iskoola Pota"/>
+        <a:font script="Mong" typeface="Mongolian Baiti"/>
+        <a:font script="Viet" typeface="Times New Roman"/>
+        <a:font script="Uigh" typeface="Microsoft Uighur"/>
+        <a:font script="Geor" typeface="Sylfaen"/>
+      </a:majorFont>
+      <a:minorFont>
+        <a:latin typeface="Arial"/>
+        <a:ea typeface=""/>
+        <a:cs typeface=""/>
+        <a:font script="Jpan" typeface="ＭＳ Ｐゴシック"/>
+        <a:font script="Hang" typeface="맑은 고딕"/>
+        <a:font script="Hans" typeface="宋体"/>
+        <a:font script="Hant" typeface="新細明體"/>
+        <a:font script="Arab" typeface="Arial"/>
+        <a:font script="Hebr" typeface="Arial"/>
+        <a:font script="Thai" typeface="Cordia New"/>
+        <a:font script="Ethi" typeface="Nyala"/>
+        <a:font script="Beng" typeface="Vrinda"/>
+        <a:font script="Gujr" typeface="Shruti"/>
+        <a:font script="Khmr" typeface="DaunPenh"/>
+        <a:font script="Knda" typeface="Tunga"/>
+        <a:font script="Guru" typeface="Raavi"/>
+        <a:font script="Cans" typeface="Euphemia"/>
+        <a:font script="Cher" typeface="Plantagenet Cherokee"/>
+        <a:font script="Yiii" typeface="Microsoft Yi Baiti"/>
+        <a:font script="Tibt" typeface="Microsoft Himalaya"/>
+        <a:font script="Thaa" typeface="MV Boli"/>
+        <a:font script="Deva" typeface="Mangal"/>
+        <a:font script="Telu" typeface="Gautami"/>
+        <a:font script="Taml" typeface="Latha"/>
+        <a:font script="Syrc" typeface="Estrangelo Edessa"/>
+        <a:font script="Orya" typeface="Kalinga"/>
+        <a:font script="Mlym" typeface="Kartika"/>
+        <a:font script="Laoo" typeface="DokChampa"/>
+        <a:font script="Sinh" typeface="Iskoola Pota"/>
+        <a:font script="Mong" typeface="Mongolian Baiti"/>
+        <a:font script="Viet" typeface="Arial"/>
+        <a:font script="Uigh" typeface="Microsoft Uighur"/>
+        <a:font script="Geor" typeface="Sylfaen"/>
+      </a:minorFont>
+    </a:fontScheme>
+    <a:fmtScheme name="Office">
+      <a:fillStyleLst>
+        <a:solidFill>
+          <a:schemeClr val="phClr"/>
+        </a:solidFill>
+        <a:gradFill rotWithShape="1">
+          <a:gsLst>
+            <a:gs pos="0">
+              <a:schemeClr val="phClr">
+                <a:tint val="50000"/>
+                <a:satMod val="300000"/>
+              </a:schemeClr>
+            </a:gs>
+            <a:gs pos="35000">
+              <a:schemeClr val="phClr">
+                <a:tint val="37000"/>
+                <a:satMod val="300000"/>
+              </a:schemeClr>
+            </a:gs>
+            <a:gs pos="100000">
+              <a:schemeClr val="phClr">
+                <a:tint val="15000"/>
+                <a:satMod val="350000"/>
+              </a:schemeClr>
+            </a:gs>
+          </a:gsLst>
+          <a:lin ang="16200000" scaled="1"/>
+        </a:gradFill>
+        <a:gradFill rotWithShape="1">
+          <a:gsLst>
+            <a:gs pos="0">
+              <a:schemeClr val="phClr">
+                <a:tint val="100000"/>
+                <a:shade val="100000"/>
+                <a:satMod val="130000"/>
+              </a:schemeClr>
+            </a:gs>
+            <a:gs pos="100000">
+              <a:schemeClr val="phClr">
+                <a:tint val="50000"/>
+                <a:shade val="100000"/>
+                <a:satMod val="350000"/>
+              </a:schemeClr>
+            </a:gs>
+          </a:gsLst>
+          <a:lin ang="16200000" scaled="0"/>
+        </a:gradFill>
+      </a:fillStyleLst>
+      <a:lnStyleLst>
+        <a:ln w="9525" cap="flat" cmpd="sng" algn="ctr">
+          <a:solidFill>
+            <a:schemeClr val="phClr">
+              <a:shade val="95000"/>
+              <a:satMod val="105000"/>
+            </a:schemeClr>
+          </a:solidFill>
+          <a:prstDash val="solid"/>
+        </a:ln>
+        <a:ln w="25400" cap="flat" cmpd="sng" algn="ctr">
+          <a:solidFill>
+            <a:schemeClr val="phClr"/>
+          </a:solidFill>
+          <a:prstDash val="solid"/>
+        </a:ln>
+        <a:ln w="38100" cap="flat" cmpd="sng" algn="ctr">
+          <a:solidFill>
+            <a:schemeClr val="phClr"/>
+          </a:solidFill>
+          <a:prstDash val="solid"/>
+        </a:ln>
+      </a:lnStyleLst>
+      <a:effectStyleLst>
+        <a:effectStyle>
+          <a:effectLst>
+            <a:outerShdw blurRad="40000" dist="20000" dir="5400000" rotWithShape="0">
+              <a:srgbClr val="000000">
+                <a:alpha val="38000"/>
+              </a:srgbClr>
+            </a:outerShdw>
+          </a:effectLst>
+        </a:effectStyle>
+        <a:effectStyle>
+          <a:effectLst>
+            <a:outerShdw blurRad="40000" dist="23000" dir="5400000" rotWithShape="0">
+              <a:srgbClr val="000000">
+                <a:alpha val="35000"/>
+              </a:srgbClr>
+            </a:outerShdw>
+          </a:effectLst>
+        </a:effectStyle>
+        <a:effectStyle>
+          <a:effectLst>
+            <a:outerShdw blurRad="40000" dist="23000" dir="5400000" rotWithShape="0">
+              <a:srgbClr val="000000">
+                <a:alpha val="35000"/>
+              </a:srgbClr>
+            </a:outerShdw>
+          </a:effectLst>
+          <a:scene3d>
+            <a:camera prst="orthographicFront">
+              <a:rot lat="0" lon="0" rev="0"/>
+            </a:camera>
+            <a:lightRig rig="threePt" dir="t">
+              <a:rot lat="0" lon="0" rev="1200000"/>
+            </a:lightRig>
+          </a:scene3d>
+          <a:sp3d>
+            <a:bevelT w="63500" h="25400"/>
+          </a:sp3d>
+        </a:effectStyle>
+      </a:effectStyleLst>
+      <a:bgFillStyleLst>
+        <a:solidFill>
+          <a:schemeClr val="phClr"/>
+        </a:solidFill>
+        <a:gradFill rotWithShape="1">
+          <a:gsLst>
+            <a:gs pos="0">
+              <a:schemeClr val="phClr">
+                <a:tint val="40000"/>
+                <a:satMod val="350000"/>
+              </a:schemeClr>
+            </a:gs>
+            <a:gs pos="40000">
+              <a:schemeClr val="phClr">
+                <a:tint val="45000"/>
+                <a:shade val="99000"/>
+                <a:satMod val="350000"/>
+              </a:schemeClr>
+            </a:gs>
+            <a:gs pos="100000">
+              <a:schemeClr val="phClr">
+                <a:shade val="20000"/>
+                <a:satMod val="255000"/>
+              </a:schemeClr>
+            </a:gs>
+          </a:gsLst>
+          <a:path path="circle">
+            <a:fillToRect l="50000" t="-80000" r="50000" b="180000"/>
+          </a:path>
+        </a:gradFill>
+        <a:gradFill rotWithShape="1">
+          <a:gsLst>
+            <a:gs pos="0">
+              <a:schemeClr val="phClr">
+                <a:tint val="80000"/>
+                <a:satMod val="300000"/>
+              </a:schemeClr>
+            </a:gs>
+            <a:gs pos="100000">
+              <a:schemeClr val="phClr">
+                <a:shade val="30000"/>
+                <a:satMod val="200000"/>
+              </a:schemeClr>
+            </a:gs>
+          </a:gsLst>
+          <a:path path="circle">
+            <a:fillToRect l="50000" t="50000" r="50000" b="50000"/>
+          </a:path>
+        </a:gradFill>
+      </a:bgFillStyleLst>
+    </a:fmtScheme>
+  </a:themeElements>
+</a:theme>
+</file>
+
+<file path=ppt/theme/theme2.xml><?xml version="1.0" encoding="utf-8"?>
 <a:theme xmlns:a="http://schemas.openxmlformats.org/drawingml/2006/main" xmlns:r="http://schemas.openxmlformats.org/officeDocument/2006/relationships" name="AMOS Slides Template">
   <a:themeElements>
     <a:clrScheme name="Simple Light">
@@ -22375,283 +22654,4 @@
     </a:fmtScheme>
   </a:themeElements>
 </a:theme>
-</file>
-
-<file path=ppt/theme/theme2.xml><?xml version="1.0" encoding="utf-8"?>
-<a:theme xmlns:a="http://schemas.openxmlformats.org/drawingml/2006/main" xmlns:r="http://schemas.openxmlformats.org/officeDocument/2006/relationships">
-  <a:themeElements>
-    <a:clrScheme name="Default">
-      <a:dk1>
-        <a:srgbClr val="000000"/>
-      </a:dk1>
-      <a:lt1>
-        <a:srgbClr val="FFFFFF"/>
-      </a:lt1>
-      <a:dk2>
-        <a:srgbClr val="158158"/>
-      </a:dk2>
-      <a:lt2>
-        <a:srgbClr val="F3F3F3"/>
-      </a:lt2>
-      <a:accent1>
-        <a:srgbClr val="058DC7"/>
-      </a:accent1>
-      <a:accent2>
-        <a:srgbClr val="50B432"/>
-      </a:accent2>
-      <a:accent3>
-        <a:srgbClr val="ED561B"/>
-      </a:accent3>
-      <a:accent4>
-        <a:srgbClr val="EDEF00"/>
-      </a:accent4>
-      <a:accent5>
-        <a:srgbClr val="24CBE5"/>
-      </a:accent5>
-      <a:accent6>
-        <a:srgbClr val="64E572"/>
-      </a:accent6>
-      <a:hlink>
-        <a:srgbClr val="2200CC"/>
-      </a:hlink>
-      <a:folHlink>
-        <a:srgbClr val="551A8B"/>
-      </a:folHlink>
-    </a:clrScheme>
-    <a:fontScheme name="Office">
-      <a:majorFont>
-        <a:latin typeface="Arial"/>
-        <a:ea typeface=""/>
-        <a:cs typeface=""/>
-        <a:font script="Jpan" typeface="ＭＳ Ｐゴシック"/>
-        <a:font script="Hang" typeface="맑은 고딕"/>
-        <a:font script="Hans" typeface="宋体"/>
-        <a:font script="Hant" typeface="新細明體"/>
-        <a:font script="Arab" typeface="Times New Roman"/>
-        <a:font script="Hebr" typeface="Times New Roman"/>
-        <a:font script="Thai" typeface="Angsana New"/>
-        <a:font script="Ethi" typeface="Nyala"/>
-        <a:font script="Beng" typeface="Vrinda"/>
-        <a:font script="Gujr" typeface="Shruti"/>
-        <a:font script="Khmr" typeface="MoolBoran"/>
-        <a:font script="Knda" typeface="Tunga"/>
-        <a:font script="Guru" typeface="Raavi"/>
-        <a:font script="Cans" typeface="Euphemia"/>
-        <a:font script="Cher" typeface="Plantagenet Cherokee"/>
-        <a:font script="Yiii" typeface="Microsoft Yi Baiti"/>
-        <a:font script="Tibt" typeface="Microsoft Himalaya"/>
-        <a:font script="Thaa" typeface="MV Boli"/>
-        <a:font script="Deva" typeface="Mangal"/>
-        <a:font script="Telu" typeface="Gautami"/>
-        <a:font script="Taml" typeface="Latha"/>
-        <a:font script="Syrc" typeface="Estrangelo Edessa"/>
-        <a:font script="Orya" typeface="Kalinga"/>
-        <a:font script="Mlym" typeface="Kartika"/>
-        <a:font script="Laoo" typeface="DokChampa"/>
-        <a:font script="Sinh" typeface="Iskoola Pota"/>
-        <a:font script="Mong" typeface="Mongolian Baiti"/>
-        <a:font script="Viet" typeface="Times New Roman"/>
-        <a:font script="Uigh" typeface="Microsoft Uighur"/>
-        <a:font script="Geor" typeface="Sylfaen"/>
-      </a:majorFont>
-      <a:minorFont>
-        <a:latin typeface="Arial"/>
-        <a:ea typeface=""/>
-        <a:cs typeface=""/>
-        <a:font script="Jpan" typeface="ＭＳ Ｐゴシック"/>
-        <a:font script="Hang" typeface="맑은 고딕"/>
-        <a:font script="Hans" typeface="宋体"/>
-        <a:font script="Hant" typeface="新細明體"/>
-        <a:font script="Arab" typeface="Arial"/>
-        <a:font script="Hebr" typeface="Arial"/>
-        <a:font script="Thai" typeface="Cordia New"/>
-        <a:font script="Ethi" typeface="Nyala"/>
-        <a:font script="Beng" typeface="Vrinda"/>
-        <a:font script="Gujr" typeface="Shruti"/>
-        <a:font script="Khmr" typeface="DaunPenh"/>
-        <a:font script="Knda" typeface="Tunga"/>
-        <a:font script="Guru" typeface="Raavi"/>
-        <a:font script="Cans" typeface="Euphemia"/>
-        <a:font script="Cher" typeface="Plantagenet Cherokee"/>
-        <a:font script="Yiii" typeface="Microsoft Yi Baiti"/>
-        <a:font script="Tibt" typeface="Microsoft Himalaya"/>
-        <a:font script="Thaa" typeface="MV Boli"/>
-        <a:font script="Deva" typeface="Mangal"/>
-        <a:font script="Telu" typeface="Gautami"/>
-        <a:font script="Taml" typeface="Latha"/>
-        <a:font script="Syrc" typeface="Estrangelo Edessa"/>
-        <a:font script="Orya" typeface="Kalinga"/>
-        <a:font script="Mlym" typeface="Kartika"/>
-        <a:font script="Laoo" typeface="DokChampa"/>
-        <a:font script="Sinh" typeface="Iskoola Pota"/>
-        <a:font script="Mong" typeface="Mongolian Baiti"/>
-        <a:font script="Viet" typeface="Arial"/>
-        <a:font script="Uigh" typeface="Microsoft Uighur"/>
-        <a:font script="Geor" typeface="Sylfaen"/>
-      </a:minorFont>
-    </a:fontScheme>
-    <a:fmtScheme name="Office">
-      <a:fillStyleLst>
-        <a:solidFill>
-          <a:schemeClr val="phClr"/>
-        </a:solidFill>
-        <a:gradFill rotWithShape="1">
-          <a:gsLst>
-            <a:gs pos="0">
-              <a:schemeClr val="phClr">
-                <a:tint val="50000"/>
-                <a:satMod val="300000"/>
-              </a:schemeClr>
-            </a:gs>
-            <a:gs pos="35000">
-              <a:schemeClr val="phClr">
-                <a:tint val="37000"/>
-                <a:satMod val="300000"/>
-              </a:schemeClr>
-            </a:gs>
-            <a:gs pos="100000">
-              <a:schemeClr val="phClr">
-                <a:tint val="15000"/>
-                <a:satMod val="350000"/>
-              </a:schemeClr>
-            </a:gs>
-          </a:gsLst>
-          <a:lin ang="16200000" scaled="1"/>
-        </a:gradFill>
-        <a:gradFill rotWithShape="1">
-          <a:gsLst>
-            <a:gs pos="0">
-              <a:schemeClr val="phClr">
-                <a:tint val="100000"/>
-                <a:shade val="100000"/>
-                <a:satMod val="130000"/>
-              </a:schemeClr>
-            </a:gs>
-            <a:gs pos="100000">
-              <a:schemeClr val="phClr">
-                <a:tint val="50000"/>
-                <a:shade val="100000"/>
-                <a:satMod val="350000"/>
-              </a:schemeClr>
-            </a:gs>
-          </a:gsLst>
-          <a:lin ang="16200000" scaled="0"/>
-        </a:gradFill>
-      </a:fillStyleLst>
-      <a:lnStyleLst>
-        <a:ln w="9525" cap="flat" cmpd="sng" algn="ctr">
-          <a:solidFill>
-            <a:schemeClr val="phClr">
-              <a:shade val="95000"/>
-              <a:satMod val="105000"/>
-            </a:schemeClr>
-          </a:solidFill>
-          <a:prstDash val="solid"/>
-        </a:ln>
-        <a:ln w="25400" cap="flat" cmpd="sng" algn="ctr">
-          <a:solidFill>
-            <a:schemeClr val="phClr"/>
-          </a:solidFill>
-          <a:prstDash val="solid"/>
-        </a:ln>
-        <a:ln w="38100" cap="flat" cmpd="sng" algn="ctr">
-          <a:solidFill>
-            <a:schemeClr val="phClr"/>
-          </a:solidFill>
-          <a:prstDash val="solid"/>
-        </a:ln>
-      </a:lnStyleLst>
-      <a:effectStyleLst>
-        <a:effectStyle>
-          <a:effectLst>
-            <a:outerShdw blurRad="40000" dist="20000" dir="5400000" rotWithShape="0">
-              <a:srgbClr val="000000">
-                <a:alpha val="38000"/>
-              </a:srgbClr>
-            </a:outerShdw>
-          </a:effectLst>
-        </a:effectStyle>
-        <a:effectStyle>
-          <a:effectLst>
-            <a:outerShdw blurRad="40000" dist="23000" dir="5400000" rotWithShape="0">
-              <a:srgbClr val="000000">
-                <a:alpha val="35000"/>
-              </a:srgbClr>
-            </a:outerShdw>
-          </a:effectLst>
-        </a:effectStyle>
-        <a:effectStyle>
-          <a:effectLst>
-            <a:outerShdw blurRad="40000" dist="23000" dir="5400000" rotWithShape="0">
-              <a:srgbClr val="000000">
-                <a:alpha val="35000"/>
-              </a:srgbClr>
-            </a:outerShdw>
-          </a:effectLst>
-          <a:scene3d>
-            <a:camera prst="orthographicFront">
-              <a:rot lat="0" lon="0" rev="0"/>
-            </a:camera>
-            <a:lightRig rig="threePt" dir="t">
-              <a:rot lat="0" lon="0" rev="1200000"/>
-            </a:lightRig>
-          </a:scene3d>
-          <a:sp3d>
-            <a:bevelT w="63500" h="25400"/>
-          </a:sp3d>
-        </a:effectStyle>
-      </a:effectStyleLst>
-      <a:bgFillStyleLst>
-        <a:solidFill>
-          <a:schemeClr val="phClr"/>
-        </a:solidFill>
-        <a:gradFill rotWithShape="1">
-          <a:gsLst>
-            <a:gs pos="0">
-              <a:schemeClr val="phClr">
-                <a:tint val="40000"/>
-                <a:satMod val="350000"/>
-              </a:schemeClr>
-            </a:gs>
-            <a:gs pos="40000">
-              <a:schemeClr val="phClr">
-                <a:tint val="45000"/>
-                <a:shade val="99000"/>
-                <a:satMod val="350000"/>
-              </a:schemeClr>
-            </a:gs>
-            <a:gs pos="100000">
-              <a:schemeClr val="phClr">
-                <a:shade val="20000"/>
-                <a:satMod val="255000"/>
-              </a:schemeClr>
-            </a:gs>
-          </a:gsLst>
-          <a:path path="circle">
-            <a:fillToRect l="50000" t="-80000" r="50000" b="180000"/>
-          </a:path>
-        </a:gradFill>
-        <a:gradFill rotWithShape="1">
-          <a:gsLst>
-            <a:gs pos="0">
-              <a:schemeClr val="phClr">
-                <a:tint val="80000"/>
-                <a:satMod val="300000"/>
-              </a:schemeClr>
-            </a:gs>
-            <a:gs pos="100000">
-              <a:schemeClr val="phClr">
-                <a:shade val="30000"/>
-                <a:satMod val="200000"/>
-              </a:schemeClr>
-            </a:gs>
-          </a:gsLst>
-          <a:path path="circle">
-            <a:fillToRect l="50000" t="50000" r="50000" b="50000"/>
-          </a:path>
-        </a:gradFill>
-      </a:bgFillStyleLst>
-    </a:fmtScheme>
-  </a:themeElements>
-</a:theme>
 </file>
--- a/Lecture slides/AMOS B02 - Scrum and AMOS.pptx
+++ b/Lecture slides/AMOS B02 - Scrum and AMOS.pptx
@@ -8633,7 +8633,7 @@
         <p:spPr>
           <a:xfrm>
             <a:off x="274320" y="914400"/>
-            <a:ext cx="8595360" cy="3493598"/>
+            <a:ext cx="8595360" cy="3495446"/>
           </a:xfrm>
           <a:prstGeom prst="rect">
             <a:avLst/>
@@ -13515,13 +13515,13 @@
             <a:tbl>
               <a:tblPr>
                 <a:noFill/>
-                <a:tableStyleId>{CFB260D9-3816-47DC-9307-1762282DE109}</a:tableStyleId>
+                <a:tableStyleId>{FA716DD0-B4C6-466D-8636-53D17FF55567}</a:tableStyleId>
               </a:tblPr>
               <a:tblGrid>
                 <a:gridCol w="2057400"/>
                 <a:gridCol w="2057400"/>
               </a:tblGrid>
-              <a:tr h="478350">
+              <a:tr h="457200">
                 <a:tc>
                   <a:txBody>
                     <a:bodyPr/>
@@ -13665,7 +13665,7 @@
                   </a:tcPr>
                 </a:tc>
               </a:tr>
-              <a:tr h="478350">
+              <a:tr h="457200">
                 <a:tc>
                   <a:txBody>
                     <a:bodyPr/>
@@ -13787,7 +13787,7 @@
                   </a:tcPr>
                 </a:tc>
               </a:tr>
-              <a:tr h="478350">
+              <a:tr h="457200">
                 <a:tc>
                   <a:txBody>
                     <a:bodyPr/>
@@ -13915,7 +13915,7 @@
                   </a:tcPr>
                 </a:tc>
               </a:tr>
-              <a:tr h="478350">
+              <a:tr h="457200">
                 <a:tc>
                   <a:txBody>
                     <a:bodyPr/>
@@ -14043,7 +14043,7 @@
                   </a:tcPr>
                 </a:tc>
               </a:tr>
-              <a:tr h="478350">
+              <a:tr h="457200">
                 <a:tc>
                   <a:txBody>
                     <a:bodyPr/>
@@ -14171,7 +14171,7 @@
                   </a:tcPr>
                 </a:tc>
               </a:tr>
-              <a:tr h="478350">
+              <a:tr h="457200">
                 <a:tc>
                   <a:txBody>
                     <a:bodyPr/>
@@ -14299,7 +14299,7 @@
                   </a:tcPr>
                 </a:tc>
               </a:tr>
-              <a:tr h="478350">
+              <a:tr h="457200">
                 <a:tc>
                   <a:txBody>
                     <a:bodyPr/>
@@ -14427,7 +14427,7 @@
                   </a:tcPr>
                 </a:tc>
               </a:tr>
-              <a:tr h="478350">
+              <a:tr h="457200">
                 <a:tc>
                   <a:txBody>
                     <a:bodyPr/>
@@ -15852,7 +15852,7 @@
             <a:tbl>
               <a:tblPr>
                 <a:noFill/>
-                <a:tableStyleId>{CFB260D9-3816-47DC-9307-1762282DE109}</a:tableStyleId>
+                <a:tableStyleId>{FA716DD0-B4C6-466D-8636-53D17FF55567}</a:tableStyleId>
               </a:tblPr>
               <a:tblGrid>
                 <a:gridCol w="638675"/>
@@ -17787,7 +17787,7 @@
             <a:tbl>
               <a:tblPr>
                 <a:noFill/>
-                <a:tableStyleId>{CFB260D9-3816-47DC-9307-1762282DE109}</a:tableStyleId>
+                <a:tableStyleId>{FA716DD0-B4C6-466D-8636-53D17FF55567}</a:tableStyleId>
               </a:tblPr>
               <a:tblGrid>
                 <a:gridCol w="1280725"/>

--- a/Lecture slides/AMOS B02 - Scrum and AMOS.pptx
+++ b/Lecture slides/AMOS B02 - Scrum and AMOS.pptx
@@ -14174,11 +14174,11 @@
             <a:tbl>
               <a:tblPr>
                 <a:noFill/>
-                <a:tableStyleId>{87DC84E8-2E41-46D6-8290-F3E412BB11F4}</a:tableStyleId>
+                <a:tableStyleId>{ACD05F4B-F717-41A4-BDE8-8485AB1F8521}</a:tableStyleId>
               </a:tblPr>
               <a:tblGrid>
-                <a:gridCol w="2057400"/>
-                <a:gridCol w="2057400"/>
+                <a:gridCol w="2103125"/>
+                <a:gridCol w="2103125"/>
               </a:tblGrid>
               <a:tr h="457200">
                 <a:tc>
@@ -16601,7 +16601,7 @@
             <a:tbl>
               <a:tblPr>
                 <a:noFill/>
-                <a:tableStyleId>{87DC84E8-2E41-46D6-8290-F3E412BB11F4}</a:tableStyleId>
+                <a:tableStyleId>{ACD05F4B-F717-41A4-BDE8-8485AB1F8521}</a:tableStyleId>
               </a:tblPr>
               <a:tblGrid>
                 <a:gridCol w="638675"/>
@@ -18552,7 +18552,7 @@
             <a:tbl>
               <a:tblPr>
                 <a:noFill/>
-                <a:tableStyleId>{87DC84E8-2E41-46D6-8290-F3E412BB11F4}</a:tableStyleId>
+                <a:tableStyleId>{ACD05F4B-F717-41A4-BDE8-8485AB1F8521}</a:tableStyleId>
               </a:tblPr>
               <a:tblGrid>
                 <a:gridCol w="1280725"/>
